--- a/Emerging-Technologies-for-the-Circular-Economy/ETCE-L05a-IoT-Communications.pptx
+++ b/Emerging-Technologies-for-the-Circular-Economy/ETCE-L05a-IoT-Communications.pptx
@@ -33,7 +33,7 @@
     <p:sldId id="279" r:id="rId28"/>
   </p:sldIdLst>
   <p:sldSz cx="12192000" cy="6858000"/>
-  <p:notesSz cx="7559675" cy="10691812"/>
+  <p:notesSz cx="7772400" cy="10058400"/>
 </p:presentation>
 </file>
 
@@ -94,15 +94,21 @@
           <a:prstGeom prst="rect">
             <a:avLst/>
           </a:prstGeom>
+          <a:noFill/>
+          <a:ln w="0">
+            <a:noFill/>
+          </a:ln>
         </p:spPr>
         <p:txBody>
           <a:bodyPr lIns="0" rIns="0" tIns="0" bIns="0" anchor="ctr">
             <a:noAutofit/>
           </a:bodyPr>
           <a:p>
-            <a:pPr algn="ctr"/>
+            <a:pPr algn="ctr">
+              <a:buNone/>
+            </a:pPr>
             <a:endParaRPr b="0" lang="en-US" sz="4400" spc="-1" strike="noStrike">
-              <a:latin typeface="Arial"/>
+              <a:latin typeface="DejaVu Sans"/>
             </a:endParaRPr>
           </a:p>
         </p:txBody>
@@ -114,7 +120,7 @@
             <a:spLocks noGrp="1"/>
           </p:cNvSpPr>
           <p:nvPr>
-            <p:ph type="body"/>
+            <p:ph/>
           </p:nvPr>
         </p:nvSpPr>
         <p:spPr>
@@ -125,14 +131,18 @@
           <a:prstGeom prst="rect">
             <a:avLst/>
           </a:prstGeom>
-        </p:spPr>
-        <p:txBody>
-          <a:bodyPr lIns="0" rIns="0" tIns="0" bIns="0">
+          <a:noFill/>
+          <a:ln w="0">
+            <a:noFill/>
+          </a:ln>
+        </p:spPr>
+        <p:txBody>
+          <a:bodyPr lIns="0" rIns="0" tIns="0" bIns="0" anchor="t">
             <a:normAutofit/>
           </a:bodyPr>
           <a:p>
             <a:endParaRPr b="0" lang="en-US" sz="3200" spc="-1" strike="noStrike">
-              <a:latin typeface="Arial"/>
+              <a:latin typeface="DejaVu Sans"/>
             </a:endParaRPr>
           </a:p>
         </p:txBody>
@@ -144,7 +154,7 @@
             <a:spLocks noGrp="1"/>
           </p:cNvSpPr>
           <p:nvPr>
-            <p:ph type="body"/>
+            <p:ph/>
           </p:nvPr>
         </p:nvSpPr>
         <p:spPr>
@@ -155,14 +165,18 @@
           <a:prstGeom prst="rect">
             <a:avLst/>
           </a:prstGeom>
-        </p:spPr>
-        <p:txBody>
-          <a:bodyPr lIns="0" rIns="0" tIns="0" bIns="0">
+          <a:noFill/>
+          <a:ln w="0">
+            <a:noFill/>
+          </a:ln>
+        </p:spPr>
+        <p:txBody>
+          <a:bodyPr lIns="0" rIns="0" tIns="0" bIns="0" anchor="t">
             <a:normAutofit/>
           </a:bodyPr>
           <a:p>
             <a:endParaRPr b="0" lang="en-US" sz="3200" spc="-1" strike="noStrike">
-              <a:latin typeface="Arial"/>
+              <a:latin typeface="DejaVu Sans"/>
             </a:endParaRPr>
           </a:p>
         </p:txBody>
@@ -207,15 +221,21 @@
           <a:prstGeom prst="rect">
             <a:avLst/>
           </a:prstGeom>
+          <a:noFill/>
+          <a:ln w="0">
+            <a:noFill/>
+          </a:ln>
         </p:spPr>
         <p:txBody>
           <a:bodyPr lIns="0" rIns="0" tIns="0" bIns="0" anchor="ctr">
             <a:noAutofit/>
           </a:bodyPr>
           <a:p>
-            <a:pPr algn="ctr"/>
+            <a:pPr algn="ctr">
+              <a:buNone/>
+            </a:pPr>
             <a:endParaRPr b="0" lang="en-US" sz="4400" spc="-1" strike="noStrike">
-              <a:latin typeface="Arial"/>
+              <a:latin typeface="DejaVu Sans"/>
             </a:endParaRPr>
           </a:p>
         </p:txBody>
@@ -227,7 +247,7 @@
             <a:spLocks noGrp="1"/>
           </p:cNvSpPr>
           <p:nvPr>
-            <p:ph type="body"/>
+            <p:ph/>
           </p:nvPr>
         </p:nvSpPr>
         <p:spPr>
@@ -238,14 +258,18 @@
           <a:prstGeom prst="rect">
             <a:avLst/>
           </a:prstGeom>
-        </p:spPr>
-        <p:txBody>
-          <a:bodyPr lIns="0" rIns="0" tIns="0" bIns="0">
+          <a:noFill/>
+          <a:ln w="0">
+            <a:noFill/>
+          </a:ln>
+        </p:spPr>
+        <p:txBody>
+          <a:bodyPr lIns="0" rIns="0" tIns="0" bIns="0" anchor="t">
             <a:normAutofit/>
           </a:bodyPr>
           <a:p>
             <a:endParaRPr b="0" lang="en-US" sz="3200" spc="-1" strike="noStrike">
-              <a:latin typeface="Arial"/>
+              <a:latin typeface="DejaVu Sans"/>
             </a:endParaRPr>
           </a:p>
         </p:txBody>
@@ -257,7 +281,7 @@
             <a:spLocks noGrp="1"/>
           </p:cNvSpPr>
           <p:nvPr>
-            <p:ph type="body"/>
+            <p:ph/>
           </p:nvPr>
         </p:nvSpPr>
         <p:spPr>
@@ -268,14 +292,18 @@
           <a:prstGeom prst="rect">
             <a:avLst/>
           </a:prstGeom>
-        </p:spPr>
-        <p:txBody>
-          <a:bodyPr lIns="0" rIns="0" tIns="0" bIns="0">
+          <a:noFill/>
+          <a:ln w="0">
+            <a:noFill/>
+          </a:ln>
+        </p:spPr>
+        <p:txBody>
+          <a:bodyPr lIns="0" rIns="0" tIns="0" bIns="0" anchor="t">
             <a:normAutofit/>
           </a:bodyPr>
           <a:p>
             <a:endParaRPr b="0" lang="en-US" sz="3200" spc="-1" strike="noStrike">
-              <a:latin typeface="Arial"/>
+              <a:latin typeface="DejaVu Sans"/>
             </a:endParaRPr>
           </a:p>
         </p:txBody>
@@ -287,7 +315,7 @@
             <a:spLocks noGrp="1"/>
           </p:cNvSpPr>
           <p:nvPr>
-            <p:ph type="body"/>
+            <p:ph/>
           </p:nvPr>
         </p:nvSpPr>
         <p:spPr>
@@ -298,14 +326,18 @@
           <a:prstGeom prst="rect">
             <a:avLst/>
           </a:prstGeom>
-        </p:spPr>
-        <p:txBody>
-          <a:bodyPr lIns="0" rIns="0" tIns="0" bIns="0">
+          <a:noFill/>
+          <a:ln w="0">
+            <a:noFill/>
+          </a:ln>
+        </p:spPr>
+        <p:txBody>
+          <a:bodyPr lIns="0" rIns="0" tIns="0" bIns="0" anchor="t">
             <a:normAutofit/>
           </a:bodyPr>
           <a:p>
             <a:endParaRPr b="0" lang="en-US" sz="3200" spc="-1" strike="noStrike">
-              <a:latin typeface="Arial"/>
+              <a:latin typeface="DejaVu Sans"/>
             </a:endParaRPr>
           </a:p>
         </p:txBody>
@@ -317,7 +349,7 @@
             <a:spLocks noGrp="1"/>
           </p:cNvSpPr>
           <p:nvPr>
-            <p:ph type="body"/>
+            <p:ph/>
           </p:nvPr>
         </p:nvSpPr>
         <p:spPr>
@@ -328,14 +360,18 @@
           <a:prstGeom prst="rect">
             <a:avLst/>
           </a:prstGeom>
-        </p:spPr>
-        <p:txBody>
-          <a:bodyPr lIns="0" rIns="0" tIns="0" bIns="0">
+          <a:noFill/>
+          <a:ln w="0">
+            <a:noFill/>
+          </a:ln>
+        </p:spPr>
+        <p:txBody>
+          <a:bodyPr lIns="0" rIns="0" tIns="0" bIns="0" anchor="t">
             <a:normAutofit/>
           </a:bodyPr>
           <a:p>
             <a:endParaRPr b="0" lang="en-US" sz="3200" spc="-1" strike="noStrike">
-              <a:latin typeface="Arial"/>
+              <a:latin typeface="DejaVu Sans"/>
             </a:endParaRPr>
           </a:p>
         </p:txBody>
@@ -380,15 +416,21 @@
           <a:prstGeom prst="rect">
             <a:avLst/>
           </a:prstGeom>
+          <a:noFill/>
+          <a:ln w="0">
+            <a:noFill/>
+          </a:ln>
         </p:spPr>
         <p:txBody>
           <a:bodyPr lIns="0" rIns="0" tIns="0" bIns="0" anchor="ctr">
             <a:noAutofit/>
           </a:bodyPr>
           <a:p>
-            <a:pPr algn="ctr"/>
+            <a:pPr algn="ctr">
+              <a:buNone/>
+            </a:pPr>
             <a:endParaRPr b="0" lang="en-US" sz="4400" spc="-1" strike="noStrike">
-              <a:latin typeface="Arial"/>
+              <a:latin typeface="DejaVu Sans"/>
             </a:endParaRPr>
           </a:p>
         </p:txBody>
@@ -400,7 +442,7 @@
             <a:spLocks noGrp="1"/>
           </p:cNvSpPr>
           <p:nvPr>
-            <p:ph type="body"/>
+            <p:ph/>
           </p:nvPr>
         </p:nvSpPr>
         <p:spPr>
@@ -411,14 +453,18 @@
           <a:prstGeom prst="rect">
             <a:avLst/>
           </a:prstGeom>
-        </p:spPr>
-        <p:txBody>
-          <a:bodyPr lIns="0" rIns="0" tIns="0" bIns="0">
+          <a:noFill/>
+          <a:ln w="0">
+            <a:noFill/>
+          </a:ln>
+        </p:spPr>
+        <p:txBody>
+          <a:bodyPr lIns="0" rIns="0" tIns="0" bIns="0" anchor="t">
             <a:normAutofit/>
           </a:bodyPr>
           <a:p>
             <a:endParaRPr b="0" lang="en-US" sz="3200" spc="-1" strike="noStrike">
-              <a:latin typeface="Arial"/>
+              <a:latin typeface="DejaVu Sans"/>
             </a:endParaRPr>
           </a:p>
         </p:txBody>
@@ -430,7 +476,7 @@
             <a:spLocks noGrp="1"/>
           </p:cNvSpPr>
           <p:nvPr>
-            <p:ph type="body"/>
+            <p:ph/>
           </p:nvPr>
         </p:nvSpPr>
         <p:spPr>
@@ -441,14 +487,18 @@
           <a:prstGeom prst="rect">
             <a:avLst/>
           </a:prstGeom>
-        </p:spPr>
-        <p:txBody>
-          <a:bodyPr lIns="0" rIns="0" tIns="0" bIns="0">
+          <a:noFill/>
+          <a:ln w="0">
+            <a:noFill/>
+          </a:ln>
+        </p:spPr>
+        <p:txBody>
+          <a:bodyPr lIns="0" rIns="0" tIns="0" bIns="0" anchor="t">
             <a:normAutofit/>
           </a:bodyPr>
           <a:p>
             <a:endParaRPr b="0" lang="en-US" sz="3200" spc="-1" strike="noStrike">
-              <a:latin typeface="Arial"/>
+              <a:latin typeface="DejaVu Sans"/>
             </a:endParaRPr>
           </a:p>
         </p:txBody>
@@ -460,7 +510,7 @@
             <a:spLocks noGrp="1"/>
           </p:cNvSpPr>
           <p:nvPr>
-            <p:ph type="body"/>
+            <p:ph/>
           </p:nvPr>
         </p:nvSpPr>
         <p:spPr>
@@ -471,14 +521,18 @@
           <a:prstGeom prst="rect">
             <a:avLst/>
           </a:prstGeom>
-        </p:spPr>
-        <p:txBody>
-          <a:bodyPr lIns="0" rIns="0" tIns="0" bIns="0">
+          <a:noFill/>
+          <a:ln w="0">
+            <a:noFill/>
+          </a:ln>
+        </p:spPr>
+        <p:txBody>
+          <a:bodyPr lIns="0" rIns="0" tIns="0" bIns="0" anchor="t">
             <a:normAutofit/>
           </a:bodyPr>
           <a:p>
             <a:endParaRPr b="0" lang="en-US" sz="3200" spc="-1" strike="noStrike">
-              <a:latin typeface="Arial"/>
+              <a:latin typeface="DejaVu Sans"/>
             </a:endParaRPr>
           </a:p>
         </p:txBody>
@@ -490,7 +544,7 @@
             <a:spLocks noGrp="1"/>
           </p:cNvSpPr>
           <p:nvPr>
-            <p:ph type="body"/>
+            <p:ph/>
           </p:nvPr>
         </p:nvSpPr>
         <p:spPr>
@@ -501,14 +555,18 @@
           <a:prstGeom prst="rect">
             <a:avLst/>
           </a:prstGeom>
-        </p:spPr>
-        <p:txBody>
-          <a:bodyPr lIns="0" rIns="0" tIns="0" bIns="0">
+          <a:noFill/>
+          <a:ln w="0">
+            <a:noFill/>
+          </a:ln>
+        </p:spPr>
+        <p:txBody>
+          <a:bodyPr lIns="0" rIns="0" tIns="0" bIns="0" anchor="t">
             <a:normAutofit/>
           </a:bodyPr>
           <a:p>
             <a:endParaRPr b="0" lang="en-US" sz="3200" spc="-1" strike="noStrike">
-              <a:latin typeface="Arial"/>
+              <a:latin typeface="DejaVu Sans"/>
             </a:endParaRPr>
           </a:p>
         </p:txBody>
@@ -520,7 +578,7 @@
             <a:spLocks noGrp="1"/>
           </p:cNvSpPr>
           <p:nvPr>
-            <p:ph type="body"/>
+            <p:ph/>
           </p:nvPr>
         </p:nvSpPr>
         <p:spPr>
@@ -531,14 +589,18 @@
           <a:prstGeom prst="rect">
             <a:avLst/>
           </a:prstGeom>
-        </p:spPr>
-        <p:txBody>
-          <a:bodyPr lIns="0" rIns="0" tIns="0" bIns="0">
+          <a:noFill/>
+          <a:ln w="0">
+            <a:noFill/>
+          </a:ln>
+        </p:spPr>
+        <p:txBody>
+          <a:bodyPr lIns="0" rIns="0" tIns="0" bIns="0" anchor="t">
             <a:normAutofit/>
           </a:bodyPr>
           <a:p>
             <a:endParaRPr b="0" lang="en-US" sz="3200" spc="-1" strike="noStrike">
-              <a:latin typeface="Arial"/>
+              <a:latin typeface="DejaVu Sans"/>
             </a:endParaRPr>
           </a:p>
         </p:txBody>
@@ -550,7 +612,7 @@
             <a:spLocks noGrp="1"/>
           </p:cNvSpPr>
           <p:nvPr>
-            <p:ph type="body"/>
+            <p:ph/>
           </p:nvPr>
         </p:nvSpPr>
         <p:spPr>
@@ -561,14 +623,18 @@
           <a:prstGeom prst="rect">
             <a:avLst/>
           </a:prstGeom>
-        </p:spPr>
-        <p:txBody>
-          <a:bodyPr lIns="0" rIns="0" tIns="0" bIns="0">
+          <a:noFill/>
+          <a:ln w="0">
+            <a:noFill/>
+          </a:ln>
+        </p:spPr>
+        <p:txBody>
+          <a:bodyPr lIns="0" rIns="0" tIns="0" bIns="0" anchor="t">
             <a:normAutofit/>
           </a:bodyPr>
           <a:p>
             <a:endParaRPr b="0" lang="en-US" sz="3200" spc="-1" strike="noStrike">
-              <a:latin typeface="Arial"/>
+              <a:latin typeface="DejaVu Sans"/>
             </a:endParaRPr>
           </a:p>
         </p:txBody>
@@ -635,15 +701,21 @@
           <a:prstGeom prst="rect">
             <a:avLst/>
           </a:prstGeom>
+          <a:noFill/>
+          <a:ln w="0">
+            <a:noFill/>
+          </a:ln>
         </p:spPr>
         <p:txBody>
           <a:bodyPr lIns="0" rIns="0" tIns="0" bIns="0" anchor="ctr">
             <a:noAutofit/>
           </a:bodyPr>
           <a:p>
-            <a:pPr algn="ctr"/>
+            <a:pPr algn="ctr">
+              <a:buNone/>
+            </a:pPr>
             <a:endParaRPr b="0" lang="en-US" sz="4400" spc="-1" strike="noStrike">
-              <a:latin typeface="Arial"/>
+              <a:latin typeface="DejaVu Sans"/>
             </a:endParaRPr>
           </a:p>
         </p:txBody>
@@ -666,15 +738,21 @@
           <a:prstGeom prst="rect">
             <a:avLst/>
           </a:prstGeom>
+          <a:noFill/>
+          <a:ln w="0">
+            <a:noFill/>
+          </a:ln>
         </p:spPr>
         <p:txBody>
           <a:bodyPr lIns="0" rIns="0" tIns="0" bIns="0" anchor="ctr">
             <a:noAutofit/>
           </a:bodyPr>
           <a:p>
-            <a:pPr algn="ctr"/>
+            <a:pPr algn="ctr">
+              <a:buNone/>
+            </a:pPr>
             <a:endParaRPr b="0" lang="en-US" sz="3200" spc="-1" strike="noStrike">
-              <a:latin typeface="Arial"/>
+              <a:latin typeface="DejaVu Sans"/>
             </a:endParaRPr>
           </a:p>
         </p:txBody>
@@ -719,15 +797,21 @@
           <a:prstGeom prst="rect">
             <a:avLst/>
           </a:prstGeom>
+          <a:noFill/>
+          <a:ln w="0">
+            <a:noFill/>
+          </a:ln>
         </p:spPr>
         <p:txBody>
           <a:bodyPr lIns="0" rIns="0" tIns="0" bIns="0" anchor="ctr">
             <a:noAutofit/>
           </a:bodyPr>
           <a:p>
-            <a:pPr algn="ctr"/>
+            <a:pPr algn="ctr">
+              <a:buNone/>
+            </a:pPr>
             <a:endParaRPr b="0" lang="en-US" sz="4400" spc="-1" strike="noStrike">
-              <a:latin typeface="Arial"/>
+              <a:latin typeface="DejaVu Sans"/>
             </a:endParaRPr>
           </a:p>
         </p:txBody>
@@ -739,7 +823,7 @@
             <a:spLocks noGrp="1"/>
           </p:cNvSpPr>
           <p:nvPr>
-            <p:ph type="body"/>
+            <p:ph/>
           </p:nvPr>
         </p:nvSpPr>
         <p:spPr>
@@ -750,14 +834,18 @@
           <a:prstGeom prst="rect">
             <a:avLst/>
           </a:prstGeom>
-        </p:spPr>
-        <p:txBody>
-          <a:bodyPr lIns="0" rIns="0" tIns="0" bIns="0">
+          <a:noFill/>
+          <a:ln w="0">
+            <a:noFill/>
+          </a:ln>
+        </p:spPr>
+        <p:txBody>
+          <a:bodyPr lIns="0" rIns="0" tIns="0" bIns="0" anchor="t">
             <a:normAutofit/>
           </a:bodyPr>
           <a:p>
             <a:endParaRPr b="0" lang="en-US" sz="3200" spc="-1" strike="noStrike">
-              <a:latin typeface="Arial"/>
+              <a:latin typeface="DejaVu Sans"/>
             </a:endParaRPr>
           </a:p>
         </p:txBody>
@@ -802,15 +890,21 @@
           <a:prstGeom prst="rect">
             <a:avLst/>
           </a:prstGeom>
+          <a:noFill/>
+          <a:ln w="0">
+            <a:noFill/>
+          </a:ln>
         </p:spPr>
         <p:txBody>
           <a:bodyPr lIns="0" rIns="0" tIns="0" bIns="0" anchor="ctr">
             <a:noAutofit/>
           </a:bodyPr>
           <a:p>
-            <a:pPr algn="ctr"/>
+            <a:pPr algn="ctr">
+              <a:buNone/>
+            </a:pPr>
             <a:endParaRPr b="0" lang="en-US" sz="4400" spc="-1" strike="noStrike">
-              <a:latin typeface="Arial"/>
+              <a:latin typeface="DejaVu Sans"/>
             </a:endParaRPr>
           </a:p>
         </p:txBody>
@@ -822,7 +916,7 @@
             <a:spLocks noGrp="1"/>
           </p:cNvSpPr>
           <p:nvPr>
-            <p:ph type="body"/>
+            <p:ph/>
           </p:nvPr>
         </p:nvSpPr>
         <p:spPr>
@@ -833,14 +927,18 @@
           <a:prstGeom prst="rect">
             <a:avLst/>
           </a:prstGeom>
-        </p:spPr>
-        <p:txBody>
-          <a:bodyPr lIns="0" rIns="0" tIns="0" bIns="0">
+          <a:noFill/>
+          <a:ln w="0">
+            <a:noFill/>
+          </a:ln>
+        </p:spPr>
+        <p:txBody>
+          <a:bodyPr lIns="0" rIns="0" tIns="0" bIns="0" anchor="t">
             <a:normAutofit/>
           </a:bodyPr>
           <a:p>
             <a:endParaRPr b="0" lang="en-US" sz="3200" spc="-1" strike="noStrike">
-              <a:latin typeface="Arial"/>
+              <a:latin typeface="DejaVu Sans"/>
             </a:endParaRPr>
           </a:p>
         </p:txBody>
@@ -852,7 +950,7 @@
             <a:spLocks noGrp="1"/>
           </p:cNvSpPr>
           <p:nvPr>
-            <p:ph type="body"/>
+            <p:ph/>
           </p:nvPr>
         </p:nvSpPr>
         <p:spPr>
@@ -863,14 +961,18 @@
           <a:prstGeom prst="rect">
             <a:avLst/>
           </a:prstGeom>
-        </p:spPr>
-        <p:txBody>
-          <a:bodyPr lIns="0" rIns="0" tIns="0" bIns="0">
+          <a:noFill/>
+          <a:ln w="0">
+            <a:noFill/>
+          </a:ln>
+        </p:spPr>
+        <p:txBody>
+          <a:bodyPr lIns="0" rIns="0" tIns="0" bIns="0" anchor="t">
             <a:normAutofit/>
           </a:bodyPr>
           <a:p>
             <a:endParaRPr b="0" lang="en-US" sz="3200" spc="-1" strike="noStrike">
-              <a:latin typeface="Arial"/>
+              <a:latin typeface="DejaVu Sans"/>
             </a:endParaRPr>
           </a:p>
         </p:txBody>
@@ -915,15 +1017,21 @@
           <a:prstGeom prst="rect">
             <a:avLst/>
           </a:prstGeom>
+          <a:noFill/>
+          <a:ln w="0">
+            <a:noFill/>
+          </a:ln>
         </p:spPr>
         <p:txBody>
           <a:bodyPr lIns="0" rIns="0" tIns="0" bIns="0" anchor="ctr">
             <a:noAutofit/>
           </a:bodyPr>
           <a:p>
-            <a:pPr algn="ctr"/>
+            <a:pPr algn="ctr">
+              <a:buNone/>
+            </a:pPr>
             <a:endParaRPr b="0" lang="en-US" sz="4400" spc="-1" strike="noStrike">
-              <a:latin typeface="Arial"/>
+              <a:latin typeface="DejaVu Sans"/>
             </a:endParaRPr>
           </a:p>
         </p:txBody>
@@ -968,15 +1076,21 @@
           <a:prstGeom prst="rect">
             <a:avLst/>
           </a:prstGeom>
+          <a:noFill/>
+          <a:ln w="0">
+            <a:noFill/>
+          </a:ln>
         </p:spPr>
         <p:txBody>
           <a:bodyPr lIns="0" rIns="0" tIns="0" bIns="0" anchor="ctr">
             <a:noAutofit/>
           </a:bodyPr>
           <a:p>
-            <a:pPr algn="ctr"/>
+            <a:pPr algn="ctr">
+              <a:buNone/>
+            </a:pPr>
             <a:endParaRPr b="0" lang="en-US" sz="3200" spc="-1" strike="noStrike">
-              <a:latin typeface="Arial"/>
+              <a:latin typeface="DejaVu Sans"/>
             </a:endParaRPr>
           </a:p>
         </p:txBody>
@@ -1021,15 +1135,21 @@
           <a:prstGeom prst="rect">
             <a:avLst/>
           </a:prstGeom>
+          <a:noFill/>
+          <a:ln w="0">
+            <a:noFill/>
+          </a:ln>
         </p:spPr>
         <p:txBody>
           <a:bodyPr lIns="0" rIns="0" tIns="0" bIns="0" anchor="ctr">
             <a:noAutofit/>
           </a:bodyPr>
           <a:p>
-            <a:pPr algn="ctr"/>
+            <a:pPr algn="ctr">
+              <a:buNone/>
+            </a:pPr>
             <a:endParaRPr b="0" lang="en-US" sz="4400" spc="-1" strike="noStrike">
-              <a:latin typeface="Arial"/>
+              <a:latin typeface="DejaVu Sans"/>
             </a:endParaRPr>
           </a:p>
         </p:txBody>
@@ -1041,7 +1161,7 @@
             <a:spLocks noGrp="1"/>
           </p:cNvSpPr>
           <p:nvPr>
-            <p:ph type="body"/>
+            <p:ph/>
           </p:nvPr>
         </p:nvSpPr>
         <p:spPr>
@@ -1052,14 +1172,18 @@
           <a:prstGeom prst="rect">
             <a:avLst/>
           </a:prstGeom>
-        </p:spPr>
-        <p:txBody>
-          <a:bodyPr lIns="0" rIns="0" tIns="0" bIns="0">
+          <a:noFill/>
+          <a:ln w="0">
+            <a:noFill/>
+          </a:ln>
+        </p:spPr>
+        <p:txBody>
+          <a:bodyPr lIns="0" rIns="0" tIns="0" bIns="0" anchor="t">
             <a:normAutofit/>
           </a:bodyPr>
           <a:p>
             <a:endParaRPr b="0" lang="en-US" sz="3200" spc="-1" strike="noStrike">
-              <a:latin typeface="Arial"/>
+              <a:latin typeface="DejaVu Sans"/>
             </a:endParaRPr>
           </a:p>
         </p:txBody>
@@ -1071,7 +1195,7 @@
             <a:spLocks noGrp="1"/>
           </p:cNvSpPr>
           <p:nvPr>
-            <p:ph type="body"/>
+            <p:ph/>
           </p:nvPr>
         </p:nvSpPr>
         <p:spPr>
@@ -1082,14 +1206,18 @@
           <a:prstGeom prst="rect">
             <a:avLst/>
           </a:prstGeom>
-        </p:spPr>
-        <p:txBody>
-          <a:bodyPr lIns="0" rIns="0" tIns="0" bIns="0">
+          <a:noFill/>
+          <a:ln w="0">
+            <a:noFill/>
+          </a:ln>
+        </p:spPr>
+        <p:txBody>
+          <a:bodyPr lIns="0" rIns="0" tIns="0" bIns="0" anchor="t">
             <a:normAutofit/>
           </a:bodyPr>
           <a:p>
             <a:endParaRPr b="0" lang="en-US" sz="3200" spc="-1" strike="noStrike">
-              <a:latin typeface="Arial"/>
+              <a:latin typeface="DejaVu Sans"/>
             </a:endParaRPr>
           </a:p>
         </p:txBody>
@@ -1101,7 +1229,7 @@
             <a:spLocks noGrp="1"/>
           </p:cNvSpPr>
           <p:nvPr>
-            <p:ph type="body"/>
+            <p:ph/>
           </p:nvPr>
         </p:nvSpPr>
         <p:spPr>
@@ -1112,14 +1240,18 @@
           <a:prstGeom prst="rect">
             <a:avLst/>
           </a:prstGeom>
-        </p:spPr>
-        <p:txBody>
-          <a:bodyPr lIns="0" rIns="0" tIns="0" bIns="0">
+          <a:noFill/>
+          <a:ln w="0">
+            <a:noFill/>
+          </a:ln>
+        </p:spPr>
+        <p:txBody>
+          <a:bodyPr lIns="0" rIns="0" tIns="0" bIns="0" anchor="t">
             <a:normAutofit/>
           </a:bodyPr>
           <a:p>
             <a:endParaRPr b="0" lang="en-US" sz="3200" spc="-1" strike="noStrike">
-              <a:latin typeface="Arial"/>
+              <a:latin typeface="DejaVu Sans"/>
             </a:endParaRPr>
           </a:p>
         </p:txBody>
@@ -1164,15 +1296,21 @@
           <a:prstGeom prst="rect">
             <a:avLst/>
           </a:prstGeom>
+          <a:noFill/>
+          <a:ln w="0">
+            <a:noFill/>
+          </a:ln>
         </p:spPr>
         <p:txBody>
           <a:bodyPr lIns="0" rIns="0" tIns="0" bIns="0" anchor="ctr">
             <a:noAutofit/>
           </a:bodyPr>
           <a:p>
-            <a:pPr algn="ctr"/>
+            <a:pPr algn="ctr">
+              <a:buNone/>
+            </a:pPr>
             <a:endParaRPr b="0" lang="en-US" sz="4400" spc="-1" strike="noStrike">
-              <a:latin typeface="Arial"/>
+              <a:latin typeface="DejaVu Sans"/>
             </a:endParaRPr>
           </a:p>
         </p:txBody>
@@ -1195,15 +1333,21 @@
           <a:prstGeom prst="rect">
             <a:avLst/>
           </a:prstGeom>
+          <a:noFill/>
+          <a:ln w="0">
+            <a:noFill/>
+          </a:ln>
         </p:spPr>
         <p:txBody>
           <a:bodyPr lIns="0" rIns="0" tIns="0" bIns="0" anchor="ctr">
             <a:noAutofit/>
           </a:bodyPr>
           <a:p>
-            <a:pPr algn="ctr"/>
+            <a:pPr algn="ctr">
+              <a:buNone/>
+            </a:pPr>
             <a:endParaRPr b="0" lang="en-US" sz="3200" spc="-1" strike="noStrike">
-              <a:latin typeface="Arial"/>
+              <a:latin typeface="DejaVu Sans"/>
             </a:endParaRPr>
           </a:p>
         </p:txBody>
@@ -1248,15 +1392,21 @@
           <a:prstGeom prst="rect">
             <a:avLst/>
           </a:prstGeom>
+          <a:noFill/>
+          <a:ln w="0">
+            <a:noFill/>
+          </a:ln>
         </p:spPr>
         <p:txBody>
           <a:bodyPr lIns="0" rIns="0" tIns="0" bIns="0" anchor="ctr">
             <a:noAutofit/>
           </a:bodyPr>
           <a:p>
-            <a:pPr algn="ctr"/>
+            <a:pPr algn="ctr">
+              <a:buNone/>
+            </a:pPr>
             <a:endParaRPr b="0" lang="en-US" sz="4400" spc="-1" strike="noStrike">
-              <a:latin typeface="Arial"/>
+              <a:latin typeface="DejaVu Sans"/>
             </a:endParaRPr>
           </a:p>
         </p:txBody>
@@ -1268,7 +1418,7 @@
             <a:spLocks noGrp="1"/>
           </p:cNvSpPr>
           <p:nvPr>
-            <p:ph type="body"/>
+            <p:ph/>
           </p:nvPr>
         </p:nvSpPr>
         <p:spPr>
@@ -1279,14 +1429,18 @@
           <a:prstGeom prst="rect">
             <a:avLst/>
           </a:prstGeom>
-        </p:spPr>
-        <p:txBody>
-          <a:bodyPr lIns="0" rIns="0" tIns="0" bIns="0">
+          <a:noFill/>
+          <a:ln w="0">
+            <a:noFill/>
+          </a:ln>
+        </p:spPr>
+        <p:txBody>
+          <a:bodyPr lIns="0" rIns="0" tIns="0" bIns="0" anchor="t">
             <a:normAutofit/>
           </a:bodyPr>
           <a:p>
             <a:endParaRPr b="0" lang="en-US" sz="3200" spc="-1" strike="noStrike">
-              <a:latin typeface="Arial"/>
+              <a:latin typeface="DejaVu Sans"/>
             </a:endParaRPr>
           </a:p>
         </p:txBody>
@@ -1298,7 +1452,7 @@
             <a:spLocks noGrp="1"/>
           </p:cNvSpPr>
           <p:nvPr>
-            <p:ph type="body"/>
+            <p:ph/>
           </p:nvPr>
         </p:nvSpPr>
         <p:spPr>
@@ -1309,14 +1463,18 @@
           <a:prstGeom prst="rect">
             <a:avLst/>
           </a:prstGeom>
-        </p:spPr>
-        <p:txBody>
-          <a:bodyPr lIns="0" rIns="0" tIns="0" bIns="0">
+          <a:noFill/>
+          <a:ln w="0">
+            <a:noFill/>
+          </a:ln>
+        </p:spPr>
+        <p:txBody>
+          <a:bodyPr lIns="0" rIns="0" tIns="0" bIns="0" anchor="t">
             <a:normAutofit/>
           </a:bodyPr>
           <a:p>
             <a:endParaRPr b="0" lang="en-US" sz="3200" spc="-1" strike="noStrike">
-              <a:latin typeface="Arial"/>
+              <a:latin typeface="DejaVu Sans"/>
             </a:endParaRPr>
           </a:p>
         </p:txBody>
@@ -1328,7 +1486,7 @@
             <a:spLocks noGrp="1"/>
           </p:cNvSpPr>
           <p:nvPr>
-            <p:ph type="body"/>
+            <p:ph/>
           </p:nvPr>
         </p:nvSpPr>
         <p:spPr>
@@ -1339,14 +1497,18 @@
           <a:prstGeom prst="rect">
             <a:avLst/>
           </a:prstGeom>
-        </p:spPr>
-        <p:txBody>
-          <a:bodyPr lIns="0" rIns="0" tIns="0" bIns="0">
+          <a:noFill/>
+          <a:ln w="0">
+            <a:noFill/>
+          </a:ln>
+        </p:spPr>
+        <p:txBody>
+          <a:bodyPr lIns="0" rIns="0" tIns="0" bIns="0" anchor="t">
             <a:normAutofit/>
           </a:bodyPr>
           <a:p>
             <a:endParaRPr b="0" lang="en-US" sz="3200" spc="-1" strike="noStrike">
-              <a:latin typeface="Arial"/>
+              <a:latin typeface="DejaVu Sans"/>
             </a:endParaRPr>
           </a:p>
         </p:txBody>
@@ -1391,15 +1553,21 @@
           <a:prstGeom prst="rect">
             <a:avLst/>
           </a:prstGeom>
+          <a:noFill/>
+          <a:ln w="0">
+            <a:noFill/>
+          </a:ln>
         </p:spPr>
         <p:txBody>
           <a:bodyPr lIns="0" rIns="0" tIns="0" bIns="0" anchor="ctr">
             <a:noAutofit/>
           </a:bodyPr>
           <a:p>
-            <a:pPr algn="ctr"/>
+            <a:pPr algn="ctr">
+              <a:buNone/>
+            </a:pPr>
             <a:endParaRPr b="0" lang="en-US" sz="4400" spc="-1" strike="noStrike">
-              <a:latin typeface="Arial"/>
+              <a:latin typeface="DejaVu Sans"/>
             </a:endParaRPr>
           </a:p>
         </p:txBody>
@@ -1411,7 +1579,7 @@
             <a:spLocks noGrp="1"/>
           </p:cNvSpPr>
           <p:nvPr>
-            <p:ph type="body"/>
+            <p:ph/>
           </p:nvPr>
         </p:nvSpPr>
         <p:spPr>
@@ -1422,14 +1590,18 @@
           <a:prstGeom prst="rect">
             <a:avLst/>
           </a:prstGeom>
-        </p:spPr>
-        <p:txBody>
-          <a:bodyPr lIns="0" rIns="0" tIns="0" bIns="0">
+          <a:noFill/>
+          <a:ln w="0">
+            <a:noFill/>
+          </a:ln>
+        </p:spPr>
+        <p:txBody>
+          <a:bodyPr lIns="0" rIns="0" tIns="0" bIns="0" anchor="t">
             <a:normAutofit/>
           </a:bodyPr>
           <a:p>
             <a:endParaRPr b="0" lang="en-US" sz="3200" spc="-1" strike="noStrike">
-              <a:latin typeface="Arial"/>
+              <a:latin typeface="DejaVu Sans"/>
             </a:endParaRPr>
           </a:p>
         </p:txBody>
@@ -1441,7 +1613,7 @@
             <a:spLocks noGrp="1"/>
           </p:cNvSpPr>
           <p:nvPr>
-            <p:ph type="body"/>
+            <p:ph/>
           </p:nvPr>
         </p:nvSpPr>
         <p:spPr>
@@ -1452,14 +1624,18 @@
           <a:prstGeom prst="rect">
             <a:avLst/>
           </a:prstGeom>
-        </p:spPr>
-        <p:txBody>
-          <a:bodyPr lIns="0" rIns="0" tIns="0" bIns="0">
+          <a:noFill/>
+          <a:ln w="0">
+            <a:noFill/>
+          </a:ln>
+        </p:spPr>
+        <p:txBody>
+          <a:bodyPr lIns="0" rIns="0" tIns="0" bIns="0" anchor="t">
             <a:normAutofit/>
           </a:bodyPr>
           <a:p>
             <a:endParaRPr b="0" lang="en-US" sz="3200" spc="-1" strike="noStrike">
-              <a:latin typeface="Arial"/>
+              <a:latin typeface="DejaVu Sans"/>
             </a:endParaRPr>
           </a:p>
         </p:txBody>
@@ -1471,7 +1647,7 @@
             <a:spLocks noGrp="1"/>
           </p:cNvSpPr>
           <p:nvPr>
-            <p:ph type="body"/>
+            <p:ph/>
           </p:nvPr>
         </p:nvSpPr>
         <p:spPr>
@@ -1482,14 +1658,18 @@
           <a:prstGeom prst="rect">
             <a:avLst/>
           </a:prstGeom>
-        </p:spPr>
-        <p:txBody>
-          <a:bodyPr lIns="0" rIns="0" tIns="0" bIns="0">
+          <a:noFill/>
+          <a:ln w="0">
+            <a:noFill/>
+          </a:ln>
+        </p:spPr>
+        <p:txBody>
+          <a:bodyPr lIns="0" rIns="0" tIns="0" bIns="0" anchor="t">
             <a:normAutofit/>
           </a:bodyPr>
           <a:p>
             <a:endParaRPr b="0" lang="en-US" sz="3200" spc="-1" strike="noStrike">
-              <a:latin typeface="Arial"/>
+              <a:latin typeface="DejaVu Sans"/>
             </a:endParaRPr>
           </a:p>
         </p:txBody>
@@ -1534,15 +1714,21 @@
           <a:prstGeom prst="rect">
             <a:avLst/>
           </a:prstGeom>
+          <a:noFill/>
+          <a:ln w="0">
+            <a:noFill/>
+          </a:ln>
         </p:spPr>
         <p:txBody>
           <a:bodyPr lIns="0" rIns="0" tIns="0" bIns="0" anchor="ctr">
             <a:noAutofit/>
           </a:bodyPr>
           <a:p>
-            <a:pPr algn="ctr"/>
+            <a:pPr algn="ctr">
+              <a:buNone/>
+            </a:pPr>
             <a:endParaRPr b="0" lang="en-US" sz="4400" spc="-1" strike="noStrike">
-              <a:latin typeface="Arial"/>
+              <a:latin typeface="DejaVu Sans"/>
             </a:endParaRPr>
           </a:p>
         </p:txBody>
@@ -1554,7 +1740,7 @@
             <a:spLocks noGrp="1"/>
           </p:cNvSpPr>
           <p:nvPr>
-            <p:ph type="body"/>
+            <p:ph/>
           </p:nvPr>
         </p:nvSpPr>
         <p:spPr>
@@ -1565,14 +1751,18 @@
           <a:prstGeom prst="rect">
             <a:avLst/>
           </a:prstGeom>
-        </p:spPr>
-        <p:txBody>
-          <a:bodyPr lIns="0" rIns="0" tIns="0" bIns="0">
+          <a:noFill/>
+          <a:ln w="0">
+            <a:noFill/>
+          </a:ln>
+        </p:spPr>
+        <p:txBody>
+          <a:bodyPr lIns="0" rIns="0" tIns="0" bIns="0" anchor="t">
             <a:normAutofit/>
           </a:bodyPr>
           <a:p>
             <a:endParaRPr b="0" lang="en-US" sz="3200" spc="-1" strike="noStrike">
-              <a:latin typeface="Arial"/>
+              <a:latin typeface="DejaVu Sans"/>
             </a:endParaRPr>
           </a:p>
         </p:txBody>
@@ -1584,7 +1774,7 @@
             <a:spLocks noGrp="1"/>
           </p:cNvSpPr>
           <p:nvPr>
-            <p:ph type="body"/>
+            <p:ph/>
           </p:nvPr>
         </p:nvSpPr>
         <p:spPr>
@@ -1595,14 +1785,18 @@
           <a:prstGeom prst="rect">
             <a:avLst/>
           </a:prstGeom>
-        </p:spPr>
-        <p:txBody>
-          <a:bodyPr lIns="0" rIns="0" tIns="0" bIns="0">
+          <a:noFill/>
+          <a:ln w="0">
+            <a:noFill/>
+          </a:ln>
+        </p:spPr>
+        <p:txBody>
+          <a:bodyPr lIns="0" rIns="0" tIns="0" bIns="0" anchor="t">
             <a:normAutofit/>
           </a:bodyPr>
           <a:p>
             <a:endParaRPr b="0" lang="en-US" sz="3200" spc="-1" strike="noStrike">
-              <a:latin typeface="Arial"/>
+              <a:latin typeface="DejaVu Sans"/>
             </a:endParaRPr>
           </a:p>
         </p:txBody>
@@ -1647,15 +1841,21 @@
           <a:prstGeom prst="rect">
             <a:avLst/>
           </a:prstGeom>
+          <a:noFill/>
+          <a:ln w="0">
+            <a:noFill/>
+          </a:ln>
         </p:spPr>
         <p:txBody>
           <a:bodyPr lIns="0" rIns="0" tIns="0" bIns="0" anchor="ctr">
             <a:noAutofit/>
           </a:bodyPr>
           <a:p>
-            <a:pPr algn="ctr"/>
+            <a:pPr algn="ctr">
+              <a:buNone/>
+            </a:pPr>
             <a:endParaRPr b="0" lang="en-US" sz="4400" spc="-1" strike="noStrike">
-              <a:latin typeface="Arial"/>
+              <a:latin typeface="DejaVu Sans"/>
             </a:endParaRPr>
           </a:p>
         </p:txBody>
@@ -1667,7 +1867,7 @@
             <a:spLocks noGrp="1"/>
           </p:cNvSpPr>
           <p:nvPr>
-            <p:ph type="body"/>
+            <p:ph/>
           </p:nvPr>
         </p:nvSpPr>
         <p:spPr>
@@ -1678,14 +1878,18 @@
           <a:prstGeom prst="rect">
             <a:avLst/>
           </a:prstGeom>
-        </p:spPr>
-        <p:txBody>
-          <a:bodyPr lIns="0" rIns="0" tIns="0" bIns="0">
+          <a:noFill/>
+          <a:ln w="0">
+            <a:noFill/>
+          </a:ln>
+        </p:spPr>
+        <p:txBody>
+          <a:bodyPr lIns="0" rIns="0" tIns="0" bIns="0" anchor="t">
             <a:normAutofit/>
           </a:bodyPr>
           <a:p>
             <a:endParaRPr b="0" lang="en-US" sz="3200" spc="-1" strike="noStrike">
-              <a:latin typeface="Arial"/>
+              <a:latin typeface="DejaVu Sans"/>
             </a:endParaRPr>
           </a:p>
         </p:txBody>
@@ -1697,7 +1901,7 @@
             <a:spLocks noGrp="1"/>
           </p:cNvSpPr>
           <p:nvPr>
-            <p:ph type="body"/>
+            <p:ph/>
           </p:nvPr>
         </p:nvSpPr>
         <p:spPr>
@@ -1708,14 +1912,18 @@
           <a:prstGeom prst="rect">
             <a:avLst/>
           </a:prstGeom>
-        </p:spPr>
-        <p:txBody>
-          <a:bodyPr lIns="0" rIns="0" tIns="0" bIns="0">
+          <a:noFill/>
+          <a:ln w="0">
+            <a:noFill/>
+          </a:ln>
+        </p:spPr>
+        <p:txBody>
+          <a:bodyPr lIns="0" rIns="0" tIns="0" bIns="0" anchor="t">
             <a:normAutofit/>
           </a:bodyPr>
           <a:p>
             <a:endParaRPr b="0" lang="en-US" sz="3200" spc="-1" strike="noStrike">
-              <a:latin typeface="Arial"/>
+              <a:latin typeface="DejaVu Sans"/>
             </a:endParaRPr>
           </a:p>
         </p:txBody>
@@ -1727,7 +1935,7 @@
             <a:spLocks noGrp="1"/>
           </p:cNvSpPr>
           <p:nvPr>
-            <p:ph type="body"/>
+            <p:ph/>
           </p:nvPr>
         </p:nvSpPr>
         <p:spPr>
@@ -1738,14 +1946,18 @@
           <a:prstGeom prst="rect">
             <a:avLst/>
           </a:prstGeom>
-        </p:spPr>
-        <p:txBody>
-          <a:bodyPr lIns="0" rIns="0" tIns="0" bIns="0">
+          <a:noFill/>
+          <a:ln w="0">
+            <a:noFill/>
+          </a:ln>
+        </p:spPr>
+        <p:txBody>
+          <a:bodyPr lIns="0" rIns="0" tIns="0" bIns="0" anchor="t">
             <a:normAutofit/>
           </a:bodyPr>
           <a:p>
             <a:endParaRPr b="0" lang="en-US" sz="3200" spc="-1" strike="noStrike">
-              <a:latin typeface="Arial"/>
+              <a:latin typeface="DejaVu Sans"/>
             </a:endParaRPr>
           </a:p>
         </p:txBody>
@@ -1757,7 +1969,7 @@
             <a:spLocks noGrp="1"/>
           </p:cNvSpPr>
           <p:nvPr>
-            <p:ph type="body"/>
+            <p:ph/>
           </p:nvPr>
         </p:nvSpPr>
         <p:spPr>
@@ -1768,14 +1980,18 @@
           <a:prstGeom prst="rect">
             <a:avLst/>
           </a:prstGeom>
-        </p:spPr>
-        <p:txBody>
-          <a:bodyPr lIns="0" rIns="0" tIns="0" bIns="0">
+          <a:noFill/>
+          <a:ln w="0">
+            <a:noFill/>
+          </a:ln>
+        </p:spPr>
+        <p:txBody>
+          <a:bodyPr lIns="0" rIns="0" tIns="0" bIns="0" anchor="t">
             <a:normAutofit/>
           </a:bodyPr>
           <a:p>
             <a:endParaRPr b="0" lang="en-US" sz="3200" spc="-1" strike="noStrike">
-              <a:latin typeface="Arial"/>
+              <a:latin typeface="DejaVu Sans"/>
             </a:endParaRPr>
           </a:p>
         </p:txBody>
@@ -1820,15 +2036,21 @@
           <a:prstGeom prst="rect">
             <a:avLst/>
           </a:prstGeom>
+          <a:noFill/>
+          <a:ln w="0">
+            <a:noFill/>
+          </a:ln>
         </p:spPr>
         <p:txBody>
           <a:bodyPr lIns="0" rIns="0" tIns="0" bIns="0" anchor="ctr">
             <a:noAutofit/>
           </a:bodyPr>
           <a:p>
-            <a:pPr algn="ctr"/>
+            <a:pPr algn="ctr">
+              <a:buNone/>
+            </a:pPr>
             <a:endParaRPr b="0" lang="en-US" sz="4400" spc="-1" strike="noStrike">
-              <a:latin typeface="Arial"/>
+              <a:latin typeface="DejaVu Sans"/>
             </a:endParaRPr>
           </a:p>
         </p:txBody>
@@ -1840,7 +2062,7 @@
             <a:spLocks noGrp="1"/>
           </p:cNvSpPr>
           <p:nvPr>
-            <p:ph type="body"/>
+            <p:ph/>
           </p:nvPr>
         </p:nvSpPr>
         <p:spPr>
@@ -1851,14 +2073,18 @@
           <a:prstGeom prst="rect">
             <a:avLst/>
           </a:prstGeom>
-        </p:spPr>
-        <p:txBody>
-          <a:bodyPr lIns="0" rIns="0" tIns="0" bIns="0">
+          <a:noFill/>
+          <a:ln w="0">
+            <a:noFill/>
+          </a:ln>
+        </p:spPr>
+        <p:txBody>
+          <a:bodyPr lIns="0" rIns="0" tIns="0" bIns="0" anchor="t">
             <a:normAutofit/>
           </a:bodyPr>
           <a:p>
             <a:endParaRPr b="0" lang="en-US" sz="3200" spc="-1" strike="noStrike">
-              <a:latin typeface="Arial"/>
+              <a:latin typeface="DejaVu Sans"/>
             </a:endParaRPr>
           </a:p>
         </p:txBody>
@@ -1870,7 +2096,7 @@
             <a:spLocks noGrp="1"/>
           </p:cNvSpPr>
           <p:nvPr>
-            <p:ph type="body"/>
+            <p:ph/>
           </p:nvPr>
         </p:nvSpPr>
         <p:spPr>
@@ -1881,14 +2107,18 @@
           <a:prstGeom prst="rect">
             <a:avLst/>
           </a:prstGeom>
-        </p:spPr>
-        <p:txBody>
-          <a:bodyPr lIns="0" rIns="0" tIns="0" bIns="0">
+          <a:noFill/>
+          <a:ln w="0">
+            <a:noFill/>
+          </a:ln>
+        </p:spPr>
+        <p:txBody>
+          <a:bodyPr lIns="0" rIns="0" tIns="0" bIns="0" anchor="t">
             <a:normAutofit/>
           </a:bodyPr>
           <a:p>
             <a:endParaRPr b="0" lang="en-US" sz="3200" spc="-1" strike="noStrike">
-              <a:latin typeface="Arial"/>
+              <a:latin typeface="DejaVu Sans"/>
             </a:endParaRPr>
           </a:p>
         </p:txBody>
@@ -1900,7 +2130,7 @@
             <a:spLocks noGrp="1"/>
           </p:cNvSpPr>
           <p:nvPr>
-            <p:ph type="body"/>
+            <p:ph/>
           </p:nvPr>
         </p:nvSpPr>
         <p:spPr>
@@ -1911,14 +2141,18 @@
           <a:prstGeom prst="rect">
             <a:avLst/>
           </a:prstGeom>
-        </p:spPr>
-        <p:txBody>
-          <a:bodyPr lIns="0" rIns="0" tIns="0" bIns="0">
+          <a:noFill/>
+          <a:ln w="0">
+            <a:noFill/>
+          </a:ln>
+        </p:spPr>
+        <p:txBody>
+          <a:bodyPr lIns="0" rIns="0" tIns="0" bIns="0" anchor="t">
             <a:normAutofit/>
           </a:bodyPr>
           <a:p>
             <a:endParaRPr b="0" lang="en-US" sz="3200" spc="-1" strike="noStrike">
-              <a:latin typeface="Arial"/>
+              <a:latin typeface="DejaVu Sans"/>
             </a:endParaRPr>
           </a:p>
         </p:txBody>
@@ -1930,7 +2164,7 @@
             <a:spLocks noGrp="1"/>
           </p:cNvSpPr>
           <p:nvPr>
-            <p:ph type="body"/>
+            <p:ph/>
           </p:nvPr>
         </p:nvSpPr>
         <p:spPr>
@@ -1941,14 +2175,18 @@
           <a:prstGeom prst="rect">
             <a:avLst/>
           </a:prstGeom>
-        </p:spPr>
-        <p:txBody>
-          <a:bodyPr lIns="0" rIns="0" tIns="0" bIns="0">
+          <a:noFill/>
+          <a:ln w="0">
+            <a:noFill/>
+          </a:ln>
+        </p:spPr>
+        <p:txBody>
+          <a:bodyPr lIns="0" rIns="0" tIns="0" bIns="0" anchor="t">
             <a:normAutofit/>
           </a:bodyPr>
           <a:p>
             <a:endParaRPr b="0" lang="en-US" sz="3200" spc="-1" strike="noStrike">
-              <a:latin typeface="Arial"/>
+              <a:latin typeface="DejaVu Sans"/>
             </a:endParaRPr>
           </a:p>
         </p:txBody>
@@ -1960,7 +2198,7 @@
             <a:spLocks noGrp="1"/>
           </p:cNvSpPr>
           <p:nvPr>
-            <p:ph type="body"/>
+            <p:ph/>
           </p:nvPr>
         </p:nvSpPr>
         <p:spPr>
@@ -1971,14 +2209,18 @@
           <a:prstGeom prst="rect">
             <a:avLst/>
           </a:prstGeom>
-        </p:spPr>
-        <p:txBody>
-          <a:bodyPr lIns="0" rIns="0" tIns="0" bIns="0">
+          <a:noFill/>
+          <a:ln w="0">
+            <a:noFill/>
+          </a:ln>
+        </p:spPr>
+        <p:txBody>
+          <a:bodyPr lIns="0" rIns="0" tIns="0" bIns="0" anchor="t">
             <a:normAutofit/>
           </a:bodyPr>
           <a:p>
             <a:endParaRPr b="0" lang="en-US" sz="3200" spc="-1" strike="noStrike">
-              <a:latin typeface="Arial"/>
+              <a:latin typeface="DejaVu Sans"/>
             </a:endParaRPr>
           </a:p>
         </p:txBody>
@@ -1990,7 +2232,7 @@
             <a:spLocks noGrp="1"/>
           </p:cNvSpPr>
           <p:nvPr>
-            <p:ph type="body"/>
+            <p:ph/>
           </p:nvPr>
         </p:nvSpPr>
         <p:spPr>
@@ -2001,14 +2243,18 @@
           <a:prstGeom prst="rect">
             <a:avLst/>
           </a:prstGeom>
-        </p:spPr>
-        <p:txBody>
-          <a:bodyPr lIns="0" rIns="0" tIns="0" bIns="0">
+          <a:noFill/>
+          <a:ln w="0">
+            <a:noFill/>
+          </a:ln>
+        </p:spPr>
+        <p:txBody>
+          <a:bodyPr lIns="0" rIns="0" tIns="0" bIns="0" anchor="t">
             <a:normAutofit/>
           </a:bodyPr>
           <a:p>
             <a:endParaRPr b="0" lang="en-US" sz="3200" spc="-1" strike="noStrike">
-              <a:latin typeface="Arial"/>
+              <a:latin typeface="DejaVu Sans"/>
             </a:endParaRPr>
           </a:p>
         </p:txBody>
@@ -2075,15 +2321,21 @@
           <a:prstGeom prst="rect">
             <a:avLst/>
           </a:prstGeom>
+          <a:noFill/>
+          <a:ln w="0">
+            <a:noFill/>
+          </a:ln>
         </p:spPr>
         <p:txBody>
           <a:bodyPr lIns="0" rIns="0" tIns="0" bIns="0" anchor="ctr">
             <a:noAutofit/>
           </a:bodyPr>
           <a:p>
-            <a:pPr algn="ctr"/>
+            <a:pPr algn="ctr">
+              <a:buNone/>
+            </a:pPr>
             <a:endParaRPr b="0" lang="en-US" sz="4400" spc="-1" strike="noStrike">
-              <a:latin typeface="Arial"/>
+              <a:latin typeface="DejaVu Sans"/>
             </a:endParaRPr>
           </a:p>
         </p:txBody>
@@ -2106,15 +2358,21 @@
           <a:prstGeom prst="rect">
             <a:avLst/>
           </a:prstGeom>
+          <a:noFill/>
+          <a:ln w="0">
+            <a:noFill/>
+          </a:ln>
         </p:spPr>
         <p:txBody>
           <a:bodyPr lIns="0" rIns="0" tIns="0" bIns="0" anchor="ctr">
             <a:noAutofit/>
           </a:bodyPr>
           <a:p>
-            <a:pPr algn="ctr"/>
+            <a:pPr algn="ctr">
+              <a:buNone/>
+            </a:pPr>
             <a:endParaRPr b="0" lang="en-US" sz="3200" spc="-1" strike="noStrike">
-              <a:latin typeface="Arial"/>
+              <a:latin typeface="DejaVu Sans"/>
             </a:endParaRPr>
           </a:p>
         </p:txBody>
@@ -2159,15 +2417,21 @@
           <a:prstGeom prst="rect">
             <a:avLst/>
           </a:prstGeom>
+          <a:noFill/>
+          <a:ln w="0">
+            <a:noFill/>
+          </a:ln>
         </p:spPr>
         <p:txBody>
           <a:bodyPr lIns="0" rIns="0" tIns="0" bIns="0" anchor="ctr">
             <a:noAutofit/>
           </a:bodyPr>
           <a:p>
-            <a:pPr algn="ctr"/>
+            <a:pPr algn="ctr">
+              <a:buNone/>
+            </a:pPr>
             <a:endParaRPr b="0" lang="en-US" sz="4400" spc="-1" strike="noStrike">
-              <a:latin typeface="Arial"/>
+              <a:latin typeface="DejaVu Sans"/>
             </a:endParaRPr>
           </a:p>
         </p:txBody>
@@ -2179,7 +2443,7 @@
             <a:spLocks noGrp="1"/>
           </p:cNvSpPr>
           <p:nvPr>
-            <p:ph type="body"/>
+            <p:ph/>
           </p:nvPr>
         </p:nvSpPr>
         <p:spPr>
@@ -2190,14 +2454,18 @@
           <a:prstGeom prst="rect">
             <a:avLst/>
           </a:prstGeom>
-        </p:spPr>
-        <p:txBody>
-          <a:bodyPr lIns="0" rIns="0" tIns="0" bIns="0">
+          <a:noFill/>
+          <a:ln w="0">
+            <a:noFill/>
+          </a:ln>
+        </p:spPr>
+        <p:txBody>
+          <a:bodyPr lIns="0" rIns="0" tIns="0" bIns="0" anchor="t">
             <a:normAutofit/>
           </a:bodyPr>
           <a:p>
             <a:endParaRPr b="0" lang="en-US" sz="3200" spc="-1" strike="noStrike">
-              <a:latin typeface="Arial"/>
+              <a:latin typeface="DejaVu Sans"/>
             </a:endParaRPr>
           </a:p>
         </p:txBody>
@@ -2242,15 +2510,21 @@
           <a:prstGeom prst="rect">
             <a:avLst/>
           </a:prstGeom>
+          <a:noFill/>
+          <a:ln w="0">
+            <a:noFill/>
+          </a:ln>
         </p:spPr>
         <p:txBody>
           <a:bodyPr lIns="0" rIns="0" tIns="0" bIns="0" anchor="ctr">
             <a:noAutofit/>
           </a:bodyPr>
           <a:p>
-            <a:pPr algn="ctr"/>
+            <a:pPr algn="ctr">
+              <a:buNone/>
+            </a:pPr>
             <a:endParaRPr b="0" lang="en-US" sz="4400" spc="-1" strike="noStrike">
-              <a:latin typeface="Arial"/>
+              <a:latin typeface="DejaVu Sans"/>
             </a:endParaRPr>
           </a:p>
         </p:txBody>
@@ -2262,7 +2536,7 @@
             <a:spLocks noGrp="1"/>
           </p:cNvSpPr>
           <p:nvPr>
-            <p:ph type="body"/>
+            <p:ph/>
           </p:nvPr>
         </p:nvSpPr>
         <p:spPr>
@@ -2273,14 +2547,18 @@
           <a:prstGeom prst="rect">
             <a:avLst/>
           </a:prstGeom>
-        </p:spPr>
-        <p:txBody>
-          <a:bodyPr lIns="0" rIns="0" tIns="0" bIns="0">
+          <a:noFill/>
+          <a:ln w="0">
+            <a:noFill/>
+          </a:ln>
+        </p:spPr>
+        <p:txBody>
+          <a:bodyPr lIns="0" rIns="0" tIns="0" bIns="0" anchor="t">
             <a:normAutofit/>
           </a:bodyPr>
           <a:p>
             <a:endParaRPr b="0" lang="en-US" sz="3200" spc="-1" strike="noStrike">
-              <a:latin typeface="Arial"/>
+              <a:latin typeface="DejaVu Sans"/>
             </a:endParaRPr>
           </a:p>
         </p:txBody>
@@ -2292,7 +2570,7 @@
             <a:spLocks noGrp="1"/>
           </p:cNvSpPr>
           <p:nvPr>
-            <p:ph type="body"/>
+            <p:ph/>
           </p:nvPr>
         </p:nvSpPr>
         <p:spPr>
@@ -2303,14 +2581,18 @@
           <a:prstGeom prst="rect">
             <a:avLst/>
           </a:prstGeom>
-        </p:spPr>
-        <p:txBody>
-          <a:bodyPr lIns="0" rIns="0" tIns="0" bIns="0">
+          <a:noFill/>
+          <a:ln w="0">
+            <a:noFill/>
+          </a:ln>
+        </p:spPr>
+        <p:txBody>
+          <a:bodyPr lIns="0" rIns="0" tIns="0" bIns="0" anchor="t">
             <a:normAutofit/>
           </a:bodyPr>
           <a:p>
             <a:endParaRPr b="0" lang="en-US" sz="3200" spc="-1" strike="noStrike">
-              <a:latin typeface="Arial"/>
+              <a:latin typeface="DejaVu Sans"/>
             </a:endParaRPr>
           </a:p>
         </p:txBody>
@@ -2355,15 +2637,21 @@
           <a:prstGeom prst="rect">
             <a:avLst/>
           </a:prstGeom>
+          <a:noFill/>
+          <a:ln w="0">
+            <a:noFill/>
+          </a:ln>
         </p:spPr>
         <p:txBody>
           <a:bodyPr lIns="0" rIns="0" tIns="0" bIns="0" anchor="ctr">
             <a:noAutofit/>
           </a:bodyPr>
           <a:p>
-            <a:pPr algn="ctr"/>
+            <a:pPr algn="ctr">
+              <a:buNone/>
+            </a:pPr>
             <a:endParaRPr b="0" lang="en-US" sz="4400" spc="-1" strike="noStrike">
-              <a:latin typeface="Arial"/>
+              <a:latin typeface="DejaVu Sans"/>
             </a:endParaRPr>
           </a:p>
         </p:txBody>
@@ -2408,15 +2696,21 @@
           <a:prstGeom prst="rect">
             <a:avLst/>
           </a:prstGeom>
+          <a:noFill/>
+          <a:ln w="0">
+            <a:noFill/>
+          </a:ln>
         </p:spPr>
         <p:txBody>
           <a:bodyPr lIns="0" rIns="0" tIns="0" bIns="0" anchor="ctr">
             <a:noAutofit/>
           </a:bodyPr>
           <a:p>
-            <a:pPr algn="ctr"/>
+            <a:pPr algn="ctr">
+              <a:buNone/>
+            </a:pPr>
             <a:endParaRPr b="0" lang="en-US" sz="4400" spc="-1" strike="noStrike">
-              <a:latin typeface="Arial"/>
+              <a:latin typeface="DejaVu Sans"/>
             </a:endParaRPr>
           </a:p>
         </p:txBody>
@@ -2428,7 +2722,7 @@
             <a:spLocks noGrp="1"/>
           </p:cNvSpPr>
           <p:nvPr>
-            <p:ph type="body"/>
+            <p:ph/>
           </p:nvPr>
         </p:nvSpPr>
         <p:spPr>
@@ -2439,14 +2733,18 @@
           <a:prstGeom prst="rect">
             <a:avLst/>
           </a:prstGeom>
-        </p:spPr>
-        <p:txBody>
-          <a:bodyPr lIns="0" rIns="0" tIns="0" bIns="0">
+          <a:noFill/>
+          <a:ln w="0">
+            <a:noFill/>
+          </a:ln>
+        </p:spPr>
+        <p:txBody>
+          <a:bodyPr lIns="0" rIns="0" tIns="0" bIns="0" anchor="t">
             <a:normAutofit/>
           </a:bodyPr>
           <a:p>
             <a:endParaRPr b="0" lang="en-US" sz="3200" spc="-1" strike="noStrike">
-              <a:latin typeface="Arial"/>
+              <a:latin typeface="DejaVu Sans"/>
             </a:endParaRPr>
           </a:p>
         </p:txBody>
@@ -2491,15 +2789,21 @@
           <a:prstGeom prst="rect">
             <a:avLst/>
           </a:prstGeom>
+          <a:noFill/>
+          <a:ln w="0">
+            <a:noFill/>
+          </a:ln>
         </p:spPr>
         <p:txBody>
           <a:bodyPr lIns="0" rIns="0" tIns="0" bIns="0" anchor="ctr">
             <a:noAutofit/>
           </a:bodyPr>
           <a:p>
-            <a:pPr algn="ctr"/>
+            <a:pPr algn="ctr">
+              <a:buNone/>
+            </a:pPr>
             <a:endParaRPr b="0" lang="en-US" sz="3200" spc="-1" strike="noStrike">
-              <a:latin typeface="Arial"/>
+              <a:latin typeface="DejaVu Sans"/>
             </a:endParaRPr>
           </a:p>
         </p:txBody>
@@ -2544,15 +2848,21 @@
           <a:prstGeom prst="rect">
             <a:avLst/>
           </a:prstGeom>
+          <a:noFill/>
+          <a:ln w="0">
+            <a:noFill/>
+          </a:ln>
         </p:spPr>
         <p:txBody>
           <a:bodyPr lIns="0" rIns="0" tIns="0" bIns="0" anchor="ctr">
             <a:noAutofit/>
           </a:bodyPr>
           <a:p>
-            <a:pPr algn="ctr"/>
+            <a:pPr algn="ctr">
+              <a:buNone/>
+            </a:pPr>
             <a:endParaRPr b="0" lang="en-US" sz="4400" spc="-1" strike="noStrike">
-              <a:latin typeface="Arial"/>
+              <a:latin typeface="DejaVu Sans"/>
             </a:endParaRPr>
           </a:p>
         </p:txBody>
@@ -2564,7 +2874,7 @@
             <a:spLocks noGrp="1"/>
           </p:cNvSpPr>
           <p:nvPr>
-            <p:ph type="body"/>
+            <p:ph/>
           </p:nvPr>
         </p:nvSpPr>
         <p:spPr>
@@ -2575,14 +2885,18 @@
           <a:prstGeom prst="rect">
             <a:avLst/>
           </a:prstGeom>
-        </p:spPr>
-        <p:txBody>
-          <a:bodyPr lIns="0" rIns="0" tIns="0" bIns="0">
+          <a:noFill/>
+          <a:ln w="0">
+            <a:noFill/>
+          </a:ln>
+        </p:spPr>
+        <p:txBody>
+          <a:bodyPr lIns="0" rIns="0" tIns="0" bIns="0" anchor="t">
             <a:normAutofit/>
           </a:bodyPr>
           <a:p>
             <a:endParaRPr b="0" lang="en-US" sz="3200" spc="-1" strike="noStrike">
-              <a:latin typeface="Arial"/>
+              <a:latin typeface="DejaVu Sans"/>
             </a:endParaRPr>
           </a:p>
         </p:txBody>
@@ -2594,7 +2908,7 @@
             <a:spLocks noGrp="1"/>
           </p:cNvSpPr>
           <p:nvPr>
-            <p:ph type="body"/>
+            <p:ph/>
           </p:nvPr>
         </p:nvSpPr>
         <p:spPr>
@@ -2605,14 +2919,18 @@
           <a:prstGeom prst="rect">
             <a:avLst/>
           </a:prstGeom>
-        </p:spPr>
-        <p:txBody>
-          <a:bodyPr lIns="0" rIns="0" tIns="0" bIns="0">
+          <a:noFill/>
+          <a:ln w="0">
+            <a:noFill/>
+          </a:ln>
+        </p:spPr>
+        <p:txBody>
+          <a:bodyPr lIns="0" rIns="0" tIns="0" bIns="0" anchor="t">
             <a:normAutofit/>
           </a:bodyPr>
           <a:p>
             <a:endParaRPr b="0" lang="en-US" sz="3200" spc="-1" strike="noStrike">
-              <a:latin typeface="Arial"/>
+              <a:latin typeface="DejaVu Sans"/>
             </a:endParaRPr>
           </a:p>
         </p:txBody>
@@ -2624,7 +2942,7 @@
             <a:spLocks noGrp="1"/>
           </p:cNvSpPr>
           <p:nvPr>
-            <p:ph type="body"/>
+            <p:ph/>
           </p:nvPr>
         </p:nvSpPr>
         <p:spPr>
@@ -2635,14 +2953,18 @@
           <a:prstGeom prst="rect">
             <a:avLst/>
           </a:prstGeom>
-        </p:spPr>
-        <p:txBody>
-          <a:bodyPr lIns="0" rIns="0" tIns="0" bIns="0">
+          <a:noFill/>
+          <a:ln w="0">
+            <a:noFill/>
+          </a:ln>
+        </p:spPr>
+        <p:txBody>
+          <a:bodyPr lIns="0" rIns="0" tIns="0" bIns="0" anchor="t">
             <a:normAutofit/>
           </a:bodyPr>
           <a:p>
             <a:endParaRPr b="0" lang="en-US" sz="3200" spc="-1" strike="noStrike">
-              <a:latin typeface="Arial"/>
+              <a:latin typeface="DejaVu Sans"/>
             </a:endParaRPr>
           </a:p>
         </p:txBody>
@@ -2687,15 +3009,21 @@
           <a:prstGeom prst="rect">
             <a:avLst/>
           </a:prstGeom>
+          <a:noFill/>
+          <a:ln w="0">
+            <a:noFill/>
+          </a:ln>
         </p:spPr>
         <p:txBody>
           <a:bodyPr lIns="0" rIns="0" tIns="0" bIns="0" anchor="ctr">
             <a:noAutofit/>
           </a:bodyPr>
           <a:p>
-            <a:pPr algn="ctr"/>
+            <a:pPr algn="ctr">
+              <a:buNone/>
+            </a:pPr>
             <a:endParaRPr b="0" lang="en-US" sz="4400" spc="-1" strike="noStrike">
-              <a:latin typeface="Arial"/>
+              <a:latin typeface="DejaVu Sans"/>
             </a:endParaRPr>
           </a:p>
         </p:txBody>
@@ -2707,7 +3035,7 @@
             <a:spLocks noGrp="1"/>
           </p:cNvSpPr>
           <p:nvPr>
-            <p:ph type="body"/>
+            <p:ph/>
           </p:nvPr>
         </p:nvSpPr>
         <p:spPr>
@@ -2718,14 +3046,18 @@
           <a:prstGeom prst="rect">
             <a:avLst/>
           </a:prstGeom>
-        </p:spPr>
-        <p:txBody>
-          <a:bodyPr lIns="0" rIns="0" tIns="0" bIns="0">
+          <a:noFill/>
+          <a:ln w="0">
+            <a:noFill/>
+          </a:ln>
+        </p:spPr>
+        <p:txBody>
+          <a:bodyPr lIns="0" rIns="0" tIns="0" bIns="0" anchor="t">
             <a:normAutofit/>
           </a:bodyPr>
           <a:p>
             <a:endParaRPr b="0" lang="en-US" sz="3200" spc="-1" strike="noStrike">
-              <a:latin typeface="Arial"/>
+              <a:latin typeface="DejaVu Sans"/>
             </a:endParaRPr>
           </a:p>
         </p:txBody>
@@ -2737,7 +3069,7 @@
             <a:spLocks noGrp="1"/>
           </p:cNvSpPr>
           <p:nvPr>
-            <p:ph type="body"/>
+            <p:ph/>
           </p:nvPr>
         </p:nvSpPr>
         <p:spPr>
@@ -2748,14 +3080,18 @@
           <a:prstGeom prst="rect">
             <a:avLst/>
           </a:prstGeom>
-        </p:spPr>
-        <p:txBody>
-          <a:bodyPr lIns="0" rIns="0" tIns="0" bIns="0">
+          <a:noFill/>
+          <a:ln w="0">
+            <a:noFill/>
+          </a:ln>
+        </p:spPr>
+        <p:txBody>
+          <a:bodyPr lIns="0" rIns="0" tIns="0" bIns="0" anchor="t">
             <a:normAutofit/>
           </a:bodyPr>
           <a:p>
             <a:endParaRPr b="0" lang="en-US" sz="3200" spc="-1" strike="noStrike">
-              <a:latin typeface="Arial"/>
+              <a:latin typeface="DejaVu Sans"/>
             </a:endParaRPr>
           </a:p>
         </p:txBody>
@@ -2767,7 +3103,7 @@
             <a:spLocks noGrp="1"/>
           </p:cNvSpPr>
           <p:nvPr>
-            <p:ph type="body"/>
+            <p:ph/>
           </p:nvPr>
         </p:nvSpPr>
         <p:spPr>
@@ -2778,14 +3114,18 @@
           <a:prstGeom prst="rect">
             <a:avLst/>
           </a:prstGeom>
-        </p:spPr>
-        <p:txBody>
-          <a:bodyPr lIns="0" rIns="0" tIns="0" bIns="0">
+          <a:noFill/>
+          <a:ln w="0">
+            <a:noFill/>
+          </a:ln>
+        </p:spPr>
+        <p:txBody>
+          <a:bodyPr lIns="0" rIns="0" tIns="0" bIns="0" anchor="t">
             <a:normAutofit/>
           </a:bodyPr>
           <a:p>
             <a:endParaRPr b="0" lang="en-US" sz="3200" spc="-1" strike="noStrike">
-              <a:latin typeface="Arial"/>
+              <a:latin typeface="DejaVu Sans"/>
             </a:endParaRPr>
           </a:p>
         </p:txBody>
@@ -2830,15 +3170,21 @@
           <a:prstGeom prst="rect">
             <a:avLst/>
           </a:prstGeom>
+          <a:noFill/>
+          <a:ln w="0">
+            <a:noFill/>
+          </a:ln>
         </p:spPr>
         <p:txBody>
           <a:bodyPr lIns="0" rIns="0" tIns="0" bIns="0" anchor="ctr">
             <a:noAutofit/>
           </a:bodyPr>
           <a:p>
-            <a:pPr algn="ctr"/>
+            <a:pPr algn="ctr">
+              <a:buNone/>
+            </a:pPr>
             <a:endParaRPr b="0" lang="en-US" sz="4400" spc="-1" strike="noStrike">
-              <a:latin typeface="Arial"/>
+              <a:latin typeface="DejaVu Sans"/>
             </a:endParaRPr>
           </a:p>
         </p:txBody>
@@ -2850,7 +3196,7 @@
             <a:spLocks noGrp="1"/>
           </p:cNvSpPr>
           <p:nvPr>
-            <p:ph type="body"/>
+            <p:ph/>
           </p:nvPr>
         </p:nvSpPr>
         <p:spPr>
@@ -2861,14 +3207,18 @@
           <a:prstGeom prst="rect">
             <a:avLst/>
           </a:prstGeom>
-        </p:spPr>
-        <p:txBody>
-          <a:bodyPr lIns="0" rIns="0" tIns="0" bIns="0">
+          <a:noFill/>
+          <a:ln w="0">
+            <a:noFill/>
+          </a:ln>
+        </p:spPr>
+        <p:txBody>
+          <a:bodyPr lIns="0" rIns="0" tIns="0" bIns="0" anchor="t">
             <a:normAutofit/>
           </a:bodyPr>
           <a:p>
             <a:endParaRPr b="0" lang="en-US" sz="3200" spc="-1" strike="noStrike">
-              <a:latin typeface="Arial"/>
+              <a:latin typeface="DejaVu Sans"/>
             </a:endParaRPr>
           </a:p>
         </p:txBody>
@@ -2880,7 +3230,7 @@
             <a:spLocks noGrp="1"/>
           </p:cNvSpPr>
           <p:nvPr>
-            <p:ph type="body"/>
+            <p:ph/>
           </p:nvPr>
         </p:nvSpPr>
         <p:spPr>
@@ -2891,14 +3241,18 @@
           <a:prstGeom prst="rect">
             <a:avLst/>
           </a:prstGeom>
-        </p:spPr>
-        <p:txBody>
-          <a:bodyPr lIns="0" rIns="0" tIns="0" bIns="0">
+          <a:noFill/>
+          <a:ln w="0">
+            <a:noFill/>
+          </a:ln>
+        </p:spPr>
+        <p:txBody>
+          <a:bodyPr lIns="0" rIns="0" tIns="0" bIns="0" anchor="t">
             <a:normAutofit/>
           </a:bodyPr>
           <a:p>
             <a:endParaRPr b="0" lang="en-US" sz="3200" spc="-1" strike="noStrike">
-              <a:latin typeface="Arial"/>
+              <a:latin typeface="DejaVu Sans"/>
             </a:endParaRPr>
           </a:p>
         </p:txBody>
@@ -2910,7 +3264,7 @@
             <a:spLocks noGrp="1"/>
           </p:cNvSpPr>
           <p:nvPr>
-            <p:ph type="body"/>
+            <p:ph/>
           </p:nvPr>
         </p:nvSpPr>
         <p:spPr>
@@ -2921,14 +3275,18 @@
           <a:prstGeom prst="rect">
             <a:avLst/>
           </a:prstGeom>
-        </p:spPr>
-        <p:txBody>
-          <a:bodyPr lIns="0" rIns="0" tIns="0" bIns="0">
+          <a:noFill/>
+          <a:ln w="0">
+            <a:noFill/>
+          </a:ln>
+        </p:spPr>
+        <p:txBody>
+          <a:bodyPr lIns="0" rIns="0" tIns="0" bIns="0" anchor="t">
             <a:normAutofit/>
           </a:bodyPr>
           <a:p>
             <a:endParaRPr b="0" lang="en-US" sz="3200" spc="-1" strike="noStrike">
-              <a:latin typeface="Arial"/>
+              <a:latin typeface="DejaVu Sans"/>
             </a:endParaRPr>
           </a:p>
         </p:txBody>
@@ -2973,15 +3331,21 @@
           <a:prstGeom prst="rect">
             <a:avLst/>
           </a:prstGeom>
+          <a:noFill/>
+          <a:ln w="0">
+            <a:noFill/>
+          </a:ln>
         </p:spPr>
         <p:txBody>
           <a:bodyPr lIns="0" rIns="0" tIns="0" bIns="0" anchor="ctr">
             <a:noAutofit/>
           </a:bodyPr>
           <a:p>
-            <a:pPr algn="ctr"/>
+            <a:pPr algn="ctr">
+              <a:buNone/>
+            </a:pPr>
             <a:endParaRPr b="0" lang="en-US" sz="4400" spc="-1" strike="noStrike">
-              <a:latin typeface="Arial"/>
+              <a:latin typeface="DejaVu Sans"/>
             </a:endParaRPr>
           </a:p>
         </p:txBody>
@@ -2993,7 +3357,7 @@
             <a:spLocks noGrp="1"/>
           </p:cNvSpPr>
           <p:nvPr>
-            <p:ph type="body"/>
+            <p:ph/>
           </p:nvPr>
         </p:nvSpPr>
         <p:spPr>
@@ -3004,14 +3368,18 @@
           <a:prstGeom prst="rect">
             <a:avLst/>
           </a:prstGeom>
-        </p:spPr>
-        <p:txBody>
-          <a:bodyPr lIns="0" rIns="0" tIns="0" bIns="0">
+          <a:noFill/>
+          <a:ln w="0">
+            <a:noFill/>
+          </a:ln>
+        </p:spPr>
+        <p:txBody>
+          <a:bodyPr lIns="0" rIns="0" tIns="0" bIns="0" anchor="t">
             <a:normAutofit/>
           </a:bodyPr>
           <a:p>
             <a:endParaRPr b="0" lang="en-US" sz="3200" spc="-1" strike="noStrike">
-              <a:latin typeface="Arial"/>
+              <a:latin typeface="DejaVu Sans"/>
             </a:endParaRPr>
           </a:p>
         </p:txBody>
@@ -3023,7 +3391,7 @@
             <a:spLocks noGrp="1"/>
           </p:cNvSpPr>
           <p:nvPr>
-            <p:ph type="body"/>
+            <p:ph/>
           </p:nvPr>
         </p:nvSpPr>
         <p:spPr>
@@ -3034,14 +3402,18 @@
           <a:prstGeom prst="rect">
             <a:avLst/>
           </a:prstGeom>
-        </p:spPr>
-        <p:txBody>
-          <a:bodyPr lIns="0" rIns="0" tIns="0" bIns="0">
+          <a:noFill/>
+          <a:ln w="0">
+            <a:noFill/>
+          </a:ln>
+        </p:spPr>
+        <p:txBody>
+          <a:bodyPr lIns="0" rIns="0" tIns="0" bIns="0" anchor="t">
             <a:normAutofit/>
           </a:bodyPr>
           <a:p>
             <a:endParaRPr b="0" lang="en-US" sz="3200" spc="-1" strike="noStrike">
-              <a:latin typeface="Arial"/>
+              <a:latin typeface="DejaVu Sans"/>
             </a:endParaRPr>
           </a:p>
         </p:txBody>
@@ -3086,15 +3458,21 @@
           <a:prstGeom prst="rect">
             <a:avLst/>
           </a:prstGeom>
+          <a:noFill/>
+          <a:ln w="0">
+            <a:noFill/>
+          </a:ln>
         </p:spPr>
         <p:txBody>
           <a:bodyPr lIns="0" rIns="0" tIns="0" bIns="0" anchor="ctr">
             <a:noAutofit/>
           </a:bodyPr>
           <a:p>
-            <a:pPr algn="ctr"/>
+            <a:pPr algn="ctr">
+              <a:buNone/>
+            </a:pPr>
             <a:endParaRPr b="0" lang="en-US" sz="4400" spc="-1" strike="noStrike">
-              <a:latin typeface="Arial"/>
+              <a:latin typeface="DejaVu Sans"/>
             </a:endParaRPr>
           </a:p>
         </p:txBody>
@@ -3106,7 +3484,7 @@
             <a:spLocks noGrp="1"/>
           </p:cNvSpPr>
           <p:nvPr>
-            <p:ph type="body"/>
+            <p:ph/>
           </p:nvPr>
         </p:nvSpPr>
         <p:spPr>
@@ -3117,14 +3495,18 @@
           <a:prstGeom prst="rect">
             <a:avLst/>
           </a:prstGeom>
-        </p:spPr>
-        <p:txBody>
-          <a:bodyPr lIns="0" rIns="0" tIns="0" bIns="0">
+          <a:noFill/>
+          <a:ln w="0">
+            <a:noFill/>
+          </a:ln>
+        </p:spPr>
+        <p:txBody>
+          <a:bodyPr lIns="0" rIns="0" tIns="0" bIns="0" anchor="t">
             <a:normAutofit/>
           </a:bodyPr>
           <a:p>
             <a:endParaRPr b="0" lang="en-US" sz="3200" spc="-1" strike="noStrike">
-              <a:latin typeface="Arial"/>
+              <a:latin typeface="DejaVu Sans"/>
             </a:endParaRPr>
           </a:p>
         </p:txBody>
@@ -3136,7 +3518,7 @@
             <a:spLocks noGrp="1"/>
           </p:cNvSpPr>
           <p:nvPr>
-            <p:ph type="body"/>
+            <p:ph/>
           </p:nvPr>
         </p:nvSpPr>
         <p:spPr>
@@ -3147,14 +3529,18 @@
           <a:prstGeom prst="rect">
             <a:avLst/>
           </a:prstGeom>
-        </p:spPr>
-        <p:txBody>
-          <a:bodyPr lIns="0" rIns="0" tIns="0" bIns="0">
+          <a:noFill/>
+          <a:ln w="0">
+            <a:noFill/>
+          </a:ln>
+        </p:spPr>
+        <p:txBody>
+          <a:bodyPr lIns="0" rIns="0" tIns="0" bIns="0" anchor="t">
             <a:normAutofit/>
           </a:bodyPr>
           <a:p>
             <a:endParaRPr b="0" lang="en-US" sz="3200" spc="-1" strike="noStrike">
-              <a:latin typeface="Arial"/>
+              <a:latin typeface="DejaVu Sans"/>
             </a:endParaRPr>
           </a:p>
         </p:txBody>
@@ -3166,7 +3552,7 @@
             <a:spLocks noGrp="1"/>
           </p:cNvSpPr>
           <p:nvPr>
-            <p:ph type="body"/>
+            <p:ph/>
           </p:nvPr>
         </p:nvSpPr>
         <p:spPr>
@@ -3177,14 +3563,18 @@
           <a:prstGeom prst="rect">
             <a:avLst/>
           </a:prstGeom>
-        </p:spPr>
-        <p:txBody>
-          <a:bodyPr lIns="0" rIns="0" tIns="0" bIns="0">
+          <a:noFill/>
+          <a:ln w="0">
+            <a:noFill/>
+          </a:ln>
+        </p:spPr>
+        <p:txBody>
+          <a:bodyPr lIns="0" rIns="0" tIns="0" bIns="0" anchor="t">
             <a:normAutofit/>
           </a:bodyPr>
           <a:p>
             <a:endParaRPr b="0" lang="en-US" sz="3200" spc="-1" strike="noStrike">
-              <a:latin typeface="Arial"/>
+              <a:latin typeface="DejaVu Sans"/>
             </a:endParaRPr>
           </a:p>
         </p:txBody>
@@ -3196,7 +3586,7 @@
             <a:spLocks noGrp="1"/>
           </p:cNvSpPr>
           <p:nvPr>
-            <p:ph type="body"/>
+            <p:ph/>
           </p:nvPr>
         </p:nvSpPr>
         <p:spPr>
@@ -3207,14 +3597,18 @@
           <a:prstGeom prst="rect">
             <a:avLst/>
           </a:prstGeom>
-        </p:spPr>
-        <p:txBody>
-          <a:bodyPr lIns="0" rIns="0" tIns="0" bIns="0">
+          <a:noFill/>
+          <a:ln w="0">
+            <a:noFill/>
+          </a:ln>
+        </p:spPr>
+        <p:txBody>
+          <a:bodyPr lIns="0" rIns="0" tIns="0" bIns="0" anchor="t">
             <a:normAutofit/>
           </a:bodyPr>
           <a:p>
             <a:endParaRPr b="0" lang="en-US" sz="3200" spc="-1" strike="noStrike">
-              <a:latin typeface="Arial"/>
+              <a:latin typeface="DejaVu Sans"/>
             </a:endParaRPr>
           </a:p>
         </p:txBody>
@@ -3259,15 +3653,21 @@
           <a:prstGeom prst="rect">
             <a:avLst/>
           </a:prstGeom>
+          <a:noFill/>
+          <a:ln w="0">
+            <a:noFill/>
+          </a:ln>
         </p:spPr>
         <p:txBody>
           <a:bodyPr lIns="0" rIns="0" tIns="0" bIns="0" anchor="ctr">
             <a:noAutofit/>
           </a:bodyPr>
           <a:p>
-            <a:pPr algn="ctr"/>
+            <a:pPr algn="ctr">
+              <a:buNone/>
+            </a:pPr>
             <a:endParaRPr b="0" lang="en-US" sz="4400" spc="-1" strike="noStrike">
-              <a:latin typeface="Arial"/>
+              <a:latin typeface="DejaVu Sans"/>
             </a:endParaRPr>
           </a:p>
         </p:txBody>
@@ -3279,7 +3679,7 @@
             <a:spLocks noGrp="1"/>
           </p:cNvSpPr>
           <p:nvPr>
-            <p:ph type="body"/>
+            <p:ph/>
           </p:nvPr>
         </p:nvSpPr>
         <p:spPr>
@@ -3290,14 +3690,18 @@
           <a:prstGeom prst="rect">
             <a:avLst/>
           </a:prstGeom>
-        </p:spPr>
-        <p:txBody>
-          <a:bodyPr lIns="0" rIns="0" tIns="0" bIns="0">
+          <a:noFill/>
+          <a:ln w="0">
+            <a:noFill/>
+          </a:ln>
+        </p:spPr>
+        <p:txBody>
+          <a:bodyPr lIns="0" rIns="0" tIns="0" bIns="0" anchor="t">
             <a:normAutofit/>
           </a:bodyPr>
           <a:p>
             <a:endParaRPr b="0" lang="en-US" sz="3200" spc="-1" strike="noStrike">
-              <a:latin typeface="Arial"/>
+              <a:latin typeface="DejaVu Sans"/>
             </a:endParaRPr>
           </a:p>
         </p:txBody>
@@ -3309,7 +3713,7 @@
             <a:spLocks noGrp="1"/>
           </p:cNvSpPr>
           <p:nvPr>
-            <p:ph type="body"/>
+            <p:ph/>
           </p:nvPr>
         </p:nvSpPr>
         <p:spPr>
@@ -3320,14 +3724,18 @@
           <a:prstGeom prst="rect">
             <a:avLst/>
           </a:prstGeom>
-        </p:spPr>
-        <p:txBody>
-          <a:bodyPr lIns="0" rIns="0" tIns="0" bIns="0">
+          <a:noFill/>
+          <a:ln w="0">
+            <a:noFill/>
+          </a:ln>
+        </p:spPr>
+        <p:txBody>
+          <a:bodyPr lIns="0" rIns="0" tIns="0" bIns="0" anchor="t">
             <a:normAutofit/>
           </a:bodyPr>
           <a:p>
             <a:endParaRPr b="0" lang="en-US" sz="3200" spc="-1" strike="noStrike">
-              <a:latin typeface="Arial"/>
+              <a:latin typeface="DejaVu Sans"/>
             </a:endParaRPr>
           </a:p>
         </p:txBody>
@@ -3339,7 +3747,7 @@
             <a:spLocks noGrp="1"/>
           </p:cNvSpPr>
           <p:nvPr>
-            <p:ph type="body"/>
+            <p:ph/>
           </p:nvPr>
         </p:nvSpPr>
         <p:spPr>
@@ -3350,14 +3758,18 @@
           <a:prstGeom prst="rect">
             <a:avLst/>
           </a:prstGeom>
-        </p:spPr>
-        <p:txBody>
-          <a:bodyPr lIns="0" rIns="0" tIns="0" bIns="0">
+          <a:noFill/>
+          <a:ln w="0">
+            <a:noFill/>
+          </a:ln>
+        </p:spPr>
+        <p:txBody>
+          <a:bodyPr lIns="0" rIns="0" tIns="0" bIns="0" anchor="t">
             <a:normAutofit/>
           </a:bodyPr>
           <a:p>
             <a:endParaRPr b="0" lang="en-US" sz="3200" spc="-1" strike="noStrike">
-              <a:latin typeface="Arial"/>
+              <a:latin typeface="DejaVu Sans"/>
             </a:endParaRPr>
           </a:p>
         </p:txBody>
@@ -3369,7 +3781,7 @@
             <a:spLocks noGrp="1"/>
           </p:cNvSpPr>
           <p:nvPr>
-            <p:ph type="body"/>
+            <p:ph/>
           </p:nvPr>
         </p:nvSpPr>
         <p:spPr>
@@ -3380,14 +3792,18 @@
           <a:prstGeom prst="rect">
             <a:avLst/>
           </a:prstGeom>
-        </p:spPr>
-        <p:txBody>
-          <a:bodyPr lIns="0" rIns="0" tIns="0" bIns="0">
+          <a:noFill/>
+          <a:ln w="0">
+            <a:noFill/>
+          </a:ln>
+        </p:spPr>
+        <p:txBody>
+          <a:bodyPr lIns="0" rIns="0" tIns="0" bIns="0" anchor="t">
             <a:normAutofit/>
           </a:bodyPr>
           <a:p>
             <a:endParaRPr b="0" lang="en-US" sz="3200" spc="-1" strike="noStrike">
-              <a:latin typeface="Arial"/>
+              <a:latin typeface="DejaVu Sans"/>
             </a:endParaRPr>
           </a:p>
         </p:txBody>
@@ -3399,7 +3815,7 @@
             <a:spLocks noGrp="1"/>
           </p:cNvSpPr>
           <p:nvPr>
-            <p:ph type="body"/>
+            <p:ph/>
           </p:nvPr>
         </p:nvSpPr>
         <p:spPr>
@@ -3410,14 +3826,18 @@
           <a:prstGeom prst="rect">
             <a:avLst/>
           </a:prstGeom>
-        </p:spPr>
-        <p:txBody>
-          <a:bodyPr lIns="0" rIns="0" tIns="0" bIns="0">
+          <a:noFill/>
+          <a:ln w="0">
+            <a:noFill/>
+          </a:ln>
+        </p:spPr>
+        <p:txBody>
+          <a:bodyPr lIns="0" rIns="0" tIns="0" bIns="0" anchor="t">
             <a:normAutofit/>
           </a:bodyPr>
           <a:p>
             <a:endParaRPr b="0" lang="en-US" sz="3200" spc="-1" strike="noStrike">
-              <a:latin typeface="Arial"/>
+              <a:latin typeface="DejaVu Sans"/>
             </a:endParaRPr>
           </a:p>
         </p:txBody>
@@ -3429,7 +3849,7 @@
             <a:spLocks noGrp="1"/>
           </p:cNvSpPr>
           <p:nvPr>
-            <p:ph type="body"/>
+            <p:ph/>
           </p:nvPr>
         </p:nvSpPr>
         <p:spPr>
@@ -3440,14 +3860,18 @@
           <a:prstGeom prst="rect">
             <a:avLst/>
           </a:prstGeom>
-        </p:spPr>
-        <p:txBody>
-          <a:bodyPr lIns="0" rIns="0" tIns="0" bIns="0">
+          <a:noFill/>
+          <a:ln w="0">
+            <a:noFill/>
+          </a:ln>
+        </p:spPr>
+        <p:txBody>
+          <a:bodyPr lIns="0" rIns="0" tIns="0" bIns="0" anchor="t">
             <a:normAutofit/>
           </a:bodyPr>
           <a:p>
             <a:endParaRPr b="0" lang="en-US" sz="3200" spc="-1" strike="noStrike">
-              <a:latin typeface="Arial"/>
+              <a:latin typeface="DejaVu Sans"/>
             </a:endParaRPr>
           </a:p>
         </p:txBody>
@@ -3492,15 +3916,21 @@
           <a:prstGeom prst="rect">
             <a:avLst/>
           </a:prstGeom>
+          <a:noFill/>
+          <a:ln w="0">
+            <a:noFill/>
+          </a:ln>
         </p:spPr>
         <p:txBody>
           <a:bodyPr lIns="0" rIns="0" tIns="0" bIns="0" anchor="ctr">
             <a:noAutofit/>
           </a:bodyPr>
           <a:p>
-            <a:pPr algn="ctr"/>
+            <a:pPr algn="ctr">
+              <a:buNone/>
+            </a:pPr>
             <a:endParaRPr b="0" lang="en-US" sz="4400" spc="-1" strike="noStrike">
-              <a:latin typeface="Arial"/>
+              <a:latin typeface="DejaVu Sans"/>
             </a:endParaRPr>
           </a:p>
         </p:txBody>
@@ -3512,7 +3942,7 @@
             <a:spLocks noGrp="1"/>
           </p:cNvSpPr>
           <p:nvPr>
-            <p:ph type="body"/>
+            <p:ph/>
           </p:nvPr>
         </p:nvSpPr>
         <p:spPr>
@@ -3523,14 +3953,18 @@
           <a:prstGeom prst="rect">
             <a:avLst/>
           </a:prstGeom>
-        </p:spPr>
-        <p:txBody>
-          <a:bodyPr lIns="0" rIns="0" tIns="0" bIns="0">
+          <a:noFill/>
+          <a:ln w="0">
+            <a:noFill/>
+          </a:ln>
+        </p:spPr>
+        <p:txBody>
+          <a:bodyPr lIns="0" rIns="0" tIns="0" bIns="0" anchor="t">
             <a:normAutofit/>
           </a:bodyPr>
           <a:p>
             <a:endParaRPr b="0" lang="en-US" sz="3200" spc="-1" strike="noStrike">
-              <a:latin typeface="Arial"/>
+              <a:latin typeface="DejaVu Sans"/>
             </a:endParaRPr>
           </a:p>
         </p:txBody>
@@ -3542,7 +3976,7 @@
             <a:spLocks noGrp="1"/>
           </p:cNvSpPr>
           <p:nvPr>
-            <p:ph type="body"/>
+            <p:ph/>
           </p:nvPr>
         </p:nvSpPr>
         <p:spPr>
@@ -3553,14 +3987,18 @@
           <a:prstGeom prst="rect">
             <a:avLst/>
           </a:prstGeom>
-        </p:spPr>
-        <p:txBody>
-          <a:bodyPr lIns="0" rIns="0" tIns="0" bIns="0">
+          <a:noFill/>
+          <a:ln w="0">
+            <a:noFill/>
+          </a:ln>
+        </p:spPr>
+        <p:txBody>
+          <a:bodyPr lIns="0" rIns="0" tIns="0" bIns="0" anchor="t">
             <a:normAutofit/>
           </a:bodyPr>
           <a:p>
             <a:endParaRPr b="0" lang="en-US" sz="3200" spc="-1" strike="noStrike">
-              <a:latin typeface="Arial"/>
+              <a:latin typeface="DejaVu Sans"/>
             </a:endParaRPr>
           </a:p>
         </p:txBody>
@@ -3605,15 +4043,21 @@
           <a:prstGeom prst="rect">
             <a:avLst/>
           </a:prstGeom>
+          <a:noFill/>
+          <a:ln w="0">
+            <a:noFill/>
+          </a:ln>
         </p:spPr>
         <p:txBody>
           <a:bodyPr lIns="0" rIns="0" tIns="0" bIns="0" anchor="ctr">
             <a:noAutofit/>
           </a:bodyPr>
           <a:p>
-            <a:pPr algn="ctr"/>
+            <a:pPr algn="ctr">
+              <a:buNone/>
+            </a:pPr>
             <a:endParaRPr b="0" lang="en-US" sz="4400" spc="-1" strike="noStrike">
-              <a:latin typeface="Arial"/>
+              <a:latin typeface="DejaVu Sans"/>
             </a:endParaRPr>
           </a:p>
         </p:txBody>
@@ -3658,15 +4102,21 @@
           <a:prstGeom prst="rect">
             <a:avLst/>
           </a:prstGeom>
+          <a:noFill/>
+          <a:ln w="0">
+            <a:noFill/>
+          </a:ln>
         </p:spPr>
         <p:txBody>
           <a:bodyPr lIns="0" rIns="0" tIns="0" bIns="0" anchor="ctr">
             <a:noAutofit/>
           </a:bodyPr>
           <a:p>
-            <a:pPr algn="ctr"/>
+            <a:pPr algn="ctr">
+              <a:buNone/>
+            </a:pPr>
             <a:endParaRPr b="0" lang="en-US" sz="3200" spc="-1" strike="noStrike">
-              <a:latin typeface="Arial"/>
+              <a:latin typeface="DejaVu Sans"/>
             </a:endParaRPr>
           </a:p>
         </p:txBody>
@@ -3711,15 +4161,21 @@
           <a:prstGeom prst="rect">
             <a:avLst/>
           </a:prstGeom>
+          <a:noFill/>
+          <a:ln w="0">
+            <a:noFill/>
+          </a:ln>
         </p:spPr>
         <p:txBody>
           <a:bodyPr lIns="0" rIns="0" tIns="0" bIns="0" anchor="ctr">
             <a:noAutofit/>
           </a:bodyPr>
           <a:p>
-            <a:pPr algn="ctr"/>
+            <a:pPr algn="ctr">
+              <a:buNone/>
+            </a:pPr>
             <a:endParaRPr b="0" lang="en-US" sz="4400" spc="-1" strike="noStrike">
-              <a:latin typeface="Arial"/>
+              <a:latin typeface="DejaVu Sans"/>
             </a:endParaRPr>
           </a:p>
         </p:txBody>
@@ -3731,7 +4187,7 @@
             <a:spLocks noGrp="1"/>
           </p:cNvSpPr>
           <p:nvPr>
-            <p:ph type="body"/>
+            <p:ph/>
           </p:nvPr>
         </p:nvSpPr>
         <p:spPr>
@@ -3742,14 +4198,18 @@
           <a:prstGeom prst="rect">
             <a:avLst/>
           </a:prstGeom>
-        </p:spPr>
-        <p:txBody>
-          <a:bodyPr lIns="0" rIns="0" tIns="0" bIns="0">
+          <a:noFill/>
+          <a:ln w="0">
+            <a:noFill/>
+          </a:ln>
+        </p:spPr>
+        <p:txBody>
+          <a:bodyPr lIns="0" rIns="0" tIns="0" bIns="0" anchor="t">
             <a:normAutofit/>
           </a:bodyPr>
           <a:p>
             <a:endParaRPr b="0" lang="en-US" sz="3200" spc="-1" strike="noStrike">
-              <a:latin typeface="Arial"/>
+              <a:latin typeface="DejaVu Sans"/>
             </a:endParaRPr>
           </a:p>
         </p:txBody>
@@ -3761,7 +4221,7 @@
             <a:spLocks noGrp="1"/>
           </p:cNvSpPr>
           <p:nvPr>
-            <p:ph type="body"/>
+            <p:ph/>
           </p:nvPr>
         </p:nvSpPr>
         <p:spPr>
@@ -3772,14 +4232,18 @@
           <a:prstGeom prst="rect">
             <a:avLst/>
           </a:prstGeom>
-        </p:spPr>
-        <p:txBody>
-          <a:bodyPr lIns="0" rIns="0" tIns="0" bIns="0">
+          <a:noFill/>
+          <a:ln w="0">
+            <a:noFill/>
+          </a:ln>
+        </p:spPr>
+        <p:txBody>
+          <a:bodyPr lIns="0" rIns="0" tIns="0" bIns="0" anchor="t">
             <a:normAutofit/>
           </a:bodyPr>
           <a:p>
             <a:endParaRPr b="0" lang="en-US" sz="3200" spc="-1" strike="noStrike">
-              <a:latin typeface="Arial"/>
+              <a:latin typeface="DejaVu Sans"/>
             </a:endParaRPr>
           </a:p>
         </p:txBody>
@@ -3791,7 +4255,7 @@
             <a:spLocks noGrp="1"/>
           </p:cNvSpPr>
           <p:nvPr>
-            <p:ph type="body"/>
+            <p:ph/>
           </p:nvPr>
         </p:nvSpPr>
         <p:spPr>
@@ -3802,14 +4266,18 @@
           <a:prstGeom prst="rect">
             <a:avLst/>
           </a:prstGeom>
-        </p:spPr>
-        <p:txBody>
-          <a:bodyPr lIns="0" rIns="0" tIns="0" bIns="0">
+          <a:noFill/>
+          <a:ln w="0">
+            <a:noFill/>
+          </a:ln>
+        </p:spPr>
+        <p:txBody>
+          <a:bodyPr lIns="0" rIns="0" tIns="0" bIns="0" anchor="t">
             <a:normAutofit/>
           </a:bodyPr>
           <a:p>
             <a:endParaRPr b="0" lang="en-US" sz="3200" spc="-1" strike="noStrike">
-              <a:latin typeface="Arial"/>
+              <a:latin typeface="DejaVu Sans"/>
             </a:endParaRPr>
           </a:p>
         </p:txBody>
@@ -3854,15 +4322,21 @@
           <a:prstGeom prst="rect">
             <a:avLst/>
           </a:prstGeom>
+          <a:noFill/>
+          <a:ln w="0">
+            <a:noFill/>
+          </a:ln>
         </p:spPr>
         <p:txBody>
           <a:bodyPr lIns="0" rIns="0" tIns="0" bIns="0" anchor="ctr">
             <a:noAutofit/>
           </a:bodyPr>
           <a:p>
-            <a:pPr algn="ctr"/>
+            <a:pPr algn="ctr">
+              <a:buNone/>
+            </a:pPr>
             <a:endParaRPr b="0" lang="en-US" sz="4400" spc="-1" strike="noStrike">
-              <a:latin typeface="Arial"/>
+              <a:latin typeface="DejaVu Sans"/>
             </a:endParaRPr>
           </a:p>
         </p:txBody>
@@ -3874,7 +4348,7 @@
             <a:spLocks noGrp="1"/>
           </p:cNvSpPr>
           <p:nvPr>
-            <p:ph type="body"/>
+            <p:ph/>
           </p:nvPr>
         </p:nvSpPr>
         <p:spPr>
@@ -3885,14 +4359,18 @@
           <a:prstGeom prst="rect">
             <a:avLst/>
           </a:prstGeom>
-        </p:spPr>
-        <p:txBody>
-          <a:bodyPr lIns="0" rIns="0" tIns="0" bIns="0">
+          <a:noFill/>
+          <a:ln w="0">
+            <a:noFill/>
+          </a:ln>
+        </p:spPr>
+        <p:txBody>
+          <a:bodyPr lIns="0" rIns="0" tIns="0" bIns="0" anchor="t">
             <a:normAutofit/>
           </a:bodyPr>
           <a:p>
             <a:endParaRPr b="0" lang="en-US" sz="3200" spc="-1" strike="noStrike">
-              <a:latin typeface="Arial"/>
+              <a:latin typeface="DejaVu Sans"/>
             </a:endParaRPr>
           </a:p>
         </p:txBody>
@@ -3904,7 +4382,7 @@
             <a:spLocks noGrp="1"/>
           </p:cNvSpPr>
           <p:nvPr>
-            <p:ph type="body"/>
+            <p:ph/>
           </p:nvPr>
         </p:nvSpPr>
         <p:spPr>
@@ -3915,14 +4393,18 @@
           <a:prstGeom prst="rect">
             <a:avLst/>
           </a:prstGeom>
-        </p:spPr>
-        <p:txBody>
-          <a:bodyPr lIns="0" rIns="0" tIns="0" bIns="0">
+          <a:noFill/>
+          <a:ln w="0">
+            <a:noFill/>
+          </a:ln>
+        </p:spPr>
+        <p:txBody>
+          <a:bodyPr lIns="0" rIns="0" tIns="0" bIns="0" anchor="t">
             <a:normAutofit/>
           </a:bodyPr>
           <a:p>
             <a:endParaRPr b="0" lang="en-US" sz="3200" spc="-1" strike="noStrike">
-              <a:latin typeface="Arial"/>
+              <a:latin typeface="DejaVu Sans"/>
             </a:endParaRPr>
           </a:p>
         </p:txBody>
@@ -3934,7 +4416,7 @@
             <a:spLocks noGrp="1"/>
           </p:cNvSpPr>
           <p:nvPr>
-            <p:ph type="body"/>
+            <p:ph/>
           </p:nvPr>
         </p:nvSpPr>
         <p:spPr>
@@ -3945,14 +4427,18 @@
           <a:prstGeom prst="rect">
             <a:avLst/>
           </a:prstGeom>
-        </p:spPr>
-        <p:txBody>
-          <a:bodyPr lIns="0" rIns="0" tIns="0" bIns="0">
+          <a:noFill/>
+          <a:ln w="0">
+            <a:noFill/>
+          </a:ln>
+        </p:spPr>
+        <p:txBody>
+          <a:bodyPr lIns="0" rIns="0" tIns="0" bIns="0" anchor="t">
             <a:normAutofit/>
           </a:bodyPr>
           <a:p>
             <a:endParaRPr b="0" lang="en-US" sz="3200" spc="-1" strike="noStrike">
-              <a:latin typeface="Arial"/>
+              <a:latin typeface="DejaVu Sans"/>
             </a:endParaRPr>
           </a:p>
         </p:txBody>
@@ -3997,15 +4483,21 @@
           <a:prstGeom prst="rect">
             <a:avLst/>
           </a:prstGeom>
+          <a:noFill/>
+          <a:ln w="0">
+            <a:noFill/>
+          </a:ln>
         </p:spPr>
         <p:txBody>
           <a:bodyPr lIns="0" rIns="0" tIns="0" bIns="0" anchor="ctr">
             <a:noAutofit/>
           </a:bodyPr>
           <a:p>
-            <a:pPr algn="ctr"/>
+            <a:pPr algn="ctr">
+              <a:buNone/>
+            </a:pPr>
             <a:endParaRPr b="0" lang="en-US" sz="4400" spc="-1" strike="noStrike">
-              <a:latin typeface="Arial"/>
+              <a:latin typeface="DejaVu Sans"/>
             </a:endParaRPr>
           </a:p>
         </p:txBody>
@@ -4017,7 +4509,7 @@
             <a:spLocks noGrp="1"/>
           </p:cNvSpPr>
           <p:nvPr>
-            <p:ph type="body"/>
+            <p:ph/>
           </p:nvPr>
         </p:nvSpPr>
         <p:spPr>
@@ -4028,14 +4520,18 @@
           <a:prstGeom prst="rect">
             <a:avLst/>
           </a:prstGeom>
-        </p:spPr>
-        <p:txBody>
-          <a:bodyPr lIns="0" rIns="0" tIns="0" bIns="0">
+          <a:noFill/>
+          <a:ln w="0">
+            <a:noFill/>
+          </a:ln>
+        </p:spPr>
+        <p:txBody>
+          <a:bodyPr lIns="0" rIns="0" tIns="0" bIns="0" anchor="t">
             <a:normAutofit/>
           </a:bodyPr>
           <a:p>
             <a:endParaRPr b="0" lang="en-US" sz="3200" spc="-1" strike="noStrike">
-              <a:latin typeface="Arial"/>
+              <a:latin typeface="DejaVu Sans"/>
             </a:endParaRPr>
           </a:p>
         </p:txBody>
@@ -4047,7 +4543,7 @@
             <a:spLocks noGrp="1"/>
           </p:cNvSpPr>
           <p:nvPr>
-            <p:ph type="body"/>
+            <p:ph/>
           </p:nvPr>
         </p:nvSpPr>
         <p:spPr>
@@ -4058,14 +4554,18 @@
           <a:prstGeom prst="rect">
             <a:avLst/>
           </a:prstGeom>
-        </p:spPr>
-        <p:txBody>
-          <a:bodyPr lIns="0" rIns="0" tIns="0" bIns="0">
+          <a:noFill/>
+          <a:ln w="0">
+            <a:noFill/>
+          </a:ln>
+        </p:spPr>
+        <p:txBody>
+          <a:bodyPr lIns="0" rIns="0" tIns="0" bIns="0" anchor="t">
             <a:normAutofit/>
           </a:bodyPr>
           <a:p>
             <a:endParaRPr b="0" lang="en-US" sz="3200" spc="-1" strike="noStrike">
-              <a:latin typeface="Arial"/>
+              <a:latin typeface="DejaVu Sans"/>
             </a:endParaRPr>
           </a:p>
         </p:txBody>
@@ -4077,7 +4577,7 @@
             <a:spLocks noGrp="1"/>
           </p:cNvSpPr>
           <p:nvPr>
-            <p:ph type="body"/>
+            <p:ph/>
           </p:nvPr>
         </p:nvSpPr>
         <p:spPr>
@@ -4088,14 +4588,18 @@
           <a:prstGeom prst="rect">
             <a:avLst/>
           </a:prstGeom>
-        </p:spPr>
-        <p:txBody>
-          <a:bodyPr lIns="0" rIns="0" tIns="0" bIns="0">
+          <a:noFill/>
+          <a:ln w="0">
+            <a:noFill/>
+          </a:ln>
+        </p:spPr>
+        <p:txBody>
+          <a:bodyPr lIns="0" rIns="0" tIns="0" bIns="0" anchor="t">
             <a:normAutofit/>
           </a:bodyPr>
           <a:p>
             <a:endParaRPr b="0" lang="en-US" sz="3200" spc="-1" strike="noStrike">
-              <a:latin typeface="Arial"/>
+              <a:latin typeface="DejaVu Sans"/>
             </a:endParaRPr>
           </a:p>
         </p:txBody>
@@ -4138,7 +4642,7 @@
         <p:spPr>
           <a:xfrm>
             <a:off x="11444760" y="0"/>
-            <a:ext cx="743760" cy="6852600"/>
+            <a:ext cx="743400" cy="6852240"/>
           </a:xfrm>
           <a:prstGeom prst="rect">
             <a:avLst/>
@@ -4148,7 +4652,7 @@
               <a:alpha val="10000"/>
             </a:srgbClr>
           </a:solidFill>
-          <a:ln>
+          <a:ln w="0">
             <a:noFill/>
           </a:ln>
         </p:spPr>
@@ -4168,13 +4672,13 @@
         <p:spPr>
           <a:xfrm>
             <a:off x="11438640" y="6453360"/>
-            <a:ext cx="760680" cy="363960"/>
-          </a:xfrm>
-          <a:prstGeom prst="rect">
-            <a:avLst/>
-          </a:prstGeom>
-          <a:noFill/>
-          <a:ln>
+            <a:ext cx="760320" cy="363960"/>
+          </a:xfrm>
+          <a:prstGeom prst="rect">
+            <a:avLst/>
+          </a:prstGeom>
+          <a:noFill/>
+          <a:ln w="0">
             <a:noFill/>
           </a:ln>
         </p:spPr>
@@ -4185,7 +4689,7 @@
           <a:fontRef idx="minor"/>
         </p:style>
         <p:txBody>
-          <a:bodyPr lIns="90000" rIns="90000" tIns="45000" bIns="45000">
+          <a:bodyPr lIns="90000" rIns="90000" tIns="45000" bIns="45000" anchor="t">
             <a:spAutoFit/>
           </a:bodyPr>
           <a:p>
@@ -4193,11 +4697,12 @@
               <a:lnSpc>
                 <a:spcPct val="100000"/>
               </a:lnSpc>
-              <a:tabLst>
-                <a:tab algn="l" pos="408240"/>
-              </a:tabLst>
-            </a:pPr>
-            <a:fld id="{4F5217D9-73E9-4F19-B748-5B7443DC2A7D}" type="slidenum">
+              <a:buNone/>
+              <a:tabLst>
+                <a:tab algn="l" pos="408240"/>
+              </a:tabLst>
+            </a:pPr>
+            <a:fld id="{05CC4F8D-10CB-4AE5-90FA-E4A400180AD7}" type="slidenum">
               <a:rPr b="0" lang="en-US" sz="1800" spc="-1" strike="noStrike">
                 <a:solidFill>
                   <a:srgbClr val="808080"/>
@@ -4208,7 +4713,7 @@
               <a:t>&lt;number&gt;</a:t>
             </a:fld>
             <a:endParaRPr b="0" lang="en-US" sz="1800" spc="-1" strike="noStrike">
-              <a:latin typeface="Arial"/>
+              <a:latin typeface="DejaVu Sans"/>
             </a:endParaRPr>
           </a:p>
         </p:txBody>
@@ -4222,13 +4727,13 @@
         <p:spPr>
           <a:xfrm>
             <a:off x="912240" y="1268280"/>
-            <a:ext cx="9210600" cy="363960"/>
-          </a:xfrm>
-          <a:prstGeom prst="rect">
-            <a:avLst/>
-          </a:prstGeom>
-          <a:noFill/>
-          <a:ln>
+            <a:ext cx="9210240" cy="363600"/>
+          </a:xfrm>
+          <a:prstGeom prst="rect">
+            <a:avLst/>
+          </a:prstGeom>
+          <a:noFill/>
+          <a:ln w="0">
             <a:noFill/>
           </a:ln>
         </p:spPr>
@@ -4252,12 +4757,12 @@
         <p:spPr>
           <a:xfrm>
             <a:off x="0" y="0"/>
-            <a:ext cx="3054600" cy="564480"/>
-          </a:xfrm>
-          <a:prstGeom prst="rect">
-            <a:avLst/>
-          </a:prstGeom>
-          <a:ln>
+            <a:ext cx="3054240" cy="564120"/>
+          </a:xfrm>
+          <a:prstGeom prst="rect">
+            <a:avLst/>
+          </a:prstGeom>
+          <a:ln w="0">
             <a:noFill/>
           </a:ln>
         </p:spPr>
@@ -4275,12 +4780,12 @@
         <p:spPr>
           <a:xfrm>
             <a:off x="7430400" y="134640"/>
-            <a:ext cx="3700440" cy="516600"/>
-          </a:xfrm>
-          <a:prstGeom prst="rect">
-            <a:avLst/>
-          </a:prstGeom>
-          <a:ln>
+            <a:ext cx="3700080" cy="516240"/>
+          </a:xfrm>
+          <a:prstGeom prst="rect">
+            <a:avLst/>
+          </a:prstGeom>
+          <a:ln w="0">
             <a:noFill/>
           </a:ln>
         </p:spPr>
@@ -4294,13 +4799,13 @@
         <p:spPr>
           <a:xfrm>
             <a:off x="912240" y="1268280"/>
-            <a:ext cx="9210600" cy="363960"/>
-          </a:xfrm>
-          <a:prstGeom prst="rect">
-            <a:avLst/>
-          </a:prstGeom>
-          <a:noFill/>
-          <a:ln>
+            <a:ext cx="9210240" cy="363600"/>
+          </a:xfrm>
+          <a:prstGeom prst="rect">
+            <a:avLst/>
+          </a:prstGeom>
+          <a:noFill/>
+          <a:ln w="0">
             <a:noFill/>
           </a:ln>
         </p:spPr>
@@ -4320,7 +4825,7 @@
         <p:spPr>
           <a:xfrm>
             <a:off x="11444760" y="0"/>
-            <a:ext cx="743760" cy="6852600"/>
+            <a:ext cx="743400" cy="6852240"/>
           </a:xfrm>
           <a:prstGeom prst="rect">
             <a:avLst/>
@@ -4330,7 +4835,7 @@
               <a:alpha val="10000"/>
             </a:srgbClr>
           </a:solidFill>
-          <a:ln>
+          <a:ln w="0">
             <a:noFill/>
           </a:ln>
         </p:spPr>
@@ -4350,13 +4855,13 @@
         <p:spPr>
           <a:xfrm>
             <a:off x="0" y="6642720"/>
-            <a:ext cx="12185280" cy="211320"/>
-          </a:xfrm>
-          <a:prstGeom prst="rect">
-            <a:avLst/>
-          </a:prstGeom>
-          <a:noFill/>
-          <a:ln>
+            <a:ext cx="12184920" cy="211320"/>
+          </a:xfrm>
+          <a:prstGeom prst="rect">
+            <a:avLst/>
+          </a:prstGeom>
+          <a:noFill/>
+          <a:ln w="0">
             <a:noFill/>
           </a:ln>
         </p:spPr>
@@ -4367,7 +4872,7 @@
           <a:fontRef idx="minor"/>
         </p:style>
         <p:txBody>
-          <a:bodyPr lIns="90000" rIns="90000" tIns="45000" bIns="45000">
+          <a:bodyPr lIns="90000" rIns="90000" tIns="45000" bIns="45000" anchor="t">
             <a:spAutoFit/>
           </a:bodyPr>
           <a:p>
@@ -4375,6 +4880,7 @@
               <a:lnSpc>
                 <a:spcPct val="100000"/>
               </a:lnSpc>
+              <a:buNone/>
               <a:tabLst>
                 <a:tab algn="l" pos="408240"/>
               </a:tabLst>
@@ -4410,14 +4916,14 @@
               <a:t> (TU Clausthal / University of Göttingen)</a:t>
             </a:r>
             <a:endParaRPr b="0" lang="en-US" sz="800" spc="-1" strike="noStrike">
-              <a:latin typeface="Arial"/>
-            </a:endParaRPr>
-          </a:p>
-        </p:txBody>
-      </p:sp>
-      <p:sp>
-        <p:nvSpPr>
-          <p:cNvPr id="8" name="PlaceHolder 7"/>
+              <a:latin typeface="DejaVu Sans"/>
+            </a:endParaRPr>
+          </a:p>
+        </p:txBody>
+      </p:sp>
+      <p:sp>
+        <p:nvSpPr>
+          <p:cNvPr id="8" name="PlaceHolder 1"/>
           <p:cNvSpPr>
             <a:spLocks noGrp="1"/>
           </p:cNvSpPr>
@@ -4433,28 +4939,34 @@
           <a:prstGeom prst="rect">
             <a:avLst/>
           </a:prstGeom>
+          <a:noFill/>
+          <a:ln w="0">
+            <a:noFill/>
+          </a:ln>
         </p:spPr>
         <p:txBody>
           <a:bodyPr lIns="0" rIns="0" tIns="0" bIns="0" anchor="ctr">
             <a:noAutofit/>
           </a:bodyPr>
           <a:p>
-            <a:pPr algn="ctr"/>
+            <a:pPr algn="ctr">
+              <a:buNone/>
+            </a:pPr>
             <a:r>
               <a:rPr b="0" lang="en-US" sz="4400" spc="-1" strike="noStrike">
-                <a:latin typeface="Arial"/>
+                <a:latin typeface="DejaVu Sans"/>
               </a:rPr>
               <a:t>Click to edit the title text format</a:t>
             </a:r>
             <a:endParaRPr b="0" lang="en-US" sz="4400" spc="-1" strike="noStrike">
-              <a:latin typeface="Arial"/>
-            </a:endParaRPr>
-          </a:p>
-        </p:txBody>
-      </p:sp>
-      <p:sp>
-        <p:nvSpPr>
-          <p:cNvPr id="9" name="PlaceHolder 8"/>
+              <a:latin typeface="DejaVu Sans"/>
+            </a:endParaRPr>
+          </a:p>
+        </p:txBody>
+      </p:sp>
+      <p:sp>
+        <p:nvSpPr>
+          <p:cNvPr id="9" name="PlaceHolder 2"/>
           <p:cNvSpPr>
             <a:spLocks noGrp="1"/>
           </p:cNvSpPr>
@@ -4470,9 +4982,13 @@
           <a:prstGeom prst="rect">
             <a:avLst/>
           </a:prstGeom>
-        </p:spPr>
-        <p:txBody>
-          <a:bodyPr lIns="0" rIns="0" tIns="0" bIns="0">
+          <a:noFill/>
+          <a:ln w="0">
+            <a:noFill/>
+          </a:ln>
+        </p:spPr>
+        <p:txBody>
+          <a:bodyPr lIns="0" rIns="0" tIns="0" bIns="0" anchor="t">
             <a:normAutofit/>
           </a:bodyPr>
           <a:p>
@@ -4489,12 +5005,12 @@
             </a:pPr>
             <a:r>
               <a:rPr b="0" lang="en-US" sz="3200" spc="-1" strike="noStrike">
-                <a:latin typeface="Arial"/>
+                <a:latin typeface="DejaVu Sans"/>
               </a:rPr>
               <a:t>Click to edit the outline text format</a:t>
             </a:r>
             <a:endParaRPr b="0" lang="en-US" sz="3200" spc="-1" strike="noStrike">
-              <a:latin typeface="Arial"/>
+              <a:latin typeface="DejaVu Sans"/>
             </a:endParaRPr>
           </a:p>
           <a:p>
@@ -4511,12 +5027,12 @@
             </a:pPr>
             <a:r>
               <a:rPr b="0" lang="en-US" sz="2800" spc="-1" strike="noStrike">
-                <a:latin typeface="Arial"/>
+                <a:latin typeface="DejaVu Sans"/>
               </a:rPr>
               <a:t>Second Outline Level</a:t>
             </a:r>
             <a:endParaRPr b="0" lang="en-US" sz="2800" spc="-1" strike="noStrike">
-              <a:latin typeface="Arial"/>
+              <a:latin typeface="DejaVu Sans"/>
             </a:endParaRPr>
           </a:p>
           <a:p>
@@ -4533,12 +5049,12 @@
             </a:pPr>
             <a:r>
               <a:rPr b="0" lang="en-US" sz="2400" spc="-1" strike="noStrike">
-                <a:latin typeface="Arial"/>
+                <a:latin typeface="DejaVu Sans"/>
               </a:rPr>
               <a:t>Third Outline Level</a:t>
             </a:r>
             <a:endParaRPr b="0" lang="en-US" sz="2400" spc="-1" strike="noStrike">
-              <a:latin typeface="Arial"/>
+              <a:latin typeface="DejaVu Sans"/>
             </a:endParaRPr>
           </a:p>
           <a:p>
@@ -4555,12 +5071,12 @@
             </a:pPr>
             <a:r>
               <a:rPr b="0" lang="en-US" sz="2000" spc="-1" strike="noStrike">
-                <a:latin typeface="Arial"/>
+                <a:latin typeface="DejaVu Sans"/>
               </a:rPr>
               <a:t>Fourth Outline Level</a:t>
             </a:r>
             <a:endParaRPr b="0" lang="en-US" sz="2000" spc="-1" strike="noStrike">
-              <a:latin typeface="Arial"/>
+              <a:latin typeface="DejaVu Sans"/>
             </a:endParaRPr>
           </a:p>
           <a:p>
@@ -4577,12 +5093,12 @@
             </a:pPr>
             <a:r>
               <a:rPr b="0" lang="en-US" sz="2000" spc="-1" strike="noStrike">
-                <a:latin typeface="Arial"/>
+                <a:latin typeface="DejaVu Sans"/>
               </a:rPr>
               <a:t>Fifth Outline Level</a:t>
             </a:r>
             <a:endParaRPr b="0" lang="en-US" sz="2000" spc="-1" strike="noStrike">
-              <a:latin typeface="Arial"/>
+              <a:latin typeface="DejaVu Sans"/>
             </a:endParaRPr>
           </a:p>
           <a:p>
@@ -4599,12 +5115,12 @@
             </a:pPr>
             <a:r>
               <a:rPr b="0" lang="en-US" sz="2000" spc="-1" strike="noStrike">
-                <a:latin typeface="Arial"/>
+                <a:latin typeface="DejaVu Sans"/>
               </a:rPr>
               <a:t>Sixth Outline Level</a:t>
             </a:r>
             <a:endParaRPr b="0" lang="en-US" sz="2000" spc="-1" strike="noStrike">
-              <a:latin typeface="Arial"/>
+              <a:latin typeface="DejaVu Sans"/>
             </a:endParaRPr>
           </a:p>
           <a:p>
@@ -4621,12 +5137,12 @@
             </a:pPr>
             <a:r>
               <a:rPr b="0" lang="en-US" sz="2000" spc="-1" strike="noStrike">
-                <a:latin typeface="Arial"/>
+                <a:latin typeface="DejaVu Sans"/>
               </a:rPr>
               <a:t>Seventh Outline Level</a:t>
             </a:r>
             <a:endParaRPr b="0" lang="en-US" sz="2000" spc="-1" strike="noStrike">
-              <a:latin typeface="Arial"/>
+              <a:latin typeface="DejaVu Sans"/>
             </a:endParaRPr>
           </a:p>
         </p:txBody>
@@ -4684,7 +5200,7 @@
         <p:spPr>
           <a:xfrm>
             <a:off x="11444760" y="0"/>
-            <a:ext cx="743760" cy="6852600"/>
+            <a:ext cx="743400" cy="6852240"/>
           </a:xfrm>
           <a:prstGeom prst="rect">
             <a:avLst/>
@@ -4694,7 +5210,7 @@
               <a:alpha val="10000"/>
             </a:srgbClr>
           </a:solidFill>
-          <a:ln>
+          <a:ln w="0">
             <a:noFill/>
           </a:ln>
         </p:spPr>
@@ -4714,13 +5230,13 @@
         <p:spPr>
           <a:xfrm>
             <a:off x="11438640" y="6453360"/>
-            <a:ext cx="760680" cy="363960"/>
-          </a:xfrm>
-          <a:prstGeom prst="rect">
-            <a:avLst/>
-          </a:prstGeom>
-          <a:noFill/>
-          <a:ln>
+            <a:ext cx="760320" cy="363960"/>
+          </a:xfrm>
+          <a:prstGeom prst="rect">
+            <a:avLst/>
+          </a:prstGeom>
+          <a:noFill/>
+          <a:ln w="0">
             <a:noFill/>
           </a:ln>
         </p:spPr>
@@ -4731,7 +5247,7 @@
           <a:fontRef idx="minor"/>
         </p:style>
         <p:txBody>
-          <a:bodyPr lIns="90000" rIns="90000" tIns="45000" bIns="45000">
+          <a:bodyPr lIns="90000" rIns="90000" tIns="45000" bIns="45000" anchor="t">
             <a:spAutoFit/>
           </a:bodyPr>
           <a:p>
@@ -4739,11 +5255,12 @@
               <a:lnSpc>
                 <a:spcPct val="100000"/>
               </a:lnSpc>
-              <a:tabLst>
-                <a:tab algn="l" pos="408240"/>
-              </a:tabLst>
-            </a:pPr>
-            <a:fld id="{2CDCC31E-0DFC-4383-B00C-31CD0CF71C66}" type="slidenum">
+              <a:buNone/>
+              <a:tabLst>
+                <a:tab algn="l" pos="408240"/>
+              </a:tabLst>
+            </a:pPr>
+            <a:fld id="{42CBA020-207F-424A-BAE1-CB86536CC586}" type="slidenum">
               <a:rPr b="0" lang="en-US" sz="1800" spc="-1" strike="noStrike">
                 <a:solidFill>
                   <a:srgbClr val="808080"/>
@@ -4754,7 +5271,7 @@
               <a:t>&lt;number&gt;</a:t>
             </a:fld>
             <a:endParaRPr b="0" lang="en-US" sz="1800" spc="-1" strike="noStrike">
-              <a:latin typeface="Arial"/>
+              <a:latin typeface="DejaVu Sans"/>
             </a:endParaRPr>
           </a:p>
         </p:txBody>
@@ -4768,13 +5285,13 @@
         <p:spPr>
           <a:xfrm>
             <a:off x="912240" y="1268280"/>
-            <a:ext cx="9210600" cy="363960"/>
-          </a:xfrm>
-          <a:prstGeom prst="rect">
-            <a:avLst/>
-          </a:prstGeom>
-          <a:noFill/>
-          <a:ln>
+            <a:ext cx="9210240" cy="363600"/>
+          </a:xfrm>
+          <a:prstGeom prst="rect">
+            <a:avLst/>
+          </a:prstGeom>
+          <a:noFill/>
+          <a:ln w="0">
             <a:noFill/>
           </a:ln>
         </p:spPr>
@@ -4798,12 +5315,12 @@
         <p:spPr>
           <a:xfrm>
             <a:off x="0" y="0"/>
-            <a:ext cx="3054600" cy="564480"/>
-          </a:xfrm>
-          <a:prstGeom prst="rect">
-            <a:avLst/>
-          </a:prstGeom>
-          <a:ln>
+            <a:ext cx="3054240" cy="564120"/>
+          </a:xfrm>
+          <a:prstGeom prst="rect">
+            <a:avLst/>
+          </a:prstGeom>
+          <a:ln w="0">
             <a:noFill/>
           </a:ln>
         </p:spPr>
@@ -4821,12 +5338,12 @@
         <p:spPr>
           <a:xfrm>
             <a:off x="7430400" y="134640"/>
-            <a:ext cx="3700440" cy="516600"/>
-          </a:xfrm>
-          <a:prstGeom prst="rect">
-            <a:avLst/>
-          </a:prstGeom>
-          <a:ln>
+            <a:ext cx="3700080" cy="516240"/>
+          </a:xfrm>
+          <a:prstGeom prst="rect">
+            <a:avLst/>
+          </a:prstGeom>
+          <a:ln w="0">
             <a:noFill/>
           </a:ln>
         </p:spPr>
@@ -4840,7 +5357,7 @@
         <p:spPr>
           <a:xfrm>
             <a:off x="11444760" y="0"/>
-            <a:ext cx="743760" cy="6852600"/>
+            <a:ext cx="743400" cy="6852240"/>
           </a:xfrm>
           <a:prstGeom prst="rect">
             <a:avLst/>
@@ -4850,7 +5367,7 @@
               <a:alpha val="10000"/>
             </a:srgbClr>
           </a:solidFill>
-          <a:ln>
+          <a:ln w="0">
             <a:noFill/>
           </a:ln>
         </p:spPr>
@@ -4870,13 +5387,13 @@
         <p:spPr>
           <a:xfrm>
             <a:off x="11438640" y="6453360"/>
-            <a:ext cx="760680" cy="363960"/>
-          </a:xfrm>
-          <a:prstGeom prst="rect">
-            <a:avLst/>
-          </a:prstGeom>
-          <a:noFill/>
-          <a:ln>
+            <a:ext cx="760320" cy="363960"/>
+          </a:xfrm>
+          <a:prstGeom prst="rect">
+            <a:avLst/>
+          </a:prstGeom>
+          <a:noFill/>
+          <a:ln w="0">
             <a:noFill/>
           </a:ln>
         </p:spPr>
@@ -4887,7 +5404,7 @@
           <a:fontRef idx="minor"/>
         </p:style>
         <p:txBody>
-          <a:bodyPr lIns="90000" rIns="90000" tIns="45000" bIns="45000">
+          <a:bodyPr lIns="90000" rIns="90000" tIns="45000" bIns="45000" anchor="t">
             <a:spAutoFit/>
           </a:bodyPr>
           <a:p>
@@ -4895,11 +5412,12 @@
               <a:lnSpc>
                 <a:spcPct val="100000"/>
               </a:lnSpc>
-              <a:tabLst>
-                <a:tab algn="l" pos="408240"/>
-              </a:tabLst>
-            </a:pPr>
-            <a:fld id="{85F3BB0A-519E-47A2-8B37-FB8B7EF6E761}" type="slidenum">
+              <a:buNone/>
+              <a:tabLst>
+                <a:tab algn="l" pos="408240"/>
+              </a:tabLst>
+            </a:pPr>
+            <a:fld id="{87D4FDE6-4556-4282-9783-3DC47A86DF80}" type="slidenum">
               <a:rPr b="0" lang="en-US" sz="1800" spc="-1" strike="noStrike">
                 <a:solidFill>
                   <a:srgbClr val="808080"/>
@@ -4910,7 +5428,7 @@
               <a:t>&lt;number&gt;</a:t>
             </a:fld>
             <a:endParaRPr b="0" lang="en-US" sz="1800" spc="-1" strike="noStrike">
-              <a:latin typeface="Arial"/>
+              <a:latin typeface="DejaVu Sans"/>
             </a:endParaRPr>
           </a:p>
         </p:txBody>
@@ -4924,13 +5442,13 @@
         <p:spPr>
           <a:xfrm>
             <a:off x="0" y="6642720"/>
-            <a:ext cx="12185280" cy="211320"/>
-          </a:xfrm>
-          <a:prstGeom prst="rect">
-            <a:avLst/>
-          </a:prstGeom>
-          <a:noFill/>
-          <a:ln>
+            <a:ext cx="12184920" cy="211320"/>
+          </a:xfrm>
+          <a:prstGeom prst="rect">
+            <a:avLst/>
+          </a:prstGeom>
+          <a:noFill/>
+          <a:ln w="0">
             <a:noFill/>
           </a:ln>
         </p:spPr>
@@ -4941,7 +5459,7 @@
           <a:fontRef idx="minor"/>
         </p:style>
         <p:txBody>
-          <a:bodyPr lIns="90000" rIns="90000" tIns="45000" bIns="45000">
+          <a:bodyPr lIns="90000" rIns="90000" tIns="45000" bIns="45000" anchor="t">
             <a:spAutoFit/>
           </a:bodyPr>
           <a:p>
@@ -4949,6 +5467,7 @@
               <a:lnSpc>
                 <a:spcPct val="100000"/>
               </a:lnSpc>
+              <a:buNone/>
               <a:tabLst>
                 <a:tab algn="l" pos="408240"/>
               </a:tabLst>
@@ -4984,14 +5503,14 @@
               <a:t> (TU Clausthal / University of Göttingen)</a:t>
             </a:r>
             <a:endParaRPr b="0" lang="en-US" sz="800" spc="-1" strike="noStrike">
-              <a:latin typeface="Arial"/>
-            </a:endParaRPr>
-          </a:p>
-        </p:txBody>
-      </p:sp>
-      <p:sp>
-        <p:nvSpPr>
-          <p:cNvPr id="54" name="PlaceHolder 7"/>
+              <a:latin typeface="DejaVu Sans"/>
+            </a:endParaRPr>
+          </a:p>
+        </p:txBody>
+      </p:sp>
+      <p:sp>
+        <p:nvSpPr>
+          <p:cNvPr id="54" name="PlaceHolder 1"/>
           <p:cNvSpPr>
             <a:spLocks noGrp="1"/>
           </p:cNvSpPr>
@@ -5007,28 +5526,34 @@
           <a:prstGeom prst="rect">
             <a:avLst/>
           </a:prstGeom>
+          <a:noFill/>
+          <a:ln w="0">
+            <a:noFill/>
+          </a:ln>
         </p:spPr>
         <p:txBody>
           <a:bodyPr lIns="0" rIns="0" tIns="0" bIns="0" anchor="ctr">
             <a:noAutofit/>
           </a:bodyPr>
           <a:p>
-            <a:pPr algn="ctr"/>
+            <a:pPr algn="ctr">
+              <a:buNone/>
+            </a:pPr>
             <a:r>
               <a:rPr b="0" lang="en-US" sz="4400" spc="-1" strike="noStrike">
-                <a:latin typeface="Arial"/>
+                <a:latin typeface="DejaVu Sans"/>
               </a:rPr>
               <a:t>Click to edit the title text format</a:t>
             </a:r>
             <a:endParaRPr b="0" lang="en-US" sz="4400" spc="-1" strike="noStrike">
-              <a:latin typeface="Arial"/>
-            </a:endParaRPr>
-          </a:p>
-        </p:txBody>
-      </p:sp>
-      <p:sp>
-        <p:nvSpPr>
-          <p:cNvPr id="55" name="PlaceHolder 8"/>
+              <a:latin typeface="DejaVu Sans"/>
+            </a:endParaRPr>
+          </a:p>
+        </p:txBody>
+      </p:sp>
+      <p:sp>
+        <p:nvSpPr>
+          <p:cNvPr id="55" name="PlaceHolder 2"/>
           <p:cNvSpPr>
             <a:spLocks noGrp="1"/>
           </p:cNvSpPr>
@@ -5044,9 +5569,13 @@
           <a:prstGeom prst="rect">
             <a:avLst/>
           </a:prstGeom>
-        </p:spPr>
-        <p:txBody>
-          <a:bodyPr lIns="0" rIns="0" tIns="0" bIns="0">
+          <a:noFill/>
+          <a:ln w="0">
+            <a:noFill/>
+          </a:ln>
+        </p:spPr>
+        <p:txBody>
+          <a:bodyPr lIns="0" rIns="0" tIns="0" bIns="0" anchor="t">
             <a:normAutofit/>
           </a:bodyPr>
           <a:p>
@@ -5063,12 +5592,12 @@
             </a:pPr>
             <a:r>
               <a:rPr b="0" lang="en-US" sz="3200" spc="-1" strike="noStrike">
-                <a:latin typeface="Arial"/>
+                <a:latin typeface="DejaVu Sans"/>
               </a:rPr>
               <a:t>Click to edit the outline text format</a:t>
             </a:r>
             <a:endParaRPr b="0" lang="en-US" sz="3200" spc="-1" strike="noStrike">
-              <a:latin typeface="Arial"/>
+              <a:latin typeface="DejaVu Sans"/>
             </a:endParaRPr>
           </a:p>
           <a:p>
@@ -5085,12 +5614,12 @@
             </a:pPr>
             <a:r>
               <a:rPr b="0" lang="en-US" sz="2800" spc="-1" strike="noStrike">
-                <a:latin typeface="Arial"/>
+                <a:latin typeface="DejaVu Sans"/>
               </a:rPr>
               <a:t>Second Outline Level</a:t>
             </a:r>
             <a:endParaRPr b="0" lang="en-US" sz="2800" spc="-1" strike="noStrike">
-              <a:latin typeface="Arial"/>
+              <a:latin typeface="DejaVu Sans"/>
             </a:endParaRPr>
           </a:p>
           <a:p>
@@ -5107,12 +5636,12 @@
             </a:pPr>
             <a:r>
               <a:rPr b="0" lang="en-US" sz="2400" spc="-1" strike="noStrike">
-                <a:latin typeface="Arial"/>
+                <a:latin typeface="DejaVu Sans"/>
               </a:rPr>
               <a:t>Third Outline Level</a:t>
             </a:r>
             <a:endParaRPr b="0" lang="en-US" sz="2400" spc="-1" strike="noStrike">
-              <a:latin typeface="Arial"/>
+              <a:latin typeface="DejaVu Sans"/>
             </a:endParaRPr>
           </a:p>
           <a:p>
@@ -5129,12 +5658,12 @@
             </a:pPr>
             <a:r>
               <a:rPr b="0" lang="en-US" sz="2000" spc="-1" strike="noStrike">
-                <a:latin typeface="Arial"/>
+                <a:latin typeface="DejaVu Sans"/>
               </a:rPr>
               <a:t>Fourth Outline Level</a:t>
             </a:r>
             <a:endParaRPr b="0" lang="en-US" sz="2000" spc="-1" strike="noStrike">
-              <a:latin typeface="Arial"/>
+              <a:latin typeface="DejaVu Sans"/>
             </a:endParaRPr>
           </a:p>
           <a:p>
@@ -5151,12 +5680,12 @@
             </a:pPr>
             <a:r>
               <a:rPr b="0" lang="en-US" sz="2000" spc="-1" strike="noStrike">
-                <a:latin typeface="Arial"/>
+                <a:latin typeface="DejaVu Sans"/>
               </a:rPr>
               <a:t>Fifth Outline Level</a:t>
             </a:r>
             <a:endParaRPr b="0" lang="en-US" sz="2000" spc="-1" strike="noStrike">
-              <a:latin typeface="Arial"/>
+              <a:latin typeface="DejaVu Sans"/>
             </a:endParaRPr>
           </a:p>
           <a:p>
@@ -5173,12 +5702,12 @@
             </a:pPr>
             <a:r>
               <a:rPr b="0" lang="en-US" sz="2000" spc="-1" strike="noStrike">
-                <a:latin typeface="Arial"/>
+                <a:latin typeface="DejaVu Sans"/>
               </a:rPr>
               <a:t>Sixth Outline Level</a:t>
             </a:r>
             <a:endParaRPr b="0" lang="en-US" sz="2000" spc="-1" strike="noStrike">
-              <a:latin typeface="Arial"/>
+              <a:latin typeface="DejaVu Sans"/>
             </a:endParaRPr>
           </a:p>
           <a:p>
@@ -5195,12 +5724,12 @@
             </a:pPr>
             <a:r>
               <a:rPr b="0" lang="en-US" sz="2000" spc="-1" strike="noStrike">
-                <a:latin typeface="Arial"/>
+                <a:latin typeface="DejaVu Sans"/>
               </a:rPr>
               <a:t>Seventh Outline Level</a:t>
             </a:r>
             <a:endParaRPr b="0" lang="en-US" sz="2000" spc="-1" strike="noStrike">
-              <a:latin typeface="Arial"/>
+              <a:latin typeface="DejaVu Sans"/>
             </a:endParaRPr>
           </a:p>
         </p:txBody>
@@ -5258,7 +5787,7 @@
         <p:spPr>
           <a:xfrm>
             <a:off x="11444760" y="0"/>
-            <a:ext cx="743760" cy="6852600"/>
+            <a:ext cx="743400" cy="6852240"/>
           </a:xfrm>
           <a:prstGeom prst="rect">
             <a:avLst/>
@@ -5268,7 +5797,7 @@
               <a:alpha val="10000"/>
             </a:srgbClr>
           </a:solidFill>
-          <a:ln>
+          <a:ln w="0">
             <a:noFill/>
           </a:ln>
         </p:spPr>
@@ -5288,13 +5817,13 @@
         <p:spPr>
           <a:xfrm>
             <a:off x="11438640" y="6453360"/>
-            <a:ext cx="760680" cy="363960"/>
-          </a:xfrm>
-          <a:prstGeom prst="rect">
-            <a:avLst/>
-          </a:prstGeom>
-          <a:noFill/>
-          <a:ln>
+            <a:ext cx="760320" cy="363960"/>
+          </a:xfrm>
+          <a:prstGeom prst="rect">
+            <a:avLst/>
+          </a:prstGeom>
+          <a:noFill/>
+          <a:ln w="0">
             <a:noFill/>
           </a:ln>
         </p:spPr>
@@ -5305,7 +5834,7 @@
           <a:fontRef idx="minor"/>
         </p:style>
         <p:txBody>
-          <a:bodyPr lIns="90000" rIns="90000" tIns="45000" bIns="45000">
+          <a:bodyPr lIns="90000" rIns="90000" tIns="45000" bIns="45000" anchor="t">
             <a:spAutoFit/>
           </a:bodyPr>
           <a:p>
@@ -5313,11 +5842,12 @@
               <a:lnSpc>
                 <a:spcPct val="100000"/>
               </a:lnSpc>
-              <a:tabLst>
-                <a:tab algn="l" pos="408240"/>
-              </a:tabLst>
-            </a:pPr>
-            <a:fld id="{12BC045C-D652-4B9F-AF41-6E7365FA6CC7}" type="slidenum">
+              <a:buNone/>
+              <a:tabLst>
+                <a:tab algn="l" pos="408240"/>
+              </a:tabLst>
+            </a:pPr>
+            <a:fld id="{DCAAB0BF-BE07-4462-8C3A-F65C9A3297B6}" type="slidenum">
               <a:rPr b="0" lang="en-US" sz="1800" spc="-1" strike="noStrike">
                 <a:solidFill>
                   <a:srgbClr val="808080"/>
@@ -5328,7 +5858,7 @@
               <a:t>&lt;number&gt;</a:t>
             </a:fld>
             <a:endParaRPr b="0" lang="en-US" sz="1800" spc="-1" strike="noStrike">
-              <a:latin typeface="Arial"/>
+              <a:latin typeface="DejaVu Sans"/>
             </a:endParaRPr>
           </a:p>
         </p:txBody>
@@ -5342,13 +5872,13 @@
         <p:spPr>
           <a:xfrm>
             <a:off x="912240" y="1268280"/>
-            <a:ext cx="9210600" cy="363960"/>
-          </a:xfrm>
-          <a:prstGeom prst="rect">
-            <a:avLst/>
-          </a:prstGeom>
-          <a:noFill/>
-          <a:ln>
+            <a:ext cx="9210240" cy="363600"/>
+          </a:xfrm>
+          <a:prstGeom prst="rect">
+            <a:avLst/>
+          </a:prstGeom>
+          <a:noFill/>
+          <a:ln w="0">
             <a:noFill/>
           </a:ln>
         </p:spPr>
@@ -5372,12 +5902,12 @@
         <p:spPr>
           <a:xfrm>
             <a:off x="0" y="0"/>
-            <a:ext cx="3054600" cy="564480"/>
-          </a:xfrm>
-          <a:prstGeom prst="rect">
-            <a:avLst/>
-          </a:prstGeom>
-          <a:ln>
+            <a:ext cx="3054240" cy="564120"/>
+          </a:xfrm>
+          <a:prstGeom prst="rect">
+            <a:avLst/>
+          </a:prstGeom>
+          <a:ln w="0">
             <a:noFill/>
           </a:ln>
         </p:spPr>
@@ -5395,12 +5925,12 @@
         <p:spPr>
           <a:xfrm>
             <a:off x="7430400" y="134640"/>
-            <a:ext cx="3700440" cy="516600"/>
-          </a:xfrm>
-          <a:prstGeom prst="rect">
-            <a:avLst/>
-          </a:prstGeom>
-          <a:ln>
+            <a:ext cx="3700080" cy="516240"/>
+          </a:xfrm>
+          <a:prstGeom prst="rect">
+            <a:avLst/>
+          </a:prstGeom>
+          <a:ln w="0">
             <a:noFill/>
           </a:ln>
         </p:spPr>
@@ -5414,7 +5944,7 @@
         <p:spPr>
           <a:xfrm>
             <a:off x="11444760" y="0"/>
-            <a:ext cx="743760" cy="6852600"/>
+            <a:ext cx="743400" cy="6852240"/>
           </a:xfrm>
           <a:prstGeom prst="rect">
             <a:avLst/>
@@ -5424,7 +5954,7 @@
               <a:alpha val="10000"/>
             </a:srgbClr>
           </a:solidFill>
-          <a:ln>
+          <a:ln w="0">
             <a:noFill/>
           </a:ln>
         </p:spPr>
@@ -5444,13 +5974,13 @@
         <p:spPr>
           <a:xfrm>
             <a:off x="11438640" y="6453360"/>
-            <a:ext cx="760680" cy="363960"/>
-          </a:xfrm>
-          <a:prstGeom prst="rect">
-            <a:avLst/>
-          </a:prstGeom>
-          <a:noFill/>
-          <a:ln>
+            <a:ext cx="760320" cy="363960"/>
+          </a:xfrm>
+          <a:prstGeom prst="rect">
+            <a:avLst/>
+          </a:prstGeom>
+          <a:noFill/>
+          <a:ln w="0">
             <a:noFill/>
           </a:ln>
         </p:spPr>
@@ -5461,7 +5991,7 @@
           <a:fontRef idx="minor"/>
         </p:style>
         <p:txBody>
-          <a:bodyPr lIns="90000" rIns="90000" tIns="45000" bIns="45000">
+          <a:bodyPr lIns="90000" rIns="90000" tIns="45000" bIns="45000" anchor="t">
             <a:spAutoFit/>
           </a:bodyPr>
           <a:p>
@@ -5469,11 +5999,12 @@
               <a:lnSpc>
                 <a:spcPct val="100000"/>
               </a:lnSpc>
-              <a:tabLst>
-                <a:tab algn="l" pos="408240"/>
-              </a:tabLst>
-            </a:pPr>
-            <a:fld id="{0904BF06-CD75-475A-9542-F43489A78E2A}" type="slidenum">
+              <a:buNone/>
+              <a:tabLst>
+                <a:tab algn="l" pos="408240"/>
+              </a:tabLst>
+            </a:pPr>
+            <a:fld id="{D3BA9CEC-B934-4117-9175-3502D31B5E6E}" type="slidenum">
               <a:rPr b="0" lang="en-US" sz="1800" spc="-1" strike="noStrike">
                 <a:solidFill>
                   <a:srgbClr val="808080"/>
@@ -5484,7 +6015,7 @@
               <a:t>&lt;number&gt;</a:t>
             </a:fld>
             <a:endParaRPr b="0" lang="en-US" sz="1800" spc="-1" strike="noStrike">
-              <a:latin typeface="Arial"/>
+              <a:latin typeface="DejaVu Sans"/>
             </a:endParaRPr>
           </a:p>
         </p:txBody>
@@ -5498,13 +6029,13 @@
         <p:spPr>
           <a:xfrm>
             <a:off x="0" y="6642720"/>
-            <a:ext cx="12185280" cy="211320"/>
-          </a:xfrm>
-          <a:prstGeom prst="rect">
-            <a:avLst/>
-          </a:prstGeom>
-          <a:noFill/>
-          <a:ln>
+            <a:ext cx="12184920" cy="211320"/>
+          </a:xfrm>
+          <a:prstGeom prst="rect">
+            <a:avLst/>
+          </a:prstGeom>
+          <a:noFill/>
+          <a:ln w="0">
             <a:noFill/>
           </a:ln>
         </p:spPr>
@@ -5515,7 +6046,7 @@
           <a:fontRef idx="minor"/>
         </p:style>
         <p:txBody>
-          <a:bodyPr lIns="90000" rIns="90000" tIns="45000" bIns="45000">
+          <a:bodyPr lIns="90000" rIns="90000" tIns="45000" bIns="45000" anchor="t">
             <a:spAutoFit/>
           </a:bodyPr>
           <a:p>
@@ -5523,6 +6054,7 @@
               <a:lnSpc>
                 <a:spcPct val="100000"/>
               </a:lnSpc>
+              <a:buNone/>
               <a:tabLst>
                 <a:tab algn="l" pos="408240"/>
               </a:tabLst>
@@ -5558,14 +6090,14 @@
               <a:t> (TU Clausthal / University of Göttingen)</a:t>
             </a:r>
             <a:endParaRPr b="0" lang="en-US" sz="800" spc="-1" strike="noStrike">
-              <a:latin typeface="Arial"/>
-            </a:endParaRPr>
-          </a:p>
-        </p:txBody>
-      </p:sp>
-      <p:sp>
-        <p:nvSpPr>
-          <p:cNvPr id="100" name="PlaceHolder 7"/>
+              <a:latin typeface="DejaVu Sans"/>
+            </a:endParaRPr>
+          </a:p>
+        </p:txBody>
+      </p:sp>
+      <p:sp>
+        <p:nvSpPr>
+          <p:cNvPr id="100" name="PlaceHolder 1"/>
           <p:cNvSpPr>
             <a:spLocks noGrp="1"/>
           </p:cNvSpPr>
@@ -5581,28 +6113,34 @@
           <a:prstGeom prst="rect">
             <a:avLst/>
           </a:prstGeom>
+          <a:noFill/>
+          <a:ln w="0">
+            <a:noFill/>
+          </a:ln>
         </p:spPr>
         <p:txBody>
           <a:bodyPr lIns="0" rIns="0" tIns="0" bIns="0" anchor="ctr">
             <a:noAutofit/>
           </a:bodyPr>
           <a:p>
-            <a:pPr algn="ctr"/>
+            <a:pPr algn="ctr">
+              <a:buNone/>
+            </a:pPr>
             <a:r>
               <a:rPr b="0" lang="en-US" sz="4400" spc="-1" strike="noStrike">
-                <a:latin typeface="Arial"/>
+                <a:latin typeface="DejaVu Sans"/>
               </a:rPr>
               <a:t>Click to edit the title text format</a:t>
             </a:r>
             <a:endParaRPr b="0" lang="en-US" sz="4400" spc="-1" strike="noStrike">
-              <a:latin typeface="Arial"/>
-            </a:endParaRPr>
-          </a:p>
-        </p:txBody>
-      </p:sp>
-      <p:sp>
-        <p:nvSpPr>
-          <p:cNvPr id="101" name="PlaceHolder 8"/>
+              <a:latin typeface="DejaVu Sans"/>
+            </a:endParaRPr>
+          </a:p>
+        </p:txBody>
+      </p:sp>
+      <p:sp>
+        <p:nvSpPr>
+          <p:cNvPr id="101" name="PlaceHolder 2"/>
           <p:cNvSpPr>
             <a:spLocks noGrp="1"/>
           </p:cNvSpPr>
@@ -5618,9 +6156,13 @@
           <a:prstGeom prst="rect">
             <a:avLst/>
           </a:prstGeom>
-        </p:spPr>
-        <p:txBody>
-          <a:bodyPr lIns="0" rIns="0" tIns="0" bIns="0">
+          <a:noFill/>
+          <a:ln w="0">
+            <a:noFill/>
+          </a:ln>
+        </p:spPr>
+        <p:txBody>
+          <a:bodyPr lIns="0" rIns="0" tIns="0" bIns="0" anchor="t">
             <a:normAutofit/>
           </a:bodyPr>
           <a:p>
@@ -5637,12 +6179,12 @@
             </a:pPr>
             <a:r>
               <a:rPr b="0" lang="en-US" sz="3200" spc="-1" strike="noStrike">
-                <a:latin typeface="Arial"/>
+                <a:latin typeface="DejaVu Sans"/>
               </a:rPr>
               <a:t>Click to edit the outline text format</a:t>
             </a:r>
             <a:endParaRPr b="0" lang="en-US" sz="3200" spc="-1" strike="noStrike">
-              <a:latin typeface="Arial"/>
+              <a:latin typeface="DejaVu Sans"/>
             </a:endParaRPr>
           </a:p>
           <a:p>
@@ -5659,12 +6201,12 @@
             </a:pPr>
             <a:r>
               <a:rPr b="0" lang="en-US" sz="2800" spc="-1" strike="noStrike">
-                <a:latin typeface="Arial"/>
+                <a:latin typeface="DejaVu Sans"/>
               </a:rPr>
               <a:t>Second Outline Level</a:t>
             </a:r>
             <a:endParaRPr b="0" lang="en-US" sz="2800" spc="-1" strike="noStrike">
-              <a:latin typeface="Arial"/>
+              <a:latin typeface="DejaVu Sans"/>
             </a:endParaRPr>
           </a:p>
           <a:p>
@@ -5681,12 +6223,12 @@
             </a:pPr>
             <a:r>
               <a:rPr b="0" lang="en-US" sz="2400" spc="-1" strike="noStrike">
-                <a:latin typeface="Arial"/>
+                <a:latin typeface="DejaVu Sans"/>
               </a:rPr>
               <a:t>Third Outline Level</a:t>
             </a:r>
             <a:endParaRPr b="0" lang="en-US" sz="2400" spc="-1" strike="noStrike">
-              <a:latin typeface="Arial"/>
+              <a:latin typeface="DejaVu Sans"/>
             </a:endParaRPr>
           </a:p>
           <a:p>
@@ -5703,12 +6245,12 @@
             </a:pPr>
             <a:r>
               <a:rPr b="0" lang="en-US" sz="2000" spc="-1" strike="noStrike">
-                <a:latin typeface="Arial"/>
+                <a:latin typeface="DejaVu Sans"/>
               </a:rPr>
               <a:t>Fourth Outline Level</a:t>
             </a:r>
             <a:endParaRPr b="0" lang="en-US" sz="2000" spc="-1" strike="noStrike">
-              <a:latin typeface="Arial"/>
+              <a:latin typeface="DejaVu Sans"/>
             </a:endParaRPr>
           </a:p>
           <a:p>
@@ -5725,12 +6267,12 @@
             </a:pPr>
             <a:r>
               <a:rPr b="0" lang="en-US" sz="2000" spc="-1" strike="noStrike">
-                <a:latin typeface="Arial"/>
+                <a:latin typeface="DejaVu Sans"/>
               </a:rPr>
               <a:t>Fifth Outline Level</a:t>
             </a:r>
             <a:endParaRPr b="0" lang="en-US" sz="2000" spc="-1" strike="noStrike">
-              <a:latin typeface="Arial"/>
+              <a:latin typeface="DejaVu Sans"/>
             </a:endParaRPr>
           </a:p>
           <a:p>
@@ -5747,12 +6289,12 @@
             </a:pPr>
             <a:r>
               <a:rPr b="0" lang="en-US" sz="2000" spc="-1" strike="noStrike">
-                <a:latin typeface="Arial"/>
+                <a:latin typeface="DejaVu Sans"/>
               </a:rPr>
               <a:t>Sixth Outline Level</a:t>
             </a:r>
             <a:endParaRPr b="0" lang="en-US" sz="2000" spc="-1" strike="noStrike">
-              <a:latin typeface="Arial"/>
+              <a:latin typeface="DejaVu Sans"/>
             </a:endParaRPr>
           </a:p>
           <a:p>
@@ -5769,12 +6311,12 @@
             </a:pPr>
             <a:r>
               <a:rPr b="0" lang="en-US" sz="2000" spc="-1" strike="noStrike">
-                <a:latin typeface="Arial"/>
+                <a:latin typeface="DejaVu Sans"/>
               </a:rPr>
               <a:t>Seventh Outline Level</a:t>
             </a:r>
             <a:endParaRPr b="0" lang="en-US" sz="2000" spc="-1" strike="noStrike">
-              <a:latin typeface="Arial"/>
+              <a:latin typeface="DejaVu Sans"/>
             </a:endParaRPr>
           </a:p>
         </p:txBody>
@@ -5825,13 +6367,13 @@
         <p:spPr>
           <a:xfrm>
             <a:off x="527400" y="1412640"/>
-            <a:ext cx="10363680" cy="1150200"/>
-          </a:xfrm>
-          <a:prstGeom prst="rect">
-            <a:avLst/>
-          </a:prstGeom>
-          <a:noFill/>
-          <a:ln>
+            <a:ext cx="10363320" cy="1149840"/>
+          </a:xfrm>
+          <a:prstGeom prst="rect">
+            <a:avLst/>
+          </a:prstGeom>
+          <a:noFill/>
+          <a:ln w="0">
             <a:noFill/>
           </a:ln>
         </p:spPr>
@@ -5850,6 +6392,7 @@
               <a:lnSpc>
                 <a:spcPct val="100000"/>
               </a:lnSpc>
+              <a:buNone/>
               <a:tabLst>
                 <a:tab algn="l" pos="408240"/>
               </a:tabLst>
@@ -5865,7 +6408,7 @@
               <a:t>Emerging Technologies for the Circular Economy</a:t>
             </a:r>
             <a:endParaRPr b="0" lang="en-US" sz="3200" spc="-1" strike="noStrike">
-              <a:latin typeface="Arial"/>
+              <a:latin typeface="DejaVu Sans"/>
             </a:endParaRPr>
           </a:p>
         </p:txBody>
@@ -5879,13 +6422,13 @@
         <p:spPr>
           <a:xfrm>
             <a:off x="527400" y="2852640"/>
-            <a:ext cx="10363680" cy="2370960"/>
-          </a:xfrm>
-          <a:prstGeom prst="rect">
-            <a:avLst/>
-          </a:prstGeom>
-          <a:noFill/>
-          <a:ln>
+            <a:ext cx="10363320" cy="2370600"/>
+          </a:xfrm>
+          <a:prstGeom prst="rect">
+            <a:avLst/>
+          </a:prstGeom>
+          <a:noFill/>
+          <a:ln w="0">
             <a:noFill/>
           </a:ln>
         </p:spPr>
@@ -5896,7 +6439,7 @@
           <a:fontRef idx="minor"/>
         </p:style>
         <p:txBody>
-          <a:bodyPr lIns="90000" rIns="90000" tIns="45000" bIns="45000">
+          <a:bodyPr lIns="90000" rIns="90000" tIns="45000" bIns="45000" anchor="t">
             <a:noAutofit/>
           </a:bodyPr>
           <a:p>
@@ -5907,6 +6450,7 @@
               <a:spcBef>
                 <a:spcPts val="479"/>
               </a:spcBef>
+              <a:buNone/>
               <a:tabLst>
                 <a:tab algn="l" pos="408240"/>
               </a:tabLst>
@@ -5922,7 +6466,7 @@
               <a:t>Lecture 5a: Internet of Things Communications</a:t>
             </a:r>
             <a:endParaRPr b="0" lang="en-US" sz="2400" spc="-1" strike="noStrike">
-              <a:latin typeface="Arial"/>
+              <a:latin typeface="DejaVu Sans"/>
             </a:endParaRPr>
           </a:p>
           <a:p>
@@ -5933,12 +6477,13 @@
               <a:spcBef>
                 <a:spcPts val="479"/>
               </a:spcBef>
+              <a:buNone/>
               <a:tabLst>
                 <a:tab algn="l" pos="408240"/>
               </a:tabLst>
             </a:pPr>
             <a:endParaRPr b="0" lang="en-US" sz="2400" spc="-1" strike="noStrike">
-              <a:latin typeface="Arial"/>
+              <a:latin typeface="DejaVu Sans"/>
             </a:endParaRPr>
           </a:p>
           <a:p>
@@ -5949,12 +6494,13 @@
               <a:spcBef>
                 <a:spcPts val="241"/>
               </a:spcBef>
+              <a:buNone/>
               <a:tabLst>
                 <a:tab algn="l" pos="408240"/>
               </a:tabLst>
             </a:pPr>
             <a:endParaRPr b="0" lang="en-US" sz="2400" spc="-1" strike="noStrike">
-              <a:latin typeface="Arial"/>
+              <a:latin typeface="DejaVu Sans"/>
             </a:endParaRPr>
           </a:p>
           <a:p>
@@ -5965,12 +6511,13 @@
               <a:spcBef>
                 <a:spcPts val="241"/>
               </a:spcBef>
+              <a:buNone/>
               <a:tabLst>
                 <a:tab algn="l" pos="408240"/>
               </a:tabLst>
             </a:pPr>
             <a:endParaRPr b="0" lang="en-US" sz="2400" spc="-1" strike="noStrike">
-              <a:latin typeface="Arial"/>
+              <a:latin typeface="DejaVu Sans"/>
             </a:endParaRPr>
           </a:p>
           <a:p>
@@ -5981,6 +6528,7 @@
               <a:spcBef>
                 <a:spcPts val="320"/>
               </a:spcBef>
+              <a:buNone/>
               <a:tabLst>
                 <a:tab algn="l" pos="408240"/>
               </a:tabLst>
@@ -5996,7 +6544,7 @@
               <a:t>Prof. Dr. Benjamin Leiding (Clausthal)</a:t>
             </a:r>
             <a:endParaRPr b="0" lang="en-US" sz="1600" spc="-1" strike="noStrike">
-              <a:latin typeface="Arial"/>
+              <a:latin typeface="DejaVu Sans"/>
             </a:endParaRPr>
           </a:p>
           <a:p>
@@ -6007,6 +6555,7 @@
               <a:spcBef>
                 <a:spcPts val="320"/>
               </a:spcBef>
+              <a:buNone/>
               <a:tabLst>
                 <a:tab algn="l" pos="408240"/>
               </a:tabLst>
@@ -6019,10 +6568,10 @@
                 <a:latin typeface="DejaVu Sans"/>
                 <a:ea typeface="DejaVu Sans"/>
               </a:rPr>
-              <a:t>Dr. Arne Bochem (Göttingen)</a:t>
+              <a:t>M.Sc. Arne Bochem (Göttingen)</a:t>
             </a:r>
             <a:endParaRPr b="0" lang="en-US" sz="1600" spc="-1" strike="noStrike">
-              <a:latin typeface="Arial"/>
+              <a:latin typeface="DejaVu Sans"/>
             </a:endParaRPr>
           </a:p>
           <a:p>
@@ -6033,6 +6582,7 @@
               <a:spcBef>
                 <a:spcPts val="320"/>
               </a:spcBef>
+              <a:buNone/>
               <a:tabLst>
                 <a:tab algn="l" pos="408240"/>
               </a:tabLst>
@@ -6058,7 +6608,7 @@
               <a:t>M.Sc. Anant Sujatanagarjuna (Clausthal)</a:t>
             </a:r>
             <a:endParaRPr b="0" lang="en-US" sz="1600" spc="-1" strike="noStrike">
-              <a:latin typeface="Arial"/>
+              <a:latin typeface="DejaVu Sans"/>
             </a:endParaRPr>
           </a:p>
         </p:txBody>
@@ -6102,13 +6652,13 @@
         <p:spPr>
           <a:xfrm>
             <a:off x="335520" y="764640"/>
-            <a:ext cx="10747800" cy="498600"/>
-          </a:xfrm>
-          <a:prstGeom prst="rect">
-            <a:avLst/>
-          </a:prstGeom>
-          <a:noFill/>
-          <a:ln>
+            <a:ext cx="10747440" cy="498240"/>
+          </a:xfrm>
+          <a:prstGeom prst="rect">
+            <a:avLst/>
+          </a:prstGeom>
+          <a:noFill/>
+          <a:ln w="0">
             <a:noFill/>
           </a:ln>
         </p:spPr>
@@ -6119,7 +6669,7 @@
           <a:fontRef idx="minor"/>
         </p:style>
         <p:txBody>
-          <a:bodyPr lIns="90000" rIns="90000" tIns="45000" bIns="45000">
+          <a:bodyPr lIns="90000" rIns="90000" tIns="45000" bIns="45000" anchor="t">
             <a:noAutofit/>
           </a:bodyPr>
           <a:p>
@@ -6127,6 +6677,7 @@
               <a:lnSpc>
                 <a:spcPct val="100000"/>
               </a:lnSpc>
+              <a:buNone/>
               <a:tabLst>
                 <a:tab algn="l" pos="408240"/>
               </a:tabLst>
@@ -6142,7 +6693,7 @@
               <a:t>Wireless Personal Area Network</a:t>
             </a:r>
             <a:endParaRPr b="0" lang="en-US" sz="2400" spc="-1" strike="noStrike">
-              <a:latin typeface="Arial"/>
+              <a:latin typeface="DejaVu Sans"/>
             </a:endParaRPr>
           </a:p>
         </p:txBody>
@@ -6156,13 +6707,13 @@
         <p:spPr>
           <a:xfrm>
             <a:off x="457200" y="1371600"/>
-            <a:ext cx="10785600" cy="3669480"/>
-          </a:xfrm>
-          <a:prstGeom prst="rect">
-            <a:avLst/>
-          </a:prstGeom>
-          <a:noFill/>
-          <a:ln>
+            <a:ext cx="10785240" cy="3669120"/>
+          </a:xfrm>
+          <a:prstGeom prst="rect">
+            <a:avLst/>
+          </a:prstGeom>
+          <a:noFill/>
+          <a:ln w="0">
             <a:noFill/>
           </a:ln>
         </p:spPr>
@@ -6173,7 +6724,7 @@
           <a:fontRef idx="minor"/>
         </p:style>
         <p:txBody>
-          <a:bodyPr lIns="90000" rIns="90000" tIns="45000" bIns="45000">
+          <a:bodyPr lIns="90000" rIns="90000" tIns="45000" bIns="45000" anchor="t">
             <a:noAutofit/>
           </a:bodyPr>
           <a:p>
@@ -6181,6 +6732,7 @@
               <a:lnSpc>
                 <a:spcPct val="100000"/>
               </a:lnSpc>
+              <a:buNone/>
               <a:tabLst>
                 <a:tab algn="l" pos="408240"/>
               </a:tabLst>
@@ -6196,7 +6748,7 @@
               <a:t>IP based</a:t>
             </a:r>
             <a:endParaRPr b="0" lang="en-US" sz="1800" spc="-1" strike="noStrike">
-              <a:latin typeface="Arial"/>
+              <a:latin typeface="DejaVu Sans"/>
             </a:endParaRPr>
           </a:p>
           <a:p>
@@ -6204,12 +6756,13 @@
               <a:lnSpc>
                 <a:spcPct val="100000"/>
               </a:lnSpc>
-              <a:tabLst>
-                <a:tab algn="l" pos="408240"/>
-              </a:tabLst>
-            </a:pPr>
-            <a:endParaRPr b="0" lang="en-US" sz="1800" spc="-1" strike="noStrike">
-              <a:latin typeface="Arial"/>
+              <a:buNone/>
+              <a:tabLst>
+                <a:tab algn="l" pos="408240"/>
+              </a:tabLst>
+            </a:pPr>
+            <a:endParaRPr b="0" lang="en-US" sz="1800" spc="-1" strike="noStrike">
+              <a:latin typeface="DejaVu Sans"/>
             </a:endParaRPr>
           </a:p>
           <a:p>
@@ -6238,7 +6791,7 @@
               <a:t>6LoWPAN (IPv6 over Low-Power Wireless Personal Area Networks)</a:t>
             </a:r>
             <a:endParaRPr b="0" lang="en-US" sz="1800" spc="-1" strike="noStrike">
-              <a:latin typeface="Arial"/>
+              <a:latin typeface="DejaVu Sans"/>
             </a:endParaRPr>
           </a:p>
           <a:p>
@@ -6267,7 +6820,7 @@
               <a:t>IEEE 802.11p (V2V)</a:t>
             </a:r>
             <a:endParaRPr b="0" lang="en-US" sz="1800" spc="-1" strike="noStrike">
-              <a:latin typeface="Arial"/>
+              <a:latin typeface="DejaVu Sans"/>
             </a:endParaRPr>
           </a:p>
           <a:p>
@@ -6296,7 +6849,7 @@
               <a:t>RuBee (IEEE standard 1902.1)</a:t>
             </a:r>
             <a:endParaRPr b="0" lang="en-US" sz="1800" spc="-1" strike="noStrike">
-              <a:latin typeface="Arial"/>
+              <a:latin typeface="DejaVu Sans"/>
             </a:endParaRPr>
           </a:p>
           <a:p>
@@ -6304,12 +6857,13 @@
               <a:lnSpc>
                 <a:spcPct val="100000"/>
               </a:lnSpc>
-              <a:tabLst>
-                <a:tab algn="l" pos="408240"/>
-              </a:tabLst>
-            </a:pPr>
-            <a:endParaRPr b="0" lang="en-US" sz="1800" spc="-1" strike="noStrike">
-              <a:latin typeface="Arial"/>
+              <a:buNone/>
+              <a:tabLst>
+                <a:tab algn="l" pos="408240"/>
+              </a:tabLst>
+            </a:pPr>
+            <a:endParaRPr b="0" lang="en-US" sz="1800" spc="-1" strike="noStrike">
+              <a:latin typeface="DejaVu Sans"/>
             </a:endParaRPr>
           </a:p>
           <a:p>
@@ -6338,7 +6892,7 @@
               <a:t>Not IP based</a:t>
             </a:r>
             <a:endParaRPr b="0" lang="en-US" sz="1800" spc="-1" strike="noStrike">
-              <a:latin typeface="Arial"/>
+              <a:latin typeface="DejaVu Sans"/>
             </a:endParaRPr>
           </a:p>
           <a:p>
@@ -6346,12 +6900,13 @@
               <a:lnSpc>
                 <a:spcPct val="100000"/>
               </a:lnSpc>
-              <a:tabLst>
-                <a:tab algn="l" pos="408240"/>
-              </a:tabLst>
-            </a:pPr>
-            <a:endParaRPr b="0" lang="en-US" sz="1800" spc="-1" strike="noStrike">
-              <a:latin typeface="Arial"/>
+              <a:buNone/>
+              <a:tabLst>
+                <a:tab algn="l" pos="408240"/>
+              </a:tabLst>
+            </a:pPr>
+            <a:endParaRPr b="0" lang="en-US" sz="1800" spc="-1" strike="noStrike">
+              <a:latin typeface="DejaVu Sans"/>
             </a:endParaRPr>
           </a:p>
           <a:p>
@@ -6380,7 +6935,7 @@
               <a:t>Bluetooth</a:t>
             </a:r>
             <a:endParaRPr b="0" lang="en-US" sz="1800" spc="-1" strike="noStrike">
-              <a:latin typeface="Arial"/>
+              <a:latin typeface="DejaVu Sans"/>
             </a:endParaRPr>
           </a:p>
           <a:p>
@@ -6409,7 +6964,7 @@
               <a:t>ZigBee (IEEE 802.15.4-based)</a:t>
             </a:r>
             <a:endParaRPr b="0" lang="en-US" sz="1800" spc="-1" strike="noStrike">
-              <a:latin typeface="Arial"/>
+              <a:latin typeface="DejaVu Sans"/>
             </a:endParaRPr>
           </a:p>
           <a:p>
@@ -6438,7 +6993,7 @@
               <a:t>IrDA (Infrared Data Association)</a:t>
             </a:r>
             <a:endParaRPr b="0" lang="en-US" sz="1800" spc="-1" strike="noStrike">
-              <a:latin typeface="Arial"/>
+              <a:latin typeface="DejaVu Sans"/>
             </a:endParaRPr>
           </a:p>
           <a:p>
@@ -6467,7 +7022,7 @@
               <a:t>Z-Wave</a:t>
             </a:r>
             <a:endParaRPr b="0" lang="en-US" sz="1800" spc="-1" strike="noStrike">
-              <a:latin typeface="Arial"/>
+              <a:latin typeface="DejaVu Sans"/>
             </a:endParaRPr>
           </a:p>
           <a:p>
@@ -6475,12 +7030,13 @@
               <a:lnSpc>
                 <a:spcPct val="100000"/>
               </a:lnSpc>
-              <a:tabLst>
-                <a:tab algn="l" pos="408240"/>
-              </a:tabLst>
-            </a:pPr>
-            <a:endParaRPr b="0" lang="en-US" sz="1800" spc="-1" strike="noStrike">
-              <a:latin typeface="Arial"/>
+              <a:buNone/>
+              <a:tabLst>
+                <a:tab algn="l" pos="408240"/>
+              </a:tabLst>
+            </a:pPr>
+            <a:endParaRPr b="0" lang="en-US" sz="1800" spc="-1" strike="noStrike">
+              <a:latin typeface="DejaVu Sans"/>
             </a:endParaRPr>
           </a:p>
           <a:p>
@@ -6488,6 +7044,7 @@
               <a:lnSpc>
                 <a:spcPct val="100000"/>
               </a:lnSpc>
+              <a:buNone/>
               <a:tabLst>
                 <a:tab algn="l" pos="408240"/>
               </a:tabLst>
@@ -6503,7 +7060,7 @@
               <a:t>And more.</a:t>
             </a:r>
             <a:endParaRPr b="0" lang="en-US" sz="1800" spc="-1" strike="noStrike">
-              <a:latin typeface="Arial"/>
+              <a:latin typeface="DejaVu Sans"/>
             </a:endParaRPr>
           </a:p>
         </p:txBody>
@@ -6547,13 +7104,13 @@
         <p:spPr>
           <a:xfrm>
             <a:off x="335520" y="764640"/>
-            <a:ext cx="10747800" cy="498600"/>
-          </a:xfrm>
-          <a:prstGeom prst="rect">
-            <a:avLst/>
-          </a:prstGeom>
-          <a:noFill/>
-          <a:ln>
+            <a:ext cx="10747440" cy="498240"/>
+          </a:xfrm>
+          <a:prstGeom prst="rect">
+            <a:avLst/>
+          </a:prstGeom>
+          <a:noFill/>
+          <a:ln w="0">
             <a:noFill/>
           </a:ln>
         </p:spPr>
@@ -6564,7 +7121,7 @@
           <a:fontRef idx="minor"/>
         </p:style>
         <p:txBody>
-          <a:bodyPr lIns="90000" rIns="90000" tIns="45000" bIns="45000">
+          <a:bodyPr lIns="90000" rIns="90000" tIns="45000" bIns="45000" anchor="t">
             <a:noAutofit/>
           </a:bodyPr>
           <a:p>
@@ -6572,6 +7129,7 @@
               <a:lnSpc>
                 <a:spcPct val="100000"/>
               </a:lnSpc>
+              <a:buNone/>
               <a:tabLst>
                 <a:tab algn="l" pos="408240"/>
               </a:tabLst>
@@ -6587,7 +7145,7 @@
               <a:t>Bluetooth</a:t>
             </a:r>
             <a:endParaRPr b="0" lang="en-US" sz="2400" spc="-1" strike="noStrike">
-              <a:latin typeface="Arial"/>
+              <a:latin typeface="DejaVu Sans"/>
             </a:endParaRPr>
           </a:p>
         </p:txBody>
@@ -6601,13 +7159,13 @@
         <p:spPr>
           <a:xfrm>
             <a:off x="457200" y="1371600"/>
-            <a:ext cx="10785600" cy="4693320"/>
-          </a:xfrm>
-          <a:prstGeom prst="rect">
-            <a:avLst/>
-          </a:prstGeom>
-          <a:noFill/>
-          <a:ln>
+            <a:ext cx="10785240" cy="4692960"/>
+          </a:xfrm>
+          <a:prstGeom prst="rect">
+            <a:avLst/>
+          </a:prstGeom>
+          <a:noFill/>
+          <a:ln w="0">
             <a:noFill/>
           </a:ln>
         </p:spPr>
@@ -6618,7 +7176,7 @@
           <a:fontRef idx="minor"/>
         </p:style>
         <p:txBody>
-          <a:bodyPr lIns="90000" rIns="90000" tIns="45000" bIns="45000">
+          <a:bodyPr lIns="90000" rIns="90000" tIns="45000" bIns="45000" anchor="t">
             <a:noAutofit/>
           </a:bodyPr>
           <a:p>
@@ -6626,6 +7184,7 @@
               <a:lnSpc>
                 <a:spcPct val="100000"/>
               </a:lnSpc>
+              <a:buNone/>
               <a:tabLst>
                 <a:tab algn="l" pos="408240"/>
               </a:tabLst>
@@ -6641,7 +7200,7 @@
               <a:t>Pros</a:t>
             </a:r>
             <a:endParaRPr b="0" lang="en-US" sz="1800" spc="-1" strike="noStrike">
-              <a:latin typeface="Arial"/>
+              <a:latin typeface="DejaVu Sans"/>
             </a:endParaRPr>
           </a:p>
           <a:p>
@@ -6670,7 +7229,7 @@
               <a:t>Low power requirements</a:t>
             </a:r>
             <a:endParaRPr b="0" lang="en-US" sz="1800" spc="-1" strike="noStrike">
-              <a:latin typeface="Arial"/>
+              <a:latin typeface="DejaVu Sans"/>
             </a:endParaRPr>
           </a:p>
           <a:p>
@@ -6699,7 +7258,7 @@
               <a:t>Resilient against interference</a:t>
             </a:r>
             <a:endParaRPr b="0" lang="en-US" sz="1800" spc="-1" strike="noStrike">
-              <a:latin typeface="Arial"/>
+              <a:latin typeface="DejaVu Sans"/>
             </a:endParaRPr>
           </a:p>
           <a:p>
@@ -6707,12 +7266,13 @@
               <a:lnSpc>
                 <a:spcPct val="100000"/>
               </a:lnSpc>
-              <a:tabLst>
-                <a:tab algn="l" pos="408240"/>
-              </a:tabLst>
-            </a:pPr>
-            <a:endParaRPr b="0" lang="en-US" sz="1800" spc="-1" strike="noStrike">
-              <a:latin typeface="Arial"/>
+              <a:buNone/>
+              <a:tabLst>
+                <a:tab algn="l" pos="408240"/>
+              </a:tabLst>
+            </a:pPr>
+            <a:endParaRPr b="0" lang="en-US" sz="1800" spc="-1" strike="noStrike">
+              <a:latin typeface="DejaVu Sans"/>
             </a:endParaRPr>
           </a:p>
           <a:p>
@@ -6720,6 +7280,7 @@
               <a:lnSpc>
                 <a:spcPct val="100000"/>
               </a:lnSpc>
+              <a:buNone/>
               <a:tabLst>
                 <a:tab algn="l" pos="408240"/>
               </a:tabLst>
@@ -6735,7 +7296,7 @@
               <a:t>Cons</a:t>
             </a:r>
             <a:endParaRPr b="0" lang="en-US" sz="1800" spc="-1" strike="noStrike">
-              <a:latin typeface="Arial"/>
+              <a:latin typeface="DejaVu Sans"/>
             </a:endParaRPr>
           </a:p>
           <a:p>
@@ -6764,7 +7325,7 @@
               <a:t>Low bandwidth</a:t>
             </a:r>
             <a:endParaRPr b="0" lang="en-US" sz="1800" spc="-1" strike="noStrike">
-              <a:latin typeface="Arial"/>
+              <a:latin typeface="DejaVu Sans"/>
             </a:endParaRPr>
           </a:p>
           <a:p>
@@ -6793,7 +7354,7 @@
               <a:t>Limited range</a:t>
             </a:r>
             <a:endParaRPr b="0" lang="en-US" sz="1800" spc="-1" strike="noStrike">
-              <a:latin typeface="Arial"/>
+              <a:latin typeface="DejaVu Sans"/>
             </a:endParaRPr>
           </a:p>
           <a:p>
@@ -6822,7 +7383,7 @@
               <a:t>Limited number of participants in network</a:t>
             </a:r>
             <a:endParaRPr b="0" lang="en-US" sz="1800" spc="-1" strike="noStrike">
-              <a:latin typeface="Arial"/>
+              <a:latin typeface="DejaVu Sans"/>
             </a:endParaRPr>
           </a:p>
           <a:p>
@@ -6830,12 +7391,13 @@
               <a:lnSpc>
                 <a:spcPct val="100000"/>
               </a:lnSpc>
-              <a:tabLst>
-                <a:tab algn="l" pos="408240"/>
-              </a:tabLst>
-            </a:pPr>
-            <a:endParaRPr b="0" lang="en-US" sz="1800" spc="-1" strike="noStrike">
-              <a:latin typeface="Arial"/>
+              <a:buNone/>
+              <a:tabLst>
+                <a:tab algn="l" pos="408240"/>
+              </a:tabLst>
+            </a:pPr>
+            <a:endParaRPr b="0" lang="en-US" sz="1800" spc="-1" strike="noStrike">
+              <a:latin typeface="DejaVu Sans"/>
             </a:endParaRPr>
           </a:p>
           <a:p>
@@ -6843,6 +7405,7 @@
               <a:lnSpc>
                 <a:spcPct val="100000"/>
               </a:lnSpc>
+              <a:buNone/>
               <a:tabLst>
                 <a:tab algn="l" pos="408240"/>
               </a:tabLst>
@@ -6858,7 +7421,7 @@
               <a:t>Applications</a:t>
             </a:r>
             <a:endParaRPr b="0" lang="en-US" sz="1800" spc="-1" strike="noStrike">
-              <a:latin typeface="Arial"/>
+              <a:latin typeface="DejaVu Sans"/>
             </a:endParaRPr>
           </a:p>
           <a:p>
@@ -6887,7 +7450,7 @@
               <a:t>Beacons</a:t>
             </a:r>
             <a:endParaRPr b="0" lang="en-US" sz="1800" spc="-1" strike="noStrike">
-              <a:latin typeface="Arial"/>
+              <a:latin typeface="DejaVu Sans"/>
             </a:endParaRPr>
           </a:p>
           <a:p>
@@ -6916,7 +7479,7 @@
               <a:t>Fitness trackers, smart watches</a:t>
             </a:r>
             <a:endParaRPr b="0" lang="en-US" sz="1800" spc="-1" strike="noStrike">
-              <a:latin typeface="Arial"/>
+              <a:latin typeface="DejaVu Sans"/>
             </a:endParaRPr>
           </a:p>
           <a:p>
@@ -6945,7 +7508,7 @@
               <a:t>Medical applications</a:t>
             </a:r>
             <a:endParaRPr b="0" lang="en-US" sz="1800" spc="-1" strike="noStrike">
-              <a:latin typeface="Arial"/>
+              <a:latin typeface="DejaVu Sans"/>
             </a:endParaRPr>
           </a:p>
           <a:p>
@@ -6974,7 +7537,7 @@
               <a:t>Smart homes</a:t>
             </a:r>
             <a:endParaRPr b="0" lang="en-US" sz="1800" spc="-1" strike="noStrike">
-              <a:latin typeface="Arial"/>
+              <a:latin typeface="DejaVu Sans"/>
             </a:endParaRPr>
           </a:p>
           <a:p>
@@ -7003,7 +7566,7 @@
               <a:t>Smart cars</a:t>
             </a:r>
             <a:endParaRPr b="0" lang="en-US" sz="1800" spc="-1" strike="noStrike">
-              <a:latin typeface="Arial"/>
+              <a:latin typeface="DejaVu Sans"/>
             </a:endParaRPr>
           </a:p>
           <a:p>
@@ -7032,7 +7595,7 @@
               <a:t>Earbuds, headsets etc.</a:t>
             </a:r>
             <a:endParaRPr b="0" lang="en-US" sz="1800" spc="-1" strike="noStrike">
-              <a:latin typeface="Arial"/>
+              <a:latin typeface="DejaVu Sans"/>
             </a:endParaRPr>
           </a:p>
           <a:p>
@@ -7040,12 +7603,13 @@
               <a:lnSpc>
                 <a:spcPct val="100000"/>
               </a:lnSpc>
-              <a:tabLst>
-                <a:tab algn="l" pos="408240"/>
-              </a:tabLst>
-            </a:pPr>
-            <a:endParaRPr b="0" lang="en-US" sz="1800" spc="-1" strike="noStrike">
-              <a:latin typeface="Arial"/>
+              <a:buNone/>
+              <a:tabLst>
+                <a:tab algn="l" pos="408240"/>
+              </a:tabLst>
+            </a:pPr>
+            <a:endParaRPr b="0" lang="en-US" sz="1800" spc="-1" strike="noStrike">
+              <a:latin typeface="DejaVu Sans"/>
             </a:endParaRPr>
           </a:p>
           <a:p>
@@ -7053,6 +7617,7 @@
               <a:lnSpc>
                 <a:spcPct val="100000"/>
               </a:lnSpc>
+              <a:buNone/>
               <a:tabLst>
                 <a:tab algn="l" pos="408240"/>
               </a:tabLst>
@@ -7068,7 +7633,7 @@
               <a:t>Classes for different applications with different ranges/power usages.</a:t>
             </a:r>
             <a:endParaRPr b="0" lang="en-US" sz="1800" spc="-1" strike="noStrike">
-              <a:latin typeface="Arial"/>
+              <a:latin typeface="DejaVu Sans"/>
             </a:endParaRPr>
           </a:p>
         </p:txBody>
@@ -7112,13 +7677,13 @@
         <p:spPr>
           <a:xfrm>
             <a:off x="335520" y="764640"/>
-            <a:ext cx="10747800" cy="498600"/>
-          </a:xfrm>
-          <a:prstGeom prst="rect">
-            <a:avLst/>
-          </a:prstGeom>
-          <a:noFill/>
-          <a:ln>
+            <a:ext cx="10747440" cy="498240"/>
+          </a:xfrm>
+          <a:prstGeom prst="rect">
+            <a:avLst/>
+          </a:prstGeom>
+          <a:noFill/>
+          <a:ln w="0">
             <a:noFill/>
           </a:ln>
         </p:spPr>
@@ -7129,7 +7694,7 @@
           <a:fontRef idx="minor"/>
         </p:style>
         <p:txBody>
-          <a:bodyPr lIns="90000" rIns="90000" tIns="45000" bIns="45000">
+          <a:bodyPr lIns="90000" rIns="90000" tIns="45000" bIns="45000" anchor="t">
             <a:noAutofit/>
           </a:bodyPr>
           <a:p>
@@ -7137,6 +7702,7 @@
               <a:lnSpc>
                 <a:spcPct val="100000"/>
               </a:lnSpc>
+              <a:buNone/>
               <a:tabLst>
                 <a:tab algn="l" pos="408240"/>
               </a:tabLst>
@@ -7152,7 +7718,7 @@
               <a:t>Zigbee</a:t>
             </a:r>
             <a:endParaRPr b="0" lang="en-US" sz="2400" spc="-1" strike="noStrike">
-              <a:latin typeface="Arial"/>
+              <a:latin typeface="DejaVu Sans"/>
             </a:endParaRPr>
           </a:p>
         </p:txBody>
@@ -7166,13 +7732,13 @@
         <p:spPr>
           <a:xfrm>
             <a:off x="457200" y="1371600"/>
-            <a:ext cx="10785600" cy="3413520"/>
-          </a:xfrm>
-          <a:prstGeom prst="rect">
-            <a:avLst/>
-          </a:prstGeom>
-          <a:noFill/>
-          <a:ln>
+            <a:ext cx="10785240" cy="3413160"/>
+          </a:xfrm>
+          <a:prstGeom prst="rect">
+            <a:avLst/>
+          </a:prstGeom>
+          <a:noFill/>
+          <a:ln w="0">
             <a:noFill/>
           </a:ln>
         </p:spPr>
@@ -7183,7 +7749,7 @@
           <a:fontRef idx="minor"/>
         </p:style>
         <p:txBody>
-          <a:bodyPr lIns="90000" rIns="90000" tIns="45000" bIns="45000">
+          <a:bodyPr lIns="90000" rIns="90000" tIns="45000" bIns="45000" anchor="t">
             <a:noAutofit/>
           </a:bodyPr>
           <a:p>
@@ -7191,6 +7757,7 @@
               <a:lnSpc>
                 <a:spcPct val="100000"/>
               </a:lnSpc>
+              <a:buNone/>
               <a:tabLst>
                 <a:tab algn="l" pos="408240"/>
               </a:tabLst>
@@ -7206,7 +7773,7 @@
               <a:t>Pros</a:t>
             </a:r>
             <a:endParaRPr b="0" lang="en-US" sz="1800" spc="-1" strike="noStrike">
-              <a:latin typeface="Arial"/>
+              <a:latin typeface="DejaVu Sans"/>
             </a:endParaRPr>
           </a:p>
           <a:p>
@@ -7235,7 +7802,7 @@
               <a:t>Low power requirements</a:t>
             </a:r>
             <a:endParaRPr b="0" lang="en-US" sz="1800" spc="-1" strike="noStrike">
-              <a:latin typeface="Arial"/>
+              <a:latin typeface="DejaVu Sans"/>
             </a:endParaRPr>
           </a:p>
           <a:p>
@@ -7264,7 +7831,7 @@
               <a:t>Scales to large network sizes (~6500 nodes)</a:t>
             </a:r>
             <a:endParaRPr b="0" lang="en-US" sz="1800" spc="-1" strike="noStrike">
-              <a:latin typeface="Arial"/>
+              <a:latin typeface="DejaVu Sans"/>
             </a:endParaRPr>
           </a:p>
           <a:p>
@@ -7272,12 +7839,13 @@
               <a:lnSpc>
                 <a:spcPct val="100000"/>
               </a:lnSpc>
-              <a:tabLst>
-                <a:tab algn="l" pos="408240"/>
-              </a:tabLst>
-            </a:pPr>
-            <a:endParaRPr b="0" lang="en-US" sz="1800" spc="-1" strike="noStrike">
-              <a:latin typeface="Arial"/>
+              <a:buNone/>
+              <a:tabLst>
+                <a:tab algn="l" pos="408240"/>
+              </a:tabLst>
+            </a:pPr>
+            <a:endParaRPr b="0" lang="en-US" sz="1800" spc="-1" strike="noStrike">
+              <a:latin typeface="DejaVu Sans"/>
             </a:endParaRPr>
           </a:p>
           <a:p>
@@ -7285,6 +7853,7 @@
               <a:lnSpc>
                 <a:spcPct val="100000"/>
               </a:lnSpc>
+              <a:buNone/>
               <a:tabLst>
                 <a:tab algn="l" pos="408240"/>
               </a:tabLst>
@@ -7300,7 +7869,7 @@
               <a:t>Cons</a:t>
             </a:r>
             <a:endParaRPr b="0" lang="en-US" sz="1800" spc="-1" strike="noStrike">
-              <a:latin typeface="Arial"/>
+              <a:latin typeface="DejaVu Sans"/>
             </a:endParaRPr>
           </a:p>
           <a:p>
@@ -7329,7 +7898,7 @@
               <a:t>Low range</a:t>
             </a:r>
             <a:endParaRPr b="0" lang="en-US" sz="1800" spc="-1" strike="noStrike">
-              <a:latin typeface="Arial"/>
+              <a:latin typeface="DejaVu Sans"/>
             </a:endParaRPr>
           </a:p>
           <a:p>
@@ -7358,7 +7927,7 @@
               <a:t>Low bandwidth</a:t>
             </a:r>
             <a:endParaRPr b="0" lang="en-US" sz="1800" spc="-1" strike="noStrike">
-              <a:latin typeface="Arial"/>
+              <a:latin typeface="DejaVu Sans"/>
             </a:endParaRPr>
           </a:p>
           <a:p>
@@ -7387,7 +7956,7 @@
               <a:t>Security issues (fixed, known fallback keys in at least one profile)</a:t>
             </a:r>
             <a:endParaRPr b="0" lang="en-US" sz="1800" spc="-1" strike="noStrike">
-              <a:latin typeface="Arial"/>
+              <a:latin typeface="DejaVu Sans"/>
             </a:endParaRPr>
           </a:p>
           <a:p>
@@ -7395,12 +7964,13 @@
               <a:lnSpc>
                 <a:spcPct val="100000"/>
               </a:lnSpc>
-              <a:tabLst>
-                <a:tab algn="l" pos="408240"/>
-              </a:tabLst>
-            </a:pPr>
-            <a:endParaRPr b="0" lang="en-US" sz="1800" spc="-1" strike="noStrike">
-              <a:latin typeface="Arial"/>
+              <a:buNone/>
+              <a:tabLst>
+                <a:tab algn="l" pos="408240"/>
+              </a:tabLst>
+            </a:pPr>
+            <a:endParaRPr b="0" lang="en-US" sz="1800" spc="-1" strike="noStrike">
+              <a:latin typeface="DejaVu Sans"/>
             </a:endParaRPr>
           </a:p>
           <a:p>
@@ -7408,6 +7978,7 @@
               <a:lnSpc>
                 <a:spcPct val="100000"/>
               </a:lnSpc>
+              <a:buNone/>
               <a:tabLst>
                 <a:tab algn="l" pos="408240"/>
               </a:tabLst>
@@ -7423,7 +7994,7 @@
               <a:t>Applications</a:t>
             </a:r>
             <a:endParaRPr b="0" lang="en-US" sz="1800" spc="-1" strike="noStrike">
-              <a:latin typeface="Arial"/>
+              <a:latin typeface="DejaVu Sans"/>
             </a:endParaRPr>
           </a:p>
           <a:p>
@@ -7452,7 +8023,7 @@
               <a:t>Wireless sensor networks (WSN)</a:t>
             </a:r>
             <a:endParaRPr b="0" lang="en-US" sz="1800" spc="-1" strike="noStrike">
-              <a:latin typeface="Arial"/>
+              <a:latin typeface="DejaVu Sans"/>
             </a:endParaRPr>
           </a:p>
           <a:p>
@@ -7481,7 +8052,7 @@
               <a:t>Industrial automation</a:t>
             </a:r>
             <a:endParaRPr b="0" lang="en-US" sz="1800" spc="-1" strike="noStrike">
-              <a:latin typeface="Arial"/>
+              <a:latin typeface="DejaVu Sans"/>
             </a:endParaRPr>
           </a:p>
           <a:p>
@@ -7510,7 +8081,7 @@
               <a:t>Smart homes</a:t>
             </a:r>
             <a:endParaRPr b="0" lang="en-US" sz="1800" spc="-1" strike="noStrike">
-              <a:latin typeface="Arial"/>
+              <a:latin typeface="DejaVu Sans"/>
             </a:endParaRPr>
           </a:p>
         </p:txBody>
@@ -7554,13 +8125,13 @@
         <p:spPr>
           <a:xfrm>
             <a:off x="335520" y="764640"/>
-            <a:ext cx="10747800" cy="498600"/>
-          </a:xfrm>
-          <a:prstGeom prst="rect">
-            <a:avLst/>
-          </a:prstGeom>
-          <a:noFill/>
-          <a:ln>
+            <a:ext cx="10747440" cy="498240"/>
+          </a:xfrm>
+          <a:prstGeom prst="rect">
+            <a:avLst/>
+          </a:prstGeom>
+          <a:noFill/>
+          <a:ln w="0">
             <a:noFill/>
           </a:ln>
         </p:spPr>
@@ -7571,7 +8142,7 @@
           <a:fontRef idx="minor"/>
         </p:style>
         <p:txBody>
-          <a:bodyPr lIns="90000" rIns="90000" tIns="45000" bIns="45000">
+          <a:bodyPr lIns="90000" rIns="90000" tIns="45000" bIns="45000" anchor="t">
             <a:noAutofit/>
           </a:bodyPr>
           <a:p>
@@ -7579,6 +8150,7 @@
               <a:lnSpc>
                 <a:spcPct val="100000"/>
               </a:lnSpc>
+              <a:buNone/>
               <a:tabLst>
                 <a:tab algn="l" pos="408240"/>
               </a:tabLst>
@@ -7594,7 +8166,7 @@
               <a:t>6LoWPAN</a:t>
             </a:r>
             <a:endParaRPr b="0" lang="en-US" sz="2400" spc="-1" strike="noStrike">
-              <a:latin typeface="Arial"/>
+              <a:latin typeface="DejaVu Sans"/>
             </a:endParaRPr>
           </a:p>
         </p:txBody>
@@ -7608,13 +8180,13 @@
         <p:spPr>
           <a:xfrm>
             <a:off x="457200" y="1371600"/>
-            <a:ext cx="10785600" cy="3669480"/>
-          </a:xfrm>
-          <a:prstGeom prst="rect">
-            <a:avLst/>
-          </a:prstGeom>
-          <a:noFill/>
-          <a:ln>
+            <a:ext cx="10785240" cy="3669120"/>
+          </a:xfrm>
+          <a:prstGeom prst="rect">
+            <a:avLst/>
+          </a:prstGeom>
+          <a:noFill/>
+          <a:ln w="0">
             <a:noFill/>
           </a:ln>
         </p:spPr>
@@ -7625,7 +8197,7 @@
           <a:fontRef idx="minor"/>
         </p:style>
         <p:txBody>
-          <a:bodyPr lIns="90000" rIns="90000" tIns="45000" bIns="45000">
+          <a:bodyPr lIns="90000" rIns="90000" tIns="45000" bIns="45000" anchor="t">
             <a:noAutofit/>
           </a:bodyPr>
           <a:p>
@@ -7633,6 +8205,7 @@
               <a:lnSpc>
                 <a:spcPct val="100000"/>
               </a:lnSpc>
+              <a:buNone/>
               <a:tabLst>
                 <a:tab algn="l" pos="408240"/>
               </a:tabLst>
@@ -7648,7 +8221,7 @@
               <a:t>Pros</a:t>
             </a:r>
             <a:endParaRPr b="0" lang="en-US" sz="1800" spc="-1" strike="noStrike">
-              <a:latin typeface="Arial"/>
+              <a:latin typeface="DejaVu Sans"/>
             </a:endParaRPr>
           </a:p>
           <a:p>
@@ -7677,7 +8250,7 @@
               <a:t>IPv6 based</a:t>
             </a:r>
             <a:endParaRPr b="0" lang="en-US" sz="1800" spc="-1" strike="noStrike">
-              <a:latin typeface="Arial"/>
+              <a:latin typeface="DejaVu Sans"/>
             </a:endParaRPr>
           </a:p>
           <a:p>
@@ -7706,7 +8279,7 @@
               <a:t>Built-in security</a:t>
             </a:r>
             <a:endParaRPr b="0" lang="en-US" sz="1800" spc="-1" strike="noStrike">
-              <a:latin typeface="Arial"/>
+              <a:latin typeface="DejaVu Sans"/>
             </a:endParaRPr>
           </a:p>
           <a:p>
@@ -7735,7 +8308,7 @@
               <a:t>Scalability</a:t>
             </a:r>
             <a:endParaRPr b="0" lang="en-US" sz="1800" spc="-1" strike="noStrike">
-              <a:latin typeface="Arial"/>
+              <a:latin typeface="DejaVu Sans"/>
             </a:endParaRPr>
           </a:p>
           <a:p>
@@ -7764,7 +8337,7 @@
               <a:t>Interoperability</a:t>
             </a:r>
             <a:endParaRPr b="0" lang="en-US" sz="1800" spc="-1" strike="noStrike">
-              <a:latin typeface="Arial"/>
+              <a:latin typeface="DejaVu Sans"/>
             </a:endParaRPr>
           </a:p>
           <a:p>
@@ -7772,12 +8345,13 @@
               <a:lnSpc>
                 <a:spcPct val="100000"/>
               </a:lnSpc>
-              <a:tabLst>
-                <a:tab algn="l" pos="408240"/>
-              </a:tabLst>
-            </a:pPr>
-            <a:endParaRPr b="0" lang="en-US" sz="1800" spc="-1" strike="noStrike">
-              <a:latin typeface="Arial"/>
+              <a:buNone/>
+              <a:tabLst>
+                <a:tab algn="l" pos="408240"/>
+              </a:tabLst>
+            </a:pPr>
+            <a:endParaRPr b="0" lang="en-US" sz="1800" spc="-1" strike="noStrike">
+              <a:latin typeface="DejaVu Sans"/>
             </a:endParaRPr>
           </a:p>
           <a:p>
@@ -7785,6 +8359,7 @@
               <a:lnSpc>
                 <a:spcPct val="100000"/>
               </a:lnSpc>
+              <a:buNone/>
               <a:tabLst>
                 <a:tab algn="l" pos="408240"/>
               </a:tabLst>
@@ -7800,7 +8375,7 @@
               <a:t>Cons</a:t>
             </a:r>
             <a:endParaRPr b="0" lang="en-US" sz="1800" spc="-1" strike="noStrike">
-              <a:latin typeface="Arial"/>
+              <a:latin typeface="DejaVu Sans"/>
             </a:endParaRPr>
           </a:p>
           <a:p>
@@ -7829,7 +8404,7 @@
               <a:t>Higher minimum requirements due to IPv6 minimum complexity</a:t>
             </a:r>
             <a:endParaRPr b="0" lang="en-US" sz="1800" spc="-1" strike="noStrike">
-              <a:latin typeface="Arial"/>
+              <a:latin typeface="DejaVu Sans"/>
             </a:endParaRPr>
           </a:p>
           <a:p>
@@ -7858,7 +8433,7 @@
               <a:t>Not as popular as ZigBee</a:t>
             </a:r>
             <a:endParaRPr b="0" lang="en-US" sz="1800" spc="-1" strike="noStrike">
-              <a:latin typeface="Arial"/>
+              <a:latin typeface="DejaVu Sans"/>
             </a:endParaRPr>
           </a:p>
           <a:p>
@@ -7866,12 +8441,13 @@
               <a:lnSpc>
                 <a:spcPct val="100000"/>
               </a:lnSpc>
-              <a:tabLst>
-                <a:tab algn="l" pos="408240"/>
-              </a:tabLst>
-            </a:pPr>
-            <a:endParaRPr b="0" lang="en-US" sz="1800" spc="-1" strike="noStrike">
-              <a:latin typeface="Arial"/>
+              <a:buNone/>
+              <a:tabLst>
+                <a:tab algn="l" pos="408240"/>
+              </a:tabLst>
+            </a:pPr>
+            <a:endParaRPr b="0" lang="en-US" sz="1800" spc="-1" strike="noStrike">
+              <a:latin typeface="DejaVu Sans"/>
             </a:endParaRPr>
           </a:p>
           <a:p>
@@ -7879,6 +8455,7 @@
               <a:lnSpc>
                 <a:spcPct val="100000"/>
               </a:lnSpc>
+              <a:buNone/>
               <a:tabLst>
                 <a:tab algn="l" pos="408240"/>
               </a:tabLst>
@@ -7894,7 +8471,7 @@
               <a:t>Applications</a:t>
             </a:r>
             <a:endParaRPr b="0" lang="en-US" sz="1800" spc="-1" strike="noStrike">
-              <a:latin typeface="Arial"/>
+              <a:latin typeface="DejaVu Sans"/>
             </a:endParaRPr>
           </a:p>
           <a:p>
@@ -7923,7 +8500,7 @@
               <a:t>Wireless sensor networks (WSN)</a:t>
             </a:r>
             <a:endParaRPr b="0" lang="en-US" sz="1800" spc="-1" strike="noStrike">
-              <a:latin typeface="Arial"/>
+              <a:latin typeface="DejaVu Sans"/>
             </a:endParaRPr>
           </a:p>
           <a:p>
@@ -7952,7 +8529,7 @@
               <a:t>Internet of Things</a:t>
             </a:r>
             <a:endParaRPr b="0" lang="en-US" sz="1800" spc="-1" strike="noStrike">
-              <a:latin typeface="Arial"/>
+              <a:latin typeface="DejaVu Sans"/>
             </a:endParaRPr>
           </a:p>
           <a:p>
@@ -7981,7 +8558,7 @@
               <a:t>Industrial Internet of Things</a:t>
             </a:r>
             <a:endParaRPr b="0" lang="en-US" sz="1800" spc="-1" strike="noStrike">
-              <a:latin typeface="Arial"/>
+              <a:latin typeface="DejaVu Sans"/>
             </a:endParaRPr>
           </a:p>
         </p:txBody>
@@ -8025,13 +8602,13 @@
         <p:spPr>
           <a:xfrm>
             <a:off x="335520" y="764640"/>
-            <a:ext cx="10747800" cy="498600"/>
-          </a:xfrm>
-          <a:prstGeom prst="rect">
-            <a:avLst/>
-          </a:prstGeom>
-          <a:noFill/>
-          <a:ln>
+            <a:ext cx="10747440" cy="498240"/>
+          </a:xfrm>
+          <a:prstGeom prst="rect">
+            <a:avLst/>
+          </a:prstGeom>
+          <a:noFill/>
+          <a:ln w="0">
             <a:noFill/>
           </a:ln>
         </p:spPr>
@@ -8042,7 +8619,7 @@
           <a:fontRef idx="minor"/>
         </p:style>
         <p:txBody>
-          <a:bodyPr lIns="90000" rIns="90000" tIns="45000" bIns="45000">
+          <a:bodyPr lIns="90000" rIns="90000" tIns="45000" bIns="45000" anchor="t">
             <a:noAutofit/>
           </a:bodyPr>
           <a:p>
@@ -8050,6 +8627,7 @@
               <a:lnSpc>
                 <a:spcPct val="100000"/>
               </a:lnSpc>
+              <a:buNone/>
               <a:tabLst>
                 <a:tab algn="l" pos="408240"/>
               </a:tabLst>
@@ -8065,7 +8643,7 @@
               <a:t>IEEE 802.11p</a:t>
             </a:r>
             <a:endParaRPr b="0" lang="en-US" sz="2400" spc="-1" strike="noStrike">
-              <a:latin typeface="Arial"/>
+              <a:latin typeface="DejaVu Sans"/>
             </a:endParaRPr>
           </a:p>
         </p:txBody>
@@ -8079,13 +8657,13 @@
         <p:spPr>
           <a:xfrm>
             <a:off x="457200" y="1371600"/>
-            <a:ext cx="10785600" cy="1877760"/>
-          </a:xfrm>
-          <a:prstGeom prst="rect">
-            <a:avLst/>
-          </a:prstGeom>
-          <a:noFill/>
-          <a:ln>
+            <a:ext cx="10785240" cy="1877400"/>
+          </a:xfrm>
+          <a:prstGeom prst="rect">
+            <a:avLst/>
+          </a:prstGeom>
+          <a:noFill/>
+          <a:ln w="0">
             <a:noFill/>
           </a:ln>
         </p:spPr>
@@ -8096,7 +8674,7 @@
           <a:fontRef idx="minor"/>
         </p:style>
         <p:txBody>
-          <a:bodyPr lIns="90000" rIns="90000" tIns="45000" bIns="45000">
+          <a:bodyPr lIns="90000" rIns="90000" tIns="45000" bIns="45000" anchor="t">
             <a:noAutofit/>
           </a:bodyPr>
           <a:p>
@@ -8104,6 +8682,7 @@
               <a:lnSpc>
                 <a:spcPct val="100000"/>
               </a:lnSpc>
+              <a:buNone/>
               <a:tabLst>
                 <a:tab algn="l" pos="408240"/>
               </a:tabLst>
@@ -8119,7 +8698,7 @@
               <a:t>Vehicular network optimized</a:t>
             </a:r>
             <a:endParaRPr b="0" lang="en-US" sz="1800" spc="-1" strike="noStrike">
-              <a:latin typeface="Arial"/>
+              <a:latin typeface="DejaVu Sans"/>
             </a:endParaRPr>
           </a:p>
           <a:p>
@@ -8148,7 +8727,7 @@
               <a:t>Vehicle to vehicle (V2V)</a:t>
             </a:r>
             <a:endParaRPr b="0" lang="en-US" sz="1800" spc="-1" strike="noStrike">
-              <a:latin typeface="Arial"/>
+              <a:latin typeface="DejaVu Sans"/>
             </a:endParaRPr>
           </a:p>
           <a:p>
@@ -8177,7 +8756,7 @@
               <a:t>Vehicle to infrastructure (V2I) such as road side units (RSU)</a:t>
             </a:r>
             <a:endParaRPr b="0" lang="en-US" sz="1800" spc="-1" strike="noStrike">
-              <a:latin typeface="Arial"/>
+              <a:latin typeface="DejaVu Sans"/>
             </a:endParaRPr>
           </a:p>
           <a:p>
@@ -8206,7 +8785,7 @@
               <a:t>Built in time synchronization</a:t>
             </a:r>
             <a:endParaRPr b="0" lang="en-US" sz="1800" spc="-1" strike="noStrike">
-              <a:latin typeface="Arial"/>
+              <a:latin typeface="DejaVu Sans"/>
             </a:endParaRPr>
           </a:p>
           <a:p>
@@ -8214,12 +8793,13 @@
               <a:lnSpc>
                 <a:spcPct val="100000"/>
               </a:lnSpc>
-              <a:tabLst>
-                <a:tab algn="l" pos="408240"/>
-              </a:tabLst>
-            </a:pPr>
-            <a:endParaRPr b="0" lang="en-US" sz="1800" spc="-1" strike="noStrike">
-              <a:latin typeface="Arial"/>
+              <a:buNone/>
+              <a:tabLst>
+                <a:tab algn="l" pos="408240"/>
+              </a:tabLst>
+            </a:pPr>
+            <a:endParaRPr b="0" lang="en-US" sz="1800" spc="-1" strike="noStrike">
+              <a:latin typeface="DejaVu Sans"/>
             </a:endParaRPr>
           </a:p>
           <a:p>
@@ -8227,6 +8807,7 @@
               <a:lnSpc>
                 <a:spcPct val="100000"/>
               </a:lnSpc>
+              <a:buNone/>
               <a:tabLst>
                 <a:tab algn="l" pos="408240"/>
               </a:tabLst>
@@ -8242,7 +8823,7 @@
               <a:t>Applications</a:t>
             </a:r>
             <a:endParaRPr b="0" lang="en-US" sz="1800" spc="-1" strike="noStrike">
-              <a:latin typeface="Arial"/>
+              <a:latin typeface="DejaVu Sans"/>
             </a:endParaRPr>
           </a:p>
           <a:p>
@@ -8271,7 +8852,7 @@
               <a:t>Vehicular networks</a:t>
             </a:r>
             <a:endParaRPr b="0" lang="en-US" sz="1800" spc="-1" strike="noStrike">
-              <a:latin typeface="Arial"/>
+              <a:latin typeface="DejaVu Sans"/>
             </a:endParaRPr>
           </a:p>
         </p:txBody>
@@ -8315,13 +8896,13 @@
         <p:spPr>
           <a:xfrm>
             <a:off x="335520" y="4406760"/>
-            <a:ext cx="10747800" cy="1356840"/>
-          </a:xfrm>
-          <a:prstGeom prst="rect">
-            <a:avLst/>
-          </a:prstGeom>
-          <a:noFill/>
-          <a:ln>
+            <a:ext cx="10747440" cy="1356480"/>
+          </a:xfrm>
+          <a:prstGeom prst="rect">
+            <a:avLst/>
+          </a:prstGeom>
+          <a:noFill/>
+          <a:ln w="0">
             <a:noFill/>
           </a:ln>
         </p:spPr>
@@ -8332,7 +8913,7 @@
           <a:fontRef idx="minor"/>
         </p:style>
         <p:txBody>
-          <a:bodyPr lIns="90000" rIns="90000" tIns="45000" bIns="45000">
+          <a:bodyPr lIns="90000" rIns="90000" tIns="45000" bIns="45000" anchor="t">
             <a:noAutofit/>
           </a:bodyPr>
           <a:p>
@@ -8340,6 +8921,7 @@
               <a:lnSpc>
                 <a:spcPct val="100000"/>
               </a:lnSpc>
+              <a:buNone/>
               <a:tabLst>
                 <a:tab algn="l" pos="408240"/>
               </a:tabLst>
@@ -8355,7 +8937,7 @@
               <a:t>WAN</a:t>
             </a:r>
             <a:endParaRPr b="0" lang="en-US" sz="3000" spc="-1" strike="noStrike">
-              <a:latin typeface="Arial"/>
+              <a:latin typeface="DejaVu Sans"/>
             </a:endParaRPr>
           </a:p>
         </p:txBody>
@@ -8369,13 +8951,13 @@
         <p:spPr>
           <a:xfrm>
             <a:off x="335520" y="2906640"/>
-            <a:ext cx="10747800" cy="1494720"/>
-          </a:xfrm>
-          <a:prstGeom prst="rect">
-            <a:avLst/>
-          </a:prstGeom>
-          <a:noFill/>
-          <a:ln>
+            <a:ext cx="10747440" cy="1494360"/>
+          </a:xfrm>
+          <a:prstGeom prst="rect">
+            <a:avLst/>
+          </a:prstGeom>
+          <a:noFill/>
+          <a:ln w="0">
             <a:noFill/>
           </a:ln>
         </p:spPr>
@@ -8425,13 +9007,13 @@
         <p:spPr>
           <a:xfrm>
             <a:off x="335520" y="764640"/>
-            <a:ext cx="10747800" cy="498600"/>
-          </a:xfrm>
-          <a:prstGeom prst="rect">
-            <a:avLst/>
-          </a:prstGeom>
-          <a:noFill/>
-          <a:ln>
+            <a:ext cx="10747440" cy="498240"/>
+          </a:xfrm>
+          <a:prstGeom prst="rect">
+            <a:avLst/>
+          </a:prstGeom>
+          <a:noFill/>
+          <a:ln w="0">
             <a:noFill/>
           </a:ln>
         </p:spPr>
@@ -8442,7 +9024,7 @@
           <a:fontRef idx="minor"/>
         </p:style>
         <p:txBody>
-          <a:bodyPr lIns="90000" rIns="90000" tIns="45000" bIns="45000">
+          <a:bodyPr lIns="90000" rIns="90000" tIns="45000" bIns="45000" anchor="t">
             <a:noAutofit/>
           </a:bodyPr>
           <a:p>
@@ -8450,6 +9032,7 @@
               <a:lnSpc>
                 <a:spcPct val="100000"/>
               </a:lnSpc>
+              <a:buNone/>
               <a:tabLst>
                 <a:tab algn="l" pos="408240"/>
               </a:tabLst>
@@ -8465,7 +9048,7 @@
               <a:t>Wide Area Network</a:t>
             </a:r>
             <a:endParaRPr b="0" lang="en-US" sz="2400" spc="-1" strike="noStrike">
-              <a:latin typeface="Arial"/>
+              <a:latin typeface="DejaVu Sans"/>
             </a:endParaRPr>
           </a:p>
         </p:txBody>
@@ -8479,13 +9062,13 @@
         <p:spPr>
           <a:xfrm>
             <a:off x="457200" y="1371600"/>
-            <a:ext cx="10785600" cy="1877760"/>
-          </a:xfrm>
-          <a:prstGeom prst="rect">
-            <a:avLst/>
-          </a:prstGeom>
-          <a:noFill/>
-          <a:ln>
+            <a:ext cx="10785240" cy="1877400"/>
+          </a:xfrm>
+          <a:prstGeom prst="rect">
+            <a:avLst/>
+          </a:prstGeom>
+          <a:noFill/>
+          <a:ln w="0">
             <a:noFill/>
           </a:ln>
         </p:spPr>
@@ -8496,7 +9079,7 @@
           <a:fontRef idx="minor"/>
         </p:style>
         <p:txBody>
-          <a:bodyPr lIns="90000" rIns="90000" tIns="45000" bIns="45000">
+          <a:bodyPr lIns="90000" rIns="90000" tIns="45000" bIns="45000" anchor="t">
             <a:noAutofit/>
           </a:bodyPr>
           <a:p>
@@ -8525,7 +9108,7 @@
               <a:t>Service/subscription model based</a:t>
             </a:r>
             <a:endParaRPr b="0" lang="en-US" sz="1800" spc="-1" strike="noStrike">
-              <a:latin typeface="Arial"/>
+              <a:latin typeface="DejaVu Sans"/>
             </a:endParaRPr>
           </a:p>
           <a:p>
@@ -8554,7 +9137,7 @@
               <a:t>Service provider runs infrastructure such as base stations and radio towers</a:t>
             </a:r>
             <a:endParaRPr b="0" lang="en-US" sz="1800" spc="-1" strike="noStrike">
-              <a:latin typeface="Arial"/>
+              <a:latin typeface="DejaVu Sans"/>
             </a:endParaRPr>
           </a:p>
           <a:p>
@@ -8562,12 +9145,13 @@
               <a:lnSpc>
                 <a:spcPct val="100000"/>
               </a:lnSpc>
-              <a:tabLst>
-                <a:tab algn="l" pos="408240"/>
-              </a:tabLst>
-            </a:pPr>
-            <a:endParaRPr b="0" lang="en-US" sz="1800" spc="-1" strike="noStrike">
-              <a:latin typeface="Arial"/>
+              <a:buNone/>
+              <a:tabLst>
+                <a:tab algn="l" pos="408240"/>
+              </a:tabLst>
+            </a:pPr>
+            <a:endParaRPr b="0" lang="en-US" sz="1800" spc="-1" strike="noStrike">
+              <a:latin typeface="DejaVu Sans"/>
             </a:endParaRPr>
           </a:p>
           <a:p>
@@ -8575,6 +9159,7 @@
               <a:lnSpc>
                 <a:spcPct val="100000"/>
               </a:lnSpc>
+              <a:buNone/>
               <a:tabLst>
                 <a:tab algn="l" pos="408240"/>
               </a:tabLst>
@@ -8590,7 +9175,7 @@
               <a:t>Examples:</a:t>
             </a:r>
             <a:endParaRPr b="0" lang="en-US" sz="1800" spc="-1" strike="noStrike">
-              <a:latin typeface="Arial"/>
+              <a:latin typeface="DejaVu Sans"/>
             </a:endParaRPr>
           </a:p>
           <a:p>
@@ -8619,7 +9204,7 @@
               <a:t>Cellular networks (UMTS/LTE/5G)</a:t>
             </a:r>
             <a:endParaRPr b="0" lang="en-US" sz="1800" spc="-1" strike="noStrike">
-              <a:latin typeface="Arial"/>
+              <a:latin typeface="DejaVu Sans"/>
             </a:endParaRPr>
           </a:p>
           <a:p>
@@ -8688,7 +9273,7 @@
               <a:t>nge, physical layer), LoRaWAN (MAC layer)</a:t>
             </a:r>
             <a:endParaRPr b="0" lang="en-US" sz="1800" spc="-1" strike="noStrike">
-              <a:latin typeface="Arial"/>
+              <a:latin typeface="DejaVu Sans"/>
             </a:endParaRPr>
           </a:p>
           <a:p>
@@ -8717,7 +9302,7 @@
               <a:t>Sigfox</a:t>
             </a:r>
             <a:endParaRPr b="0" lang="en-US" sz="1800" spc="-1" strike="noStrike">
-              <a:latin typeface="Arial"/>
+              <a:latin typeface="DejaVu Sans"/>
             </a:endParaRPr>
           </a:p>
         </p:txBody>
@@ -8761,13 +9346,13 @@
         <p:spPr>
           <a:xfrm>
             <a:off x="335520" y="764640"/>
-            <a:ext cx="10747800" cy="498600"/>
-          </a:xfrm>
-          <a:prstGeom prst="rect">
-            <a:avLst/>
-          </a:prstGeom>
-          <a:noFill/>
-          <a:ln>
+            <a:ext cx="10747440" cy="498240"/>
+          </a:xfrm>
+          <a:prstGeom prst="rect">
+            <a:avLst/>
+          </a:prstGeom>
+          <a:noFill/>
+          <a:ln w="0">
             <a:noFill/>
           </a:ln>
         </p:spPr>
@@ -8778,7 +9363,7 @@
           <a:fontRef idx="minor"/>
         </p:style>
         <p:txBody>
-          <a:bodyPr lIns="90000" rIns="90000" tIns="45000" bIns="45000">
+          <a:bodyPr lIns="90000" rIns="90000" tIns="45000" bIns="45000" anchor="t">
             <a:noAutofit/>
           </a:bodyPr>
           <a:p>
@@ -8786,6 +9371,7 @@
               <a:lnSpc>
                 <a:spcPct val="100000"/>
               </a:lnSpc>
+              <a:buNone/>
               <a:tabLst>
                 <a:tab algn="l" pos="408240"/>
               </a:tabLst>
@@ -8801,7 +9387,7 @@
               <a:t>Cellular network architecture</a:t>
             </a:r>
             <a:endParaRPr b="0" lang="en-US" sz="2400" spc="-1" strike="noStrike">
-              <a:latin typeface="Arial"/>
+              <a:latin typeface="DejaVu Sans"/>
             </a:endParaRPr>
           </a:p>
         </p:txBody>
@@ -8815,13 +9401,13 @@
         <p:spPr>
           <a:xfrm>
             <a:off x="457200" y="1371600"/>
-            <a:ext cx="10785600" cy="2133720"/>
-          </a:xfrm>
-          <a:prstGeom prst="rect">
-            <a:avLst/>
-          </a:prstGeom>
-          <a:noFill/>
-          <a:ln>
+            <a:ext cx="10785240" cy="2133360"/>
+          </a:xfrm>
+          <a:prstGeom prst="rect">
+            <a:avLst/>
+          </a:prstGeom>
+          <a:noFill/>
+          <a:ln w="0">
             <a:noFill/>
           </a:ln>
         </p:spPr>
@@ -8832,7 +9418,7 @@
           <a:fontRef idx="minor"/>
         </p:style>
         <p:txBody>
-          <a:bodyPr lIns="90000" rIns="90000" tIns="45000" bIns="45000">
+          <a:bodyPr lIns="90000" rIns="90000" tIns="45000" bIns="45000" anchor="t">
             <a:noAutofit/>
           </a:bodyPr>
           <a:p>
@@ -8861,7 +9447,7 @@
               <a:t>Grid of cell towers</a:t>
             </a:r>
             <a:endParaRPr b="0" lang="en-US" sz="1800" spc="-1" strike="noStrike">
-              <a:latin typeface="Arial"/>
+              <a:latin typeface="DejaVu Sans"/>
             </a:endParaRPr>
           </a:p>
           <a:p>
@@ -8890,7 +9476,7 @@
               <a:t>Overlapping cells</a:t>
             </a:r>
             <a:endParaRPr b="0" lang="en-US" sz="1800" spc="-1" strike="noStrike">
-              <a:latin typeface="Arial"/>
+              <a:latin typeface="DejaVu Sans"/>
             </a:endParaRPr>
           </a:p>
           <a:p>
@@ -8919,7 +9505,7 @@
               <a:t>Requires handover for mobile stations between cells</a:t>
             </a:r>
             <a:endParaRPr b="0" lang="en-US" sz="1800" spc="-1" strike="noStrike">
-              <a:latin typeface="Arial"/>
+              <a:latin typeface="DejaVu Sans"/>
             </a:endParaRPr>
           </a:p>
           <a:p>
@@ -8927,12 +9513,13 @@
               <a:lnSpc>
                 <a:spcPct val="100000"/>
               </a:lnSpc>
-              <a:tabLst>
-                <a:tab algn="l" pos="408240"/>
-              </a:tabLst>
-            </a:pPr>
-            <a:endParaRPr b="0" lang="en-US" sz="1800" spc="-1" strike="noStrike">
-              <a:latin typeface="Arial"/>
+              <a:buNone/>
+              <a:tabLst>
+                <a:tab algn="l" pos="408240"/>
+              </a:tabLst>
+            </a:pPr>
+            <a:endParaRPr b="0" lang="en-US" sz="1800" spc="-1" strike="noStrike">
+              <a:latin typeface="DejaVu Sans"/>
             </a:endParaRPr>
           </a:p>
           <a:p>
@@ -8940,6 +9527,7 @@
               <a:lnSpc>
                 <a:spcPct val="100000"/>
               </a:lnSpc>
+              <a:buNone/>
               <a:tabLst>
                 <a:tab algn="l" pos="408240"/>
               </a:tabLst>
@@ -8955,7 +9543,7 @@
               <a:t>Network planning</a:t>
             </a:r>
             <a:endParaRPr b="0" lang="en-US" sz="1800" spc="-1" strike="noStrike">
-              <a:latin typeface="Arial"/>
+              <a:latin typeface="DejaVu Sans"/>
             </a:endParaRPr>
           </a:p>
           <a:p>
@@ -8984,7 +9572,7 @@
               <a:t>Space division multiple access</a:t>
             </a:r>
             <a:endParaRPr b="0" lang="en-US" sz="1800" spc="-1" strike="noStrike">
-              <a:latin typeface="Arial"/>
+              <a:latin typeface="DejaVu Sans"/>
             </a:endParaRPr>
           </a:p>
           <a:p>
@@ -9013,7 +9601,7 @@
               <a:t>Minimize interference</a:t>
             </a:r>
             <a:endParaRPr b="0" lang="en-US" sz="1800" spc="-1" strike="noStrike">
-              <a:latin typeface="Arial"/>
+              <a:latin typeface="DejaVu Sans"/>
             </a:endParaRPr>
           </a:p>
           <a:p>
@@ -9042,7 +9630,7 @@
               <a:t>Avoid allocating overlapping spectrum on nearby cells</a:t>
             </a:r>
             <a:endParaRPr b="0" lang="en-US" sz="1800" spc="-1" strike="noStrike">
-              <a:latin typeface="Arial"/>
+              <a:latin typeface="DejaVu Sans"/>
             </a:endParaRPr>
           </a:p>
         </p:txBody>
@@ -9086,13 +9674,13 @@
         <p:spPr>
           <a:xfrm>
             <a:off x="335520" y="764640"/>
-            <a:ext cx="10747800" cy="498600"/>
-          </a:xfrm>
-          <a:prstGeom prst="rect">
-            <a:avLst/>
-          </a:prstGeom>
-          <a:noFill/>
-          <a:ln>
+            <a:ext cx="10747440" cy="498240"/>
+          </a:xfrm>
+          <a:prstGeom prst="rect">
+            <a:avLst/>
+          </a:prstGeom>
+          <a:noFill/>
+          <a:ln w="0">
             <a:noFill/>
           </a:ln>
         </p:spPr>
@@ -9103,7 +9691,7 @@
           <a:fontRef idx="minor"/>
         </p:style>
         <p:txBody>
-          <a:bodyPr lIns="90000" rIns="90000" tIns="45000" bIns="45000">
+          <a:bodyPr lIns="90000" rIns="90000" tIns="45000" bIns="45000" anchor="t">
             <a:noAutofit/>
           </a:bodyPr>
           <a:p>
@@ -9111,6 +9699,7 @@
               <a:lnSpc>
                 <a:spcPct val="100000"/>
               </a:lnSpc>
+              <a:buNone/>
               <a:tabLst>
                 <a:tab algn="l" pos="408240"/>
               </a:tabLst>
@@ -9126,7 +9715,7 @@
               <a:t>5G</a:t>
             </a:r>
             <a:endParaRPr b="0" lang="en-US" sz="2400" spc="-1" strike="noStrike">
-              <a:latin typeface="Arial"/>
+              <a:latin typeface="DejaVu Sans"/>
             </a:endParaRPr>
           </a:p>
         </p:txBody>
@@ -9140,13 +9729,13 @@
         <p:spPr>
           <a:xfrm>
             <a:off x="457200" y="1371600"/>
-            <a:ext cx="10785600" cy="1877760"/>
-          </a:xfrm>
-          <a:prstGeom prst="rect">
-            <a:avLst/>
-          </a:prstGeom>
-          <a:noFill/>
-          <a:ln>
+            <a:ext cx="10785240" cy="1877400"/>
+          </a:xfrm>
+          <a:prstGeom prst="rect">
+            <a:avLst/>
+          </a:prstGeom>
+          <a:noFill/>
+          <a:ln w="0">
             <a:noFill/>
           </a:ln>
         </p:spPr>
@@ -9157,7 +9746,7 @@
           <a:fontRef idx="minor"/>
         </p:style>
         <p:txBody>
-          <a:bodyPr lIns="90000" rIns="90000" tIns="45000" bIns="45000">
+          <a:bodyPr lIns="90000" rIns="90000" tIns="45000" bIns="45000" anchor="t">
             <a:noAutofit/>
           </a:bodyPr>
           <a:p>
@@ -9186,7 +9775,7 @@
               <a:t>New radio communication techniques and spectrum</a:t>
             </a:r>
             <a:endParaRPr b="0" lang="en-US" sz="1800" spc="-1" strike="noStrike">
-              <a:latin typeface="Arial"/>
+              <a:latin typeface="DejaVu Sans"/>
             </a:endParaRPr>
           </a:p>
           <a:p>
@@ -9215,7 +9804,7 @@
               <a:t>Support for device to device communications (D2D)</a:t>
             </a:r>
             <a:endParaRPr b="0" lang="en-US" sz="1800" spc="-1" strike="noStrike">
-              <a:latin typeface="Arial"/>
+              <a:latin typeface="DejaVu Sans"/>
             </a:endParaRPr>
           </a:p>
           <a:p>
@@ -9244,7 +9833,7 @@
               <a:t>Improved performance</a:t>
             </a:r>
             <a:endParaRPr b="0" lang="en-US" sz="1800" spc="-1" strike="noStrike">
-              <a:latin typeface="Arial"/>
+              <a:latin typeface="DejaVu Sans"/>
             </a:endParaRPr>
           </a:p>
           <a:p>
@@ -9273,7 +9862,7 @@
               <a:t>Theoretical latency in single digit ms</a:t>
             </a:r>
             <a:endParaRPr b="0" lang="en-US" sz="1800" spc="-1" strike="noStrike">
-              <a:latin typeface="Arial"/>
+              <a:latin typeface="DejaVu Sans"/>
             </a:endParaRPr>
           </a:p>
           <a:p>
@@ -9302,7 +9891,7 @@
               <a:t>Bandwidth in gbps range</a:t>
             </a:r>
             <a:endParaRPr b="0" lang="en-US" sz="1800" spc="-1" strike="noStrike">
-              <a:latin typeface="Arial"/>
+              <a:latin typeface="DejaVu Sans"/>
             </a:endParaRPr>
           </a:p>
           <a:p>
@@ -9331,7 +9920,7 @@
               <a:t>Ability to provide connectivity in fast moving vehicles</a:t>
             </a:r>
             <a:endParaRPr b="0" lang="en-US" sz="1800" spc="-1" strike="noStrike">
-              <a:latin typeface="Arial"/>
+              <a:latin typeface="DejaVu Sans"/>
             </a:endParaRPr>
           </a:p>
           <a:p>
@@ -9360,7 +9949,7 @@
               <a:t>Enables more dense connectivity and scalability (more devices)</a:t>
             </a:r>
             <a:endParaRPr b="0" lang="en-US" sz="1800" spc="-1" strike="noStrike">
-              <a:latin typeface="Arial"/>
+              <a:latin typeface="DejaVu Sans"/>
             </a:endParaRPr>
           </a:p>
         </p:txBody>
@@ -9404,13 +9993,13 @@
         <p:spPr>
           <a:xfrm>
             <a:off x="335520" y="764640"/>
-            <a:ext cx="10747800" cy="498600"/>
-          </a:xfrm>
-          <a:prstGeom prst="rect">
-            <a:avLst/>
-          </a:prstGeom>
-          <a:noFill/>
-          <a:ln>
+            <a:ext cx="10747440" cy="498240"/>
+          </a:xfrm>
+          <a:prstGeom prst="rect">
+            <a:avLst/>
+          </a:prstGeom>
+          <a:noFill/>
+          <a:ln w="0">
             <a:noFill/>
           </a:ln>
         </p:spPr>
@@ -9421,7 +10010,7 @@
           <a:fontRef idx="minor"/>
         </p:style>
         <p:txBody>
-          <a:bodyPr lIns="90000" rIns="90000" tIns="45000" bIns="45000">
+          <a:bodyPr lIns="90000" rIns="90000" tIns="45000" bIns="45000" anchor="t">
             <a:noAutofit/>
           </a:bodyPr>
           <a:p>
@@ -9429,6 +10018,7 @@
               <a:lnSpc>
                 <a:spcPct val="100000"/>
               </a:lnSpc>
+              <a:buNone/>
               <a:tabLst>
                 <a:tab algn="l" pos="408240"/>
               </a:tabLst>
@@ -9444,7 +10034,7 @@
               <a:t>LoRa/LoRaWAN</a:t>
             </a:r>
             <a:endParaRPr b="0" lang="en-US" sz="2400" spc="-1" strike="noStrike">
-              <a:latin typeface="Arial"/>
+              <a:latin typeface="DejaVu Sans"/>
             </a:endParaRPr>
           </a:p>
         </p:txBody>
@@ -9458,13 +10048,13 @@
         <p:spPr>
           <a:xfrm>
             <a:off x="457200" y="1371600"/>
-            <a:ext cx="10785600" cy="2133720"/>
-          </a:xfrm>
-          <a:prstGeom prst="rect">
-            <a:avLst/>
-          </a:prstGeom>
-          <a:noFill/>
-          <a:ln>
+            <a:ext cx="10785240" cy="2133360"/>
+          </a:xfrm>
+          <a:prstGeom prst="rect">
+            <a:avLst/>
+          </a:prstGeom>
+          <a:noFill/>
+          <a:ln w="0">
             <a:noFill/>
           </a:ln>
         </p:spPr>
@@ -9475,7 +10065,7 @@
           <a:fontRef idx="minor"/>
         </p:style>
         <p:txBody>
-          <a:bodyPr lIns="90000" rIns="90000" tIns="45000" bIns="45000">
+          <a:bodyPr lIns="90000" rIns="90000" tIns="45000" bIns="45000" anchor="t">
             <a:noAutofit/>
           </a:bodyPr>
           <a:p>
@@ -9504,7 +10094,7 @@
               <a:t>Uses unlicensed spectrum</a:t>
             </a:r>
             <a:endParaRPr b="0" lang="en-US" sz="1800" spc="-1" strike="noStrike">
-              <a:latin typeface="Arial"/>
+              <a:latin typeface="DejaVu Sans"/>
             </a:endParaRPr>
           </a:p>
           <a:p>
@@ -9533,7 +10123,7 @@
               <a:t>Low number of base stations (Gateways) covers wide area</a:t>
             </a:r>
             <a:endParaRPr b="0" lang="en-US" sz="1800" spc="-1" strike="noStrike">
-              <a:latin typeface="Arial"/>
+              <a:latin typeface="DejaVu Sans"/>
             </a:endParaRPr>
           </a:p>
           <a:p>
@@ -9562,7 +10152,7 @@
               <a:t>7 are enough to cover Belgium</a:t>
             </a:r>
             <a:endParaRPr b="0" lang="en-US" sz="1800" spc="-1" strike="noStrike">
-              <a:latin typeface="Arial"/>
+              <a:latin typeface="DejaVu Sans"/>
             </a:endParaRPr>
           </a:p>
           <a:p>
@@ -9591,7 +10181,7 @@
               <a:t>Only produced by a single company (Simtech)</a:t>
             </a:r>
             <a:endParaRPr b="0" lang="en-US" sz="1800" spc="-1" strike="noStrike">
-              <a:latin typeface="Arial"/>
+              <a:latin typeface="DejaVu Sans"/>
             </a:endParaRPr>
           </a:p>
           <a:p>
@@ -9620,7 +10210,7 @@
               <a:t>High latency, no realtime applications</a:t>
             </a:r>
             <a:endParaRPr b="0" lang="en-US" sz="1800" spc="-1" strike="noStrike">
-              <a:latin typeface="Arial"/>
+              <a:latin typeface="DejaVu Sans"/>
             </a:endParaRPr>
           </a:p>
           <a:p>
@@ -9649,7 +10239,7 @@
               <a:t>Subscription based</a:t>
             </a:r>
             <a:endParaRPr b="0" lang="en-US" sz="1800" spc="-1" strike="noStrike">
-              <a:latin typeface="Arial"/>
+              <a:latin typeface="DejaVu Sans"/>
             </a:endParaRPr>
           </a:p>
           <a:p>
@@ -9678,7 +10268,7 @@
               <a:t>Misses some common features from LTE networks</a:t>
             </a:r>
             <a:endParaRPr b="0" lang="en-US" sz="1800" spc="-1" strike="noStrike">
-              <a:latin typeface="Arial"/>
+              <a:latin typeface="DejaVu Sans"/>
             </a:endParaRPr>
           </a:p>
           <a:p>
@@ -9707,7 +10297,7 @@
               <a:t>Only physical and MAC layers are covered =&gt; Higher OSI layers have to be implemented on top</a:t>
             </a:r>
             <a:endParaRPr b="0" lang="en-US" sz="1800" spc="-1" strike="noStrike">
-              <a:latin typeface="Arial"/>
+              <a:latin typeface="DejaVu Sans"/>
             </a:endParaRPr>
           </a:p>
         </p:txBody>
@@ -9751,13 +10341,13 @@
         <p:spPr>
           <a:xfrm>
             <a:off x="335520" y="764640"/>
-            <a:ext cx="10738080" cy="488880"/>
-          </a:xfrm>
-          <a:prstGeom prst="rect">
-            <a:avLst/>
-          </a:prstGeom>
-          <a:noFill/>
-          <a:ln>
+            <a:ext cx="10737720" cy="488520"/>
+          </a:xfrm>
+          <a:prstGeom prst="rect">
+            <a:avLst/>
+          </a:prstGeom>
+          <a:noFill/>
+          <a:ln w="0">
             <a:noFill/>
           </a:ln>
         </p:spPr>
@@ -9768,7 +10358,7 @@
           <a:fontRef idx="minor"/>
         </p:style>
         <p:txBody>
-          <a:bodyPr lIns="90000" rIns="90000" tIns="45000" bIns="45000">
+          <a:bodyPr lIns="90000" rIns="90000" tIns="45000" bIns="45000" anchor="t">
             <a:noAutofit/>
           </a:bodyPr>
           <a:p>
@@ -9776,6 +10366,7 @@
               <a:lnSpc>
                 <a:spcPct val="100000"/>
               </a:lnSpc>
+              <a:buNone/>
             </a:pPr>
             <a:r>
               <a:rPr b="1" lang="en-US" sz="2400" spc="-1" strike="noStrike">
@@ -9788,7 +10379,7 @@
               <a:t>License</a:t>
             </a:r>
             <a:endParaRPr b="0" lang="en-US" sz="2400" spc="-1" strike="noStrike">
-              <a:latin typeface="Arial"/>
+              <a:latin typeface="DejaVu Sans"/>
             </a:endParaRPr>
           </a:p>
         </p:txBody>
@@ -9802,13 +10393,13 @@
         <p:spPr>
           <a:xfrm>
             <a:off x="335520" y="1268280"/>
-            <a:ext cx="10738080" cy="5025600"/>
-          </a:xfrm>
-          <a:prstGeom prst="rect">
-            <a:avLst/>
-          </a:prstGeom>
-          <a:noFill/>
-          <a:ln>
+            <a:ext cx="10737720" cy="5025240"/>
+          </a:xfrm>
+          <a:prstGeom prst="rect">
+            <a:avLst/>
+          </a:prstGeom>
+          <a:noFill/>
+          <a:ln w="0">
             <a:noFill/>
           </a:ln>
         </p:spPr>
@@ -9827,9 +10418,10 @@
               <a:lnSpc>
                 <a:spcPct val="100000"/>
               </a:lnSpc>
-            </a:pPr>
-            <a:endParaRPr b="0" lang="en-US" sz="1800" spc="-1" strike="noStrike">
-              <a:latin typeface="Arial"/>
+              <a:buNone/>
+            </a:pPr>
+            <a:endParaRPr b="0" lang="en-US" sz="1800" spc="-1" strike="noStrike">
+              <a:latin typeface="DejaVu Sans"/>
             </a:endParaRPr>
           </a:p>
           <a:p>
@@ -9900,7 +10492,7 @@
               <a:t> .</a:t>
             </a:r>
             <a:endParaRPr b="0" lang="en-US" sz="1800" spc="-1" strike="noStrike">
-              <a:latin typeface="Arial"/>
+              <a:latin typeface="DejaVu Sans"/>
             </a:endParaRPr>
           </a:p>
           <a:p>
@@ -9911,9 +10503,10 @@
               <a:spcBef>
                 <a:spcPts val="360"/>
               </a:spcBef>
-            </a:pPr>
-            <a:endParaRPr b="0" lang="en-US" sz="1800" spc="-1" strike="noStrike">
-              <a:latin typeface="Arial"/>
+              <a:buNone/>
+            </a:pPr>
+            <a:endParaRPr b="0" lang="en-US" sz="1800" spc="-1" strike="noStrike">
+              <a:latin typeface="DejaVu Sans"/>
             </a:endParaRPr>
           </a:p>
           <a:p>
@@ -9964,7 +10557,7 @@
               <a:t>.</a:t>
             </a:r>
             <a:endParaRPr b="0" lang="en-US" sz="1800" spc="-1" strike="noStrike">
-              <a:latin typeface="Arial"/>
+              <a:latin typeface="DejaVu Sans"/>
             </a:endParaRPr>
           </a:p>
           <a:p>
@@ -9975,9 +10568,10 @@
               <a:spcBef>
                 <a:spcPts val="360"/>
               </a:spcBef>
-            </a:pPr>
-            <a:endParaRPr b="0" lang="en-US" sz="1800" spc="-1" strike="noStrike">
-              <a:latin typeface="Arial"/>
+              <a:buNone/>
+            </a:pPr>
+            <a:endParaRPr b="0" lang="en-US" sz="1800" spc="-1" strike="noStrike">
+              <a:latin typeface="DejaVu Sans"/>
             </a:endParaRPr>
           </a:p>
         </p:txBody>
@@ -10021,13 +10615,13 @@
         <p:spPr>
           <a:xfrm>
             <a:off x="335520" y="764640"/>
-            <a:ext cx="10747800" cy="498600"/>
-          </a:xfrm>
-          <a:prstGeom prst="rect">
-            <a:avLst/>
-          </a:prstGeom>
-          <a:noFill/>
-          <a:ln>
+            <a:ext cx="10747440" cy="498240"/>
+          </a:xfrm>
+          <a:prstGeom prst="rect">
+            <a:avLst/>
+          </a:prstGeom>
+          <a:noFill/>
+          <a:ln w="0">
             <a:noFill/>
           </a:ln>
         </p:spPr>
@@ -10038,7 +10632,7 @@
           <a:fontRef idx="minor"/>
         </p:style>
         <p:txBody>
-          <a:bodyPr lIns="90000" rIns="90000" tIns="45000" bIns="45000">
+          <a:bodyPr lIns="90000" rIns="90000" tIns="45000" bIns="45000" anchor="t">
             <a:noAutofit/>
           </a:bodyPr>
           <a:p>
@@ -10046,6 +10640,7 @@
               <a:lnSpc>
                 <a:spcPct val="100000"/>
               </a:lnSpc>
+              <a:buNone/>
               <a:tabLst>
                 <a:tab algn="l" pos="408240"/>
               </a:tabLst>
@@ -10061,7 +10656,7 @@
               <a:t>Sigfox</a:t>
             </a:r>
             <a:endParaRPr b="0" lang="en-US" sz="2400" spc="-1" strike="noStrike">
-              <a:latin typeface="Arial"/>
+              <a:latin typeface="DejaVu Sans"/>
             </a:endParaRPr>
           </a:p>
         </p:txBody>
@@ -10075,13 +10670,13 @@
         <p:spPr>
           <a:xfrm>
             <a:off x="457200" y="1371600"/>
-            <a:ext cx="10785600" cy="2901600"/>
-          </a:xfrm>
-          <a:prstGeom prst="rect">
-            <a:avLst/>
-          </a:prstGeom>
-          <a:noFill/>
-          <a:ln>
+            <a:ext cx="10785240" cy="2901240"/>
+          </a:xfrm>
+          <a:prstGeom prst="rect">
+            <a:avLst/>
+          </a:prstGeom>
+          <a:noFill/>
+          <a:ln w="0">
             <a:noFill/>
           </a:ln>
         </p:spPr>
@@ -10092,7 +10687,7 @@
           <a:fontRef idx="minor"/>
         </p:style>
         <p:txBody>
-          <a:bodyPr lIns="90000" rIns="90000" tIns="45000" bIns="45000">
+          <a:bodyPr lIns="90000" rIns="90000" tIns="45000" bIns="45000" anchor="t">
             <a:noAutofit/>
           </a:bodyPr>
           <a:p>
@@ -10121,7 +10716,7 @@
               <a:t>Uses unlicensed spectrum</a:t>
             </a:r>
             <a:endParaRPr b="0" lang="en-US" sz="1800" spc="-1" strike="noStrike">
-              <a:latin typeface="Arial"/>
+              <a:latin typeface="DejaVu Sans"/>
             </a:endParaRPr>
           </a:p>
           <a:p>
@@ -10150,7 +10745,7 @@
               <a:t>Uplink</a:t>
             </a:r>
             <a:endParaRPr b="0" lang="en-US" sz="1800" spc="-1" strike="noStrike">
-              <a:latin typeface="Arial"/>
+              <a:latin typeface="DejaVu Sans"/>
             </a:endParaRPr>
           </a:p>
           <a:p>
@@ -10179,7 +10774,7 @@
               <a:t>100bps</a:t>
             </a:r>
             <a:endParaRPr b="0" lang="en-US" sz="1800" spc="-1" strike="noStrike">
-              <a:latin typeface="Arial"/>
+              <a:latin typeface="DejaVu Sans"/>
             </a:endParaRPr>
           </a:p>
           <a:p>
@@ -10208,7 +10803,7 @@
               <a:t>12B payloads</a:t>
             </a:r>
             <a:endParaRPr b="0" lang="en-US" sz="1800" spc="-1" strike="noStrike">
-              <a:latin typeface="Arial"/>
+              <a:latin typeface="DejaVu Sans"/>
             </a:endParaRPr>
           </a:p>
           <a:p>
@@ -10237,7 +10832,7 @@
               <a:t>Maximum of 6 messages per device and hour (140 per day)</a:t>
             </a:r>
             <a:endParaRPr b="0" lang="en-US" sz="1800" spc="-1" strike="noStrike">
-              <a:latin typeface="Arial"/>
+              <a:latin typeface="DejaVu Sans"/>
             </a:endParaRPr>
           </a:p>
           <a:p>
@@ -10266,7 +10861,7 @@
               <a:t>Downlink</a:t>
             </a:r>
             <a:endParaRPr b="0" lang="en-US" sz="1800" spc="-1" strike="noStrike">
-              <a:latin typeface="Arial"/>
+              <a:latin typeface="DejaVu Sans"/>
             </a:endParaRPr>
           </a:p>
           <a:p>
@@ -10295,7 +10890,7 @@
               <a:t>600bps</a:t>
             </a:r>
             <a:endParaRPr b="0" lang="en-US" sz="1800" spc="-1" strike="noStrike">
-              <a:latin typeface="Arial"/>
+              <a:latin typeface="DejaVu Sans"/>
             </a:endParaRPr>
           </a:p>
           <a:p>
@@ -10324,7 +10919,7 @@
               <a:t>8B payloads</a:t>
             </a:r>
             <a:endParaRPr b="0" lang="en-US" sz="1800" spc="-1" strike="noStrike">
-              <a:latin typeface="Arial"/>
+              <a:latin typeface="DejaVu Sans"/>
             </a:endParaRPr>
           </a:p>
           <a:p>
@@ -10353,7 +10948,7 @@
               <a:t>Maximum of 4 messages per day</a:t>
             </a:r>
             <a:endParaRPr b="0" lang="en-US" sz="1800" spc="-1" strike="noStrike">
-              <a:latin typeface="Arial"/>
+              <a:latin typeface="DejaVu Sans"/>
             </a:endParaRPr>
           </a:p>
           <a:p>
@@ -10382,7 +10977,7 @@
               <a:t>Open hardware</a:t>
             </a:r>
             <a:endParaRPr b="0" lang="en-US" sz="1800" spc="-1" strike="noStrike">
-              <a:latin typeface="Arial"/>
+              <a:latin typeface="DejaVu Sans"/>
             </a:endParaRPr>
           </a:p>
           <a:p>
@@ -10411,7 +11006,7 @@
               <a:t>Network subscription based</a:t>
             </a:r>
             <a:endParaRPr b="0" lang="en-US" sz="1800" spc="-1" strike="noStrike">
-              <a:latin typeface="Arial"/>
+              <a:latin typeface="DejaVu Sans"/>
             </a:endParaRPr>
           </a:p>
         </p:txBody>
@@ -10455,13 +11050,13 @@
         <p:spPr>
           <a:xfrm>
             <a:off x="335520" y="4406760"/>
-            <a:ext cx="10747800" cy="1356840"/>
-          </a:xfrm>
-          <a:prstGeom prst="rect">
-            <a:avLst/>
-          </a:prstGeom>
-          <a:noFill/>
-          <a:ln>
+            <a:ext cx="10747440" cy="1356480"/>
+          </a:xfrm>
+          <a:prstGeom prst="rect">
+            <a:avLst/>
+          </a:prstGeom>
+          <a:noFill/>
+          <a:ln w="0">
             <a:noFill/>
           </a:ln>
         </p:spPr>
@@ -10472,7 +11067,7 @@
           <a:fontRef idx="minor"/>
         </p:style>
         <p:txBody>
-          <a:bodyPr lIns="90000" rIns="90000" tIns="45000" bIns="45000">
+          <a:bodyPr lIns="90000" rIns="90000" tIns="45000" bIns="45000" anchor="t">
             <a:noAutofit/>
           </a:bodyPr>
           <a:p>
@@ -10480,6 +11075,7 @@
               <a:lnSpc>
                 <a:spcPct val="100000"/>
               </a:lnSpc>
+              <a:buNone/>
               <a:tabLst>
                 <a:tab algn="l" pos="408240"/>
               </a:tabLst>
@@ -10495,7 +11091,7 @@
               <a:t>Router and gateways</a:t>
             </a:r>
             <a:endParaRPr b="0" lang="en-US" sz="3000" spc="-1" strike="noStrike">
-              <a:latin typeface="Arial"/>
+              <a:latin typeface="DejaVu Sans"/>
             </a:endParaRPr>
           </a:p>
         </p:txBody>
@@ -10509,13 +11105,13 @@
         <p:spPr>
           <a:xfrm>
             <a:off x="335520" y="2906640"/>
-            <a:ext cx="10747800" cy="1494720"/>
-          </a:xfrm>
-          <a:prstGeom prst="rect">
-            <a:avLst/>
-          </a:prstGeom>
-          <a:noFill/>
-          <a:ln>
+            <a:ext cx="10747440" cy="1494360"/>
+          </a:xfrm>
+          <a:prstGeom prst="rect">
+            <a:avLst/>
+          </a:prstGeom>
+          <a:noFill/>
+          <a:ln w="0">
             <a:noFill/>
           </a:ln>
         </p:spPr>
@@ -10565,13 +11161,13 @@
         <p:spPr>
           <a:xfrm>
             <a:off x="335520" y="764640"/>
-            <a:ext cx="10747800" cy="498600"/>
-          </a:xfrm>
-          <a:prstGeom prst="rect">
-            <a:avLst/>
-          </a:prstGeom>
-          <a:noFill/>
-          <a:ln>
+            <a:ext cx="10747440" cy="498240"/>
+          </a:xfrm>
+          <a:prstGeom prst="rect">
+            <a:avLst/>
+          </a:prstGeom>
+          <a:noFill/>
+          <a:ln w="0">
             <a:noFill/>
           </a:ln>
         </p:spPr>
@@ -10582,7 +11178,7 @@
           <a:fontRef idx="minor"/>
         </p:style>
         <p:txBody>
-          <a:bodyPr lIns="90000" rIns="90000" tIns="45000" bIns="45000">
+          <a:bodyPr lIns="90000" rIns="90000" tIns="45000" bIns="45000" anchor="t">
             <a:noAutofit/>
           </a:bodyPr>
           <a:p>
@@ -10590,6 +11186,7 @@
               <a:lnSpc>
                 <a:spcPct val="100000"/>
               </a:lnSpc>
+              <a:buNone/>
               <a:tabLst>
                 <a:tab algn="l" pos="408240"/>
               </a:tabLst>
@@ -10605,7 +11202,7 @@
               <a:t>Router and Gateways</a:t>
             </a:r>
             <a:endParaRPr b="0" lang="en-US" sz="2400" spc="-1" strike="noStrike">
-              <a:latin typeface="Arial"/>
+              <a:latin typeface="DejaVu Sans"/>
             </a:endParaRPr>
           </a:p>
         </p:txBody>
@@ -10619,13 +11216,13 @@
         <p:spPr>
           <a:xfrm>
             <a:off x="457200" y="1371600"/>
-            <a:ext cx="10785600" cy="3157560"/>
-          </a:xfrm>
-          <a:prstGeom prst="rect">
-            <a:avLst/>
-          </a:prstGeom>
-          <a:noFill/>
-          <a:ln>
+            <a:ext cx="10785240" cy="3157200"/>
+          </a:xfrm>
+          <a:prstGeom prst="rect">
+            <a:avLst/>
+          </a:prstGeom>
+          <a:noFill/>
+          <a:ln w="0">
             <a:noFill/>
           </a:ln>
         </p:spPr>
@@ -10636,7 +11233,7 @@
           <a:fontRef idx="minor"/>
         </p:style>
         <p:txBody>
-          <a:bodyPr lIns="90000" rIns="90000" tIns="45000" bIns="45000">
+          <a:bodyPr lIns="90000" rIns="90000" tIns="45000" bIns="45000" anchor="t">
             <a:noAutofit/>
           </a:bodyPr>
           <a:p>
@@ -10644,6 +11241,7 @@
               <a:lnSpc>
                 <a:spcPct val="100000"/>
               </a:lnSpc>
+              <a:buNone/>
               <a:tabLst>
                 <a:tab algn="l" pos="408240"/>
               </a:tabLst>
@@ -10659,7 +11257,7 @@
               <a:t>Router</a:t>
             </a:r>
             <a:endParaRPr b="0" lang="en-US" sz="1800" spc="-1" strike="noStrike">
-              <a:latin typeface="Arial"/>
+              <a:latin typeface="DejaVu Sans"/>
             </a:endParaRPr>
           </a:p>
           <a:p>
@@ -10688,7 +11286,7 @@
               <a:t>Bridges two networks</a:t>
             </a:r>
             <a:endParaRPr b="0" lang="en-US" sz="1800" spc="-1" strike="noStrike">
-              <a:latin typeface="Arial"/>
+              <a:latin typeface="DejaVu Sans"/>
             </a:endParaRPr>
           </a:p>
           <a:p>
@@ -10717,7 +11315,7 @@
               <a:t>Can translate between protocols</a:t>
             </a:r>
             <a:endParaRPr b="0" lang="en-US" sz="1800" spc="-1" strike="noStrike">
-              <a:latin typeface="Arial"/>
+              <a:latin typeface="DejaVu Sans"/>
             </a:endParaRPr>
           </a:p>
           <a:p>
@@ -10746,7 +11344,7 @@
               <a:t>Routes data</a:t>
             </a:r>
             <a:endParaRPr b="0" lang="en-US" sz="1800" spc="-1" strike="noStrike">
-              <a:latin typeface="Arial"/>
+              <a:latin typeface="DejaVu Sans"/>
             </a:endParaRPr>
           </a:p>
           <a:p>
@@ -10775,7 +11373,7 @@
               <a:t>Port forwarding and network address translation (mainly end user or carrier grade)</a:t>
             </a:r>
             <a:endParaRPr b="0" lang="en-US" sz="1800" spc="-1" strike="noStrike">
-              <a:latin typeface="Arial"/>
+              <a:latin typeface="DejaVu Sans"/>
             </a:endParaRPr>
           </a:p>
           <a:p>
@@ -10804,7 +11402,7 @@
               <a:t>VNETs</a:t>
             </a:r>
             <a:endParaRPr b="0" lang="en-US" sz="1800" spc="-1" strike="noStrike">
-              <a:latin typeface="Arial"/>
+              <a:latin typeface="DejaVu Sans"/>
             </a:endParaRPr>
           </a:p>
           <a:p>
@@ -10812,12 +11410,13 @@
               <a:lnSpc>
                 <a:spcPct val="100000"/>
               </a:lnSpc>
-              <a:tabLst>
-                <a:tab algn="l" pos="408240"/>
-              </a:tabLst>
-            </a:pPr>
-            <a:endParaRPr b="0" lang="en-US" sz="1800" spc="-1" strike="noStrike">
-              <a:latin typeface="Arial"/>
+              <a:buNone/>
+              <a:tabLst>
+                <a:tab algn="l" pos="408240"/>
+              </a:tabLst>
+            </a:pPr>
+            <a:endParaRPr b="0" lang="en-US" sz="1800" spc="-1" strike="noStrike">
+              <a:latin typeface="DejaVu Sans"/>
             </a:endParaRPr>
           </a:p>
           <a:p>
@@ -10825,6 +11424,7 @@
               <a:lnSpc>
                 <a:spcPct val="100000"/>
               </a:lnSpc>
+              <a:buNone/>
               <a:tabLst>
                 <a:tab algn="l" pos="408240"/>
               </a:tabLst>
@@ -10840,7 +11440,7 @@
               <a:t>Gateways (not in the routing sense)</a:t>
             </a:r>
             <a:endParaRPr b="0" lang="en-US" sz="1800" spc="-1" strike="noStrike">
-              <a:latin typeface="Arial"/>
+              <a:latin typeface="DejaVu Sans"/>
             </a:endParaRPr>
           </a:p>
           <a:p>
@@ -10869,7 +11469,7 @@
               <a:t>Bridges wireless network and internet</a:t>
             </a:r>
             <a:endParaRPr b="0" lang="en-US" sz="1800" spc="-1" strike="noStrike">
-              <a:latin typeface="Arial"/>
+              <a:latin typeface="DejaVu Sans"/>
             </a:endParaRPr>
           </a:p>
           <a:p>
@@ -10898,7 +11498,7 @@
               <a:t>Can translate between protocols</a:t>
             </a:r>
             <a:endParaRPr b="0" lang="en-US" sz="1800" spc="-1" strike="noStrike">
-              <a:latin typeface="Arial"/>
+              <a:latin typeface="DejaVu Sans"/>
             </a:endParaRPr>
           </a:p>
           <a:p>
@@ -10927,7 +11527,7 @@
               <a:t>Edge/Fog computing capabilities (see next lecture)</a:t>
             </a:r>
             <a:endParaRPr b="0" lang="en-US" sz="1800" spc="-1" strike="noStrike">
-              <a:latin typeface="Arial"/>
+              <a:latin typeface="DejaVu Sans"/>
             </a:endParaRPr>
           </a:p>
           <a:p>
@@ -10956,7 +11556,7 @@
               <a:t>Routers can be gateways</a:t>
             </a:r>
             <a:endParaRPr b="0" lang="en-US" sz="1800" spc="-1" strike="noStrike">
-              <a:latin typeface="Arial"/>
+              <a:latin typeface="DejaVu Sans"/>
             </a:endParaRPr>
           </a:p>
         </p:txBody>
@@ -11000,13 +11600,13 @@
         <p:spPr>
           <a:xfrm>
             <a:off x="335520" y="764640"/>
-            <a:ext cx="10747800" cy="498600"/>
-          </a:xfrm>
-          <a:prstGeom prst="rect">
-            <a:avLst/>
-          </a:prstGeom>
-          <a:noFill/>
-          <a:ln>
+            <a:ext cx="10747440" cy="498240"/>
+          </a:xfrm>
+          <a:prstGeom prst="rect">
+            <a:avLst/>
+          </a:prstGeom>
+          <a:noFill/>
+          <a:ln w="0">
             <a:noFill/>
           </a:ln>
         </p:spPr>
@@ -11017,7 +11617,7 @@
           <a:fontRef idx="minor"/>
         </p:style>
         <p:txBody>
-          <a:bodyPr lIns="90000" rIns="90000" tIns="45000" bIns="45000">
+          <a:bodyPr lIns="90000" rIns="90000" tIns="45000" bIns="45000" anchor="t">
             <a:noAutofit/>
           </a:bodyPr>
           <a:p>
@@ -11025,6 +11625,7 @@
               <a:lnSpc>
                 <a:spcPct val="100000"/>
               </a:lnSpc>
+              <a:buNone/>
               <a:tabLst>
                 <a:tab algn="l" pos="408240"/>
               </a:tabLst>
@@ -11040,7 +11641,7 @@
               <a:t>Gateway example</a:t>
             </a:r>
             <a:endParaRPr b="0" lang="en-US" sz="2400" spc="-1" strike="noStrike">
-              <a:latin typeface="Arial"/>
+              <a:latin typeface="DejaVu Sans"/>
             </a:endParaRPr>
           </a:p>
         </p:txBody>
@@ -11054,13 +11655,13 @@
         <p:spPr>
           <a:xfrm>
             <a:off x="457200" y="1371600"/>
-            <a:ext cx="10785600" cy="853920"/>
-          </a:xfrm>
-          <a:prstGeom prst="rect">
-            <a:avLst/>
-          </a:prstGeom>
-          <a:noFill/>
-          <a:ln>
+            <a:ext cx="10785240" cy="853560"/>
+          </a:xfrm>
+          <a:prstGeom prst="rect">
+            <a:avLst/>
+          </a:prstGeom>
+          <a:noFill/>
+          <a:ln w="0">
             <a:noFill/>
           </a:ln>
         </p:spPr>
@@ -11071,7 +11672,7 @@
           <a:fontRef idx="minor"/>
         </p:style>
         <p:txBody>
-          <a:bodyPr lIns="90000" rIns="90000" tIns="45000" bIns="45000">
+          <a:bodyPr lIns="90000" rIns="90000" tIns="45000" bIns="45000" anchor="t">
             <a:noAutofit/>
           </a:bodyPr>
           <a:p>
@@ -11100,7 +11701,7 @@
               <a:t>Wireless sensor nodes running Contiki RPL with IPv6</a:t>
             </a:r>
             <a:endParaRPr b="0" lang="en-US" sz="1800" spc="-1" strike="noStrike">
-              <a:latin typeface="Arial"/>
+              <a:latin typeface="DejaVu Sans"/>
             </a:endParaRPr>
           </a:p>
           <a:p>
@@ -11129,7 +11730,7 @@
               <a:t>Node attached to gateway over USB acts as gateway</a:t>
             </a:r>
             <a:endParaRPr b="0" lang="en-US" sz="1800" spc="-1" strike="noStrike">
-              <a:latin typeface="Arial"/>
+              <a:latin typeface="DejaVu Sans"/>
             </a:endParaRPr>
           </a:p>
           <a:p>
@@ -11158,7 +11759,7 @@
               <a:t>IPv6 connectivity between networks provided through SLIP (Serial Line Internet Procotol)</a:t>
             </a:r>
             <a:endParaRPr b="0" lang="en-US" sz="1800" spc="-1" strike="noStrike">
-              <a:latin typeface="Arial"/>
+              <a:latin typeface="DejaVu Sans"/>
             </a:endParaRPr>
           </a:p>
         </p:txBody>
@@ -11176,12 +11777,12 @@
         <p:spPr>
           <a:xfrm>
             <a:off x="2709360" y="3474720"/>
-            <a:ext cx="2224080" cy="1652760"/>
-          </a:xfrm>
-          <a:prstGeom prst="rect">
-            <a:avLst/>
-          </a:prstGeom>
-          <a:ln>
+            <a:ext cx="2223720" cy="1652400"/>
+          </a:xfrm>
+          <a:prstGeom prst="rect">
+            <a:avLst/>
+          </a:prstGeom>
+          <a:ln w="0">
             <a:noFill/>
           </a:ln>
         </p:spPr>
@@ -11199,12 +11800,12 @@
         <p:spPr>
           <a:xfrm>
             <a:off x="5544000" y="3383280"/>
-            <a:ext cx="2224080" cy="1652760"/>
-          </a:xfrm>
-          <a:prstGeom prst="rect">
-            <a:avLst/>
-          </a:prstGeom>
-          <a:ln>
+            <a:ext cx="2223720" cy="1652400"/>
+          </a:xfrm>
+          <a:prstGeom prst="rect">
+            <a:avLst/>
+          </a:prstGeom>
+          <a:ln w="0">
             <a:noFill/>
           </a:ln>
         </p:spPr>
@@ -11248,13 +11849,13 @@
         <p:spPr>
           <a:xfrm>
             <a:off x="335520" y="1268640"/>
-            <a:ext cx="10747800" cy="5035320"/>
-          </a:xfrm>
-          <a:prstGeom prst="rect">
-            <a:avLst/>
-          </a:prstGeom>
-          <a:noFill/>
-          <a:ln>
+            <a:ext cx="10747440" cy="5034960"/>
+          </a:xfrm>
+          <a:prstGeom prst="rect">
+            <a:avLst/>
+          </a:prstGeom>
+          <a:noFill/>
+          <a:ln w="0">
             <a:noFill/>
           </a:ln>
         </p:spPr>
@@ -11276,6 +11877,7 @@
               <a:spcBef>
                 <a:spcPts val="799"/>
               </a:spcBef>
+              <a:buNone/>
               <a:tabLst>
                 <a:tab algn="l" pos="408240"/>
               </a:tabLst>
@@ -11291,7 +11893,7 @@
               <a:t>Questions?</a:t>
             </a:r>
             <a:endParaRPr b="0" lang="en-US" sz="4000" spc="-1" strike="noStrike">
-              <a:latin typeface="Arial"/>
+              <a:latin typeface="DejaVu Sans"/>
             </a:endParaRPr>
           </a:p>
         </p:txBody>
@@ -11305,13 +11907,13 @@
         <p:spPr>
           <a:xfrm>
             <a:off x="335520" y="764640"/>
-            <a:ext cx="10747800" cy="498600"/>
-          </a:xfrm>
-          <a:prstGeom prst="rect">
-            <a:avLst/>
-          </a:prstGeom>
-          <a:noFill/>
-          <a:ln>
+            <a:ext cx="10747440" cy="498240"/>
+          </a:xfrm>
+          <a:prstGeom prst="rect">
+            <a:avLst/>
+          </a:prstGeom>
+          <a:noFill/>
+          <a:ln w="0">
             <a:noFill/>
           </a:ln>
         </p:spPr>
@@ -11361,13 +11963,13 @@
         <p:spPr>
           <a:xfrm>
             <a:off x="335520" y="764640"/>
-            <a:ext cx="10742760" cy="493560"/>
-          </a:xfrm>
-          <a:prstGeom prst="rect">
-            <a:avLst/>
-          </a:prstGeom>
-          <a:noFill/>
-          <a:ln>
+            <a:ext cx="10742400" cy="493200"/>
+          </a:xfrm>
+          <a:prstGeom prst="rect">
+            <a:avLst/>
+          </a:prstGeom>
+          <a:noFill/>
+          <a:ln w="0">
             <a:noFill/>
           </a:ln>
         </p:spPr>
@@ -11378,7 +11980,7 @@
           <a:fontRef idx="minor"/>
         </p:style>
         <p:txBody>
-          <a:bodyPr lIns="90000" rIns="90000" tIns="45000" bIns="45000">
+          <a:bodyPr lIns="90000" rIns="90000" tIns="45000" bIns="45000" anchor="t">
             <a:noAutofit/>
           </a:bodyPr>
           <a:p>
@@ -11386,6 +11988,7 @@
               <a:lnSpc>
                 <a:spcPct val="100000"/>
               </a:lnSpc>
+              <a:buNone/>
             </a:pPr>
             <a:r>
               <a:rPr b="1" lang="en-US" sz="2400" spc="-1" strike="noStrike">
@@ -11398,7 +12001,7 @@
               <a:t>Updated Bonus Task Registration</a:t>
             </a:r>
             <a:endParaRPr b="0" lang="en-US" sz="2400" spc="-1" strike="noStrike">
-              <a:latin typeface="Arial"/>
+              <a:latin typeface="DejaVu Sans"/>
             </a:endParaRPr>
           </a:p>
         </p:txBody>
@@ -11412,13 +12015,13 @@
         <p:spPr>
           <a:xfrm>
             <a:off x="335520" y="1268280"/>
-            <a:ext cx="10742760" cy="5030280"/>
-          </a:xfrm>
-          <a:prstGeom prst="rect">
-            <a:avLst/>
-          </a:prstGeom>
-          <a:noFill/>
-          <a:ln>
+            <a:ext cx="10742400" cy="5029920"/>
+          </a:xfrm>
+          <a:prstGeom prst="rect">
+            <a:avLst/>
+          </a:prstGeom>
+          <a:noFill/>
+          <a:ln w="0">
             <a:noFill/>
           </a:ln>
         </p:spPr>
@@ -11458,7 +12061,7 @@
               <a:t>2 projects registered</a:t>
             </a:r>
             <a:endParaRPr b="0" lang="en-US" sz="1800" spc="-1" strike="noStrike">
-              <a:latin typeface="Arial"/>
+              <a:latin typeface="DejaVu Sans"/>
             </a:endParaRPr>
           </a:p>
           <a:p>
@@ -11487,7 +12090,7 @@
               <a:t>The project “Value-Based Recovery Design for End of Life Products” is still looking for team members → please get in touch with us and we will establish contact with the team</a:t>
             </a:r>
             <a:endParaRPr b="0" lang="en-US" sz="1800" spc="-1" strike="noStrike">
-              <a:latin typeface="Arial"/>
+              <a:latin typeface="DejaVu Sans"/>
             </a:endParaRPr>
           </a:p>
           <a:p>
@@ -11498,9 +12101,10 @@
               <a:spcBef>
                 <a:spcPts val="360"/>
               </a:spcBef>
-            </a:pPr>
-            <a:endParaRPr b="0" lang="en-US" sz="1800" spc="-1" strike="noStrike">
-              <a:latin typeface="Arial"/>
+              <a:buNone/>
+            </a:pPr>
+            <a:endParaRPr b="0" lang="en-US" sz="1800" spc="-1" strike="noStrike">
+              <a:latin typeface="DejaVu Sans"/>
             </a:endParaRPr>
           </a:p>
           <a:p>
@@ -11511,6 +12115,7 @@
               <a:spcBef>
                 <a:spcPts val="360"/>
               </a:spcBef>
+              <a:buNone/>
             </a:pPr>
             <a:r>
               <a:rPr b="0" lang="en-US" sz="1800" spc="-1" strike="noStrike">
@@ -11523,7 +12128,7 @@
               <a:t>What stopped everyone else from proposing projects?</a:t>
             </a:r>
             <a:endParaRPr b="0" lang="en-US" sz="1800" spc="-1" strike="noStrike">
-              <a:latin typeface="Arial"/>
+              <a:latin typeface="DejaVu Sans"/>
             </a:endParaRPr>
           </a:p>
           <a:p>
@@ -11534,6 +12139,7 @@
               <a:spcBef>
                 <a:spcPts val="360"/>
               </a:spcBef>
+              <a:buNone/>
             </a:pPr>
             <a:r>
               <a:rPr b="0" lang="en-US" sz="1800" spc="-1" strike="noStrike">
@@ -11546,7 +12152,7 @@
               <a:t>a) no team</a:t>
             </a:r>
             <a:endParaRPr b="0" lang="en-US" sz="1800" spc="-1" strike="noStrike">
-              <a:latin typeface="Arial"/>
+              <a:latin typeface="DejaVu Sans"/>
             </a:endParaRPr>
           </a:p>
           <a:p>
@@ -11557,6 +12163,7 @@
               <a:spcBef>
                 <a:spcPts val="360"/>
               </a:spcBef>
+              <a:buNone/>
             </a:pPr>
             <a:r>
               <a:rPr b="0" lang="en-US" sz="1800" spc="-1" strike="noStrike">
@@ -11569,7 +12176,7 @@
               <a:t>b) no project</a:t>
             </a:r>
             <a:endParaRPr b="0" lang="en-US" sz="1800" spc="-1" strike="noStrike">
-              <a:latin typeface="Arial"/>
+              <a:latin typeface="DejaVu Sans"/>
             </a:endParaRPr>
           </a:p>
           <a:p>
@@ -11580,6 +12187,7 @@
               <a:spcBef>
                 <a:spcPts val="360"/>
               </a:spcBef>
+              <a:buNone/>
             </a:pPr>
             <a:r>
               <a:rPr b="0" lang="en-US" sz="1800" spc="-1" strike="noStrike">
@@ -11592,7 +12200,7 @@
               <a:t>c) no time</a:t>
             </a:r>
             <a:endParaRPr b="0" lang="en-US" sz="1800" spc="-1" strike="noStrike">
-              <a:latin typeface="Arial"/>
+              <a:latin typeface="DejaVu Sans"/>
             </a:endParaRPr>
           </a:p>
           <a:p>
@@ -11603,6 +12211,7 @@
               <a:spcBef>
                 <a:spcPts val="360"/>
               </a:spcBef>
+              <a:buNone/>
             </a:pPr>
             <a:r>
               <a:rPr b="0" lang="en-US" sz="1800" spc="-1" strike="noStrike">
@@ -11615,7 +12224,7 @@
               <a:t>d) not interested</a:t>
             </a:r>
             <a:endParaRPr b="0" lang="en-US" sz="1800" spc="-1" strike="noStrike">
-              <a:latin typeface="Arial"/>
+              <a:latin typeface="DejaVu Sans"/>
             </a:endParaRPr>
           </a:p>
         </p:txBody>
@@ -11659,13 +12268,13 @@
         <p:spPr>
           <a:xfrm>
             <a:off x="335520" y="764640"/>
-            <a:ext cx="10742760" cy="493560"/>
-          </a:xfrm>
-          <a:prstGeom prst="rect">
-            <a:avLst/>
-          </a:prstGeom>
-          <a:noFill/>
-          <a:ln>
+            <a:ext cx="10742400" cy="493200"/>
+          </a:xfrm>
+          <a:prstGeom prst="rect">
+            <a:avLst/>
+          </a:prstGeom>
+          <a:noFill/>
+          <a:ln w="0">
             <a:noFill/>
           </a:ln>
         </p:spPr>
@@ -11676,7 +12285,7 @@
           <a:fontRef idx="minor"/>
         </p:style>
         <p:txBody>
-          <a:bodyPr lIns="90000" rIns="90000" tIns="45000" bIns="45000">
+          <a:bodyPr lIns="90000" rIns="90000" tIns="45000" bIns="45000" anchor="t">
             <a:noAutofit/>
           </a:bodyPr>
           <a:p>
@@ -11684,6 +12293,7 @@
               <a:lnSpc>
                 <a:spcPct val="100000"/>
               </a:lnSpc>
+              <a:buNone/>
             </a:pPr>
             <a:r>
               <a:rPr b="1" lang="en-US" sz="2400" spc="-1" strike="noStrike">
@@ -11696,7 +12306,7 @@
               <a:t>Updated Bonus Task Registration</a:t>
             </a:r>
             <a:endParaRPr b="0" lang="en-US" sz="2400" spc="-1" strike="noStrike">
-              <a:latin typeface="Arial"/>
+              <a:latin typeface="DejaVu Sans"/>
             </a:endParaRPr>
           </a:p>
         </p:txBody>
@@ -11710,13 +12320,13 @@
         <p:spPr>
           <a:xfrm>
             <a:off x="335520" y="1268280"/>
-            <a:ext cx="10742760" cy="5030280"/>
-          </a:xfrm>
-          <a:prstGeom prst="rect">
-            <a:avLst/>
-          </a:prstGeom>
-          <a:noFill/>
-          <a:ln>
+            <a:ext cx="10742400" cy="5029920"/>
+          </a:xfrm>
+          <a:prstGeom prst="rect">
+            <a:avLst/>
+          </a:prstGeom>
+          <a:noFill/>
+          <a:ln w="0">
             <a:noFill/>
           </a:ln>
         </p:spPr>
@@ -11756,7 +12366,7 @@
               <a:t>2 projects registered</a:t>
             </a:r>
             <a:endParaRPr b="0" lang="en-US" sz="1800" spc="-1" strike="noStrike">
-              <a:latin typeface="Arial"/>
+              <a:latin typeface="DejaVu Sans"/>
             </a:endParaRPr>
           </a:p>
           <a:p>
@@ -11785,7 +12395,7 @@
               <a:t>The project “Value-Based Recovery Design for End of Life Products” is still looking for team members → please get in touch with us and we will establish contact with the team</a:t>
             </a:r>
             <a:endParaRPr b="0" lang="en-US" sz="1800" spc="-1" strike="noStrike">
-              <a:latin typeface="Arial"/>
+              <a:latin typeface="DejaVu Sans"/>
             </a:endParaRPr>
           </a:p>
           <a:p>
@@ -11796,9 +12406,10 @@
               <a:spcBef>
                 <a:spcPts val="360"/>
               </a:spcBef>
-            </a:pPr>
-            <a:endParaRPr b="0" lang="en-US" sz="1800" spc="-1" strike="noStrike">
-              <a:latin typeface="Arial"/>
+              <a:buNone/>
+            </a:pPr>
+            <a:endParaRPr b="0" lang="en-US" sz="1800" spc="-1" strike="noStrike">
+              <a:latin typeface="DejaVu Sans"/>
             </a:endParaRPr>
           </a:p>
           <a:p>
@@ -11827,7 +12438,7 @@
               <a:t>What stopped everyone else from proposing projects?</a:t>
             </a:r>
             <a:endParaRPr b="0" lang="en-US" sz="1800" spc="-1" strike="noStrike">
-              <a:latin typeface="Arial"/>
+              <a:latin typeface="DejaVu Sans"/>
             </a:endParaRPr>
           </a:p>
           <a:p>
@@ -11856,7 +12467,7 @@
               <a:t>a) no team</a:t>
             </a:r>
             <a:endParaRPr b="0" lang="en-US" sz="1800" spc="-1" strike="noStrike">
-              <a:latin typeface="Arial"/>
+              <a:latin typeface="DejaVu Sans"/>
             </a:endParaRPr>
           </a:p>
           <a:p>
@@ -11885,7 +12496,7 @@
               <a:t>b) no project</a:t>
             </a:r>
             <a:endParaRPr b="0" lang="en-US" sz="1800" spc="-1" strike="noStrike">
-              <a:latin typeface="Arial"/>
+              <a:latin typeface="DejaVu Sans"/>
             </a:endParaRPr>
           </a:p>
           <a:p>
@@ -11914,7 +12525,7 @@
               <a:t>c) no time</a:t>
             </a:r>
             <a:endParaRPr b="0" lang="en-US" sz="1800" spc="-1" strike="noStrike">
-              <a:latin typeface="Arial"/>
+              <a:latin typeface="DejaVu Sans"/>
             </a:endParaRPr>
           </a:p>
           <a:p>
@@ -11943,7 +12554,7 @@
               <a:t>d) not interested</a:t>
             </a:r>
             <a:endParaRPr b="0" lang="en-US" sz="1800" spc="-1" strike="noStrike">
-              <a:latin typeface="Arial"/>
+              <a:latin typeface="DejaVu Sans"/>
             </a:endParaRPr>
           </a:p>
         </p:txBody>
@@ -11987,13 +12598,13 @@
         <p:spPr>
           <a:xfrm>
             <a:off x="335520" y="764640"/>
-            <a:ext cx="10742760" cy="493560"/>
-          </a:xfrm>
-          <a:prstGeom prst="rect">
-            <a:avLst/>
-          </a:prstGeom>
-          <a:noFill/>
-          <a:ln>
+            <a:ext cx="10742400" cy="493200"/>
+          </a:xfrm>
+          <a:prstGeom prst="rect">
+            <a:avLst/>
+          </a:prstGeom>
+          <a:noFill/>
+          <a:ln w="0">
             <a:noFill/>
           </a:ln>
         </p:spPr>
@@ -12004,7 +12615,7 @@
           <a:fontRef idx="minor"/>
         </p:style>
         <p:txBody>
-          <a:bodyPr lIns="90000" rIns="90000" tIns="45000" bIns="45000">
+          <a:bodyPr lIns="90000" rIns="90000" tIns="45000" bIns="45000" anchor="t">
             <a:noAutofit/>
           </a:bodyPr>
           <a:p>
@@ -12012,6 +12623,7 @@
               <a:lnSpc>
                 <a:spcPct val="100000"/>
               </a:lnSpc>
+              <a:buNone/>
             </a:pPr>
             <a:r>
               <a:rPr b="1" lang="en-US" sz="2400" spc="-1" strike="noStrike">
@@ -12024,7 +12636,7 @@
               <a:t>Updated Lecture Plan</a:t>
             </a:r>
             <a:endParaRPr b="0" lang="en-US" sz="2400" spc="-1" strike="noStrike">
-              <a:latin typeface="Arial"/>
+              <a:latin typeface="DejaVu Sans"/>
             </a:endParaRPr>
           </a:p>
         </p:txBody>
@@ -12038,13 +12650,13 @@
         <p:spPr>
           <a:xfrm>
             <a:off x="335520" y="1268640"/>
-            <a:ext cx="10742760" cy="5030280"/>
-          </a:xfrm>
-          <a:prstGeom prst="rect">
-            <a:avLst/>
-          </a:prstGeom>
-          <a:noFill/>
-          <a:ln>
+            <a:ext cx="10742400" cy="5029920"/>
+          </a:xfrm>
+          <a:prstGeom prst="rect">
+            <a:avLst/>
+          </a:prstGeom>
+          <a:noFill/>
+          <a:ln w="0">
             <a:noFill/>
           </a:ln>
         </p:spPr>
@@ -12084,7 +12696,7 @@
               <a:t>20.04.2022 → Organization + Introduction</a:t>
             </a:r>
             <a:endParaRPr b="0" lang="en-US" sz="1800" spc="-1" strike="noStrike">
-              <a:latin typeface="Arial"/>
+              <a:latin typeface="DejaVu Sans"/>
             </a:endParaRPr>
           </a:p>
           <a:p>
@@ -12113,7 +12725,7 @@
               <a:t>27.04.2022 → Emerging Technologies for the Circular Economy I</a:t>
             </a:r>
             <a:endParaRPr b="0" lang="en-US" sz="1800" spc="-1" strike="noStrike">
-              <a:latin typeface="Arial"/>
+              <a:latin typeface="DejaVu Sans"/>
             </a:endParaRPr>
           </a:p>
           <a:p>
@@ -12142,7 +12754,7 @@
               <a:t>04.05.2022 → Emerging Technologies for the Circular Economy II</a:t>
             </a:r>
             <a:endParaRPr b="0" lang="en-US" sz="1800" spc="-1" strike="noStrike">
-              <a:latin typeface="Arial"/>
+              <a:latin typeface="DejaVu Sans"/>
             </a:endParaRPr>
           </a:p>
           <a:p>
@@ -12171,7 +12783,7 @@
               <a:t>11.05.2022 → Introduction to the Internet of Things</a:t>
             </a:r>
             <a:endParaRPr b="0" lang="en-US" sz="1800" spc="-1" strike="noStrike">
-              <a:latin typeface="Arial"/>
+              <a:latin typeface="DejaVu Sans"/>
             </a:endParaRPr>
           </a:p>
           <a:p>
@@ -12197,20 +12809,10 @@
                 <a:latin typeface="DejaVu Sans"/>
                 <a:ea typeface="DejaVu Sans"/>
               </a:rPr>
-              <a:t>18.05.2022 → Internet of Things – Communication </a:t>
-            </a:r>
-            <a:r>
-              <a:rPr b="0" lang="en-US" sz="1800" spc="-1" strike="noStrike">
-                <a:solidFill>
-                  <a:srgbClr val="000000"/>
-                </a:solidFill>
-                <a:latin typeface="DejaVu Sans"/>
-                <a:ea typeface="DejaVu Sans"/>
-              </a:rPr>
-              <a:t>+ Privacy and Security</a:t>
-            </a:r>
-            <a:endParaRPr b="0" lang="en-US" sz="1800" spc="-1" strike="noStrike">
-              <a:latin typeface="Arial"/>
+              <a:t>18.05.2022 → Internet of Things – Communication + Privacy and Security</a:t>
+            </a:r>
+            <a:endParaRPr b="0" lang="en-US" sz="1800" spc="-1" strike="noStrike">
+              <a:latin typeface="DejaVu Sans"/>
             </a:endParaRPr>
           </a:p>
           <a:p>
@@ -12239,7 +12841,7 @@
               <a:t>25.05.2022 → Internet of Things – Cloud and BigData</a:t>
             </a:r>
             <a:endParaRPr b="0" lang="en-US" sz="1800" spc="-1" strike="noStrike">
-              <a:latin typeface="Arial"/>
+              <a:latin typeface="DejaVu Sans"/>
             </a:endParaRPr>
           </a:p>
           <a:p>
@@ -12268,7 +12870,7 @@
               <a:t>01.06.2022 → Introduction to Blockchain Technology</a:t>
             </a:r>
             <a:endParaRPr b="0" lang="en-US" sz="1800" spc="-1" strike="noStrike">
-              <a:latin typeface="Arial"/>
+              <a:latin typeface="DejaVu Sans"/>
             </a:endParaRPr>
           </a:p>
           <a:p>
@@ -12297,7 +12899,7 @@
               <a:t>15.06.2022 → Blockchain Technology – Consensus</a:t>
             </a:r>
             <a:endParaRPr b="0" lang="en-US" sz="1800" spc="-1" strike="noStrike">
-              <a:latin typeface="Arial"/>
+              <a:latin typeface="DejaVu Sans"/>
             </a:endParaRPr>
           </a:p>
           <a:p>
@@ -12326,7 +12928,7 @@
               <a:t>22.06.2022 → Blockchain Technology – Ethereum and Smart Contracts Part 1</a:t>
             </a:r>
             <a:endParaRPr b="0" lang="en-US" sz="1800" spc="-1" strike="noStrike">
-              <a:latin typeface="Arial"/>
+              <a:latin typeface="DejaVu Sans"/>
             </a:endParaRPr>
           </a:p>
           <a:p>
@@ -12355,7 +12957,7 @@
               <a:t>29.06.2022 → Blockchain Technology – Ethereum and Smart Contracts Part 2</a:t>
             </a:r>
             <a:endParaRPr b="0" lang="en-US" sz="1800" spc="-1" strike="noStrike">
-              <a:latin typeface="Arial"/>
+              <a:latin typeface="DejaVu Sans"/>
             </a:endParaRPr>
           </a:p>
           <a:p>
@@ -12384,7 +12986,7 @@
               <a:t>06.07.2022 → Invited speaker → Dr. Uli Gallersdörfer (TU Munich)</a:t>
             </a:r>
             <a:endParaRPr b="0" lang="en-US" sz="1800" spc="-1" strike="noStrike">
-              <a:latin typeface="Arial"/>
+              <a:latin typeface="DejaVu Sans"/>
             </a:endParaRPr>
           </a:p>
           <a:p>
@@ -12413,7 +13015,7 @@
               <a:t>13.07.2022 → Invited speaker → Prof. Dr. Steffen Herbold (TU Clausthal)</a:t>
             </a:r>
             <a:endParaRPr b="0" lang="en-US" sz="1800" spc="-1" strike="noStrike">
-              <a:latin typeface="Arial"/>
+              <a:latin typeface="DejaVu Sans"/>
             </a:endParaRPr>
           </a:p>
           <a:p>
@@ -12442,7 +13044,7 @@
               <a:t>20.07.2022 → Blockchain Technology and Sustainability</a:t>
             </a:r>
             <a:endParaRPr b="0" lang="en-US" sz="1800" spc="-1" strike="noStrike">
-              <a:latin typeface="Arial"/>
+              <a:latin typeface="DejaVu Sans"/>
             </a:endParaRPr>
           </a:p>
           <a:p>
@@ -12471,7 +13073,7 @@
               <a:t>27.07.2022 → The Machine-to-Everything Economy – A step towards the CE 2.0?</a:t>
             </a:r>
             <a:endParaRPr b="0" lang="en-US" sz="1800" spc="-1" strike="noStrike">
-              <a:latin typeface="Arial"/>
+              <a:latin typeface="DejaVu Sans"/>
             </a:endParaRPr>
           </a:p>
         </p:txBody>
@@ -12515,13 +13117,13 @@
         <p:spPr>
           <a:xfrm>
             <a:off x="335520" y="4406760"/>
-            <a:ext cx="10747800" cy="1356840"/>
-          </a:xfrm>
-          <a:prstGeom prst="rect">
-            <a:avLst/>
-          </a:prstGeom>
-          <a:noFill/>
-          <a:ln>
+            <a:ext cx="10747440" cy="1356480"/>
+          </a:xfrm>
+          <a:prstGeom prst="rect">
+            <a:avLst/>
+          </a:prstGeom>
+          <a:noFill/>
+          <a:ln w="0">
             <a:noFill/>
           </a:ln>
         </p:spPr>
@@ -12532,7 +13134,7 @@
           <a:fontRef idx="minor"/>
         </p:style>
         <p:txBody>
-          <a:bodyPr lIns="90000" rIns="90000" tIns="45000" bIns="45000">
+          <a:bodyPr lIns="90000" rIns="90000" tIns="45000" bIns="45000" anchor="t">
             <a:noAutofit/>
           </a:bodyPr>
           <a:p>
@@ -12540,6 +13142,7 @@
               <a:lnSpc>
                 <a:spcPct val="100000"/>
               </a:lnSpc>
+              <a:buNone/>
               <a:tabLst>
                 <a:tab algn="l" pos="408240"/>
               </a:tabLst>
@@ -12555,7 +13158,7 @@
               <a:t>COMMUNICATIONS</a:t>
             </a:r>
             <a:endParaRPr b="0" lang="en-US" sz="3000" spc="-1" strike="noStrike">
-              <a:latin typeface="Arial"/>
+              <a:latin typeface="DejaVu Sans"/>
             </a:endParaRPr>
           </a:p>
         </p:txBody>
@@ -12569,13 +13172,13 @@
         <p:spPr>
           <a:xfrm>
             <a:off x="335520" y="2906640"/>
-            <a:ext cx="10747800" cy="1494720"/>
-          </a:xfrm>
-          <a:prstGeom prst="rect">
-            <a:avLst/>
-          </a:prstGeom>
-          <a:noFill/>
-          <a:ln>
+            <a:ext cx="10747440" cy="1494360"/>
+          </a:xfrm>
+          <a:prstGeom prst="rect">
+            <a:avLst/>
+          </a:prstGeom>
+          <a:noFill/>
+          <a:ln w="0">
             <a:noFill/>
           </a:ln>
         </p:spPr>
@@ -12625,13 +13228,13 @@
         <p:spPr>
           <a:xfrm>
             <a:off x="335520" y="764640"/>
-            <a:ext cx="10747800" cy="498600"/>
-          </a:xfrm>
-          <a:prstGeom prst="rect">
-            <a:avLst/>
-          </a:prstGeom>
-          <a:noFill/>
-          <a:ln>
+            <a:ext cx="10747440" cy="498240"/>
+          </a:xfrm>
+          <a:prstGeom prst="rect">
+            <a:avLst/>
+          </a:prstGeom>
+          <a:noFill/>
+          <a:ln w="0">
             <a:noFill/>
           </a:ln>
         </p:spPr>
@@ -12642,7 +13245,7 @@
           <a:fontRef idx="minor"/>
         </p:style>
         <p:txBody>
-          <a:bodyPr lIns="90000" rIns="90000" tIns="45000" bIns="45000">
+          <a:bodyPr lIns="90000" rIns="90000" tIns="45000" bIns="45000" anchor="t">
             <a:noAutofit/>
           </a:bodyPr>
           <a:p>
@@ -12650,6 +13253,7 @@
               <a:lnSpc>
                 <a:spcPct val="100000"/>
               </a:lnSpc>
+              <a:buNone/>
               <a:tabLst>
                 <a:tab algn="l" pos="408240"/>
               </a:tabLst>
@@ -12665,7 +13269,7 @@
               <a:t>Overview</a:t>
             </a:r>
             <a:endParaRPr b="0" lang="en-US" sz="2400" spc="-1" strike="noStrike">
-              <a:latin typeface="Arial"/>
+              <a:latin typeface="DejaVu Sans"/>
             </a:endParaRPr>
           </a:p>
         </p:txBody>
@@ -12683,12 +13287,12 @@
         <p:spPr>
           <a:xfrm>
             <a:off x="1656360" y="1202400"/>
-            <a:ext cx="8534160" cy="5204160"/>
-          </a:xfrm>
-          <a:prstGeom prst="rect">
-            <a:avLst/>
-          </a:prstGeom>
-          <a:ln>
+            <a:ext cx="8533800" cy="5203800"/>
+          </a:xfrm>
+          <a:prstGeom prst="rect">
+            <a:avLst/>
+          </a:prstGeom>
+          <a:ln w="0">
             <a:noFill/>
           </a:ln>
         </p:spPr>
@@ -12732,13 +13336,13 @@
         <p:spPr>
           <a:xfrm>
             <a:off x="335520" y="764640"/>
-            <a:ext cx="10747800" cy="498600"/>
-          </a:xfrm>
-          <a:prstGeom prst="rect">
-            <a:avLst/>
-          </a:prstGeom>
-          <a:noFill/>
-          <a:ln>
+            <a:ext cx="10747440" cy="498240"/>
+          </a:xfrm>
+          <a:prstGeom prst="rect">
+            <a:avLst/>
+          </a:prstGeom>
+          <a:noFill/>
+          <a:ln w="0">
             <a:noFill/>
           </a:ln>
         </p:spPr>
@@ -12749,7 +13353,7 @@
           <a:fontRef idx="minor"/>
         </p:style>
         <p:txBody>
-          <a:bodyPr lIns="90000" rIns="90000" tIns="45000" bIns="45000">
+          <a:bodyPr lIns="90000" rIns="90000" tIns="45000" bIns="45000" anchor="t">
             <a:noAutofit/>
           </a:bodyPr>
           <a:p>
@@ -12757,6 +13361,7 @@
               <a:lnSpc>
                 <a:spcPct val="100000"/>
               </a:lnSpc>
+              <a:buNone/>
               <a:tabLst>
                 <a:tab algn="l" pos="408240"/>
               </a:tabLst>
@@ -12772,7 +13377,7 @@
               <a:t>Different ranges, different standards</a:t>
             </a:r>
             <a:endParaRPr b="0" lang="en-US" sz="2400" spc="-1" strike="noStrike">
-              <a:latin typeface="Arial"/>
+              <a:latin typeface="DejaVu Sans"/>
             </a:endParaRPr>
           </a:p>
         </p:txBody>
@@ -12786,13 +13391,13 @@
         <p:spPr>
           <a:xfrm>
             <a:off x="914400" y="6400800"/>
-            <a:ext cx="9139680" cy="323640"/>
-          </a:xfrm>
-          <a:prstGeom prst="rect">
-            <a:avLst/>
-          </a:prstGeom>
-          <a:noFill/>
-          <a:ln>
+            <a:ext cx="9139320" cy="323280"/>
+          </a:xfrm>
+          <a:prstGeom prst="rect">
+            <a:avLst/>
+          </a:prstGeom>
+          <a:noFill/>
+          <a:ln w="0">
             <a:noFill/>
           </a:ln>
         </p:spPr>
@@ -12803,7 +13408,7 @@
           <a:fontRef idx="minor"/>
         </p:style>
         <p:txBody>
-          <a:bodyPr lIns="90000" rIns="90000" tIns="45000" bIns="45000">
+          <a:bodyPr lIns="90000" rIns="90000" tIns="45000" bIns="45000" anchor="t">
             <a:noAutofit/>
           </a:bodyPr>
           <a:p>
@@ -12811,6 +13416,7 @@
               <a:lnSpc>
                 <a:spcPct val="100000"/>
               </a:lnSpc>
+              <a:buNone/>
               <a:tabLst>
                 <a:tab algn="l" pos="408240"/>
               </a:tabLst>
@@ -12836,7 +13442,7 @@
               <a:t>Techniques/ Modules for Internet of Things (IoT) Applications”, January 2016, Advances in Internet of Things 06(02):19-29, DOI:10.4236/ait.2016.62002</a:t>
             </a:r>
             <a:endParaRPr b="0" lang="en-US" sz="800" spc="-1" strike="noStrike">
-              <a:latin typeface="Arial"/>
+              <a:latin typeface="DejaVu Sans"/>
             </a:endParaRPr>
           </a:p>
         </p:txBody>
@@ -12854,12 +13460,12 @@
         <p:spPr>
           <a:xfrm>
             <a:off x="1035000" y="1227600"/>
-            <a:ext cx="8712000" cy="5171400"/>
-          </a:xfrm>
-          <a:prstGeom prst="rect">
-            <a:avLst/>
-          </a:prstGeom>
-          <a:ln>
+            <a:ext cx="8711640" cy="5171040"/>
+          </a:xfrm>
+          <a:prstGeom prst="rect">
+            <a:avLst/>
+          </a:prstGeom>
+          <a:ln w="0">
             <a:noFill/>
           </a:ln>
         </p:spPr>
@@ -12903,13 +13509,13 @@
         <p:spPr>
           <a:xfrm>
             <a:off x="335520" y="4406760"/>
-            <a:ext cx="10747800" cy="1356840"/>
-          </a:xfrm>
-          <a:prstGeom prst="rect">
-            <a:avLst/>
-          </a:prstGeom>
-          <a:noFill/>
-          <a:ln>
+            <a:ext cx="10747440" cy="1356480"/>
+          </a:xfrm>
+          <a:prstGeom prst="rect">
+            <a:avLst/>
+          </a:prstGeom>
+          <a:noFill/>
+          <a:ln w="0">
             <a:noFill/>
           </a:ln>
         </p:spPr>
@@ -12920,7 +13526,7 @@
           <a:fontRef idx="minor"/>
         </p:style>
         <p:txBody>
-          <a:bodyPr lIns="90000" rIns="90000" tIns="45000" bIns="45000">
+          <a:bodyPr lIns="90000" rIns="90000" tIns="45000" bIns="45000" anchor="t">
             <a:noAutofit/>
           </a:bodyPr>
           <a:p>
@@ -12928,6 +13534,7 @@
               <a:lnSpc>
                 <a:spcPct val="100000"/>
               </a:lnSpc>
+              <a:buNone/>
               <a:tabLst>
                 <a:tab algn="l" pos="408240"/>
               </a:tabLst>
@@ -12943,7 +13550,7 @@
               <a:t>WPAN</a:t>
             </a:r>
             <a:endParaRPr b="0" lang="en-US" sz="3000" spc="-1" strike="noStrike">
-              <a:latin typeface="Arial"/>
+              <a:latin typeface="DejaVu Sans"/>
             </a:endParaRPr>
           </a:p>
         </p:txBody>
@@ -12957,13 +13564,13 @@
         <p:spPr>
           <a:xfrm>
             <a:off x="335520" y="2906640"/>
-            <a:ext cx="10747800" cy="1494720"/>
-          </a:xfrm>
-          <a:prstGeom prst="rect">
-            <a:avLst/>
-          </a:prstGeom>
-          <a:noFill/>
-          <a:ln>
+            <a:ext cx="10747440" cy="1494360"/>
+          </a:xfrm>
+          <a:prstGeom prst="rect">
+            <a:avLst/>
+          </a:prstGeom>
+          <a:noFill/>
+          <a:ln w="0">
             <a:noFill/>
           </a:ln>
         </p:spPr>

--- a/Emerging-Technologies-for-the-Circular-Economy/ETCE-L05a-IoT-Communications.pptx
+++ b/Emerging-Technologies-for-the-Circular-Economy/ETCE-L05a-IoT-Communications.pptx
@@ -4642,7 +4642,7 @@
         <p:spPr>
           <a:xfrm>
             <a:off x="11444760" y="0"/>
-            <a:ext cx="743400" cy="6852240"/>
+            <a:ext cx="743040" cy="6851880"/>
           </a:xfrm>
           <a:prstGeom prst="rect">
             <a:avLst/>
@@ -4672,7 +4672,7 @@
         <p:spPr>
           <a:xfrm>
             <a:off x="11438640" y="6453360"/>
-            <a:ext cx="760320" cy="363960"/>
+            <a:ext cx="759960" cy="363960"/>
           </a:xfrm>
           <a:prstGeom prst="rect">
             <a:avLst/>
@@ -4702,7 +4702,7 @@
                 <a:tab algn="l" pos="408240"/>
               </a:tabLst>
             </a:pPr>
-            <a:fld id="{05CC4F8D-10CB-4AE5-90FA-E4A400180AD7}" type="slidenum">
+            <a:fld id="{8F47D7AF-F92A-454D-B520-DC9D5FC753A5}" type="slidenum">
               <a:rPr b="0" lang="en-US" sz="1800" spc="-1" strike="noStrike">
                 <a:solidFill>
                   <a:srgbClr val="808080"/>
@@ -4727,7 +4727,7 @@
         <p:spPr>
           <a:xfrm>
             <a:off x="912240" y="1268280"/>
-            <a:ext cx="9210240" cy="363600"/>
+            <a:ext cx="9209880" cy="363240"/>
           </a:xfrm>
           <a:prstGeom prst="rect">
             <a:avLst/>
@@ -4757,7 +4757,7 @@
         <p:spPr>
           <a:xfrm>
             <a:off x="0" y="0"/>
-            <a:ext cx="3054240" cy="564120"/>
+            <a:ext cx="3053880" cy="563760"/>
           </a:xfrm>
           <a:prstGeom prst="rect">
             <a:avLst/>
@@ -4780,7 +4780,7 @@
         <p:spPr>
           <a:xfrm>
             <a:off x="7430400" y="134640"/>
-            <a:ext cx="3700080" cy="516240"/>
+            <a:ext cx="3699720" cy="515880"/>
           </a:xfrm>
           <a:prstGeom prst="rect">
             <a:avLst/>
@@ -4799,7 +4799,7 @@
         <p:spPr>
           <a:xfrm>
             <a:off x="912240" y="1268280"/>
-            <a:ext cx="9210240" cy="363600"/>
+            <a:ext cx="9209880" cy="363240"/>
           </a:xfrm>
           <a:prstGeom prst="rect">
             <a:avLst/>
@@ -4825,7 +4825,7 @@
         <p:spPr>
           <a:xfrm>
             <a:off x="11444760" y="0"/>
-            <a:ext cx="743400" cy="6852240"/>
+            <a:ext cx="743040" cy="6851880"/>
           </a:xfrm>
           <a:prstGeom prst="rect">
             <a:avLst/>
@@ -4855,7 +4855,7 @@
         <p:spPr>
           <a:xfrm>
             <a:off x="0" y="6642720"/>
-            <a:ext cx="12184920" cy="211320"/>
+            <a:ext cx="12184560" cy="211320"/>
           </a:xfrm>
           <a:prstGeom prst="rect">
             <a:avLst/>
@@ -5200,7 +5200,7 @@
         <p:spPr>
           <a:xfrm>
             <a:off x="11444760" y="0"/>
-            <a:ext cx="743400" cy="6852240"/>
+            <a:ext cx="743040" cy="6851880"/>
           </a:xfrm>
           <a:prstGeom prst="rect">
             <a:avLst/>
@@ -5230,7 +5230,7 @@
         <p:spPr>
           <a:xfrm>
             <a:off x="11438640" y="6453360"/>
-            <a:ext cx="760320" cy="363960"/>
+            <a:ext cx="759960" cy="363960"/>
           </a:xfrm>
           <a:prstGeom prst="rect">
             <a:avLst/>
@@ -5260,7 +5260,7 @@
                 <a:tab algn="l" pos="408240"/>
               </a:tabLst>
             </a:pPr>
-            <a:fld id="{42CBA020-207F-424A-BAE1-CB86536CC586}" type="slidenum">
+            <a:fld id="{3CC82EE1-7C29-49CC-BC0C-10AF60AD452F}" type="slidenum">
               <a:rPr b="0" lang="en-US" sz="1800" spc="-1" strike="noStrike">
                 <a:solidFill>
                   <a:srgbClr val="808080"/>
@@ -5285,7 +5285,7 @@
         <p:spPr>
           <a:xfrm>
             <a:off x="912240" y="1268280"/>
-            <a:ext cx="9210240" cy="363600"/>
+            <a:ext cx="9209880" cy="363240"/>
           </a:xfrm>
           <a:prstGeom prst="rect">
             <a:avLst/>
@@ -5315,7 +5315,7 @@
         <p:spPr>
           <a:xfrm>
             <a:off x="0" y="0"/>
-            <a:ext cx="3054240" cy="564120"/>
+            <a:ext cx="3053880" cy="563760"/>
           </a:xfrm>
           <a:prstGeom prst="rect">
             <a:avLst/>
@@ -5338,7 +5338,7 @@
         <p:spPr>
           <a:xfrm>
             <a:off x="7430400" y="134640"/>
-            <a:ext cx="3700080" cy="516240"/>
+            <a:ext cx="3699720" cy="515880"/>
           </a:xfrm>
           <a:prstGeom prst="rect">
             <a:avLst/>
@@ -5357,7 +5357,7 @@
         <p:spPr>
           <a:xfrm>
             <a:off x="11444760" y="0"/>
-            <a:ext cx="743400" cy="6852240"/>
+            <a:ext cx="743040" cy="6851880"/>
           </a:xfrm>
           <a:prstGeom prst="rect">
             <a:avLst/>
@@ -5387,7 +5387,7 @@
         <p:spPr>
           <a:xfrm>
             <a:off x="11438640" y="6453360"/>
-            <a:ext cx="760320" cy="363960"/>
+            <a:ext cx="759960" cy="363960"/>
           </a:xfrm>
           <a:prstGeom prst="rect">
             <a:avLst/>
@@ -5417,7 +5417,7 @@
                 <a:tab algn="l" pos="408240"/>
               </a:tabLst>
             </a:pPr>
-            <a:fld id="{87D4FDE6-4556-4282-9783-3DC47A86DF80}" type="slidenum">
+            <a:fld id="{E58BAF38-1087-4EF2-A7A5-26E718E47F6F}" type="slidenum">
               <a:rPr b="0" lang="en-US" sz="1800" spc="-1" strike="noStrike">
                 <a:solidFill>
                   <a:srgbClr val="808080"/>
@@ -5442,7 +5442,7 @@
         <p:spPr>
           <a:xfrm>
             <a:off x="0" y="6642720"/>
-            <a:ext cx="12184920" cy="211320"/>
+            <a:ext cx="12184560" cy="211320"/>
           </a:xfrm>
           <a:prstGeom prst="rect">
             <a:avLst/>
@@ -5787,7 +5787,7 @@
         <p:spPr>
           <a:xfrm>
             <a:off x="11444760" y="0"/>
-            <a:ext cx="743400" cy="6852240"/>
+            <a:ext cx="743040" cy="6851880"/>
           </a:xfrm>
           <a:prstGeom prst="rect">
             <a:avLst/>
@@ -5817,7 +5817,7 @@
         <p:spPr>
           <a:xfrm>
             <a:off x="11438640" y="6453360"/>
-            <a:ext cx="760320" cy="363960"/>
+            <a:ext cx="759960" cy="363960"/>
           </a:xfrm>
           <a:prstGeom prst="rect">
             <a:avLst/>
@@ -5847,7 +5847,7 @@
                 <a:tab algn="l" pos="408240"/>
               </a:tabLst>
             </a:pPr>
-            <a:fld id="{DCAAB0BF-BE07-4462-8C3A-F65C9A3297B6}" type="slidenum">
+            <a:fld id="{9EDC971B-3EA8-454C-9010-CB1F29D555F7}" type="slidenum">
               <a:rPr b="0" lang="en-US" sz="1800" spc="-1" strike="noStrike">
                 <a:solidFill>
                   <a:srgbClr val="808080"/>
@@ -5872,7 +5872,7 @@
         <p:spPr>
           <a:xfrm>
             <a:off x="912240" y="1268280"/>
-            <a:ext cx="9210240" cy="363600"/>
+            <a:ext cx="9209880" cy="363240"/>
           </a:xfrm>
           <a:prstGeom prst="rect">
             <a:avLst/>
@@ -5902,7 +5902,7 @@
         <p:spPr>
           <a:xfrm>
             <a:off x="0" y="0"/>
-            <a:ext cx="3054240" cy="564120"/>
+            <a:ext cx="3053880" cy="563760"/>
           </a:xfrm>
           <a:prstGeom prst="rect">
             <a:avLst/>
@@ -5925,7 +5925,7 @@
         <p:spPr>
           <a:xfrm>
             <a:off x="7430400" y="134640"/>
-            <a:ext cx="3700080" cy="516240"/>
+            <a:ext cx="3699720" cy="515880"/>
           </a:xfrm>
           <a:prstGeom prst="rect">
             <a:avLst/>
@@ -5944,7 +5944,7 @@
         <p:spPr>
           <a:xfrm>
             <a:off x="11444760" y="0"/>
-            <a:ext cx="743400" cy="6852240"/>
+            <a:ext cx="743040" cy="6851880"/>
           </a:xfrm>
           <a:prstGeom prst="rect">
             <a:avLst/>
@@ -5974,7 +5974,7 @@
         <p:spPr>
           <a:xfrm>
             <a:off x="11438640" y="6453360"/>
-            <a:ext cx="760320" cy="363960"/>
+            <a:ext cx="759960" cy="363960"/>
           </a:xfrm>
           <a:prstGeom prst="rect">
             <a:avLst/>
@@ -6004,7 +6004,7 @@
                 <a:tab algn="l" pos="408240"/>
               </a:tabLst>
             </a:pPr>
-            <a:fld id="{D3BA9CEC-B934-4117-9175-3502D31B5E6E}" type="slidenum">
+            <a:fld id="{F3C4FA4C-52D1-4DBD-B3C3-F26F40CC5554}" type="slidenum">
               <a:rPr b="0" lang="en-US" sz="1800" spc="-1" strike="noStrike">
                 <a:solidFill>
                   <a:srgbClr val="808080"/>
@@ -6029,7 +6029,7 @@
         <p:spPr>
           <a:xfrm>
             <a:off x="0" y="6642720"/>
-            <a:ext cx="12184920" cy="211320"/>
+            <a:ext cx="12184560" cy="211320"/>
           </a:xfrm>
           <a:prstGeom prst="rect">
             <a:avLst/>
@@ -6367,7 +6367,7 @@
         <p:spPr>
           <a:xfrm>
             <a:off x="527400" y="1412640"/>
-            <a:ext cx="10363320" cy="1149840"/>
+            <a:ext cx="10362960" cy="1149480"/>
           </a:xfrm>
           <a:prstGeom prst="rect">
             <a:avLst/>
@@ -6422,7 +6422,7 @@
         <p:spPr>
           <a:xfrm>
             <a:off x="527400" y="2852640"/>
-            <a:ext cx="10363320" cy="2370600"/>
+            <a:ext cx="10362960" cy="2370240"/>
           </a:xfrm>
           <a:prstGeom prst="rect">
             <a:avLst/>
@@ -6652,7 +6652,7 @@
         <p:spPr>
           <a:xfrm>
             <a:off x="335520" y="764640"/>
-            <a:ext cx="10747440" cy="498240"/>
+            <a:ext cx="10747080" cy="497880"/>
           </a:xfrm>
           <a:prstGeom prst="rect">
             <a:avLst/>
@@ -6707,7 +6707,7 @@
         <p:spPr>
           <a:xfrm>
             <a:off x="457200" y="1371600"/>
-            <a:ext cx="10785240" cy="3669120"/>
+            <a:ext cx="10784880" cy="3668760"/>
           </a:xfrm>
           <a:prstGeom prst="rect">
             <a:avLst/>
@@ -7104,7 +7104,7 @@
         <p:spPr>
           <a:xfrm>
             <a:off x="335520" y="764640"/>
-            <a:ext cx="10747440" cy="498240"/>
+            <a:ext cx="10747080" cy="497880"/>
           </a:xfrm>
           <a:prstGeom prst="rect">
             <a:avLst/>
@@ -7159,7 +7159,7 @@
         <p:spPr>
           <a:xfrm>
             <a:off x="457200" y="1371600"/>
-            <a:ext cx="10785240" cy="4692960"/>
+            <a:ext cx="10784880" cy="4692600"/>
           </a:xfrm>
           <a:prstGeom prst="rect">
             <a:avLst/>
@@ -7677,7 +7677,7 @@
         <p:spPr>
           <a:xfrm>
             <a:off x="335520" y="764640"/>
-            <a:ext cx="10747440" cy="498240"/>
+            <a:ext cx="10747080" cy="497880"/>
           </a:xfrm>
           <a:prstGeom prst="rect">
             <a:avLst/>
@@ -7732,7 +7732,7 @@
         <p:spPr>
           <a:xfrm>
             <a:off x="457200" y="1371600"/>
-            <a:ext cx="10785240" cy="3413160"/>
+            <a:ext cx="10784880" cy="3412800"/>
           </a:xfrm>
           <a:prstGeom prst="rect">
             <a:avLst/>
@@ -8125,7 +8125,7 @@
         <p:spPr>
           <a:xfrm>
             <a:off x="335520" y="764640"/>
-            <a:ext cx="10747440" cy="498240"/>
+            <a:ext cx="10747080" cy="497880"/>
           </a:xfrm>
           <a:prstGeom prst="rect">
             <a:avLst/>
@@ -8180,7 +8180,7 @@
         <p:spPr>
           <a:xfrm>
             <a:off x="457200" y="1371600"/>
-            <a:ext cx="10785240" cy="3669120"/>
+            <a:ext cx="10784880" cy="3668760"/>
           </a:xfrm>
           <a:prstGeom prst="rect">
             <a:avLst/>
@@ -8602,7 +8602,7 @@
         <p:spPr>
           <a:xfrm>
             <a:off x="335520" y="764640"/>
-            <a:ext cx="10747440" cy="498240"/>
+            <a:ext cx="10747080" cy="497880"/>
           </a:xfrm>
           <a:prstGeom prst="rect">
             <a:avLst/>
@@ -8657,7 +8657,7 @@
         <p:spPr>
           <a:xfrm>
             <a:off x="457200" y="1371600"/>
-            <a:ext cx="10785240" cy="1877400"/>
+            <a:ext cx="10784880" cy="1877040"/>
           </a:xfrm>
           <a:prstGeom prst="rect">
             <a:avLst/>
@@ -8896,7 +8896,7 @@
         <p:spPr>
           <a:xfrm>
             <a:off x="335520" y="4406760"/>
-            <a:ext cx="10747440" cy="1356480"/>
+            <a:ext cx="10747080" cy="1356120"/>
           </a:xfrm>
           <a:prstGeom prst="rect">
             <a:avLst/>
@@ -8951,7 +8951,7 @@
         <p:spPr>
           <a:xfrm>
             <a:off x="335520" y="2906640"/>
-            <a:ext cx="10747440" cy="1494360"/>
+            <a:ext cx="10747080" cy="1494000"/>
           </a:xfrm>
           <a:prstGeom prst="rect">
             <a:avLst/>
@@ -9007,7 +9007,7 @@
         <p:spPr>
           <a:xfrm>
             <a:off x="335520" y="764640"/>
-            <a:ext cx="10747440" cy="498240"/>
+            <a:ext cx="10747080" cy="497880"/>
           </a:xfrm>
           <a:prstGeom prst="rect">
             <a:avLst/>
@@ -9062,7 +9062,7 @@
         <p:spPr>
           <a:xfrm>
             <a:off x="457200" y="1371600"/>
-            <a:ext cx="10785240" cy="1877400"/>
+            <a:ext cx="10784880" cy="1877040"/>
           </a:xfrm>
           <a:prstGeom prst="rect">
             <a:avLst/>
@@ -9083,7 +9083,7 @@
             <a:noAutofit/>
           </a:bodyPr>
           <a:p>
-            <a:pPr marL="216000" indent="-212760">
+            <a:pPr marL="216000" indent="-216000">
               <a:lnSpc>
                 <a:spcPct val="100000"/>
               </a:lnSpc>
@@ -9091,8 +9091,8 @@
                 <a:srgbClr val="008c4f"/>
               </a:buClr>
               <a:buSzPct val="115000"/>
-              <a:buFont typeface="icomoon"/>
-              <a:buChar char=""/>
+              <a:buFont typeface="Wingdings 2" charset="2"/>
+              <a:buChar char=""/>
               <a:tabLst>
                 <a:tab algn="l" pos="408240"/>
               </a:tabLst>
@@ -9112,7 +9112,7 @@
             </a:endParaRPr>
           </a:p>
           <a:p>
-            <a:pPr marL="216000" indent="-212760">
+            <a:pPr marL="216000" indent="-216000">
               <a:lnSpc>
                 <a:spcPct val="100000"/>
               </a:lnSpc>
@@ -9120,8 +9120,8 @@
                 <a:srgbClr val="008c4f"/>
               </a:buClr>
               <a:buSzPct val="115000"/>
-              <a:buFont typeface="icomoon"/>
-              <a:buChar char=""/>
+              <a:buFont typeface="Wingdings 2" charset="2"/>
+              <a:buChar char=""/>
               <a:tabLst>
                 <a:tab algn="l" pos="408240"/>
               </a:tabLst>
@@ -9141,45 +9141,7 @@
             </a:endParaRPr>
           </a:p>
           <a:p>
-            <a:pPr>
-              <a:lnSpc>
-                <a:spcPct val="100000"/>
-              </a:lnSpc>
-              <a:buNone/>
-              <a:tabLst>
-                <a:tab algn="l" pos="408240"/>
-              </a:tabLst>
-            </a:pPr>
-            <a:endParaRPr b="0" lang="en-US" sz="1800" spc="-1" strike="noStrike">
-              <a:latin typeface="DejaVu Sans"/>
-            </a:endParaRPr>
-          </a:p>
-          <a:p>
-            <a:pPr>
-              <a:lnSpc>
-                <a:spcPct val="100000"/>
-              </a:lnSpc>
-              <a:buNone/>
-              <a:tabLst>
-                <a:tab algn="l" pos="408240"/>
-              </a:tabLst>
-            </a:pPr>
-            <a:r>
-              <a:rPr b="0" lang="en-US" sz="1800" spc="-1" strike="noStrike">
-                <a:solidFill>
-                  <a:srgbClr val="000000"/>
-                </a:solidFill>
-                <a:latin typeface="DejaVu Sans"/>
-                <a:ea typeface="DejaVu Sans"/>
-              </a:rPr>
-              <a:t>Examples:</a:t>
-            </a:r>
-            <a:endParaRPr b="0" lang="en-US" sz="1800" spc="-1" strike="noStrike">
-              <a:latin typeface="DejaVu Sans"/>
-            </a:endParaRPr>
-          </a:p>
-          <a:p>
-            <a:pPr marL="216000" indent="-212760">
+            <a:pPr marL="216000" indent="-216000">
               <a:lnSpc>
                 <a:spcPct val="100000"/>
               </a:lnSpc>
@@ -9187,28 +9149,18 @@
                 <a:srgbClr val="008c4f"/>
               </a:buClr>
               <a:buSzPct val="115000"/>
-              <a:buFont typeface="icomoon"/>
-              <a:buChar char=""/>
-              <a:tabLst>
-                <a:tab algn="l" pos="408240"/>
-              </a:tabLst>
-            </a:pPr>
-            <a:r>
-              <a:rPr b="0" lang="en-US" sz="1800" spc="-1" strike="noStrike">
-                <a:solidFill>
-                  <a:srgbClr val="000000"/>
-                </a:solidFill>
-                <a:latin typeface="DejaVu Sans"/>
-                <a:ea typeface="DejaVu Sans"/>
-              </a:rPr>
-              <a:t>Cellular networks (UMTS/LTE/5G)</a:t>
-            </a:r>
-            <a:endParaRPr b="0" lang="en-US" sz="1800" spc="-1" strike="noStrike">
-              <a:latin typeface="DejaVu Sans"/>
-            </a:endParaRPr>
-          </a:p>
-          <a:p>
-            <a:pPr marL="216000" indent="-212760">
+              <a:buFont typeface="Wingdings 2" charset="2"/>
+              <a:buChar char=""/>
+              <a:tabLst>
+                <a:tab algn="l" pos="408240"/>
+              </a:tabLst>
+            </a:pPr>
+            <a:endParaRPr b="0" lang="en-US" sz="1800" spc="-1" strike="noStrike">
+              <a:latin typeface="DejaVu Sans"/>
+            </a:endParaRPr>
+          </a:p>
+          <a:p>
+            <a:pPr marL="216000" indent="-216000">
               <a:lnSpc>
                 <a:spcPct val="100000"/>
               </a:lnSpc>
@@ -9216,68 +9168,28 @@
                 <a:srgbClr val="008c4f"/>
               </a:buClr>
               <a:buSzPct val="115000"/>
-              <a:buFont typeface="icomoon"/>
-              <a:buChar char=""/>
-              <a:tabLst>
-                <a:tab algn="l" pos="408240"/>
-              </a:tabLst>
-            </a:pPr>
-            <a:r>
-              <a:rPr b="0" lang="en-US" sz="1800" spc="-1" strike="noStrike">
-                <a:solidFill>
-                  <a:srgbClr val="000000"/>
-                </a:solidFill>
-                <a:latin typeface="DejaVu Sans"/>
-                <a:ea typeface="DejaVu Sans"/>
-              </a:rPr>
-              <a:t>LoRa (</a:t>
-            </a:r>
-            <a:r>
-              <a:rPr b="1" lang="en-US" sz="1800" spc="-1" strike="noStrike">
-                <a:solidFill>
-                  <a:srgbClr val="000000"/>
-                </a:solidFill>
-                <a:latin typeface="DejaVu Sans"/>
-                <a:ea typeface="DejaVu Sans"/>
-              </a:rPr>
-              <a:t>Lo</a:t>
-            </a:r>
-            <a:r>
-              <a:rPr b="0" lang="en-US" sz="1800" spc="-1" strike="noStrike">
-                <a:solidFill>
-                  <a:srgbClr val="000000"/>
-                </a:solidFill>
-                <a:latin typeface="DejaVu Sans"/>
-                <a:ea typeface="DejaVu Sans"/>
-              </a:rPr>
-              <a:t>ng </a:t>
-            </a:r>
-            <a:r>
-              <a:rPr b="1" lang="en-US" sz="1800" spc="-1" strike="noStrike">
-                <a:solidFill>
-                  <a:srgbClr val="000000"/>
-                </a:solidFill>
-                <a:latin typeface="DejaVu Sans"/>
-                <a:ea typeface="DejaVu Sans"/>
-              </a:rPr>
-              <a:t>Ra</a:t>
-            </a:r>
-            <a:r>
-              <a:rPr b="0" lang="en-US" sz="1800" spc="-1" strike="noStrike">
-                <a:solidFill>
-                  <a:srgbClr val="000000"/>
-                </a:solidFill>
-                <a:latin typeface="DejaVu Sans"/>
-                <a:ea typeface="DejaVu Sans"/>
-              </a:rPr>
-              <a:t>nge, physical layer), LoRaWAN (MAC layer)</a:t>
-            </a:r>
-            <a:endParaRPr b="0" lang="en-US" sz="1800" spc="-1" strike="noStrike">
-              <a:latin typeface="DejaVu Sans"/>
-            </a:endParaRPr>
-          </a:p>
-          <a:p>
-            <a:pPr marL="216000" indent="-212760">
+              <a:buFont typeface="Wingdings 2" charset="2"/>
+              <a:buChar char=""/>
+              <a:tabLst>
+                <a:tab algn="l" pos="408240"/>
+              </a:tabLst>
+            </a:pPr>
+            <a:r>
+              <a:rPr b="0" lang="en-US" sz="1800" spc="-1" strike="noStrike">
+                <a:solidFill>
+                  <a:srgbClr val="000000"/>
+                </a:solidFill>
+                <a:latin typeface="DejaVu Sans"/>
+                <a:ea typeface="DejaVu Sans"/>
+              </a:rPr>
+              <a:t>Examples:</a:t>
+            </a:r>
+            <a:endParaRPr b="0" lang="en-US" sz="1800" spc="-1" strike="noStrike">
+              <a:latin typeface="DejaVu Sans"/>
+            </a:endParaRPr>
+          </a:p>
+          <a:p>
+            <a:pPr marL="216000" indent="-216000">
               <a:lnSpc>
                 <a:spcPct val="100000"/>
               </a:lnSpc>
@@ -9285,8 +9197,106 @@
                 <a:srgbClr val="008c4f"/>
               </a:buClr>
               <a:buSzPct val="115000"/>
-              <a:buFont typeface="icomoon"/>
-              <a:buChar char=""/>
+              <a:buFont typeface="Wingdings 2" charset="2"/>
+              <a:buChar char=""/>
+              <a:tabLst>
+                <a:tab algn="l" pos="408240"/>
+              </a:tabLst>
+            </a:pPr>
+            <a:r>
+              <a:rPr b="0" lang="en-US" sz="1800" spc="-1" strike="noStrike">
+                <a:solidFill>
+                  <a:srgbClr val="000000"/>
+                </a:solidFill>
+                <a:latin typeface="DejaVu Sans"/>
+                <a:ea typeface="DejaVu Sans"/>
+              </a:rPr>
+              <a:t>Cellular networks (UMTS/LTE/5G)</a:t>
+            </a:r>
+            <a:endParaRPr b="0" lang="en-US" sz="1800" spc="-1" strike="noStrike">
+              <a:latin typeface="DejaVu Sans"/>
+            </a:endParaRPr>
+          </a:p>
+          <a:p>
+            <a:pPr marL="216000" indent="-216000">
+              <a:lnSpc>
+                <a:spcPct val="100000"/>
+              </a:lnSpc>
+              <a:buClr>
+                <a:srgbClr val="008c4f"/>
+              </a:buClr>
+              <a:buSzPct val="115000"/>
+              <a:buFont typeface="Wingdings 2" charset="2"/>
+              <a:buChar char=""/>
+              <a:tabLst>
+                <a:tab algn="l" pos="408240"/>
+              </a:tabLst>
+            </a:pPr>
+            <a:r>
+              <a:rPr b="0" lang="en-US" sz="1800" spc="-1" strike="noStrike">
+                <a:solidFill>
+                  <a:srgbClr val="000000"/>
+                </a:solidFill>
+                <a:latin typeface="DejaVu Sans"/>
+                <a:ea typeface="DejaVu Sans"/>
+              </a:rPr>
+              <a:t>LoRa (</a:t>
+            </a:r>
+            <a:r>
+              <a:rPr b="1" lang="en-US" sz="1800" spc="-1" strike="noStrike">
+                <a:solidFill>
+                  <a:srgbClr val="000000"/>
+                </a:solidFill>
+                <a:latin typeface="DejaVu Sans"/>
+                <a:ea typeface="DejaVu Sans"/>
+              </a:rPr>
+              <a:t>Lo</a:t>
+            </a:r>
+            <a:r>
+              <a:rPr b="0" lang="en-US" sz="1800" spc="-1" strike="noStrike">
+                <a:solidFill>
+                  <a:srgbClr val="000000"/>
+                </a:solidFill>
+                <a:latin typeface="DejaVu Sans"/>
+                <a:ea typeface="DejaVu Sans"/>
+              </a:rPr>
+              <a:t>ng </a:t>
+            </a:r>
+            <a:r>
+              <a:rPr b="1" lang="en-US" sz="1800" spc="-1" strike="noStrike">
+                <a:solidFill>
+                  <a:srgbClr val="000000"/>
+                </a:solidFill>
+                <a:latin typeface="DejaVu Sans"/>
+                <a:ea typeface="DejaVu Sans"/>
+              </a:rPr>
+              <a:t>Ra</a:t>
+            </a:r>
+            <a:r>
+              <a:rPr b="0" lang="en-US" sz="1800" spc="-1" strike="noStrike">
+                <a:solidFill>
+                  <a:srgbClr val="000000"/>
+                </a:solidFill>
+                <a:latin typeface="DejaVu Sans"/>
+                <a:ea typeface="DejaVu Sans"/>
+              </a:rPr>
+              <a:t>nge, physical layer), LoRaWAN (MAC layer)</a:t>
+            </a:r>
+            <a:endParaRPr b="0" lang="en-US" sz="1800" spc="-1" strike="noStrike">
+              <a:latin typeface="DejaVu Sans"/>
+            </a:endParaRPr>
+          </a:p>
+          <a:p>
+            <a:pPr marL="216000" indent="-216000">
+              <a:lnSpc>
+                <a:spcPct val="100000"/>
+              </a:lnSpc>
+              <a:buClr>
+                <a:srgbClr val="008c4f"/>
+              </a:buClr>
+              <a:buSzPct val="115000"/>
+              <a:buFont typeface="Wingdings 2" charset="2"/>
+              <a:buChar char=""/>
               <a:tabLst>
                 <a:tab algn="l" pos="408240"/>
               </a:tabLst>
@@ -9346,7 +9356,7 @@
         <p:spPr>
           <a:xfrm>
             <a:off x="335520" y="764640"/>
-            <a:ext cx="10747440" cy="498240"/>
+            <a:ext cx="10747080" cy="497880"/>
           </a:xfrm>
           <a:prstGeom prst="rect">
             <a:avLst/>
@@ -9401,7 +9411,7 @@
         <p:spPr>
           <a:xfrm>
             <a:off x="457200" y="1371600"/>
-            <a:ext cx="10785240" cy="2133360"/>
+            <a:ext cx="10784880" cy="2133000"/>
           </a:xfrm>
           <a:prstGeom prst="rect">
             <a:avLst/>
@@ -9422,7 +9432,7 @@
             <a:noAutofit/>
           </a:bodyPr>
           <a:p>
-            <a:pPr marL="216000" indent="-212760">
+            <a:pPr marL="216000" indent="-216000">
               <a:lnSpc>
                 <a:spcPct val="100000"/>
               </a:lnSpc>
@@ -9430,8 +9440,8 @@
                 <a:srgbClr val="008c4f"/>
               </a:buClr>
               <a:buSzPct val="115000"/>
-              <a:buFont typeface="icomoon"/>
-              <a:buChar char=""/>
+              <a:buFont typeface="Wingdings 2" charset="2"/>
+              <a:buChar char=""/>
               <a:tabLst>
                 <a:tab algn="l" pos="408240"/>
               </a:tabLst>
@@ -9451,7 +9461,7 @@
             </a:endParaRPr>
           </a:p>
           <a:p>
-            <a:pPr marL="216000" indent="-212760">
+            <a:pPr marL="216000" indent="-216000">
               <a:lnSpc>
                 <a:spcPct val="100000"/>
               </a:lnSpc>
@@ -9459,8 +9469,8 @@
                 <a:srgbClr val="008c4f"/>
               </a:buClr>
               <a:buSzPct val="115000"/>
-              <a:buFont typeface="icomoon"/>
-              <a:buChar char=""/>
+              <a:buFont typeface="Wingdings 2" charset="2"/>
+              <a:buChar char=""/>
               <a:tabLst>
                 <a:tab algn="l" pos="408240"/>
               </a:tabLst>
@@ -9480,7 +9490,7 @@
             </a:endParaRPr>
           </a:p>
           <a:p>
-            <a:pPr marL="216000" indent="-212760">
+            <a:pPr marL="216000" indent="-216000">
               <a:lnSpc>
                 <a:spcPct val="100000"/>
               </a:lnSpc>
@@ -9488,8 +9498,8 @@
                 <a:srgbClr val="008c4f"/>
               </a:buClr>
               <a:buSzPct val="115000"/>
-              <a:buFont typeface="icomoon"/>
-              <a:buChar char=""/>
+              <a:buFont typeface="Wingdings 2" charset="2"/>
+              <a:buChar char=""/>
               <a:tabLst>
                 <a:tab algn="l" pos="408240"/>
               </a:tabLst>
@@ -9509,45 +9519,7 @@
             </a:endParaRPr>
           </a:p>
           <a:p>
-            <a:pPr>
-              <a:lnSpc>
-                <a:spcPct val="100000"/>
-              </a:lnSpc>
-              <a:buNone/>
-              <a:tabLst>
-                <a:tab algn="l" pos="408240"/>
-              </a:tabLst>
-            </a:pPr>
-            <a:endParaRPr b="0" lang="en-US" sz="1800" spc="-1" strike="noStrike">
-              <a:latin typeface="DejaVu Sans"/>
-            </a:endParaRPr>
-          </a:p>
-          <a:p>
-            <a:pPr>
-              <a:lnSpc>
-                <a:spcPct val="100000"/>
-              </a:lnSpc>
-              <a:buNone/>
-              <a:tabLst>
-                <a:tab algn="l" pos="408240"/>
-              </a:tabLst>
-            </a:pPr>
-            <a:r>
-              <a:rPr b="0" lang="en-US" sz="1800" spc="-1" strike="noStrike">
-                <a:solidFill>
-                  <a:srgbClr val="000000"/>
-                </a:solidFill>
-                <a:latin typeface="DejaVu Sans"/>
-                <a:ea typeface="DejaVu Sans"/>
-              </a:rPr>
-              <a:t>Network planning</a:t>
-            </a:r>
-            <a:endParaRPr b="0" lang="en-US" sz="1800" spc="-1" strike="noStrike">
-              <a:latin typeface="DejaVu Sans"/>
-            </a:endParaRPr>
-          </a:p>
-          <a:p>
-            <a:pPr marL="216000" indent="-212760">
+            <a:pPr marL="216000" indent="-216000">
               <a:lnSpc>
                 <a:spcPct val="100000"/>
               </a:lnSpc>
@@ -9555,28 +9527,18 @@
                 <a:srgbClr val="008c4f"/>
               </a:buClr>
               <a:buSzPct val="115000"/>
-              <a:buFont typeface="icomoon"/>
-              <a:buChar char=""/>
-              <a:tabLst>
-                <a:tab algn="l" pos="408240"/>
-              </a:tabLst>
-            </a:pPr>
-            <a:r>
-              <a:rPr b="0" lang="en-US" sz="1800" spc="-1" strike="noStrike">
-                <a:solidFill>
-                  <a:srgbClr val="000000"/>
-                </a:solidFill>
-                <a:latin typeface="DejaVu Sans"/>
-                <a:ea typeface="DejaVu Sans"/>
-              </a:rPr>
-              <a:t>Space division multiple access</a:t>
-            </a:r>
-            <a:endParaRPr b="0" lang="en-US" sz="1800" spc="-1" strike="noStrike">
-              <a:latin typeface="DejaVu Sans"/>
-            </a:endParaRPr>
-          </a:p>
-          <a:p>
-            <a:pPr marL="216000" indent="-212760">
+              <a:buFont typeface="Wingdings 2" charset="2"/>
+              <a:buChar char=""/>
+              <a:tabLst>
+                <a:tab algn="l" pos="408240"/>
+              </a:tabLst>
+            </a:pPr>
+            <a:endParaRPr b="0" lang="en-US" sz="1800" spc="-1" strike="noStrike">
+              <a:latin typeface="DejaVu Sans"/>
+            </a:endParaRPr>
+          </a:p>
+          <a:p>
+            <a:pPr marL="216000" indent="-216000">
               <a:lnSpc>
                 <a:spcPct val="100000"/>
               </a:lnSpc>
@@ -9584,28 +9546,28 @@
                 <a:srgbClr val="008c4f"/>
               </a:buClr>
               <a:buSzPct val="115000"/>
-              <a:buFont typeface="icomoon"/>
-              <a:buChar char=""/>
-              <a:tabLst>
-                <a:tab algn="l" pos="408240"/>
-              </a:tabLst>
-            </a:pPr>
-            <a:r>
-              <a:rPr b="0" lang="en-US" sz="1800" spc="-1" strike="noStrike">
-                <a:solidFill>
-                  <a:srgbClr val="000000"/>
-                </a:solidFill>
-                <a:latin typeface="DejaVu Sans"/>
-                <a:ea typeface="DejaVu Sans"/>
-              </a:rPr>
-              <a:t>Minimize interference</a:t>
-            </a:r>
-            <a:endParaRPr b="0" lang="en-US" sz="1800" spc="-1" strike="noStrike">
-              <a:latin typeface="DejaVu Sans"/>
-            </a:endParaRPr>
-          </a:p>
-          <a:p>
-            <a:pPr marL="216000" indent="-212760">
+              <a:buFont typeface="Wingdings 2" charset="2"/>
+              <a:buChar char=""/>
+              <a:tabLst>
+                <a:tab algn="l" pos="408240"/>
+              </a:tabLst>
+            </a:pPr>
+            <a:r>
+              <a:rPr b="0" lang="en-US" sz="1800" spc="-1" strike="noStrike">
+                <a:solidFill>
+                  <a:srgbClr val="000000"/>
+                </a:solidFill>
+                <a:latin typeface="DejaVu Sans"/>
+                <a:ea typeface="DejaVu Sans"/>
+              </a:rPr>
+              <a:t>Network planning</a:t>
+            </a:r>
+            <a:endParaRPr b="0" lang="en-US" sz="1800" spc="-1" strike="noStrike">
+              <a:latin typeface="DejaVu Sans"/>
+            </a:endParaRPr>
+          </a:p>
+          <a:p>
+            <a:pPr marL="216000" indent="-216000">
               <a:lnSpc>
                 <a:spcPct val="100000"/>
               </a:lnSpc>
@@ -9613,8 +9575,66 @@
                 <a:srgbClr val="008c4f"/>
               </a:buClr>
               <a:buSzPct val="115000"/>
-              <a:buFont typeface="icomoon"/>
-              <a:buChar char=""/>
+              <a:buFont typeface="Wingdings 2" charset="2"/>
+              <a:buChar char=""/>
+              <a:tabLst>
+                <a:tab algn="l" pos="408240"/>
+              </a:tabLst>
+            </a:pPr>
+            <a:r>
+              <a:rPr b="0" lang="en-US" sz="1800" spc="-1" strike="noStrike">
+                <a:solidFill>
+                  <a:srgbClr val="000000"/>
+                </a:solidFill>
+                <a:latin typeface="DejaVu Sans"/>
+                <a:ea typeface="DejaVu Sans"/>
+              </a:rPr>
+              <a:t>Space division multiple access</a:t>
+            </a:r>
+            <a:endParaRPr b="0" lang="en-US" sz="1800" spc="-1" strike="noStrike">
+              <a:latin typeface="DejaVu Sans"/>
+            </a:endParaRPr>
+          </a:p>
+          <a:p>
+            <a:pPr marL="216000" indent="-216000">
+              <a:lnSpc>
+                <a:spcPct val="100000"/>
+              </a:lnSpc>
+              <a:buClr>
+                <a:srgbClr val="008c4f"/>
+              </a:buClr>
+              <a:buSzPct val="115000"/>
+              <a:buFont typeface="Wingdings 2" charset="2"/>
+              <a:buChar char=""/>
+              <a:tabLst>
+                <a:tab algn="l" pos="408240"/>
+              </a:tabLst>
+            </a:pPr>
+            <a:r>
+              <a:rPr b="0" lang="en-US" sz="1800" spc="-1" strike="noStrike">
+                <a:solidFill>
+                  <a:srgbClr val="000000"/>
+                </a:solidFill>
+                <a:latin typeface="DejaVu Sans"/>
+                <a:ea typeface="DejaVu Sans"/>
+              </a:rPr>
+              <a:t>Minimize interference</a:t>
+            </a:r>
+            <a:endParaRPr b="0" lang="en-US" sz="1800" spc="-1" strike="noStrike">
+              <a:latin typeface="DejaVu Sans"/>
+            </a:endParaRPr>
+          </a:p>
+          <a:p>
+            <a:pPr marL="216000" indent="-216000">
+              <a:lnSpc>
+                <a:spcPct val="100000"/>
+              </a:lnSpc>
+              <a:buClr>
+                <a:srgbClr val="008c4f"/>
+              </a:buClr>
+              <a:buSzPct val="115000"/>
+              <a:buFont typeface="Wingdings 2" charset="2"/>
+              <a:buChar char=""/>
               <a:tabLst>
                 <a:tab algn="l" pos="408240"/>
               </a:tabLst>
@@ -9674,7 +9694,7 @@
         <p:spPr>
           <a:xfrm>
             <a:off x="335520" y="764640"/>
-            <a:ext cx="10747440" cy="498240"/>
+            <a:ext cx="10747080" cy="497880"/>
           </a:xfrm>
           <a:prstGeom prst="rect">
             <a:avLst/>
@@ -9729,7 +9749,7 @@
         <p:spPr>
           <a:xfrm>
             <a:off x="457200" y="1371600"/>
-            <a:ext cx="10785240" cy="1877400"/>
+            <a:ext cx="10784880" cy="1877040"/>
           </a:xfrm>
           <a:prstGeom prst="rect">
             <a:avLst/>
@@ -9993,7 +10013,7 @@
         <p:spPr>
           <a:xfrm>
             <a:off x="335520" y="764640"/>
-            <a:ext cx="10747440" cy="498240"/>
+            <a:ext cx="10747080" cy="497880"/>
           </a:xfrm>
           <a:prstGeom prst="rect">
             <a:avLst/>
@@ -10048,7 +10068,7 @@
         <p:spPr>
           <a:xfrm>
             <a:off x="457200" y="1371600"/>
-            <a:ext cx="10785240" cy="2133360"/>
+            <a:ext cx="10784880" cy="2133000"/>
           </a:xfrm>
           <a:prstGeom prst="rect">
             <a:avLst/>
@@ -10341,7 +10361,7 @@
         <p:spPr>
           <a:xfrm>
             <a:off x="335520" y="764640"/>
-            <a:ext cx="10737720" cy="488520"/>
+            <a:ext cx="10737360" cy="488160"/>
           </a:xfrm>
           <a:prstGeom prst="rect">
             <a:avLst/>
@@ -10393,7 +10413,7 @@
         <p:spPr>
           <a:xfrm>
             <a:off x="335520" y="1268280"/>
-            <a:ext cx="10737720" cy="5025240"/>
+            <a:ext cx="10737360" cy="5024880"/>
           </a:xfrm>
           <a:prstGeom prst="rect">
             <a:avLst/>
@@ -10615,7 +10635,7 @@
         <p:spPr>
           <a:xfrm>
             <a:off x="335520" y="764640"/>
-            <a:ext cx="10747440" cy="498240"/>
+            <a:ext cx="10747080" cy="497880"/>
           </a:xfrm>
           <a:prstGeom prst="rect">
             <a:avLst/>
@@ -10670,7 +10690,7 @@
         <p:spPr>
           <a:xfrm>
             <a:off x="457200" y="1371600"/>
-            <a:ext cx="10785240" cy="2901240"/>
+            <a:ext cx="10784880" cy="2900880"/>
           </a:xfrm>
           <a:prstGeom prst="rect">
             <a:avLst/>
@@ -11050,7 +11070,7 @@
         <p:spPr>
           <a:xfrm>
             <a:off x="335520" y="4406760"/>
-            <a:ext cx="10747440" cy="1356480"/>
+            <a:ext cx="10747080" cy="1356120"/>
           </a:xfrm>
           <a:prstGeom prst="rect">
             <a:avLst/>
@@ -11105,7 +11125,7 @@
         <p:spPr>
           <a:xfrm>
             <a:off x="335520" y="2906640"/>
-            <a:ext cx="10747440" cy="1494360"/>
+            <a:ext cx="10747080" cy="1494000"/>
           </a:xfrm>
           <a:prstGeom prst="rect">
             <a:avLst/>
@@ -11161,7 +11181,7 @@
         <p:spPr>
           <a:xfrm>
             <a:off x="335520" y="764640"/>
-            <a:ext cx="10747440" cy="498240"/>
+            <a:ext cx="10747080" cy="497880"/>
           </a:xfrm>
           <a:prstGeom prst="rect">
             <a:avLst/>
@@ -11216,7 +11236,7 @@
         <p:spPr>
           <a:xfrm>
             <a:off x="457200" y="1371600"/>
-            <a:ext cx="10785240" cy="3157200"/>
+            <a:ext cx="10784880" cy="3156840"/>
           </a:xfrm>
           <a:prstGeom prst="rect">
             <a:avLst/>
@@ -11600,7 +11620,7 @@
         <p:spPr>
           <a:xfrm>
             <a:off x="335520" y="764640"/>
-            <a:ext cx="10747440" cy="498240"/>
+            <a:ext cx="10747080" cy="497880"/>
           </a:xfrm>
           <a:prstGeom prst="rect">
             <a:avLst/>
@@ -11646,124 +11666,29 @@
           </a:p>
         </p:txBody>
       </p:sp>
-      <p:sp>
-        <p:nvSpPr>
-          <p:cNvPr id="184" name="CustomShape 2"/>
-          <p:cNvSpPr/>
+      <p:pic>
+        <p:nvPicPr>
+          <p:cNvPr id="184" name="" descr=""/>
+          <p:cNvPicPr/>
           <p:nvPr/>
-        </p:nvSpPr>
-        <p:spPr>
-          <a:xfrm>
-            <a:off x="457200" y="1371600"/>
-            <a:ext cx="10785240" cy="853560"/>
-          </a:xfrm>
-          <a:prstGeom prst="rect">
-            <a:avLst/>
-          </a:prstGeom>
-          <a:noFill/>
-          <a:ln w="0">
-            <a:noFill/>
-          </a:ln>
-        </p:spPr>
-        <p:style>
-          <a:lnRef idx="0"/>
-          <a:fillRef idx="0"/>
-          <a:effectRef idx="0"/>
-          <a:fontRef idx="minor"/>
-        </p:style>
-        <p:txBody>
-          <a:bodyPr lIns="90000" rIns="90000" tIns="45000" bIns="45000" anchor="t">
-            <a:noAutofit/>
-          </a:bodyPr>
-          <a:p>
-            <a:pPr marL="216000" indent="-212760">
-              <a:lnSpc>
-                <a:spcPct val="100000"/>
-              </a:lnSpc>
-              <a:buClr>
-                <a:srgbClr val="008c4f"/>
-              </a:buClr>
-              <a:buSzPct val="115000"/>
-              <a:buFont typeface="icomoon"/>
-              <a:buChar char=""/>
-              <a:tabLst>
-                <a:tab algn="l" pos="408240"/>
-              </a:tabLst>
-            </a:pPr>
-            <a:r>
-              <a:rPr b="0" lang="en-US" sz="1800" spc="-1" strike="noStrike">
-                <a:solidFill>
-                  <a:srgbClr val="000000"/>
-                </a:solidFill>
-                <a:latin typeface="DejaVu Sans"/>
-                <a:ea typeface="DejaVu Sans"/>
-              </a:rPr>
-              <a:t>Wireless sensor nodes running Contiki RPL with IPv6</a:t>
-            </a:r>
-            <a:endParaRPr b="0" lang="en-US" sz="1800" spc="-1" strike="noStrike">
-              <a:latin typeface="DejaVu Sans"/>
-            </a:endParaRPr>
-          </a:p>
-          <a:p>
-            <a:pPr marL="216000" indent="-212760">
-              <a:lnSpc>
-                <a:spcPct val="100000"/>
-              </a:lnSpc>
-              <a:buClr>
-                <a:srgbClr val="008c4f"/>
-              </a:buClr>
-              <a:buSzPct val="115000"/>
-              <a:buFont typeface="icomoon"/>
-              <a:buChar char=""/>
-              <a:tabLst>
-                <a:tab algn="l" pos="408240"/>
-              </a:tabLst>
-            </a:pPr>
-            <a:r>
-              <a:rPr b="0" lang="en-US" sz="1800" spc="-1" strike="noStrike">
-                <a:solidFill>
-                  <a:srgbClr val="000000"/>
-                </a:solidFill>
-                <a:latin typeface="DejaVu Sans"/>
-                <a:ea typeface="DejaVu Sans"/>
-              </a:rPr>
-              <a:t>Node attached to gateway over USB acts as gateway</a:t>
-            </a:r>
-            <a:endParaRPr b="0" lang="en-US" sz="1800" spc="-1" strike="noStrike">
-              <a:latin typeface="DejaVu Sans"/>
-            </a:endParaRPr>
-          </a:p>
-          <a:p>
-            <a:pPr marL="216000" indent="-212760">
-              <a:lnSpc>
-                <a:spcPct val="100000"/>
-              </a:lnSpc>
-              <a:buClr>
-                <a:srgbClr val="008c4f"/>
-              </a:buClr>
-              <a:buSzPct val="115000"/>
-              <a:buFont typeface="icomoon"/>
-              <a:buChar char=""/>
-              <a:tabLst>
-                <a:tab algn="l" pos="408240"/>
-              </a:tabLst>
-            </a:pPr>
-            <a:r>
-              <a:rPr b="0" lang="en-US" sz="1800" spc="-1" strike="noStrike">
-                <a:solidFill>
-                  <a:srgbClr val="000000"/>
-                </a:solidFill>
-                <a:latin typeface="DejaVu Sans"/>
-                <a:ea typeface="DejaVu Sans"/>
-              </a:rPr>
-              <a:t>IPv6 connectivity between networks provided through SLIP (Serial Line Internet Procotol)</a:t>
-            </a:r>
-            <a:endParaRPr b="0" lang="en-US" sz="1800" spc="-1" strike="noStrike">
-              <a:latin typeface="DejaVu Sans"/>
-            </a:endParaRPr>
-          </a:p>
-        </p:txBody>
-      </p:sp>
+        </p:nvPicPr>
+        <p:blipFill>
+          <a:blip r:embed="rId1"/>
+          <a:stretch/>
+        </p:blipFill>
+        <p:spPr>
+          <a:xfrm>
+            <a:off x="2709360" y="3474720"/>
+            <a:ext cx="2223360" cy="1652040"/>
+          </a:xfrm>
+          <a:prstGeom prst="rect">
+            <a:avLst/>
+          </a:prstGeom>
+          <a:ln w="0">
+            <a:noFill/>
+          </a:ln>
+        </p:spPr>
+      </p:pic>
       <p:pic>
         <p:nvPicPr>
           <p:cNvPr id="185" name="" descr=""/>
@@ -11771,36 +11696,13 @@
           <p:nvPr/>
         </p:nvPicPr>
         <p:blipFill>
-          <a:blip r:embed="rId1"/>
-          <a:stretch/>
-        </p:blipFill>
-        <p:spPr>
-          <a:xfrm>
-            <a:off x="2709360" y="3474720"/>
-            <a:ext cx="2223720" cy="1652400"/>
-          </a:xfrm>
-          <a:prstGeom prst="rect">
-            <a:avLst/>
-          </a:prstGeom>
-          <a:ln w="0">
-            <a:noFill/>
-          </a:ln>
-        </p:spPr>
-      </p:pic>
-      <p:pic>
-        <p:nvPicPr>
-          <p:cNvPr id="186" name="" descr=""/>
-          <p:cNvPicPr/>
-          <p:nvPr/>
-        </p:nvPicPr>
-        <p:blipFill>
           <a:blip r:embed="rId2"/>
           <a:stretch/>
         </p:blipFill>
         <p:spPr>
           <a:xfrm>
             <a:off x="5544000" y="3383280"/>
-            <a:ext cx="2223720" cy="1652400"/>
+            <a:ext cx="2223360" cy="1652040"/>
           </a:xfrm>
           <a:prstGeom prst="rect">
             <a:avLst/>
@@ -11810,6 +11712,138 @@
           </a:ln>
         </p:spPr>
       </p:pic>
+      <p:sp>
+        <p:nvSpPr>
+          <p:cNvPr id="186" name="CustomShape 3"/>
+          <p:cNvSpPr/>
+          <p:nvPr/>
+        </p:nvSpPr>
+        <p:spPr>
+          <a:xfrm>
+            <a:off x="457200" y="1462320"/>
+            <a:ext cx="10784880" cy="3156840"/>
+          </a:xfrm>
+          <a:prstGeom prst="rect">
+            <a:avLst/>
+          </a:prstGeom>
+          <a:noFill/>
+          <a:ln w="0">
+            <a:noFill/>
+          </a:ln>
+        </p:spPr>
+        <p:style>
+          <a:lnRef idx="0"/>
+          <a:fillRef idx="0"/>
+          <a:effectRef idx="0"/>
+          <a:fontRef idx="minor"/>
+        </p:style>
+        <p:txBody>
+          <a:bodyPr lIns="90000" rIns="90000" tIns="45000" bIns="45000" anchor="t">
+            <a:noAutofit/>
+          </a:bodyPr>
+          <a:p>
+            <a:pPr>
+              <a:lnSpc>
+                <a:spcPct val="100000"/>
+              </a:lnSpc>
+              <a:buNone/>
+              <a:tabLst>
+                <a:tab algn="l" pos="408240"/>
+              </a:tabLst>
+            </a:pPr>
+            <a:endParaRPr b="0" lang="en-US" sz="1800" spc="-1" strike="noStrike">
+              <a:latin typeface="DejaVu Sans"/>
+            </a:endParaRPr>
+          </a:p>
+          <a:p>
+            <a:pPr marL="216000" indent="-212760">
+              <a:lnSpc>
+                <a:spcPct val="100000"/>
+              </a:lnSpc>
+              <a:buClr>
+                <a:srgbClr val="008c4f"/>
+              </a:buClr>
+              <a:buSzPct val="115000"/>
+              <a:buFont typeface="Wingdings 2" charset="2"/>
+              <a:buChar char=""/>
+              <a:tabLst>
+                <a:tab algn="l" pos="408240"/>
+              </a:tabLst>
+            </a:pPr>
+            <a:r>
+              <a:rPr b="0" lang="en-US" sz="1800" spc="-1" strike="noStrike">
+                <a:solidFill>
+                  <a:srgbClr val="000000"/>
+                </a:solidFill>
+                <a:latin typeface="DejaVu Sans"/>
+                <a:ea typeface="DejaVu Sans"/>
+              </a:rPr>
+              <a:t>Wireless sensor nodes running Contiki RPL with Ipv6</a:t>
+            </a:r>
+            <a:endParaRPr b="0" lang="en-US" sz="1800" spc="-1" strike="noStrike">
+              <a:latin typeface="DejaVu Sans"/>
+            </a:endParaRPr>
+          </a:p>
+          <a:p>
+            <a:pPr marL="216000" indent="-212760">
+              <a:lnSpc>
+                <a:spcPct val="100000"/>
+              </a:lnSpc>
+              <a:buClr>
+                <a:srgbClr val="008c4f"/>
+              </a:buClr>
+              <a:buSzPct val="115000"/>
+              <a:buFont typeface="Wingdings 2" charset="2"/>
+              <a:buChar char=""/>
+              <a:tabLst>
+                <a:tab algn="l" pos="408240"/>
+              </a:tabLst>
+            </a:pPr>
+            <a:r>
+              <a:rPr b="0" lang="en-US" sz="1800" spc="-1" strike="noStrike">
+                <a:solidFill>
+                  <a:srgbClr val="000000"/>
+                </a:solidFill>
+                <a:latin typeface="DejaVu Sans"/>
+                <a:ea typeface="DejaVu Sans"/>
+              </a:rPr>
+              <a:t>Node attached to gateway over USB acts as gateway</a:t>
+            </a:r>
+            <a:endParaRPr b="0" lang="en-US" sz="1800" spc="-1" strike="noStrike">
+              <a:latin typeface="DejaVu Sans"/>
+            </a:endParaRPr>
+          </a:p>
+          <a:p>
+            <a:pPr marL="216000" indent="-212760">
+              <a:lnSpc>
+                <a:spcPct val="100000"/>
+              </a:lnSpc>
+              <a:buClr>
+                <a:srgbClr val="008c4f"/>
+              </a:buClr>
+              <a:buSzPct val="115000"/>
+              <a:buFont typeface="Wingdings 2" charset="2"/>
+              <a:buChar char=""/>
+              <a:tabLst>
+                <a:tab algn="l" pos="408240"/>
+              </a:tabLst>
+            </a:pPr>
+            <a:r>
+              <a:rPr b="0" lang="en-US" sz="1800" spc="-1" strike="noStrike">
+                <a:solidFill>
+                  <a:srgbClr val="000000"/>
+                </a:solidFill>
+                <a:latin typeface="DejaVu Sans"/>
+                <a:ea typeface="DejaVu Sans"/>
+              </a:rPr>
+              <a:t>IPv6 connectivity between networks provided through SLIP (Serial Line Internet Protocol)</a:t>
+            </a:r>
+            <a:endParaRPr b="0" lang="en-US" sz="1800" spc="-1" strike="noStrike">
+              <a:latin typeface="DejaVu Sans"/>
+            </a:endParaRPr>
+          </a:p>
+        </p:txBody>
+      </p:sp>
     </p:spTree>
   </p:cSld>
   <mc:AlternateContent>
@@ -11849,7 +11883,7 @@
         <p:spPr>
           <a:xfrm>
             <a:off x="335520" y="1268640"/>
-            <a:ext cx="10747440" cy="5034960"/>
+            <a:ext cx="10747080" cy="5034600"/>
           </a:xfrm>
           <a:prstGeom prst="rect">
             <a:avLst/>
@@ -11907,7 +11941,7 @@
         <p:spPr>
           <a:xfrm>
             <a:off x="335520" y="764640"/>
-            <a:ext cx="10747440" cy="498240"/>
+            <a:ext cx="10747080" cy="497880"/>
           </a:xfrm>
           <a:prstGeom prst="rect">
             <a:avLst/>
@@ -11963,7 +11997,7 @@
         <p:spPr>
           <a:xfrm>
             <a:off x="335520" y="764640"/>
-            <a:ext cx="10742400" cy="493200"/>
+            <a:ext cx="10742040" cy="492840"/>
           </a:xfrm>
           <a:prstGeom prst="rect">
             <a:avLst/>
@@ -12015,7 +12049,7 @@
         <p:spPr>
           <a:xfrm>
             <a:off x="335520" y="1268280"/>
-            <a:ext cx="10742400" cy="5029920"/>
+            <a:ext cx="10742040" cy="5029560"/>
           </a:xfrm>
           <a:prstGeom prst="rect">
             <a:avLst/>
@@ -12268,7 +12302,7 @@
         <p:spPr>
           <a:xfrm>
             <a:off x="335520" y="764640"/>
-            <a:ext cx="10742400" cy="493200"/>
+            <a:ext cx="10742040" cy="492840"/>
           </a:xfrm>
           <a:prstGeom prst="rect">
             <a:avLst/>
@@ -12320,7 +12354,7 @@
         <p:spPr>
           <a:xfrm>
             <a:off x="335520" y="1268280"/>
-            <a:ext cx="10742400" cy="5029920"/>
+            <a:ext cx="10742040" cy="5029560"/>
           </a:xfrm>
           <a:prstGeom prst="rect">
             <a:avLst/>
@@ -12598,7 +12632,7 @@
         <p:spPr>
           <a:xfrm>
             <a:off x="335520" y="764640"/>
-            <a:ext cx="10742400" cy="493200"/>
+            <a:ext cx="10742040" cy="492840"/>
           </a:xfrm>
           <a:prstGeom prst="rect">
             <a:avLst/>
@@ -12650,7 +12684,7 @@
         <p:spPr>
           <a:xfrm>
             <a:off x="335520" y="1268640"/>
-            <a:ext cx="10742400" cy="5029920"/>
+            <a:ext cx="10742040" cy="5029560"/>
           </a:xfrm>
           <a:prstGeom prst="rect">
             <a:avLst/>
@@ -13117,7 +13151,7 @@
         <p:spPr>
           <a:xfrm>
             <a:off x="335520" y="4406760"/>
-            <a:ext cx="10747440" cy="1356480"/>
+            <a:ext cx="10747080" cy="1356120"/>
           </a:xfrm>
           <a:prstGeom prst="rect">
             <a:avLst/>
@@ -13172,7 +13206,7 @@
         <p:spPr>
           <a:xfrm>
             <a:off x="335520" y="2906640"/>
-            <a:ext cx="10747440" cy="1494360"/>
+            <a:ext cx="10747080" cy="1494000"/>
           </a:xfrm>
           <a:prstGeom prst="rect">
             <a:avLst/>
@@ -13228,7 +13262,7 @@
         <p:spPr>
           <a:xfrm>
             <a:off x="335520" y="764640"/>
-            <a:ext cx="10747440" cy="498240"/>
+            <a:ext cx="10747080" cy="497880"/>
           </a:xfrm>
           <a:prstGeom prst="rect">
             <a:avLst/>
@@ -13287,7 +13321,7 @@
         <p:spPr>
           <a:xfrm>
             <a:off x="1656360" y="1202400"/>
-            <a:ext cx="8533800" cy="5203800"/>
+            <a:ext cx="8533440" cy="5203440"/>
           </a:xfrm>
           <a:prstGeom prst="rect">
             <a:avLst/>
@@ -13336,7 +13370,7 @@
         <p:spPr>
           <a:xfrm>
             <a:off x="335520" y="764640"/>
-            <a:ext cx="10747440" cy="498240"/>
+            <a:ext cx="10747080" cy="497880"/>
           </a:xfrm>
           <a:prstGeom prst="rect">
             <a:avLst/>
@@ -13391,7 +13425,7 @@
         <p:spPr>
           <a:xfrm>
             <a:off x="914400" y="6400800"/>
-            <a:ext cx="9139320" cy="323280"/>
+            <a:ext cx="9138960" cy="322920"/>
           </a:xfrm>
           <a:prstGeom prst="rect">
             <a:avLst/>
@@ -13460,7 +13494,7 @@
         <p:spPr>
           <a:xfrm>
             <a:off x="1035000" y="1227600"/>
-            <a:ext cx="8711640" cy="5171040"/>
+            <a:ext cx="8711280" cy="5170680"/>
           </a:xfrm>
           <a:prstGeom prst="rect">
             <a:avLst/>
@@ -13509,7 +13543,7 @@
         <p:spPr>
           <a:xfrm>
             <a:off x="335520" y="4406760"/>
-            <a:ext cx="10747440" cy="1356480"/>
+            <a:ext cx="10747080" cy="1356120"/>
           </a:xfrm>
           <a:prstGeom prst="rect">
             <a:avLst/>
@@ -13564,7 +13598,7 @@
         <p:spPr>
           <a:xfrm>
             <a:off x="335520" y="2906640"/>
-            <a:ext cx="10747440" cy="1494360"/>
+            <a:ext cx="10747080" cy="1494000"/>
           </a:xfrm>
           <a:prstGeom prst="rect">
             <a:avLst/>

--- a/Emerging-Technologies-for-the-Circular-Economy/ETCE-L05a-IoT-Communications.pptx
+++ b/Emerging-Technologies-for-the-Circular-Economy/ETCE-L05a-IoT-Communications.pptx
@@ -3,8 +3,8 @@
 <p:presentation xmlns:a="http://schemas.openxmlformats.org/drawingml/2006/main" xmlns:p="http://schemas.openxmlformats.org/presentationml/2006/main" xmlns:r="http://schemas.openxmlformats.org/officeDocument/2006/relationships" xmlns:p14="http://schemas.microsoft.com/office/powerpoint/2010/main" xmlns:p15="http://schemas.microsoft.com/office/powerpoint/2012/main" xmlns:mc="http://schemas.openxmlformats.org/markup-compatibility/2006">
   <p:sldMasterIdLst>
     <p:sldMasterId id="2147483648" r:id="rId2"/>
-    <p:sldMasterId id="2147483661" r:id="rId3"/>
-    <p:sldMasterId id="2147483674" r:id="rId4"/>
+    <p:sldMasterId id="2147483650" r:id="rId3"/>
+    <p:sldMasterId id="2147483652" r:id="rId4"/>
   </p:sldMasterIdLst>
   <p:sldIdLst>
     <p:sldId id="256" r:id="rId5"/>
@@ -56,711 +56,9 @@
 </p:sldLayout>
 </file>
 
-<file path=ppt/slideLayouts/slideLayout10.xml><?xml version="1.0" encoding="utf-8"?>
-<p:sldLayout xmlns:a="http://schemas.openxmlformats.org/drawingml/2006/main" xmlns:p="http://schemas.openxmlformats.org/presentationml/2006/main" xmlns:r="http://schemas.openxmlformats.org/officeDocument/2006/relationships" xmlns:p14="http://schemas.microsoft.com/office/powerpoint/2010/main" xmlns:p15="http://schemas.microsoft.com/office/powerpoint/2012/main" xmlns:mc="http://schemas.openxmlformats.org/markup-compatibility/2006" type="objOverTx" preserve="1">
-  <p:cSld name="Title, Content over Content">
-    <p:spTree>
-      <p:nvGrpSpPr>
-        <p:cNvPr id="1" name=""/>
-        <p:cNvGrpSpPr/>
-        <p:nvPr/>
-      </p:nvGrpSpPr>
-      <p:grpSpPr>
-        <a:xfrm>
-          <a:off x="0" y="0"/>
-          <a:ext cx="0" cy="0"/>
-          <a:chOff x="0" y="0"/>
-          <a:chExt cx="0" cy="0"/>
-        </a:xfrm>
-      </p:grpSpPr>
-      <p:sp>
-        <p:nvSpPr>
-          <p:cNvPr id="31" name="PlaceHolder 1"/>
-          <p:cNvSpPr>
-            <a:spLocks noGrp="1"/>
-          </p:cNvSpPr>
-          <p:nvPr>
-            <p:ph type="title"/>
-          </p:nvPr>
-        </p:nvSpPr>
-        <p:spPr>
-          <a:xfrm>
-            <a:off x="609480" y="273600"/>
-            <a:ext cx="10972440" cy="1144800"/>
-          </a:xfrm>
-          <a:prstGeom prst="rect">
-            <a:avLst/>
-          </a:prstGeom>
-          <a:noFill/>
-          <a:ln w="0">
-            <a:noFill/>
-          </a:ln>
-        </p:spPr>
-        <p:txBody>
-          <a:bodyPr lIns="0" rIns="0" tIns="0" bIns="0" anchor="ctr">
-            <a:noAutofit/>
-          </a:bodyPr>
-          <a:p>
-            <a:pPr indent="0" algn="ctr">
-              <a:buNone/>
-            </a:pPr>
-            <a:endParaRPr b="0" lang="en-GB" sz="4400" spc="-1" strike="noStrike">
-              <a:solidFill>
-                <a:srgbClr val="000000"/>
-              </a:solidFill>
-              <a:latin typeface="Arial"/>
-            </a:endParaRPr>
-          </a:p>
-        </p:txBody>
-      </p:sp>
-      <p:sp>
-        <p:nvSpPr>
-          <p:cNvPr id="32" name="PlaceHolder 2"/>
-          <p:cNvSpPr>
-            <a:spLocks noGrp="1"/>
-          </p:cNvSpPr>
-          <p:nvPr>
-            <p:ph/>
-          </p:nvPr>
-        </p:nvSpPr>
-        <p:spPr>
-          <a:xfrm>
-            <a:off x="609480" y="1604520"/>
-            <a:ext cx="10972440" cy="1896840"/>
-          </a:xfrm>
-          <a:prstGeom prst="rect">
-            <a:avLst/>
-          </a:prstGeom>
-          <a:noFill/>
-          <a:ln w="0">
-            <a:noFill/>
-          </a:ln>
-        </p:spPr>
-        <p:txBody>
-          <a:bodyPr lIns="0" rIns="0" tIns="0" bIns="0" anchor="t">
-            <a:normAutofit/>
-          </a:bodyPr>
-          <a:p>
-            <a:pPr indent="0">
-              <a:spcBef>
-                <a:spcPts val="1417"/>
-              </a:spcBef>
-              <a:buNone/>
-            </a:pPr>
-            <a:endParaRPr b="0" lang="en-GB" sz="3200" spc="-1" strike="noStrike">
-              <a:solidFill>
-                <a:srgbClr val="000000"/>
-              </a:solidFill>
-              <a:latin typeface="Arial"/>
-            </a:endParaRPr>
-          </a:p>
-        </p:txBody>
-      </p:sp>
-      <p:sp>
-        <p:nvSpPr>
-          <p:cNvPr id="33" name="PlaceHolder 3"/>
-          <p:cNvSpPr>
-            <a:spLocks noGrp="1"/>
-          </p:cNvSpPr>
-          <p:nvPr>
-            <p:ph/>
-          </p:nvPr>
-        </p:nvSpPr>
-        <p:spPr>
-          <a:xfrm>
-            <a:off x="609480" y="3682080"/>
-            <a:ext cx="10972440" cy="1896840"/>
-          </a:xfrm>
-          <a:prstGeom prst="rect">
-            <a:avLst/>
-          </a:prstGeom>
-          <a:noFill/>
-          <a:ln w="0">
-            <a:noFill/>
-          </a:ln>
-        </p:spPr>
-        <p:txBody>
-          <a:bodyPr lIns="0" rIns="0" tIns="0" bIns="0" anchor="t">
-            <a:normAutofit/>
-          </a:bodyPr>
-          <a:p>
-            <a:pPr indent="0">
-              <a:spcBef>
-                <a:spcPts val="1417"/>
-              </a:spcBef>
-              <a:buNone/>
-            </a:pPr>
-            <a:endParaRPr b="0" lang="en-GB" sz="3200" spc="-1" strike="noStrike">
-              <a:solidFill>
-                <a:srgbClr val="000000"/>
-              </a:solidFill>
-              <a:latin typeface="Arial"/>
-            </a:endParaRPr>
-          </a:p>
-        </p:txBody>
-      </p:sp>
-    </p:spTree>
-  </p:cSld>
-</p:sldLayout>
-</file>
-
-<file path=ppt/slideLayouts/slideLayout11.xml><?xml version="1.0" encoding="utf-8"?>
-<p:sldLayout xmlns:a="http://schemas.openxmlformats.org/drawingml/2006/main" xmlns:p="http://schemas.openxmlformats.org/presentationml/2006/main" xmlns:r="http://schemas.openxmlformats.org/officeDocument/2006/relationships" xmlns:p14="http://schemas.microsoft.com/office/powerpoint/2010/main" xmlns:p15="http://schemas.microsoft.com/office/powerpoint/2012/main" xmlns:mc="http://schemas.openxmlformats.org/markup-compatibility/2006" type="fourObj" preserve="1">
-  <p:cSld name="Title, 4 Content">
-    <p:spTree>
-      <p:nvGrpSpPr>
-        <p:cNvPr id="1" name=""/>
-        <p:cNvGrpSpPr/>
-        <p:nvPr/>
-      </p:nvGrpSpPr>
-      <p:grpSpPr>
-        <a:xfrm>
-          <a:off x="0" y="0"/>
-          <a:ext cx="0" cy="0"/>
-          <a:chOff x="0" y="0"/>
-          <a:chExt cx="0" cy="0"/>
-        </a:xfrm>
-      </p:grpSpPr>
-      <p:sp>
-        <p:nvSpPr>
-          <p:cNvPr id="34" name="PlaceHolder 1"/>
-          <p:cNvSpPr>
-            <a:spLocks noGrp="1"/>
-          </p:cNvSpPr>
-          <p:nvPr>
-            <p:ph type="title"/>
-          </p:nvPr>
-        </p:nvSpPr>
-        <p:spPr>
-          <a:xfrm>
-            <a:off x="609480" y="273600"/>
-            <a:ext cx="10972440" cy="1144800"/>
-          </a:xfrm>
-          <a:prstGeom prst="rect">
-            <a:avLst/>
-          </a:prstGeom>
-          <a:noFill/>
-          <a:ln w="0">
-            <a:noFill/>
-          </a:ln>
-        </p:spPr>
-        <p:txBody>
-          <a:bodyPr lIns="0" rIns="0" tIns="0" bIns="0" anchor="ctr">
-            <a:noAutofit/>
-          </a:bodyPr>
-          <a:p>
-            <a:pPr indent="0" algn="ctr">
-              <a:buNone/>
-            </a:pPr>
-            <a:endParaRPr b="0" lang="en-GB" sz="4400" spc="-1" strike="noStrike">
-              <a:solidFill>
-                <a:srgbClr val="000000"/>
-              </a:solidFill>
-              <a:latin typeface="Arial"/>
-            </a:endParaRPr>
-          </a:p>
-        </p:txBody>
-      </p:sp>
-      <p:sp>
-        <p:nvSpPr>
-          <p:cNvPr id="35" name="PlaceHolder 2"/>
-          <p:cNvSpPr>
-            <a:spLocks noGrp="1"/>
-          </p:cNvSpPr>
-          <p:nvPr>
-            <p:ph/>
-          </p:nvPr>
-        </p:nvSpPr>
-        <p:spPr>
-          <a:xfrm>
-            <a:off x="609480" y="1604520"/>
-            <a:ext cx="5354280" cy="1896840"/>
-          </a:xfrm>
-          <a:prstGeom prst="rect">
-            <a:avLst/>
-          </a:prstGeom>
-          <a:noFill/>
-          <a:ln w="0">
-            <a:noFill/>
-          </a:ln>
-        </p:spPr>
-        <p:txBody>
-          <a:bodyPr lIns="0" rIns="0" tIns="0" bIns="0" anchor="t">
-            <a:normAutofit/>
-          </a:bodyPr>
-          <a:p>
-            <a:pPr indent="0">
-              <a:spcBef>
-                <a:spcPts val="1417"/>
-              </a:spcBef>
-              <a:buNone/>
-            </a:pPr>
-            <a:endParaRPr b="0" lang="en-GB" sz="3200" spc="-1" strike="noStrike">
-              <a:solidFill>
-                <a:srgbClr val="000000"/>
-              </a:solidFill>
-              <a:latin typeface="Arial"/>
-            </a:endParaRPr>
-          </a:p>
-        </p:txBody>
-      </p:sp>
-      <p:sp>
-        <p:nvSpPr>
-          <p:cNvPr id="36" name="PlaceHolder 3"/>
-          <p:cNvSpPr>
-            <a:spLocks noGrp="1"/>
-          </p:cNvSpPr>
-          <p:nvPr>
-            <p:ph/>
-          </p:nvPr>
-        </p:nvSpPr>
-        <p:spPr>
-          <a:xfrm>
-            <a:off x="6231960" y="1604520"/>
-            <a:ext cx="5354280" cy="1896840"/>
-          </a:xfrm>
-          <a:prstGeom prst="rect">
-            <a:avLst/>
-          </a:prstGeom>
-          <a:noFill/>
-          <a:ln w="0">
-            <a:noFill/>
-          </a:ln>
-        </p:spPr>
-        <p:txBody>
-          <a:bodyPr lIns="0" rIns="0" tIns="0" bIns="0" anchor="t">
-            <a:normAutofit/>
-          </a:bodyPr>
-          <a:p>
-            <a:pPr indent="0">
-              <a:spcBef>
-                <a:spcPts val="1417"/>
-              </a:spcBef>
-              <a:buNone/>
-            </a:pPr>
-            <a:endParaRPr b="0" lang="en-GB" sz="3200" spc="-1" strike="noStrike">
-              <a:solidFill>
-                <a:srgbClr val="000000"/>
-              </a:solidFill>
-              <a:latin typeface="Arial"/>
-            </a:endParaRPr>
-          </a:p>
-        </p:txBody>
-      </p:sp>
-      <p:sp>
-        <p:nvSpPr>
-          <p:cNvPr id="37" name="PlaceHolder 4"/>
-          <p:cNvSpPr>
-            <a:spLocks noGrp="1"/>
-          </p:cNvSpPr>
-          <p:nvPr>
-            <p:ph/>
-          </p:nvPr>
-        </p:nvSpPr>
-        <p:spPr>
-          <a:xfrm>
-            <a:off x="609480" y="3682080"/>
-            <a:ext cx="5354280" cy="1896840"/>
-          </a:xfrm>
-          <a:prstGeom prst="rect">
-            <a:avLst/>
-          </a:prstGeom>
-          <a:noFill/>
-          <a:ln w="0">
-            <a:noFill/>
-          </a:ln>
-        </p:spPr>
-        <p:txBody>
-          <a:bodyPr lIns="0" rIns="0" tIns="0" bIns="0" anchor="t">
-            <a:normAutofit/>
-          </a:bodyPr>
-          <a:p>
-            <a:pPr indent="0">
-              <a:spcBef>
-                <a:spcPts val="1417"/>
-              </a:spcBef>
-              <a:buNone/>
-            </a:pPr>
-            <a:endParaRPr b="0" lang="en-GB" sz="3200" spc="-1" strike="noStrike">
-              <a:solidFill>
-                <a:srgbClr val="000000"/>
-              </a:solidFill>
-              <a:latin typeface="Arial"/>
-            </a:endParaRPr>
-          </a:p>
-        </p:txBody>
-      </p:sp>
-      <p:sp>
-        <p:nvSpPr>
-          <p:cNvPr id="38" name="PlaceHolder 5"/>
-          <p:cNvSpPr>
-            <a:spLocks noGrp="1"/>
-          </p:cNvSpPr>
-          <p:nvPr>
-            <p:ph/>
-          </p:nvPr>
-        </p:nvSpPr>
-        <p:spPr>
-          <a:xfrm>
-            <a:off x="6231960" y="3682080"/>
-            <a:ext cx="5354280" cy="1896840"/>
-          </a:xfrm>
-          <a:prstGeom prst="rect">
-            <a:avLst/>
-          </a:prstGeom>
-          <a:noFill/>
-          <a:ln w="0">
-            <a:noFill/>
-          </a:ln>
-        </p:spPr>
-        <p:txBody>
-          <a:bodyPr lIns="0" rIns="0" tIns="0" bIns="0" anchor="t">
-            <a:normAutofit/>
-          </a:bodyPr>
-          <a:p>
-            <a:pPr indent="0">
-              <a:spcBef>
-                <a:spcPts val="1417"/>
-              </a:spcBef>
-              <a:buNone/>
-            </a:pPr>
-            <a:endParaRPr b="0" lang="en-GB" sz="3200" spc="-1" strike="noStrike">
-              <a:solidFill>
-                <a:srgbClr val="000000"/>
-              </a:solidFill>
-              <a:latin typeface="Arial"/>
-            </a:endParaRPr>
-          </a:p>
-        </p:txBody>
-      </p:sp>
-    </p:spTree>
-  </p:cSld>
-</p:sldLayout>
-</file>
-
-<file path=ppt/slideLayouts/slideLayout12.xml><?xml version="1.0" encoding="utf-8"?>
+<file path=ppt/slideLayouts/slideLayout2.xml><?xml version="1.0" encoding="utf-8"?>
 <p:sldLayout xmlns:a="http://schemas.openxmlformats.org/drawingml/2006/main" xmlns:p="http://schemas.openxmlformats.org/presentationml/2006/main" xmlns:r="http://schemas.openxmlformats.org/officeDocument/2006/relationships" xmlns:p14="http://schemas.microsoft.com/office/powerpoint/2010/main" xmlns:p15="http://schemas.microsoft.com/office/powerpoint/2012/main" xmlns:mc="http://schemas.openxmlformats.org/markup-compatibility/2006" type="blank" preserve="1">
-  <p:cSld name="Title, 6 Content">
-    <p:spTree>
-      <p:nvGrpSpPr>
-        <p:cNvPr id="1" name=""/>
-        <p:cNvGrpSpPr/>
-        <p:nvPr/>
-      </p:nvGrpSpPr>
-      <p:grpSpPr>
-        <a:xfrm>
-          <a:off x="0" y="0"/>
-          <a:ext cx="0" cy="0"/>
-          <a:chOff x="0" y="0"/>
-          <a:chExt cx="0" cy="0"/>
-        </a:xfrm>
-      </p:grpSpPr>
-      <p:sp>
-        <p:nvSpPr>
-          <p:cNvPr id="39" name="PlaceHolder 1"/>
-          <p:cNvSpPr>
-            <a:spLocks noGrp="1"/>
-          </p:cNvSpPr>
-          <p:nvPr>
-            <p:ph type="title"/>
-          </p:nvPr>
-        </p:nvSpPr>
-        <p:spPr>
-          <a:xfrm>
-            <a:off x="609480" y="273600"/>
-            <a:ext cx="10972440" cy="1144800"/>
-          </a:xfrm>
-          <a:prstGeom prst="rect">
-            <a:avLst/>
-          </a:prstGeom>
-          <a:noFill/>
-          <a:ln w="0">
-            <a:noFill/>
-          </a:ln>
-        </p:spPr>
-        <p:txBody>
-          <a:bodyPr lIns="0" rIns="0" tIns="0" bIns="0" anchor="ctr">
-            <a:noAutofit/>
-          </a:bodyPr>
-          <a:p>
-            <a:pPr indent="0" algn="ctr">
-              <a:buNone/>
-            </a:pPr>
-            <a:endParaRPr b="0" lang="en-GB" sz="4400" spc="-1" strike="noStrike">
-              <a:solidFill>
-                <a:srgbClr val="000000"/>
-              </a:solidFill>
-              <a:latin typeface="Arial"/>
-            </a:endParaRPr>
-          </a:p>
-        </p:txBody>
-      </p:sp>
-      <p:sp>
-        <p:nvSpPr>
-          <p:cNvPr id="40" name="PlaceHolder 2"/>
-          <p:cNvSpPr>
-            <a:spLocks noGrp="1"/>
-          </p:cNvSpPr>
-          <p:nvPr>
-            <p:ph/>
-          </p:nvPr>
-        </p:nvSpPr>
-        <p:spPr>
-          <a:xfrm>
-            <a:off x="609480" y="1604520"/>
-            <a:ext cx="3533040" cy="1896840"/>
-          </a:xfrm>
-          <a:prstGeom prst="rect">
-            <a:avLst/>
-          </a:prstGeom>
-          <a:noFill/>
-          <a:ln w="0">
-            <a:noFill/>
-          </a:ln>
-        </p:spPr>
-        <p:txBody>
-          <a:bodyPr lIns="0" rIns="0" tIns="0" bIns="0" anchor="t">
-            <a:normAutofit/>
-          </a:bodyPr>
-          <a:p>
-            <a:pPr indent="0">
-              <a:spcBef>
-                <a:spcPts val="1417"/>
-              </a:spcBef>
-              <a:buNone/>
-            </a:pPr>
-            <a:endParaRPr b="0" lang="en-GB" sz="3200" spc="-1" strike="noStrike">
-              <a:solidFill>
-                <a:srgbClr val="000000"/>
-              </a:solidFill>
-              <a:latin typeface="Arial"/>
-            </a:endParaRPr>
-          </a:p>
-        </p:txBody>
-      </p:sp>
-      <p:sp>
-        <p:nvSpPr>
-          <p:cNvPr id="41" name="PlaceHolder 3"/>
-          <p:cNvSpPr>
-            <a:spLocks noGrp="1"/>
-          </p:cNvSpPr>
-          <p:nvPr>
-            <p:ph/>
-          </p:nvPr>
-        </p:nvSpPr>
-        <p:spPr>
-          <a:xfrm>
-            <a:off x="4319640" y="1604520"/>
-            <a:ext cx="3533040" cy="1896840"/>
-          </a:xfrm>
-          <a:prstGeom prst="rect">
-            <a:avLst/>
-          </a:prstGeom>
-          <a:noFill/>
-          <a:ln w="0">
-            <a:noFill/>
-          </a:ln>
-        </p:spPr>
-        <p:txBody>
-          <a:bodyPr lIns="0" rIns="0" tIns="0" bIns="0" anchor="t">
-            <a:normAutofit/>
-          </a:bodyPr>
-          <a:p>
-            <a:pPr indent="0">
-              <a:spcBef>
-                <a:spcPts val="1417"/>
-              </a:spcBef>
-              <a:buNone/>
-            </a:pPr>
-            <a:endParaRPr b="0" lang="en-GB" sz="3200" spc="-1" strike="noStrike">
-              <a:solidFill>
-                <a:srgbClr val="000000"/>
-              </a:solidFill>
-              <a:latin typeface="Arial"/>
-            </a:endParaRPr>
-          </a:p>
-        </p:txBody>
-      </p:sp>
-      <p:sp>
-        <p:nvSpPr>
-          <p:cNvPr id="42" name="PlaceHolder 4"/>
-          <p:cNvSpPr>
-            <a:spLocks noGrp="1"/>
-          </p:cNvSpPr>
-          <p:nvPr>
-            <p:ph/>
-          </p:nvPr>
-        </p:nvSpPr>
-        <p:spPr>
-          <a:xfrm>
-            <a:off x="8029800" y="1604520"/>
-            <a:ext cx="3533040" cy="1896840"/>
-          </a:xfrm>
-          <a:prstGeom prst="rect">
-            <a:avLst/>
-          </a:prstGeom>
-          <a:noFill/>
-          <a:ln w="0">
-            <a:noFill/>
-          </a:ln>
-        </p:spPr>
-        <p:txBody>
-          <a:bodyPr lIns="0" rIns="0" tIns="0" bIns="0" anchor="t">
-            <a:normAutofit/>
-          </a:bodyPr>
-          <a:p>
-            <a:pPr indent="0">
-              <a:spcBef>
-                <a:spcPts val="1417"/>
-              </a:spcBef>
-              <a:buNone/>
-            </a:pPr>
-            <a:endParaRPr b="0" lang="en-GB" sz="3200" spc="-1" strike="noStrike">
-              <a:solidFill>
-                <a:srgbClr val="000000"/>
-              </a:solidFill>
-              <a:latin typeface="Arial"/>
-            </a:endParaRPr>
-          </a:p>
-        </p:txBody>
-      </p:sp>
-      <p:sp>
-        <p:nvSpPr>
-          <p:cNvPr id="43" name="PlaceHolder 5"/>
-          <p:cNvSpPr>
-            <a:spLocks noGrp="1"/>
-          </p:cNvSpPr>
-          <p:nvPr>
-            <p:ph/>
-          </p:nvPr>
-        </p:nvSpPr>
-        <p:spPr>
-          <a:xfrm>
-            <a:off x="609480" y="3682080"/>
-            <a:ext cx="3533040" cy="1896840"/>
-          </a:xfrm>
-          <a:prstGeom prst="rect">
-            <a:avLst/>
-          </a:prstGeom>
-          <a:noFill/>
-          <a:ln w="0">
-            <a:noFill/>
-          </a:ln>
-        </p:spPr>
-        <p:txBody>
-          <a:bodyPr lIns="0" rIns="0" tIns="0" bIns="0" anchor="t">
-            <a:normAutofit/>
-          </a:bodyPr>
-          <a:p>
-            <a:pPr indent="0">
-              <a:spcBef>
-                <a:spcPts val="1417"/>
-              </a:spcBef>
-              <a:buNone/>
-            </a:pPr>
-            <a:endParaRPr b="0" lang="en-GB" sz="3200" spc="-1" strike="noStrike">
-              <a:solidFill>
-                <a:srgbClr val="000000"/>
-              </a:solidFill>
-              <a:latin typeface="Arial"/>
-            </a:endParaRPr>
-          </a:p>
-        </p:txBody>
-      </p:sp>
-      <p:sp>
-        <p:nvSpPr>
-          <p:cNvPr id="44" name="PlaceHolder 6"/>
-          <p:cNvSpPr>
-            <a:spLocks noGrp="1"/>
-          </p:cNvSpPr>
-          <p:nvPr>
-            <p:ph/>
-          </p:nvPr>
-        </p:nvSpPr>
-        <p:spPr>
-          <a:xfrm>
-            <a:off x="4319640" y="3682080"/>
-            <a:ext cx="3533040" cy="1896840"/>
-          </a:xfrm>
-          <a:prstGeom prst="rect">
-            <a:avLst/>
-          </a:prstGeom>
-          <a:noFill/>
-          <a:ln w="0">
-            <a:noFill/>
-          </a:ln>
-        </p:spPr>
-        <p:txBody>
-          <a:bodyPr lIns="0" rIns="0" tIns="0" bIns="0" anchor="t">
-            <a:normAutofit/>
-          </a:bodyPr>
-          <a:p>
-            <a:pPr indent="0">
-              <a:spcBef>
-                <a:spcPts val="1417"/>
-              </a:spcBef>
-              <a:buNone/>
-            </a:pPr>
-            <a:endParaRPr b="0" lang="en-GB" sz="3200" spc="-1" strike="noStrike">
-              <a:solidFill>
-                <a:srgbClr val="000000"/>
-              </a:solidFill>
-              <a:latin typeface="Arial"/>
-            </a:endParaRPr>
-          </a:p>
-        </p:txBody>
-      </p:sp>
-      <p:sp>
-        <p:nvSpPr>
-          <p:cNvPr id="45" name="PlaceHolder 7"/>
-          <p:cNvSpPr>
-            <a:spLocks noGrp="1"/>
-          </p:cNvSpPr>
-          <p:nvPr>
-            <p:ph/>
-          </p:nvPr>
-        </p:nvSpPr>
-        <p:spPr>
-          <a:xfrm>
-            <a:off x="8029800" y="3682080"/>
-            <a:ext cx="3533040" cy="1896840"/>
-          </a:xfrm>
-          <a:prstGeom prst="rect">
-            <a:avLst/>
-          </a:prstGeom>
-          <a:noFill/>
-          <a:ln w="0">
-            <a:noFill/>
-          </a:ln>
-        </p:spPr>
-        <p:txBody>
-          <a:bodyPr lIns="0" rIns="0" tIns="0" bIns="0" anchor="t">
-            <a:normAutofit/>
-          </a:bodyPr>
-          <a:p>
-            <a:pPr indent="0">
-              <a:spcBef>
-                <a:spcPts val="1417"/>
-              </a:spcBef>
-              <a:buNone/>
-            </a:pPr>
-            <a:endParaRPr b="0" lang="en-GB" sz="3200" spc="-1" strike="noStrike">
-              <a:solidFill>
-                <a:srgbClr val="000000"/>
-              </a:solidFill>
-              <a:latin typeface="Arial"/>
-            </a:endParaRPr>
-          </a:p>
-        </p:txBody>
-      </p:sp>
-    </p:spTree>
-  </p:cSld>
-</p:sldLayout>
-</file>
-
-<file path=ppt/slideLayouts/slideLayout13.xml><?xml version="1.0" encoding="utf-8"?>
-<p:sldLayout xmlns:a="http://schemas.openxmlformats.org/drawingml/2006/main" xmlns:p="http://schemas.openxmlformats.org/presentationml/2006/main" xmlns:r="http://schemas.openxmlformats.org/officeDocument/2006/relationships" xmlns:p14="http://schemas.microsoft.com/office/powerpoint/2010/main" xmlns:p15="http://schemas.microsoft.com/office/powerpoint/2012/main" xmlns:mc="http://schemas.openxmlformats.org/markup-compatibility/2006" type="blank" preserve="1">
-  <p:cSld name="Blank Slide">
+  <p:cSld name="Default 6">
     <p:spTree>
       <p:nvGrpSpPr>
         <p:cNvPr id="1" name=""/>
@@ -780,9 +78,9 @@
 </p:sldLayout>
 </file>
 
-<file path=ppt/slideLayouts/slideLayout14.xml><?xml version="1.0" encoding="utf-8"?>
-<p:sldLayout xmlns:a="http://schemas.openxmlformats.org/drawingml/2006/main" xmlns:p="http://schemas.openxmlformats.org/presentationml/2006/main" xmlns:r="http://schemas.openxmlformats.org/officeDocument/2006/relationships" xmlns:p14="http://schemas.microsoft.com/office/powerpoint/2010/main" xmlns:p15="http://schemas.microsoft.com/office/powerpoint/2012/main" xmlns:mc="http://schemas.openxmlformats.org/markup-compatibility/2006" type="tx" preserve="1">
-  <p:cSld name="Title Slide">
+<file path=ppt/slideLayouts/slideLayout3.xml><?xml version="1.0" encoding="utf-8"?>
+<p:sldLayout xmlns:a="http://schemas.openxmlformats.org/drawingml/2006/main" xmlns:p="http://schemas.openxmlformats.org/presentationml/2006/main" xmlns:r="http://schemas.openxmlformats.org/officeDocument/2006/relationships" xmlns:p14="http://schemas.microsoft.com/office/powerpoint/2010/main" xmlns:p15="http://schemas.microsoft.com/office/powerpoint/2012/main" xmlns:mc="http://schemas.openxmlformats.org/markup-compatibility/2006" type="blank" preserve="1">
+  <p:cSld name="Default 18">
     <p:spTree>
       <p:nvGrpSpPr>
         <p:cNvPr id="1" name=""/>
@@ -797,4560 +95,6 @@
           <a:chExt cx="0" cy="0"/>
         </a:xfrm>
       </p:grpSpPr>
-      <p:sp>
-        <p:nvSpPr>
-          <p:cNvPr id="56" name="PlaceHolder 1"/>
-          <p:cNvSpPr>
-            <a:spLocks noGrp="1"/>
-          </p:cNvSpPr>
-          <p:nvPr>
-            <p:ph type="title"/>
-          </p:nvPr>
-        </p:nvSpPr>
-        <p:spPr>
-          <a:xfrm>
-            <a:off x="609480" y="273600"/>
-            <a:ext cx="10972440" cy="1144800"/>
-          </a:xfrm>
-          <a:prstGeom prst="rect">
-            <a:avLst/>
-          </a:prstGeom>
-          <a:noFill/>
-          <a:ln w="0">
-            <a:noFill/>
-          </a:ln>
-        </p:spPr>
-        <p:txBody>
-          <a:bodyPr lIns="0" rIns="0" tIns="0" bIns="0" anchor="ctr">
-            <a:noAutofit/>
-          </a:bodyPr>
-          <a:p>
-            <a:pPr indent="0" algn="ctr">
-              <a:buNone/>
-            </a:pPr>
-            <a:endParaRPr b="0" lang="en-GB" sz="4400" spc="-1" strike="noStrike">
-              <a:solidFill>
-                <a:srgbClr val="000000"/>
-              </a:solidFill>
-              <a:latin typeface="Arial"/>
-            </a:endParaRPr>
-          </a:p>
-        </p:txBody>
-      </p:sp>
-      <p:sp>
-        <p:nvSpPr>
-          <p:cNvPr id="57" name="PlaceHolder 2"/>
-          <p:cNvSpPr>
-            <a:spLocks noGrp="1"/>
-          </p:cNvSpPr>
-          <p:nvPr>
-            <p:ph type="subTitle"/>
-          </p:nvPr>
-        </p:nvSpPr>
-        <p:spPr>
-          <a:xfrm>
-            <a:off x="609480" y="1604520"/>
-            <a:ext cx="10972440" cy="3977280"/>
-          </a:xfrm>
-          <a:prstGeom prst="rect">
-            <a:avLst/>
-          </a:prstGeom>
-          <a:noFill/>
-          <a:ln w="0">
-            <a:noFill/>
-          </a:ln>
-        </p:spPr>
-        <p:txBody>
-          <a:bodyPr lIns="0" rIns="0" tIns="0" bIns="0" anchor="ctr">
-            <a:noAutofit/>
-          </a:bodyPr>
-          <a:p>
-            <a:pPr indent="0" algn="ctr">
-              <a:buNone/>
-            </a:pPr>
-            <a:endParaRPr b="0" lang="en-GB" sz="3200" spc="-1" strike="noStrike">
-              <a:solidFill>
-                <a:srgbClr val="000000"/>
-              </a:solidFill>
-              <a:latin typeface="Arial"/>
-            </a:endParaRPr>
-          </a:p>
-        </p:txBody>
-      </p:sp>
-    </p:spTree>
-  </p:cSld>
-</p:sldLayout>
-</file>
-
-<file path=ppt/slideLayouts/slideLayout15.xml><?xml version="1.0" encoding="utf-8"?>
-<p:sldLayout xmlns:a="http://schemas.openxmlformats.org/drawingml/2006/main" xmlns:p="http://schemas.openxmlformats.org/presentationml/2006/main" xmlns:r="http://schemas.openxmlformats.org/officeDocument/2006/relationships" xmlns:p14="http://schemas.microsoft.com/office/powerpoint/2010/main" xmlns:p15="http://schemas.microsoft.com/office/powerpoint/2012/main" xmlns:mc="http://schemas.openxmlformats.org/markup-compatibility/2006" type="obj" preserve="1">
-  <p:cSld name="Title, Content">
-    <p:spTree>
-      <p:nvGrpSpPr>
-        <p:cNvPr id="1" name=""/>
-        <p:cNvGrpSpPr/>
-        <p:nvPr/>
-      </p:nvGrpSpPr>
-      <p:grpSpPr>
-        <a:xfrm>
-          <a:off x="0" y="0"/>
-          <a:ext cx="0" cy="0"/>
-          <a:chOff x="0" y="0"/>
-          <a:chExt cx="0" cy="0"/>
-        </a:xfrm>
-      </p:grpSpPr>
-      <p:sp>
-        <p:nvSpPr>
-          <p:cNvPr id="58" name="PlaceHolder 1"/>
-          <p:cNvSpPr>
-            <a:spLocks noGrp="1"/>
-          </p:cNvSpPr>
-          <p:nvPr>
-            <p:ph type="title"/>
-          </p:nvPr>
-        </p:nvSpPr>
-        <p:spPr>
-          <a:xfrm>
-            <a:off x="609480" y="273600"/>
-            <a:ext cx="10972440" cy="1144800"/>
-          </a:xfrm>
-          <a:prstGeom prst="rect">
-            <a:avLst/>
-          </a:prstGeom>
-          <a:noFill/>
-          <a:ln w="0">
-            <a:noFill/>
-          </a:ln>
-        </p:spPr>
-        <p:txBody>
-          <a:bodyPr lIns="0" rIns="0" tIns="0" bIns="0" anchor="ctr">
-            <a:noAutofit/>
-          </a:bodyPr>
-          <a:p>
-            <a:pPr indent="0" algn="ctr">
-              <a:buNone/>
-            </a:pPr>
-            <a:endParaRPr b="0" lang="en-GB" sz="4400" spc="-1" strike="noStrike">
-              <a:solidFill>
-                <a:srgbClr val="000000"/>
-              </a:solidFill>
-              <a:latin typeface="Arial"/>
-            </a:endParaRPr>
-          </a:p>
-        </p:txBody>
-      </p:sp>
-      <p:sp>
-        <p:nvSpPr>
-          <p:cNvPr id="59" name="PlaceHolder 2"/>
-          <p:cNvSpPr>
-            <a:spLocks noGrp="1"/>
-          </p:cNvSpPr>
-          <p:nvPr>
-            <p:ph/>
-          </p:nvPr>
-        </p:nvSpPr>
-        <p:spPr>
-          <a:xfrm>
-            <a:off x="609480" y="1604520"/>
-            <a:ext cx="10972440" cy="3977280"/>
-          </a:xfrm>
-          <a:prstGeom prst="rect">
-            <a:avLst/>
-          </a:prstGeom>
-          <a:noFill/>
-          <a:ln w="0">
-            <a:noFill/>
-          </a:ln>
-        </p:spPr>
-        <p:txBody>
-          <a:bodyPr lIns="0" rIns="0" tIns="0" bIns="0" anchor="t">
-            <a:normAutofit/>
-          </a:bodyPr>
-          <a:p>
-            <a:pPr indent="0">
-              <a:spcBef>
-                <a:spcPts val="1417"/>
-              </a:spcBef>
-              <a:buNone/>
-            </a:pPr>
-            <a:endParaRPr b="0" lang="en-GB" sz="3200" spc="-1" strike="noStrike">
-              <a:solidFill>
-                <a:srgbClr val="000000"/>
-              </a:solidFill>
-              <a:latin typeface="Arial"/>
-            </a:endParaRPr>
-          </a:p>
-        </p:txBody>
-      </p:sp>
-    </p:spTree>
-  </p:cSld>
-</p:sldLayout>
-</file>
-
-<file path=ppt/slideLayouts/slideLayout16.xml><?xml version="1.0" encoding="utf-8"?>
-<p:sldLayout xmlns:a="http://schemas.openxmlformats.org/drawingml/2006/main" xmlns:p="http://schemas.openxmlformats.org/presentationml/2006/main" xmlns:r="http://schemas.openxmlformats.org/officeDocument/2006/relationships" xmlns:p14="http://schemas.microsoft.com/office/powerpoint/2010/main" xmlns:p15="http://schemas.microsoft.com/office/powerpoint/2012/main" xmlns:mc="http://schemas.openxmlformats.org/markup-compatibility/2006" type="twoObj" preserve="1">
-  <p:cSld name="Title, 2 Content">
-    <p:spTree>
-      <p:nvGrpSpPr>
-        <p:cNvPr id="1" name=""/>
-        <p:cNvGrpSpPr/>
-        <p:nvPr/>
-      </p:nvGrpSpPr>
-      <p:grpSpPr>
-        <a:xfrm>
-          <a:off x="0" y="0"/>
-          <a:ext cx="0" cy="0"/>
-          <a:chOff x="0" y="0"/>
-          <a:chExt cx="0" cy="0"/>
-        </a:xfrm>
-      </p:grpSpPr>
-      <p:sp>
-        <p:nvSpPr>
-          <p:cNvPr id="60" name="PlaceHolder 1"/>
-          <p:cNvSpPr>
-            <a:spLocks noGrp="1"/>
-          </p:cNvSpPr>
-          <p:nvPr>
-            <p:ph type="title"/>
-          </p:nvPr>
-        </p:nvSpPr>
-        <p:spPr>
-          <a:xfrm>
-            <a:off x="609480" y="273600"/>
-            <a:ext cx="10972440" cy="1144800"/>
-          </a:xfrm>
-          <a:prstGeom prst="rect">
-            <a:avLst/>
-          </a:prstGeom>
-          <a:noFill/>
-          <a:ln w="0">
-            <a:noFill/>
-          </a:ln>
-        </p:spPr>
-        <p:txBody>
-          <a:bodyPr lIns="0" rIns="0" tIns="0" bIns="0" anchor="ctr">
-            <a:noAutofit/>
-          </a:bodyPr>
-          <a:p>
-            <a:pPr indent="0" algn="ctr">
-              <a:buNone/>
-            </a:pPr>
-            <a:endParaRPr b="0" lang="en-GB" sz="4400" spc="-1" strike="noStrike">
-              <a:solidFill>
-                <a:srgbClr val="000000"/>
-              </a:solidFill>
-              <a:latin typeface="Arial"/>
-            </a:endParaRPr>
-          </a:p>
-        </p:txBody>
-      </p:sp>
-      <p:sp>
-        <p:nvSpPr>
-          <p:cNvPr id="61" name="PlaceHolder 2"/>
-          <p:cNvSpPr>
-            <a:spLocks noGrp="1"/>
-          </p:cNvSpPr>
-          <p:nvPr>
-            <p:ph/>
-          </p:nvPr>
-        </p:nvSpPr>
-        <p:spPr>
-          <a:xfrm>
-            <a:off x="609480" y="1604520"/>
-            <a:ext cx="5354280" cy="3977280"/>
-          </a:xfrm>
-          <a:prstGeom prst="rect">
-            <a:avLst/>
-          </a:prstGeom>
-          <a:noFill/>
-          <a:ln w="0">
-            <a:noFill/>
-          </a:ln>
-        </p:spPr>
-        <p:txBody>
-          <a:bodyPr lIns="0" rIns="0" tIns="0" bIns="0" anchor="t">
-            <a:normAutofit/>
-          </a:bodyPr>
-          <a:p>
-            <a:pPr indent="0">
-              <a:spcBef>
-                <a:spcPts val="1417"/>
-              </a:spcBef>
-              <a:buNone/>
-            </a:pPr>
-            <a:endParaRPr b="0" lang="en-GB" sz="3200" spc="-1" strike="noStrike">
-              <a:solidFill>
-                <a:srgbClr val="000000"/>
-              </a:solidFill>
-              <a:latin typeface="Arial"/>
-            </a:endParaRPr>
-          </a:p>
-        </p:txBody>
-      </p:sp>
-      <p:sp>
-        <p:nvSpPr>
-          <p:cNvPr id="62" name="PlaceHolder 3"/>
-          <p:cNvSpPr>
-            <a:spLocks noGrp="1"/>
-          </p:cNvSpPr>
-          <p:nvPr>
-            <p:ph/>
-          </p:nvPr>
-        </p:nvSpPr>
-        <p:spPr>
-          <a:xfrm>
-            <a:off x="6231960" y="1604520"/>
-            <a:ext cx="5354280" cy="3977280"/>
-          </a:xfrm>
-          <a:prstGeom prst="rect">
-            <a:avLst/>
-          </a:prstGeom>
-          <a:noFill/>
-          <a:ln w="0">
-            <a:noFill/>
-          </a:ln>
-        </p:spPr>
-        <p:txBody>
-          <a:bodyPr lIns="0" rIns="0" tIns="0" bIns="0" anchor="t">
-            <a:normAutofit/>
-          </a:bodyPr>
-          <a:p>
-            <a:pPr indent="0">
-              <a:spcBef>
-                <a:spcPts val="1417"/>
-              </a:spcBef>
-              <a:buNone/>
-            </a:pPr>
-            <a:endParaRPr b="0" lang="en-GB" sz="3200" spc="-1" strike="noStrike">
-              <a:solidFill>
-                <a:srgbClr val="000000"/>
-              </a:solidFill>
-              <a:latin typeface="Arial"/>
-            </a:endParaRPr>
-          </a:p>
-        </p:txBody>
-      </p:sp>
-    </p:spTree>
-  </p:cSld>
-</p:sldLayout>
-</file>
-
-<file path=ppt/slideLayouts/slideLayout17.xml><?xml version="1.0" encoding="utf-8"?>
-<p:sldLayout xmlns:a="http://schemas.openxmlformats.org/drawingml/2006/main" xmlns:p="http://schemas.openxmlformats.org/presentationml/2006/main" xmlns:r="http://schemas.openxmlformats.org/officeDocument/2006/relationships" xmlns:p14="http://schemas.microsoft.com/office/powerpoint/2010/main" xmlns:p15="http://schemas.microsoft.com/office/powerpoint/2012/main" xmlns:mc="http://schemas.openxmlformats.org/markup-compatibility/2006" type="titleOnly" preserve="1">
-  <p:cSld name="Title Only">
-    <p:spTree>
-      <p:nvGrpSpPr>
-        <p:cNvPr id="1" name=""/>
-        <p:cNvGrpSpPr/>
-        <p:nvPr/>
-      </p:nvGrpSpPr>
-      <p:grpSpPr>
-        <a:xfrm>
-          <a:off x="0" y="0"/>
-          <a:ext cx="0" cy="0"/>
-          <a:chOff x="0" y="0"/>
-          <a:chExt cx="0" cy="0"/>
-        </a:xfrm>
-      </p:grpSpPr>
-      <p:sp>
-        <p:nvSpPr>
-          <p:cNvPr id="63" name="PlaceHolder 1"/>
-          <p:cNvSpPr>
-            <a:spLocks noGrp="1"/>
-          </p:cNvSpPr>
-          <p:nvPr>
-            <p:ph type="title"/>
-          </p:nvPr>
-        </p:nvSpPr>
-        <p:spPr>
-          <a:xfrm>
-            <a:off x="609480" y="273600"/>
-            <a:ext cx="10972440" cy="1144800"/>
-          </a:xfrm>
-          <a:prstGeom prst="rect">
-            <a:avLst/>
-          </a:prstGeom>
-          <a:noFill/>
-          <a:ln w="0">
-            <a:noFill/>
-          </a:ln>
-        </p:spPr>
-        <p:txBody>
-          <a:bodyPr lIns="0" rIns="0" tIns="0" bIns="0" anchor="ctr">
-            <a:noAutofit/>
-          </a:bodyPr>
-          <a:p>
-            <a:pPr indent="0" algn="ctr">
-              <a:buNone/>
-            </a:pPr>
-            <a:endParaRPr b="0" lang="en-GB" sz="4400" spc="-1" strike="noStrike">
-              <a:solidFill>
-                <a:srgbClr val="000000"/>
-              </a:solidFill>
-              <a:latin typeface="Arial"/>
-            </a:endParaRPr>
-          </a:p>
-        </p:txBody>
-      </p:sp>
-    </p:spTree>
-  </p:cSld>
-</p:sldLayout>
-</file>
-
-<file path=ppt/slideLayouts/slideLayout18.xml><?xml version="1.0" encoding="utf-8"?>
-<p:sldLayout xmlns:a="http://schemas.openxmlformats.org/drawingml/2006/main" xmlns:p="http://schemas.openxmlformats.org/presentationml/2006/main" xmlns:r="http://schemas.openxmlformats.org/officeDocument/2006/relationships" xmlns:p14="http://schemas.microsoft.com/office/powerpoint/2010/main" xmlns:p15="http://schemas.microsoft.com/office/powerpoint/2012/main" xmlns:mc="http://schemas.openxmlformats.org/markup-compatibility/2006" type="objOnly" preserve="1">
-  <p:cSld name="Centered Text">
-    <p:spTree>
-      <p:nvGrpSpPr>
-        <p:cNvPr id="1" name=""/>
-        <p:cNvGrpSpPr/>
-        <p:nvPr/>
-      </p:nvGrpSpPr>
-      <p:grpSpPr>
-        <a:xfrm>
-          <a:off x="0" y="0"/>
-          <a:ext cx="0" cy="0"/>
-          <a:chOff x="0" y="0"/>
-          <a:chExt cx="0" cy="0"/>
-        </a:xfrm>
-      </p:grpSpPr>
-      <p:sp>
-        <p:nvSpPr>
-          <p:cNvPr id="64" name="PlaceHolder 1"/>
-          <p:cNvSpPr>
-            <a:spLocks noGrp="1"/>
-          </p:cNvSpPr>
-          <p:nvPr>
-            <p:ph type="subTitle"/>
-          </p:nvPr>
-        </p:nvSpPr>
-        <p:spPr>
-          <a:xfrm>
-            <a:off x="609480" y="273600"/>
-            <a:ext cx="10972440" cy="5307840"/>
-          </a:xfrm>
-          <a:prstGeom prst="rect">
-            <a:avLst/>
-          </a:prstGeom>
-          <a:noFill/>
-          <a:ln w="0">
-            <a:noFill/>
-          </a:ln>
-        </p:spPr>
-        <p:txBody>
-          <a:bodyPr lIns="0" rIns="0" tIns="0" bIns="0" anchor="ctr">
-            <a:noAutofit/>
-          </a:bodyPr>
-          <a:p>
-            <a:pPr algn="ctr"/>
-            <a:endParaRPr b="0" lang="en-GB" sz="3200" spc="-1" strike="noStrike">
-              <a:solidFill>
-                <a:srgbClr val="000000"/>
-              </a:solidFill>
-              <a:latin typeface="Arial"/>
-            </a:endParaRPr>
-          </a:p>
-        </p:txBody>
-      </p:sp>
-    </p:spTree>
-  </p:cSld>
-</p:sldLayout>
-</file>
-
-<file path=ppt/slideLayouts/slideLayout19.xml><?xml version="1.0" encoding="utf-8"?>
-<p:sldLayout xmlns:a="http://schemas.openxmlformats.org/drawingml/2006/main" xmlns:p="http://schemas.openxmlformats.org/presentationml/2006/main" xmlns:r="http://schemas.openxmlformats.org/officeDocument/2006/relationships" xmlns:p14="http://schemas.microsoft.com/office/powerpoint/2010/main" xmlns:p15="http://schemas.microsoft.com/office/powerpoint/2012/main" xmlns:mc="http://schemas.openxmlformats.org/markup-compatibility/2006" type="twoObjAndObj" preserve="1">
-  <p:cSld name="Title, 2 Content and Content">
-    <p:spTree>
-      <p:nvGrpSpPr>
-        <p:cNvPr id="1" name=""/>
-        <p:cNvGrpSpPr/>
-        <p:nvPr/>
-      </p:nvGrpSpPr>
-      <p:grpSpPr>
-        <a:xfrm>
-          <a:off x="0" y="0"/>
-          <a:ext cx="0" cy="0"/>
-          <a:chOff x="0" y="0"/>
-          <a:chExt cx="0" cy="0"/>
-        </a:xfrm>
-      </p:grpSpPr>
-      <p:sp>
-        <p:nvSpPr>
-          <p:cNvPr id="65" name="PlaceHolder 1"/>
-          <p:cNvSpPr>
-            <a:spLocks noGrp="1"/>
-          </p:cNvSpPr>
-          <p:nvPr>
-            <p:ph type="title"/>
-          </p:nvPr>
-        </p:nvSpPr>
-        <p:spPr>
-          <a:xfrm>
-            <a:off x="609480" y="273600"/>
-            <a:ext cx="10972440" cy="1144800"/>
-          </a:xfrm>
-          <a:prstGeom prst="rect">
-            <a:avLst/>
-          </a:prstGeom>
-          <a:noFill/>
-          <a:ln w="0">
-            <a:noFill/>
-          </a:ln>
-        </p:spPr>
-        <p:txBody>
-          <a:bodyPr lIns="0" rIns="0" tIns="0" bIns="0" anchor="ctr">
-            <a:noAutofit/>
-          </a:bodyPr>
-          <a:p>
-            <a:pPr indent="0" algn="ctr">
-              <a:buNone/>
-            </a:pPr>
-            <a:endParaRPr b="0" lang="en-GB" sz="4400" spc="-1" strike="noStrike">
-              <a:solidFill>
-                <a:srgbClr val="000000"/>
-              </a:solidFill>
-              <a:latin typeface="Arial"/>
-            </a:endParaRPr>
-          </a:p>
-        </p:txBody>
-      </p:sp>
-      <p:sp>
-        <p:nvSpPr>
-          <p:cNvPr id="66" name="PlaceHolder 2"/>
-          <p:cNvSpPr>
-            <a:spLocks noGrp="1"/>
-          </p:cNvSpPr>
-          <p:nvPr>
-            <p:ph/>
-          </p:nvPr>
-        </p:nvSpPr>
-        <p:spPr>
-          <a:xfrm>
-            <a:off x="609480" y="1604520"/>
-            <a:ext cx="5354280" cy="1896840"/>
-          </a:xfrm>
-          <a:prstGeom prst="rect">
-            <a:avLst/>
-          </a:prstGeom>
-          <a:noFill/>
-          <a:ln w="0">
-            <a:noFill/>
-          </a:ln>
-        </p:spPr>
-        <p:txBody>
-          <a:bodyPr lIns="0" rIns="0" tIns="0" bIns="0" anchor="t">
-            <a:normAutofit/>
-          </a:bodyPr>
-          <a:p>
-            <a:pPr indent="0">
-              <a:spcBef>
-                <a:spcPts val="1417"/>
-              </a:spcBef>
-              <a:buNone/>
-            </a:pPr>
-            <a:endParaRPr b="0" lang="en-GB" sz="3200" spc="-1" strike="noStrike">
-              <a:solidFill>
-                <a:srgbClr val="000000"/>
-              </a:solidFill>
-              <a:latin typeface="Arial"/>
-            </a:endParaRPr>
-          </a:p>
-        </p:txBody>
-      </p:sp>
-      <p:sp>
-        <p:nvSpPr>
-          <p:cNvPr id="67" name="PlaceHolder 3"/>
-          <p:cNvSpPr>
-            <a:spLocks noGrp="1"/>
-          </p:cNvSpPr>
-          <p:nvPr>
-            <p:ph/>
-          </p:nvPr>
-        </p:nvSpPr>
-        <p:spPr>
-          <a:xfrm>
-            <a:off x="6231960" y="1604520"/>
-            <a:ext cx="5354280" cy="3977280"/>
-          </a:xfrm>
-          <a:prstGeom prst="rect">
-            <a:avLst/>
-          </a:prstGeom>
-          <a:noFill/>
-          <a:ln w="0">
-            <a:noFill/>
-          </a:ln>
-        </p:spPr>
-        <p:txBody>
-          <a:bodyPr lIns="0" rIns="0" tIns="0" bIns="0" anchor="t">
-            <a:normAutofit/>
-          </a:bodyPr>
-          <a:p>
-            <a:pPr indent="0">
-              <a:spcBef>
-                <a:spcPts val="1417"/>
-              </a:spcBef>
-              <a:buNone/>
-            </a:pPr>
-            <a:endParaRPr b="0" lang="en-GB" sz="3200" spc="-1" strike="noStrike">
-              <a:solidFill>
-                <a:srgbClr val="000000"/>
-              </a:solidFill>
-              <a:latin typeface="Arial"/>
-            </a:endParaRPr>
-          </a:p>
-        </p:txBody>
-      </p:sp>
-      <p:sp>
-        <p:nvSpPr>
-          <p:cNvPr id="68" name="PlaceHolder 4"/>
-          <p:cNvSpPr>
-            <a:spLocks noGrp="1"/>
-          </p:cNvSpPr>
-          <p:nvPr>
-            <p:ph/>
-          </p:nvPr>
-        </p:nvSpPr>
-        <p:spPr>
-          <a:xfrm>
-            <a:off x="609480" y="3682080"/>
-            <a:ext cx="5354280" cy="1896840"/>
-          </a:xfrm>
-          <a:prstGeom prst="rect">
-            <a:avLst/>
-          </a:prstGeom>
-          <a:noFill/>
-          <a:ln w="0">
-            <a:noFill/>
-          </a:ln>
-        </p:spPr>
-        <p:txBody>
-          <a:bodyPr lIns="0" rIns="0" tIns="0" bIns="0" anchor="t">
-            <a:normAutofit/>
-          </a:bodyPr>
-          <a:p>
-            <a:pPr indent="0">
-              <a:spcBef>
-                <a:spcPts val="1417"/>
-              </a:spcBef>
-              <a:buNone/>
-            </a:pPr>
-            <a:endParaRPr b="0" lang="en-GB" sz="3200" spc="-1" strike="noStrike">
-              <a:solidFill>
-                <a:srgbClr val="000000"/>
-              </a:solidFill>
-              <a:latin typeface="Arial"/>
-            </a:endParaRPr>
-          </a:p>
-        </p:txBody>
-      </p:sp>
-    </p:spTree>
-  </p:cSld>
-</p:sldLayout>
-</file>
-
-<file path=ppt/slideLayouts/slideLayout2.xml><?xml version="1.0" encoding="utf-8"?>
-<p:sldLayout xmlns:a="http://schemas.openxmlformats.org/drawingml/2006/main" xmlns:p="http://schemas.openxmlformats.org/presentationml/2006/main" xmlns:r="http://schemas.openxmlformats.org/officeDocument/2006/relationships" xmlns:p14="http://schemas.microsoft.com/office/powerpoint/2010/main" xmlns:p15="http://schemas.microsoft.com/office/powerpoint/2012/main" xmlns:mc="http://schemas.openxmlformats.org/markup-compatibility/2006" type="tx" preserve="1">
-  <p:cSld name="Title Slide">
-    <p:spTree>
-      <p:nvGrpSpPr>
-        <p:cNvPr id="1" name=""/>
-        <p:cNvGrpSpPr/>
-        <p:nvPr/>
-      </p:nvGrpSpPr>
-      <p:grpSpPr>
-        <a:xfrm>
-          <a:off x="0" y="0"/>
-          <a:ext cx="0" cy="0"/>
-          <a:chOff x="0" y="0"/>
-          <a:chExt cx="0" cy="0"/>
-        </a:xfrm>
-      </p:grpSpPr>
-      <p:sp>
-        <p:nvSpPr>
-          <p:cNvPr id="10" name="PlaceHolder 1"/>
-          <p:cNvSpPr>
-            <a:spLocks noGrp="1"/>
-          </p:cNvSpPr>
-          <p:nvPr>
-            <p:ph type="title"/>
-          </p:nvPr>
-        </p:nvSpPr>
-        <p:spPr>
-          <a:xfrm>
-            <a:off x="609480" y="273600"/>
-            <a:ext cx="10972440" cy="1144800"/>
-          </a:xfrm>
-          <a:prstGeom prst="rect">
-            <a:avLst/>
-          </a:prstGeom>
-          <a:noFill/>
-          <a:ln w="0">
-            <a:noFill/>
-          </a:ln>
-        </p:spPr>
-        <p:txBody>
-          <a:bodyPr lIns="0" rIns="0" tIns="0" bIns="0" anchor="ctr">
-            <a:noAutofit/>
-          </a:bodyPr>
-          <a:p>
-            <a:pPr indent="0" algn="ctr">
-              <a:buNone/>
-            </a:pPr>
-            <a:endParaRPr b="0" lang="en-GB" sz="4400" spc="-1" strike="noStrike">
-              <a:solidFill>
-                <a:srgbClr val="000000"/>
-              </a:solidFill>
-              <a:latin typeface="Arial"/>
-            </a:endParaRPr>
-          </a:p>
-        </p:txBody>
-      </p:sp>
-      <p:sp>
-        <p:nvSpPr>
-          <p:cNvPr id="11" name="PlaceHolder 2"/>
-          <p:cNvSpPr>
-            <a:spLocks noGrp="1"/>
-          </p:cNvSpPr>
-          <p:nvPr>
-            <p:ph type="subTitle"/>
-          </p:nvPr>
-        </p:nvSpPr>
-        <p:spPr>
-          <a:xfrm>
-            <a:off x="609480" y="1604520"/>
-            <a:ext cx="10972440" cy="3977280"/>
-          </a:xfrm>
-          <a:prstGeom prst="rect">
-            <a:avLst/>
-          </a:prstGeom>
-          <a:noFill/>
-          <a:ln w="0">
-            <a:noFill/>
-          </a:ln>
-        </p:spPr>
-        <p:txBody>
-          <a:bodyPr lIns="0" rIns="0" tIns="0" bIns="0" anchor="ctr">
-            <a:noAutofit/>
-          </a:bodyPr>
-          <a:p>
-            <a:pPr indent="0" algn="ctr">
-              <a:buNone/>
-            </a:pPr>
-            <a:endParaRPr b="0" lang="en-GB" sz="3200" spc="-1" strike="noStrike">
-              <a:solidFill>
-                <a:srgbClr val="000000"/>
-              </a:solidFill>
-              <a:latin typeface="Arial"/>
-            </a:endParaRPr>
-          </a:p>
-        </p:txBody>
-      </p:sp>
-    </p:spTree>
-  </p:cSld>
-</p:sldLayout>
-</file>
-
-<file path=ppt/slideLayouts/slideLayout20.xml><?xml version="1.0" encoding="utf-8"?>
-<p:sldLayout xmlns:a="http://schemas.openxmlformats.org/drawingml/2006/main" xmlns:p="http://schemas.openxmlformats.org/presentationml/2006/main" xmlns:r="http://schemas.openxmlformats.org/officeDocument/2006/relationships" xmlns:p14="http://schemas.microsoft.com/office/powerpoint/2010/main" xmlns:p15="http://schemas.microsoft.com/office/powerpoint/2012/main" xmlns:mc="http://schemas.openxmlformats.org/markup-compatibility/2006" type="objAndTwoObj" preserve="1">
-  <p:cSld name="Title Content and 2 Content">
-    <p:spTree>
-      <p:nvGrpSpPr>
-        <p:cNvPr id="1" name=""/>
-        <p:cNvGrpSpPr/>
-        <p:nvPr/>
-      </p:nvGrpSpPr>
-      <p:grpSpPr>
-        <a:xfrm>
-          <a:off x="0" y="0"/>
-          <a:ext cx="0" cy="0"/>
-          <a:chOff x="0" y="0"/>
-          <a:chExt cx="0" cy="0"/>
-        </a:xfrm>
-      </p:grpSpPr>
-      <p:sp>
-        <p:nvSpPr>
-          <p:cNvPr id="69" name="PlaceHolder 1"/>
-          <p:cNvSpPr>
-            <a:spLocks noGrp="1"/>
-          </p:cNvSpPr>
-          <p:nvPr>
-            <p:ph type="title"/>
-          </p:nvPr>
-        </p:nvSpPr>
-        <p:spPr>
-          <a:xfrm>
-            <a:off x="609480" y="273600"/>
-            <a:ext cx="10972440" cy="1144800"/>
-          </a:xfrm>
-          <a:prstGeom prst="rect">
-            <a:avLst/>
-          </a:prstGeom>
-          <a:noFill/>
-          <a:ln w="0">
-            <a:noFill/>
-          </a:ln>
-        </p:spPr>
-        <p:txBody>
-          <a:bodyPr lIns="0" rIns="0" tIns="0" bIns="0" anchor="ctr">
-            <a:noAutofit/>
-          </a:bodyPr>
-          <a:p>
-            <a:pPr indent="0" algn="ctr">
-              <a:buNone/>
-            </a:pPr>
-            <a:endParaRPr b="0" lang="en-GB" sz="4400" spc="-1" strike="noStrike">
-              <a:solidFill>
-                <a:srgbClr val="000000"/>
-              </a:solidFill>
-              <a:latin typeface="Arial"/>
-            </a:endParaRPr>
-          </a:p>
-        </p:txBody>
-      </p:sp>
-      <p:sp>
-        <p:nvSpPr>
-          <p:cNvPr id="70" name="PlaceHolder 2"/>
-          <p:cNvSpPr>
-            <a:spLocks noGrp="1"/>
-          </p:cNvSpPr>
-          <p:nvPr>
-            <p:ph/>
-          </p:nvPr>
-        </p:nvSpPr>
-        <p:spPr>
-          <a:xfrm>
-            <a:off x="609480" y="1604520"/>
-            <a:ext cx="5354280" cy="3977280"/>
-          </a:xfrm>
-          <a:prstGeom prst="rect">
-            <a:avLst/>
-          </a:prstGeom>
-          <a:noFill/>
-          <a:ln w="0">
-            <a:noFill/>
-          </a:ln>
-        </p:spPr>
-        <p:txBody>
-          <a:bodyPr lIns="0" rIns="0" tIns="0" bIns="0" anchor="t">
-            <a:normAutofit/>
-          </a:bodyPr>
-          <a:p>
-            <a:pPr indent="0">
-              <a:spcBef>
-                <a:spcPts val="1417"/>
-              </a:spcBef>
-              <a:buNone/>
-            </a:pPr>
-            <a:endParaRPr b="0" lang="en-GB" sz="3200" spc="-1" strike="noStrike">
-              <a:solidFill>
-                <a:srgbClr val="000000"/>
-              </a:solidFill>
-              <a:latin typeface="Arial"/>
-            </a:endParaRPr>
-          </a:p>
-        </p:txBody>
-      </p:sp>
-      <p:sp>
-        <p:nvSpPr>
-          <p:cNvPr id="71" name="PlaceHolder 3"/>
-          <p:cNvSpPr>
-            <a:spLocks noGrp="1"/>
-          </p:cNvSpPr>
-          <p:nvPr>
-            <p:ph/>
-          </p:nvPr>
-        </p:nvSpPr>
-        <p:spPr>
-          <a:xfrm>
-            <a:off x="6231960" y="1604520"/>
-            <a:ext cx="5354280" cy="1896840"/>
-          </a:xfrm>
-          <a:prstGeom prst="rect">
-            <a:avLst/>
-          </a:prstGeom>
-          <a:noFill/>
-          <a:ln w="0">
-            <a:noFill/>
-          </a:ln>
-        </p:spPr>
-        <p:txBody>
-          <a:bodyPr lIns="0" rIns="0" tIns="0" bIns="0" anchor="t">
-            <a:normAutofit/>
-          </a:bodyPr>
-          <a:p>
-            <a:pPr indent="0">
-              <a:spcBef>
-                <a:spcPts val="1417"/>
-              </a:spcBef>
-              <a:buNone/>
-            </a:pPr>
-            <a:endParaRPr b="0" lang="en-GB" sz="3200" spc="-1" strike="noStrike">
-              <a:solidFill>
-                <a:srgbClr val="000000"/>
-              </a:solidFill>
-              <a:latin typeface="Arial"/>
-            </a:endParaRPr>
-          </a:p>
-        </p:txBody>
-      </p:sp>
-      <p:sp>
-        <p:nvSpPr>
-          <p:cNvPr id="72" name="PlaceHolder 4"/>
-          <p:cNvSpPr>
-            <a:spLocks noGrp="1"/>
-          </p:cNvSpPr>
-          <p:nvPr>
-            <p:ph/>
-          </p:nvPr>
-        </p:nvSpPr>
-        <p:spPr>
-          <a:xfrm>
-            <a:off x="6231960" y="3682080"/>
-            <a:ext cx="5354280" cy="1896840"/>
-          </a:xfrm>
-          <a:prstGeom prst="rect">
-            <a:avLst/>
-          </a:prstGeom>
-          <a:noFill/>
-          <a:ln w="0">
-            <a:noFill/>
-          </a:ln>
-        </p:spPr>
-        <p:txBody>
-          <a:bodyPr lIns="0" rIns="0" tIns="0" bIns="0" anchor="t">
-            <a:normAutofit/>
-          </a:bodyPr>
-          <a:p>
-            <a:pPr indent="0">
-              <a:spcBef>
-                <a:spcPts val="1417"/>
-              </a:spcBef>
-              <a:buNone/>
-            </a:pPr>
-            <a:endParaRPr b="0" lang="en-GB" sz="3200" spc="-1" strike="noStrike">
-              <a:solidFill>
-                <a:srgbClr val="000000"/>
-              </a:solidFill>
-              <a:latin typeface="Arial"/>
-            </a:endParaRPr>
-          </a:p>
-        </p:txBody>
-      </p:sp>
-    </p:spTree>
-  </p:cSld>
-</p:sldLayout>
-</file>
-
-<file path=ppt/slideLayouts/slideLayout21.xml><?xml version="1.0" encoding="utf-8"?>
-<p:sldLayout xmlns:a="http://schemas.openxmlformats.org/drawingml/2006/main" xmlns:p="http://schemas.openxmlformats.org/presentationml/2006/main" xmlns:r="http://schemas.openxmlformats.org/officeDocument/2006/relationships" xmlns:p14="http://schemas.microsoft.com/office/powerpoint/2010/main" xmlns:p15="http://schemas.microsoft.com/office/powerpoint/2012/main" xmlns:mc="http://schemas.openxmlformats.org/markup-compatibility/2006" type="twoObjOverTx" preserve="1">
-  <p:cSld name="Title, 2 Content over Content">
-    <p:spTree>
-      <p:nvGrpSpPr>
-        <p:cNvPr id="1" name=""/>
-        <p:cNvGrpSpPr/>
-        <p:nvPr/>
-      </p:nvGrpSpPr>
-      <p:grpSpPr>
-        <a:xfrm>
-          <a:off x="0" y="0"/>
-          <a:ext cx="0" cy="0"/>
-          <a:chOff x="0" y="0"/>
-          <a:chExt cx="0" cy="0"/>
-        </a:xfrm>
-      </p:grpSpPr>
-      <p:sp>
-        <p:nvSpPr>
-          <p:cNvPr id="73" name="PlaceHolder 1"/>
-          <p:cNvSpPr>
-            <a:spLocks noGrp="1"/>
-          </p:cNvSpPr>
-          <p:nvPr>
-            <p:ph type="title"/>
-          </p:nvPr>
-        </p:nvSpPr>
-        <p:spPr>
-          <a:xfrm>
-            <a:off x="609480" y="273600"/>
-            <a:ext cx="10972440" cy="1144800"/>
-          </a:xfrm>
-          <a:prstGeom prst="rect">
-            <a:avLst/>
-          </a:prstGeom>
-          <a:noFill/>
-          <a:ln w="0">
-            <a:noFill/>
-          </a:ln>
-        </p:spPr>
-        <p:txBody>
-          <a:bodyPr lIns="0" rIns="0" tIns="0" bIns="0" anchor="ctr">
-            <a:noAutofit/>
-          </a:bodyPr>
-          <a:p>
-            <a:pPr indent="0" algn="ctr">
-              <a:buNone/>
-            </a:pPr>
-            <a:endParaRPr b="0" lang="en-GB" sz="4400" spc="-1" strike="noStrike">
-              <a:solidFill>
-                <a:srgbClr val="000000"/>
-              </a:solidFill>
-              <a:latin typeface="Arial"/>
-            </a:endParaRPr>
-          </a:p>
-        </p:txBody>
-      </p:sp>
-      <p:sp>
-        <p:nvSpPr>
-          <p:cNvPr id="74" name="PlaceHolder 2"/>
-          <p:cNvSpPr>
-            <a:spLocks noGrp="1"/>
-          </p:cNvSpPr>
-          <p:nvPr>
-            <p:ph/>
-          </p:nvPr>
-        </p:nvSpPr>
-        <p:spPr>
-          <a:xfrm>
-            <a:off x="609480" y="1604520"/>
-            <a:ext cx="5354280" cy="1896840"/>
-          </a:xfrm>
-          <a:prstGeom prst="rect">
-            <a:avLst/>
-          </a:prstGeom>
-          <a:noFill/>
-          <a:ln w="0">
-            <a:noFill/>
-          </a:ln>
-        </p:spPr>
-        <p:txBody>
-          <a:bodyPr lIns="0" rIns="0" tIns="0" bIns="0" anchor="t">
-            <a:normAutofit/>
-          </a:bodyPr>
-          <a:p>
-            <a:pPr indent="0">
-              <a:spcBef>
-                <a:spcPts val="1417"/>
-              </a:spcBef>
-              <a:buNone/>
-            </a:pPr>
-            <a:endParaRPr b="0" lang="en-GB" sz="3200" spc="-1" strike="noStrike">
-              <a:solidFill>
-                <a:srgbClr val="000000"/>
-              </a:solidFill>
-              <a:latin typeface="Arial"/>
-            </a:endParaRPr>
-          </a:p>
-        </p:txBody>
-      </p:sp>
-      <p:sp>
-        <p:nvSpPr>
-          <p:cNvPr id="75" name="PlaceHolder 3"/>
-          <p:cNvSpPr>
-            <a:spLocks noGrp="1"/>
-          </p:cNvSpPr>
-          <p:nvPr>
-            <p:ph/>
-          </p:nvPr>
-        </p:nvSpPr>
-        <p:spPr>
-          <a:xfrm>
-            <a:off x="6231960" y="1604520"/>
-            <a:ext cx="5354280" cy="1896840"/>
-          </a:xfrm>
-          <a:prstGeom prst="rect">
-            <a:avLst/>
-          </a:prstGeom>
-          <a:noFill/>
-          <a:ln w="0">
-            <a:noFill/>
-          </a:ln>
-        </p:spPr>
-        <p:txBody>
-          <a:bodyPr lIns="0" rIns="0" tIns="0" bIns="0" anchor="t">
-            <a:normAutofit/>
-          </a:bodyPr>
-          <a:p>
-            <a:pPr indent="0">
-              <a:spcBef>
-                <a:spcPts val="1417"/>
-              </a:spcBef>
-              <a:buNone/>
-            </a:pPr>
-            <a:endParaRPr b="0" lang="en-GB" sz="3200" spc="-1" strike="noStrike">
-              <a:solidFill>
-                <a:srgbClr val="000000"/>
-              </a:solidFill>
-              <a:latin typeface="Arial"/>
-            </a:endParaRPr>
-          </a:p>
-        </p:txBody>
-      </p:sp>
-      <p:sp>
-        <p:nvSpPr>
-          <p:cNvPr id="76" name="PlaceHolder 4"/>
-          <p:cNvSpPr>
-            <a:spLocks noGrp="1"/>
-          </p:cNvSpPr>
-          <p:nvPr>
-            <p:ph/>
-          </p:nvPr>
-        </p:nvSpPr>
-        <p:spPr>
-          <a:xfrm>
-            <a:off x="609480" y="3682080"/>
-            <a:ext cx="10972440" cy="1896840"/>
-          </a:xfrm>
-          <a:prstGeom prst="rect">
-            <a:avLst/>
-          </a:prstGeom>
-          <a:noFill/>
-          <a:ln w="0">
-            <a:noFill/>
-          </a:ln>
-        </p:spPr>
-        <p:txBody>
-          <a:bodyPr lIns="0" rIns="0" tIns="0" bIns="0" anchor="t">
-            <a:normAutofit/>
-          </a:bodyPr>
-          <a:p>
-            <a:pPr indent="0">
-              <a:spcBef>
-                <a:spcPts val="1417"/>
-              </a:spcBef>
-              <a:buNone/>
-            </a:pPr>
-            <a:endParaRPr b="0" lang="en-GB" sz="3200" spc="-1" strike="noStrike">
-              <a:solidFill>
-                <a:srgbClr val="000000"/>
-              </a:solidFill>
-              <a:latin typeface="Arial"/>
-            </a:endParaRPr>
-          </a:p>
-        </p:txBody>
-      </p:sp>
-    </p:spTree>
-  </p:cSld>
-</p:sldLayout>
-</file>
-
-<file path=ppt/slideLayouts/slideLayout22.xml><?xml version="1.0" encoding="utf-8"?>
-<p:sldLayout xmlns:a="http://schemas.openxmlformats.org/drawingml/2006/main" xmlns:p="http://schemas.openxmlformats.org/presentationml/2006/main" xmlns:r="http://schemas.openxmlformats.org/officeDocument/2006/relationships" xmlns:p14="http://schemas.microsoft.com/office/powerpoint/2010/main" xmlns:p15="http://schemas.microsoft.com/office/powerpoint/2012/main" xmlns:mc="http://schemas.openxmlformats.org/markup-compatibility/2006" type="objOverTx" preserve="1">
-  <p:cSld name="Title, Content over Content">
-    <p:spTree>
-      <p:nvGrpSpPr>
-        <p:cNvPr id="1" name=""/>
-        <p:cNvGrpSpPr/>
-        <p:nvPr/>
-      </p:nvGrpSpPr>
-      <p:grpSpPr>
-        <a:xfrm>
-          <a:off x="0" y="0"/>
-          <a:ext cx="0" cy="0"/>
-          <a:chOff x="0" y="0"/>
-          <a:chExt cx="0" cy="0"/>
-        </a:xfrm>
-      </p:grpSpPr>
-      <p:sp>
-        <p:nvSpPr>
-          <p:cNvPr id="77" name="PlaceHolder 1"/>
-          <p:cNvSpPr>
-            <a:spLocks noGrp="1"/>
-          </p:cNvSpPr>
-          <p:nvPr>
-            <p:ph type="title"/>
-          </p:nvPr>
-        </p:nvSpPr>
-        <p:spPr>
-          <a:xfrm>
-            <a:off x="609480" y="273600"/>
-            <a:ext cx="10972440" cy="1144800"/>
-          </a:xfrm>
-          <a:prstGeom prst="rect">
-            <a:avLst/>
-          </a:prstGeom>
-          <a:noFill/>
-          <a:ln w="0">
-            <a:noFill/>
-          </a:ln>
-        </p:spPr>
-        <p:txBody>
-          <a:bodyPr lIns="0" rIns="0" tIns="0" bIns="0" anchor="ctr">
-            <a:noAutofit/>
-          </a:bodyPr>
-          <a:p>
-            <a:pPr indent="0" algn="ctr">
-              <a:buNone/>
-            </a:pPr>
-            <a:endParaRPr b="0" lang="en-GB" sz="4400" spc="-1" strike="noStrike">
-              <a:solidFill>
-                <a:srgbClr val="000000"/>
-              </a:solidFill>
-              <a:latin typeface="Arial"/>
-            </a:endParaRPr>
-          </a:p>
-        </p:txBody>
-      </p:sp>
-      <p:sp>
-        <p:nvSpPr>
-          <p:cNvPr id="78" name="PlaceHolder 2"/>
-          <p:cNvSpPr>
-            <a:spLocks noGrp="1"/>
-          </p:cNvSpPr>
-          <p:nvPr>
-            <p:ph/>
-          </p:nvPr>
-        </p:nvSpPr>
-        <p:spPr>
-          <a:xfrm>
-            <a:off x="609480" y="1604520"/>
-            <a:ext cx="10972440" cy="1896840"/>
-          </a:xfrm>
-          <a:prstGeom prst="rect">
-            <a:avLst/>
-          </a:prstGeom>
-          <a:noFill/>
-          <a:ln w="0">
-            <a:noFill/>
-          </a:ln>
-        </p:spPr>
-        <p:txBody>
-          <a:bodyPr lIns="0" rIns="0" tIns="0" bIns="0" anchor="t">
-            <a:normAutofit/>
-          </a:bodyPr>
-          <a:p>
-            <a:pPr indent="0">
-              <a:spcBef>
-                <a:spcPts val="1417"/>
-              </a:spcBef>
-              <a:buNone/>
-            </a:pPr>
-            <a:endParaRPr b="0" lang="en-GB" sz="3200" spc="-1" strike="noStrike">
-              <a:solidFill>
-                <a:srgbClr val="000000"/>
-              </a:solidFill>
-              <a:latin typeface="Arial"/>
-            </a:endParaRPr>
-          </a:p>
-        </p:txBody>
-      </p:sp>
-      <p:sp>
-        <p:nvSpPr>
-          <p:cNvPr id="79" name="PlaceHolder 3"/>
-          <p:cNvSpPr>
-            <a:spLocks noGrp="1"/>
-          </p:cNvSpPr>
-          <p:nvPr>
-            <p:ph/>
-          </p:nvPr>
-        </p:nvSpPr>
-        <p:spPr>
-          <a:xfrm>
-            <a:off x="609480" y="3682080"/>
-            <a:ext cx="10972440" cy="1896840"/>
-          </a:xfrm>
-          <a:prstGeom prst="rect">
-            <a:avLst/>
-          </a:prstGeom>
-          <a:noFill/>
-          <a:ln w="0">
-            <a:noFill/>
-          </a:ln>
-        </p:spPr>
-        <p:txBody>
-          <a:bodyPr lIns="0" rIns="0" tIns="0" bIns="0" anchor="t">
-            <a:normAutofit/>
-          </a:bodyPr>
-          <a:p>
-            <a:pPr indent="0">
-              <a:spcBef>
-                <a:spcPts val="1417"/>
-              </a:spcBef>
-              <a:buNone/>
-            </a:pPr>
-            <a:endParaRPr b="0" lang="en-GB" sz="3200" spc="-1" strike="noStrike">
-              <a:solidFill>
-                <a:srgbClr val="000000"/>
-              </a:solidFill>
-              <a:latin typeface="Arial"/>
-            </a:endParaRPr>
-          </a:p>
-        </p:txBody>
-      </p:sp>
-    </p:spTree>
-  </p:cSld>
-</p:sldLayout>
-</file>
-
-<file path=ppt/slideLayouts/slideLayout23.xml><?xml version="1.0" encoding="utf-8"?>
-<p:sldLayout xmlns:a="http://schemas.openxmlformats.org/drawingml/2006/main" xmlns:p="http://schemas.openxmlformats.org/presentationml/2006/main" xmlns:r="http://schemas.openxmlformats.org/officeDocument/2006/relationships" xmlns:p14="http://schemas.microsoft.com/office/powerpoint/2010/main" xmlns:p15="http://schemas.microsoft.com/office/powerpoint/2012/main" xmlns:mc="http://schemas.openxmlformats.org/markup-compatibility/2006" type="fourObj" preserve="1">
-  <p:cSld name="Title, 4 Content">
-    <p:spTree>
-      <p:nvGrpSpPr>
-        <p:cNvPr id="1" name=""/>
-        <p:cNvGrpSpPr/>
-        <p:nvPr/>
-      </p:nvGrpSpPr>
-      <p:grpSpPr>
-        <a:xfrm>
-          <a:off x="0" y="0"/>
-          <a:ext cx="0" cy="0"/>
-          <a:chOff x="0" y="0"/>
-          <a:chExt cx="0" cy="0"/>
-        </a:xfrm>
-      </p:grpSpPr>
-      <p:sp>
-        <p:nvSpPr>
-          <p:cNvPr id="80" name="PlaceHolder 1"/>
-          <p:cNvSpPr>
-            <a:spLocks noGrp="1"/>
-          </p:cNvSpPr>
-          <p:nvPr>
-            <p:ph type="title"/>
-          </p:nvPr>
-        </p:nvSpPr>
-        <p:spPr>
-          <a:xfrm>
-            <a:off x="609480" y="273600"/>
-            <a:ext cx="10972440" cy="1144800"/>
-          </a:xfrm>
-          <a:prstGeom prst="rect">
-            <a:avLst/>
-          </a:prstGeom>
-          <a:noFill/>
-          <a:ln w="0">
-            <a:noFill/>
-          </a:ln>
-        </p:spPr>
-        <p:txBody>
-          <a:bodyPr lIns="0" rIns="0" tIns="0" bIns="0" anchor="ctr">
-            <a:noAutofit/>
-          </a:bodyPr>
-          <a:p>
-            <a:pPr indent="0" algn="ctr">
-              <a:buNone/>
-            </a:pPr>
-            <a:endParaRPr b="0" lang="en-GB" sz="4400" spc="-1" strike="noStrike">
-              <a:solidFill>
-                <a:srgbClr val="000000"/>
-              </a:solidFill>
-              <a:latin typeface="Arial"/>
-            </a:endParaRPr>
-          </a:p>
-        </p:txBody>
-      </p:sp>
-      <p:sp>
-        <p:nvSpPr>
-          <p:cNvPr id="81" name="PlaceHolder 2"/>
-          <p:cNvSpPr>
-            <a:spLocks noGrp="1"/>
-          </p:cNvSpPr>
-          <p:nvPr>
-            <p:ph/>
-          </p:nvPr>
-        </p:nvSpPr>
-        <p:spPr>
-          <a:xfrm>
-            <a:off x="609480" y="1604520"/>
-            <a:ext cx="5354280" cy="1896840"/>
-          </a:xfrm>
-          <a:prstGeom prst="rect">
-            <a:avLst/>
-          </a:prstGeom>
-          <a:noFill/>
-          <a:ln w="0">
-            <a:noFill/>
-          </a:ln>
-        </p:spPr>
-        <p:txBody>
-          <a:bodyPr lIns="0" rIns="0" tIns="0" bIns="0" anchor="t">
-            <a:normAutofit/>
-          </a:bodyPr>
-          <a:p>
-            <a:pPr indent="0">
-              <a:spcBef>
-                <a:spcPts val="1417"/>
-              </a:spcBef>
-              <a:buNone/>
-            </a:pPr>
-            <a:endParaRPr b="0" lang="en-GB" sz="3200" spc="-1" strike="noStrike">
-              <a:solidFill>
-                <a:srgbClr val="000000"/>
-              </a:solidFill>
-              <a:latin typeface="Arial"/>
-            </a:endParaRPr>
-          </a:p>
-        </p:txBody>
-      </p:sp>
-      <p:sp>
-        <p:nvSpPr>
-          <p:cNvPr id="82" name="PlaceHolder 3"/>
-          <p:cNvSpPr>
-            <a:spLocks noGrp="1"/>
-          </p:cNvSpPr>
-          <p:nvPr>
-            <p:ph/>
-          </p:nvPr>
-        </p:nvSpPr>
-        <p:spPr>
-          <a:xfrm>
-            <a:off x="6231960" y="1604520"/>
-            <a:ext cx="5354280" cy="1896840"/>
-          </a:xfrm>
-          <a:prstGeom prst="rect">
-            <a:avLst/>
-          </a:prstGeom>
-          <a:noFill/>
-          <a:ln w="0">
-            <a:noFill/>
-          </a:ln>
-        </p:spPr>
-        <p:txBody>
-          <a:bodyPr lIns="0" rIns="0" tIns="0" bIns="0" anchor="t">
-            <a:normAutofit/>
-          </a:bodyPr>
-          <a:p>
-            <a:pPr indent="0">
-              <a:spcBef>
-                <a:spcPts val="1417"/>
-              </a:spcBef>
-              <a:buNone/>
-            </a:pPr>
-            <a:endParaRPr b="0" lang="en-GB" sz="3200" spc="-1" strike="noStrike">
-              <a:solidFill>
-                <a:srgbClr val="000000"/>
-              </a:solidFill>
-              <a:latin typeface="Arial"/>
-            </a:endParaRPr>
-          </a:p>
-        </p:txBody>
-      </p:sp>
-      <p:sp>
-        <p:nvSpPr>
-          <p:cNvPr id="83" name="PlaceHolder 4"/>
-          <p:cNvSpPr>
-            <a:spLocks noGrp="1"/>
-          </p:cNvSpPr>
-          <p:nvPr>
-            <p:ph/>
-          </p:nvPr>
-        </p:nvSpPr>
-        <p:spPr>
-          <a:xfrm>
-            <a:off x="609480" y="3682080"/>
-            <a:ext cx="5354280" cy="1896840"/>
-          </a:xfrm>
-          <a:prstGeom prst="rect">
-            <a:avLst/>
-          </a:prstGeom>
-          <a:noFill/>
-          <a:ln w="0">
-            <a:noFill/>
-          </a:ln>
-        </p:spPr>
-        <p:txBody>
-          <a:bodyPr lIns="0" rIns="0" tIns="0" bIns="0" anchor="t">
-            <a:normAutofit/>
-          </a:bodyPr>
-          <a:p>
-            <a:pPr indent="0">
-              <a:spcBef>
-                <a:spcPts val="1417"/>
-              </a:spcBef>
-              <a:buNone/>
-            </a:pPr>
-            <a:endParaRPr b="0" lang="en-GB" sz="3200" spc="-1" strike="noStrike">
-              <a:solidFill>
-                <a:srgbClr val="000000"/>
-              </a:solidFill>
-              <a:latin typeface="Arial"/>
-            </a:endParaRPr>
-          </a:p>
-        </p:txBody>
-      </p:sp>
-      <p:sp>
-        <p:nvSpPr>
-          <p:cNvPr id="84" name="PlaceHolder 5"/>
-          <p:cNvSpPr>
-            <a:spLocks noGrp="1"/>
-          </p:cNvSpPr>
-          <p:nvPr>
-            <p:ph/>
-          </p:nvPr>
-        </p:nvSpPr>
-        <p:spPr>
-          <a:xfrm>
-            <a:off x="6231960" y="3682080"/>
-            <a:ext cx="5354280" cy="1896840"/>
-          </a:xfrm>
-          <a:prstGeom prst="rect">
-            <a:avLst/>
-          </a:prstGeom>
-          <a:noFill/>
-          <a:ln w="0">
-            <a:noFill/>
-          </a:ln>
-        </p:spPr>
-        <p:txBody>
-          <a:bodyPr lIns="0" rIns="0" tIns="0" bIns="0" anchor="t">
-            <a:normAutofit/>
-          </a:bodyPr>
-          <a:p>
-            <a:pPr indent="0">
-              <a:spcBef>
-                <a:spcPts val="1417"/>
-              </a:spcBef>
-              <a:buNone/>
-            </a:pPr>
-            <a:endParaRPr b="0" lang="en-GB" sz="3200" spc="-1" strike="noStrike">
-              <a:solidFill>
-                <a:srgbClr val="000000"/>
-              </a:solidFill>
-              <a:latin typeface="Arial"/>
-            </a:endParaRPr>
-          </a:p>
-        </p:txBody>
-      </p:sp>
-    </p:spTree>
-  </p:cSld>
-</p:sldLayout>
-</file>
-
-<file path=ppt/slideLayouts/slideLayout24.xml><?xml version="1.0" encoding="utf-8"?>
-<p:sldLayout xmlns:a="http://schemas.openxmlformats.org/drawingml/2006/main" xmlns:p="http://schemas.openxmlformats.org/presentationml/2006/main" xmlns:r="http://schemas.openxmlformats.org/officeDocument/2006/relationships" xmlns:p14="http://schemas.microsoft.com/office/powerpoint/2010/main" xmlns:p15="http://schemas.microsoft.com/office/powerpoint/2012/main" xmlns:mc="http://schemas.openxmlformats.org/markup-compatibility/2006" type="blank" preserve="1">
-  <p:cSld name="Title, 6 Content">
-    <p:spTree>
-      <p:nvGrpSpPr>
-        <p:cNvPr id="1" name=""/>
-        <p:cNvGrpSpPr/>
-        <p:nvPr/>
-      </p:nvGrpSpPr>
-      <p:grpSpPr>
-        <a:xfrm>
-          <a:off x="0" y="0"/>
-          <a:ext cx="0" cy="0"/>
-          <a:chOff x="0" y="0"/>
-          <a:chExt cx="0" cy="0"/>
-        </a:xfrm>
-      </p:grpSpPr>
-      <p:sp>
-        <p:nvSpPr>
-          <p:cNvPr id="85" name="PlaceHolder 1"/>
-          <p:cNvSpPr>
-            <a:spLocks noGrp="1"/>
-          </p:cNvSpPr>
-          <p:nvPr>
-            <p:ph type="title"/>
-          </p:nvPr>
-        </p:nvSpPr>
-        <p:spPr>
-          <a:xfrm>
-            <a:off x="609480" y="273600"/>
-            <a:ext cx="10972440" cy="1144800"/>
-          </a:xfrm>
-          <a:prstGeom prst="rect">
-            <a:avLst/>
-          </a:prstGeom>
-          <a:noFill/>
-          <a:ln w="0">
-            <a:noFill/>
-          </a:ln>
-        </p:spPr>
-        <p:txBody>
-          <a:bodyPr lIns="0" rIns="0" tIns="0" bIns="0" anchor="ctr">
-            <a:noAutofit/>
-          </a:bodyPr>
-          <a:p>
-            <a:pPr indent="0" algn="ctr">
-              <a:buNone/>
-            </a:pPr>
-            <a:endParaRPr b="0" lang="en-GB" sz="4400" spc="-1" strike="noStrike">
-              <a:solidFill>
-                <a:srgbClr val="000000"/>
-              </a:solidFill>
-              <a:latin typeface="Arial"/>
-            </a:endParaRPr>
-          </a:p>
-        </p:txBody>
-      </p:sp>
-      <p:sp>
-        <p:nvSpPr>
-          <p:cNvPr id="86" name="PlaceHolder 2"/>
-          <p:cNvSpPr>
-            <a:spLocks noGrp="1"/>
-          </p:cNvSpPr>
-          <p:nvPr>
-            <p:ph/>
-          </p:nvPr>
-        </p:nvSpPr>
-        <p:spPr>
-          <a:xfrm>
-            <a:off x="609480" y="1604520"/>
-            <a:ext cx="3533040" cy="1896840"/>
-          </a:xfrm>
-          <a:prstGeom prst="rect">
-            <a:avLst/>
-          </a:prstGeom>
-          <a:noFill/>
-          <a:ln w="0">
-            <a:noFill/>
-          </a:ln>
-        </p:spPr>
-        <p:txBody>
-          <a:bodyPr lIns="0" rIns="0" tIns="0" bIns="0" anchor="t">
-            <a:normAutofit/>
-          </a:bodyPr>
-          <a:p>
-            <a:pPr indent="0">
-              <a:spcBef>
-                <a:spcPts val="1417"/>
-              </a:spcBef>
-              <a:buNone/>
-            </a:pPr>
-            <a:endParaRPr b="0" lang="en-GB" sz="3200" spc="-1" strike="noStrike">
-              <a:solidFill>
-                <a:srgbClr val="000000"/>
-              </a:solidFill>
-              <a:latin typeface="Arial"/>
-            </a:endParaRPr>
-          </a:p>
-        </p:txBody>
-      </p:sp>
-      <p:sp>
-        <p:nvSpPr>
-          <p:cNvPr id="87" name="PlaceHolder 3"/>
-          <p:cNvSpPr>
-            <a:spLocks noGrp="1"/>
-          </p:cNvSpPr>
-          <p:nvPr>
-            <p:ph/>
-          </p:nvPr>
-        </p:nvSpPr>
-        <p:spPr>
-          <a:xfrm>
-            <a:off x="4319640" y="1604520"/>
-            <a:ext cx="3533040" cy="1896840"/>
-          </a:xfrm>
-          <a:prstGeom prst="rect">
-            <a:avLst/>
-          </a:prstGeom>
-          <a:noFill/>
-          <a:ln w="0">
-            <a:noFill/>
-          </a:ln>
-        </p:spPr>
-        <p:txBody>
-          <a:bodyPr lIns="0" rIns="0" tIns="0" bIns="0" anchor="t">
-            <a:normAutofit/>
-          </a:bodyPr>
-          <a:p>
-            <a:pPr indent="0">
-              <a:spcBef>
-                <a:spcPts val="1417"/>
-              </a:spcBef>
-              <a:buNone/>
-            </a:pPr>
-            <a:endParaRPr b="0" lang="en-GB" sz="3200" spc="-1" strike="noStrike">
-              <a:solidFill>
-                <a:srgbClr val="000000"/>
-              </a:solidFill>
-              <a:latin typeface="Arial"/>
-            </a:endParaRPr>
-          </a:p>
-        </p:txBody>
-      </p:sp>
-      <p:sp>
-        <p:nvSpPr>
-          <p:cNvPr id="88" name="PlaceHolder 4"/>
-          <p:cNvSpPr>
-            <a:spLocks noGrp="1"/>
-          </p:cNvSpPr>
-          <p:nvPr>
-            <p:ph/>
-          </p:nvPr>
-        </p:nvSpPr>
-        <p:spPr>
-          <a:xfrm>
-            <a:off x="8029800" y="1604520"/>
-            <a:ext cx="3533040" cy="1896840"/>
-          </a:xfrm>
-          <a:prstGeom prst="rect">
-            <a:avLst/>
-          </a:prstGeom>
-          <a:noFill/>
-          <a:ln w="0">
-            <a:noFill/>
-          </a:ln>
-        </p:spPr>
-        <p:txBody>
-          <a:bodyPr lIns="0" rIns="0" tIns="0" bIns="0" anchor="t">
-            <a:normAutofit/>
-          </a:bodyPr>
-          <a:p>
-            <a:pPr indent="0">
-              <a:spcBef>
-                <a:spcPts val="1417"/>
-              </a:spcBef>
-              <a:buNone/>
-            </a:pPr>
-            <a:endParaRPr b="0" lang="en-GB" sz="3200" spc="-1" strike="noStrike">
-              <a:solidFill>
-                <a:srgbClr val="000000"/>
-              </a:solidFill>
-              <a:latin typeface="Arial"/>
-            </a:endParaRPr>
-          </a:p>
-        </p:txBody>
-      </p:sp>
-      <p:sp>
-        <p:nvSpPr>
-          <p:cNvPr id="89" name="PlaceHolder 5"/>
-          <p:cNvSpPr>
-            <a:spLocks noGrp="1"/>
-          </p:cNvSpPr>
-          <p:nvPr>
-            <p:ph/>
-          </p:nvPr>
-        </p:nvSpPr>
-        <p:spPr>
-          <a:xfrm>
-            <a:off x="609480" y="3682080"/>
-            <a:ext cx="3533040" cy="1896840"/>
-          </a:xfrm>
-          <a:prstGeom prst="rect">
-            <a:avLst/>
-          </a:prstGeom>
-          <a:noFill/>
-          <a:ln w="0">
-            <a:noFill/>
-          </a:ln>
-        </p:spPr>
-        <p:txBody>
-          <a:bodyPr lIns="0" rIns="0" tIns="0" bIns="0" anchor="t">
-            <a:normAutofit/>
-          </a:bodyPr>
-          <a:p>
-            <a:pPr indent="0">
-              <a:spcBef>
-                <a:spcPts val="1417"/>
-              </a:spcBef>
-              <a:buNone/>
-            </a:pPr>
-            <a:endParaRPr b="0" lang="en-GB" sz="3200" spc="-1" strike="noStrike">
-              <a:solidFill>
-                <a:srgbClr val="000000"/>
-              </a:solidFill>
-              <a:latin typeface="Arial"/>
-            </a:endParaRPr>
-          </a:p>
-        </p:txBody>
-      </p:sp>
-      <p:sp>
-        <p:nvSpPr>
-          <p:cNvPr id="90" name="PlaceHolder 6"/>
-          <p:cNvSpPr>
-            <a:spLocks noGrp="1"/>
-          </p:cNvSpPr>
-          <p:nvPr>
-            <p:ph/>
-          </p:nvPr>
-        </p:nvSpPr>
-        <p:spPr>
-          <a:xfrm>
-            <a:off x="4319640" y="3682080"/>
-            <a:ext cx="3533040" cy="1896840"/>
-          </a:xfrm>
-          <a:prstGeom prst="rect">
-            <a:avLst/>
-          </a:prstGeom>
-          <a:noFill/>
-          <a:ln w="0">
-            <a:noFill/>
-          </a:ln>
-        </p:spPr>
-        <p:txBody>
-          <a:bodyPr lIns="0" rIns="0" tIns="0" bIns="0" anchor="t">
-            <a:normAutofit/>
-          </a:bodyPr>
-          <a:p>
-            <a:pPr indent="0">
-              <a:spcBef>
-                <a:spcPts val="1417"/>
-              </a:spcBef>
-              <a:buNone/>
-            </a:pPr>
-            <a:endParaRPr b="0" lang="en-GB" sz="3200" spc="-1" strike="noStrike">
-              <a:solidFill>
-                <a:srgbClr val="000000"/>
-              </a:solidFill>
-              <a:latin typeface="Arial"/>
-            </a:endParaRPr>
-          </a:p>
-        </p:txBody>
-      </p:sp>
-      <p:sp>
-        <p:nvSpPr>
-          <p:cNvPr id="91" name="PlaceHolder 7"/>
-          <p:cNvSpPr>
-            <a:spLocks noGrp="1"/>
-          </p:cNvSpPr>
-          <p:nvPr>
-            <p:ph/>
-          </p:nvPr>
-        </p:nvSpPr>
-        <p:spPr>
-          <a:xfrm>
-            <a:off x="8029800" y="3682080"/>
-            <a:ext cx="3533040" cy="1896840"/>
-          </a:xfrm>
-          <a:prstGeom prst="rect">
-            <a:avLst/>
-          </a:prstGeom>
-          <a:noFill/>
-          <a:ln w="0">
-            <a:noFill/>
-          </a:ln>
-        </p:spPr>
-        <p:txBody>
-          <a:bodyPr lIns="0" rIns="0" tIns="0" bIns="0" anchor="t">
-            <a:normAutofit/>
-          </a:bodyPr>
-          <a:p>
-            <a:pPr indent="0">
-              <a:spcBef>
-                <a:spcPts val="1417"/>
-              </a:spcBef>
-              <a:buNone/>
-            </a:pPr>
-            <a:endParaRPr b="0" lang="en-GB" sz="3200" spc="-1" strike="noStrike">
-              <a:solidFill>
-                <a:srgbClr val="000000"/>
-              </a:solidFill>
-              <a:latin typeface="Arial"/>
-            </a:endParaRPr>
-          </a:p>
-        </p:txBody>
-      </p:sp>
-    </p:spTree>
-  </p:cSld>
-</p:sldLayout>
-</file>
-
-<file path=ppt/slideLayouts/slideLayout25.xml><?xml version="1.0" encoding="utf-8"?>
-<p:sldLayout xmlns:a="http://schemas.openxmlformats.org/drawingml/2006/main" xmlns:p="http://schemas.openxmlformats.org/presentationml/2006/main" xmlns:r="http://schemas.openxmlformats.org/officeDocument/2006/relationships" xmlns:p14="http://schemas.microsoft.com/office/powerpoint/2010/main" xmlns:p15="http://schemas.microsoft.com/office/powerpoint/2012/main" xmlns:mc="http://schemas.openxmlformats.org/markup-compatibility/2006" type="blank" preserve="1">
-  <p:cSld name="Blank Slide">
-    <p:spTree>
-      <p:nvGrpSpPr>
-        <p:cNvPr id="1" name=""/>
-        <p:cNvGrpSpPr/>
-        <p:nvPr/>
-      </p:nvGrpSpPr>
-      <p:grpSpPr>
-        <a:xfrm>
-          <a:off x="0" y="0"/>
-          <a:ext cx="0" cy="0"/>
-          <a:chOff x="0" y="0"/>
-          <a:chExt cx="0" cy="0"/>
-        </a:xfrm>
-      </p:grpSpPr>
-    </p:spTree>
-  </p:cSld>
-</p:sldLayout>
-</file>
-
-<file path=ppt/slideLayouts/slideLayout26.xml><?xml version="1.0" encoding="utf-8"?>
-<p:sldLayout xmlns:a="http://schemas.openxmlformats.org/drawingml/2006/main" xmlns:p="http://schemas.openxmlformats.org/presentationml/2006/main" xmlns:r="http://schemas.openxmlformats.org/officeDocument/2006/relationships" xmlns:p14="http://schemas.microsoft.com/office/powerpoint/2010/main" xmlns:p15="http://schemas.microsoft.com/office/powerpoint/2012/main" xmlns:mc="http://schemas.openxmlformats.org/markup-compatibility/2006" type="tx" preserve="1">
-  <p:cSld name="Title Slide">
-    <p:spTree>
-      <p:nvGrpSpPr>
-        <p:cNvPr id="1" name=""/>
-        <p:cNvGrpSpPr/>
-        <p:nvPr/>
-      </p:nvGrpSpPr>
-      <p:grpSpPr>
-        <a:xfrm>
-          <a:off x="0" y="0"/>
-          <a:ext cx="0" cy="0"/>
-          <a:chOff x="0" y="0"/>
-          <a:chExt cx="0" cy="0"/>
-        </a:xfrm>
-      </p:grpSpPr>
-      <p:sp>
-        <p:nvSpPr>
-          <p:cNvPr id="102" name="PlaceHolder 1"/>
-          <p:cNvSpPr>
-            <a:spLocks noGrp="1"/>
-          </p:cNvSpPr>
-          <p:nvPr>
-            <p:ph type="title"/>
-          </p:nvPr>
-        </p:nvSpPr>
-        <p:spPr>
-          <a:xfrm>
-            <a:off x="609480" y="273600"/>
-            <a:ext cx="10972440" cy="1144800"/>
-          </a:xfrm>
-          <a:prstGeom prst="rect">
-            <a:avLst/>
-          </a:prstGeom>
-          <a:noFill/>
-          <a:ln w="0">
-            <a:noFill/>
-          </a:ln>
-        </p:spPr>
-        <p:txBody>
-          <a:bodyPr lIns="0" rIns="0" tIns="0" bIns="0" anchor="ctr">
-            <a:noAutofit/>
-          </a:bodyPr>
-          <a:p>
-            <a:pPr indent="0" algn="ctr">
-              <a:buNone/>
-            </a:pPr>
-            <a:endParaRPr b="0" lang="en-GB" sz="4400" spc="-1" strike="noStrike">
-              <a:solidFill>
-                <a:srgbClr val="000000"/>
-              </a:solidFill>
-              <a:latin typeface="Arial"/>
-            </a:endParaRPr>
-          </a:p>
-        </p:txBody>
-      </p:sp>
-      <p:sp>
-        <p:nvSpPr>
-          <p:cNvPr id="103" name="PlaceHolder 2"/>
-          <p:cNvSpPr>
-            <a:spLocks noGrp="1"/>
-          </p:cNvSpPr>
-          <p:nvPr>
-            <p:ph type="subTitle"/>
-          </p:nvPr>
-        </p:nvSpPr>
-        <p:spPr>
-          <a:xfrm>
-            <a:off x="609480" y="1604520"/>
-            <a:ext cx="10972440" cy="3977280"/>
-          </a:xfrm>
-          <a:prstGeom prst="rect">
-            <a:avLst/>
-          </a:prstGeom>
-          <a:noFill/>
-          <a:ln w="0">
-            <a:noFill/>
-          </a:ln>
-        </p:spPr>
-        <p:txBody>
-          <a:bodyPr lIns="0" rIns="0" tIns="0" bIns="0" anchor="ctr">
-            <a:noAutofit/>
-          </a:bodyPr>
-          <a:p>
-            <a:pPr indent="0" algn="ctr">
-              <a:buNone/>
-            </a:pPr>
-            <a:endParaRPr b="0" lang="en-GB" sz="3200" spc="-1" strike="noStrike">
-              <a:solidFill>
-                <a:srgbClr val="000000"/>
-              </a:solidFill>
-              <a:latin typeface="Arial"/>
-            </a:endParaRPr>
-          </a:p>
-        </p:txBody>
-      </p:sp>
-    </p:spTree>
-  </p:cSld>
-</p:sldLayout>
-</file>
-
-<file path=ppt/slideLayouts/slideLayout27.xml><?xml version="1.0" encoding="utf-8"?>
-<p:sldLayout xmlns:a="http://schemas.openxmlformats.org/drawingml/2006/main" xmlns:p="http://schemas.openxmlformats.org/presentationml/2006/main" xmlns:r="http://schemas.openxmlformats.org/officeDocument/2006/relationships" xmlns:p14="http://schemas.microsoft.com/office/powerpoint/2010/main" xmlns:p15="http://schemas.microsoft.com/office/powerpoint/2012/main" xmlns:mc="http://schemas.openxmlformats.org/markup-compatibility/2006" type="obj" preserve="1">
-  <p:cSld name="Title, Content">
-    <p:spTree>
-      <p:nvGrpSpPr>
-        <p:cNvPr id="1" name=""/>
-        <p:cNvGrpSpPr/>
-        <p:nvPr/>
-      </p:nvGrpSpPr>
-      <p:grpSpPr>
-        <a:xfrm>
-          <a:off x="0" y="0"/>
-          <a:ext cx="0" cy="0"/>
-          <a:chOff x="0" y="0"/>
-          <a:chExt cx="0" cy="0"/>
-        </a:xfrm>
-      </p:grpSpPr>
-      <p:sp>
-        <p:nvSpPr>
-          <p:cNvPr id="104" name="PlaceHolder 1"/>
-          <p:cNvSpPr>
-            <a:spLocks noGrp="1"/>
-          </p:cNvSpPr>
-          <p:nvPr>
-            <p:ph type="title"/>
-          </p:nvPr>
-        </p:nvSpPr>
-        <p:spPr>
-          <a:xfrm>
-            <a:off x="609480" y="273600"/>
-            <a:ext cx="10972440" cy="1144800"/>
-          </a:xfrm>
-          <a:prstGeom prst="rect">
-            <a:avLst/>
-          </a:prstGeom>
-          <a:noFill/>
-          <a:ln w="0">
-            <a:noFill/>
-          </a:ln>
-        </p:spPr>
-        <p:txBody>
-          <a:bodyPr lIns="0" rIns="0" tIns="0" bIns="0" anchor="ctr">
-            <a:noAutofit/>
-          </a:bodyPr>
-          <a:p>
-            <a:pPr indent="0" algn="ctr">
-              <a:buNone/>
-            </a:pPr>
-            <a:endParaRPr b="0" lang="en-GB" sz="4400" spc="-1" strike="noStrike">
-              <a:solidFill>
-                <a:srgbClr val="000000"/>
-              </a:solidFill>
-              <a:latin typeface="Arial"/>
-            </a:endParaRPr>
-          </a:p>
-        </p:txBody>
-      </p:sp>
-      <p:sp>
-        <p:nvSpPr>
-          <p:cNvPr id="105" name="PlaceHolder 2"/>
-          <p:cNvSpPr>
-            <a:spLocks noGrp="1"/>
-          </p:cNvSpPr>
-          <p:nvPr>
-            <p:ph/>
-          </p:nvPr>
-        </p:nvSpPr>
-        <p:spPr>
-          <a:xfrm>
-            <a:off x="609480" y="1604520"/>
-            <a:ext cx="10972440" cy="3977280"/>
-          </a:xfrm>
-          <a:prstGeom prst="rect">
-            <a:avLst/>
-          </a:prstGeom>
-          <a:noFill/>
-          <a:ln w="0">
-            <a:noFill/>
-          </a:ln>
-        </p:spPr>
-        <p:txBody>
-          <a:bodyPr lIns="0" rIns="0" tIns="0" bIns="0" anchor="t">
-            <a:normAutofit/>
-          </a:bodyPr>
-          <a:p>
-            <a:pPr indent="0">
-              <a:spcBef>
-                <a:spcPts val="1417"/>
-              </a:spcBef>
-              <a:buNone/>
-            </a:pPr>
-            <a:endParaRPr b="0" lang="en-GB" sz="3200" spc="-1" strike="noStrike">
-              <a:solidFill>
-                <a:srgbClr val="000000"/>
-              </a:solidFill>
-              <a:latin typeface="Arial"/>
-            </a:endParaRPr>
-          </a:p>
-        </p:txBody>
-      </p:sp>
-    </p:spTree>
-  </p:cSld>
-</p:sldLayout>
-</file>
-
-<file path=ppt/slideLayouts/slideLayout28.xml><?xml version="1.0" encoding="utf-8"?>
-<p:sldLayout xmlns:a="http://schemas.openxmlformats.org/drawingml/2006/main" xmlns:p="http://schemas.openxmlformats.org/presentationml/2006/main" xmlns:r="http://schemas.openxmlformats.org/officeDocument/2006/relationships" xmlns:p14="http://schemas.microsoft.com/office/powerpoint/2010/main" xmlns:p15="http://schemas.microsoft.com/office/powerpoint/2012/main" xmlns:mc="http://schemas.openxmlformats.org/markup-compatibility/2006" type="twoObj" preserve="1">
-  <p:cSld name="Title, 2 Content">
-    <p:spTree>
-      <p:nvGrpSpPr>
-        <p:cNvPr id="1" name=""/>
-        <p:cNvGrpSpPr/>
-        <p:nvPr/>
-      </p:nvGrpSpPr>
-      <p:grpSpPr>
-        <a:xfrm>
-          <a:off x="0" y="0"/>
-          <a:ext cx="0" cy="0"/>
-          <a:chOff x="0" y="0"/>
-          <a:chExt cx="0" cy="0"/>
-        </a:xfrm>
-      </p:grpSpPr>
-      <p:sp>
-        <p:nvSpPr>
-          <p:cNvPr id="106" name="PlaceHolder 1"/>
-          <p:cNvSpPr>
-            <a:spLocks noGrp="1"/>
-          </p:cNvSpPr>
-          <p:nvPr>
-            <p:ph type="title"/>
-          </p:nvPr>
-        </p:nvSpPr>
-        <p:spPr>
-          <a:xfrm>
-            <a:off x="609480" y="273600"/>
-            <a:ext cx="10972440" cy="1144800"/>
-          </a:xfrm>
-          <a:prstGeom prst="rect">
-            <a:avLst/>
-          </a:prstGeom>
-          <a:noFill/>
-          <a:ln w="0">
-            <a:noFill/>
-          </a:ln>
-        </p:spPr>
-        <p:txBody>
-          <a:bodyPr lIns="0" rIns="0" tIns="0" bIns="0" anchor="ctr">
-            <a:noAutofit/>
-          </a:bodyPr>
-          <a:p>
-            <a:pPr indent="0" algn="ctr">
-              <a:buNone/>
-            </a:pPr>
-            <a:endParaRPr b="0" lang="en-GB" sz="4400" spc="-1" strike="noStrike">
-              <a:solidFill>
-                <a:srgbClr val="000000"/>
-              </a:solidFill>
-              <a:latin typeface="Arial"/>
-            </a:endParaRPr>
-          </a:p>
-        </p:txBody>
-      </p:sp>
-      <p:sp>
-        <p:nvSpPr>
-          <p:cNvPr id="107" name="PlaceHolder 2"/>
-          <p:cNvSpPr>
-            <a:spLocks noGrp="1"/>
-          </p:cNvSpPr>
-          <p:nvPr>
-            <p:ph/>
-          </p:nvPr>
-        </p:nvSpPr>
-        <p:spPr>
-          <a:xfrm>
-            <a:off x="609480" y="1604520"/>
-            <a:ext cx="5354280" cy="3977280"/>
-          </a:xfrm>
-          <a:prstGeom prst="rect">
-            <a:avLst/>
-          </a:prstGeom>
-          <a:noFill/>
-          <a:ln w="0">
-            <a:noFill/>
-          </a:ln>
-        </p:spPr>
-        <p:txBody>
-          <a:bodyPr lIns="0" rIns="0" tIns="0" bIns="0" anchor="t">
-            <a:normAutofit/>
-          </a:bodyPr>
-          <a:p>
-            <a:pPr indent="0">
-              <a:spcBef>
-                <a:spcPts val="1417"/>
-              </a:spcBef>
-              <a:buNone/>
-            </a:pPr>
-            <a:endParaRPr b="0" lang="en-GB" sz="3200" spc="-1" strike="noStrike">
-              <a:solidFill>
-                <a:srgbClr val="000000"/>
-              </a:solidFill>
-              <a:latin typeface="Arial"/>
-            </a:endParaRPr>
-          </a:p>
-        </p:txBody>
-      </p:sp>
-      <p:sp>
-        <p:nvSpPr>
-          <p:cNvPr id="108" name="PlaceHolder 3"/>
-          <p:cNvSpPr>
-            <a:spLocks noGrp="1"/>
-          </p:cNvSpPr>
-          <p:nvPr>
-            <p:ph/>
-          </p:nvPr>
-        </p:nvSpPr>
-        <p:spPr>
-          <a:xfrm>
-            <a:off x="6231960" y="1604520"/>
-            <a:ext cx="5354280" cy="3977280"/>
-          </a:xfrm>
-          <a:prstGeom prst="rect">
-            <a:avLst/>
-          </a:prstGeom>
-          <a:noFill/>
-          <a:ln w="0">
-            <a:noFill/>
-          </a:ln>
-        </p:spPr>
-        <p:txBody>
-          <a:bodyPr lIns="0" rIns="0" tIns="0" bIns="0" anchor="t">
-            <a:normAutofit/>
-          </a:bodyPr>
-          <a:p>
-            <a:pPr indent="0">
-              <a:spcBef>
-                <a:spcPts val="1417"/>
-              </a:spcBef>
-              <a:buNone/>
-            </a:pPr>
-            <a:endParaRPr b="0" lang="en-GB" sz="3200" spc="-1" strike="noStrike">
-              <a:solidFill>
-                <a:srgbClr val="000000"/>
-              </a:solidFill>
-              <a:latin typeface="Arial"/>
-            </a:endParaRPr>
-          </a:p>
-        </p:txBody>
-      </p:sp>
-    </p:spTree>
-  </p:cSld>
-</p:sldLayout>
-</file>
-
-<file path=ppt/slideLayouts/slideLayout29.xml><?xml version="1.0" encoding="utf-8"?>
-<p:sldLayout xmlns:a="http://schemas.openxmlformats.org/drawingml/2006/main" xmlns:p="http://schemas.openxmlformats.org/presentationml/2006/main" xmlns:r="http://schemas.openxmlformats.org/officeDocument/2006/relationships" xmlns:p14="http://schemas.microsoft.com/office/powerpoint/2010/main" xmlns:p15="http://schemas.microsoft.com/office/powerpoint/2012/main" xmlns:mc="http://schemas.openxmlformats.org/markup-compatibility/2006" type="titleOnly" preserve="1">
-  <p:cSld name="Title Only">
-    <p:spTree>
-      <p:nvGrpSpPr>
-        <p:cNvPr id="1" name=""/>
-        <p:cNvGrpSpPr/>
-        <p:nvPr/>
-      </p:nvGrpSpPr>
-      <p:grpSpPr>
-        <a:xfrm>
-          <a:off x="0" y="0"/>
-          <a:ext cx="0" cy="0"/>
-          <a:chOff x="0" y="0"/>
-          <a:chExt cx="0" cy="0"/>
-        </a:xfrm>
-      </p:grpSpPr>
-      <p:sp>
-        <p:nvSpPr>
-          <p:cNvPr id="109" name="PlaceHolder 1"/>
-          <p:cNvSpPr>
-            <a:spLocks noGrp="1"/>
-          </p:cNvSpPr>
-          <p:nvPr>
-            <p:ph type="title"/>
-          </p:nvPr>
-        </p:nvSpPr>
-        <p:spPr>
-          <a:xfrm>
-            <a:off x="609480" y="273600"/>
-            <a:ext cx="10972440" cy="1144800"/>
-          </a:xfrm>
-          <a:prstGeom prst="rect">
-            <a:avLst/>
-          </a:prstGeom>
-          <a:noFill/>
-          <a:ln w="0">
-            <a:noFill/>
-          </a:ln>
-        </p:spPr>
-        <p:txBody>
-          <a:bodyPr lIns="0" rIns="0" tIns="0" bIns="0" anchor="ctr">
-            <a:noAutofit/>
-          </a:bodyPr>
-          <a:p>
-            <a:pPr indent="0" algn="ctr">
-              <a:buNone/>
-            </a:pPr>
-            <a:endParaRPr b="0" lang="en-GB" sz="4400" spc="-1" strike="noStrike">
-              <a:solidFill>
-                <a:srgbClr val="000000"/>
-              </a:solidFill>
-              <a:latin typeface="Arial"/>
-            </a:endParaRPr>
-          </a:p>
-        </p:txBody>
-      </p:sp>
-    </p:spTree>
-  </p:cSld>
-</p:sldLayout>
-</file>
-
-<file path=ppt/slideLayouts/slideLayout3.xml><?xml version="1.0" encoding="utf-8"?>
-<p:sldLayout xmlns:a="http://schemas.openxmlformats.org/drawingml/2006/main" xmlns:p="http://schemas.openxmlformats.org/presentationml/2006/main" xmlns:r="http://schemas.openxmlformats.org/officeDocument/2006/relationships" xmlns:p14="http://schemas.microsoft.com/office/powerpoint/2010/main" xmlns:p15="http://schemas.microsoft.com/office/powerpoint/2012/main" xmlns:mc="http://schemas.openxmlformats.org/markup-compatibility/2006" type="obj" preserve="1">
-  <p:cSld name="Title, Content">
-    <p:spTree>
-      <p:nvGrpSpPr>
-        <p:cNvPr id="1" name=""/>
-        <p:cNvGrpSpPr/>
-        <p:nvPr/>
-      </p:nvGrpSpPr>
-      <p:grpSpPr>
-        <a:xfrm>
-          <a:off x="0" y="0"/>
-          <a:ext cx="0" cy="0"/>
-          <a:chOff x="0" y="0"/>
-          <a:chExt cx="0" cy="0"/>
-        </a:xfrm>
-      </p:grpSpPr>
-      <p:sp>
-        <p:nvSpPr>
-          <p:cNvPr id="12" name="PlaceHolder 1"/>
-          <p:cNvSpPr>
-            <a:spLocks noGrp="1"/>
-          </p:cNvSpPr>
-          <p:nvPr>
-            <p:ph type="title"/>
-          </p:nvPr>
-        </p:nvSpPr>
-        <p:spPr>
-          <a:xfrm>
-            <a:off x="609480" y="273600"/>
-            <a:ext cx="10972440" cy="1144800"/>
-          </a:xfrm>
-          <a:prstGeom prst="rect">
-            <a:avLst/>
-          </a:prstGeom>
-          <a:noFill/>
-          <a:ln w="0">
-            <a:noFill/>
-          </a:ln>
-        </p:spPr>
-        <p:txBody>
-          <a:bodyPr lIns="0" rIns="0" tIns="0" bIns="0" anchor="ctr">
-            <a:noAutofit/>
-          </a:bodyPr>
-          <a:p>
-            <a:pPr indent="0" algn="ctr">
-              <a:buNone/>
-            </a:pPr>
-            <a:endParaRPr b="0" lang="en-GB" sz="4400" spc="-1" strike="noStrike">
-              <a:solidFill>
-                <a:srgbClr val="000000"/>
-              </a:solidFill>
-              <a:latin typeface="Arial"/>
-            </a:endParaRPr>
-          </a:p>
-        </p:txBody>
-      </p:sp>
-      <p:sp>
-        <p:nvSpPr>
-          <p:cNvPr id="13" name="PlaceHolder 2"/>
-          <p:cNvSpPr>
-            <a:spLocks noGrp="1"/>
-          </p:cNvSpPr>
-          <p:nvPr>
-            <p:ph/>
-          </p:nvPr>
-        </p:nvSpPr>
-        <p:spPr>
-          <a:xfrm>
-            <a:off x="609480" y="1604520"/>
-            <a:ext cx="10972440" cy="3977280"/>
-          </a:xfrm>
-          <a:prstGeom prst="rect">
-            <a:avLst/>
-          </a:prstGeom>
-          <a:noFill/>
-          <a:ln w="0">
-            <a:noFill/>
-          </a:ln>
-        </p:spPr>
-        <p:txBody>
-          <a:bodyPr lIns="0" rIns="0" tIns="0" bIns="0" anchor="t">
-            <a:normAutofit/>
-          </a:bodyPr>
-          <a:p>
-            <a:pPr indent="0">
-              <a:spcBef>
-                <a:spcPts val="1417"/>
-              </a:spcBef>
-              <a:buNone/>
-            </a:pPr>
-            <a:endParaRPr b="0" lang="en-GB" sz="3200" spc="-1" strike="noStrike">
-              <a:solidFill>
-                <a:srgbClr val="000000"/>
-              </a:solidFill>
-              <a:latin typeface="Arial"/>
-            </a:endParaRPr>
-          </a:p>
-        </p:txBody>
-      </p:sp>
-    </p:spTree>
-  </p:cSld>
-</p:sldLayout>
-</file>
-
-<file path=ppt/slideLayouts/slideLayout30.xml><?xml version="1.0" encoding="utf-8"?>
-<p:sldLayout xmlns:a="http://schemas.openxmlformats.org/drawingml/2006/main" xmlns:p="http://schemas.openxmlformats.org/presentationml/2006/main" xmlns:r="http://schemas.openxmlformats.org/officeDocument/2006/relationships" xmlns:p14="http://schemas.microsoft.com/office/powerpoint/2010/main" xmlns:p15="http://schemas.microsoft.com/office/powerpoint/2012/main" xmlns:mc="http://schemas.openxmlformats.org/markup-compatibility/2006" type="objOnly" preserve="1">
-  <p:cSld name="Centered Text">
-    <p:spTree>
-      <p:nvGrpSpPr>
-        <p:cNvPr id="1" name=""/>
-        <p:cNvGrpSpPr/>
-        <p:nvPr/>
-      </p:nvGrpSpPr>
-      <p:grpSpPr>
-        <a:xfrm>
-          <a:off x="0" y="0"/>
-          <a:ext cx="0" cy="0"/>
-          <a:chOff x="0" y="0"/>
-          <a:chExt cx="0" cy="0"/>
-        </a:xfrm>
-      </p:grpSpPr>
-      <p:sp>
-        <p:nvSpPr>
-          <p:cNvPr id="110" name="PlaceHolder 1"/>
-          <p:cNvSpPr>
-            <a:spLocks noGrp="1"/>
-          </p:cNvSpPr>
-          <p:nvPr>
-            <p:ph type="subTitle"/>
-          </p:nvPr>
-        </p:nvSpPr>
-        <p:spPr>
-          <a:xfrm>
-            <a:off x="609480" y="273600"/>
-            <a:ext cx="10972440" cy="5307840"/>
-          </a:xfrm>
-          <a:prstGeom prst="rect">
-            <a:avLst/>
-          </a:prstGeom>
-          <a:noFill/>
-          <a:ln w="0">
-            <a:noFill/>
-          </a:ln>
-        </p:spPr>
-        <p:txBody>
-          <a:bodyPr lIns="0" rIns="0" tIns="0" bIns="0" anchor="ctr">
-            <a:noAutofit/>
-          </a:bodyPr>
-          <a:p>
-            <a:pPr algn="ctr"/>
-            <a:endParaRPr b="0" lang="en-GB" sz="3200" spc="-1" strike="noStrike">
-              <a:solidFill>
-                <a:srgbClr val="000000"/>
-              </a:solidFill>
-              <a:latin typeface="Arial"/>
-            </a:endParaRPr>
-          </a:p>
-        </p:txBody>
-      </p:sp>
-    </p:spTree>
-  </p:cSld>
-</p:sldLayout>
-</file>
-
-<file path=ppt/slideLayouts/slideLayout31.xml><?xml version="1.0" encoding="utf-8"?>
-<p:sldLayout xmlns:a="http://schemas.openxmlformats.org/drawingml/2006/main" xmlns:p="http://schemas.openxmlformats.org/presentationml/2006/main" xmlns:r="http://schemas.openxmlformats.org/officeDocument/2006/relationships" xmlns:p14="http://schemas.microsoft.com/office/powerpoint/2010/main" xmlns:p15="http://schemas.microsoft.com/office/powerpoint/2012/main" xmlns:mc="http://schemas.openxmlformats.org/markup-compatibility/2006" type="twoObjAndObj" preserve="1">
-  <p:cSld name="Title, 2 Content and Content">
-    <p:spTree>
-      <p:nvGrpSpPr>
-        <p:cNvPr id="1" name=""/>
-        <p:cNvGrpSpPr/>
-        <p:nvPr/>
-      </p:nvGrpSpPr>
-      <p:grpSpPr>
-        <a:xfrm>
-          <a:off x="0" y="0"/>
-          <a:ext cx="0" cy="0"/>
-          <a:chOff x="0" y="0"/>
-          <a:chExt cx="0" cy="0"/>
-        </a:xfrm>
-      </p:grpSpPr>
-      <p:sp>
-        <p:nvSpPr>
-          <p:cNvPr id="111" name="PlaceHolder 1"/>
-          <p:cNvSpPr>
-            <a:spLocks noGrp="1"/>
-          </p:cNvSpPr>
-          <p:nvPr>
-            <p:ph type="title"/>
-          </p:nvPr>
-        </p:nvSpPr>
-        <p:spPr>
-          <a:xfrm>
-            <a:off x="609480" y="273600"/>
-            <a:ext cx="10972440" cy="1144800"/>
-          </a:xfrm>
-          <a:prstGeom prst="rect">
-            <a:avLst/>
-          </a:prstGeom>
-          <a:noFill/>
-          <a:ln w="0">
-            <a:noFill/>
-          </a:ln>
-        </p:spPr>
-        <p:txBody>
-          <a:bodyPr lIns="0" rIns="0" tIns="0" bIns="0" anchor="ctr">
-            <a:noAutofit/>
-          </a:bodyPr>
-          <a:p>
-            <a:pPr indent="0" algn="ctr">
-              <a:buNone/>
-            </a:pPr>
-            <a:endParaRPr b="0" lang="en-GB" sz="4400" spc="-1" strike="noStrike">
-              <a:solidFill>
-                <a:srgbClr val="000000"/>
-              </a:solidFill>
-              <a:latin typeface="Arial"/>
-            </a:endParaRPr>
-          </a:p>
-        </p:txBody>
-      </p:sp>
-      <p:sp>
-        <p:nvSpPr>
-          <p:cNvPr id="112" name="PlaceHolder 2"/>
-          <p:cNvSpPr>
-            <a:spLocks noGrp="1"/>
-          </p:cNvSpPr>
-          <p:nvPr>
-            <p:ph/>
-          </p:nvPr>
-        </p:nvSpPr>
-        <p:spPr>
-          <a:xfrm>
-            <a:off x="609480" y="1604520"/>
-            <a:ext cx="5354280" cy="1896840"/>
-          </a:xfrm>
-          <a:prstGeom prst="rect">
-            <a:avLst/>
-          </a:prstGeom>
-          <a:noFill/>
-          <a:ln w="0">
-            <a:noFill/>
-          </a:ln>
-        </p:spPr>
-        <p:txBody>
-          <a:bodyPr lIns="0" rIns="0" tIns="0" bIns="0" anchor="t">
-            <a:normAutofit/>
-          </a:bodyPr>
-          <a:p>
-            <a:pPr indent="0">
-              <a:spcBef>
-                <a:spcPts val="1417"/>
-              </a:spcBef>
-              <a:buNone/>
-            </a:pPr>
-            <a:endParaRPr b="0" lang="en-GB" sz="3200" spc="-1" strike="noStrike">
-              <a:solidFill>
-                <a:srgbClr val="000000"/>
-              </a:solidFill>
-              <a:latin typeface="Arial"/>
-            </a:endParaRPr>
-          </a:p>
-        </p:txBody>
-      </p:sp>
-      <p:sp>
-        <p:nvSpPr>
-          <p:cNvPr id="113" name="PlaceHolder 3"/>
-          <p:cNvSpPr>
-            <a:spLocks noGrp="1"/>
-          </p:cNvSpPr>
-          <p:nvPr>
-            <p:ph/>
-          </p:nvPr>
-        </p:nvSpPr>
-        <p:spPr>
-          <a:xfrm>
-            <a:off x="6231960" y="1604520"/>
-            <a:ext cx="5354280" cy="3977280"/>
-          </a:xfrm>
-          <a:prstGeom prst="rect">
-            <a:avLst/>
-          </a:prstGeom>
-          <a:noFill/>
-          <a:ln w="0">
-            <a:noFill/>
-          </a:ln>
-        </p:spPr>
-        <p:txBody>
-          <a:bodyPr lIns="0" rIns="0" tIns="0" bIns="0" anchor="t">
-            <a:normAutofit/>
-          </a:bodyPr>
-          <a:p>
-            <a:pPr indent="0">
-              <a:spcBef>
-                <a:spcPts val="1417"/>
-              </a:spcBef>
-              <a:buNone/>
-            </a:pPr>
-            <a:endParaRPr b="0" lang="en-GB" sz="3200" spc="-1" strike="noStrike">
-              <a:solidFill>
-                <a:srgbClr val="000000"/>
-              </a:solidFill>
-              <a:latin typeface="Arial"/>
-            </a:endParaRPr>
-          </a:p>
-        </p:txBody>
-      </p:sp>
-      <p:sp>
-        <p:nvSpPr>
-          <p:cNvPr id="114" name="PlaceHolder 4"/>
-          <p:cNvSpPr>
-            <a:spLocks noGrp="1"/>
-          </p:cNvSpPr>
-          <p:nvPr>
-            <p:ph/>
-          </p:nvPr>
-        </p:nvSpPr>
-        <p:spPr>
-          <a:xfrm>
-            <a:off x="609480" y="3682080"/>
-            <a:ext cx="5354280" cy="1896840"/>
-          </a:xfrm>
-          <a:prstGeom prst="rect">
-            <a:avLst/>
-          </a:prstGeom>
-          <a:noFill/>
-          <a:ln w="0">
-            <a:noFill/>
-          </a:ln>
-        </p:spPr>
-        <p:txBody>
-          <a:bodyPr lIns="0" rIns="0" tIns="0" bIns="0" anchor="t">
-            <a:normAutofit/>
-          </a:bodyPr>
-          <a:p>
-            <a:pPr indent="0">
-              <a:spcBef>
-                <a:spcPts val="1417"/>
-              </a:spcBef>
-              <a:buNone/>
-            </a:pPr>
-            <a:endParaRPr b="0" lang="en-GB" sz="3200" spc="-1" strike="noStrike">
-              <a:solidFill>
-                <a:srgbClr val="000000"/>
-              </a:solidFill>
-              <a:latin typeface="Arial"/>
-            </a:endParaRPr>
-          </a:p>
-        </p:txBody>
-      </p:sp>
-    </p:spTree>
-  </p:cSld>
-</p:sldLayout>
-</file>
-
-<file path=ppt/slideLayouts/slideLayout32.xml><?xml version="1.0" encoding="utf-8"?>
-<p:sldLayout xmlns:a="http://schemas.openxmlformats.org/drawingml/2006/main" xmlns:p="http://schemas.openxmlformats.org/presentationml/2006/main" xmlns:r="http://schemas.openxmlformats.org/officeDocument/2006/relationships" xmlns:p14="http://schemas.microsoft.com/office/powerpoint/2010/main" xmlns:p15="http://schemas.microsoft.com/office/powerpoint/2012/main" xmlns:mc="http://schemas.openxmlformats.org/markup-compatibility/2006" type="objAndTwoObj" preserve="1">
-  <p:cSld name="Title Content and 2 Content">
-    <p:spTree>
-      <p:nvGrpSpPr>
-        <p:cNvPr id="1" name=""/>
-        <p:cNvGrpSpPr/>
-        <p:nvPr/>
-      </p:nvGrpSpPr>
-      <p:grpSpPr>
-        <a:xfrm>
-          <a:off x="0" y="0"/>
-          <a:ext cx="0" cy="0"/>
-          <a:chOff x="0" y="0"/>
-          <a:chExt cx="0" cy="0"/>
-        </a:xfrm>
-      </p:grpSpPr>
-      <p:sp>
-        <p:nvSpPr>
-          <p:cNvPr id="115" name="PlaceHolder 1"/>
-          <p:cNvSpPr>
-            <a:spLocks noGrp="1"/>
-          </p:cNvSpPr>
-          <p:nvPr>
-            <p:ph type="title"/>
-          </p:nvPr>
-        </p:nvSpPr>
-        <p:spPr>
-          <a:xfrm>
-            <a:off x="609480" y="273600"/>
-            <a:ext cx="10972440" cy="1144800"/>
-          </a:xfrm>
-          <a:prstGeom prst="rect">
-            <a:avLst/>
-          </a:prstGeom>
-          <a:noFill/>
-          <a:ln w="0">
-            <a:noFill/>
-          </a:ln>
-        </p:spPr>
-        <p:txBody>
-          <a:bodyPr lIns="0" rIns="0" tIns="0" bIns="0" anchor="ctr">
-            <a:noAutofit/>
-          </a:bodyPr>
-          <a:p>
-            <a:pPr indent="0" algn="ctr">
-              <a:buNone/>
-            </a:pPr>
-            <a:endParaRPr b="0" lang="en-GB" sz="4400" spc="-1" strike="noStrike">
-              <a:solidFill>
-                <a:srgbClr val="000000"/>
-              </a:solidFill>
-              <a:latin typeface="Arial"/>
-            </a:endParaRPr>
-          </a:p>
-        </p:txBody>
-      </p:sp>
-      <p:sp>
-        <p:nvSpPr>
-          <p:cNvPr id="116" name="PlaceHolder 2"/>
-          <p:cNvSpPr>
-            <a:spLocks noGrp="1"/>
-          </p:cNvSpPr>
-          <p:nvPr>
-            <p:ph/>
-          </p:nvPr>
-        </p:nvSpPr>
-        <p:spPr>
-          <a:xfrm>
-            <a:off x="609480" y="1604520"/>
-            <a:ext cx="5354280" cy="3977280"/>
-          </a:xfrm>
-          <a:prstGeom prst="rect">
-            <a:avLst/>
-          </a:prstGeom>
-          <a:noFill/>
-          <a:ln w="0">
-            <a:noFill/>
-          </a:ln>
-        </p:spPr>
-        <p:txBody>
-          <a:bodyPr lIns="0" rIns="0" tIns="0" bIns="0" anchor="t">
-            <a:normAutofit/>
-          </a:bodyPr>
-          <a:p>
-            <a:pPr indent="0">
-              <a:spcBef>
-                <a:spcPts val="1417"/>
-              </a:spcBef>
-              <a:buNone/>
-            </a:pPr>
-            <a:endParaRPr b="0" lang="en-GB" sz="3200" spc="-1" strike="noStrike">
-              <a:solidFill>
-                <a:srgbClr val="000000"/>
-              </a:solidFill>
-              <a:latin typeface="Arial"/>
-            </a:endParaRPr>
-          </a:p>
-        </p:txBody>
-      </p:sp>
-      <p:sp>
-        <p:nvSpPr>
-          <p:cNvPr id="117" name="PlaceHolder 3"/>
-          <p:cNvSpPr>
-            <a:spLocks noGrp="1"/>
-          </p:cNvSpPr>
-          <p:nvPr>
-            <p:ph/>
-          </p:nvPr>
-        </p:nvSpPr>
-        <p:spPr>
-          <a:xfrm>
-            <a:off x="6231960" y="1604520"/>
-            <a:ext cx="5354280" cy="1896840"/>
-          </a:xfrm>
-          <a:prstGeom prst="rect">
-            <a:avLst/>
-          </a:prstGeom>
-          <a:noFill/>
-          <a:ln w="0">
-            <a:noFill/>
-          </a:ln>
-        </p:spPr>
-        <p:txBody>
-          <a:bodyPr lIns="0" rIns="0" tIns="0" bIns="0" anchor="t">
-            <a:normAutofit/>
-          </a:bodyPr>
-          <a:p>
-            <a:pPr indent="0">
-              <a:spcBef>
-                <a:spcPts val="1417"/>
-              </a:spcBef>
-              <a:buNone/>
-            </a:pPr>
-            <a:endParaRPr b="0" lang="en-GB" sz="3200" spc="-1" strike="noStrike">
-              <a:solidFill>
-                <a:srgbClr val="000000"/>
-              </a:solidFill>
-              <a:latin typeface="Arial"/>
-            </a:endParaRPr>
-          </a:p>
-        </p:txBody>
-      </p:sp>
-      <p:sp>
-        <p:nvSpPr>
-          <p:cNvPr id="118" name="PlaceHolder 4"/>
-          <p:cNvSpPr>
-            <a:spLocks noGrp="1"/>
-          </p:cNvSpPr>
-          <p:nvPr>
-            <p:ph/>
-          </p:nvPr>
-        </p:nvSpPr>
-        <p:spPr>
-          <a:xfrm>
-            <a:off x="6231960" y="3682080"/>
-            <a:ext cx="5354280" cy="1896840"/>
-          </a:xfrm>
-          <a:prstGeom prst="rect">
-            <a:avLst/>
-          </a:prstGeom>
-          <a:noFill/>
-          <a:ln w="0">
-            <a:noFill/>
-          </a:ln>
-        </p:spPr>
-        <p:txBody>
-          <a:bodyPr lIns="0" rIns="0" tIns="0" bIns="0" anchor="t">
-            <a:normAutofit/>
-          </a:bodyPr>
-          <a:p>
-            <a:pPr indent="0">
-              <a:spcBef>
-                <a:spcPts val="1417"/>
-              </a:spcBef>
-              <a:buNone/>
-            </a:pPr>
-            <a:endParaRPr b="0" lang="en-GB" sz="3200" spc="-1" strike="noStrike">
-              <a:solidFill>
-                <a:srgbClr val="000000"/>
-              </a:solidFill>
-              <a:latin typeface="Arial"/>
-            </a:endParaRPr>
-          </a:p>
-        </p:txBody>
-      </p:sp>
-    </p:spTree>
-  </p:cSld>
-</p:sldLayout>
-</file>
-
-<file path=ppt/slideLayouts/slideLayout33.xml><?xml version="1.0" encoding="utf-8"?>
-<p:sldLayout xmlns:a="http://schemas.openxmlformats.org/drawingml/2006/main" xmlns:p="http://schemas.openxmlformats.org/presentationml/2006/main" xmlns:r="http://schemas.openxmlformats.org/officeDocument/2006/relationships" xmlns:p14="http://schemas.microsoft.com/office/powerpoint/2010/main" xmlns:p15="http://schemas.microsoft.com/office/powerpoint/2012/main" xmlns:mc="http://schemas.openxmlformats.org/markup-compatibility/2006" type="twoObjOverTx" preserve="1">
-  <p:cSld name="Title, 2 Content over Content">
-    <p:spTree>
-      <p:nvGrpSpPr>
-        <p:cNvPr id="1" name=""/>
-        <p:cNvGrpSpPr/>
-        <p:nvPr/>
-      </p:nvGrpSpPr>
-      <p:grpSpPr>
-        <a:xfrm>
-          <a:off x="0" y="0"/>
-          <a:ext cx="0" cy="0"/>
-          <a:chOff x="0" y="0"/>
-          <a:chExt cx="0" cy="0"/>
-        </a:xfrm>
-      </p:grpSpPr>
-      <p:sp>
-        <p:nvSpPr>
-          <p:cNvPr id="119" name="PlaceHolder 1"/>
-          <p:cNvSpPr>
-            <a:spLocks noGrp="1"/>
-          </p:cNvSpPr>
-          <p:nvPr>
-            <p:ph type="title"/>
-          </p:nvPr>
-        </p:nvSpPr>
-        <p:spPr>
-          <a:xfrm>
-            <a:off x="609480" y="273600"/>
-            <a:ext cx="10972440" cy="1144800"/>
-          </a:xfrm>
-          <a:prstGeom prst="rect">
-            <a:avLst/>
-          </a:prstGeom>
-          <a:noFill/>
-          <a:ln w="0">
-            <a:noFill/>
-          </a:ln>
-        </p:spPr>
-        <p:txBody>
-          <a:bodyPr lIns="0" rIns="0" tIns="0" bIns="0" anchor="ctr">
-            <a:noAutofit/>
-          </a:bodyPr>
-          <a:p>
-            <a:pPr indent="0" algn="ctr">
-              <a:buNone/>
-            </a:pPr>
-            <a:endParaRPr b="0" lang="en-GB" sz="4400" spc="-1" strike="noStrike">
-              <a:solidFill>
-                <a:srgbClr val="000000"/>
-              </a:solidFill>
-              <a:latin typeface="Arial"/>
-            </a:endParaRPr>
-          </a:p>
-        </p:txBody>
-      </p:sp>
-      <p:sp>
-        <p:nvSpPr>
-          <p:cNvPr id="120" name="PlaceHolder 2"/>
-          <p:cNvSpPr>
-            <a:spLocks noGrp="1"/>
-          </p:cNvSpPr>
-          <p:nvPr>
-            <p:ph/>
-          </p:nvPr>
-        </p:nvSpPr>
-        <p:spPr>
-          <a:xfrm>
-            <a:off x="609480" y="1604520"/>
-            <a:ext cx="5354280" cy="1896840"/>
-          </a:xfrm>
-          <a:prstGeom prst="rect">
-            <a:avLst/>
-          </a:prstGeom>
-          <a:noFill/>
-          <a:ln w="0">
-            <a:noFill/>
-          </a:ln>
-        </p:spPr>
-        <p:txBody>
-          <a:bodyPr lIns="0" rIns="0" tIns="0" bIns="0" anchor="t">
-            <a:normAutofit/>
-          </a:bodyPr>
-          <a:p>
-            <a:pPr indent="0">
-              <a:spcBef>
-                <a:spcPts val="1417"/>
-              </a:spcBef>
-              <a:buNone/>
-            </a:pPr>
-            <a:endParaRPr b="0" lang="en-GB" sz="3200" spc="-1" strike="noStrike">
-              <a:solidFill>
-                <a:srgbClr val="000000"/>
-              </a:solidFill>
-              <a:latin typeface="Arial"/>
-            </a:endParaRPr>
-          </a:p>
-        </p:txBody>
-      </p:sp>
-      <p:sp>
-        <p:nvSpPr>
-          <p:cNvPr id="121" name="PlaceHolder 3"/>
-          <p:cNvSpPr>
-            <a:spLocks noGrp="1"/>
-          </p:cNvSpPr>
-          <p:nvPr>
-            <p:ph/>
-          </p:nvPr>
-        </p:nvSpPr>
-        <p:spPr>
-          <a:xfrm>
-            <a:off x="6231960" y="1604520"/>
-            <a:ext cx="5354280" cy="1896840"/>
-          </a:xfrm>
-          <a:prstGeom prst="rect">
-            <a:avLst/>
-          </a:prstGeom>
-          <a:noFill/>
-          <a:ln w="0">
-            <a:noFill/>
-          </a:ln>
-        </p:spPr>
-        <p:txBody>
-          <a:bodyPr lIns="0" rIns="0" tIns="0" bIns="0" anchor="t">
-            <a:normAutofit/>
-          </a:bodyPr>
-          <a:p>
-            <a:pPr indent="0">
-              <a:spcBef>
-                <a:spcPts val="1417"/>
-              </a:spcBef>
-              <a:buNone/>
-            </a:pPr>
-            <a:endParaRPr b="0" lang="en-GB" sz="3200" spc="-1" strike="noStrike">
-              <a:solidFill>
-                <a:srgbClr val="000000"/>
-              </a:solidFill>
-              <a:latin typeface="Arial"/>
-            </a:endParaRPr>
-          </a:p>
-        </p:txBody>
-      </p:sp>
-      <p:sp>
-        <p:nvSpPr>
-          <p:cNvPr id="122" name="PlaceHolder 4"/>
-          <p:cNvSpPr>
-            <a:spLocks noGrp="1"/>
-          </p:cNvSpPr>
-          <p:nvPr>
-            <p:ph/>
-          </p:nvPr>
-        </p:nvSpPr>
-        <p:spPr>
-          <a:xfrm>
-            <a:off x="609480" y="3682080"/>
-            <a:ext cx="10972440" cy="1896840"/>
-          </a:xfrm>
-          <a:prstGeom prst="rect">
-            <a:avLst/>
-          </a:prstGeom>
-          <a:noFill/>
-          <a:ln w="0">
-            <a:noFill/>
-          </a:ln>
-        </p:spPr>
-        <p:txBody>
-          <a:bodyPr lIns="0" rIns="0" tIns="0" bIns="0" anchor="t">
-            <a:normAutofit/>
-          </a:bodyPr>
-          <a:p>
-            <a:pPr indent="0">
-              <a:spcBef>
-                <a:spcPts val="1417"/>
-              </a:spcBef>
-              <a:buNone/>
-            </a:pPr>
-            <a:endParaRPr b="0" lang="en-GB" sz="3200" spc="-1" strike="noStrike">
-              <a:solidFill>
-                <a:srgbClr val="000000"/>
-              </a:solidFill>
-              <a:latin typeface="Arial"/>
-            </a:endParaRPr>
-          </a:p>
-        </p:txBody>
-      </p:sp>
-    </p:spTree>
-  </p:cSld>
-</p:sldLayout>
-</file>
-
-<file path=ppt/slideLayouts/slideLayout34.xml><?xml version="1.0" encoding="utf-8"?>
-<p:sldLayout xmlns:a="http://schemas.openxmlformats.org/drawingml/2006/main" xmlns:p="http://schemas.openxmlformats.org/presentationml/2006/main" xmlns:r="http://schemas.openxmlformats.org/officeDocument/2006/relationships" xmlns:p14="http://schemas.microsoft.com/office/powerpoint/2010/main" xmlns:p15="http://schemas.microsoft.com/office/powerpoint/2012/main" xmlns:mc="http://schemas.openxmlformats.org/markup-compatibility/2006" type="objOverTx" preserve="1">
-  <p:cSld name="Title, Content over Content">
-    <p:spTree>
-      <p:nvGrpSpPr>
-        <p:cNvPr id="1" name=""/>
-        <p:cNvGrpSpPr/>
-        <p:nvPr/>
-      </p:nvGrpSpPr>
-      <p:grpSpPr>
-        <a:xfrm>
-          <a:off x="0" y="0"/>
-          <a:ext cx="0" cy="0"/>
-          <a:chOff x="0" y="0"/>
-          <a:chExt cx="0" cy="0"/>
-        </a:xfrm>
-      </p:grpSpPr>
-      <p:sp>
-        <p:nvSpPr>
-          <p:cNvPr id="123" name="PlaceHolder 1"/>
-          <p:cNvSpPr>
-            <a:spLocks noGrp="1"/>
-          </p:cNvSpPr>
-          <p:nvPr>
-            <p:ph type="title"/>
-          </p:nvPr>
-        </p:nvSpPr>
-        <p:spPr>
-          <a:xfrm>
-            <a:off x="609480" y="273600"/>
-            <a:ext cx="10972440" cy="1144800"/>
-          </a:xfrm>
-          <a:prstGeom prst="rect">
-            <a:avLst/>
-          </a:prstGeom>
-          <a:noFill/>
-          <a:ln w="0">
-            <a:noFill/>
-          </a:ln>
-        </p:spPr>
-        <p:txBody>
-          <a:bodyPr lIns="0" rIns="0" tIns="0" bIns="0" anchor="ctr">
-            <a:noAutofit/>
-          </a:bodyPr>
-          <a:p>
-            <a:pPr indent="0" algn="ctr">
-              <a:buNone/>
-            </a:pPr>
-            <a:endParaRPr b="0" lang="en-GB" sz="4400" spc="-1" strike="noStrike">
-              <a:solidFill>
-                <a:srgbClr val="000000"/>
-              </a:solidFill>
-              <a:latin typeface="Arial"/>
-            </a:endParaRPr>
-          </a:p>
-        </p:txBody>
-      </p:sp>
-      <p:sp>
-        <p:nvSpPr>
-          <p:cNvPr id="124" name="PlaceHolder 2"/>
-          <p:cNvSpPr>
-            <a:spLocks noGrp="1"/>
-          </p:cNvSpPr>
-          <p:nvPr>
-            <p:ph/>
-          </p:nvPr>
-        </p:nvSpPr>
-        <p:spPr>
-          <a:xfrm>
-            <a:off x="609480" y="1604520"/>
-            <a:ext cx="10972440" cy="1896840"/>
-          </a:xfrm>
-          <a:prstGeom prst="rect">
-            <a:avLst/>
-          </a:prstGeom>
-          <a:noFill/>
-          <a:ln w="0">
-            <a:noFill/>
-          </a:ln>
-        </p:spPr>
-        <p:txBody>
-          <a:bodyPr lIns="0" rIns="0" tIns="0" bIns="0" anchor="t">
-            <a:normAutofit/>
-          </a:bodyPr>
-          <a:p>
-            <a:pPr indent="0">
-              <a:spcBef>
-                <a:spcPts val="1417"/>
-              </a:spcBef>
-              <a:buNone/>
-            </a:pPr>
-            <a:endParaRPr b="0" lang="en-GB" sz="3200" spc="-1" strike="noStrike">
-              <a:solidFill>
-                <a:srgbClr val="000000"/>
-              </a:solidFill>
-              <a:latin typeface="Arial"/>
-            </a:endParaRPr>
-          </a:p>
-        </p:txBody>
-      </p:sp>
-      <p:sp>
-        <p:nvSpPr>
-          <p:cNvPr id="125" name="PlaceHolder 3"/>
-          <p:cNvSpPr>
-            <a:spLocks noGrp="1"/>
-          </p:cNvSpPr>
-          <p:nvPr>
-            <p:ph/>
-          </p:nvPr>
-        </p:nvSpPr>
-        <p:spPr>
-          <a:xfrm>
-            <a:off x="609480" y="3682080"/>
-            <a:ext cx="10972440" cy="1896840"/>
-          </a:xfrm>
-          <a:prstGeom prst="rect">
-            <a:avLst/>
-          </a:prstGeom>
-          <a:noFill/>
-          <a:ln w="0">
-            <a:noFill/>
-          </a:ln>
-        </p:spPr>
-        <p:txBody>
-          <a:bodyPr lIns="0" rIns="0" tIns="0" bIns="0" anchor="t">
-            <a:normAutofit/>
-          </a:bodyPr>
-          <a:p>
-            <a:pPr indent="0">
-              <a:spcBef>
-                <a:spcPts val="1417"/>
-              </a:spcBef>
-              <a:buNone/>
-            </a:pPr>
-            <a:endParaRPr b="0" lang="en-GB" sz="3200" spc="-1" strike="noStrike">
-              <a:solidFill>
-                <a:srgbClr val="000000"/>
-              </a:solidFill>
-              <a:latin typeface="Arial"/>
-            </a:endParaRPr>
-          </a:p>
-        </p:txBody>
-      </p:sp>
-    </p:spTree>
-  </p:cSld>
-</p:sldLayout>
-</file>
-
-<file path=ppt/slideLayouts/slideLayout35.xml><?xml version="1.0" encoding="utf-8"?>
-<p:sldLayout xmlns:a="http://schemas.openxmlformats.org/drawingml/2006/main" xmlns:p="http://schemas.openxmlformats.org/presentationml/2006/main" xmlns:r="http://schemas.openxmlformats.org/officeDocument/2006/relationships" xmlns:p14="http://schemas.microsoft.com/office/powerpoint/2010/main" xmlns:p15="http://schemas.microsoft.com/office/powerpoint/2012/main" xmlns:mc="http://schemas.openxmlformats.org/markup-compatibility/2006" type="fourObj" preserve="1">
-  <p:cSld name="Title, 4 Content">
-    <p:spTree>
-      <p:nvGrpSpPr>
-        <p:cNvPr id="1" name=""/>
-        <p:cNvGrpSpPr/>
-        <p:nvPr/>
-      </p:nvGrpSpPr>
-      <p:grpSpPr>
-        <a:xfrm>
-          <a:off x="0" y="0"/>
-          <a:ext cx="0" cy="0"/>
-          <a:chOff x="0" y="0"/>
-          <a:chExt cx="0" cy="0"/>
-        </a:xfrm>
-      </p:grpSpPr>
-      <p:sp>
-        <p:nvSpPr>
-          <p:cNvPr id="126" name="PlaceHolder 1"/>
-          <p:cNvSpPr>
-            <a:spLocks noGrp="1"/>
-          </p:cNvSpPr>
-          <p:nvPr>
-            <p:ph type="title"/>
-          </p:nvPr>
-        </p:nvSpPr>
-        <p:spPr>
-          <a:xfrm>
-            <a:off x="609480" y="273600"/>
-            <a:ext cx="10972440" cy="1144800"/>
-          </a:xfrm>
-          <a:prstGeom prst="rect">
-            <a:avLst/>
-          </a:prstGeom>
-          <a:noFill/>
-          <a:ln w="0">
-            <a:noFill/>
-          </a:ln>
-        </p:spPr>
-        <p:txBody>
-          <a:bodyPr lIns="0" rIns="0" tIns="0" bIns="0" anchor="ctr">
-            <a:noAutofit/>
-          </a:bodyPr>
-          <a:p>
-            <a:pPr indent="0" algn="ctr">
-              <a:buNone/>
-            </a:pPr>
-            <a:endParaRPr b="0" lang="en-GB" sz="4400" spc="-1" strike="noStrike">
-              <a:solidFill>
-                <a:srgbClr val="000000"/>
-              </a:solidFill>
-              <a:latin typeface="Arial"/>
-            </a:endParaRPr>
-          </a:p>
-        </p:txBody>
-      </p:sp>
-      <p:sp>
-        <p:nvSpPr>
-          <p:cNvPr id="127" name="PlaceHolder 2"/>
-          <p:cNvSpPr>
-            <a:spLocks noGrp="1"/>
-          </p:cNvSpPr>
-          <p:nvPr>
-            <p:ph/>
-          </p:nvPr>
-        </p:nvSpPr>
-        <p:spPr>
-          <a:xfrm>
-            <a:off x="609480" y="1604520"/>
-            <a:ext cx="5354280" cy="1896840"/>
-          </a:xfrm>
-          <a:prstGeom prst="rect">
-            <a:avLst/>
-          </a:prstGeom>
-          <a:noFill/>
-          <a:ln w="0">
-            <a:noFill/>
-          </a:ln>
-        </p:spPr>
-        <p:txBody>
-          <a:bodyPr lIns="0" rIns="0" tIns="0" bIns="0" anchor="t">
-            <a:normAutofit/>
-          </a:bodyPr>
-          <a:p>
-            <a:pPr indent="0">
-              <a:spcBef>
-                <a:spcPts val="1417"/>
-              </a:spcBef>
-              <a:buNone/>
-            </a:pPr>
-            <a:endParaRPr b="0" lang="en-GB" sz="3200" spc="-1" strike="noStrike">
-              <a:solidFill>
-                <a:srgbClr val="000000"/>
-              </a:solidFill>
-              <a:latin typeface="Arial"/>
-            </a:endParaRPr>
-          </a:p>
-        </p:txBody>
-      </p:sp>
-      <p:sp>
-        <p:nvSpPr>
-          <p:cNvPr id="128" name="PlaceHolder 3"/>
-          <p:cNvSpPr>
-            <a:spLocks noGrp="1"/>
-          </p:cNvSpPr>
-          <p:nvPr>
-            <p:ph/>
-          </p:nvPr>
-        </p:nvSpPr>
-        <p:spPr>
-          <a:xfrm>
-            <a:off x="6231960" y="1604520"/>
-            <a:ext cx="5354280" cy="1896840"/>
-          </a:xfrm>
-          <a:prstGeom prst="rect">
-            <a:avLst/>
-          </a:prstGeom>
-          <a:noFill/>
-          <a:ln w="0">
-            <a:noFill/>
-          </a:ln>
-        </p:spPr>
-        <p:txBody>
-          <a:bodyPr lIns="0" rIns="0" tIns="0" bIns="0" anchor="t">
-            <a:normAutofit/>
-          </a:bodyPr>
-          <a:p>
-            <a:pPr indent="0">
-              <a:spcBef>
-                <a:spcPts val="1417"/>
-              </a:spcBef>
-              <a:buNone/>
-            </a:pPr>
-            <a:endParaRPr b="0" lang="en-GB" sz="3200" spc="-1" strike="noStrike">
-              <a:solidFill>
-                <a:srgbClr val="000000"/>
-              </a:solidFill>
-              <a:latin typeface="Arial"/>
-            </a:endParaRPr>
-          </a:p>
-        </p:txBody>
-      </p:sp>
-      <p:sp>
-        <p:nvSpPr>
-          <p:cNvPr id="129" name="PlaceHolder 4"/>
-          <p:cNvSpPr>
-            <a:spLocks noGrp="1"/>
-          </p:cNvSpPr>
-          <p:nvPr>
-            <p:ph/>
-          </p:nvPr>
-        </p:nvSpPr>
-        <p:spPr>
-          <a:xfrm>
-            <a:off x="609480" y="3682080"/>
-            <a:ext cx="5354280" cy="1896840"/>
-          </a:xfrm>
-          <a:prstGeom prst="rect">
-            <a:avLst/>
-          </a:prstGeom>
-          <a:noFill/>
-          <a:ln w="0">
-            <a:noFill/>
-          </a:ln>
-        </p:spPr>
-        <p:txBody>
-          <a:bodyPr lIns="0" rIns="0" tIns="0" bIns="0" anchor="t">
-            <a:normAutofit/>
-          </a:bodyPr>
-          <a:p>
-            <a:pPr indent="0">
-              <a:spcBef>
-                <a:spcPts val="1417"/>
-              </a:spcBef>
-              <a:buNone/>
-            </a:pPr>
-            <a:endParaRPr b="0" lang="en-GB" sz="3200" spc="-1" strike="noStrike">
-              <a:solidFill>
-                <a:srgbClr val="000000"/>
-              </a:solidFill>
-              <a:latin typeface="Arial"/>
-            </a:endParaRPr>
-          </a:p>
-        </p:txBody>
-      </p:sp>
-      <p:sp>
-        <p:nvSpPr>
-          <p:cNvPr id="130" name="PlaceHolder 5"/>
-          <p:cNvSpPr>
-            <a:spLocks noGrp="1"/>
-          </p:cNvSpPr>
-          <p:nvPr>
-            <p:ph/>
-          </p:nvPr>
-        </p:nvSpPr>
-        <p:spPr>
-          <a:xfrm>
-            <a:off x="6231960" y="3682080"/>
-            <a:ext cx="5354280" cy="1896840"/>
-          </a:xfrm>
-          <a:prstGeom prst="rect">
-            <a:avLst/>
-          </a:prstGeom>
-          <a:noFill/>
-          <a:ln w="0">
-            <a:noFill/>
-          </a:ln>
-        </p:spPr>
-        <p:txBody>
-          <a:bodyPr lIns="0" rIns="0" tIns="0" bIns="0" anchor="t">
-            <a:normAutofit/>
-          </a:bodyPr>
-          <a:p>
-            <a:pPr indent="0">
-              <a:spcBef>
-                <a:spcPts val="1417"/>
-              </a:spcBef>
-              <a:buNone/>
-            </a:pPr>
-            <a:endParaRPr b="0" lang="en-GB" sz="3200" spc="-1" strike="noStrike">
-              <a:solidFill>
-                <a:srgbClr val="000000"/>
-              </a:solidFill>
-              <a:latin typeface="Arial"/>
-            </a:endParaRPr>
-          </a:p>
-        </p:txBody>
-      </p:sp>
-    </p:spTree>
-  </p:cSld>
-</p:sldLayout>
-</file>
-
-<file path=ppt/slideLayouts/slideLayout36.xml><?xml version="1.0" encoding="utf-8"?>
-<p:sldLayout xmlns:a="http://schemas.openxmlformats.org/drawingml/2006/main" xmlns:p="http://schemas.openxmlformats.org/presentationml/2006/main" xmlns:r="http://schemas.openxmlformats.org/officeDocument/2006/relationships" xmlns:p14="http://schemas.microsoft.com/office/powerpoint/2010/main" xmlns:p15="http://schemas.microsoft.com/office/powerpoint/2012/main" xmlns:mc="http://schemas.openxmlformats.org/markup-compatibility/2006" type="blank" preserve="1">
-  <p:cSld name="Title, 6 Content">
-    <p:spTree>
-      <p:nvGrpSpPr>
-        <p:cNvPr id="1" name=""/>
-        <p:cNvGrpSpPr/>
-        <p:nvPr/>
-      </p:nvGrpSpPr>
-      <p:grpSpPr>
-        <a:xfrm>
-          <a:off x="0" y="0"/>
-          <a:ext cx="0" cy="0"/>
-          <a:chOff x="0" y="0"/>
-          <a:chExt cx="0" cy="0"/>
-        </a:xfrm>
-      </p:grpSpPr>
-      <p:sp>
-        <p:nvSpPr>
-          <p:cNvPr id="131" name="PlaceHolder 1"/>
-          <p:cNvSpPr>
-            <a:spLocks noGrp="1"/>
-          </p:cNvSpPr>
-          <p:nvPr>
-            <p:ph type="title"/>
-          </p:nvPr>
-        </p:nvSpPr>
-        <p:spPr>
-          <a:xfrm>
-            <a:off x="609480" y="273600"/>
-            <a:ext cx="10972440" cy="1144800"/>
-          </a:xfrm>
-          <a:prstGeom prst="rect">
-            <a:avLst/>
-          </a:prstGeom>
-          <a:noFill/>
-          <a:ln w="0">
-            <a:noFill/>
-          </a:ln>
-        </p:spPr>
-        <p:txBody>
-          <a:bodyPr lIns="0" rIns="0" tIns="0" bIns="0" anchor="ctr">
-            <a:noAutofit/>
-          </a:bodyPr>
-          <a:p>
-            <a:pPr indent="0" algn="ctr">
-              <a:buNone/>
-            </a:pPr>
-            <a:endParaRPr b="0" lang="en-GB" sz="4400" spc="-1" strike="noStrike">
-              <a:solidFill>
-                <a:srgbClr val="000000"/>
-              </a:solidFill>
-              <a:latin typeface="Arial"/>
-            </a:endParaRPr>
-          </a:p>
-        </p:txBody>
-      </p:sp>
-      <p:sp>
-        <p:nvSpPr>
-          <p:cNvPr id="132" name="PlaceHolder 2"/>
-          <p:cNvSpPr>
-            <a:spLocks noGrp="1"/>
-          </p:cNvSpPr>
-          <p:nvPr>
-            <p:ph/>
-          </p:nvPr>
-        </p:nvSpPr>
-        <p:spPr>
-          <a:xfrm>
-            <a:off x="609480" y="1604520"/>
-            <a:ext cx="3533040" cy="1896840"/>
-          </a:xfrm>
-          <a:prstGeom prst="rect">
-            <a:avLst/>
-          </a:prstGeom>
-          <a:noFill/>
-          <a:ln w="0">
-            <a:noFill/>
-          </a:ln>
-        </p:spPr>
-        <p:txBody>
-          <a:bodyPr lIns="0" rIns="0" tIns="0" bIns="0" anchor="t">
-            <a:normAutofit/>
-          </a:bodyPr>
-          <a:p>
-            <a:pPr indent="0">
-              <a:spcBef>
-                <a:spcPts val="1417"/>
-              </a:spcBef>
-              <a:buNone/>
-            </a:pPr>
-            <a:endParaRPr b="0" lang="en-GB" sz="3200" spc="-1" strike="noStrike">
-              <a:solidFill>
-                <a:srgbClr val="000000"/>
-              </a:solidFill>
-              <a:latin typeface="Arial"/>
-            </a:endParaRPr>
-          </a:p>
-        </p:txBody>
-      </p:sp>
-      <p:sp>
-        <p:nvSpPr>
-          <p:cNvPr id="133" name="PlaceHolder 3"/>
-          <p:cNvSpPr>
-            <a:spLocks noGrp="1"/>
-          </p:cNvSpPr>
-          <p:nvPr>
-            <p:ph/>
-          </p:nvPr>
-        </p:nvSpPr>
-        <p:spPr>
-          <a:xfrm>
-            <a:off x="4319640" y="1604520"/>
-            <a:ext cx="3533040" cy="1896840"/>
-          </a:xfrm>
-          <a:prstGeom prst="rect">
-            <a:avLst/>
-          </a:prstGeom>
-          <a:noFill/>
-          <a:ln w="0">
-            <a:noFill/>
-          </a:ln>
-        </p:spPr>
-        <p:txBody>
-          <a:bodyPr lIns="0" rIns="0" tIns="0" bIns="0" anchor="t">
-            <a:normAutofit/>
-          </a:bodyPr>
-          <a:p>
-            <a:pPr indent="0">
-              <a:spcBef>
-                <a:spcPts val="1417"/>
-              </a:spcBef>
-              <a:buNone/>
-            </a:pPr>
-            <a:endParaRPr b="0" lang="en-GB" sz="3200" spc="-1" strike="noStrike">
-              <a:solidFill>
-                <a:srgbClr val="000000"/>
-              </a:solidFill>
-              <a:latin typeface="Arial"/>
-            </a:endParaRPr>
-          </a:p>
-        </p:txBody>
-      </p:sp>
-      <p:sp>
-        <p:nvSpPr>
-          <p:cNvPr id="134" name="PlaceHolder 4"/>
-          <p:cNvSpPr>
-            <a:spLocks noGrp="1"/>
-          </p:cNvSpPr>
-          <p:nvPr>
-            <p:ph/>
-          </p:nvPr>
-        </p:nvSpPr>
-        <p:spPr>
-          <a:xfrm>
-            <a:off x="8029800" y="1604520"/>
-            <a:ext cx="3533040" cy="1896840"/>
-          </a:xfrm>
-          <a:prstGeom prst="rect">
-            <a:avLst/>
-          </a:prstGeom>
-          <a:noFill/>
-          <a:ln w="0">
-            <a:noFill/>
-          </a:ln>
-        </p:spPr>
-        <p:txBody>
-          <a:bodyPr lIns="0" rIns="0" tIns="0" bIns="0" anchor="t">
-            <a:normAutofit/>
-          </a:bodyPr>
-          <a:p>
-            <a:pPr indent="0">
-              <a:spcBef>
-                <a:spcPts val="1417"/>
-              </a:spcBef>
-              <a:buNone/>
-            </a:pPr>
-            <a:endParaRPr b="0" lang="en-GB" sz="3200" spc="-1" strike="noStrike">
-              <a:solidFill>
-                <a:srgbClr val="000000"/>
-              </a:solidFill>
-              <a:latin typeface="Arial"/>
-            </a:endParaRPr>
-          </a:p>
-        </p:txBody>
-      </p:sp>
-      <p:sp>
-        <p:nvSpPr>
-          <p:cNvPr id="135" name="PlaceHolder 5"/>
-          <p:cNvSpPr>
-            <a:spLocks noGrp="1"/>
-          </p:cNvSpPr>
-          <p:nvPr>
-            <p:ph/>
-          </p:nvPr>
-        </p:nvSpPr>
-        <p:spPr>
-          <a:xfrm>
-            <a:off x="609480" y="3682080"/>
-            <a:ext cx="3533040" cy="1896840"/>
-          </a:xfrm>
-          <a:prstGeom prst="rect">
-            <a:avLst/>
-          </a:prstGeom>
-          <a:noFill/>
-          <a:ln w="0">
-            <a:noFill/>
-          </a:ln>
-        </p:spPr>
-        <p:txBody>
-          <a:bodyPr lIns="0" rIns="0" tIns="0" bIns="0" anchor="t">
-            <a:normAutofit/>
-          </a:bodyPr>
-          <a:p>
-            <a:pPr indent="0">
-              <a:spcBef>
-                <a:spcPts val="1417"/>
-              </a:spcBef>
-              <a:buNone/>
-            </a:pPr>
-            <a:endParaRPr b="0" lang="en-GB" sz="3200" spc="-1" strike="noStrike">
-              <a:solidFill>
-                <a:srgbClr val="000000"/>
-              </a:solidFill>
-              <a:latin typeface="Arial"/>
-            </a:endParaRPr>
-          </a:p>
-        </p:txBody>
-      </p:sp>
-      <p:sp>
-        <p:nvSpPr>
-          <p:cNvPr id="136" name="PlaceHolder 6"/>
-          <p:cNvSpPr>
-            <a:spLocks noGrp="1"/>
-          </p:cNvSpPr>
-          <p:nvPr>
-            <p:ph/>
-          </p:nvPr>
-        </p:nvSpPr>
-        <p:spPr>
-          <a:xfrm>
-            <a:off x="4319640" y="3682080"/>
-            <a:ext cx="3533040" cy="1896840"/>
-          </a:xfrm>
-          <a:prstGeom prst="rect">
-            <a:avLst/>
-          </a:prstGeom>
-          <a:noFill/>
-          <a:ln w="0">
-            <a:noFill/>
-          </a:ln>
-        </p:spPr>
-        <p:txBody>
-          <a:bodyPr lIns="0" rIns="0" tIns="0" bIns="0" anchor="t">
-            <a:normAutofit/>
-          </a:bodyPr>
-          <a:p>
-            <a:pPr indent="0">
-              <a:spcBef>
-                <a:spcPts val="1417"/>
-              </a:spcBef>
-              <a:buNone/>
-            </a:pPr>
-            <a:endParaRPr b="0" lang="en-GB" sz="3200" spc="-1" strike="noStrike">
-              <a:solidFill>
-                <a:srgbClr val="000000"/>
-              </a:solidFill>
-              <a:latin typeface="Arial"/>
-            </a:endParaRPr>
-          </a:p>
-        </p:txBody>
-      </p:sp>
-      <p:sp>
-        <p:nvSpPr>
-          <p:cNvPr id="137" name="PlaceHolder 7"/>
-          <p:cNvSpPr>
-            <a:spLocks noGrp="1"/>
-          </p:cNvSpPr>
-          <p:nvPr>
-            <p:ph/>
-          </p:nvPr>
-        </p:nvSpPr>
-        <p:spPr>
-          <a:xfrm>
-            <a:off x="8029800" y="3682080"/>
-            <a:ext cx="3533040" cy="1896840"/>
-          </a:xfrm>
-          <a:prstGeom prst="rect">
-            <a:avLst/>
-          </a:prstGeom>
-          <a:noFill/>
-          <a:ln w="0">
-            <a:noFill/>
-          </a:ln>
-        </p:spPr>
-        <p:txBody>
-          <a:bodyPr lIns="0" rIns="0" tIns="0" bIns="0" anchor="t">
-            <a:normAutofit/>
-          </a:bodyPr>
-          <a:p>
-            <a:pPr indent="0">
-              <a:spcBef>
-                <a:spcPts val="1417"/>
-              </a:spcBef>
-              <a:buNone/>
-            </a:pPr>
-            <a:endParaRPr b="0" lang="en-GB" sz="3200" spc="-1" strike="noStrike">
-              <a:solidFill>
-                <a:srgbClr val="000000"/>
-              </a:solidFill>
-              <a:latin typeface="Arial"/>
-            </a:endParaRPr>
-          </a:p>
-        </p:txBody>
-      </p:sp>
-    </p:spTree>
-  </p:cSld>
-</p:sldLayout>
-</file>
-
-<file path=ppt/slideLayouts/slideLayout4.xml><?xml version="1.0" encoding="utf-8"?>
-<p:sldLayout xmlns:a="http://schemas.openxmlformats.org/drawingml/2006/main" xmlns:p="http://schemas.openxmlformats.org/presentationml/2006/main" xmlns:r="http://schemas.openxmlformats.org/officeDocument/2006/relationships" xmlns:p14="http://schemas.microsoft.com/office/powerpoint/2010/main" xmlns:p15="http://schemas.microsoft.com/office/powerpoint/2012/main" xmlns:mc="http://schemas.openxmlformats.org/markup-compatibility/2006" type="twoObj" preserve="1">
-  <p:cSld name="Title, 2 Content">
-    <p:spTree>
-      <p:nvGrpSpPr>
-        <p:cNvPr id="1" name=""/>
-        <p:cNvGrpSpPr/>
-        <p:nvPr/>
-      </p:nvGrpSpPr>
-      <p:grpSpPr>
-        <a:xfrm>
-          <a:off x="0" y="0"/>
-          <a:ext cx="0" cy="0"/>
-          <a:chOff x="0" y="0"/>
-          <a:chExt cx="0" cy="0"/>
-        </a:xfrm>
-      </p:grpSpPr>
-      <p:sp>
-        <p:nvSpPr>
-          <p:cNvPr id="14" name="PlaceHolder 1"/>
-          <p:cNvSpPr>
-            <a:spLocks noGrp="1"/>
-          </p:cNvSpPr>
-          <p:nvPr>
-            <p:ph type="title"/>
-          </p:nvPr>
-        </p:nvSpPr>
-        <p:spPr>
-          <a:xfrm>
-            <a:off x="609480" y="273600"/>
-            <a:ext cx="10972440" cy="1144800"/>
-          </a:xfrm>
-          <a:prstGeom prst="rect">
-            <a:avLst/>
-          </a:prstGeom>
-          <a:noFill/>
-          <a:ln w="0">
-            <a:noFill/>
-          </a:ln>
-        </p:spPr>
-        <p:txBody>
-          <a:bodyPr lIns="0" rIns="0" tIns="0" bIns="0" anchor="ctr">
-            <a:noAutofit/>
-          </a:bodyPr>
-          <a:p>
-            <a:pPr indent="0" algn="ctr">
-              <a:buNone/>
-            </a:pPr>
-            <a:endParaRPr b="0" lang="en-GB" sz="4400" spc="-1" strike="noStrike">
-              <a:solidFill>
-                <a:srgbClr val="000000"/>
-              </a:solidFill>
-              <a:latin typeface="Arial"/>
-            </a:endParaRPr>
-          </a:p>
-        </p:txBody>
-      </p:sp>
-      <p:sp>
-        <p:nvSpPr>
-          <p:cNvPr id="15" name="PlaceHolder 2"/>
-          <p:cNvSpPr>
-            <a:spLocks noGrp="1"/>
-          </p:cNvSpPr>
-          <p:nvPr>
-            <p:ph/>
-          </p:nvPr>
-        </p:nvSpPr>
-        <p:spPr>
-          <a:xfrm>
-            <a:off x="609480" y="1604520"/>
-            <a:ext cx="5354280" cy="3977280"/>
-          </a:xfrm>
-          <a:prstGeom prst="rect">
-            <a:avLst/>
-          </a:prstGeom>
-          <a:noFill/>
-          <a:ln w="0">
-            <a:noFill/>
-          </a:ln>
-        </p:spPr>
-        <p:txBody>
-          <a:bodyPr lIns="0" rIns="0" tIns="0" bIns="0" anchor="t">
-            <a:normAutofit/>
-          </a:bodyPr>
-          <a:p>
-            <a:pPr indent="0">
-              <a:spcBef>
-                <a:spcPts val="1417"/>
-              </a:spcBef>
-              <a:buNone/>
-            </a:pPr>
-            <a:endParaRPr b="0" lang="en-GB" sz="3200" spc="-1" strike="noStrike">
-              <a:solidFill>
-                <a:srgbClr val="000000"/>
-              </a:solidFill>
-              <a:latin typeface="Arial"/>
-            </a:endParaRPr>
-          </a:p>
-        </p:txBody>
-      </p:sp>
-      <p:sp>
-        <p:nvSpPr>
-          <p:cNvPr id="16" name="PlaceHolder 3"/>
-          <p:cNvSpPr>
-            <a:spLocks noGrp="1"/>
-          </p:cNvSpPr>
-          <p:nvPr>
-            <p:ph/>
-          </p:nvPr>
-        </p:nvSpPr>
-        <p:spPr>
-          <a:xfrm>
-            <a:off x="6231960" y="1604520"/>
-            <a:ext cx="5354280" cy="3977280"/>
-          </a:xfrm>
-          <a:prstGeom prst="rect">
-            <a:avLst/>
-          </a:prstGeom>
-          <a:noFill/>
-          <a:ln w="0">
-            <a:noFill/>
-          </a:ln>
-        </p:spPr>
-        <p:txBody>
-          <a:bodyPr lIns="0" rIns="0" tIns="0" bIns="0" anchor="t">
-            <a:normAutofit/>
-          </a:bodyPr>
-          <a:p>
-            <a:pPr indent="0">
-              <a:spcBef>
-                <a:spcPts val="1417"/>
-              </a:spcBef>
-              <a:buNone/>
-            </a:pPr>
-            <a:endParaRPr b="0" lang="en-GB" sz="3200" spc="-1" strike="noStrike">
-              <a:solidFill>
-                <a:srgbClr val="000000"/>
-              </a:solidFill>
-              <a:latin typeface="Arial"/>
-            </a:endParaRPr>
-          </a:p>
-        </p:txBody>
-      </p:sp>
-    </p:spTree>
-  </p:cSld>
-</p:sldLayout>
-</file>
-
-<file path=ppt/slideLayouts/slideLayout5.xml><?xml version="1.0" encoding="utf-8"?>
-<p:sldLayout xmlns:a="http://schemas.openxmlformats.org/drawingml/2006/main" xmlns:p="http://schemas.openxmlformats.org/presentationml/2006/main" xmlns:r="http://schemas.openxmlformats.org/officeDocument/2006/relationships" xmlns:p14="http://schemas.microsoft.com/office/powerpoint/2010/main" xmlns:p15="http://schemas.microsoft.com/office/powerpoint/2012/main" xmlns:mc="http://schemas.openxmlformats.org/markup-compatibility/2006" type="titleOnly" preserve="1">
-  <p:cSld name="Title Only">
-    <p:spTree>
-      <p:nvGrpSpPr>
-        <p:cNvPr id="1" name=""/>
-        <p:cNvGrpSpPr/>
-        <p:nvPr/>
-      </p:nvGrpSpPr>
-      <p:grpSpPr>
-        <a:xfrm>
-          <a:off x="0" y="0"/>
-          <a:ext cx="0" cy="0"/>
-          <a:chOff x="0" y="0"/>
-          <a:chExt cx="0" cy="0"/>
-        </a:xfrm>
-      </p:grpSpPr>
-      <p:sp>
-        <p:nvSpPr>
-          <p:cNvPr id="17" name="PlaceHolder 1"/>
-          <p:cNvSpPr>
-            <a:spLocks noGrp="1"/>
-          </p:cNvSpPr>
-          <p:nvPr>
-            <p:ph type="title"/>
-          </p:nvPr>
-        </p:nvSpPr>
-        <p:spPr>
-          <a:xfrm>
-            <a:off x="609480" y="273600"/>
-            <a:ext cx="10972440" cy="1144800"/>
-          </a:xfrm>
-          <a:prstGeom prst="rect">
-            <a:avLst/>
-          </a:prstGeom>
-          <a:noFill/>
-          <a:ln w="0">
-            <a:noFill/>
-          </a:ln>
-        </p:spPr>
-        <p:txBody>
-          <a:bodyPr lIns="0" rIns="0" tIns="0" bIns="0" anchor="ctr">
-            <a:noAutofit/>
-          </a:bodyPr>
-          <a:p>
-            <a:pPr indent="0" algn="ctr">
-              <a:buNone/>
-            </a:pPr>
-            <a:endParaRPr b="0" lang="en-GB" sz="4400" spc="-1" strike="noStrike">
-              <a:solidFill>
-                <a:srgbClr val="000000"/>
-              </a:solidFill>
-              <a:latin typeface="Arial"/>
-            </a:endParaRPr>
-          </a:p>
-        </p:txBody>
-      </p:sp>
-    </p:spTree>
-  </p:cSld>
-</p:sldLayout>
-</file>
-
-<file path=ppt/slideLayouts/slideLayout6.xml><?xml version="1.0" encoding="utf-8"?>
-<p:sldLayout xmlns:a="http://schemas.openxmlformats.org/drawingml/2006/main" xmlns:p="http://schemas.openxmlformats.org/presentationml/2006/main" xmlns:r="http://schemas.openxmlformats.org/officeDocument/2006/relationships" xmlns:p14="http://schemas.microsoft.com/office/powerpoint/2010/main" xmlns:p15="http://schemas.microsoft.com/office/powerpoint/2012/main" xmlns:mc="http://schemas.openxmlformats.org/markup-compatibility/2006" type="objOnly" preserve="1">
-  <p:cSld name="Centered Text">
-    <p:spTree>
-      <p:nvGrpSpPr>
-        <p:cNvPr id="1" name=""/>
-        <p:cNvGrpSpPr/>
-        <p:nvPr/>
-      </p:nvGrpSpPr>
-      <p:grpSpPr>
-        <a:xfrm>
-          <a:off x="0" y="0"/>
-          <a:ext cx="0" cy="0"/>
-          <a:chOff x="0" y="0"/>
-          <a:chExt cx="0" cy="0"/>
-        </a:xfrm>
-      </p:grpSpPr>
-      <p:sp>
-        <p:nvSpPr>
-          <p:cNvPr id="18" name="PlaceHolder 1"/>
-          <p:cNvSpPr>
-            <a:spLocks noGrp="1"/>
-          </p:cNvSpPr>
-          <p:nvPr>
-            <p:ph type="subTitle"/>
-          </p:nvPr>
-        </p:nvSpPr>
-        <p:spPr>
-          <a:xfrm>
-            <a:off x="609480" y="273600"/>
-            <a:ext cx="10972440" cy="5307840"/>
-          </a:xfrm>
-          <a:prstGeom prst="rect">
-            <a:avLst/>
-          </a:prstGeom>
-          <a:noFill/>
-          <a:ln w="0">
-            <a:noFill/>
-          </a:ln>
-        </p:spPr>
-        <p:txBody>
-          <a:bodyPr lIns="0" rIns="0" tIns="0" bIns="0" anchor="ctr">
-            <a:noAutofit/>
-          </a:bodyPr>
-          <a:p>
-            <a:pPr algn="ctr"/>
-            <a:endParaRPr b="0" lang="en-GB" sz="3200" spc="-1" strike="noStrike">
-              <a:solidFill>
-                <a:srgbClr val="000000"/>
-              </a:solidFill>
-              <a:latin typeface="Arial"/>
-            </a:endParaRPr>
-          </a:p>
-        </p:txBody>
-      </p:sp>
-    </p:spTree>
-  </p:cSld>
-</p:sldLayout>
-</file>
-
-<file path=ppt/slideLayouts/slideLayout7.xml><?xml version="1.0" encoding="utf-8"?>
-<p:sldLayout xmlns:a="http://schemas.openxmlformats.org/drawingml/2006/main" xmlns:p="http://schemas.openxmlformats.org/presentationml/2006/main" xmlns:r="http://schemas.openxmlformats.org/officeDocument/2006/relationships" xmlns:p14="http://schemas.microsoft.com/office/powerpoint/2010/main" xmlns:p15="http://schemas.microsoft.com/office/powerpoint/2012/main" xmlns:mc="http://schemas.openxmlformats.org/markup-compatibility/2006" type="twoObjAndObj" preserve="1">
-  <p:cSld name="Title, 2 Content and Content">
-    <p:spTree>
-      <p:nvGrpSpPr>
-        <p:cNvPr id="1" name=""/>
-        <p:cNvGrpSpPr/>
-        <p:nvPr/>
-      </p:nvGrpSpPr>
-      <p:grpSpPr>
-        <a:xfrm>
-          <a:off x="0" y="0"/>
-          <a:ext cx="0" cy="0"/>
-          <a:chOff x="0" y="0"/>
-          <a:chExt cx="0" cy="0"/>
-        </a:xfrm>
-      </p:grpSpPr>
-      <p:sp>
-        <p:nvSpPr>
-          <p:cNvPr id="19" name="PlaceHolder 1"/>
-          <p:cNvSpPr>
-            <a:spLocks noGrp="1"/>
-          </p:cNvSpPr>
-          <p:nvPr>
-            <p:ph type="title"/>
-          </p:nvPr>
-        </p:nvSpPr>
-        <p:spPr>
-          <a:xfrm>
-            <a:off x="609480" y="273600"/>
-            <a:ext cx="10972440" cy="1144800"/>
-          </a:xfrm>
-          <a:prstGeom prst="rect">
-            <a:avLst/>
-          </a:prstGeom>
-          <a:noFill/>
-          <a:ln w="0">
-            <a:noFill/>
-          </a:ln>
-        </p:spPr>
-        <p:txBody>
-          <a:bodyPr lIns="0" rIns="0" tIns="0" bIns="0" anchor="ctr">
-            <a:noAutofit/>
-          </a:bodyPr>
-          <a:p>
-            <a:pPr indent="0" algn="ctr">
-              <a:buNone/>
-            </a:pPr>
-            <a:endParaRPr b="0" lang="en-GB" sz="4400" spc="-1" strike="noStrike">
-              <a:solidFill>
-                <a:srgbClr val="000000"/>
-              </a:solidFill>
-              <a:latin typeface="Arial"/>
-            </a:endParaRPr>
-          </a:p>
-        </p:txBody>
-      </p:sp>
-      <p:sp>
-        <p:nvSpPr>
-          <p:cNvPr id="20" name="PlaceHolder 2"/>
-          <p:cNvSpPr>
-            <a:spLocks noGrp="1"/>
-          </p:cNvSpPr>
-          <p:nvPr>
-            <p:ph/>
-          </p:nvPr>
-        </p:nvSpPr>
-        <p:spPr>
-          <a:xfrm>
-            <a:off x="609480" y="1604520"/>
-            <a:ext cx="5354280" cy="1896840"/>
-          </a:xfrm>
-          <a:prstGeom prst="rect">
-            <a:avLst/>
-          </a:prstGeom>
-          <a:noFill/>
-          <a:ln w="0">
-            <a:noFill/>
-          </a:ln>
-        </p:spPr>
-        <p:txBody>
-          <a:bodyPr lIns="0" rIns="0" tIns="0" bIns="0" anchor="t">
-            <a:normAutofit/>
-          </a:bodyPr>
-          <a:p>
-            <a:pPr indent="0">
-              <a:spcBef>
-                <a:spcPts val="1417"/>
-              </a:spcBef>
-              <a:buNone/>
-            </a:pPr>
-            <a:endParaRPr b="0" lang="en-GB" sz="3200" spc="-1" strike="noStrike">
-              <a:solidFill>
-                <a:srgbClr val="000000"/>
-              </a:solidFill>
-              <a:latin typeface="Arial"/>
-            </a:endParaRPr>
-          </a:p>
-        </p:txBody>
-      </p:sp>
-      <p:sp>
-        <p:nvSpPr>
-          <p:cNvPr id="21" name="PlaceHolder 3"/>
-          <p:cNvSpPr>
-            <a:spLocks noGrp="1"/>
-          </p:cNvSpPr>
-          <p:nvPr>
-            <p:ph/>
-          </p:nvPr>
-        </p:nvSpPr>
-        <p:spPr>
-          <a:xfrm>
-            <a:off x="6231960" y="1604520"/>
-            <a:ext cx="5354280" cy="3977280"/>
-          </a:xfrm>
-          <a:prstGeom prst="rect">
-            <a:avLst/>
-          </a:prstGeom>
-          <a:noFill/>
-          <a:ln w="0">
-            <a:noFill/>
-          </a:ln>
-        </p:spPr>
-        <p:txBody>
-          <a:bodyPr lIns="0" rIns="0" tIns="0" bIns="0" anchor="t">
-            <a:normAutofit/>
-          </a:bodyPr>
-          <a:p>
-            <a:pPr indent="0">
-              <a:spcBef>
-                <a:spcPts val="1417"/>
-              </a:spcBef>
-              <a:buNone/>
-            </a:pPr>
-            <a:endParaRPr b="0" lang="en-GB" sz="3200" spc="-1" strike="noStrike">
-              <a:solidFill>
-                <a:srgbClr val="000000"/>
-              </a:solidFill>
-              <a:latin typeface="Arial"/>
-            </a:endParaRPr>
-          </a:p>
-        </p:txBody>
-      </p:sp>
-      <p:sp>
-        <p:nvSpPr>
-          <p:cNvPr id="22" name="PlaceHolder 4"/>
-          <p:cNvSpPr>
-            <a:spLocks noGrp="1"/>
-          </p:cNvSpPr>
-          <p:nvPr>
-            <p:ph/>
-          </p:nvPr>
-        </p:nvSpPr>
-        <p:spPr>
-          <a:xfrm>
-            <a:off x="609480" y="3682080"/>
-            <a:ext cx="5354280" cy="1896840"/>
-          </a:xfrm>
-          <a:prstGeom prst="rect">
-            <a:avLst/>
-          </a:prstGeom>
-          <a:noFill/>
-          <a:ln w="0">
-            <a:noFill/>
-          </a:ln>
-        </p:spPr>
-        <p:txBody>
-          <a:bodyPr lIns="0" rIns="0" tIns="0" bIns="0" anchor="t">
-            <a:normAutofit/>
-          </a:bodyPr>
-          <a:p>
-            <a:pPr indent="0">
-              <a:spcBef>
-                <a:spcPts val="1417"/>
-              </a:spcBef>
-              <a:buNone/>
-            </a:pPr>
-            <a:endParaRPr b="0" lang="en-GB" sz="3200" spc="-1" strike="noStrike">
-              <a:solidFill>
-                <a:srgbClr val="000000"/>
-              </a:solidFill>
-              <a:latin typeface="Arial"/>
-            </a:endParaRPr>
-          </a:p>
-        </p:txBody>
-      </p:sp>
-    </p:spTree>
-  </p:cSld>
-</p:sldLayout>
-</file>
-
-<file path=ppt/slideLayouts/slideLayout8.xml><?xml version="1.0" encoding="utf-8"?>
-<p:sldLayout xmlns:a="http://schemas.openxmlformats.org/drawingml/2006/main" xmlns:p="http://schemas.openxmlformats.org/presentationml/2006/main" xmlns:r="http://schemas.openxmlformats.org/officeDocument/2006/relationships" xmlns:p14="http://schemas.microsoft.com/office/powerpoint/2010/main" xmlns:p15="http://schemas.microsoft.com/office/powerpoint/2012/main" xmlns:mc="http://schemas.openxmlformats.org/markup-compatibility/2006" type="objAndTwoObj" preserve="1">
-  <p:cSld name="Title Content and 2 Content">
-    <p:spTree>
-      <p:nvGrpSpPr>
-        <p:cNvPr id="1" name=""/>
-        <p:cNvGrpSpPr/>
-        <p:nvPr/>
-      </p:nvGrpSpPr>
-      <p:grpSpPr>
-        <a:xfrm>
-          <a:off x="0" y="0"/>
-          <a:ext cx="0" cy="0"/>
-          <a:chOff x="0" y="0"/>
-          <a:chExt cx="0" cy="0"/>
-        </a:xfrm>
-      </p:grpSpPr>
-      <p:sp>
-        <p:nvSpPr>
-          <p:cNvPr id="23" name="PlaceHolder 1"/>
-          <p:cNvSpPr>
-            <a:spLocks noGrp="1"/>
-          </p:cNvSpPr>
-          <p:nvPr>
-            <p:ph type="title"/>
-          </p:nvPr>
-        </p:nvSpPr>
-        <p:spPr>
-          <a:xfrm>
-            <a:off x="609480" y="273600"/>
-            <a:ext cx="10972440" cy="1144800"/>
-          </a:xfrm>
-          <a:prstGeom prst="rect">
-            <a:avLst/>
-          </a:prstGeom>
-          <a:noFill/>
-          <a:ln w="0">
-            <a:noFill/>
-          </a:ln>
-        </p:spPr>
-        <p:txBody>
-          <a:bodyPr lIns="0" rIns="0" tIns="0" bIns="0" anchor="ctr">
-            <a:noAutofit/>
-          </a:bodyPr>
-          <a:p>
-            <a:pPr indent="0" algn="ctr">
-              <a:buNone/>
-            </a:pPr>
-            <a:endParaRPr b="0" lang="en-GB" sz="4400" spc="-1" strike="noStrike">
-              <a:solidFill>
-                <a:srgbClr val="000000"/>
-              </a:solidFill>
-              <a:latin typeface="Arial"/>
-            </a:endParaRPr>
-          </a:p>
-        </p:txBody>
-      </p:sp>
-      <p:sp>
-        <p:nvSpPr>
-          <p:cNvPr id="24" name="PlaceHolder 2"/>
-          <p:cNvSpPr>
-            <a:spLocks noGrp="1"/>
-          </p:cNvSpPr>
-          <p:nvPr>
-            <p:ph/>
-          </p:nvPr>
-        </p:nvSpPr>
-        <p:spPr>
-          <a:xfrm>
-            <a:off x="609480" y="1604520"/>
-            <a:ext cx="5354280" cy="3977280"/>
-          </a:xfrm>
-          <a:prstGeom prst="rect">
-            <a:avLst/>
-          </a:prstGeom>
-          <a:noFill/>
-          <a:ln w="0">
-            <a:noFill/>
-          </a:ln>
-        </p:spPr>
-        <p:txBody>
-          <a:bodyPr lIns="0" rIns="0" tIns="0" bIns="0" anchor="t">
-            <a:normAutofit/>
-          </a:bodyPr>
-          <a:p>
-            <a:pPr indent="0">
-              <a:spcBef>
-                <a:spcPts val="1417"/>
-              </a:spcBef>
-              <a:buNone/>
-            </a:pPr>
-            <a:endParaRPr b="0" lang="en-GB" sz="3200" spc="-1" strike="noStrike">
-              <a:solidFill>
-                <a:srgbClr val="000000"/>
-              </a:solidFill>
-              <a:latin typeface="Arial"/>
-            </a:endParaRPr>
-          </a:p>
-        </p:txBody>
-      </p:sp>
-      <p:sp>
-        <p:nvSpPr>
-          <p:cNvPr id="25" name="PlaceHolder 3"/>
-          <p:cNvSpPr>
-            <a:spLocks noGrp="1"/>
-          </p:cNvSpPr>
-          <p:nvPr>
-            <p:ph/>
-          </p:nvPr>
-        </p:nvSpPr>
-        <p:spPr>
-          <a:xfrm>
-            <a:off x="6231960" y="1604520"/>
-            <a:ext cx="5354280" cy="1896840"/>
-          </a:xfrm>
-          <a:prstGeom prst="rect">
-            <a:avLst/>
-          </a:prstGeom>
-          <a:noFill/>
-          <a:ln w="0">
-            <a:noFill/>
-          </a:ln>
-        </p:spPr>
-        <p:txBody>
-          <a:bodyPr lIns="0" rIns="0" tIns="0" bIns="0" anchor="t">
-            <a:normAutofit/>
-          </a:bodyPr>
-          <a:p>
-            <a:pPr indent="0">
-              <a:spcBef>
-                <a:spcPts val="1417"/>
-              </a:spcBef>
-              <a:buNone/>
-            </a:pPr>
-            <a:endParaRPr b="0" lang="en-GB" sz="3200" spc="-1" strike="noStrike">
-              <a:solidFill>
-                <a:srgbClr val="000000"/>
-              </a:solidFill>
-              <a:latin typeface="Arial"/>
-            </a:endParaRPr>
-          </a:p>
-        </p:txBody>
-      </p:sp>
-      <p:sp>
-        <p:nvSpPr>
-          <p:cNvPr id="26" name="PlaceHolder 4"/>
-          <p:cNvSpPr>
-            <a:spLocks noGrp="1"/>
-          </p:cNvSpPr>
-          <p:nvPr>
-            <p:ph/>
-          </p:nvPr>
-        </p:nvSpPr>
-        <p:spPr>
-          <a:xfrm>
-            <a:off x="6231960" y="3682080"/>
-            <a:ext cx="5354280" cy="1896840"/>
-          </a:xfrm>
-          <a:prstGeom prst="rect">
-            <a:avLst/>
-          </a:prstGeom>
-          <a:noFill/>
-          <a:ln w="0">
-            <a:noFill/>
-          </a:ln>
-        </p:spPr>
-        <p:txBody>
-          <a:bodyPr lIns="0" rIns="0" tIns="0" bIns="0" anchor="t">
-            <a:normAutofit/>
-          </a:bodyPr>
-          <a:p>
-            <a:pPr indent="0">
-              <a:spcBef>
-                <a:spcPts val="1417"/>
-              </a:spcBef>
-              <a:buNone/>
-            </a:pPr>
-            <a:endParaRPr b="0" lang="en-GB" sz="3200" spc="-1" strike="noStrike">
-              <a:solidFill>
-                <a:srgbClr val="000000"/>
-              </a:solidFill>
-              <a:latin typeface="Arial"/>
-            </a:endParaRPr>
-          </a:p>
-        </p:txBody>
-      </p:sp>
-    </p:spTree>
-  </p:cSld>
-</p:sldLayout>
-</file>
-
-<file path=ppt/slideLayouts/slideLayout9.xml><?xml version="1.0" encoding="utf-8"?>
-<p:sldLayout xmlns:a="http://schemas.openxmlformats.org/drawingml/2006/main" xmlns:p="http://schemas.openxmlformats.org/presentationml/2006/main" xmlns:r="http://schemas.openxmlformats.org/officeDocument/2006/relationships" xmlns:p14="http://schemas.microsoft.com/office/powerpoint/2010/main" xmlns:p15="http://schemas.microsoft.com/office/powerpoint/2012/main" xmlns:mc="http://schemas.openxmlformats.org/markup-compatibility/2006" type="twoObjOverTx" preserve="1">
-  <p:cSld name="Title, 2 Content over Content">
-    <p:spTree>
-      <p:nvGrpSpPr>
-        <p:cNvPr id="1" name=""/>
-        <p:cNvGrpSpPr/>
-        <p:nvPr/>
-      </p:nvGrpSpPr>
-      <p:grpSpPr>
-        <a:xfrm>
-          <a:off x="0" y="0"/>
-          <a:ext cx="0" cy="0"/>
-          <a:chOff x="0" y="0"/>
-          <a:chExt cx="0" cy="0"/>
-        </a:xfrm>
-      </p:grpSpPr>
-      <p:sp>
-        <p:nvSpPr>
-          <p:cNvPr id="27" name="PlaceHolder 1"/>
-          <p:cNvSpPr>
-            <a:spLocks noGrp="1"/>
-          </p:cNvSpPr>
-          <p:nvPr>
-            <p:ph type="title"/>
-          </p:nvPr>
-        </p:nvSpPr>
-        <p:spPr>
-          <a:xfrm>
-            <a:off x="609480" y="273600"/>
-            <a:ext cx="10972440" cy="1144800"/>
-          </a:xfrm>
-          <a:prstGeom prst="rect">
-            <a:avLst/>
-          </a:prstGeom>
-          <a:noFill/>
-          <a:ln w="0">
-            <a:noFill/>
-          </a:ln>
-        </p:spPr>
-        <p:txBody>
-          <a:bodyPr lIns="0" rIns="0" tIns="0" bIns="0" anchor="ctr">
-            <a:noAutofit/>
-          </a:bodyPr>
-          <a:p>
-            <a:pPr indent="0" algn="ctr">
-              <a:buNone/>
-            </a:pPr>
-            <a:endParaRPr b="0" lang="en-GB" sz="4400" spc="-1" strike="noStrike">
-              <a:solidFill>
-                <a:srgbClr val="000000"/>
-              </a:solidFill>
-              <a:latin typeface="Arial"/>
-            </a:endParaRPr>
-          </a:p>
-        </p:txBody>
-      </p:sp>
-      <p:sp>
-        <p:nvSpPr>
-          <p:cNvPr id="28" name="PlaceHolder 2"/>
-          <p:cNvSpPr>
-            <a:spLocks noGrp="1"/>
-          </p:cNvSpPr>
-          <p:nvPr>
-            <p:ph/>
-          </p:nvPr>
-        </p:nvSpPr>
-        <p:spPr>
-          <a:xfrm>
-            <a:off x="609480" y="1604520"/>
-            <a:ext cx="5354280" cy="1896840"/>
-          </a:xfrm>
-          <a:prstGeom prst="rect">
-            <a:avLst/>
-          </a:prstGeom>
-          <a:noFill/>
-          <a:ln w="0">
-            <a:noFill/>
-          </a:ln>
-        </p:spPr>
-        <p:txBody>
-          <a:bodyPr lIns="0" rIns="0" tIns="0" bIns="0" anchor="t">
-            <a:normAutofit/>
-          </a:bodyPr>
-          <a:p>
-            <a:pPr indent="0">
-              <a:spcBef>
-                <a:spcPts val="1417"/>
-              </a:spcBef>
-              <a:buNone/>
-            </a:pPr>
-            <a:endParaRPr b="0" lang="en-GB" sz="3200" spc="-1" strike="noStrike">
-              <a:solidFill>
-                <a:srgbClr val="000000"/>
-              </a:solidFill>
-              <a:latin typeface="Arial"/>
-            </a:endParaRPr>
-          </a:p>
-        </p:txBody>
-      </p:sp>
-      <p:sp>
-        <p:nvSpPr>
-          <p:cNvPr id="29" name="PlaceHolder 3"/>
-          <p:cNvSpPr>
-            <a:spLocks noGrp="1"/>
-          </p:cNvSpPr>
-          <p:nvPr>
-            <p:ph/>
-          </p:nvPr>
-        </p:nvSpPr>
-        <p:spPr>
-          <a:xfrm>
-            <a:off x="6231960" y="1604520"/>
-            <a:ext cx="5354280" cy="1896840"/>
-          </a:xfrm>
-          <a:prstGeom prst="rect">
-            <a:avLst/>
-          </a:prstGeom>
-          <a:noFill/>
-          <a:ln w="0">
-            <a:noFill/>
-          </a:ln>
-        </p:spPr>
-        <p:txBody>
-          <a:bodyPr lIns="0" rIns="0" tIns="0" bIns="0" anchor="t">
-            <a:normAutofit/>
-          </a:bodyPr>
-          <a:p>
-            <a:pPr indent="0">
-              <a:spcBef>
-                <a:spcPts val="1417"/>
-              </a:spcBef>
-              <a:buNone/>
-            </a:pPr>
-            <a:endParaRPr b="0" lang="en-GB" sz="3200" spc="-1" strike="noStrike">
-              <a:solidFill>
-                <a:srgbClr val="000000"/>
-              </a:solidFill>
-              <a:latin typeface="Arial"/>
-            </a:endParaRPr>
-          </a:p>
-        </p:txBody>
-      </p:sp>
-      <p:sp>
-        <p:nvSpPr>
-          <p:cNvPr id="30" name="PlaceHolder 4"/>
-          <p:cNvSpPr>
-            <a:spLocks noGrp="1"/>
-          </p:cNvSpPr>
-          <p:nvPr>
-            <p:ph/>
-          </p:nvPr>
-        </p:nvSpPr>
-        <p:spPr>
-          <a:xfrm>
-            <a:off x="609480" y="3682080"/>
-            <a:ext cx="10972440" cy="1896840"/>
-          </a:xfrm>
-          <a:prstGeom prst="rect">
-            <a:avLst/>
-          </a:prstGeom>
-          <a:noFill/>
-          <a:ln w="0">
-            <a:noFill/>
-          </a:ln>
-        </p:spPr>
-        <p:txBody>
-          <a:bodyPr lIns="0" rIns="0" tIns="0" bIns="0" anchor="t">
-            <a:normAutofit/>
-          </a:bodyPr>
-          <a:p>
-            <a:pPr indent="0">
-              <a:spcBef>
-                <a:spcPts val="1417"/>
-              </a:spcBef>
-              <a:buNone/>
-            </a:pPr>
-            <a:endParaRPr b="0" lang="en-GB" sz="3200" spc="-1" strike="noStrike">
-              <a:solidFill>
-                <a:srgbClr val="000000"/>
-              </a:solidFill>
-              <a:latin typeface="Arial"/>
-            </a:endParaRPr>
-          </a:p>
-        </p:txBody>
-      </p:sp>
     </p:spTree>
   </p:cSld>
 </p:sldLayout>
@@ -5389,7 +133,7 @@
         <p:spPr>
           <a:xfrm>
             <a:off x="11444760" y="0"/>
-            <a:ext cx="742680" cy="6851520"/>
+            <a:ext cx="742320" cy="6851160"/>
           </a:xfrm>
           <a:prstGeom prst="rect">
             <a:avLst/>
@@ -5414,11 +158,17 @@
             <a:noAutofit/>
           </a:bodyPr>
           <a:p>
+            <a:pPr>
+              <a:lnSpc>
+                <a:spcPct val="100000"/>
+              </a:lnSpc>
+            </a:pPr>
             <a:endParaRPr b="0" lang="en-GB" sz="1800" spc="-1" strike="noStrike">
               <a:solidFill>
                 <a:srgbClr val="ffffff"/>
               </a:solidFill>
               <a:latin typeface="Arial"/>
+              <a:ea typeface="DejaVu Sans"/>
             </a:endParaRPr>
           </a:p>
         </p:txBody>
@@ -5432,7 +182,7 @@
         <p:spPr>
           <a:xfrm>
             <a:off x="11438640" y="6453360"/>
-            <a:ext cx="759600" cy="363960"/>
+            <a:ext cx="759240" cy="363960"/>
           </a:xfrm>
           <a:prstGeom prst="rect">
             <a:avLst/>
@@ -5461,7 +211,7 @@
                 <a:tab algn="l" pos="408240"/>
               </a:tabLst>
             </a:pPr>
-            <a:fld id="{2EACE008-D11B-490C-98A1-60A765EEC0F2}" type="slidenum">
+            <a:fld id="{5DF19F0E-47CB-4BD9-9145-40932396634D}" type="slidenum">
               <a:rPr b="0" lang="en-US" sz="1800" spc="-1" strike="noStrike">
                 <a:solidFill>
                   <a:srgbClr val="808080"/>
@@ -5471,7 +221,7 @@
               </a:rPr>
               <a:t>&lt;number&gt;</a:t>
             </a:fld>
-            <a:endParaRPr b="0" lang="en-GB" sz="1800" spc="-1" strike="noStrike">
+            <a:endParaRPr b="0" lang="en-US" sz="1800" spc="-1" strike="noStrike">
               <a:solidFill>
                 <a:srgbClr val="000000"/>
               </a:solidFill>
@@ -5489,7 +239,7 @@
         <p:spPr>
           <a:xfrm>
             <a:off x="912240" y="1268280"/>
-            <a:ext cx="9209520" cy="362880"/>
+            <a:ext cx="9209160" cy="362520"/>
           </a:xfrm>
           <a:prstGeom prst="rect">
             <a:avLst/>
@@ -5510,11 +260,17 @@
             <a:noAutofit/>
           </a:bodyPr>
           <a:p>
+            <a:pPr>
+              <a:lnSpc>
+                <a:spcPct val="100000"/>
+              </a:lnSpc>
+            </a:pPr>
             <a:endParaRPr b="0" lang="en-GB" sz="1800" spc="-1" strike="noStrike">
               <a:solidFill>
                 <a:srgbClr val="000000"/>
               </a:solidFill>
               <a:latin typeface="Arial"/>
+              <a:ea typeface="DejaVu Sans"/>
             </a:endParaRPr>
           </a:p>
         </p:txBody>
@@ -5532,7 +288,7 @@
         <p:spPr>
           <a:xfrm>
             <a:off x="0" y="0"/>
-            <a:ext cx="3053520" cy="563400"/>
+            <a:ext cx="3053160" cy="563040"/>
           </a:xfrm>
           <a:prstGeom prst="rect">
             <a:avLst/>
@@ -5555,7 +311,7 @@
         <p:spPr>
           <a:xfrm>
             <a:off x="7430400" y="134640"/>
-            <a:ext cx="3699360" cy="515520"/>
+            <a:ext cx="3699000" cy="515160"/>
           </a:xfrm>
           <a:prstGeom prst="rect">
             <a:avLst/>
@@ -5574,7 +330,7 @@
         <p:spPr>
           <a:xfrm>
             <a:off x="912240" y="1268280"/>
-            <a:ext cx="9209520" cy="362880"/>
+            <a:ext cx="9209160" cy="362520"/>
           </a:xfrm>
           <a:prstGeom prst="rect">
             <a:avLst/>
@@ -5595,11 +351,17 @@
             <a:noAutofit/>
           </a:bodyPr>
           <a:p>
+            <a:pPr>
+              <a:lnSpc>
+                <a:spcPct val="100000"/>
+              </a:lnSpc>
+            </a:pPr>
             <a:endParaRPr b="0" lang="en-GB" sz="1800" spc="-1" strike="noStrike">
               <a:solidFill>
                 <a:srgbClr val="000000"/>
               </a:solidFill>
               <a:latin typeface="Arial"/>
+              <a:ea typeface="DejaVu Sans"/>
             </a:endParaRPr>
           </a:p>
         </p:txBody>
@@ -5613,7 +375,7 @@
         <p:spPr>
           <a:xfrm>
             <a:off x="11444760" y="0"/>
-            <a:ext cx="742680" cy="6851520"/>
+            <a:ext cx="742320" cy="6851160"/>
           </a:xfrm>
           <a:prstGeom prst="rect">
             <a:avLst/>
@@ -5638,11 +400,17 @@
             <a:noAutofit/>
           </a:bodyPr>
           <a:p>
+            <a:pPr>
+              <a:lnSpc>
+                <a:spcPct val="100000"/>
+              </a:lnSpc>
+            </a:pPr>
             <a:endParaRPr b="0" lang="en-GB" sz="1800" spc="-1" strike="noStrike">
               <a:solidFill>
                 <a:srgbClr val="ffffff"/>
               </a:solidFill>
               <a:latin typeface="Arial"/>
+              <a:ea typeface="DejaVu Sans"/>
             </a:endParaRPr>
           </a:p>
         </p:txBody>
@@ -5656,7 +424,7 @@
         <p:spPr>
           <a:xfrm>
             <a:off x="0" y="6642720"/>
-            <a:ext cx="12184200" cy="211320"/>
+            <a:ext cx="12183840" cy="211320"/>
           </a:xfrm>
           <a:prstGeom prst="rect">
             <a:avLst/>
@@ -5686,36 +454,16 @@
               </a:tabLst>
             </a:pPr>
             <a:r>
-              <a:rPr b="0" lang="de-DE" sz="800" spc="-1" strike="noStrike">
+              <a:rPr b="0" lang="en-US" sz="800" spc="-1" strike="noStrike">
                 <a:solidFill>
                   <a:srgbClr val="a6a6a6"/>
                 </a:solidFill>
                 <a:latin typeface="DejaVu Sans"/>
                 <a:ea typeface="DejaVu Sans"/>
               </a:rPr>
-              <a:t>ETCE </a:t>
-            </a:r>
-            <a:r>
-              <a:rPr b="0" lang="en-US" sz="800" spc="-1" strike="noStrike">
-                <a:solidFill>
-                  <a:srgbClr val="a6a6a6"/>
-                </a:solidFill>
-                <a:latin typeface="DejaVu Sans"/>
-                <a:ea typeface="DejaVu Sans"/>
-              </a:rPr>
-              <a:t>–</a:t>
-            </a:r>
-            <a:r>
-              <a:rPr b="0" lang="de-DE" sz="800" spc="-1" strike="noStrike">
-                <a:solidFill>
-                  <a:srgbClr val="a6a6a6"/>
-                </a:solidFill>
-                <a:latin typeface="DejaVu Sans"/>
-                <a:ea typeface="DejaVu Sans"/>
-              </a:rPr>
-              <a:t> (TU Clausthal / University of Göttingen)</a:t>
-            </a:r>
-            <a:endParaRPr b="0" lang="en-GB" sz="800" spc="-1" strike="noStrike">
+              <a:t>Emerging Technologies for the Circular Economy – TU Clausthal</a:t>
+            </a:r>
+            <a:endParaRPr b="0" lang="en-US" sz="800" spc="-1" strike="noStrike">
               <a:solidFill>
                 <a:srgbClr val="000000"/>
               </a:solidFill>
@@ -5756,7 +504,7 @@
               <a:buNone/>
             </a:pPr>
             <a:r>
-              <a:rPr b="0" lang="en-GB" sz="4400" spc="-1" strike="noStrike">
+              <a:rPr b="0" lang="en-US" sz="4400" spc="-1" strike="noStrike">
                 <a:solidFill>
                   <a:srgbClr val="000000"/>
                 </a:solidFill>
@@ -5764,7 +512,7 @@
               </a:rPr>
               <a:t>Click to edit the title text format</a:t>
             </a:r>
-            <a:endParaRPr b="0" lang="en-GB" sz="4400" spc="-1" strike="noStrike">
+            <a:endParaRPr b="0" lang="en-US" sz="4400" spc="-1" strike="noStrike">
               <a:solidFill>
                 <a:srgbClr val="000000"/>
               </a:solidFill>
@@ -5813,15 +561,24 @@
               <a:buChar char=""/>
             </a:pPr>
             <a:r>
-              <a:rPr b="0" lang="en-GB" sz="3200" spc="-1" strike="noStrike">
+              <a:rPr b="0" lang="en-US" sz="3200" spc="-1" strike="noStrike">
                 <a:solidFill>
                   <a:srgbClr val="000000"/>
                 </a:solidFill>
                 <a:latin typeface="Arial"/>
               </a:rPr>
-              <a:t>Click to edit the outline text format</a:t>
-            </a:r>
-            <a:endParaRPr b="0" lang="en-GB" sz="3200" spc="-1" strike="noStrike">
+              <a:t>Click to edit the outline </a:t>
+            </a:r>
+            <a:r>
+              <a:rPr b="0" lang="en-US" sz="3200" spc="-1" strike="noStrike">
+                <a:solidFill>
+                  <a:srgbClr val="000000"/>
+                </a:solidFill>
+                <a:latin typeface="Arial"/>
+              </a:rPr>
+              <a:t>text format</a:t>
+            </a:r>
+            <a:endParaRPr b="0" lang="en-US" sz="3200" spc="-1" strike="noStrike">
               <a:solidFill>
                 <a:srgbClr val="000000"/>
               </a:solidFill>
@@ -5841,7 +598,7 @@
               <a:buChar char=""/>
             </a:pPr>
             <a:r>
-              <a:rPr b="0" lang="en-GB" sz="2800" spc="-1" strike="noStrike">
+              <a:rPr b="0" lang="en-US" sz="2800" spc="-1" strike="noStrike">
                 <a:solidFill>
                   <a:srgbClr val="000000"/>
                 </a:solidFill>
@@ -5849,7 +606,7 @@
               </a:rPr>
               <a:t>Second Outline Level</a:t>
             </a:r>
-            <a:endParaRPr b="0" lang="en-GB" sz="2800" spc="-1" strike="noStrike">
+            <a:endParaRPr b="0" lang="en-US" sz="2800" spc="-1" strike="noStrike">
               <a:solidFill>
                 <a:srgbClr val="000000"/>
               </a:solidFill>
@@ -5869,7 +626,7 @@
               <a:buChar char=""/>
             </a:pPr>
             <a:r>
-              <a:rPr b="0" lang="en-GB" sz="2400" spc="-1" strike="noStrike">
+              <a:rPr b="0" lang="en-US" sz="2400" spc="-1" strike="noStrike">
                 <a:solidFill>
                   <a:srgbClr val="000000"/>
                 </a:solidFill>
@@ -5877,7 +634,7 @@
               </a:rPr>
               <a:t>Third Outline Level</a:t>
             </a:r>
-            <a:endParaRPr b="0" lang="en-GB" sz="2400" spc="-1" strike="noStrike">
+            <a:endParaRPr b="0" lang="en-US" sz="2400" spc="-1" strike="noStrike">
               <a:solidFill>
                 <a:srgbClr val="000000"/>
               </a:solidFill>
@@ -5897,7 +654,7 @@
               <a:buChar char=""/>
             </a:pPr>
             <a:r>
-              <a:rPr b="0" lang="en-GB" sz="2000" spc="-1" strike="noStrike">
+              <a:rPr b="0" lang="en-US" sz="2000" spc="-1" strike="noStrike">
                 <a:solidFill>
                   <a:srgbClr val="000000"/>
                 </a:solidFill>
@@ -5905,7 +662,7 @@
               </a:rPr>
               <a:t>Fourth Outline Level</a:t>
             </a:r>
-            <a:endParaRPr b="0" lang="en-GB" sz="2000" spc="-1" strike="noStrike">
+            <a:endParaRPr b="0" lang="en-US" sz="2000" spc="-1" strike="noStrike">
               <a:solidFill>
                 <a:srgbClr val="000000"/>
               </a:solidFill>
@@ -5925,7 +682,7 @@
               <a:buChar char=""/>
             </a:pPr>
             <a:r>
-              <a:rPr b="0" lang="en-GB" sz="2000" spc="-1" strike="noStrike">
+              <a:rPr b="0" lang="en-US" sz="2000" spc="-1" strike="noStrike">
                 <a:solidFill>
                   <a:srgbClr val="000000"/>
                 </a:solidFill>
@@ -5933,7 +690,7 @@
               </a:rPr>
               <a:t>Fifth Outline Level</a:t>
             </a:r>
-            <a:endParaRPr b="0" lang="en-GB" sz="2000" spc="-1" strike="noStrike">
+            <a:endParaRPr b="0" lang="en-US" sz="2000" spc="-1" strike="noStrike">
               <a:solidFill>
                 <a:srgbClr val="000000"/>
               </a:solidFill>
@@ -5953,7 +710,7 @@
               <a:buChar char=""/>
             </a:pPr>
             <a:r>
-              <a:rPr b="0" lang="en-GB" sz="2000" spc="-1" strike="noStrike">
+              <a:rPr b="0" lang="en-US" sz="2000" spc="-1" strike="noStrike">
                 <a:solidFill>
                   <a:srgbClr val="000000"/>
                 </a:solidFill>
@@ -5961,7 +718,7 @@
               </a:rPr>
               <a:t>Sixth Outline Level</a:t>
             </a:r>
-            <a:endParaRPr b="0" lang="en-GB" sz="2000" spc="-1" strike="noStrike">
+            <a:endParaRPr b="0" lang="en-US" sz="2000" spc="-1" strike="noStrike">
               <a:solidFill>
                 <a:srgbClr val="000000"/>
               </a:solidFill>
@@ -5981,15 +738,24 @@
               <a:buChar char=""/>
             </a:pPr>
             <a:r>
-              <a:rPr b="0" lang="en-GB" sz="2000" spc="-1" strike="noStrike">
+              <a:rPr b="0" lang="en-US" sz="2000" spc="-1" strike="noStrike">
                 <a:solidFill>
                   <a:srgbClr val="000000"/>
                 </a:solidFill>
                 <a:latin typeface="Arial"/>
               </a:rPr>
-              <a:t>Seventh Outline Level</a:t>
-            </a:r>
-            <a:endParaRPr b="0" lang="en-GB" sz="2000" spc="-1" strike="noStrike">
+              <a:t>Seventh Outline </a:t>
+            </a:r>
+            <a:r>
+              <a:rPr b="0" lang="en-US" sz="2000" spc="-1" strike="noStrike">
+                <a:solidFill>
+                  <a:srgbClr val="000000"/>
+                </a:solidFill>
+                <a:latin typeface="Arial"/>
+              </a:rPr>
+              <a:t>Level</a:t>
+            </a:r>
+            <a:endParaRPr b="0" lang="en-US" sz="2000" spc="-1" strike="noStrike">
               <a:solidFill>
                 <a:srgbClr val="000000"/>
               </a:solidFill>
@@ -6003,17 +769,6 @@
   <p:clrMap bg1="lt1" bg2="lt2" tx1="dk1" tx2="dk2" accent1="accent1" accent2="accent2" accent3="accent3" accent4="accent4" accent5="accent5" accent6="accent6" hlink="hlink" folHlink="folHlink"/>
   <p:sldLayoutIdLst>
     <p:sldLayoutId id="2147483649" r:id="rId4"/>
-    <p:sldLayoutId id="2147483650" r:id="rId5"/>
-    <p:sldLayoutId id="2147483651" r:id="rId6"/>
-    <p:sldLayoutId id="2147483652" r:id="rId7"/>
-    <p:sldLayoutId id="2147483653" r:id="rId8"/>
-    <p:sldLayoutId id="2147483654" r:id="rId9"/>
-    <p:sldLayoutId id="2147483655" r:id="rId10"/>
-    <p:sldLayoutId id="2147483656" r:id="rId11"/>
-    <p:sldLayoutId id="2147483657" r:id="rId12"/>
-    <p:sldLayoutId id="2147483658" r:id="rId13"/>
-    <p:sldLayoutId id="2147483659" r:id="rId14"/>
-    <p:sldLayoutId id="2147483660" r:id="rId15"/>
   </p:sldLayoutIdLst>
 </p:sldMaster>
 </file>
@@ -6044,14 +799,14 @@
       </p:grpSpPr>
       <p:sp>
         <p:nvSpPr>
-          <p:cNvPr id="46" name="CustomShape 1"/>
+          <p:cNvPr id="10" name="CustomShape 1"/>
           <p:cNvSpPr/>
           <p:nvPr/>
         </p:nvSpPr>
         <p:spPr>
           <a:xfrm>
             <a:off x="11444760" y="0"/>
-            <a:ext cx="742680" cy="6851520"/>
+            <a:ext cx="742320" cy="6851160"/>
           </a:xfrm>
           <a:prstGeom prst="rect">
             <a:avLst/>
@@ -6076,25 +831,31 @@
             <a:noAutofit/>
           </a:bodyPr>
           <a:p>
+            <a:pPr>
+              <a:lnSpc>
+                <a:spcPct val="100000"/>
+              </a:lnSpc>
+            </a:pPr>
             <a:endParaRPr b="0" lang="en-GB" sz="1800" spc="-1" strike="noStrike">
               <a:solidFill>
                 <a:srgbClr val="ffffff"/>
               </a:solidFill>
               <a:latin typeface="Arial"/>
+              <a:ea typeface="DejaVu Sans"/>
             </a:endParaRPr>
           </a:p>
         </p:txBody>
       </p:sp>
       <p:sp>
         <p:nvSpPr>
-          <p:cNvPr id="47" name="CustomShape 2"/>
+          <p:cNvPr id="11" name="CustomShape 2"/>
           <p:cNvSpPr/>
           <p:nvPr/>
         </p:nvSpPr>
         <p:spPr>
           <a:xfrm>
             <a:off x="11438640" y="6453360"/>
-            <a:ext cx="759600" cy="363960"/>
+            <a:ext cx="759240" cy="363960"/>
           </a:xfrm>
           <a:prstGeom prst="rect">
             <a:avLst/>
@@ -6123,7 +884,7 @@
                 <a:tab algn="l" pos="408240"/>
               </a:tabLst>
             </a:pPr>
-            <a:fld id="{B2D2C291-351E-4ABA-8471-B3D6404F952B}" type="slidenum">
+            <a:fld id="{57DBB411-7069-4CB9-9AC6-B3B2624A8939}" type="slidenum">
               <a:rPr b="0" lang="en-US" sz="1800" spc="-1" strike="noStrike">
                 <a:solidFill>
                   <a:srgbClr val="808080"/>
@@ -6133,7 +894,7 @@
               </a:rPr>
               <a:t>&lt;number&gt;</a:t>
             </a:fld>
-            <a:endParaRPr b="0" lang="en-GB" sz="1800" spc="-1" strike="noStrike">
+            <a:endParaRPr b="0" lang="en-US" sz="1800" spc="-1" strike="noStrike">
               <a:solidFill>
                 <a:srgbClr val="000000"/>
               </a:solidFill>
@@ -6144,14 +905,14 @@
       </p:sp>
       <p:sp>
         <p:nvSpPr>
-          <p:cNvPr id="48" name="CustomShape 3"/>
+          <p:cNvPr id="12" name="CustomShape 3"/>
           <p:cNvSpPr/>
           <p:nvPr/>
         </p:nvSpPr>
         <p:spPr>
           <a:xfrm>
             <a:off x="912240" y="1268280"/>
-            <a:ext cx="9209520" cy="362880"/>
+            <a:ext cx="9209160" cy="362520"/>
           </a:xfrm>
           <a:prstGeom prst="rect">
             <a:avLst/>
@@ -6172,18 +933,24 @@
             <a:noAutofit/>
           </a:bodyPr>
           <a:p>
+            <a:pPr>
+              <a:lnSpc>
+                <a:spcPct val="100000"/>
+              </a:lnSpc>
+            </a:pPr>
             <a:endParaRPr b="0" lang="en-GB" sz="1800" spc="-1" strike="noStrike">
               <a:solidFill>
                 <a:srgbClr val="000000"/>
               </a:solidFill>
               <a:latin typeface="Arial"/>
+              <a:ea typeface="DejaVu Sans"/>
             </a:endParaRPr>
           </a:p>
         </p:txBody>
       </p:sp>
       <p:pic>
         <p:nvPicPr>
-          <p:cNvPr id="49" name="Picture 19" descr=""/>
+          <p:cNvPr id="13" name="Picture 19" descr=""/>
           <p:cNvPicPr/>
           <p:nvPr/>
         </p:nvPicPr>
@@ -6194,7 +961,7 @@
         <p:spPr>
           <a:xfrm>
             <a:off x="0" y="0"/>
-            <a:ext cx="3053520" cy="563400"/>
+            <a:ext cx="3053160" cy="563040"/>
           </a:xfrm>
           <a:prstGeom prst="rect">
             <a:avLst/>
@@ -6206,7 +973,7 @@
       </p:pic>
       <p:pic>
         <p:nvPicPr>
-          <p:cNvPr id="50" name="Grafik 2" descr=""/>
+          <p:cNvPr id="14" name="Grafik 2" descr=""/>
           <p:cNvPicPr/>
           <p:nvPr/>
         </p:nvPicPr>
@@ -6217,7 +984,7 @@
         <p:spPr>
           <a:xfrm>
             <a:off x="7430400" y="134640"/>
-            <a:ext cx="3699360" cy="515520"/>
+            <a:ext cx="3699000" cy="515160"/>
           </a:xfrm>
           <a:prstGeom prst="rect">
             <a:avLst/>
@@ -6229,14 +996,14 @@
       </p:pic>
       <p:sp>
         <p:nvSpPr>
-          <p:cNvPr id="51" name="CustomShape 4"/>
+          <p:cNvPr id="15" name="CustomShape 4"/>
           <p:cNvSpPr/>
           <p:nvPr/>
         </p:nvSpPr>
         <p:spPr>
           <a:xfrm>
             <a:off x="11444760" y="0"/>
-            <a:ext cx="742680" cy="6851520"/>
+            <a:ext cx="742320" cy="6851160"/>
           </a:xfrm>
           <a:prstGeom prst="rect">
             <a:avLst/>
@@ -6261,25 +1028,31 @@
             <a:noAutofit/>
           </a:bodyPr>
           <a:p>
+            <a:pPr>
+              <a:lnSpc>
+                <a:spcPct val="100000"/>
+              </a:lnSpc>
+            </a:pPr>
             <a:endParaRPr b="0" lang="en-GB" sz="1800" spc="-1" strike="noStrike">
               <a:solidFill>
                 <a:srgbClr val="ffffff"/>
               </a:solidFill>
               <a:latin typeface="Arial"/>
+              <a:ea typeface="DejaVu Sans"/>
             </a:endParaRPr>
           </a:p>
         </p:txBody>
       </p:sp>
       <p:sp>
         <p:nvSpPr>
-          <p:cNvPr id="52" name="CustomShape 5"/>
+          <p:cNvPr id="16" name="CustomShape 5"/>
           <p:cNvSpPr/>
           <p:nvPr/>
         </p:nvSpPr>
         <p:spPr>
           <a:xfrm>
             <a:off x="11438640" y="6453360"/>
-            <a:ext cx="759600" cy="363960"/>
+            <a:ext cx="759240" cy="363960"/>
           </a:xfrm>
           <a:prstGeom prst="rect">
             <a:avLst/>
@@ -6308,7 +1081,7 @@
                 <a:tab algn="l" pos="408240"/>
               </a:tabLst>
             </a:pPr>
-            <a:fld id="{DBEB26DA-486F-4612-A64E-C282FE2B5A42}" type="slidenum">
+            <a:fld id="{3BD001A6-E8E6-45D7-BBA4-0E6E75DE3411}" type="slidenum">
               <a:rPr b="0" lang="en-US" sz="1800" spc="-1" strike="noStrike">
                 <a:solidFill>
                   <a:srgbClr val="808080"/>
@@ -6318,7 +1091,7 @@
               </a:rPr>
               <a:t>&lt;number&gt;</a:t>
             </a:fld>
-            <a:endParaRPr b="0" lang="en-GB" sz="1800" spc="-1" strike="noStrike">
+            <a:endParaRPr b="0" lang="en-US" sz="1800" spc="-1" strike="noStrike">
               <a:solidFill>
                 <a:srgbClr val="000000"/>
               </a:solidFill>
@@ -6329,14 +1102,14 @@
       </p:sp>
       <p:sp>
         <p:nvSpPr>
-          <p:cNvPr id="53" name="CustomShape 6"/>
+          <p:cNvPr id="17" name="CustomShape 6"/>
           <p:cNvSpPr/>
           <p:nvPr/>
         </p:nvSpPr>
         <p:spPr>
           <a:xfrm>
             <a:off x="0" y="6642720"/>
-            <a:ext cx="12184200" cy="211320"/>
+            <a:ext cx="12183840" cy="211320"/>
           </a:xfrm>
           <a:prstGeom prst="rect">
             <a:avLst/>
@@ -6366,36 +1139,16 @@
               </a:tabLst>
             </a:pPr>
             <a:r>
-              <a:rPr b="0" lang="de-DE" sz="800" spc="-1" strike="noStrike">
+              <a:rPr b="0" lang="en-US" sz="800" spc="-1" strike="noStrike">
                 <a:solidFill>
                   <a:srgbClr val="a6a6a6"/>
                 </a:solidFill>
                 <a:latin typeface="DejaVu Sans"/>
                 <a:ea typeface="DejaVu Sans"/>
               </a:rPr>
-              <a:t>ETCE </a:t>
-            </a:r>
-            <a:r>
-              <a:rPr b="0" lang="en-US" sz="800" spc="-1" strike="noStrike">
-                <a:solidFill>
-                  <a:srgbClr val="a6a6a6"/>
-                </a:solidFill>
-                <a:latin typeface="DejaVu Sans"/>
-                <a:ea typeface="DejaVu Sans"/>
-              </a:rPr>
-              <a:t>–</a:t>
-            </a:r>
-            <a:r>
-              <a:rPr b="0" lang="de-DE" sz="800" spc="-1" strike="noStrike">
-                <a:solidFill>
-                  <a:srgbClr val="a6a6a6"/>
-                </a:solidFill>
-                <a:latin typeface="DejaVu Sans"/>
-                <a:ea typeface="DejaVu Sans"/>
-              </a:rPr>
-              <a:t> (TU Clausthal / University of Göttingen)</a:t>
-            </a:r>
-            <a:endParaRPr b="0" lang="en-GB" sz="800" spc="-1" strike="noStrike">
+              <a:t>Emerging Technologies for the Circular Economy – TU Clausthal</a:t>
+            </a:r>
+            <a:endParaRPr b="0" lang="en-US" sz="800" spc="-1" strike="noStrike">
               <a:solidFill>
                 <a:srgbClr val="000000"/>
               </a:solidFill>
@@ -6406,7 +1159,7 @@
       </p:sp>
       <p:sp>
         <p:nvSpPr>
-          <p:cNvPr id="54" name="PlaceHolder 1"/>
+          <p:cNvPr id="18" name="PlaceHolder 1"/>
           <p:cNvSpPr>
             <a:spLocks noGrp="1"/>
           </p:cNvSpPr>
@@ -6436,7 +1189,7 @@
               <a:buNone/>
             </a:pPr>
             <a:r>
-              <a:rPr b="0" lang="en-GB" sz="4400" spc="-1" strike="noStrike">
+              <a:rPr b="0" lang="en-US" sz="4400" spc="-1" strike="noStrike">
                 <a:solidFill>
                   <a:srgbClr val="000000"/>
                 </a:solidFill>
@@ -6444,7 +1197,7 @@
               </a:rPr>
               <a:t>Click to edit the title text format</a:t>
             </a:r>
-            <a:endParaRPr b="0" lang="en-GB" sz="4400" spc="-1" strike="noStrike">
+            <a:endParaRPr b="0" lang="en-US" sz="4400" spc="-1" strike="noStrike">
               <a:solidFill>
                 <a:srgbClr val="000000"/>
               </a:solidFill>
@@ -6455,7 +1208,7 @@
       </p:sp>
       <p:sp>
         <p:nvSpPr>
-          <p:cNvPr id="55" name="PlaceHolder 2"/>
+          <p:cNvPr id="19" name="PlaceHolder 2"/>
           <p:cNvSpPr>
             <a:spLocks noGrp="1"/>
           </p:cNvSpPr>
@@ -6493,15 +1246,24 @@
               <a:buChar char=""/>
             </a:pPr>
             <a:r>
-              <a:rPr b="0" lang="en-GB" sz="3200" spc="-1" strike="noStrike">
+              <a:rPr b="0" lang="en-US" sz="3200" spc="-1" strike="noStrike">
                 <a:solidFill>
                   <a:srgbClr val="000000"/>
                 </a:solidFill>
                 <a:latin typeface="Arial"/>
               </a:rPr>
-              <a:t>Click to edit the outline text format</a:t>
-            </a:r>
-            <a:endParaRPr b="0" lang="en-GB" sz="3200" spc="-1" strike="noStrike">
+              <a:t>Click to edit the outline </a:t>
+            </a:r>
+            <a:r>
+              <a:rPr b="0" lang="en-US" sz="3200" spc="-1" strike="noStrike">
+                <a:solidFill>
+                  <a:srgbClr val="000000"/>
+                </a:solidFill>
+                <a:latin typeface="Arial"/>
+              </a:rPr>
+              <a:t>text format</a:t>
+            </a:r>
+            <a:endParaRPr b="0" lang="en-US" sz="3200" spc="-1" strike="noStrike">
               <a:solidFill>
                 <a:srgbClr val="000000"/>
               </a:solidFill>
@@ -6521,7 +1283,7 @@
               <a:buChar char=""/>
             </a:pPr>
             <a:r>
-              <a:rPr b="0" lang="en-GB" sz="2800" spc="-1" strike="noStrike">
+              <a:rPr b="0" lang="en-US" sz="2800" spc="-1" strike="noStrike">
                 <a:solidFill>
                   <a:srgbClr val="000000"/>
                 </a:solidFill>
@@ -6529,7 +1291,7 @@
               </a:rPr>
               <a:t>Second Outline Level</a:t>
             </a:r>
-            <a:endParaRPr b="0" lang="en-GB" sz="2800" spc="-1" strike="noStrike">
+            <a:endParaRPr b="0" lang="en-US" sz="2800" spc="-1" strike="noStrike">
               <a:solidFill>
                 <a:srgbClr val="000000"/>
               </a:solidFill>
@@ -6549,7 +1311,7 @@
               <a:buChar char=""/>
             </a:pPr>
             <a:r>
-              <a:rPr b="0" lang="en-GB" sz="2400" spc="-1" strike="noStrike">
+              <a:rPr b="0" lang="en-US" sz="2400" spc="-1" strike="noStrike">
                 <a:solidFill>
                   <a:srgbClr val="000000"/>
                 </a:solidFill>
@@ -6557,7 +1319,7 @@
               </a:rPr>
               <a:t>Third Outline Level</a:t>
             </a:r>
-            <a:endParaRPr b="0" lang="en-GB" sz="2400" spc="-1" strike="noStrike">
+            <a:endParaRPr b="0" lang="en-US" sz="2400" spc="-1" strike="noStrike">
               <a:solidFill>
                 <a:srgbClr val="000000"/>
               </a:solidFill>
@@ -6577,7 +1339,7 @@
               <a:buChar char=""/>
             </a:pPr>
             <a:r>
-              <a:rPr b="0" lang="en-GB" sz="2000" spc="-1" strike="noStrike">
+              <a:rPr b="0" lang="en-US" sz="2000" spc="-1" strike="noStrike">
                 <a:solidFill>
                   <a:srgbClr val="000000"/>
                 </a:solidFill>
@@ -6585,7 +1347,7 @@
               </a:rPr>
               <a:t>Fourth Outline Level</a:t>
             </a:r>
-            <a:endParaRPr b="0" lang="en-GB" sz="2000" spc="-1" strike="noStrike">
+            <a:endParaRPr b="0" lang="en-US" sz="2000" spc="-1" strike="noStrike">
               <a:solidFill>
                 <a:srgbClr val="000000"/>
               </a:solidFill>
@@ -6605,7 +1367,7 @@
               <a:buChar char=""/>
             </a:pPr>
             <a:r>
-              <a:rPr b="0" lang="en-GB" sz="2000" spc="-1" strike="noStrike">
+              <a:rPr b="0" lang="en-US" sz="2000" spc="-1" strike="noStrike">
                 <a:solidFill>
                   <a:srgbClr val="000000"/>
                 </a:solidFill>
@@ -6613,7 +1375,7 @@
               </a:rPr>
               <a:t>Fifth Outline Level</a:t>
             </a:r>
-            <a:endParaRPr b="0" lang="en-GB" sz="2000" spc="-1" strike="noStrike">
+            <a:endParaRPr b="0" lang="en-US" sz="2000" spc="-1" strike="noStrike">
               <a:solidFill>
                 <a:srgbClr val="000000"/>
               </a:solidFill>
@@ -6633,15 +1395,24 @@
               <a:buChar char=""/>
             </a:pPr>
             <a:r>
-              <a:rPr b="0" lang="en-GB" sz="2000" spc="-1" strike="noStrike">
+              <a:rPr b="0" lang="en-US" sz="2000" spc="-1" strike="noStrike">
                 <a:solidFill>
                   <a:srgbClr val="000000"/>
                 </a:solidFill>
                 <a:latin typeface="Arial"/>
               </a:rPr>
-              <a:t>Sixth Outline Level</a:t>
-            </a:r>
-            <a:endParaRPr b="0" lang="en-GB" sz="2000" spc="-1" strike="noStrike">
+              <a:t>Sixth Outline </a:t>
+            </a:r>
+            <a:r>
+              <a:rPr b="0" lang="en-US" sz="2000" spc="-1" strike="noStrike">
+                <a:solidFill>
+                  <a:srgbClr val="000000"/>
+                </a:solidFill>
+                <a:latin typeface="Arial"/>
+              </a:rPr>
+              <a:t>Level</a:t>
+            </a:r>
+            <a:endParaRPr b="0" lang="en-US" sz="2000" spc="-1" strike="noStrike">
               <a:solidFill>
                 <a:srgbClr val="000000"/>
               </a:solidFill>
@@ -6661,15 +1432,42 @@
               <a:buChar char=""/>
             </a:pPr>
             <a:r>
-              <a:rPr b="0" lang="en-GB" sz="2000" spc="-1" strike="noStrike">
+              <a:rPr b="0" lang="en-US" sz="2000" spc="-1" strike="noStrike">
                 <a:solidFill>
                   <a:srgbClr val="000000"/>
                 </a:solidFill>
                 <a:latin typeface="Arial"/>
               </a:rPr>
-              <a:t>Seventh Outline Level</a:t>
-            </a:r>
-            <a:endParaRPr b="0" lang="en-GB" sz="2000" spc="-1" strike="noStrike">
+              <a:t>Sevent</a:t>
+            </a:r>
+            <a:r>
+              <a:rPr b="0" lang="en-US" sz="2000" spc="-1" strike="noStrike">
+                <a:solidFill>
+                  <a:srgbClr val="000000"/>
+                </a:solidFill>
+                <a:latin typeface="Arial"/>
+              </a:rPr>
+              <a:t>h </a:t>
+            </a:r>
+            <a:r>
+              <a:rPr b="0" lang="en-US" sz="2000" spc="-1" strike="noStrike">
+                <a:solidFill>
+                  <a:srgbClr val="000000"/>
+                </a:solidFill>
+                <a:latin typeface="Arial"/>
+              </a:rPr>
+              <a:t>Outline </a:t>
+            </a:r>
+            <a:r>
+              <a:rPr b="0" lang="en-US" sz="2000" spc="-1" strike="noStrike">
+                <a:solidFill>
+                  <a:srgbClr val="000000"/>
+                </a:solidFill>
+                <a:latin typeface="Arial"/>
+              </a:rPr>
+              <a:t>Level</a:t>
+            </a:r>
+            <a:endParaRPr b="0" lang="en-US" sz="2000" spc="-1" strike="noStrike">
               <a:solidFill>
                 <a:srgbClr val="000000"/>
               </a:solidFill>
@@ -6682,18 +1480,7 @@
   </p:cSld>
   <p:clrMap bg1="lt1" bg2="lt2" tx1="dk1" tx2="dk2" accent1="accent1" accent2="accent2" accent3="accent3" accent4="accent4" accent5="accent5" accent6="accent6" hlink="hlink" folHlink="folHlink"/>
   <p:sldLayoutIdLst>
-    <p:sldLayoutId id="2147483662" r:id="rId4"/>
-    <p:sldLayoutId id="2147483663" r:id="rId5"/>
-    <p:sldLayoutId id="2147483664" r:id="rId6"/>
-    <p:sldLayoutId id="2147483665" r:id="rId7"/>
-    <p:sldLayoutId id="2147483666" r:id="rId8"/>
-    <p:sldLayoutId id="2147483667" r:id="rId9"/>
-    <p:sldLayoutId id="2147483668" r:id="rId10"/>
-    <p:sldLayoutId id="2147483669" r:id="rId11"/>
-    <p:sldLayoutId id="2147483670" r:id="rId12"/>
-    <p:sldLayoutId id="2147483671" r:id="rId13"/>
-    <p:sldLayoutId id="2147483672" r:id="rId14"/>
-    <p:sldLayoutId id="2147483673" r:id="rId15"/>
+    <p:sldLayoutId id="2147483651" r:id="rId4"/>
   </p:sldLayoutIdLst>
 </p:sldMaster>
 </file>
@@ -6724,14 +1511,14 @@
       </p:grpSpPr>
       <p:sp>
         <p:nvSpPr>
-          <p:cNvPr id="92" name="CustomShape 1"/>
+          <p:cNvPr id="20" name="CustomShape 1"/>
           <p:cNvSpPr/>
           <p:nvPr/>
         </p:nvSpPr>
         <p:spPr>
           <a:xfrm>
             <a:off x="11444760" y="0"/>
-            <a:ext cx="742680" cy="6851520"/>
+            <a:ext cx="742320" cy="6851160"/>
           </a:xfrm>
           <a:prstGeom prst="rect">
             <a:avLst/>
@@ -6756,25 +1543,31 @@
             <a:noAutofit/>
           </a:bodyPr>
           <a:p>
+            <a:pPr>
+              <a:lnSpc>
+                <a:spcPct val="100000"/>
+              </a:lnSpc>
+            </a:pPr>
             <a:endParaRPr b="0" lang="en-GB" sz="1800" spc="-1" strike="noStrike">
               <a:solidFill>
                 <a:srgbClr val="ffffff"/>
               </a:solidFill>
               <a:latin typeface="Arial"/>
+              <a:ea typeface="DejaVu Sans"/>
             </a:endParaRPr>
           </a:p>
         </p:txBody>
       </p:sp>
       <p:sp>
         <p:nvSpPr>
-          <p:cNvPr id="93" name="CustomShape 2"/>
+          <p:cNvPr id="21" name="CustomShape 2"/>
           <p:cNvSpPr/>
           <p:nvPr/>
         </p:nvSpPr>
         <p:spPr>
           <a:xfrm>
             <a:off x="11438640" y="6453360"/>
-            <a:ext cx="759600" cy="363960"/>
+            <a:ext cx="759240" cy="363960"/>
           </a:xfrm>
           <a:prstGeom prst="rect">
             <a:avLst/>
@@ -6803,7 +1596,7 @@
                 <a:tab algn="l" pos="408240"/>
               </a:tabLst>
             </a:pPr>
-            <a:fld id="{E7030399-8DAF-4903-A984-3EEE3887D44F}" type="slidenum">
+            <a:fld id="{83ACA4E2-32A2-4E36-A578-0E5685F5CA87}" type="slidenum">
               <a:rPr b="0" lang="en-US" sz="1800" spc="-1" strike="noStrike">
                 <a:solidFill>
                   <a:srgbClr val="808080"/>
@@ -6813,7 +1606,7 @@
               </a:rPr>
               <a:t>&lt;number&gt;</a:t>
             </a:fld>
-            <a:endParaRPr b="0" lang="en-GB" sz="1800" spc="-1" strike="noStrike">
+            <a:endParaRPr b="0" lang="en-US" sz="1800" spc="-1" strike="noStrike">
               <a:solidFill>
                 <a:srgbClr val="000000"/>
               </a:solidFill>
@@ -6824,14 +1617,14 @@
       </p:sp>
       <p:sp>
         <p:nvSpPr>
-          <p:cNvPr id="94" name="CustomShape 3"/>
+          <p:cNvPr id="22" name="CustomShape 3"/>
           <p:cNvSpPr/>
           <p:nvPr/>
         </p:nvSpPr>
         <p:spPr>
           <a:xfrm>
             <a:off x="912240" y="1268280"/>
-            <a:ext cx="9209520" cy="362880"/>
+            <a:ext cx="9209160" cy="362520"/>
           </a:xfrm>
           <a:prstGeom prst="rect">
             <a:avLst/>
@@ -6852,18 +1645,24 @@
             <a:noAutofit/>
           </a:bodyPr>
           <a:p>
+            <a:pPr>
+              <a:lnSpc>
+                <a:spcPct val="100000"/>
+              </a:lnSpc>
+            </a:pPr>
             <a:endParaRPr b="0" lang="en-GB" sz="1800" spc="-1" strike="noStrike">
               <a:solidFill>
                 <a:srgbClr val="000000"/>
               </a:solidFill>
               <a:latin typeface="Arial"/>
+              <a:ea typeface="DejaVu Sans"/>
             </a:endParaRPr>
           </a:p>
         </p:txBody>
       </p:sp>
       <p:pic>
         <p:nvPicPr>
-          <p:cNvPr id="95" name="Picture 19" descr=""/>
+          <p:cNvPr id="23" name="Picture 19" descr=""/>
           <p:cNvPicPr/>
           <p:nvPr/>
         </p:nvPicPr>
@@ -6874,7 +1673,7 @@
         <p:spPr>
           <a:xfrm>
             <a:off x="0" y="0"/>
-            <a:ext cx="3053520" cy="563400"/>
+            <a:ext cx="3053160" cy="563040"/>
           </a:xfrm>
           <a:prstGeom prst="rect">
             <a:avLst/>
@@ -6886,7 +1685,7 @@
       </p:pic>
       <p:pic>
         <p:nvPicPr>
-          <p:cNvPr id="96" name="Grafik 2" descr=""/>
+          <p:cNvPr id="24" name="Grafik 2" descr=""/>
           <p:cNvPicPr/>
           <p:nvPr/>
         </p:nvPicPr>
@@ -6897,7 +1696,7 @@
         <p:spPr>
           <a:xfrm>
             <a:off x="7430400" y="134640"/>
-            <a:ext cx="3699360" cy="515520"/>
+            <a:ext cx="3699000" cy="515160"/>
           </a:xfrm>
           <a:prstGeom prst="rect">
             <a:avLst/>
@@ -6909,14 +1708,14 @@
       </p:pic>
       <p:sp>
         <p:nvSpPr>
-          <p:cNvPr id="97" name="CustomShape 4"/>
+          <p:cNvPr id="25" name="CustomShape 4"/>
           <p:cNvSpPr/>
           <p:nvPr/>
         </p:nvSpPr>
         <p:spPr>
           <a:xfrm>
             <a:off x="11444760" y="0"/>
-            <a:ext cx="742680" cy="6851520"/>
+            <a:ext cx="742320" cy="6851160"/>
           </a:xfrm>
           <a:prstGeom prst="rect">
             <a:avLst/>
@@ -6941,25 +1740,31 @@
             <a:noAutofit/>
           </a:bodyPr>
           <a:p>
+            <a:pPr>
+              <a:lnSpc>
+                <a:spcPct val="100000"/>
+              </a:lnSpc>
+            </a:pPr>
             <a:endParaRPr b="0" lang="en-GB" sz="1800" spc="-1" strike="noStrike">
               <a:solidFill>
                 <a:srgbClr val="ffffff"/>
               </a:solidFill>
               <a:latin typeface="Arial"/>
+              <a:ea typeface="DejaVu Sans"/>
             </a:endParaRPr>
           </a:p>
         </p:txBody>
       </p:sp>
       <p:sp>
         <p:nvSpPr>
-          <p:cNvPr id="98" name="CustomShape 5"/>
+          <p:cNvPr id="26" name="CustomShape 5"/>
           <p:cNvSpPr/>
           <p:nvPr/>
         </p:nvSpPr>
         <p:spPr>
           <a:xfrm>
             <a:off x="11438640" y="6453360"/>
-            <a:ext cx="759600" cy="363960"/>
+            <a:ext cx="759240" cy="363960"/>
           </a:xfrm>
           <a:prstGeom prst="rect">
             <a:avLst/>
@@ -6988,7 +1793,7 @@
                 <a:tab algn="l" pos="408240"/>
               </a:tabLst>
             </a:pPr>
-            <a:fld id="{B2D2256E-A595-4045-809E-5FF94B7B1A94}" type="slidenum">
+            <a:fld id="{D25ACABC-183C-43B6-A071-044E5C53DD9F}" type="slidenum">
               <a:rPr b="0" lang="en-US" sz="1800" spc="-1" strike="noStrike">
                 <a:solidFill>
                   <a:srgbClr val="808080"/>
@@ -6998,7 +1803,7 @@
               </a:rPr>
               <a:t>&lt;number&gt;</a:t>
             </a:fld>
-            <a:endParaRPr b="0" lang="en-GB" sz="1800" spc="-1" strike="noStrike">
+            <a:endParaRPr b="0" lang="en-US" sz="1800" spc="-1" strike="noStrike">
               <a:solidFill>
                 <a:srgbClr val="000000"/>
               </a:solidFill>
@@ -7009,14 +1814,14 @@
       </p:sp>
       <p:sp>
         <p:nvSpPr>
-          <p:cNvPr id="99" name="CustomShape 6"/>
+          <p:cNvPr id="27" name="CustomShape 6"/>
           <p:cNvSpPr/>
           <p:nvPr/>
         </p:nvSpPr>
         <p:spPr>
           <a:xfrm>
             <a:off x="0" y="6642720"/>
-            <a:ext cx="12184200" cy="211320"/>
+            <a:ext cx="12183840" cy="211320"/>
           </a:xfrm>
           <a:prstGeom prst="rect">
             <a:avLst/>
@@ -7046,36 +1851,16 @@
               </a:tabLst>
             </a:pPr>
             <a:r>
-              <a:rPr b="0" lang="de-DE" sz="800" spc="-1" strike="noStrike">
+              <a:rPr b="0" lang="en-US" sz="800" spc="-1" strike="noStrike">
                 <a:solidFill>
                   <a:srgbClr val="a6a6a6"/>
                 </a:solidFill>
                 <a:latin typeface="DejaVu Sans"/>
                 <a:ea typeface="DejaVu Sans"/>
               </a:rPr>
-              <a:t>ETCE </a:t>
-            </a:r>
-            <a:r>
-              <a:rPr b="0" lang="en-US" sz="800" spc="-1" strike="noStrike">
-                <a:solidFill>
-                  <a:srgbClr val="a6a6a6"/>
-                </a:solidFill>
-                <a:latin typeface="DejaVu Sans"/>
-                <a:ea typeface="DejaVu Sans"/>
-              </a:rPr>
-              <a:t>–</a:t>
-            </a:r>
-            <a:r>
-              <a:rPr b="0" lang="de-DE" sz="800" spc="-1" strike="noStrike">
-                <a:solidFill>
-                  <a:srgbClr val="a6a6a6"/>
-                </a:solidFill>
-                <a:latin typeface="DejaVu Sans"/>
-                <a:ea typeface="DejaVu Sans"/>
-              </a:rPr>
-              <a:t> (TU Clausthal / University of Göttingen)</a:t>
-            </a:r>
-            <a:endParaRPr b="0" lang="en-GB" sz="800" spc="-1" strike="noStrike">
+              <a:t>Emerging Technologies for the Circular Economy – TU Clausthal</a:t>
+            </a:r>
+            <a:endParaRPr b="0" lang="en-US" sz="800" spc="-1" strike="noStrike">
               <a:solidFill>
                 <a:srgbClr val="000000"/>
               </a:solidFill>
@@ -7086,7 +1871,7 @@
       </p:sp>
       <p:sp>
         <p:nvSpPr>
-          <p:cNvPr id="100" name="PlaceHolder 1"/>
+          <p:cNvPr id="28" name="PlaceHolder 1"/>
           <p:cNvSpPr>
             <a:spLocks noGrp="1"/>
           </p:cNvSpPr>
@@ -7116,7 +1901,7 @@
               <a:buNone/>
             </a:pPr>
             <a:r>
-              <a:rPr b="0" lang="en-GB" sz="4400" spc="-1" strike="noStrike">
+              <a:rPr b="0" lang="en-US" sz="4400" spc="-1" strike="noStrike">
                 <a:solidFill>
                   <a:srgbClr val="000000"/>
                 </a:solidFill>
@@ -7124,7 +1909,7 @@
               </a:rPr>
               <a:t>Click to edit the title text format</a:t>
             </a:r>
-            <a:endParaRPr b="0" lang="en-GB" sz="4400" spc="-1" strike="noStrike">
+            <a:endParaRPr b="0" lang="en-US" sz="4400" spc="-1" strike="noStrike">
               <a:solidFill>
                 <a:srgbClr val="000000"/>
               </a:solidFill>
@@ -7135,7 +1920,7 @@
       </p:sp>
       <p:sp>
         <p:nvSpPr>
-          <p:cNvPr id="101" name="PlaceHolder 2"/>
+          <p:cNvPr id="29" name="PlaceHolder 2"/>
           <p:cNvSpPr>
             <a:spLocks noGrp="1"/>
           </p:cNvSpPr>
@@ -7173,15 +1958,24 @@
               <a:buChar char=""/>
             </a:pPr>
             <a:r>
-              <a:rPr b="0" lang="en-GB" sz="3200" spc="-1" strike="noStrike">
+              <a:rPr b="0" lang="en-US" sz="3200" spc="-1" strike="noStrike">
                 <a:solidFill>
                   <a:srgbClr val="000000"/>
                 </a:solidFill>
                 <a:latin typeface="Arial"/>
               </a:rPr>
-              <a:t>Click to edit the outline text format</a:t>
-            </a:r>
-            <a:endParaRPr b="0" lang="en-GB" sz="3200" spc="-1" strike="noStrike">
+              <a:t>Click to edit the outline </a:t>
+            </a:r>
+            <a:r>
+              <a:rPr b="0" lang="en-US" sz="3200" spc="-1" strike="noStrike">
+                <a:solidFill>
+                  <a:srgbClr val="000000"/>
+                </a:solidFill>
+                <a:latin typeface="Arial"/>
+              </a:rPr>
+              <a:t>text format</a:t>
+            </a:r>
+            <a:endParaRPr b="0" lang="en-US" sz="3200" spc="-1" strike="noStrike">
               <a:solidFill>
                 <a:srgbClr val="000000"/>
               </a:solidFill>
@@ -7201,7 +1995,7 @@
               <a:buChar char=""/>
             </a:pPr>
             <a:r>
-              <a:rPr b="0" lang="en-GB" sz="2800" spc="-1" strike="noStrike">
+              <a:rPr b="0" lang="en-US" sz="2800" spc="-1" strike="noStrike">
                 <a:solidFill>
                   <a:srgbClr val="000000"/>
                 </a:solidFill>
@@ -7209,7 +2003,7 @@
               </a:rPr>
               <a:t>Second Outline Level</a:t>
             </a:r>
-            <a:endParaRPr b="0" lang="en-GB" sz="2800" spc="-1" strike="noStrike">
+            <a:endParaRPr b="0" lang="en-US" sz="2800" spc="-1" strike="noStrike">
               <a:solidFill>
                 <a:srgbClr val="000000"/>
               </a:solidFill>
@@ -7229,7 +2023,7 @@
               <a:buChar char=""/>
             </a:pPr>
             <a:r>
-              <a:rPr b="0" lang="en-GB" sz="2400" spc="-1" strike="noStrike">
+              <a:rPr b="0" lang="en-US" sz="2400" spc="-1" strike="noStrike">
                 <a:solidFill>
                   <a:srgbClr val="000000"/>
                 </a:solidFill>
@@ -7237,7 +2031,7 @@
               </a:rPr>
               <a:t>Third Outline Level</a:t>
             </a:r>
-            <a:endParaRPr b="0" lang="en-GB" sz="2400" spc="-1" strike="noStrike">
+            <a:endParaRPr b="0" lang="en-US" sz="2400" spc="-1" strike="noStrike">
               <a:solidFill>
                 <a:srgbClr val="000000"/>
               </a:solidFill>
@@ -7257,7 +2051,7 @@
               <a:buChar char=""/>
             </a:pPr>
             <a:r>
-              <a:rPr b="0" lang="en-GB" sz="2000" spc="-1" strike="noStrike">
+              <a:rPr b="0" lang="en-US" sz="2000" spc="-1" strike="noStrike">
                 <a:solidFill>
                   <a:srgbClr val="000000"/>
                 </a:solidFill>
@@ -7265,7 +2059,7 @@
               </a:rPr>
               <a:t>Fourth Outline Level</a:t>
             </a:r>
-            <a:endParaRPr b="0" lang="en-GB" sz="2000" spc="-1" strike="noStrike">
+            <a:endParaRPr b="0" lang="en-US" sz="2000" spc="-1" strike="noStrike">
               <a:solidFill>
                 <a:srgbClr val="000000"/>
               </a:solidFill>
@@ -7285,7 +2079,7 @@
               <a:buChar char=""/>
             </a:pPr>
             <a:r>
-              <a:rPr b="0" lang="en-GB" sz="2000" spc="-1" strike="noStrike">
+              <a:rPr b="0" lang="en-US" sz="2000" spc="-1" strike="noStrike">
                 <a:solidFill>
                   <a:srgbClr val="000000"/>
                 </a:solidFill>
@@ -7293,7 +2087,7 @@
               </a:rPr>
               <a:t>Fifth Outline Level</a:t>
             </a:r>
-            <a:endParaRPr b="0" lang="en-GB" sz="2000" spc="-1" strike="noStrike">
+            <a:endParaRPr b="0" lang="en-US" sz="2000" spc="-1" strike="noStrike">
               <a:solidFill>
                 <a:srgbClr val="000000"/>
               </a:solidFill>
@@ -7313,15 +2107,24 @@
               <a:buChar char=""/>
             </a:pPr>
             <a:r>
-              <a:rPr b="0" lang="en-GB" sz="2000" spc="-1" strike="noStrike">
+              <a:rPr b="0" lang="en-US" sz="2000" spc="-1" strike="noStrike">
                 <a:solidFill>
                   <a:srgbClr val="000000"/>
                 </a:solidFill>
                 <a:latin typeface="Arial"/>
               </a:rPr>
-              <a:t>Sixth Outline Level</a:t>
-            </a:r>
-            <a:endParaRPr b="0" lang="en-GB" sz="2000" spc="-1" strike="noStrike">
+              <a:t>Sixth Outline </a:t>
+            </a:r>
+            <a:r>
+              <a:rPr b="0" lang="en-US" sz="2000" spc="-1" strike="noStrike">
+                <a:solidFill>
+                  <a:srgbClr val="000000"/>
+                </a:solidFill>
+                <a:latin typeface="Arial"/>
+              </a:rPr>
+              <a:t>Level</a:t>
+            </a:r>
+            <a:endParaRPr b="0" lang="en-US" sz="2000" spc="-1" strike="noStrike">
               <a:solidFill>
                 <a:srgbClr val="000000"/>
               </a:solidFill>
@@ -7341,15 +2144,42 @@
               <a:buChar char=""/>
             </a:pPr>
             <a:r>
-              <a:rPr b="0" lang="en-GB" sz="2000" spc="-1" strike="noStrike">
+              <a:rPr b="0" lang="en-US" sz="2000" spc="-1" strike="noStrike">
                 <a:solidFill>
                   <a:srgbClr val="000000"/>
                 </a:solidFill>
                 <a:latin typeface="Arial"/>
               </a:rPr>
-              <a:t>Seventh Outline Level</a:t>
-            </a:r>
-            <a:endParaRPr b="0" lang="en-GB" sz="2000" spc="-1" strike="noStrike">
+              <a:t>Sevent</a:t>
+            </a:r>
+            <a:r>
+              <a:rPr b="0" lang="en-US" sz="2000" spc="-1" strike="noStrike">
+                <a:solidFill>
+                  <a:srgbClr val="000000"/>
+                </a:solidFill>
+                <a:latin typeface="Arial"/>
+              </a:rPr>
+              <a:t>h </a:t>
+            </a:r>
+            <a:r>
+              <a:rPr b="0" lang="en-US" sz="2000" spc="-1" strike="noStrike">
+                <a:solidFill>
+                  <a:srgbClr val="000000"/>
+                </a:solidFill>
+                <a:latin typeface="Arial"/>
+              </a:rPr>
+              <a:t>Outline </a:t>
+            </a:r>
+            <a:r>
+              <a:rPr b="0" lang="en-US" sz="2000" spc="-1" strike="noStrike">
+                <a:solidFill>
+                  <a:srgbClr val="000000"/>
+                </a:solidFill>
+                <a:latin typeface="Arial"/>
+              </a:rPr>
+              <a:t>Level</a:t>
+            </a:r>
+            <a:endParaRPr b="0" lang="en-US" sz="2000" spc="-1" strike="noStrike">
               <a:solidFill>
                 <a:srgbClr val="000000"/>
               </a:solidFill>
@@ -7362,18 +2192,7 @@
   </p:cSld>
   <p:clrMap bg1="lt1" bg2="lt2" tx1="dk1" tx2="dk2" accent1="accent1" accent2="accent2" accent3="accent3" accent4="accent4" accent5="accent5" accent6="accent6" hlink="hlink" folHlink="folHlink"/>
   <p:sldLayoutIdLst>
-    <p:sldLayoutId id="2147483675" r:id="rId4"/>
-    <p:sldLayoutId id="2147483676" r:id="rId5"/>
-    <p:sldLayoutId id="2147483677" r:id="rId6"/>
-    <p:sldLayoutId id="2147483678" r:id="rId7"/>
-    <p:sldLayoutId id="2147483679" r:id="rId8"/>
-    <p:sldLayoutId id="2147483680" r:id="rId9"/>
-    <p:sldLayoutId id="2147483681" r:id="rId10"/>
-    <p:sldLayoutId id="2147483682" r:id="rId11"/>
-    <p:sldLayoutId id="2147483683" r:id="rId12"/>
-    <p:sldLayoutId id="2147483684" r:id="rId13"/>
-    <p:sldLayoutId id="2147483685" r:id="rId14"/>
-    <p:sldLayoutId id="2147483686" r:id="rId15"/>
+    <p:sldLayoutId id="2147483653" r:id="rId4"/>
   </p:sldLayoutIdLst>
 </p:sldMaster>
 </file>
@@ -7397,14 +2216,14 @@
       </p:grpSpPr>
       <p:sp>
         <p:nvSpPr>
-          <p:cNvPr id="138" name="CustomShape 1"/>
+          <p:cNvPr id="30" name="CustomShape 1"/>
           <p:cNvSpPr/>
           <p:nvPr/>
         </p:nvSpPr>
         <p:spPr>
           <a:xfrm>
             <a:off x="527400" y="1412640"/>
-            <a:ext cx="10362600" cy="1149120"/>
+            <a:ext cx="10362240" cy="1148760"/>
           </a:xfrm>
           <a:prstGeom prst="rect">
             <a:avLst/>
@@ -7443,7 +2262,7 @@
               </a:rPr>
               <a:t>Emerging Technologies for the Circular Economy</a:t>
             </a:r>
-            <a:endParaRPr b="0" lang="en-GB" sz="3200" spc="-1" strike="noStrike">
+            <a:endParaRPr b="0" lang="en-US" sz="3200" spc="-1" strike="noStrike">
               <a:solidFill>
                 <a:srgbClr val="000000"/>
               </a:solidFill>
@@ -7454,14 +2273,14 @@
       </p:sp>
       <p:sp>
         <p:nvSpPr>
-          <p:cNvPr id="139" name="CustomShape 2"/>
+          <p:cNvPr id="31" name="CustomShape 2"/>
           <p:cNvSpPr/>
           <p:nvPr/>
         </p:nvSpPr>
         <p:spPr>
           <a:xfrm>
             <a:off x="527400" y="2852640"/>
-            <a:ext cx="10362600" cy="2369880"/>
+            <a:ext cx="10362240" cy="2369520"/>
           </a:xfrm>
           <a:prstGeom prst="rect">
             <a:avLst/>
@@ -7503,7 +2322,7 @@
               </a:rPr>
               <a:t>Lecture 5a: Internet of Things Communications</a:t>
             </a:r>
-            <a:endParaRPr b="0" lang="en-GB" sz="2400" spc="-1" strike="noStrike">
+            <a:endParaRPr b="0" lang="en-US" sz="2400" spc="-1" strike="noStrike">
               <a:solidFill>
                 <a:srgbClr val="000000"/>
               </a:solidFill>
@@ -7522,7 +2341,7 @@
                 <a:tab algn="l" pos="408240"/>
               </a:tabLst>
             </a:pPr>
-            <a:endParaRPr b="0" lang="en-GB" sz="2400" spc="-1" strike="noStrike">
+            <a:endParaRPr b="0" lang="en-US" sz="2400" spc="-1" strike="noStrike">
               <a:solidFill>
                 <a:srgbClr val="000000"/>
               </a:solidFill>
@@ -7541,7 +2360,7 @@
                 <a:tab algn="l" pos="408240"/>
               </a:tabLst>
             </a:pPr>
-            <a:endParaRPr b="0" lang="en-GB" sz="2400" spc="-1" strike="noStrike">
+            <a:endParaRPr b="0" lang="en-US" sz="2400" spc="-1" strike="noStrike">
               <a:solidFill>
                 <a:srgbClr val="000000"/>
               </a:solidFill>
@@ -7560,7 +2379,17 @@
                 <a:tab algn="l" pos="408240"/>
               </a:tabLst>
             </a:pPr>
-            <a:endParaRPr b="0" lang="en-GB" sz="2400" spc="-1" strike="noStrike">
+            <a:r>
+              <a:rPr b="0" lang="en-US" sz="1600" spc="-1" strike="noStrike">
+                <a:solidFill>
+                  <a:srgbClr val="000000"/>
+                </a:solidFill>
+                <a:latin typeface="DejaVu Sans"/>
+                <a:ea typeface="DejaVu Sans"/>
+              </a:rPr>
+              <a:t>Prof. Dr. Benjamin Leiding</a:t>
+            </a:r>
+            <a:endParaRPr b="0" lang="en-US" sz="1600" spc="-1" strike="noStrike">
               <a:solidFill>
                 <a:srgbClr val="000000"/>
               </a:solidFill>
@@ -7587,9 +2416,19 @@
                 <a:latin typeface="DejaVu Sans"/>
                 <a:ea typeface="DejaVu Sans"/>
               </a:rPr>
-              <a:t>Prof. Dr. Benjamin Leiding (Clausthal)</a:t>
-            </a:r>
-            <a:endParaRPr b="0" lang="en-GB" sz="1600" spc="-1" strike="noStrike">
+              <a:t> </a:t>
+            </a:r>
+            <a:r>
+              <a:rPr b="0" lang="en-US" sz="1600" spc="-1" strike="noStrike">
+                <a:solidFill>
+                  <a:srgbClr val="000000"/>
+                </a:solidFill>
+                <a:latin typeface="DejaVu Sans"/>
+                <a:ea typeface="DejaVu Sans"/>
+              </a:rPr>
+              <a:t>M.Sc. Anant Sujatanagarjuna</a:t>
+            </a:r>
+            <a:endParaRPr b="0" lang="en-US" sz="1600" spc="-1" strike="noStrike">
               <a:solidFill>
                 <a:srgbClr val="000000"/>
               </a:solidFill>
@@ -7605,7 +2444,7 @@
                 <a:spcPts val="320"/>
               </a:spcBef>
               <a:tabLst>
-                <a:tab algn="l" pos="408240"/>
+                <a:tab algn="l" pos="0"/>
               </a:tabLst>
             </a:pPr>
             <a:r>
@@ -7616,27 +2455,8 @@
                 <a:latin typeface="DejaVu Sans"/>
                 <a:ea typeface="DejaVu Sans"/>
               </a:rPr>
-              <a:t>Dr. Arne Bochem (Göttingen)</a:t>
-            </a:r>
-            <a:endParaRPr b="0" lang="en-GB" sz="1600" spc="-1" strike="noStrike">
-              <a:solidFill>
-                <a:srgbClr val="000000"/>
-              </a:solidFill>
-              <a:latin typeface="Arial"/>
-            </a:endParaRPr>
-          </a:p>
-          <a:p>
-            <a:pPr algn="ctr">
-              <a:lnSpc>
-                <a:spcPct val="100000"/>
-              </a:lnSpc>
-              <a:spcBef>
-                <a:spcPts val="320"/>
-              </a:spcBef>
-              <a:tabLst>
-                <a:tab algn="l" pos="408240"/>
-              </a:tabLst>
-            </a:pPr>
+              <a:t> </a:t>
+            </a:r>
             <a:r>
               <a:rPr b="0" lang="en-US" sz="1600" spc="-1" strike="noStrike">
                 <a:solidFill>
@@ -7645,58 +2465,9 @@
                 <a:latin typeface="DejaVu Sans"/>
                 <a:ea typeface="DejaVu Sans"/>
               </a:rPr>
-              <a:t> </a:t>
-            </a:r>
-            <a:r>
-              <a:rPr b="0" lang="en-US" sz="1600" spc="-1" strike="noStrike">
-                <a:solidFill>
-                  <a:srgbClr val="000000"/>
-                </a:solidFill>
-                <a:latin typeface="DejaVu Sans"/>
-                <a:ea typeface="DejaVu Sans"/>
-              </a:rPr>
-              <a:t>M.Sc. Anant Sujatanagarjuna (Clausthal)</a:t>
-            </a:r>
-            <a:endParaRPr b="0" lang="en-GB" sz="1600" spc="-1" strike="noStrike">
-              <a:solidFill>
-                <a:srgbClr val="000000"/>
-              </a:solidFill>
-              <a:latin typeface="Arial"/>
-            </a:endParaRPr>
-          </a:p>
-          <a:p>
-            <a:pPr algn="ctr">
-              <a:lnSpc>
-                <a:spcPct val="100000"/>
-              </a:lnSpc>
-              <a:spcBef>
-                <a:spcPts val="320"/>
-              </a:spcBef>
-              <a:tabLst>
-                <a:tab algn="l" pos="0"/>
-              </a:tabLst>
-            </a:pPr>
-            <a:r>
-              <a:rPr b="0" lang="en-US" sz="1600" spc="-1" strike="noStrike">
-                <a:solidFill>
-                  <a:srgbClr val="000000"/>
-                </a:solidFill>
-                <a:latin typeface="DejaVu Sans"/>
-                <a:ea typeface="DejaVu Sans"/>
-              </a:rPr>
-              <a:t> </a:t>
-            </a:r>
-            <a:r>
-              <a:rPr b="0" lang="en-US" sz="1600" spc="-1" strike="noStrike">
-                <a:solidFill>
-                  <a:srgbClr val="000000"/>
-                </a:solidFill>
-                <a:latin typeface="DejaVu Sans"/>
-                <a:ea typeface="DejaVu Sans"/>
-              </a:rPr>
-              <a:t>M.Sc. Shohreh Kia (Clausthal)</a:t>
-            </a:r>
-            <a:endParaRPr b="0" lang="en-GB" sz="1600" spc="-1" strike="noStrike">
+              <a:t>M.Sc. Shohreh Kia</a:t>
+            </a:r>
+            <a:endParaRPr b="0" lang="en-US" sz="1600" spc="-1" strike="noStrike">
               <a:solidFill>
                 <a:srgbClr val="000000"/>
               </a:solidFill>
@@ -7737,14 +2508,14 @@
       </p:grpSpPr>
       <p:sp>
         <p:nvSpPr>
-          <p:cNvPr id="157" name="CustomShape 1"/>
+          <p:cNvPr id="49" name="CustomShape 1"/>
           <p:cNvSpPr/>
           <p:nvPr/>
         </p:nvSpPr>
         <p:spPr>
           <a:xfrm>
             <a:off x="335520" y="764640"/>
-            <a:ext cx="10746720" cy="497520"/>
+            <a:ext cx="10746360" cy="497160"/>
           </a:xfrm>
           <a:prstGeom prst="rect">
             <a:avLst/>
@@ -7783,7 +2554,7 @@
               </a:rPr>
               <a:t>6LoWPAN</a:t>
             </a:r>
-            <a:endParaRPr b="0" lang="en-GB" sz="2400" spc="-1" strike="noStrike">
+            <a:endParaRPr b="0" lang="en-US" sz="2400" spc="-1" strike="noStrike">
               <a:solidFill>
                 <a:srgbClr val="000000"/>
               </a:solidFill>
@@ -7794,14 +2565,14 @@
       </p:sp>
       <p:sp>
         <p:nvSpPr>
-          <p:cNvPr id="158" name="CustomShape 2"/>
+          <p:cNvPr id="50" name="CustomShape 2"/>
           <p:cNvSpPr/>
           <p:nvPr/>
         </p:nvSpPr>
         <p:spPr>
           <a:xfrm>
             <a:off x="457200" y="1371600"/>
-            <a:ext cx="10784520" cy="3668400"/>
+            <a:ext cx="10784160" cy="3668040"/>
           </a:xfrm>
           <a:prstGeom prst="rect">
             <a:avLst/>
@@ -7840,7 +2611,7 @@
               </a:rPr>
               <a:t>Pros</a:t>
             </a:r>
-            <a:endParaRPr b="0" lang="en-GB" sz="1800" spc="-1" strike="noStrike">
+            <a:endParaRPr b="0" lang="en-US" sz="1800" spc="-1" strike="noStrike">
               <a:solidFill>
                 <a:srgbClr val="000000"/>
               </a:solidFill>
@@ -7872,7 +2643,7 @@
               </a:rPr>
               <a:t>IPv6 based</a:t>
             </a:r>
-            <a:endParaRPr b="0" lang="en-GB" sz="1800" spc="-1" strike="noStrike">
+            <a:endParaRPr b="0" lang="en-US" sz="1800" spc="-1" strike="noStrike">
               <a:solidFill>
                 <a:srgbClr val="000000"/>
               </a:solidFill>
@@ -7904,7 +2675,7 @@
               </a:rPr>
               <a:t>Built-in security</a:t>
             </a:r>
-            <a:endParaRPr b="0" lang="en-GB" sz="1800" spc="-1" strike="noStrike">
+            <a:endParaRPr b="0" lang="en-US" sz="1800" spc="-1" strike="noStrike">
               <a:solidFill>
                 <a:srgbClr val="000000"/>
               </a:solidFill>
@@ -7936,7 +2707,7 @@
               </a:rPr>
               <a:t>Scalability</a:t>
             </a:r>
-            <a:endParaRPr b="0" lang="en-GB" sz="1800" spc="-1" strike="noStrike">
+            <a:endParaRPr b="0" lang="en-US" sz="1800" spc="-1" strike="noStrike">
               <a:solidFill>
                 <a:srgbClr val="000000"/>
               </a:solidFill>
@@ -7968,7 +2739,7 @@
               </a:rPr>
               <a:t>Interoperability</a:t>
             </a:r>
-            <a:endParaRPr b="0" lang="en-GB" sz="1800" spc="-1" strike="noStrike">
+            <a:endParaRPr b="0" lang="en-US" sz="1800" spc="-1" strike="noStrike">
               <a:solidFill>
                 <a:srgbClr val="000000"/>
               </a:solidFill>
@@ -7984,7 +2755,7 @@
                 <a:tab algn="l" pos="408240"/>
               </a:tabLst>
             </a:pPr>
-            <a:endParaRPr b="0" lang="en-GB" sz="1800" spc="-1" strike="noStrike">
+            <a:endParaRPr b="0" lang="en-US" sz="1800" spc="-1" strike="noStrike">
               <a:solidFill>
                 <a:srgbClr val="000000"/>
               </a:solidFill>
@@ -8010,7 +2781,7 @@
               </a:rPr>
               <a:t>Cons</a:t>
             </a:r>
-            <a:endParaRPr b="0" lang="en-GB" sz="1800" spc="-1" strike="noStrike">
+            <a:endParaRPr b="0" lang="en-US" sz="1800" spc="-1" strike="noStrike">
               <a:solidFill>
                 <a:srgbClr val="000000"/>
               </a:solidFill>
@@ -8042,7 +2813,7 @@
               </a:rPr>
               <a:t>Higher minimum requirements due to IPv6 minimum complexity</a:t>
             </a:r>
-            <a:endParaRPr b="0" lang="en-GB" sz="1800" spc="-1" strike="noStrike">
+            <a:endParaRPr b="0" lang="en-US" sz="1800" spc="-1" strike="noStrike">
               <a:solidFill>
                 <a:srgbClr val="000000"/>
               </a:solidFill>
@@ -8074,7 +2845,7 @@
               </a:rPr>
               <a:t>Not as popular as ZigBee</a:t>
             </a:r>
-            <a:endParaRPr b="0" lang="en-GB" sz="1800" spc="-1" strike="noStrike">
+            <a:endParaRPr b="0" lang="en-US" sz="1800" spc="-1" strike="noStrike">
               <a:solidFill>
                 <a:srgbClr val="000000"/>
               </a:solidFill>
@@ -8090,7 +2861,7 @@
                 <a:tab algn="l" pos="408240"/>
               </a:tabLst>
             </a:pPr>
-            <a:endParaRPr b="0" lang="en-GB" sz="1800" spc="-1" strike="noStrike">
+            <a:endParaRPr b="0" lang="en-US" sz="1800" spc="-1" strike="noStrike">
               <a:solidFill>
                 <a:srgbClr val="000000"/>
               </a:solidFill>
@@ -8116,7 +2887,7 @@
               </a:rPr>
               <a:t>Applications</a:t>
             </a:r>
-            <a:endParaRPr b="0" lang="en-GB" sz="1800" spc="-1" strike="noStrike">
+            <a:endParaRPr b="0" lang="en-US" sz="1800" spc="-1" strike="noStrike">
               <a:solidFill>
                 <a:srgbClr val="000000"/>
               </a:solidFill>
@@ -8148,7 +2919,7 @@
               </a:rPr>
               <a:t>Wireless sensor networks (WSN)</a:t>
             </a:r>
-            <a:endParaRPr b="0" lang="en-GB" sz="1800" spc="-1" strike="noStrike">
+            <a:endParaRPr b="0" lang="en-US" sz="1800" spc="-1" strike="noStrike">
               <a:solidFill>
                 <a:srgbClr val="000000"/>
               </a:solidFill>
@@ -8180,7 +2951,7 @@
               </a:rPr>
               <a:t>Internet of Things</a:t>
             </a:r>
-            <a:endParaRPr b="0" lang="en-GB" sz="1800" spc="-1" strike="noStrike">
+            <a:endParaRPr b="0" lang="en-US" sz="1800" spc="-1" strike="noStrike">
               <a:solidFill>
                 <a:srgbClr val="000000"/>
               </a:solidFill>
@@ -8212,7 +2983,7 @@
               </a:rPr>
               <a:t>Industrial Internet of Things</a:t>
             </a:r>
-            <a:endParaRPr b="0" lang="en-GB" sz="1800" spc="-1" strike="noStrike">
+            <a:endParaRPr b="0" lang="en-US" sz="1800" spc="-1" strike="noStrike">
               <a:solidFill>
                 <a:srgbClr val="000000"/>
               </a:solidFill>
@@ -8253,14 +3024,14 @@
       </p:grpSpPr>
       <p:sp>
         <p:nvSpPr>
-          <p:cNvPr id="159" name="CustomShape 1"/>
+          <p:cNvPr id="51" name="CustomShape 1"/>
           <p:cNvSpPr/>
           <p:nvPr/>
         </p:nvSpPr>
         <p:spPr>
           <a:xfrm>
             <a:off x="335520" y="764640"/>
-            <a:ext cx="10746720" cy="497520"/>
+            <a:ext cx="10746360" cy="497160"/>
           </a:xfrm>
           <a:prstGeom prst="rect">
             <a:avLst/>
@@ -8299,7 +3070,7 @@
               </a:rPr>
               <a:t>IEEE 802.11p</a:t>
             </a:r>
-            <a:endParaRPr b="0" lang="en-GB" sz="2400" spc="-1" strike="noStrike">
+            <a:endParaRPr b="0" lang="en-US" sz="2400" spc="-1" strike="noStrike">
               <a:solidFill>
                 <a:srgbClr val="000000"/>
               </a:solidFill>
@@ -8310,14 +3081,14 @@
       </p:sp>
       <p:sp>
         <p:nvSpPr>
-          <p:cNvPr id="160" name="CustomShape 2"/>
+          <p:cNvPr id="52" name="CustomShape 2"/>
           <p:cNvSpPr/>
           <p:nvPr/>
         </p:nvSpPr>
         <p:spPr>
           <a:xfrm>
             <a:off x="457200" y="1371600"/>
-            <a:ext cx="10784520" cy="1876680"/>
+            <a:ext cx="10784160" cy="1876320"/>
           </a:xfrm>
           <a:prstGeom prst="rect">
             <a:avLst/>
@@ -8356,7 +3127,7 @@
               </a:rPr>
               <a:t>Vehicular network optimized</a:t>
             </a:r>
-            <a:endParaRPr b="0" lang="en-GB" sz="1800" spc="-1" strike="noStrike">
+            <a:endParaRPr b="0" lang="en-US" sz="1800" spc="-1" strike="noStrike">
               <a:solidFill>
                 <a:srgbClr val="000000"/>
               </a:solidFill>
@@ -8388,7 +3159,7 @@
               </a:rPr>
               <a:t>Vehicle to vehicle (V2V)</a:t>
             </a:r>
-            <a:endParaRPr b="0" lang="en-GB" sz="1800" spc="-1" strike="noStrike">
+            <a:endParaRPr b="0" lang="en-US" sz="1800" spc="-1" strike="noStrike">
               <a:solidFill>
                 <a:srgbClr val="000000"/>
               </a:solidFill>
@@ -8420,7 +3191,7 @@
               </a:rPr>
               <a:t>Vehicle to infrastructure (V2I) such as road side units (RSU)</a:t>
             </a:r>
-            <a:endParaRPr b="0" lang="en-GB" sz="1800" spc="-1" strike="noStrike">
+            <a:endParaRPr b="0" lang="en-US" sz="1800" spc="-1" strike="noStrike">
               <a:solidFill>
                 <a:srgbClr val="000000"/>
               </a:solidFill>
@@ -8452,7 +3223,7 @@
               </a:rPr>
               <a:t>Built in time synchronization</a:t>
             </a:r>
-            <a:endParaRPr b="0" lang="en-GB" sz="1800" spc="-1" strike="noStrike">
+            <a:endParaRPr b="0" lang="en-US" sz="1800" spc="-1" strike="noStrike">
               <a:solidFill>
                 <a:srgbClr val="000000"/>
               </a:solidFill>
@@ -8468,7 +3239,7 @@
                 <a:tab algn="l" pos="408240"/>
               </a:tabLst>
             </a:pPr>
-            <a:endParaRPr b="0" lang="en-GB" sz="1800" spc="-1" strike="noStrike">
+            <a:endParaRPr b="0" lang="en-US" sz="1800" spc="-1" strike="noStrike">
               <a:solidFill>
                 <a:srgbClr val="000000"/>
               </a:solidFill>
@@ -8494,7 +3265,7 @@
               </a:rPr>
               <a:t>Applications</a:t>
             </a:r>
-            <a:endParaRPr b="0" lang="en-GB" sz="1800" spc="-1" strike="noStrike">
+            <a:endParaRPr b="0" lang="en-US" sz="1800" spc="-1" strike="noStrike">
               <a:solidFill>
                 <a:srgbClr val="000000"/>
               </a:solidFill>
@@ -8526,7 +3297,7 @@
               </a:rPr>
               <a:t>Vehicular networks</a:t>
             </a:r>
-            <a:endParaRPr b="0" lang="en-GB" sz="1800" spc="-1" strike="noStrike">
+            <a:endParaRPr b="0" lang="en-US" sz="1800" spc="-1" strike="noStrike">
               <a:solidFill>
                 <a:srgbClr val="000000"/>
               </a:solidFill>
@@ -8567,14 +3338,14 @@
       </p:grpSpPr>
       <p:sp>
         <p:nvSpPr>
-          <p:cNvPr id="161" name="CustomShape 1"/>
+          <p:cNvPr id="53" name="CustomShape 1"/>
           <p:cNvSpPr/>
           <p:nvPr/>
         </p:nvSpPr>
         <p:spPr>
           <a:xfrm>
             <a:off x="335520" y="4406760"/>
-            <a:ext cx="10746720" cy="1355760"/>
+            <a:ext cx="10746360" cy="1355400"/>
           </a:xfrm>
           <a:prstGeom prst="rect">
             <a:avLst/>
@@ -8613,7 +3384,7 @@
               </a:rPr>
               <a:t>WAN</a:t>
             </a:r>
-            <a:endParaRPr b="0" lang="en-GB" sz="3000" spc="-1" strike="noStrike">
+            <a:endParaRPr b="0" lang="en-US" sz="3000" spc="-1" strike="noStrike">
               <a:solidFill>
                 <a:srgbClr val="000000"/>
               </a:solidFill>
@@ -8624,14 +3395,14 @@
       </p:sp>
       <p:sp>
         <p:nvSpPr>
-          <p:cNvPr id="162" name="CustomShape 2"/>
+          <p:cNvPr id="54" name="CustomShape 2"/>
           <p:cNvSpPr/>
           <p:nvPr/>
         </p:nvSpPr>
         <p:spPr>
           <a:xfrm>
             <a:off x="335520" y="2906640"/>
-            <a:ext cx="10746720" cy="1493640"/>
+            <a:ext cx="10746360" cy="1493280"/>
           </a:xfrm>
           <a:prstGeom prst="rect">
             <a:avLst/>
@@ -8652,11 +3423,17 @@
             <a:noAutofit/>
           </a:bodyPr>
           <a:p>
+            <a:pPr>
+              <a:lnSpc>
+                <a:spcPct val="100000"/>
+              </a:lnSpc>
+            </a:pPr>
             <a:endParaRPr b="0" lang="en-GB" sz="1800" spc="-1" strike="noStrike">
               <a:solidFill>
                 <a:srgbClr val="000000"/>
               </a:solidFill>
               <a:latin typeface="Arial"/>
+              <a:ea typeface="DejaVu Sans"/>
             </a:endParaRPr>
           </a:p>
         </p:txBody>
@@ -8693,14 +3470,14 @@
       </p:grpSpPr>
       <p:sp>
         <p:nvSpPr>
-          <p:cNvPr id="163" name="CustomShape 1"/>
+          <p:cNvPr id="55" name="CustomShape 1"/>
           <p:cNvSpPr/>
           <p:nvPr/>
         </p:nvSpPr>
         <p:spPr>
           <a:xfrm>
             <a:off x="335520" y="764640"/>
-            <a:ext cx="10746720" cy="497520"/>
+            <a:ext cx="10746360" cy="497160"/>
           </a:xfrm>
           <a:prstGeom prst="rect">
             <a:avLst/>
@@ -8739,7 +3516,7 @@
               </a:rPr>
               <a:t>Wide Area Network</a:t>
             </a:r>
-            <a:endParaRPr b="0" lang="en-GB" sz="2400" spc="-1" strike="noStrike">
+            <a:endParaRPr b="0" lang="en-US" sz="2400" spc="-1" strike="noStrike">
               <a:solidFill>
                 <a:srgbClr val="000000"/>
               </a:solidFill>
@@ -8750,14 +3527,14 @@
       </p:sp>
       <p:sp>
         <p:nvSpPr>
-          <p:cNvPr id="164" name="CustomShape 2"/>
+          <p:cNvPr id="56" name="CustomShape 2"/>
           <p:cNvSpPr/>
           <p:nvPr/>
         </p:nvSpPr>
         <p:spPr>
           <a:xfrm>
             <a:off x="457200" y="1371600"/>
-            <a:ext cx="10784520" cy="1876680"/>
+            <a:ext cx="10784160" cy="1876320"/>
           </a:xfrm>
           <a:prstGeom prst="rect">
             <a:avLst/>
@@ -8802,7 +3579,7 @@
               </a:rPr>
               <a:t>Service/subscription model based</a:t>
             </a:r>
-            <a:endParaRPr b="0" lang="en-GB" sz="1800" spc="-1" strike="noStrike">
+            <a:endParaRPr b="0" lang="en-US" sz="1800" spc="-1" strike="noStrike">
               <a:solidFill>
                 <a:srgbClr val="000000"/>
               </a:solidFill>
@@ -8834,7 +3611,7 @@
               </a:rPr>
               <a:t>Service provider runs infrastructure such as base stations and radio towers</a:t>
             </a:r>
-            <a:endParaRPr b="0" lang="en-GB" sz="1800" spc="-1" strike="noStrike">
+            <a:endParaRPr b="0" lang="en-US" sz="1800" spc="-1" strike="noStrike">
               <a:solidFill>
                 <a:srgbClr val="000000"/>
               </a:solidFill>
@@ -8850,7 +3627,7 @@
                 <a:tab algn="l" pos="408240"/>
               </a:tabLst>
             </a:pPr>
-            <a:endParaRPr b="0" lang="en-GB" sz="1800" spc="-1" strike="noStrike">
+            <a:endParaRPr b="0" lang="en-US" sz="1800" spc="-1" strike="noStrike">
               <a:solidFill>
                 <a:srgbClr val="000000"/>
               </a:solidFill>
@@ -8882,7 +3659,7 @@
               </a:rPr>
               <a:t>Examples:</a:t>
             </a:r>
-            <a:endParaRPr b="0" lang="en-GB" sz="1800" spc="-1" strike="noStrike">
+            <a:endParaRPr b="0" lang="en-US" sz="1800" spc="-1" strike="noStrike">
               <a:solidFill>
                 <a:srgbClr val="000000"/>
               </a:solidFill>
@@ -8914,7 +3691,7 @@
               </a:rPr>
               <a:t>Cellular networks (UMTS/LTE/5G)</a:t>
             </a:r>
-            <a:endParaRPr b="0" lang="en-GB" sz="1800" spc="-1" strike="noStrike">
+            <a:endParaRPr b="0" lang="en-US" sz="1800" spc="-1" strike="noStrike">
               <a:solidFill>
                 <a:srgbClr val="000000"/>
               </a:solidFill>
@@ -8986,7 +3763,7 @@
               </a:rPr>
               <a:t>nge, physical layer), LoRaWAN (MAC layer)</a:t>
             </a:r>
-            <a:endParaRPr b="0" lang="en-GB" sz="1800" spc="-1" strike="noStrike">
+            <a:endParaRPr b="0" lang="en-US" sz="1800" spc="-1" strike="noStrike">
               <a:solidFill>
                 <a:srgbClr val="000000"/>
               </a:solidFill>
@@ -9018,7 +3795,7 @@
               </a:rPr>
               <a:t>Sigfox</a:t>
             </a:r>
-            <a:endParaRPr b="0" lang="en-GB" sz="1800" spc="-1" strike="noStrike">
+            <a:endParaRPr b="0" lang="en-US" sz="1800" spc="-1" strike="noStrike">
               <a:solidFill>
                 <a:srgbClr val="000000"/>
               </a:solidFill>
@@ -9059,14 +3836,14 @@
       </p:grpSpPr>
       <p:sp>
         <p:nvSpPr>
-          <p:cNvPr id="165" name="CustomShape 1"/>
+          <p:cNvPr id="57" name="CustomShape 1"/>
           <p:cNvSpPr/>
           <p:nvPr/>
         </p:nvSpPr>
         <p:spPr>
           <a:xfrm>
             <a:off x="335520" y="764640"/>
-            <a:ext cx="10746720" cy="497520"/>
+            <a:ext cx="10746360" cy="497160"/>
           </a:xfrm>
           <a:prstGeom prst="rect">
             <a:avLst/>
@@ -9105,7 +3882,7 @@
               </a:rPr>
               <a:t>Cellular network architecture</a:t>
             </a:r>
-            <a:endParaRPr b="0" lang="en-GB" sz="2400" spc="-1" strike="noStrike">
+            <a:endParaRPr b="0" lang="en-US" sz="2400" spc="-1" strike="noStrike">
               <a:solidFill>
                 <a:srgbClr val="000000"/>
               </a:solidFill>
@@ -9116,14 +3893,14 @@
       </p:sp>
       <p:sp>
         <p:nvSpPr>
-          <p:cNvPr id="166" name="CustomShape 2"/>
+          <p:cNvPr id="58" name="CustomShape 2"/>
           <p:cNvSpPr/>
           <p:nvPr/>
         </p:nvSpPr>
         <p:spPr>
           <a:xfrm>
             <a:off x="457200" y="1371600"/>
-            <a:ext cx="10784520" cy="2132640"/>
+            <a:ext cx="10784160" cy="2132280"/>
           </a:xfrm>
           <a:prstGeom prst="rect">
             <a:avLst/>
@@ -9168,7 +3945,7 @@
               </a:rPr>
               <a:t>Grid of cell towers</a:t>
             </a:r>
-            <a:endParaRPr b="0" lang="en-GB" sz="1800" spc="-1" strike="noStrike">
+            <a:endParaRPr b="0" lang="en-US" sz="1800" spc="-1" strike="noStrike">
               <a:solidFill>
                 <a:srgbClr val="000000"/>
               </a:solidFill>
@@ -9200,7 +3977,7 @@
               </a:rPr>
               <a:t>Overlapping cells</a:t>
             </a:r>
-            <a:endParaRPr b="0" lang="en-GB" sz="1800" spc="-1" strike="noStrike">
+            <a:endParaRPr b="0" lang="en-US" sz="1800" spc="-1" strike="noStrike">
               <a:solidFill>
                 <a:srgbClr val="000000"/>
               </a:solidFill>
@@ -9232,7 +4009,7 @@
               </a:rPr>
               <a:t>Requires handover for mobile stations between cells</a:t>
             </a:r>
-            <a:endParaRPr b="0" lang="en-GB" sz="1800" spc="-1" strike="noStrike">
+            <a:endParaRPr b="0" lang="en-US" sz="1800" spc="-1" strike="noStrike">
               <a:solidFill>
                 <a:srgbClr val="000000"/>
               </a:solidFill>
@@ -9248,7 +4025,7 @@
                 <a:tab algn="l" pos="408240"/>
               </a:tabLst>
             </a:pPr>
-            <a:endParaRPr b="0" lang="en-GB" sz="1800" spc="-1" strike="noStrike">
+            <a:endParaRPr b="0" lang="en-US" sz="1800" spc="-1" strike="noStrike">
               <a:solidFill>
                 <a:srgbClr val="000000"/>
               </a:solidFill>
@@ -9280,7 +4057,7 @@
               </a:rPr>
               <a:t>Network planning</a:t>
             </a:r>
-            <a:endParaRPr b="0" lang="en-GB" sz="1800" spc="-1" strike="noStrike">
+            <a:endParaRPr b="0" lang="en-US" sz="1800" spc="-1" strike="noStrike">
               <a:solidFill>
                 <a:srgbClr val="000000"/>
               </a:solidFill>
@@ -9312,7 +4089,7 @@
               </a:rPr>
               <a:t>Space division multiple access</a:t>
             </a:r>
-            <a:endParaRPr b="0" lang="en-GB" sz="1800" spc="-1" strike="noStrike">
+            <a:endParaRPr b="0" lang="en-US" sz="1800" spc="-1" strike="noStrike">
               <a:solidFill>
                 <a:srgbClr val="000000"/>
               </a:solidFill>
@@ -9344,7 +4121,7 @@
               </a:rPr>
               <a:t>Minimize interference</a:t>
             </a:r>
-            <a:endParaRPr b="0" lang="en-GB" sz="1800" spc="-1" strike="noStrike">
+            <a:endParaRPr b="0" lang="en-US" sz="1800" spc="-1" strike="noStrike">
               <a:solidFill>
                 <a:srgbClr val="000000"/>
               </a:solidFill>
@@ -9376,7 +4153,7 @@
               </a:rPr>
               <a:t>Avoid allocating overlapping spectrum on nearby cells</a:t>
             </a:r>
-            <a:endParaRPr b="0" lang="en-GB" sz="1800" spc="-1" strike="noStrike">
+            <a:endParaRPr b="0" lang="en-US" sz="1800" spc="-1" strike="noStrike">
               <a:solidFill>
                 <a:srgbClr val="000000"/>
               </a:solidFill>
@@ -9417,14 +4194,14 @@
       </p:grpSpPr>
       <p:sp>
         <p:nvSpPr>
-          <p:cNvPr id="167" name="CustomShape 1"/>
+          <p:cNvPr id="59" name="CustomShape 1"/>
           <p:cNvSpPr/>
           <p:nvPr/>
         </p:nvSpPr>
         <p:spPr>
           <a:xfrm>
             <a:off x="335520" y="764640"/>
-            <a:ext cx="10746720" cy="497520"/>
+            <a:ext cx="10746360" cy="497160"/>
           </a:xfrm>
           <a:prstGeom prst="rect">
             <a:avLst/>
@@ -9463,7 +4240,7 @@
               </a:rPr>
               <a:t>5G</a:t>
             </a:r>
-            <a:endParaRPr b="0" lang="en-GB" sz="2400" spc="-1" strike="noStrike">
+            <a:endParaRPr b="0" lang="en-US" sz="2400" spc="-1" strike="noStrike">
               <a:solidFill>
                 <a:srgbClr val="000000"/>
               </a:solidFill>
@@ -9474,14 +4251,14 @@
       </p:sp>
       <p:sp>
         <p:nvSpPr>
-          <p:cNvPr id="168" name="CustomShape 2"/>
+          <p:cNvPr id="60" name="CustomShape 2"/>
           <p:cNvSpPr/>
           <p:nvPr/>
         </p:nvSpPr>
         <p:spPr>
           <a:xfrm>
             <a:off x="457200" y="1371600"/>
-            <a:ext cx="10784520" cy="1876680"/>
+            <a:ext cx="10784160" cy="1876320"/>
           </a:xfrm>
           <a:prstGeom prst="rect">
             <a:avLst/>
@@ -9526,7 +4303,7 @@
               </a:rPr>
               <a:t>New radio communication techniques and spectrum</a:t>
             </a:r>
-            <a:endParaRPr b="0" lang="en-GB" sz="1800" spc="-1" strike="noStrike">
+            <a:endParaRPr b="0" lang="en-US" sz="1800" spc="-1" strike="noStrike">
               <a:solidFill>
                 <a:srgbClr val="000000"/>
               </a:solidFill>
@@ -9558,7 +4335,7 @@
               </a:rPr>
               <a:t>Support for device to device communications (D2D)</a:t>
             </a:r>
-            <a:endParaRPr b="0" lang="en-GB" sz="1800" spc="-1" strike="noStrike">
+            <a:endParaRPr b="0" lang="en-US" sz="1800" spc="-1" strike="noStrike">
               <a:solidFill>
                 <a:srgbClr val="000000"/>
               </a:solidFill>
@@ -9590,7 +4367,7 @@
               </a:rPr>
               <a:t>Improved performance</a:t>
             </a:r>
-            <a:endParaRPr b="0" lang="en-GB" sz="1800" spc="-1" strike="noStrike">
+            <a:endParaRPr b="0" lang="en-US" sz="1800" spc="-1" strike="noStrike">
               <a:solidFill>
                 <a:srgbClr val="000000"/>
               </a:solidFill>
@@ -9622,7 +4399,7 @@
               </a:rPr>
               <a:t>Theoretical latency in single digit ms</a:t>
             </a:r>
-            <a:endParaRPr b="0" lang="en-GB" sz="1800" spc="-1" strike="noStrike">
+            <a:endParaRPr b="0" lang="en-US" sz="1800" spc="-1" strike="noStrike">
               <a:solidFill>
                 <a:srgbClr val="000000"/>
               </a:solidFill>
@@ -9654,7 +4431,7 @@
               </a:rPr>
               <a:t>Bandwidth in gbps range</a:t>
             </a:r>
-            <a:endParaRPr b="0" lang="en-GB" sz="1800" spc="-1" strike="noStrike">
+            <a:endParaRPr b="0" lang="en-US" sz="1800" spc="-1" strike="noStrike">
               <a:solidFill>
                 <a:srgbClr val="000000"/>
               </a:solidFill>
@@ -9686,7 +4463,7 @@
               </a:rPr>
               <a:t>Ability to provide connectivity in fast moving vehicles</a:t>
             </a:r>
-            <a:endParaRPr b="0" lang="en-GB" sz="1800" spc="-1" strike="noStrike">
+            <a:endParaRPr b="0" lang="en-US" sz="1800" spc="-1" strike="noStrike">
               <a:solidFill>
                 <a:srgbClr val="000000"/>
               </a:solidFill>
@@ -9718,7 +4495,7 @@
               </a:rPr>
               <a:t>Enables more dense connectivity and scalability (more devices)</a:t>
             </a:r>
-            <a:endParaRPr b="0" lang="en-GB" sz="1800" spc="-1" strike="noStrike">
+            <a:endParaRPr b="0" lang="en-US" sz="1800" spc="-1" strike="noStrike">
               <a:solidFill>
                 <a:srgbClr val="000000"/>
               </a:solidFill>
@@ -9759,14 +4536,14 @@
       </p:grpSpPr>
       <p:sp>
         <p:nvSpPr>
-          <p:cNvPr id="169" name="CustomShape 1"/>
+          <p:cNvPr id="61" name="CustomShape 1"/>
           <p:cNvSpPr/>
           <p:nvPr/>
         </p:nvSpPr>
         <p:spPr>
           <a:xfrm>
             <a:off x="335520" y="764640"/>
-            <a:ext cx="10746720" cy="497520"/>
+            <a:ext cx="10746360" cy="497160"/>
           </a:xfrm>
           <a:prstGeom prst="rect">
             <a:avLst/>
@@ -9805,7 +4582,7 @@
               </a:rPr>
               <a:t>LoRa/LoRaWAN</a:t>
             </a:r>
-            <a:endParaRPr b="0" lang="en-GB" sz="2400" spc="-1" strike="noStrike">
+            <a:endParaRPr b="0" lang="en-US" sz="2400" spc="-1" strike="noStrike">
               <a:solidFill>
                 <a:srgbClr val="000000"/>
               </a:solidFill>
@@ -9816,14 +4593,14 @@
       </p:sp>
       <p:sp>
         <p:nvSpPr>
-          <p:cNvPr id="170" name="CustomShape 2"/>
+          <p:cNvPr id="62" name="CustomShape 2"/>
           <p:cNvSpPr/>
           <p:nvPr/>
         </p:nvSpPr>
         <p:spPr>
           <a:xfrm>
             <a:off x="457200" y="1371600"/>
-            <a:ext cx="10784520" cy="2132640"/>
+            <a:ext cx="10784160" cy="2132280"/>
           </a:xfrm>
           <a:prstGeom prst="rect">
             <a:avLst/>
@@ -9868,7 +4645,7 @@
               </a:rPr>
               <a:t>Uses unlicensed spectrum</a:t>
             </a:r>
-            <a:endParaRPr b="0" lang="en-GB" sz="1800" spc="-1" strike="noStrike">
+            <a:endParaRPr b="0" lang="en-US" sz="1800" spc="-1" strike="noStrike">
               <a:solidFill>
                 <a:srgbClr val="000000"/>
               </a:solidFill>
@@ -9900,7 +4677,7 @@
               </a:rPr>
               <a:t>Low number of base stations (Gateways) covers wide area</a:t>
             </a:r>
-            <a:endParaRPr b="0" lang="en-GB" sz="1800" spc="-1" strike="noStrike">
+            <a:endParaRPr b="0" lang="en-US" sz="1800" spc="-1" strike="noStrike">
               <a:solidFill>
                 <a:srgbClr val="000000"/>
               </a:solidFill>
@@ -9932,7 +4709,7 @@
               </a:rPr>
               <a:t>7 are enough to cover Belgium</a:t>
             </a:r>
-            <a:endParaRPr b="0" lang="en-GB" sz="1800" spc="-1" strike="noStrike">
+            <a:endParaRPr b="0" lang="en-US" sz="1800" spc="-1" strike="noStrike">
               <a:solidFill>
                 <a:srgbClr val="000000"/>
               </a:solidFill>
@@ -9964,7 +4741,7 @@
               </a:rPr>
               <a:t>Only produced by a single company (Simtech)</a:t>
             </a:r>
-            <a:endParaRPr b="0" lang="en-GB" sz="1800" spc="-1" strike="noStrike">
+            <a:endParaRPr b="0" lang="en-US" sz="1800" spc="-1" strike="noStrike">
               <a:solidFill>
                 <a:srgbClr val="000000"/>
               </a:solidFill>
@@ -9996,7 +4773,7 @@
               </a:rPr>
               <a:t>High latency, no realtime applications</a:t>
             </a:r>
-            <a:endParaRPr b="0" lang="en-GB" sz="1800" spc="-1" strike="noStrike">
+            <a:endParaRPr b="0" lang="en-US" sz="1800" spc="-1" strike="noStrike">
               <a:solidFill>
                 <a:srgbClr val="000000"/>
               </a:solidFill>
@@ -10028,7 +4805,7 @@
               </a:rPr>
               <a:t>Subscription based</a:t>
             </a:r>
-            <a:endParaRPr b="0" lang="en-GB" sz="1800" spc="-1" strike="noStrike">
+            <a:endParaRPr b="0" lang="en-US" sz="1800" spc="-1" strike="noStrike">
               <a:solidFill>
                 <a:srgbClr val="000000"/>
               </a:solidFill>
@@ -10060,7 +4837,7 @@
               </a:rPr>
               <a:t>Misses some common features from LTE networks</a:t>
             </a:r>
-            <a:endParaRPr b="0" lang="en-GB" sz="1800" spc="-1" strike="noStrike">
+            <a:endParaRPr b="0" lang="en-US" sz="1800" spc="-1" strike="noStrike">
               <a:solidFill>
                 <a:srgbClr val="000000"/>
               </a:solidFill>
@@ -10092,7 +4869,7 @@
               </a:rPr>
               <a:t>Only physical and MAC layers are covered =&gt; Higher OSI layers have to be implemented on top</a:t>
             </a:r>
-            <a:endParaRPr b="0" lang="en-GB" sz="1800" spc="-1" strike="noStrike">
+            <a:endParaRPr b="0" lang="en-US" sz="1800" spc="-1" strike="noStrike">
               <a:solidFill>
                 <a:srgbClr val="000000"/>
               </a:solidFill>
@@ -10133,14 +4910,14 @@
       </p:grpSpPr>
       <p:sp>
         <p:nvSpPr>
-          <p:cNvPr id="171" name="CustomShape 1"/>
+          <p:cNvPr id="63" name="CustomShape 1"/>
           <p:cNvSpPr/>
           <p:nvPr/>
         </p:nvSpPr>
         <p:spPr>
           <a:xfrm>
             <a:off x="335520" y="764640"/>
-            <a:ext cx="10746720" cy="497520"/>
+            <a:ext cx="10746360" cy="497160"/>
           </a:xfrm>
           <a:prstGeom prst="rect">
             <a:avLst/>
@@ -10179,7 +4956,7 @@
               </a:rPr>
               <a:t>Sigfox</a:t>
             </a:r>
-            <a:endParaRPr b="0" lang="en-GB" sz="2400" spc="-1" strike="noStrike">
+            <a:endParaRPr b="0" lang="en-US" sz="2400" spc="-1" strike="noStrike">
               <a:solidFill>
                 <a:srgbClr val="000000"/>
               </a:solidFill>
@@ -10190,14 +4967,14 @@
       </p:sp>
       <p:sp>
         <p:nvSpPr>
-          <p:cNvPr id="172" name="CustomShape 2"/>
+          <p:cNvPr id="64" name="CustomShape 2"/>
           <p:cNvSpPr/>
           <p:nvPr/>
         </p:nvSpPr>
         <p:spPr>
           <a:xfrm>
             <a:off x="457200" y="1371600"/>
-            <a:ext cx="10784520" cy="2900520"/>
+            <a:ext cx="10784160" cy="2900160"/>
           </a:xfrm>
           <a:prstGeom prst="rect">
             <a:avLst/>
@@ -10242,7 +5019,7 @@
               </a:rPr>
               <a:t>Uses unlicensed spectrum</a:t>
             </a:r>
-            <a:endParaRPr b="0" lang="en-GB" sz="1800" spc="-1" strike="noStrike">
+            <a:endParaRPr b="0" lang="en-US" sz="1800" spc="-1" strike="noStrike">
               <a:solidFill>
                 <a:srgbClr val="000000"/>
               </a:solidFill>
@@ -10274,7 +5051,7 @@
               </a:rPr>
               <a:t>Uplink</a:t>
             </a:r>
-            <a:endParaRPr b="0" lang="en-GB" sz="1800" spc="-1" strike="noStrike">
+            <a:endParaRPr b="0" lang="en-US" sz="1800" spc="-1" strike="noStrike">
               <a:solidFill>
                 <a:srgbClr val="000000"/>
               </a:solidFill>
@@ -10306,7 +5083,7 @@
               </a:rPr>
               <a:t>100bps</a:t>
             </a:r>
-            <a:endParaRPr b="0" lang="en-GB" sz="1800" spc="-1" strike="noStrike">
+            <a:endParaRPr b="0" lang="en-US" sz="1800" spc="-1" strike="noStrike">
               <a:solidFill>
                 <a:srgbClr val="000000"/>
               </a:solidFill>
@@ -10338,7 +5115,7 @@
               </a:rPr>
               <a:t>12B payloads</a:t>
             </a:r>
-            <a:endParaRPr b="0" lang="en-GB" sz="1800" spc="-1" strike="noStrike">
+            <a:endParaRPr b="0" lang="en-US" sz="1800" spc="-1" strike="noStrike">
               <a:solidFill>
                 <a:srgbClr val="000000"/>
               </a:solidFill>
@@ -10370,7 +5147,7 @@
               </a:rPr>
               <a:t>Maximum of 6 messages per device and hour (140 per day)</a:t>
             </a:r>
-            <a:endParaRPr b="0" lang="en-GB" sz="1800" spc="-1" strike="noStrike">
+            <a:endParaRPr b="0" lang="en-US" sz="1800" spc="-1" strike="noStrike">
               <a:solidFill>
                 <a:srgbClr val="000000"/>
               </a:solidFill>
@@ -10402,7 +5179,7 @@
               </a:rPr>
               <a:t>Downlink</a:t>
             </a:r>
-            <a:endParaRPr b="0" lang="en-GB" sz="1800" spc="-1" strike="noStrike">
+            <a:endParaRPr b="0" lang="en-US" sz="1800" spc="-1" strike="noStrike">
               <a:solidFill>
                 <a:srgbClr val="000000"/>
               </a:solidFill>
@@ -10434,7 +5211,7 @@
               </a:rPr>
               <a:t>600bps</a:t>
             </a:r>
-            <a:endParaRPr b="0" lang="en-GB" sz="1800" spc="-1" strike="noStrike">
+            <a:endParaRPr b="0" lang="en-US" sz="1800" spc="-1" strike="noStrike">
               <a:solidFill>
                 <a:srgbClr val="000000"/>
               </a:solidFill>
@@ -10466,7 +5243,7 @@
               </a:rPr>
               <a:t>8B payloads</a:t>
             </a:r>
-            <a:endParaRPr b="0" lang="en-GB" sz="1800" spc="-1" strike="noStrike">
+            <a:endParaRPr b="0" lang="en-US" sz="1800" spc="-1" strike="noStrike">
               <a:solidFill>
                 <a:srgbClr val="000000"/>
               </a:solidFill>
@@ -10498,7 +5275,7 @@
               </a:rPr>
               <a:t>Maximum of 4 messages per day</a:t>
             </a:r>
-            <a:endParaRPr b="0" lang="en-GB" sz="1800" spc="-1" strike="noStrike">
+            <a:endParaRPr b="0" lang="en-US" sz="1800" spc="-1" strike="noStrike">
               <a:solidFill>
                 <a:srgbClr val="000000"/>
               </a:solidFill>
@@ -10530,7 +5307,7 @@
               </a:rPr>
               <a:t>Open hardware</a:t>
             </a:r>
-            <a:endParaRPr b="0" lang="en-GB" sz="1800" spc="-1" strike="noStrike">
+            <a:endParaRPr b="0" lang="en-US" sz="1800" spc="-1" strike="noStrike">
               <a:solidFill>
                 <a:srgbClr val="000000"/>
               </a:solidFill>
@@ -10562,7 +5339,7 @@
               </a:rPr>
               <a:t>Network subscription based</a:t>
             </a:r>
-            <a:endParaRPr b="0" lang="en-GB" sz="1800" spc="-1" strike="noStrike">
+            <a:endParaRPr b="0" lang="en-US" sz="1800" spc="-1" strike="noStrike">
               <a:solidFill>
                 <a:srgbClr val="000000"/>
               </a:solidFill>
@@ -10603,14 +5380,14 @@
       </p:grpSpPr>
       <p:sp>
         <p:nvSpPr>
-          <p:cNvPr id="173" name="CustomShape 1"/>
+          <p:cNvPr id="65" name="CustomShape 1"/>
           <p:cNvSpPr/>
           <p:nvPr/>
         </p:nvSpPr>
         <p:spPr>
           <a:xfrm>
             <a:off x="335520" y="4406760"/>
-            <a:ext cx="10746720" cy="1355760"/>
+            <a:ext cx="10746360" cy="1355400"/>
           </a:xfrm>
           <a:prstGeom prst="rect">
             <a:avLst/>
@@ -10649,7 +5426,7 @@
               </a:rPr>
               <a:t>Router and gateways</a:t>
             </a:r>
-            <a:endParaRPr b="0" lang="en-GB" sz="3000" spc="-1" strike="noStrike">
+            <a:endParaRPr b="0" lang="en-US" sz="3000" spc="-1" strike="noStrike">
               <a:solidFill>
                 <a:srgbClr val="000000"/>
               </a:solidFill>
@@ -10660,14 +5437,14 @@
       </p:sp>
       <p:sp>
         <p:nvSpPr>
-          <p:cNvPr id="174" name="CustomShape 2"/>
+          <p:cNvPr id="66" name="CustomShape 2"/>
           <p:cNvSpPr/>
           <p:nvPr/>
         </p:nvSpPr>
         <p:spPr>
           <a:xfrm>
             <a:off x="335520" y="2906640"/>
-            <a:ext cx="10746720" cy="1493640"/>
+            <a:ext cx="10746360" cy="1493280"/>
           </a:xfrm>
           <a:prstGeom prst="rect">
             <a:avLst/>
@@ -10688,11 +5465,17 @@
             <a:noAutofit/>
           </a:bodyPr>
           <a:p>
+            <a:pPr>
+              <a:lnSpc>
+                <a:spcPct val="100000"/>
+              </a:lnSpc>
+            </a:pPr>
             <a:endParaRPr b="0" lang="en-GB" sz="1800" spc="-1" strike="noStrike">
               <a:solidFill>
                 <a:srgbClr val="000000"/>
               </a:solidFill>
               <a:latin typeface="Arial"/>
+              <a:ea typeface="DejaVu Sans"/>
             </a:endParaRPr>
           </a:p>
         </p:txBody>
@@ -10729,14 +5512,14 @@
       </p:grpSpPr>
       <p:sp>
         <p:nvSpPr>
-          <p:cNvPr id="175" name="CustomShape 1"/>
+          <p:cNvPr id="67" name="CustomShape 1"/>
           <p:cNvSpPr/>
           <p:nvPr/>
         </p:nvSpPr>
         <p:spPr>
           <a:xfrm>
             <a:off x="335520" y="764640"/>
-            <a:ext cx="10746720" cy="497520"/>
+            <a:ext cx="10746360" cy="497160"/>
           </a:xfrm>
           <a:prstGeom prst="rect">
             <a:avLst/>
@@ -10775,7 +5558,7 @@
               </a:rPr>
               <a:t>Router and Gateways</a:t>
             </a:r>
-            <a:endParaRPr b="0" lang="en-GB" sz="2400" spc="-1" strike="noStrike">
+            <a:endParaRPr b="0" lang="en-US" sz="2400" spc="-1" strike="noStrike">
               <a:solidFill>
                 <a:srgbClr val="000000"/>
               </a:solidFill>
@@ -10786,14 +5569,14 @@
       </p:sp>
       <p:sp>
         <p:nvSpPr>
-          <p:cNvPr id="176" name="CustomShape 2"/>
+          <p:cNvPr id="68" name="CustomShape 2"/>
           <p:cNvSpPr/>
           <p:nvPr/>
         </p:nvSpPr>
         <p:spPr>
           <a:xfrm>
             <a:off x="457200" y="1371600"/>
-            <a:ext cx="10784520" cy="3156480"/>
+            <a:ext cx="10784160" cy="3156120"/>
           </a:xfrm>
           <a:prstGeom prst="rect">
             <a:avLst/>
@@ -10832,7 +5615,7 @@
               </a:rPr>
               <a:t>Router</a:t>
             </a:r>
-            <a:endParaRPr b="0" lang="en-GB" sz="1800" spc="-1" strike="noStrike">
+            <a:endParaRPr b="0" lang="en-US" sz="1800" spc="-1" strike="noStrike">
               <a:solidFill>
                 <a:srgbClr val="000000"/>
               </a:solidFill>
@@ -10864,7 +5647,7 @@
               </a:rPr>
               <a:t>Bridges two networks</a:t>
             </a:r>
-            <a:endParaRPr b="0" lang="en-GB" sz="1800" spc="-1" strike="noStrike">
+            <a:endParaRPr b="0" lang="en-US" sz="1800" spc="-1" strike="noStrike">
               <a:solidFill>
                 <a:srgbClr val="000000"/>
               </a:solidFill>
@@ -10896,7 +5679,7 @@
               </a:rPr>
               <a:t>Can translate between protocols</a:t>
             </a:r>
-            <a:endParaRPr b="0" lang="en-GB" sz="1800" spc="-1" strike="noStrike">
+            <a:endParaRPr b="0" lang="en-US" sz="1800" spc="-1" strike="noStrike">
               <a:solidFill>
                 <a:srgbClr val="000000"/>
               </a:solidFill>
@@ -10928,7 +5711,7 @@
               </a:rPr>
               <a:t>Routes data</a:t>
             </a:r>
-            <a:endParaRPr b="0" lang="en-GB" sz="1800" spc="-1" strike="noStrike">
+            <a:endParaRPr b="0" lang="en-US" sz="1800" spc="-1" strike="noStrike">
               <a:solidFill>
                 <a:srgbClr val="000000"/>
               </a:solidFill>
@@ -10960,7 +5743,7 @@
               </a:rPr>
               <a:t>Port forwarding and network address translation (mainly end user or carrier grade)</a:t>
             </a:r>
-            <a:endParaRPr b="0" lang="en-GB" sz="1800" spc="-1" strike="noStrike">
+            <a:endParaRPr b="0" lang="en-US" sz="1800" spc="-1" strike="noStrike">
               <a:solidFill>
                 <a:srgbClr val="000000"/>
               </a:solidFill>
@@ -10992,7 +5775,7 @@
               </a:rPr>
               <a:t>VNETs</a:t>
             </a:r>
-            <a:endParaRPr b="0" lang="en-GB" sz="1800" spc="-1" strike="noStrike">
+            <a:endParaRPr b="0" lang="en-US" sz="1800" spc="-1" strike="noStrike">
               <a:solidFill>
                 <a:srgbClr val="000000"/>
               </a:solidFill>
@@ -11008,7 +5791,7 @@
                 <a:tab algn="l" pos="408240"/>
               </a:tabLst>
             </a:pPr>
-            <a:endParaRPr b="0" lang="en-GB" sz="1800" spc="-1" strike="noStrike">
+            <a:endParaRPr b="0" lang="en-US" sz="1800" spc="-1" strike="noStrike">
               <a:solidFill>
                 <a:srgbClr val="000000"/>
               </a:solidFill>
@@ -11034,7 +5817,7 @@
               </a:rPr>
               <a:t>Gateways (not in the routing sense)</a:t>
             </a:r>
-            <a:endParaRPr b="0" lang="en-GB" sz="1800" spc="-1" strike="noStrike">
+            <a:endParaRPr b="0" lang="en-US" sz="1800" spc="-1" strike="noStrike">
               <a:solidFill>
                 <a:srgbClr val="000000"/>
               </a:solidFill>
@@ -11066,7 +5849,7 @@
               </a:rPr>
               <a:t>Bridges wireless network and internet</a:t>
             </a:r>
-            <a:endParaRPr b="0" lang="en-GB" sz="1800" spc="-1" strike="noStrike">
+            <a:endParaRPr b="0" lang="en-US" sz="1800" spc="-1" strike="noStrike">
               <a:solidFill>
                 <a:srgbClr val="000000"/>
               </a:solidFill>
@@ -11098,7 +5881,7 @@
               </a:rPr>
               <a:t>Can translate between protocols</a:t>
             </a:r>
-            <a:endParaRPr b="0" lang="en-GB" sz="1800" spc="-1" strike="noStrike">
+            <a:endParaRPr b="0" lang="en-US" sz="1800" spc="-1" strike="noStrike">
               <a:solidFill>
                 <a:srgbClr val="000000"/>
               </a:solidFill>
@@ -11130,7 +5913,7 @@
               </a:rPr>
               <a:t>Edge/Fog computing capabilities (see next lecture)</a:t>
             </a:r>
-            <a:endParaRPr b="0" lang="en-GB" sz="1800" spc="-1" strike="noStrike">
+            <a:endParaRPr b="0" lang="en-US" sz="1800" spc="-1" strike="noStrike">
               <a:solidFill>
                 <a:srgbClr val="000000"/>
               </a:solidFill>
@@ -11162,7 +5945,7 @@
               </a:rPr>
               <a:t>Routers can be gateways</a:t>
             </a:r>
-            <a:endParaRPr b="0" lang="en-GB" sz="1800" spc="-1" strike="noStrike">
+            <a:endParaRPr b="0" lang="en-US" sz="1800" spc="-1" strike="noStrike">
               <a:solidFill>
                 <a:srgbClr val="000000"/>
               </a:solidFill>
@@ -11203,14 +5986,14 @@
       </p:grpSpPr>
       <p:sp>
         <p:nvSpPr>
-          <p:cNvPr id="140" name="CustomShape 1"/>
+          <p:cNvPr id="32" name="CustomShape 1"/>
           <p:cNvSpPr/>
           <p:nvPr/>
         </p:nvSpPr>
         <p:spPr>
           <a:xfrm>
             <a:off x="335520" y="764640"/>
-            <a:ext cx="10737000" cy="487800"/>
+            <a:ext cx="10736640" cy="487440"/>
           </a:xfrm>
           <a:prstGeom prst="rect">
             <a:avLst/>
@@ -11246,7 +6029,7 @@
               </a:rPr>
               <a:t>License</a:t>
             </a:r>
-            <a:endParaRPr b="0" lang="en-GB" sz="2400" spc="-1" strike="noStrike">
+            <a:endParaRPr b="0" lang="en-US" sz="2400" spc="-1" strike="noStrike">
               <a:solidFill>
                 <a:srgbClr val="000000"/>
               </a:solidFill>
@@ -11257,14 +6040,14 @@
       </p:sp>
       <p:sp>
         <p:nvSpPr>
-          <p:cNvPr id="141" name="CustomShape 2"/>
+          <p:cNvPr id="33" name="CustomShape 2"/>
           <p:cNvSpPr/>
           <p:nvPr/>
         </p:nvSpPr>
         <p:spPr>
           <a:xfrm>
             <a:off x="335520" y="1268280"/>
-            <a:ext cx="10737000" cy="5024520"/>
+            <a:ext cx="10736640" cy="5024160"/>
           </a:xfrm>
           <a:prstGeom prst="rect">
             <a:avLst/>
@@ -11290,7 +6073,7 @@
                 <a:spcPct val="100000"/>
               </a:lnSpc>
             </a:pPr>
-            <a:endParaRPr b="0" lang="en-GB" sz="1800" spc="-1" strike="noStrike">
+            <a:endParaRPr b="0" lang="en-US" sz="1800" spc="-1" strike="noStrike">
               <a:solidFill>
                 <a:srgbClr val="000000"/>
               </a:solidFill>
@@ -11364,7 +6147,7 @@
               </a:rPr>
               <a:t> .</a:t>
             </a:r>
-            <a:endParaRPr b="0" lang="en-GB" sz="1800" spc="-1" strike="noStrike">
+            <a:endParaRPr b="0" lang="en-US" sz="1800" spc="-1" strike="noStrike">
               <a:solidFill>
                 <a:srgbClr val="000000"/>
               </a:solidFill>
@@ -11380,7 +6163,7 @@
                 <a:spcPts val="360"/>
               </a:spcBef>
             </a:pPr>
-            <a:endParaRPr b="0" lang="en-GB" sz="1800" spc="-1" strike="noStrike">
+            <a:endParaRPr b="0" lang="en-US" sz="1800" spc="-1" strike="noStrike">
               <a:solidFill>
                 <a:srgbClr val="000000"/>
               </a:solidFill>
@@ -11434,7 +6217,7 @@
               </a:rPr>
               <a:t>.</a:t>
             </a:r>
-            <a:endParaRPr b="0" lang="en-GB" sz="1800" spc="-1" strike="noStrike">
+            <a:endParaRPr b="0" lang="en-US" sz="1800" spc="-1" strike="noStrike">
               <a:solidFill>
                 <a:srgbClr val="000000"/>
               </a:solidFill>
@@ -11450,7 +6233,7 @@
                 <a:spcPts val="360"/>
               </a:spcBef>
             </a:pPr>
-            <a:endParaRPr b="0" lang="en-GB" sz="1800" spc="-1" strike="noStrike">
+            <a:endParaRPr b="0" lang="en-US" sz="1800" spc="-1" strike="noStrike">
               <a:solidFill>
                 <a:srgbClr val="000000"/>
               </a:solidFill>
@@ -11491,14 +6274,14 @@
       </p:grpSpPr>
       <p:sp>
         <p:nvSpPr>
-          <p:cNvPr id="177" name="CustomShape 1"/>
+          <p:cNvPr id="69" name="CustomShape 1"/>
           <p:cNvSpPr/>
           <p:nvPr/>
         </p:nvSpPr>
         <p:spPr>
           <a:xfrm>
             <a:off x="335520" y="764640"/>
-            <a:ext cx="10746720" cy="497520"/>
+            <a:ext cx="10746360" cy="497160"/>
           </a:xfrm>
           <a:prstGeom prst="rect">
             <a:avLst/>
@@ -11537,7 +6320,7 @@
               </a:rPr>
               <a:t>Gateway example</a:t>
             </a:r>
-            <a:endParaRPr b="0" lang="en-GB" sz="2400" spc="-1" strike="noStrike">
+            <a:endParaRPr b="0" lang="en-US" sz="2400" spc="-1" strike="noStrike">
               <a:solidFill>
                 <a:srgbClr val="000000"/>
               </a:solidFill>
@@ -11548,7 +6331,7 @@
       </p:sp>
       <p:pic>
         <p:nvPicPr>
-          <p:cNvPr id="178" name="" descr=""/>
+          <p:cNvPr id="70" name="" descr=""/>
           <p:cNvPicPr/>
           <p:nvPr/>
         </p:nvPicPr>
@@ -11559,7 +6342,7 @@
         <p:spPr>
           <a:xfrm>
             <a:off x="2709360" y="3474720"/>
-            <a:ext cx="2223000" cy="1651680"/>
+            <a:ext cx="2222640" cy="1651320"/>
           </a:xfrm>
           <a:prstGeom prst="rect">
             <a:avLst/>
@@ -11571,7 +6354,7 @@
       </p:pic>
       <p:pic>
         <p:nvPicPr>
-          <p:cNvPr id="179" name="" descr=""/>
+          <p:cNvPr id="71" name="" descr=""/>
           <p:cNvPicPr/>
           <p:nvPr/>
         </p:nvPicPr>
@@ -11582,7 +6365,7 @@
         <p:spPr>
           <a:xfrm>
             <a:off x="5544000" y="3383280"/>
-            <a:ext cx="2223000" cy="1651680"/>
+            <a:ext cx="2222640" cy="1651320"/>
           </a:xfrm>
           <a:prstGeom prst="rect">
             <a:avLst/>
@@ -11594,14 +6377,14 @@
       </p:pic>
       <p:sp>
         <p:nvSpPr>
-          <p:cNvPr id="180" name="CustomShape 3"/>
+          <p:cNvPr id="72" name="CustomShape 3"/>
           <p:cNvSpPr/>
           <p:nvPr/>
         </p:nvSpPr>
         <p:spPr>
           <a:xfrm>
             <a:off x="457200" y="1462320"/>
-            <a:ext cx="10784520" cy="3156480"/>
+            <a:ext cx="10784160" cy="3156120"/>
           </a:xfrm>
           <a:prstGeom prst="rect">
             <a:avLst/>
@@ -11630,7 +6413,7 @@
                 <a:tab algn="l" pos="408240"/>
               </a:tabLst>
             </a:pPr>
-            <a:endParaRPr b="0" lang="en-GB" sz="1800" spc="-1" strike="noStrike">
+            <a:endParaRPr b="0" lang="en-US" sz="1800" spc="-1" strike="noStrike">
               <a:solidFill>
                 <a:srgbClr val="000000"/>
               </a:solidFill>
@@ -11662,7 +6445,7 @@
               </a:rPr>
               <a:t>Wireless sensor nodes running Contiki RPL with Ipv6</a:t>
             </a:r>
-            <a:endParaRPr b="0" lang="en-GB" sz="1800" spc="-1" strike="noStrike">
+            <a:endParaRPr b="0" lang="en-US" sz="1800" spc="-1" strike="noStrike">
               <a:solidFill>
                 <a:srgbClr val="000000"/>
               </a:solidFill>
@@ -11694,7 +6477,7 @@
               </a:rPr>
               <a:t>Node attached to gateway over USB acts as gateway</a:t>
             </a:r>
-            <a:endParaRPr b="0" lang="en-GB" sz="1800" spc="-1" strike="noStrike">
+            <a:endParaRPr b="0" lang="en-US" sz="1800" spc="-1" strike="noStrike">
               <a:solidFill>
                 <a:srgbClr val="000000"/>
               </a:solidFill>
@@ -11726,7 +6509,7 @@
               </a:rPr>
               <a:t>IPv6 connectivity between networks provided through SLIP (Serial Line Internet Protocol)</a:t>
             </a:r>
-            <a:endParaRPr b="0" lang="en-GB" sz="1800" spc="-1" strike="noStrike">
+            <a:endParaRPr b="0" lang="en-US" sz="1800" spc="-1" strike="noStrike">
               <a:solidFill>
                 <a:srgbClr val="000000"/>
               </a:solidFill>
@@ -11767,14 +6550,14 @@
       </p:grpSpPr>
       <p:sp>
         <p:nvSpPr>
-          <p:cNvPr id="181" name="CustomShape 1"/>
+          <p:cNvPr id="73" name="CustomShape 1"/>
           <p:cNvSpPr/>
           <p:nvPr/>
         </p:nvSpPr>
         <p:spPr>
           <a:xfrm>
             <a:off x="335520" y="1268640"/>
-            <a:ext cx="10746720" cy="5034240"/>
+            <a:ext cx="10746360" cy="5033880"/>
           </a:xfrm>
           <a:prstGeom prst="rect">
             <a:avLst/>
@@ -11816,7 +6599,7 @@
               </a:rPr>
               <a:t>Questions?</a:t>
             </a:r>
-            <a:endParaRPr b="0" lang="en-GB" sz="4000" spc="-1" strike="noStrike">
+            <a:endParaRPr b="0" lang="en-US" sz="4000" spc="-1" strike="noStrike">
               <a:solidFill>
                 <a:srgbClr val="000000"/>
               </a:solidFill>
@@ -11827,14 +6610,14 @@
       </p:sp>
       <p:sp>
         <p:nvSpPr>
-          <p:cNvPr id="182" name="CustomShape 2"/>
+          <p:cNvPr id="74" name="CustomShape 2"/>
           <p:cNvSpPr/>
           <p:nvPr/>
         </p:nvSpPr>
         <p:spPr>
           <a:xfrm>
             <a:off x="335520" y="764640"/>
-            <a:ext cx="10746720" cy="497520"/>
+            <a:ext cx="10746360" cy="497160"/>
           </a:xfrm>
           <a:prstGeom prst="rect">
             <a:avLst/>
@@ -11855,11 +6638,17 @@
             <a:noAutofit/>
           </a:bodyPr>
           <a:p>
+            <a:pPr>
+              <a:lnSpc>
+                <a:spcPct val="100000"/>
+              </a:lnSpc>
+            </a:pPr>
             <a:endParaRPr b="0" lang="en-GB" sz="1800" spc="-1" strike="noStrike">
               <a:solidFill>
                 <a:srgbClr val="000000"/>
               </a:solidFill>
               <a:latin typeface="Arial"/>
+              <a:ea typeface="DejaVu Sans"/>
             </a:endParaRPr>
           </a:p>
         </p:txBody>
@@ -11896,14 +6685,14 @@
       </p:grpSpPr>
       <p:sp>
         <p:nvSpPr>
-          <p:cNvPr id="142" name="CustomShape 1"/>
+          <p:cNvPr id="34" name="CustomShape 1"/>
           <p:cNvSpPr/>
           <p:nvPr/>
         </p:nvSpPr>
         <p:spPr>
           <a:xfrm>
             <a:off x="335520" y="4406760"/>
-            <a:ext cx="10746720" cy="1355760"/>
+            <a:ext cx="10746360" cy="1355400"/>
           </a:xfrm>
           <a:prstGeom prst="rect">
             <a:avLst/>
@@ -11942,7 +6731,7 @@
               </a:rPr>
               <a:t>Iot COMMUNICATIONS</a:t>
             </a:r>
-            <a:endParaRPr b="0" lang="en-GB" sz="3000" spc="-1" strike="noStrike">
+            <a:endParaRPr b="0" lang="en-US" sz="3000" spc="-1" strike="noStrike">
               <a:solidFill>
                 <a:srgbClr val="000000"/>
               </a:solidFill>
@@ -11953,14 +6742,14 @@
       </p:sp>
       <p:sp>
         <p:nvSpPr>
-          <p:cNvPr id="143" name="CustomShape 2"/>
+          <p:cNvPr id="35" name="CustomShape 2"/>
           <p:cNvSpPr/>
           <p:nvPr/>
         </p:nvSpPr>
         <p:spPr>
           <a:xfrm>
             <a:off x="335520" y="2906640"/>
-            <a:ext cx="10746720" cy="1493640"/>
+            <a:ext cx="10746360" cy="1493280"/>
           </a:xfrm>
           <a:prstGeom prst="rect">
             <a:avLst/>
@@ -11981,11 +6770,17 @@
             <a:noAutofit/>
           </a:bodyPr>
           <a:p>
+            <a:pPr>
+              <a:lnSpc>
+                <a:spcPct val="100000"/>
+              </a:lnSpc>
+            </a:pPr>
             <a:endParaRPr b="0" lang="en-GB" sz="1800" spc="-1" strike="noStrike">
               <a:solidFill>
                 <a:srgbClr val="000000"/>
               </a:solidFill>
               <a:latin typeface="Arial"/>
+              <a:ea typeface="DejaVu Sans"/>
             </a:endParaRPr>
           </a:p>
         </p:txBody>
@@ -12022,14 +6817,14 @@
       </p:grpSpPr>
       <p:sp>
         <p:nvSpPr>
-          <p:cNvPr id="144" name="CustomShape 1"/>
+          <p:cNvPr id="36" name="CustomShape 1"/>
           <p:cNvSpPr/>
           <p:nvPr/>
         </p:nvSpPr>
         <p:spPr>
           <a:xfrm>
             <a:off x="335520" y="764640"/>
-            <a:ext cx="10746720" cy="497520"/>
+            <a:ext cx="10746360" cy="497160"/>
           </a:xfrm>
           <a:prstGeom prst="rect">
             <a:avLst/>
@@ -12068,7 +6863,7 @@
               </a:rPr>
               <a:t>Overview</a:t>
             </a:r>
-            <a:endParaRPr b="0" lang="en-GB" sz="2400" spc="-1" strike="noStrike">
+            <a:endParaRPr b="0" lang="en-US" sz="2400" spc="-1" strike="noStrike">
               <a:solidFill>
                 <a:srgbClr val="000000"/>
               </a:solidFill>
@@ -12079,7 +6874,7 @@
       </p:sp>
       <p:pic>
         <p:nvPicPr>
-          <p:cNvPr id="145" name="Grafik 6" descr=""/>
+          <p:cNvPr id="37" name="Grafik 6" descr=""/>
           <p:cNvPicPr/>
           <p:nvPr/>
         </p:nvPicPr>
@@ -12090,7 +6885,7 @@
         <p:spPr>
           <a:xfrm>
             <a:off x="1656360" y="1202400"/>
-            <a:ext cx="8533080" cy="5203080"/>
+            <a:ext cx="8532720" cy="5202720"/>
           </a:xfrm>
           <a:prstGeom prst="rect">
             <a:avLst/>
@@ -12132,14 +6927,14 @@
       </p:grpSpPr>
       <p:sp>
         <p:nvSpPr>
-          <p:cNvPr id="146" name="CustomShape 1"/>
+          <p:cNvPr id="38" name="CustomShape 1"/>
           <p:cNvSpPr/>
           <p:nvPr/>
         </p:nvSpPr>
         <p:spPr>
           <a:xfrm>
             <a:off x="335520" y="764640"/>
-            <a:ext cx="10746720" cy="497520"/>
+            <a:ext cx="10746360" cy="497160"/>
           </a:xfrm>
           <a:prstGeom prst="rect">
             <a:avLst/>
@@ -12178,7 +6973,7 @@
               </a:rPr>
               <a:t>Different ranges, different standards</a:t>
             </a:r>
-            <a:endParaRPr b="0" lang="en-GB" sz="2400" spc="-1" strike="noStrike">
+            <a:endParaRPr b="0" lang="en-US" sz="2400" spc="-1" strike="noStrike">
               <a:solidFill>
                 <a:srgbClr val="000000"/>
               </a:solidFill>
@@ -12189,14 +6984,14 @@
       </p:sp>
       <p:sp>
         <p:nvSpPr>
-          <p:cNvPr id="147" name="CustomShape 2"/>
+          <p:cNvPr id="39" name="CustomShape 2"/>
           <p:cNvSpPr/>
           <p:nvPr/>
         </p:nvSpPr>
         <p:spPr>
           <a:xfrm>
             <a:off x="914400" y="6400800"/>
-            <a:ext cx="9138600" cy="322560"/>
+            <a:ext cx="9138240" cy="322200"/>
           </a:xfrm>
           <a:prstGeom prst="rect">
             <a:avLst/>
@@ -12245,7 +7040,7 @@
               </a:rPr>
               <a:t>Techniques/ Modules for Internet of Things (IoT) Applications”, January 2016, Advances in Internet of Things 06(02):19-29, DOI:10.4236/ait.2016.62002</a:t>
             </a:r>
-            <a:endParaRPr b="0" lang="en-GB" sz="800" spc="-1" strike="noStrike">
+            <a:endParaRPr b="0" lang="en-US" sz="800" spc="-1" strike="noStrike">
               <a:solidFill>
                 <a:srgbClr val="000000"/>
               </a:solidFill>
@@ -12256,7 +7051,7 @@
       </p:sp>
       <p:pic>
         <p:nvPicPr>
-          <p:cNvPr id="148" name="" descr=""/>
+          <p:cNvPr id="40" name="" descr=""/>
           <p:cNvPicPr/>
           <p:nvPr/>
         </p:nvPicPr>
@@ -12267,7 +7062,7 @@
         <p:spPr>
           <a:xfrm>
             <a:off x="1035000" y="1227600"/>
-            <a:ext cx="8710920" cy="5170320"/>
+            <a:ext cx="8710560" cy="5169960"/>
           </a:xfrm>
           <a:prstGeom prst="rect">
             <a:avLst/>
@@ -12309,14 +7104,14 @@
       </p:grpSpPr>
       <p:sp>
         <p:nvSpPr>
-          <p:cNvPr id="149" name="CustomShape 1"/>
+          <p:cNvPr id="41" name="CustomShape 1"/>
           <p:cNvSpPr/>
           <p:nvPr/>
         </p:nvSpPr>
         <p:spPr>
           <a:xfrm>
             <a:off x="335520" y="4406760"/>
-            <a:ext cx="10746720" cy="1355760"/>
+            <a:ext cx="10746360" cy="1355400"/>
           </a:xfrm>
           <a:prstGeom prst="rect">
             <a:avLst/>
@@ -12355,7 +7150,7 @@
               </a:rPr>
               <a:t>WPAN</a:t>
             </a:r>
-            <a:endParaRPr b="0" lang="en-GB" sz="3000" spc="-1" strike="noStrike">
+            <a:endParaRPr b="0" lang="en-US" sz="3000" spc="-1" strike="noStrike">
               <a:solidFill>
                 <a:srgbClr val="000000"/>
               </a:solidFill>
@@ -12366,14 +7161,14 @@
       </p:sp>
       <p:sp>
         <p:nvSpPr>
-          <p:cNvPr id="150" name="CustomShape 2"/>
+          <p:cNvPr id="42" name="CustomShape 2"/>
           <p:cNvSpPr/>
           <p:nvPr/>
         </p:nvSpPr>
         <p:spPr>
           <a:xfrm>
             <a:off x="335520" y="2906640"/>
-            <a:ext cx="10746720" cy="1493640"/>
+            <a:ext cx="10746360" cy="1493280"/>
           </a:xfrm>
           <a:prstGeom prst="rect">
             <a:avLst/>
@@ -12394,11 +7189,17 @@
             <a:noAutofit/>
           </a:bodyPr>
           <a:p>
+            <a:pPr>
+              <a:lnSpc>
+                <a:spcPct val="100000"/>
+              </a:lnSpc>
+            </a:pPr>
             <a:endParaRPr b="0" lang="en-GB" sz="1800" spc="-1" strike="noStrike">
               <a:solidFill>
                 <a:srgbClr val="000000"/>
               </a:solidFill>
               <a:latin typeface="Arial"/>
+              <a:ea typeface="DejaVu Sans"/>
             </a:endParaRPr>
           </a:p>
         </p:txBody>
@@ -12435,14 +7236,14 @@
       </p:grpSpPr>
       <p:sp>
         <p:nvSpPr>
-          <p:cNvPr id="151" name="CustomShape 1"/>
+          <p:cNvPr id="43" name="CustomShape 1"/>
           <p:cNvSpPr/>
           <p:nvPr/>
         </p:nvSpPr>
         <p:spPr>
           <a:xfrm>
             <a:off x="335520" y="764640"/>
-            <a:ext cx="10746720" cy="497520"/>
+            <a:ext cx="10746360" cy="497160"/>
           </a:xfrm>
           <a:prstGeom prst="rect">
             <a:avLst/>
@@ -12481,7 +7282,7 @@
               </a:rPr>
               <a:t>Wireless Personal Area Network</a:t>
             </a:r>
-            <a:endParaRPr b="0" lang="en-GB" sz="2400" spc="-1" strike="noStrike">
+            <a:endParaRPr b="0" lang="en-US" sz="2400" spc="-1" strike="noStrike">
               <a:solidFill>
                 <a:srgbClr val="000000"/>
               </a:solidFill>
@@ -12492,14 +7293,14 @@
       </p:sp>
       <p:sp>
         <p:nvSpPr>
-          <p:cNvPr id="152" name="CustomShape 2"/>
+          <p:cNvPr id="44" name="CustomShape 2"/>
           <p:cNvSpPr/>
           <p:nvPr/>
         </p:nvSpPr>
         <p:spPr>
           <a:xfrm>
             <a:off x="457200" y="1371600"/>
-            <a:ext cx="10784520" cy="3668400"/>
+            <a:ext cx="10784160" cy="3668040"/>
           </a:xfrm>
           <a:prstGeom prst="rect">
             <a:avLst/>
@@ -12538,7 +7339,7 @@
               </a:rPr>
               <a:t>IP based</a:t>
             </a:r>
-            <a:endParaRPr b="0" lang="en-GB" sz="1800" spc="-1" strike="noStrike">
+            <a:endParaRPr b="0" lang="en-US" sz="1800" spc="-1" strike="noStrike">
               <a:solidFill>
                 <a:srgbClr val="000000"/>
               </a:solidFill>
@@ -12554,7 +7355,7 @@
                 <a:tab algn="l" pos="408240"/>
               </a:tabLst>
             </a:pPr>
-            <a:endParaRPr b="0" lang="en-GB" sz="1800" spc="-1" strike="noStrike">
+            <a:endParaRPr b="0" lang="en-US" sz="1800" spc="-1" strike="noStrike">
               <a:solidFill>
                 <a:srgbClr val="000000"/>
               </a:solidFill>
@@ -12586,7 +7387,7 @@
               </a:rPr>
               <a:t>6LoWPAN (IPv6 over Low-Power Wireless Personal Area Networks)</a:t>
             </a:r>
-            <a:endParaRPr b="0" lang="en-GB" sz="1800" spc="-1" strike="noStrike">
+            <a:endParaRPr b="0" lang="en-US" sz="1800" spc="-1" strike="noStrike">
               <a:solidFill>
                 <a:srgbClr val="000000"/>
               </a:solidFill>
@@ -12618,7 +7419,7 @@
               </a:rPr>
               <a:t>IEEE 802.11p (V2V)</a:t>
             </a:r>
-            <a:endParaRPr b="0" lang="en-GB" sz="1800" spc="-1" strike="noStrike">
+            <a:endParaRPr b="0" lang="en-US" sz="1800" spc="-1" strike="noStrike">
               <a:solidFill>
                 <a:srgbClr val="000000"/>
               </a:solidFill>
@@ -12650,7 +7451,7 @@
               </a:rPr>
               <a:t>RuBee (IEEE standard 1902.1)</a:t>
             </a:r>
-            <a:endParaRPr b="0" lang="en-GB" sz="1800" spc="-1" strike="noStrike">
+            <a:endParaRPr b="0" lang="en-US" sz="1800" spc="-1" strike="noStrike">
               <a:solidFill>
                 <a:srgbClr val="000000"/>
               </a:solidFill>
@@ -12666,7 +7467,7 @@
                 <a:tab algn="l" pos="408240"/>
               </a:tabLst>
             </a:pPr>
-            <a:endParaRPr b="0" lang="en-GB" sz="1800" spc="-1" strike="noStrike">
+            <a:endParaRPr b="0" lang="en-US" sz="1800" spc="-1" strike="noStrike">
               <a:solidFill>
                 <a:srgbClr val="000000"/>
               </a:solidFill>
@@ -12698,7 +7499,7 @@
               </a:rPr>
               <a:t>Not IP based</a:t>
             </a:r>
-            <a:endParaRPr b="0" lang="en-GB" sz="1800" spc="-1" strike="noStrike">
+            <a:endParaRPr b="0" lang="en-US" sz="1800" spc="-1" strike="noStrike">
               <a:solidFill>
                 <a:srgbClr val="000000"/>
               </a:solidFill>
@@ -12714,7 +7515,7 @@
                 <a:tab algn="l" pos="408240"/>
               </a:tabLst>
             </a:pPr>
-            <a:endParaRPr b="0" lang="en-GB" sz="1800" spc="-1" strike="noStrike">
+            <a:endParaRPr b="0" lang="en-US" sz="1800" spc="-1" strike="noStrike">
               <a:solidFill>
                 <a:srgbClr val="000000"/>
               </a:solidFill>
@@ -12746,7 +7547,7 @@
               </a:rPr>
               <a:t>Bluetooth</a:t>
             </a:r>
-            <a:endParaRPr b="0" lang="en-GB" sz="1800" spc="-1" strike="noStrike">
+            <a:endParaRPr b="0" lang="en-US" sz="1800" spc="-1" strike="noStrike">
               <a:solidFill>
                 <a:srgbClr val="000000"/>
               </a:solidFill>
@@ -12778,7 +7579,7 @@
               </a:rPr>
               <a:t>ZigBee (IEEE 802.15.4-based)</a:t>
             </a:r>
-            <a:endParaRPr b="0" lang="en-GB" sz="1800" spc="-1" strike="noStrike">
+            <a:endParaRPr b="0" lang="en-US" sz="1800" spc="-1" strike="noStrike">
               <a:solidFill>
                 <a:srgbClr val="000000"/>
               </a:solidFill>
@@ -12810,7 +7611,7 @@
               </a:rPr>
               <a:t>IrDA (Infrared Data Association)</a:t>
             </a:r>
-            <a:endParaRPr b="0" lang="en-GB" sz="1800" spc="-1" strike="noStrike">
+            <a:endParaRPr b="0" lang="en-US" sz="1800" spc="-1" strike="noStrike">
               <a:solidFill>
                 <a:srgbClr val="000000"/>
               </a:solidFill>
@@ -12842,7 +7643,7 @@
               </a:rPr>
               <a:t>Z-Wave</a:t>
             </a:r>
-            <a:endParaRPr b="0" lang="en-GB" sz="1800" spc="-1" strike="noStrike">
+            <a:endParaRPr b="0" lang="en-US" sz="1800" spc="-1" strike="noStrike">
               <a:solidFill>
                 <a:srgbClr val="000000"/>
               </a:solidFill>
@@ -12858,7 +7659,7 @@
                 <a:tab algn="l" pos="408240"/>
               </a:tabLst>
             </a:pPr>
-            <a:endParaRPr b="0" lang="en-GB" sz="1800" spc="-1" strike="noStrike">
+            <a:endParaRPr b="0" lang="en-US" sz="1800" spc="-1" strike="noStrike">
               <a:solidFill>
                 <a:srgbClr val="000000"/>
               </a:solidFill>
@@ -12884,7 +7685,7 @@
               </a:rPr>
               <a:t>And more.</a:t>
             </a:r>
-            <a:endParaRPr b="0" lang="en-GB" sz="1800" spc="-1" strike="noStrike">
+            <a:endParaRPr b="0" lang="en-US" sz="1800" spc="-1" strike="noStrike">
               <a:solidFill>
                 <a:srgbClr val="000000"/>
               </a:solidFill>
@@ -12925,14 +7726,14 @@
       </p:grpSpPr>
       <p:sp>
         <p:nvSpPr>
-          <p:cNvPr id="153" name="CustomShape 1"/>
+          <p:cNvPr id="45" name="CustomShape 1"/>
           <p:cNvSpPr/>
           <p:nvPr/>
         </p:nvSpPr>
         <p:spPr>
           <a:xfrm>
             <a:off x="335520" y="764640"/>
-            <a:ext cx="10746720" cy="497520"/>
+            <a:ext cx="10746360" cy="497160"/>
           </a:xfrm>
           <a:prstGeom prst="rect">
             <a:avLst/>
@@ -12971,7 +7772,7 @@
               </a:rPr>
               <a:t>Bluetooth</a:t>
             </a:r>
-            <a:endParaRPr b="0" lang="en-GB" sz="2400" spc="-1" strike="noStrike">
+            <a:endParaRPr b="0" lang="en-US" sz="2400" spc="-1" strike="noStrike">
               <a:solidFill>
                 <a:srgbClr val="000000"/>
               </a:solidFill>
@@ -12982,14 +7783,14 @@
       </p:sp>
       <p:sp>
         <p:nvSpPr>
-          <p:cNvPr id="154" name="CustomShape 2"/>
+          <p:cNvPr id="46" name="CustomShape 2"/>
           <p:cNvSpPr/>
           <p:nvPr/>
         </p:nvSpPr>
         <p:spPr>
           <a:xfrm>
             <a:off x="457200" y="1371600"/>
-            <a:ext cx="10784520" cy="4692240"/>
+            <a:ext cx="10784160" cy="4691880"/>
           </a:xfrm>
           <a:prstGeom prst="rect">
             <a:avLst/>
@@ -13028,7 +7829,7 @@
               </a:rPr>
               <a:t>Pros</a:t>
             </a:r>
-            <a:endParaRPr b="0" lang="en-GB" sz="1800" spc="-1" strike="noStrike">
+            <a:endParaRPr b="0" lang="en-US" sz="1800" spc="-1" strike="noStrike">
               <a:solidFill>
                 <a:srgbClr val="000000"/>
               </a:solidFill>
@@ -13060,7 +7861,7 @@
               </a:rPr>
               <a:t>Low power requirements</a:t>
             </a:r>
-            <a:endParaRPr b="0" lang="en-GB" sz="1800" spc="-1" strike="noStrike">
+            <a:endParaRPr b="0" lang="en-US" sz="1800" spc="-1" strike="noStrike">
               <a:solidFill>
                 <a:srgbClr val="000000"/>
               </a:solidFill>
@@ -13092,7 +7893,7 @@
               </a:rPr>
               <a:t>Resilient against interference</a:t>
             </a:r>
-            <a:endParaRPr b="0" lang="en-GB" sz="1800" spc="-1" strike="noStrike">
+            <a:endParaRPr b="0" lang="en-US" sz="1800" spc="-1" strike="noStrike">
               <a:solidFill>
                 <a:srgbClr val="000000"/>
               </a:solidFill>
@@ -13108,7 +7909,7 @@
                 <a:tab algn="l" pos="408240"/>
               </a:tabLst>
             </a:pPr>
-            <a:endParaRPr b="0" lang="en-GB" sz="1800" spc="-1" strike="noStrike">
+            <a:endParaRPr b="0" lang="en-US" sz="1800" spc="-1" strike="noStrike">
               <a:solidFill>
                 <a:srgbClr val="000000"/>
               </a:solidFill>
@@ -13134,7 +7935,7 @@
               </a:rPr>
               <a:t>Cons</a:t>
             </a:r>
-            <a:endParaRPr b="0" lang="en-GB" sz="1800" spc="-1" strike="noStrike">
+            <a:endParaRPr b="0" lang="en-US" sz="1800" spc="-1" strike="noStrike">
               <a:solidFill>
                 <a:srgbClr val="000000"/>
               </a:solidFill>
@@ -13166,7 +7967,7 @@
               </a:rPr>
               <a:t>Low bandwidth</a:t>
             </a:r>
-            <a:endParaRPr b="0" lang="en-GB" sz="1800" spc="-1" strike="noStrike">
+            <a:endParaRPr b="0" lang="en-US" sz="1800" spc="-1" strike="noStrike">
               <a:solidFill>
                 <a:srgbClr val="000000"/>
               </a:solidFill>
@@ -13198,7 +7999,7 @@
               </a:rPr>
               <a:t>Limited range</a:t>
             </a:r>
-            <a:endParaRPr b="0" lang="en-GB" sz="1800" spc="-1" strike="noStrike">
+            <a:endParaRPr b="0" lang="en-US" sz="1800" spc="-1" strike="noStrike">
               <a:solidFill>
                 <a:srgbClr val="000000"/>
               </a:solidFill>
@@ -13230,7 +8031,7 @@
               </a:rPr>
               <a:t>Limited number of participants in network</a:t>
             </a:r>
-            <a:endParaRPr b="0" lang="en-GB" sz="1800" spc="-1" strike="noStrike">
+            <a:endParaRPr b="0" lang="en-US" sz="1800" spc="-1" strike="noStrike">
               <a:solidFill>
                 <a:srgbClr val="000000"/>
               </a:solidFill>
@@ -13246,7 +8047,7 @@
                 <a:tab algn="l" pos="408240"/>
               </a:tabLst>
             </a:pPr>
-            <a:endParaRPr b="0" lang="en-GB" sz="1800" spc="-1" strike="noStrike">
+            <a:endParaRPr b="0" lang="en-US" sz="1800" spc="-1" strike="noStrike">
               <a:solidFill>
                 <a:srgbClr val="000000"/>
               </a:solidFill>
@@ -13272,7 +8073,7 @@
               </a:rPr>
               <a:t>Applications</a:t>
             </a:r>
-            <a:endParaRPr b="0" lang="en-GB" sz="1800" spc="-1" strike="noStrike">
+            <a:endParaRPr b="0" lang="en-US" sz="1800" spc="-1" strike="noStrike">
               <a:solidFill>
                 <a:srgbClr val="000000"/>
               </a:solidFill>
@@ -13304,7 +8105,7 @@
               </a:rPr>
               <a:t>Beacons</a:t>
             </a:r>
-            <a:endParaRPr b="0" lang="en-GB" sz="1800" spc="-1" strike="noStrike">
+            <a:endParaRPr b="0" lang="en-US" sz="1800" spc="-1" strike="noStrike">
               <a:solidFill>
                 <a:srgbClr val="000000"/>
               </a:solidFill>
@@ -13336,7 +8137,7 @@
               </a:rPr>
               <a:t>Fitness trackers, smart watches</a:t>
             </a:r>
-            <a:endParaRPr b="0" lang="en-GB" sz="1800" spc="-1" strike="noStrike">
+            <a:endParaRPr b="0" lang="en-US" sz="1800" spc="-1" strike="noStrike">
               <a:solidFill>
                 <a:srgbClr val="000000"/>
               </a:solidFill>
@@ -13368,7 +8169,7 @@
               </a:rPr>
               <a:t>Medical applications</a:t>
             </a:r>
-            <a:endParaRPr b="0" lang="en-GB" sz="1800" spc="-1" strike="noStrike">
+            <a:endParaRPr b="0" lang="en-US" sz="1800" spc="-1" strike="noStrike">
               <a:solidFill>
                 <a:srgbClr val="000000"/>
               </a:solidFill>
@@ -13400,7 +8201,7 @@
               </a:rPr>
               <a:t>Smart homes</a:t>
             </a:r>
-            <a:endParaRPr b="0" lang="en-GB" sz="1800" spc="-1" strike="noStrike">
+            <a:endParaRPr b="0" lang="en-US" sz="1800" spc="-1" strike="noStrike">
               <a:solidFill>
                 <a:srgbClr val="000000"/>
               </a:solidFill>
@@ -13432,7 +8233,7 @@
               </a:rPr>
               <a:t>Smart cars</a:t>
             </a:r>
-            <a:endParaRPr b="0" lang="en-GB" sz="1800" spc="-1" strike="noStrike">
+            <a:endParaRPr b="0" lang="en-US" sz="1800" spc="-1" strike="noStrike">
               <a:solidFill>
                 <a:srgbClr val="000000"/>
               </a:solidFill>
@@ -13464,7 +8265,7 @@
               </a:rPr>
               <a:t>Earbuds, headsets etc.</a:t>
             </a:r>
-            <a:endParaRPr b="0" lang="en-GB" sz="1800" spc="-1" strike="noStrike">
+            <a:endParaRPr b="0" lang="en-US" sz="1800" spc="-1" strike="noStrike">
               <a:solidFill>
                 <a:srgbClr val="000000"/>
               </a:solidFill>
@@ -13480,7 +8281,7 @@
                 <a:tab algn="l" pos="408240"/>
               </a:tabLst>
             </a:pPr>
-            <a:endParaRPr b="0" lang="en-GB" sz="1800" spc="-1" strike="noStrike">
+            <a:endParaRPr b="0" lang="en-US" sz="1800" spc="-1" strike="noStrike">
               <a:solidFill>
                 <a:srgbClr val="000000"/>
               </a:solidFill>
@@ -13506,7 +8307,7 @@
               </a:rPr>
               <a:t>Classes for different applications with different ranges/power usages.</a:t>
             </a:r>
-            <a:endParaRPr b="0" lang="en-GB" sz="1800" spc="-1" strike="noStrike">
+            <a:endParaRPr b="0" lang="en-US" sz="1800" spc="-1" strike="noStrike">
               <a:solidFill>
                 <a:srgbClr val="000000"/>
               </a:solidFill>
@@ -13547,14 +8348,14 @@
       </p:grpSpPr>
       <p:sp>
         <p:nvSpPr>
-          <p:cNvPr id="155" name="CustomShape 1"/>
+          <p:cNvPr id="47" name="CustomShape 1"/>
           <p:cNvSpPr/>
           <p:nvPr/>
         </p:nvSpPr>
         <p:spPr>
           <a:xfrm>
             <a:off x="335520" y="764640"/>
-            <a:ext cx="10746720" cy="497520"/>
+            <a:ext cx="10746360" cy="497160"/>
           </a:xfrm>
           <a:prstGeom prst="rect">
             <a:avLst/>
@@ -13593,7 +8394,7 @@
               </a:rPr>
               <a:t>Zigbee</a:t>
             </a:r>
-            <a:endParaRPr b="0" lang="en-GB" sz="2400" spc="-1" strike="noStrike">
+            <a:endParaRPr b="0" lang="en-US" sz="2400" spc="-1" strike="noStrike">
               <a:solidFill>
                 <a:srgbClr val="000000"/>
               </a:solidFill>
@@ -13604,14 +8405,14 @@
       </p:sp>
       <p:sp>
         <p:nvSpPr>
-          <p:cNvPr id="156" name="CustomShape 2"/>
+          <p:cNvPr id="48" name="CustomShape 2"/>
           <p:cNvSpPr/>
           <p:nvPr/>
         </p:nvSpPr>
         <p:spPr>
           <a:xfrm>
             <a:off x="457200" y="1371600"/>
-            <a:ext cx="10784520" cy="3412440"/>
+            <a:ext cx="10784160" cy="3412080"/>
           </a:xfrm>
           <a:prstGeom prst="rect">
             <a:avLst/>
@@ -13650,7 +8451,7 @@
               </a:rPr>
               <a:t>Pros</a:t>
             </a:r>
-            <a:endParaRPr b="0" lang="en-GB" sz="1800" spc="-1" strike="noStrike">
+            <a:endParaRPr b="0" lang="en-US" sz="1800" spc="-1" strike="noStrike">
               <a:solidFill>
                 <a:srgbClr val="000000"/>
               </a:solidFill>
@@ -13682,7 +8483,7 @@
               </a:rPr>
               <a:t>Low power requirements</a:t>
             </a:r>
-            <a:endParaRPr b="0" lang="en-GB" sz="1800" spc="-1" strike="noStrike">
+            <a:endParaRPr b="0" lang="en-US" sz="1800" spc="-1" strike="noStrike">
               <a:solidFill>
                 <a:srgbClr val="000000"/>
               </a:solidFill>
@@ -13714,7 +8515,7 @@
               </a:rPr>
               <a:t>Scales to large network sizes (~6500 nodes)</a:t>
             </a:r>
-            <a:endParaRPr b="0" lang="en-GB" sz="1800" spc="-1" strike="noStrike">
+            <a:endParaRPr b="0" lang="en-US" sz="1800" spc="-1" strike="noStrike">
               <a:solidFill>
                 <a:srgbClr val="000000"/>
               </a:solidFill>
@@ -13730,7 +8531,7 @@
                 <a:tab algn="l" pos="408240"/>
               </a:tabLst>
             </a:pPr>
-            <a:endParaRPr b="0" lang="en-GB" sz="1800" spc="-1" strike="noStrike">
+            <a:endParaRPr b="0" lang="en-US" sz="1800" spc="-1" strike="noStrike">
               <a:solidFill>
                 <a:srgbClr val="000000"/>
               </a:solidFill>
@@ -13756,7 +8557,7 @@
               </a:rPr>
               <a:t>Cons</a:t>
             </a:r>
-            <a:endParaRPr b="0" lang="en-GB" sz="1800" spc="-1" strike="noStrike">
+            <a:endParaRPr b="0" lang="en-US" sz="1800" spc="-1" strike="noStrike">
               <a:solidFill>
                 <a:srgbClr val="000000"/>
               </a:solidFill>
@@ -13788,7 +8589,7 @@
               </a:rPr>
               <a:t>Low range</a:t>
             </a:r>
-            <a:endParaRPr b="0" lang="en-GB" sz="1800" spc="-1" strike="noStrike">
+            <a:endParaRPr b="0" lang="en-US" sz="1800" spc="-1" strike="noStrike">
               <a:solidFill>
                 <a:srgbClr val="000000"/>
               </a:solidFill>
@@ -13820,7 +8621,7 @@
               </a:rPr>
               <a:t>Low bandwidth</a:t>
             </a:r>
-            <a:endParaRPr b="0" lang="en-GB" sz="1800" spc="-1" strike="noStrike">
+            <a:endParaRPr b="0" lang="en-US" sz="1800" spc="-1" strike="noStrike">
               <a:solidFill>
                 <a:srgbClr val="000000"/>
               </a:solidFill>
@@ -13852,7 +8653,7 @@
               </a:rPr>
               <a:t>Security issues (fixed, known fallback keys in at least one profile)</a:t>
             </a:r>
-            <a:endParaRPr b="0" lang="en-GB" sz="1800" spc="-1" strike="noStrike">
+            <a:endParaRPr b="0" lang="en-US" sz="1800" spc="-1" strike="noStrike">
               <a:solidFill>
                 <a:srgbClr val="000000"/>
               </a:solidFill>
@@ -13868,7 +8669,7 @@
                 <a:tab algn="l" pos="408240"/>
               </a:tabLst>
             </a:pPr>
-            <a:endParaRPr b="0" lang="en-GB" sz="1800" spc="-1" strike="noStrike">
+            <a:endParaRPr b="0" lang="en-US" sz="1800" spc="-1" strike="noStrike">
               <a:solidFill>
                 <a:srgbClr val="000000"/>
               </a:solidFill>
@@ -13894,7 +8695,7 @@
               </a:rPr>
               <a:t>Applications</a:t>
             </a:r>
-            <a:endParaRPr b="0" lang="en-GB" sz="1800" spc="-1" strike="noStrike">
+            <a:endParaRPr b="0" lang="en-US" sz="1800" spc="-1" strike="noStrike">
               <a:solidFill>
                 <a:srgbClr val="000000"/>
               </a:solidFill>
@@ -13926,7 +8727,7 @@
               </a:rPr>
               <a:t>Wireless sensor networks (WSN)</a:t>
             </a:r>
-            <a:endParaRPr b="0" lang="en-GB" sz="1800" spc="-1" strike="noStrike">
+            <a:endParaRPr b="0" lang="en-US" sz="1800" spc="-1" strike="noStrike">
               <a:solidFill>
                 <a:srgbClr val="000000"/>
               </a:solidFill>
@@ -13958,7 +8759,7 @@
               </a:rPr>
               <a:t>Industrial automation</a:t>
             </a:r>
-            <a:endParaRPr b="0" lang="en-GB" sz="1800" spc="-1" strike="noStrike">
+            <a:endParaRPr b="0" lang="en-US" sz="1800" spc="-1" strike="noStrike">
               <a:solidFill>
                 <a:srgbClr val="000000"/>
               </a:solidFill>
@@ -13990,7 +8791,7 @@
               </a:rPr>
               <a:t>Smart homes</a:t>
             </a:r>
-            <a:endParaRPr b="0" lang="en-GB" sz="1800" spc="-1" strike="noStrike">
+            <a:endParaRPr b="0" lang="en-US" sz="1800" spc="-1" strike="noStrike">
               <a:solidFill>
                 <a:srgbClr val="000000"/>
               </a:solidFill>
@@ -14013,7 +8814,7 @@
 </file>
 
 <file path=ppt/theme/theme1.xml><?xml version="1.0" encoding="utf-8"?>
-<a:theme xmlns:a="http://schemas.openxmlformats.org/drawingml/2006/main" name="Office Theme">
+<a:theme xmlns:a="http://schemas.openxmlformats.org/drawingml/2006/main" xmlns:r="http://schemas.openxmlformats.org/officeDocument/2006/relationships" name="Office Theme">
   <a:themeElements>
     <a:clrScheme name="Office">
       <a:dk1>
@@ -14055,90 +8856,74 @@
     </a:clrScheme>
     <a:fontScheme name="Office">
       <a:majorFont>
-        <a:latin typeface="Arial"/>
-        <a:ea typeface="DejaVu Sans"/>
-        <a:cs typeface="DejaVu Sans"/>
+        <a:latin typeface="Arial" pitchFamily="0" charset="1"/>
+        <a:ea typeface="DejaVu Sans" pitchFamily="0" charset="1"/>
+        <a:cs typeface="DejaVu Sans" pitchFamily="0" charset="1"/>
       </a:majorFont>
       <a:minorFont>
-        <a:latin typeface="Arial"/>
-        <a:ea typeface="DejaVu Sans"/>
-        <a:cs typeface="DejaVu Sans"/>
+        <a:latin typeface="Arial" pitchFamily="0" charset="1"/>
+        <a:ea typeface="DejaVu Sans" pitchFamily="0" charset="1"/>
+        <a:cs typeface="DejaVu Sans" pitchFamily="0" charset="1"/>
       </a:minorFont>
     </a:fontScheme>
-    <a:fmtScheme name="Office">
+    <a:fmtScheme>
       <a:fillStyleLst>
         <a:solidFill>
           <a:schemeClr val="phClr"/>
         </a:solidFill>
-        <a:gradFill rotWithShape="1">
+        <a:gradFill>
           <a:gsLst>
             <a:gs pos="0">
               <a:schemeClr val="phClr">
                 <a:tint val="50000"/>
-                <a:satMod val="300000"/>
               </a:schemeClr>
             </a:gs>
             <a:gs pos="35000">
               <a:schemeClr val="phClr">
                 <a:tint val="37000"/>
-                <a:satMod val="300000"/>
               </a:schemeClr>
             </a:gs>
             <a:gs pos="100000">
               <a:schemeClr val="phClr">
                 <a:tint val="15000"/>
-                <a:satMod val="350000"/>
               </a:schemeClr>
             </a:gs>
           </a:gsLst>
           <a:lin ang="16200000" scaled="1"/>
+          <a:tileRect l="0" t="0" r="0" b="0"/>
         </a:gradFill>
-        <a:gradFill rotWithShape="1">
+        <a:gradFill>
           <a:gsLst>
             <a:gs pos="0">
               <a:schemeClr val="phClr">
                 <a:shade val="51000"/>
-                <a:satMod val="130000"/>
               </a:schemeClr>
             </a:gs>
             <a:gs pos="80000">
               <a:schemeClr val="phClr">
                 <a:shade val="93000"/>
-                <a:satMod val="130000"/>
               </a:schemeClr>
             </a:gs>
             <a:gs pos="100000">
               <a:schemeClr val="phClr">
                 <a:shade val="94000"/>
-                <a:satMod val="135000"/>
               </a:schemeClr>
             </a:gs>
           </a:gsLst>
           <a:lin ang="16200000" scaled="0"/>
+          <a:tileRect l="0" t="0" r="0" b="0"/>
         </a:gradFill>
       </a:fillStyleLst>
       <a:lnStyleLst>
         <a:ln w="6350" cap="flat" cmpd="sng" algn="ctr">
-          <a:solidFill>
-            <a:schemeClr val="phClr">
-              <a:shade val="95000"/>
-              <a:satMod val="105000"/>
-            </a:schemeClr>
-          </a:solidFill>
           <a:prstDash val="solid"/>
           <a:miter/>
         </a:ln>
         <a:ln w="12700" cap="flat" cmpd="sng" algn="ctr">
-          <a:solidFill>
-            <a:schemeClr val="phClr"/>
-          </a:solidFill>
           <a:prstDash val="solid"/>
           <a:miter/>
         </a:ln>
         <a:ln w="19050" cap="flat" cmpd="sng" algn="ctr">
-          <a:solidFill>
-            <a:schemeClr val="phClr"/>
-          </a:solidFill>
           <a:prstDash val="solid"/>
           <a:miter/>
         </a:ln>
@@ -14151,63 +8936,54 @@
           <a:effectLst/>
         </a:effectStyle>
         <a:effectStyle>
-          <a:effectLst>
-            <a:outerShdw blurRad="40000" dist="23000" dir="5400000" rotWithShape="0">
-              <a:srgbClr val="000000">
-                <a:alpha val="35000"/>
-              </a:srgbClr>
-            </a:outerShdw>
-          </a:effectLst>
+          <a:effectLst/>
         </a:effectStyle>
       </a:effectStyleLst>
       <a:bgFillStyleLst>
         <a:solidFill>
           <a:schemeClr val="phClr"/>
         </a:solidFill>
-        <a:gradFill rotWithShape="1">
+        <a:gradFill>
           <a:gsLst>
             <a:gs pos="0">
               <a:schemeClr val="phClr">
                 <a:tint val="40000"/>
-                <a:satMod val="350000"/>
               </a:schemeClr>
             </a:gs>
             <a:gs pos="40000">
               <a:schemeClr val="phClr">
                 <a:tint val="45000"/>
                 <a:shade val="99000"/>
-                <a:satMod val="350000"/>
               </a:schemeClr>
             </a:gs>
             <a:gs pos="100000">
               <a:schemeClr val="phClr">
                 <a:shade val="20000"/>
-                <a:satMod val="255000"/>
               </a:schemeClr>
             </a:gs>
           </a:gsLst>
           <a:path path="circle">
             <a:fillToRect l="50000" t="-80000" r="50000" b="180000"/>
           </a:path>
+          <a:tileRect l="0" t="0" r="0" b="0"/>
         </a:gradFill>
-        <a:gradFill rotWithShape="1">
+        <a:gradFill>
           <a:gsLst>
             <a:gs pos="0">
               <a:schemeClr val="phClr">
                 <a:tint val="80000"/>
-                <a:satMod val="300000"/>
               </a:schemeClr>
             </a:gs>
             <a:gs pos="100000">
               <a:schemeClr val="phClr">
                 <a:shade val="30000"/>
-                <a:satMod val="200000"/>
               </a:schemeClr>
             </a:gs>
           </a:gsLst>
           <a:path path="circle">
             <a:fillToRect l="50000" t="50000" r="50000" b="50000"/>
           </a:path>
+          <a:tileRect l="0" t="0" r="0" b="0"/>
         </a:gradFill>
       </a:bgFillStyleLst>
     </a:fmtScheme>
@@ -14216,7 +8992,7 @@
 </file>
 
 <file path=ppt/theme/theme2.xml><?xml version="1.0" encoding="utf-8"?>
-<a:theme xmlns:a="http://schemas.openxmlformats.org/drawingml/2006/main" name="Office Theme">
+<a:theme xmlns:a="http://schemas.openxmlformats.org/drawingml/2006/main" xmlns:r="http://schemas.openxmlformats.org/officeDocument/2006/relationships" name="Office Theme">
   <a:themeElements>
     <a:clrScheme name="Office">
       <a:dk1>
@@ -14258,90 +9034,74 @@
     </a:clrScheme>
     <a:fontScheme name="Office">
       <a:majorFont>
-        <a:latin typeface="Arial"/>
-        <a:ea typeface="DejaVu Sans"/>
-        <a:cs typeface="DejaVu Sans"/>
+        <a:latin typeface="Arial" pitchFamily="0" charset="1"/>
+        <a:ea typeface="DejaVu Sans" pitchFamily="0" charset="1"/>
+        <a:cs typeface="DejaVu Sans" pitchFamily="0" charset="1"/>
       </a:majorFont>
       <a:minorFont>
-        <a:latin typeface="Arial"/>
-        <a:ea typeface="DejaVu Sans"/>
-        <a:cs typeface="DejaVu Sans"/>
+        <a:latin typeface="Arial" pitchFamily="0" charset="1"/>
+        <a:ea typeface="DejaVu Sans" pitchFamily="0" charset="1"/>
+        <a:cs typeface="DejaVu Sans" pitchFamily="0" charset="1"/>
       </a:minorFont>
     </a:fontScheme>
-    <a:fmtScheme name="Office">
+    <a:fmtScheme>
       <a:fillStyleLst>
         <a:solidFill>
           <a:schemeClr val="phClr"/>
         </a:solidFill>
-        <a:gradFill rotWithShape="1">
+        <a:gradFill>
           <a:gsLst>
             <a:gs pos="0">
               <a:schemeClr val="phClr">
                 <a:tint val="50000"/>
-                <a:satMod val="300000"/>
               </a:schemeClr>
             </a:gs>
             <a:gs pos="35000">
               <a:schemeClr val="phClr">
                 <a:tint val="37000"/>
-                <a:satMod val="300000"/>
               </a:schemeClr>
             </a:gs>
             <a:gs pos="100000">
               <a:schemeClr val="phClr">
                 <a:tint val="15000"/>
-                <a:satMod val="350000"/>
               </a:schemeClr>
             </a:gs>
           </a:gsLst>
           <a:lin ang="16200000" scaled="1"/>
+          <a:tileRect l="0" t="0" r="0" b="0"/>
         </a:gradFill>
-        <a:gradFill rotWithShape="1">
+        <a:gradFill>
           <a:gsLst>
             <a:gs pos="0">
               <a:schemeClr val="phClr">
                 <a:shade val="51000"/>
-                <a:satMod val="130000"/>
               </a:schemeClr>
             </a:gs>
             <a:gs pos="80000">
               <a:schemeClr val="phClr">
                 <a:shade val="93000"/>
-                <a:satMod val="130000"/>
               </a:schemeClr>
             </a:gs>
             <a:gs pos="100000">
               <a:schemeClr val="phClr">
                 <a:shade val="94000"/>
-                <a:satMod val="135000"/>
               </a:schemeClr>
             </a:gs>
           </a:gsLst>
           <a:lin ang="16200000" scaled="0"/>
+          <a:tileRect l="0" t="0" r="0" b="0"/>
         </a:gradFill>
       </a:fillStyleLst>
       <a:lnStyleLst>
         <a:ln w="6350" cap="flat" cmpd="sng" algn="ctr">
-          <a:solidFill>
-            <a:schemeClr val="phClr">
-              <a:shade val="95000"/>
-              <a:satMod val="105000"/>
-            </a:schemeClr>
-          </a:solidFill>
           <a:prstDash val="solid"/>
           <a:miter/>
         </a:ln>
         <a:ln w="12700" cap="flat" cmpd="sng" algn="ctr">
-          <a:solidFill>
-            <a:schemeClr val="phClr"/>
-          </a:solidFill>
           <a:prstDash val="solid"/>
           <a:miter/>
         </a:ln>
         <a:ln w="19050" cap="flat" cmpd="sng" algn="ctr">
-          <a:solidFill>
-            <a:schemeClr val="phClr"/>
-          </a:solidFill>
           <a:prstDash val="solid"/>
           <a:miter/>
         </a:ln>
@@ -14354,63 +9114,54 @@
           <a:effectLst/>
         </a:effectStyle>
         <a:effectStyle>
-          <a:effectLst>
-            <a:outerShdw blurRad="40000" dist="23000" dir="5400000" rotWithShape="0">
-              <a:srgbClr val="000000">
-                <a:alpha val="35000"/>
-              </a:srgbClr>
-            </a:outerShdw>
-          </a:effectLst>
+          <a:effectLst/>
         </a:effectStyle>
       </a:effectStyleLst>
       <a:bgFillStyleLst>
         <a:solidFill>
           <a:schemeClr val="phClr"/>
         </a:solidFill>
-        <a:gradFill rotWithShape="1">
+        <a:gradFill>
           <a:gsLst>
             <a:gs pos="0">
               <a:schemeClr val="phClr">
                 <a:tint val="40000"/>
-                <a:satMod val="350000"/>
               </a:schemeClr>
             </a:gs>
             <a:gs pos="40000">
               <a:schemeClr val="phClr">
                 <a:tint val="45000"/>
                 <a:shade val="99000"/>
-                <a:satMod val="350000"/>
               </a:schemeClr>
             </a:gs>
             <a:gs pos="100000">
               <a:schemeClr val="phClr">
                 <a:shade val="20000"/>
-                <a:satMod val="255000"/>
               </a:schemeClr>
             </a:gs>
           </a:gsLst>
           <a:path path="circle">
             <a:fillToRect l="50000" t="-80000" r="50000" b="180000"/>
           </a:path>
+          <a:tileRect l="0" t="0" r="0" b="0"/>
         </a:gradFill>
-        <a:gradFill rotWithShape="1">
+        <a:gradFill>
           <a:gsLst>
             <a:gs pos="0">
               <a:schemeClr val="phClr">
                 <a:tint val="80000"/>
-                <a:satMod val="300000"/>
               </a:schemeClr>
             </a:gs>
             <a:gs pos="100000">
               <a:schemeClr val="phClr">
                 <a:shade val="30000"/>
-                <a:satMod val="200000"/>
               </a:schemeClr>
             </a:gs>
           </a:gsLst>
           <a:path path="circle">
             <a:fillToRect l="50000" t="50000" r="50000" b="50000"/>
           </a:path>
+          <a:tileRect l="0" t="0" r="0" b="0"/>
         </a:gradFill>
       </a:bgFillStyleLst>
     </a:fmtScheme>
@@ -14419,7 +9170,7 @@
 </file>
 
 <file path=ppt/theme/theme3.xml><?xml version="1.0" encoding="utf-8"?>
-<a:theme xmlns:a="http://schemas.openxmlformats.org/drawingml/2006/main" name="Office Theme">
+<a:theme xmlns:a="http://schemas.openxmlformats.org/drawingml/2006/main" xmlns:r="http://schemas.openxmlformats.org/officeDocument/2006/relationships" name="Office Theme">
   <a:themeElements>
     <a:clrScheme name="Office">
       <a:dk1>
@@ -14461,90 +9212,74 @@
     </a:clrScheme>
     <a:fontScheme name="Office">
       <a:majorFont>
-        <a:latin typeface="Arial"/>
-        <a:ea typeface="DejaVu Sans"/>
-        <a:cs typeface="DejaVu Sans"/>
+        <a:latin typeface="Arial" pitchFamily="0" charset="1"/>
+        <a:ea typeface="DejaVu Sans" pitchFamily="0" charset="1"/>
+        <a:cs typeface="DejaVu Sans" pitchFamily="0" charset="1"/>
       </a:majorFont>
       <a:minorFont>
-        <a:latin typeface="Arial"/>
-        <a:ea typeface="DejaVu Sans"/>
-        <a:cs typeface="DejaVu Sans"/>
+        <a:latin typeface="Arial" pitchFamily="0" charset="1"/>
+        <a:ea typeface="DejaVu Sans" pitchFamily="0" charset="1"/>
+        <a:cs typeface="DejaVu Sans" pitchFamily="0" charset="1"/>
       </a:minorFont>
     </a:fontScheme>
-    <a:fmtScheme name="Office">
+    <a:fmtScheme>
       <a:fillStyleLst>
         <a:solidFill>
           <a:schemeClr val="phClr"/>
         </a:solidFill>
-        <a:gradFill rotWithShape="1">
+        <a:gradFill>
           <a:gsLst>
             <a:gs pos="0">
               <a:schemeClr val="phClr">
                 <a:tint val="50000"/>
-                <a:satMod val="300000"/>
               </a:schemeClr>
             </a:gs>
             <a:gs pos="35000">
               <a:schemeClr val="phClr">
                 <a:tint val="37000"/>
-                <a:satMod val="300000"/>
               </a:schemeClr>
             </a:gs>
             <a:gs pos="100000">
               <a:schemeClr val="phClr">
                 <a:tint val="15000"/>
-                <a:satMod val="350000"/>
               </a:schemeClr>
             </a:gs>
           </a:gsLst>
           <a:lin ang="16200000" scaled="1"/>
+          <a:tileRect l="0" t="0" r="0" b="0"/>
         </a:gradFill>
-        <a:gradFill rotWithShape="1">
+        <a:gradFill>
           <a:gsLst>
             <a:gs pos="0">
               <a:schemeClr val="phClr">
                 <a:shade val="51000"/>
-                <a:satMod val="130000"/>
               </a:schemeClr>
             </a:gs>
             <a:gs pos="80000">
               <a:schemeClr val="phClr">
                 <a:shade val="93000"/>
-                <a:satMod val="130000"/>
               </a:schemeClr>
             </a:gs>
             <a:gs pos="100000">
               <a:schemeClr val="phClr">
                 <a:shade val="94000"/>
-                <a:satMod val="135000"/>
               </a:schemeClr>
             </a:gs>
           </a:gsLst>
           <a:lin ang="16200000" scaled="0"/>
+          <a:tileRect l="0" t="0" r="0" b="0"/>
         </a:gradFill>
       </a:fillStyleLst>
       <a:lnStyleLst>
         <a:ln w="6350" cap="flat" cmpd="sng" algn="ctr">
-          <a:solidFill>
-            <a:schemeClr val="phClr">
-              <a:shade val="95000"/>
-              <a:satMod val="105000"/>
-            </a:schemeClr>
-          </a:solidFill>
           <a:prstDash val="solid"/>
           <a:miter/>
         </a:ln>
         <a:ln w="12700" cap="flat" cmpd="sng" algn="ctr">
-          <a:solidFill>
-            <a:schemeClr val="phClr"/>
-          </a:solidFill>
           <a:prstDash val="solid"/>
           <a:miter/>
         </a:ln>
         <a:ln w="19050" cap="flat" cmpd="sng" algn="ctr">
-          <a:solidFill>
-            <a:schemeClr val="phClr"/>
-          </a:solidFill>
           <a:prstDash val="solid"/>
           <a:miter/>
         </a:ln>
@@ -14557,63 +9292,54 @@
           <a:effectLst/>
         </a:effectStyle>
         <a:effectStyle>
-          <a:effectLst>
-            <a:outerShdw blurRad="40000" dist="23000" dir="5400000" rotWithShape="0">
-              <a:srgbClr val="000000">
-                <a:alpha val="35000"/>
-              </a:srgbClr>
-            </a:outerShdw>
-          </a:effectLst>
+          <a:effectLst/>
         </a:effectStyle>
       </a:effectStyleLst>
       <a:bgFillStyleLst>
         <a:solidFill>
           <a:schemeClr val="phClr"/>
         </a:solidFill>
-        <a:gradFill rotWithShape="1">
+        <a:gradFill>
           <a:gsLst>
             <a:gs pos="0">
               <a:schemeClr val="phClr">
                 <a:tint val="40000"/>
-                <a:satMod val="350000"/>
               </a:schemeClr>
             </a:gs>
             <a:gs pos="40000">
               <a:schemeClr val="phClr">
                 <a:tint val="45000"/>
                 <a:shade val="99000"/>
-                <a:satMod val="350000"/>
               </a:schemeClr>
             </a:gs>
             <a:gs pos="100000">
               <a:schemeClr val="phClr">
                 <a:shade val="20000"/>
-                <a:satMod val="255000"/>
               </a:schemeClr>
             </a:gs>
           </a:gsLst>
           <a:path path="circle">
             <a:fillToRect l="50000" t="-80000" r="50000" b="180000"/>
           </a:path>
+          <a:tileRect l="0" t="0" r="0" b="0"/>
         </a:gradFill>
-        <a:gradFill rotWithShape="1">
+        <a:gradFill>
           <a:gsLst>
             <a:gs pos="0">
               <a:schemeClr val="phClr">
                 <a:tint val="80000"/>
-                <a:satMod val="300000"/>
               </a:schemeClr>
             </a:gs>
             <a:gs pos="100000">
               <a:schemeClr val="phClr">
                 <a:shade val="30000"/>
-                <a:satMod val="200000"/>
               </a:schemeClr>
             </a:gs>
           </a:gsLst>
           <a:path path="circle">
             <a:fillToRect l="50000" t="50000" r="50000" b="50000"/>
           </a:path>
+          <a:tileRect l="0" t="0" r="0" b="0"/>
         </a:gradFill>
       </a:bgFillStyleLst>
     </a:fmtScheme>

--- a/Emerging-Technologies-for-the-Circular-Economy/ETCE-L05a-IoT-Communications.pptx
+++ b/Emerging-Technologies-for-the-Circular-Economy/ETCE-L05a-IoT-Communications.pptx
@@ -5,32 +5,34 @@
     <p:sldMasterId id="2147483648" r:id="rId2"/>
     <p:sldMasterId id="2147483650" r:id="rId3"/>
     <p:sldMasterId id="2147483652" r:id="rId4"/>
+    <p:sldMasterId id="2147483654" r:id="rId5"/>
   </p:sldMasterIdLst>
   <p:sldIdLst>
-    <p:sldId id="256" r:id="rId5"/>
-    <p:sldId id="257" r:id="rId6"/>
-    <p:sldId id="258" r:id="rId7"/>
-    <p:sldId id="259" r:id="rId8"/>
-    <p:sldId id="260" r:id="rId9"/>
-    <p:sldId id="261" r:id="rId10"/>
-    <p:sldId id="262" r:id="rId11"/>
-    <p:sldId id="263" r:id="rId12"/>
-    <p:sldId id="264" r:id="rId13"/>
-    <p:sldId id="265" r:id="rId14"/>
-    <p:sldId id="266" r:id="rId15"/>
-    <p:sldId id="267" r:id="rId16"/>
-    <p:sldId id="268" r:id="rId17"/>
-    <p:sldId id="269" r:id="rId18"/>
-    <p:sldId id="270" r:id="rId19"/>
-    <p:sldId id="271" r:id="rId20"/>
-    <p:sldId id="272" r:id="rId21"/>
-    <p:sldId id="273" r:id="rId22"/>
-    <p:sldId id="274" r:id="rId23"/>
-    <p:sldId id="275" r:id="rId24"/>
-    <p:sldId id="276" r:id="rId25"/>
+    <p:sldId id="256" r:id="rId6"/>
+    <p:sldId id="257" r:id="rId7"/>
+    <p:sldId id="258" r:id="rId8"/>
+    <p:sldId id="259" r:id="rId9"/>
+    <p:sldId id="260" r:id="rId10"/>
+    <p:sldId id="261" r:id="rId11"/>
+    <p:sldId id="262" r:id="rId12"/>
+    <p:sldId id="263" r:id="rId13"/>
+    <p:sldId id="264" r:id="rId14"/>
+    <p:sldId id="265" r:id="rId15"/>
+    <p:sldId id="266" r:id="rId16"/>
+    <p:sldId id="267" r:id="rId17"/>
+    <p:sldId id="268" r:id="rId18"/>
+    <p:sldId id="269" r:id="rId19"/>
+    <p:sldId id="270" r:id="rId20"/>
+    <p:sldId id="271" r:id="rId21"/>
+    <p:sldId id="272" r:id="rId22"/>
+    <p:sldId id="273" r:id="rId23"/>
+    <p:sldId id="274" r:id="rId24"/>
+    <p:sldId id="275" r:id="rId25"/>
+    <p:sldId id="276" r:id="rId26"/>
+    <p:sldId id="277" r:id="rId27"/>
   </p:sldIdLst>
   <p:sldSz cx="12192000" cy="6858000"/>
-  <p:notesSz cx="7559675" cy="10691813"/>
+  <p:notesSz cx="7772400" cy="10058400"/>
 </p:presentation>
 </file>
 
@@ -100,6 +102,28 @@
 </p:sldLayout>
 </file>
 
+<file path=ppt/slideLayouts/slideLayout4.xml><?xml version="1.0" encoding="utf-8"?>
+<p:sldLayout xmlns:a="http://schemas.openxmlformats.org/drawingml/2006/main" xmlns:p="http://schemas.openxmlformats.org/presentationml/2006/main" xmlns:r="http://schemas.openxmlformats.org/officeDocument/2006/relationships" xmlns:p14="http://schemas.microsoft.com/office/powerpoint/2010/main" xmlns:p15="http://schemas.microsoft.com/office/powerpoint/2012/main" xmlns:mc="http://schemas.openxmlformats.org/markup-compatibility/2006" type="blank" preserve="1">
+  <p:cSld name="Default 6_">
+    <p:spTree>
+      <p:nvGrpSpPr>
+        <p:cNvPr id="1" name=""/>
+        <p:cNvGrpSpPr/>
+        <p:nvPr/>
+      </p:nvGrpSpPr>
+      <p:grpSpPr>
+        <a:xfrm>
+          <a:off x="0" y="0"/>
+          <a:ext cx="0" cy="0"/>
+          <a:chOff x="0" y="0"/>
+          <a:chExt cx="0" cy="0"/>
+        </a:xfrm>
+      </p:grpSpPr>
+    </p:spTree>
+  </p:cSld>
+</p:sldLayout>
+</file>
+
 <file path=ppt/slideMasters/slideMaster1.xml><?xml version="1.0" encoding="utf-8"?>
 <p:sldMaster xmlns:a="http://schemas.openxmlformats.org/drawingml/2006/main" xmlns:p="http://schemas.openxmlformats.org/presentationml/2006/main" xmlns:r="http://schemas.openxmlformats.org/officeDocument/2006/relationships" xmlns:p14="http://schemas.microsoft.com/office/powerpoint/2010/main" xmlns:p15="http://schemas.microsoft.com/office/powerpoint/2012/main" xmlns:mc="http://schemas.openxmlformats.org/markup-compatibility/2006">
   <p:cSld>
@@ -133,7 +157,7 @@
         <p:spPr>
           <a:xfrm>
             <a:off x="11444760" y="0"/>
-            <a:ext cx="742320" cy="6851160"/>
+            <a:ext cx="741960" cy="6850800"/>
           </a:xfrm>
           <a:prstGeom prst="rect">
             <a:avLst/>
@@ -182,7 +206,7 @@
         <p:spPr>
           <a:xfrm>
             <a:off x="11438640" y="6453360"/>
-            <a:ext cx="759240" cy="363960"/>
+            <a:ext cx="758880" cy="363960"/>
           </a:xfrm>
           <a:prstGeom prst="rect">
             <a:avLst/>
@@ -211,7 +235,7 @@
                 <a:tab algn="l" pos="408240"/>
               </a:tabLst>
             </a:pPr>
-            <a:fld id="{5DF19F0E-47CB-4BD9-9145-40932396634D}" type="slidenum">
+            <a:fld id="{9017DD4C-C013-4FBE-BE17-11CD0A9273BD}" type="slidenum">
               <a:rPr b="0" lang="en-US" sz="1800" spc="-1" strike="noStrike">
                 <a:solidFill>
                   <a:srgbClr val="808080"/>
@@ -239,7 +263,7 @@
         <p:spPr>
           <a:xfrm>
             <a:off x="912240" y="1268280"/>
-            <a:ext cx="9209160" cy="362520"/>
+            <a:ext cx="9208800" cy="362160"/>
           </a:xfrm>
           <a:prstGeom prst="rect">
             <a:avLst/>
@@ -288,7 +312,7 @@
         <p:spPr>
           <a:xfrm>
             <a:off x="0" y="0"/>
-            <a:ext cx="3053160" cy="563040"/>
+            <a:ext cx="3052800" cy="562680"/>
           </a:xfrm>
           <a:prstGeom prst="rect">
             <a:avLst/>
@@ -311,7 +335,7 @@
         <p:spPr>
           <a:xfrm>
             <a:off x="7430400" y="134640"/>
-            <a:ext cx="3699000" cy="515160"/>
+            <a:ext cx="3698640" cy="514800"/>
           </a:xfrm>
           <a:prstGeom prst="rect">
             <a:avLst/>
@@ -330,7 +354,7 @@
         <p:spPr>
           <a:xfrm>
             <a:off x="912240" y="1268280"/>
-            <a:ext cx="9209160" cy="362520"/>
+            <a:ext cx="9208800" cy="362160"/>
           </a:xfrm>
           <a:prstGeom prst="rect">
             <a:avLst/>
@@ -375,7 +399,7 @@
         <p:spPr>
           <a:xfrm>
             <a:off x="11444760" y="0"/>
-            <a:ext cx="742320" cy="6851160"/>
+            <a:ext cx="741960" cy="6850800"/>
           </a:xfrm>
           <a:prstGeom prst="rect">
             <a:avLst/>
@@ -424,7 +448,7 @@
         <p:spPr>
           <a:xfrm>
             <a:off x="0" y="6642720"/>
-            <a:ext cx="12183840" cy="211320"/>
+            <a:ext cx="12183480" cy="211320"/>
           </a:xfrm>
           <a:prstGeom prst="rect">
             <a:avLst/>
@@ -567,16 +591,7 @@
                 </a:solidFill>
                 <a:latin typeface="Arial"/>
               </a:rPr>
-              <a:t>Click to edit the outline </a:t>
-            </a:r>
-            <a:r>
-              <a:rPr b="0" lang="en-US" sz="3200" spc="-1" strike="noStrike">
-                <a:solidFill>
-                  <a:srgbClr val="000000"/>
-                </a:solidFill>
-                <a:latin typeface="Arial"/>
-              </a:rPr>
-              <a:t>text format</a:t>
+              <a:t>Click to edit the outline text format</a:t>
             </a:r>
             <a:endParaRPr b="0" lang="en-US" sz="3200" spc="-1" strike="noStrike">
               <a:solidFill>
@@ -744,16 +759,7 @@
                 </a:solidFill>
                 <a:latin typeface="Arial"/>
               </a:rPr>
-              <a:t>Seventh Outline </a:t>
-            </a:r>
-            <a:r>
-              <a:rPr b="0" lang="en-US" sz="2000" spc="-1" strike="noStrike">
-                <a:solidFill>
-                  <a:srgbClr val="000000"/>
-                </a:solidFill>
-                <a:latin typeface="Arial"/>
-              </a:rPr>
-              <a:t>Level</a:t>
+              <a:t>Seventh Outline Level</a:t>
             </a:r>
             <a:endParaRPr b="0" lang="en-US" sz="2000" spc="-1" strike="noStrike">
               <a:solidFill>
@@ -806,7 +812,7 @@
         <p:spPr>
           <a:xfrm>
             <a:off x="11444760" y="0"/>
-            <a:ext cx="742320" cy="6851160"/>
+            <a:ext cx="741960" cy="6850800"/>
           </a:xfrm>
           <a:prstGeom prst="rect">
             <a:avLst/>
@@ -855,7 +861,7 @@
         <p:spPr>
           <a:xfrm>
             <a:off x="11438640" y="6453360"/>
-            <a:ext cx="759240" cy="363960"/>
+            <a:ext cx="758880" cy="363960"/>
           </a:xfrm>
           <a:prstGeom prst="rect">
             <a:avLst/>
@@ -884,7 +890,7 @@
                 <a:tab algn="l" pos="408240"/>
               </a:tabLst>
             </a:pPr>
-            <a:fld id="{57DBB411-7069-4CB9-9AC6-B3B2624A8939}" type="slidenum">
+            <a:fld id="{6E5C9AE7-7917-49B8-A24C-7CBEB5D33F68}" type="slidenum">
               <a:rPr b="0" lang="en-US" sz="1800" spc="-1" strike="noStrike">
                 <a:solidFill>
                   <a:srgbClr val="808080"/>
@@ -912,7 +918,7 @@
         <p:spPr>
           <a:xfrm>
             <a:off x="912240" y="1268280"/>
-            <a:ext cx="9209160" cy="362520"/>
+            <a:ext cx="9208800" cy="362160"/>
           </a:xfrm>
           <a:prstGeom prst="rect">
             <a:avLst/>
@@ -961,7 +967,7 @@
         <p:spPr>
           <a:xfrm>
             <a:off x="0" y="0"/>
-            <a:ext cx="3053160" cy="563040"/>
+            <a:ext cx="3052800" cy="562680"/>
           </a:xfrm>
           <a:prstGeom prst="rect">
             <a:avLst/>
@@ -984,7 +990,7 @@
         <p:spPr>
           <a:xfrm>
             <a:off x="7430400" y="134640"/>
-            <a:ext cx="3699000" cy="515160"/>
+            <a:ext cx="3698640" cy="514800"/>
           </a:xfrm>
           <a:prstGeom prst="rect">
             <a:avLst/>
@@ -1003,7 +1009,7 @@
         <p:spPr>
           <a:xfrm>
             <a:off x="11444760" y="0"/>
-            <a:ext cx="742320" cy="6851160"/>
+            <a:ext cx="741960" cy="6850800"/>
           </a:xfrm>
           <a:prstGeom prst="rect">
             <a:avLst/>
@@ -1052,7 +1058,7 @@
         <p:spPr>
           <a:xfrm>
             <a:off x="11438640" y="6453360"/>
-            <a:ext cx="759240" cy="363960"/>
+            <a:ext cx="758880" cy="363960"/>
           </a:xfrm>
           <a:prstGeom prst="rect">
             <a:avLst/>
@@ -1081,7 +1087,7 @@
                 <a:tab algn="l" pos="408240"/>
               </a:tabLst>
             </a:pPr>
-            <a:fld id="{3BD001A6-E8E6-45D7-BBA4-0E6E75DE3411}" type="slidenum">
+            <a:fld id="{A28B153A-8936-4BB2-942D-9D5650BC2B2F}" type="slidenum">
               <a:rPr b="0" lang="en-US" sz="1800" spc="-1" strike="noStrike">
                 <a:solidFill>
                   <a:srgbClr val="808080"/>
@@ -1109,7 +1115,7 @@
         <p:spPr>
           <a:xfrm>
             <a:off x="0" y="6642720"/>
-            <a:ext cx="12183840" cy="211320"/>
+            <a:ext cx="12183480" cy="211320"/>
           </a:xfrm>
           <a:prstGeom prst="rect">
             <a:avLst/>
@@ -1252,16 +1258,7 @@
                 </a:solidFill>
                 <a:latin typeface="Arial"/>
               </a:rPr>
-              <a:t>Click to edit the outline </a:t>
-            </a:r>
-            <a:r>
-              <a:rPr b="0" lang="en-US" sz="3200" spc="-1" strike="noStrike">
-                <a:solidFill>
-                  <a:srgbClr val="000000"/>
-                </a:solidFill>
-                <a:latin typeface="Arial"/>
-              </a:rPr>
-              <a:t>text format</a:t>
+              <a:t>Click to edit the outline text format</a:t>
             </a:r>
             <a:endParaRPr b="0" lang="en-US" sz="3200" spc="-1" strike="noStrike">
               <a:solidFill>
@@ -1401,16 +1398,7 @@
                 </a:solidFill>
                 <a:latin typeface="Arial"/>
               </a:rPr>
-              <a:t>Sixth Outline </a:t>
-            </a:r>
-            <a:r>
-              <a:rPr b="0" lang="en-US" sz="2000" spc="-1" strike="noStrike">
-                <a:solidFill>
-                  <a:srgbClr val="000000"/>
-                </a:solidFill>
-                <a:latin typeface="Arial"/>
-              </a:rPr>
-              <a:t>Level</a:t>
+              <a:t>Sixth Outline Level</a:t>
             </a:r>
             <a:endParaRPr b="0" lang="en-US" sz="2000" spc="-1" strike="noStrike">
               <a:solidFill>
@@ -1438,34 +1426,7 @@
                 </a:solidFill>
                 <a:latin typeface="Arial"/>
               </a:rPr>
-              <a:t>Sevent</a:t>
-            </a:r>
-            <a:r>
-              <a:rPr b="0" lang="en-US" sz="2000" spc="-1" strike="noStrike">
-                <a:solidFill>
-                  <a:srgbClr val="000000"/>
-                </a:solidFill>
-                <a:latin typeface="Arial"/>
-              </a:rPr>
-              <a:t>h </a:t>
-            </a:r>
-            <a:r>
-              <a:rPr b="0" lang="en-US" sz="2000" spc="-1" strike="noStrike">
-                <a:solidFill>
-                  <a:srgbClr val="000000"/>
-                </a:solidFill>
-                <a:latin typeface="Arial"/>
-              </a:rPr>
-              <a:t>Outline </a:t>
-            </a:r>
-            <a:r>
-              <a:rPr b="0" lang="en-US" sz="2000" spc="-1" strike="noStrike">
-                <a:solidFill>
-                  <a:srgbClr val="000000"/>
-                </a:solidFill>
-                <a:latin typeface="Arial"/>
-              </a:rPr>
-              <a:t>Level</a:t>
+              <a:t>Seventh Outline Level</a:t>
             </a:r>
             <a:endParaRPr b="0" lang="en-US" sz="2000" spc="-1" strike="noStrike">
               <a:solidFill>
@@ -1518,7 +1479,7 @@
         <p:spPr>
           <a:xfrm>
             <a:off x="11444760" y="0"/>
-            <a:ext cx="742320" cy="6851160"/>
+            <a:ext cx="741960" cy="6850800"/>
           </a:xfrm>
           <a:prstGeom prst="rect">
             <a:avLst/>
@@ -1567,7 +1528,7 @@
         <p:spPr>
           <a:xfrm>
             <a:off x="11438640" y="6453360"/>
-            <a:ext cx="759240" cy="363960"/>
+            <a:ext cx="758880" cy="363960"/>
           </a:xfrm>
           <a:prstGeom prst="rect">
             <a:avLst/>
@@ -1596,7 +1557,7 @@
                 <a:tab algn="l" pos="408240"/>
               </a:tabLst>
             </a:pPr>
-            <a:fld id="{83ACA4E2-32A2-4E36-A578-0E5685F5CA87}" type="slidenum">
+            <a:fld id="{259F5FA3-5B79-4402-8750-423DC1650048}" type="slidenum">
               <a:rPr b="0" lang="en-US" sz="1800" spc="-1" strike="noStrike">
                 <a:solidFill>
                   <a:srgbClr val="808080"/>
@@ -1624,7 +1585,7 @@
         <p:spPr>
           <a:xfrm>
             <a:off x="912240" y="1268280"/>
-            <a:ext cx="9209160" cy="362520"/>
+            <a:ext cx="9208800" cy="362160"/>
           </a:xfrm>
           <a:prstGeom prst="rect">
             <a:avLst/>
@@ -1673,7 +1634,7 @@
         <p:spPr>
           <a:xfrm>
             <a:off x="0" y="0"/>
-            <a:ext cx="3053160" cy="563040"/>
+            <a:ext cx="3052800" cy="562680"/>
           </a:xfrm>
           <a:prstGeom prst="rect">
             <a:avLst/>
@@ -1696,7 +1657,7 @@
         <p:spPr>
           <a:xfrm>
             <a:off x="7430400" y="134640"/>
-            <a:ext cx="3699000" cy="515160"/>
+            <a:ext cx="3698640" cy="514800"/>
           </a:xfrm>
           <a:prstGeom prst="rect">
             <a:avLst/>
@@ -1715,7 +1676,7 @@
         <p:spPr>
           <a:xfrm>
             <a:off x="11444760" y="0"/>
-            <a:ext cx="742320" cy="6851160"/>
+            <a:ext cx="741960" cy="6850800"/>
           </a:xfrm>
           <a:prstGeom prst="rect">
             <a:avLst/>
@@ -1764,7 +1725,7 @@
         <p:spPr>
           <a:xfrm>
             <a:off x="11438640" y="6453360"/>
-            <a:ext cx="759240" cy="363960"/>
+            <a:ext cx="758880" cy="363960"/>
           </a:xfrm>
           <a:prstGeom prst="rect">
             <a:avLst/>
@@ -1793,7 +1754,7 @@
                 <a:tab algn="l" pos="408240"/>
               </a:tabLst>
             </a:pPr>
-            <a:fld id="{D25ACABC-183C-43B6-A071-044E5C53DD9F}" type="slidenum">
+            <a:fld id="{BCD1620D-B5CB-45C9-9CD6-8B0892D8C760}" type="slidenum">
               <a:rPr b="0" lang="en-US" sz="1800" spc="-1" strike="noStrike">
                 <a:solidFill>
                   <a:srgbClr val="808080"/>
@@ -1821,7 +1782,7 @@
         <p:spPr>
           <a:xfrm>
             <a:off x="0" y="6642720"/>
-            <a:ext cx="12183840" cy="211320"/>
+            <a:ext cx="12183480" cy="211320"/>
           </a:xfrm>
           <a:prstGeom prst="rect">
             <a:avLst/>
@@ -1964,16 +1925,7 @@
                 </a:solidFill>
                 <a:latin typeface="Arial"/>
               </a:rPr>
-              <a:t>Click to edit the outline </a:t>
-            </a:r>
-            <a:r>
-              <a:rPr b="0" lang="en-US" sz="3200" spc="-1" strike="noStrike">
-                <a:solidFill>
-                  <a:srgbClr val="000000"/>
-                </a:solidFill>
-                <a:latin typeface="Arial"/>
-              </a:rPr>
-              <a:t>text format</a:t>
+              <a:t>Click to edit the outline text format</a:t>
             </a:r>
             <a:endParaRPr b="0" lang="en-US" sz="3200" spc="-1" strike="noStrike">
               <a:solidFill>
@@ -2113,16 +2065,7 @@
                 </a:solidFill>
                 <a:latin typeface="Arial"/>
               </a:rPr>
-              <a:t>Sixth Outline </a:t>
-            </a:r>
-            <a:r>
-              <a:rPr b="0" lang="en-US" sz="2000" spc="-1" strike="noStrike">
-                <a:solidFill>
-                  <a:srgbClr val="000000"/>
-                </a:solidFill>
-                <a:latin typeface="Arial"/>
-              </a:rPr>
-              <a:t>Level</a:t>
+              <a:t>Sixth Outline Level</a:t>
             </a:r>
             <a:endParaRPr b="0" lang="en-US" sz="2000" spc="-1" strike="noStrike">
               <a:solidFill>
@@ -2150,34 +2093,7 @@
                 </a:solidFill>
                 <a:latin typeface="Arial"/>
               </a:rPr>
-              <a:t>Sevent</a:t>
-            </a:r>
-            <a:r>
-              <a:rPr b="0" lang="en-US" sz="2000" spc="-1" strike="noStrike">
-                <a:solidFill>
-                  <a:srgbClr val="000000"/>
-                </a:solidFill>
-                <a:latin typeface="Arial"/>
-              </a:rPr>
-              <a:t>h </a:t>
-            </a:r>
-            <a:r>
-              <a:rPr b="0" lang="en-US" sz="2000" spc="-1" strike="noStrike">
-                <a:solidFill>
-                  <a:srgbClr val="000000"/>
-                </a:solidFill>
-                <a:latin typeface="Arial"/>
-              </a:rPr>
-              <a:t>Outline </a:t>
-            </a:r>
-            <a:r>
-              <a:rPr b="0" lang="en-US" sz="2000" spc="-1" strike="noStrike">
-                <a:solidFill>
-                  <a:srgbClr val="000000"/>
-                </a:solidFill>
-                <a:latin typeface="Arial"/>
-              </a:rPr>
-              <a:t>Level</a:t>
+              <a:t>Seventh Outline Level</a:t>
             </a:r>
             <a:endParaRPr b="0" lang="en-US" sz="2000" spc="-1" strike="noStrike">
               <a:solidFill>
@@ -2193,6 +2109,649 @@
   <p:clrMap bg1="lt1" bg2="lt2" tx1="dk1" tx2="dk2" accent1="accent1" accent2="accent2" accent3="accent3" accent4="accent4" accent5="accent5" accent6="accent6" hlink="hlink" folHlink="folHlink"/>
   <p:sldLayoutIdLst>
     <p:sldLayoutId id="2147483653" r:id="rId4"/>
+  </p:sldLayoutIdLst>
+</p:sldMaster>
+</file>
+
+<file path=ppt/slideMasters/slideMaster4.xml><?xml version="1.0" encoding="utf-8"?>
+<p:sldMaster xmlns:a="http://schemas.openxmlformats.org/drawingml/2006/main" xmlns:p="http://schemas.openxmlformats.org/presentationml/2006/main" xmlns:r="http://schemas.openxmlformats.org/officeDocument/2006/relationships" xmlns:p14="http://schemas.microsoft.com/office/powerpoint/2010/main" xmlns:p15="http://schemas.microsoft.com/office/powerpoint/2012/main" xmlns:mc="http://schemas.openxmlformats.org/markup-compatibility/2006">
+  <p:cSld>
+    <p:bg>
+      <p:bgPr>
+        <a:solidFill>
+          <a:srgbClr val="ffffff"/>
+        </a:solidFill>
+      </p:bgPr>
+    </p:bg>
+    <p:spTree>
+      <p:nvGrpSpPr>
+        <p:cNvPr id="1" name=""/>
+        <p:cNvGrpSpPr/>
+        <p:nvPr/>
+      </p:nvGrpSpPr>
+      <p:grpSpPr>
+        <a:xfrm>
+          <a:off x="0" y="0"/>
+          <a:ext cx="0" cy="0"/>
+          <a:chOff x="0" y="0"/>
+          <a:chExt cx="0" cy="0"/>
+        </a:xfrm>
+      </p:grpSpPr>
+      <p:sp>
+        <p:nvSpPr>
+          <p:cNvPr id="30" name="CustomShape 1"/>
+          <p:cNvSpPr/>
+          <p:nvPr/>
+        </p:nvSpPr>
+        <p:spPr>
+          <a:xfrm>
+            <a:off x="11444760" y="0"/>
+            <a:ext cx="736200" cy="6845040"/>
+          </a:xfrm>
+          <a:prstGeom prst="rect">
+            <a:avLst/>
+          </a:prstGeom>
+          <a:solidFill>
+            <a:srgbClr val="000000">
+              <a:alpha val="10000"/>
+            </a:srgbClr>
+          </a:solidFill>
+          <a:ln w="0">
+            <a:noFill/>
+          </a:ln>
+        </p:spPr>
+        <p:style>
+          <a:lnRef idx="0"/>
+          <a:fillRef idx="0"/>
+          <a:effectRef idx="0"/>
+          <a:fontRef idx="minor"/>
+        </p:style>
+        <p:txBody>
+          <a:bodyPr lIns="90000" rIns="90000" tIns="45000" bIns="45000" anchor="t">
+            <a:noAutofit/>
+          </a:bodyPr>
+          <a:p>
+            <a:endParaRPr b="0" lang="en-GB" sz="1800" spc="-1" strike="noStrike">
+              <a:solidFill>
+                <a:srgbClr val="ffffff"/>
+              </a:solidFill>
+              <a:latin typeface="Arial"/>
+              <a:ea typeface="DejaVu Sans"/>
+            </a:endParaRPr>
+          </a:p>
+        </p:txBody>
+      </p:sp>
+      <p:sp>
+        <p:nvSpPr>
+          <p:cNvPr id="31" name="CustomShape 2"/>
+          <p:cNvSpPr/>
+          <p:nvPr/>
+        </p:nvSpPr>
+        <p:spPr>
+          <a:xfrm>
+            <a:off x="11438640" y="6453360"/>
+            <a:ext cx="753120" cy="363960"/>
+          </a:xfrm>
+          <a:prstGeom prst="rect">
+            <a:avLst/>
+          </a:prstGeom>
+          <a:noFill/>
+          <a:ln w="0">
+            <a:noFill/>
+          </a:ln>
+        </p:spPr>
+        <p:style>
+          <a:lnRef idx="0"/>
+          <a:fillRef idx="0"/>
+          <a:effectRef idx="0"/>
+          <a:fontRef idx="minor"/>
+        </p:style>
+        <p:txBody>
+          <a:bodyPr lIns="90000" rIns="90000" tIns="45000" bIns="45000" anchor="t">
+            <a:spAutoFit/>
+          </a:bodyPr>
+          <a:p>
+            <a:pPr algn="ctr">
+              <a:lnSpc>
+                <a:spcPct val="100000"/>
+              </a:lnSpc>
+            </a:pPr>
+            <a:fld id="{A32D7B79-47B0-42CD-A6BF-B25BFEAD4373}" type="slidenum">
+              <a:rPr b="0" lang="en-US" sz="1800" spc="-1" strike="noStrike">
+                <a:solidFill>
+                  <a:srgbClr val="808080"/>
+                </a:solidFill>
+                <a:latin typeface="Arial"/>
+                <a:ea typeface="DejaVu Sans"/>
+              </a:rPr>
+              <a:t>&lt;number&gt;</a:t>
+            </a:fld>
+            <a:endParaRPr b="0" lang="en-US" sz="1800" spc="-1" strike="noStrike">
+              <a:solidFill>
+                <a:srgbClr val="000000"/>
+              </a:solidFill>
+              <a:latin typeface="Arial"/>
+            </a:endParaRPr>
+          </a:p>
+        </p:txBody>
+      </p:sp>
+      <p:sp>
+        <p:nvSpPr>
+          <p:cNvPr id="32" name="CustomShape 3"/>
+          <p:cNvSpPr/>
+          <p:nvPr/>
+        </p:nvSpPr>
+        <p:spPr>
+          <a:xfrm>
+            <a:off x="912240" y="1268280"/>
+            <a:ext cx="9203040" cy="356400"/>
+          </a:xfrm>
+          <a:prstGeom prst="rect">
+            <a:avLst/>
+          </a:prstGeom>
+          <a:noFill/>
+          <a:ln w="0">
+            <a:noFill/>
+          </a:ln>
+        </p:spPr>
+        <p:style>
+          <a:lnRef idx="0"/>
+          <a:fillRef idx="0"/>
+          <a:effectRef idx="0"/>
+          <a:fontRef idx="minor"/>
+        </p:style>
+        <p:txBody>
+          <a:bodyPr lIns="90000" rIns="90000" tIns="45000" bIns="45000" anchor="t">
+            <a:noAutofit/>
+          </a:bodyPr>
+          <a:p>
+            <a:endParaRPr b="0" lang="en-GB" sz="1800" spc="-1" strike="noStrike">
+              <a:solidFill>
+                <a:srgbClr val="000000"/>
+              </a:solidFill>
+              <a:latin typeface="Arial"/>
+              <a:ea typeface="DejaVu Sans"/>
+            </a:endParaRPr>
+          </a:p>
+        </p:txBody>
+      </p:sp>
+      <p:pic>
+        <p:nvPicPr>
+          <p:cNvPr id="33" name="Picture 19" descr="Logo_TUC_de_RGB"/>
+          <p:cNvPicPr/>
+          <p:nvPr/>
+        </p:nvPicPr>
+        <p:blipFill>
+          <a:blip r:embed="rId2"/>
+          <a:stretch/>
+        </p:blipFill>
+        <p:spPr>
+          <a:xfrm>
+            <a:off x="0" y="0"/>
+            <a:ext cx="3047040" cy="556920"/>
+          </a:xfrm>
+          <a:prstGeom prst="rect">
+            <a:avLst/>
+          </a:prstGeom>
+          <a:ln w="0">
+            <a:noFill/>
+          </a:ln>
+        </p:spPr>
+      </p:pic>
+      <p:pic>
+        <p:nvPicPr>
+          <p:cNvPr id="34" name="Grafik 2" descr=""/>
+          <p:cNvPicPr/>
+          <p:nvPr/>
+        </p:nvPicPr>
+        <p:blipFill>
+          <a:blip r:embed="rId3"/>
+          <a:stretch/>
+        </p:blipFill>
+        <p:spPr>
+          <a:xfrm>
+            <a:off x="7430400" y="134640"/>
+            <a:ext cx="3692880" cy="509040"/>
+          </a:xfrm>
+          <a:prstGeom prst="rect">
+            <a:avLst/>
+          </a:prstGeom>
+          <a:ln w="0">
+            <a:noFill/>
+          </a:ln>
+        </p:spPr>
+      </p:pic>
+      <p:sp>
+        <p:nvSpPr>
+          <p:cNvPr id="35" name="CustomShape 4"/>
+          <p:cNvSpPr/>
+          <p:nvPr/>
+        </p:nvSpPr>
+        <p:spPr>
+          <a:xfrm>
+            <a:off x="11444760" y="0"/>
+            <a:ext cx="736200" cy="6845040"/>
+          </a:xfrm>
+          <a:prstGeom prst="rect">
+            <a:avLst/>
+          </a:prstGeom>
+          <a:solidFill>
+            <a:srgbClr val="000000">
+              <a:alpha val="10000"/>
+            </a:srgbClr>
+          </a:solidFill>
+          <a:ln w="0">
+            <a:noFill/>
+          </a:ln>
+        </p:spPr>
+        <p:style>
+          <a:lnRef idx="0"/>
+          <a:fillRef idx="0"/>
+          <a:effectRef idx="0"/>
+          <a:fontRef idx="minor"/>
+        </p:style>
+        <p:txBody>
+          <a:bodyPr lIns="90000" rIns="90000" tIns="45000" bIns="45000" anchor="t">
+            <a:noAutofit/>
+          </a:bodyPr>
+          <a:p>
+            <a:endParaRPr b="0" lang="en-GB" sz="1800" spc="-1" strike="noStrike">
+              <a:solidFill>
+                <a:srgbClr val="ffffff"/>
+              </a:solidFill>
+              <a:latin typeface="Arial"/>
+              <a:ea typeface="DejaVu Sans"/>
+            </a:endParaRPr>
+          </a:p>
+        </p:txBody>
+      </p:sp>
+      <p:sp>
+        <p:nvSpPr>
+          <p:cNvPr id="36" name="CustomShape 5"/>
+          <p:cNvSpPr/>
+          <p:nvPr/>
+        </p:nvSpPr>
+        <p:spPr>
+          <a:xfrm>
+            <a:off x="11438640" y="6453360"/>
+            <a:ext cx="753120" cy="363960"/>
+          </a:xfrm>
+          <a:prstGeom prst="rect">
+            <a:avLst/>
+          </a:prstGeom>
+          <a:noFill/>
+          <a:ln w="0">
+            <a:noFill/>
+          </a:ln>
+        </p:spPr>
+        <p:style>
+          <a:lnRef idx="0"/>
+          <a:fillRef idx="0"/>
+          <a:effectRef idx="0"/>
+          <a:fontRef idx="minor"/>
+        </p:style>
+        <p:txBody>
+          <a:bodyPr lIns="90000" rIns="90000" tIns="45000" bIns="45000" anchor="t">
+            <a:spAutoFit/>
+          </a:bodyPr>
+          <a:p>
+            <a:pPr algn="ctr">
+              <a:lnSpc>
+                <a:spcPct val="100000"/>
+              </a:lnSpc>
+            </a:pPr>
+            <a:fld id="{22B3712E-8C46-4BF8-936B-DC83F25A6F1E}" type="slidenum">
+              <a:rPr b="0" lang="en-US" sz="1800" spc="-1" strike="noStrike">
+                <a:solidFill>
+                  <a:srgbClr val="808080"/>
+                </a:solidFill>
+                <a:latin typeface="Arial"/>
+                <a:ea typeface="DejaVu Sans"/>
+              </a:rPr>
+              <a:t>&lt;number&gt;</a:t>
+            </a:fld>
+            <a:endParaRPr b="0" lang="en-US" sz="1800" spc="-1" strike="noStrike">
+              <a:solidFill>
+                <a:srgbClr val="000000"/>
+              </a:solidFill>
+              <a:latin typeface="Arial"/>
+            </a:endParaRPr>
+          </a:p>
+        </p:txBody>
+      </p:sp>
+      <p:sp>
+        <p:nvSpPr>
+          <p:cNvPr id="37" name="CustomShape 6"/>
+          <p:cNvSpPr/>
+          <p:nvPr/>
+        </p:nvSpPr>
+        <p:spPr>
+          <a:xfrm>
+            <a:off x="0" y="6642720"/>
+            <a:ext cx="12179160" cy="211320"/>
+          </a:xfrm>
+          <a:prstGeom prst="rect">
+            <a:avLst/>
+          </a:prstGeom>
+          <a:noFill/>
+          <a:ln w="0">
+            <a:noFill/>
+          </a:ln>
+        </p:spPr>
+        <p:style>
+          <a:lnRef idx="0"/>
+          <a:fillRef idx="0"/>
+          <a:effectRef idx="0"/>
+          <a:fontRef idx="minor"/>
+        </p:style>
+        <p:txBody>
+          <a:bodyPr lIns="90000" rIns="90000" tIns="45000" bIns="45000" anchor="t">
+            <a:spAutoFit/>
+          </a:bodyPr>
+          <a:p>
+            <a:pPr algn="ctr">
+              <a:lnSpc>
+                <a:spcPct val="100000"/>
+              </a:lnSpc>
+            </a:pPr>
+            <a:r>
+              <a:rPr b="0" lang="en-US" sz="800" spc="-1" strike="noStrike">
+                <a:solidFill>
+                  <a:srgbClr val="a6a6a6"/>
+                </a:solidFill>
+                <a:latin typeface="DejaVu Sans"/>
+                <a:ea typeface="DejaVu Sans"/>
+              </a:rPr>
+              <a:t>Emerging Technologies for the Circular Economy – TU Clausthal</a:t>
+            </a:r>
+            <a:endParaRPr b="0" lang="en-US" sz="800" spc="-1" strike="noStrike">
+              <a:solidFill>
+                <a:srgbClr val="000000"/>
+              </a:solidFill>
+              <a:latin typeface="Arial"/>
+            </a:endParaRPr>
+          </a:p>
+        </p:txBody>
+      </p:sp>
+      <p:sp>
+        <p:nvSpPr>
+          <p:cNvPr id="38" name="PlaceHolder 1"/>
+          <p:cNvSpPr>
+            <a:spLocks noGrp="1"/>
+          </p:cNvSpPr>
+          <p:nvPr>
+            <p:ph type="title"/>
+          </p:nvPr>
+        </p:nvSpPr>
+        <p:spPr>
+          <a:xfrm>
+            <a:off x="609480" y="273600"/>
+            <a:ext cx="10972440" cy="1144800"/>
+          </a:xfrm>
+          <a:prstGeom prst="rect">
+            <a:avLst/>
+          </a:prstGeom>
+          <a:noFill/>
+          <a:ln w="0">
+            <a:noFill/>
+          </a:ln>
+        </p:spPr>
+        <p:txBody>
+          <a:bodyPr lIns="0" rIns="0" tIns="0" bIns="0" anchor="ctr">
+            <a:noAutofit/>
+          </a:bodyPr>
+          <a:p>
+            <a:pPr indent="0" algn="ctr">
+              <a:buNone/>
+            </a:pPr>
+            <a:r>
+              <a:rPr b="0" lang="en-US" sz="4400" spc="-1" strike="noStrike">
+                <a:solidFill>
+                  <a:srgbClr val="000000"/>
+                </a:solidFill>
+                <a:latin typeface="Arial"/>
+              </a:rPr>
+              <a:t>Click to edit the title text format</a:t>
+            </a:r>
+            <a:endParaRPr b="0" lang="en-US" sz="4400" spc="-1" strike="noStrike">
+              <a:solidFill>
+                <a:srgbClr val="000000"/>
+              </a:solidFill>
+              <a:latin typeface="Arial"/>
+            </a:endParaRPr>
+          </a:p>
+        </p:txBody>
+      </p:sp>
+      <p:sp>
+        <p:nvSpPr>
+          <p:cNvPr id="39" name="PlaceHolder 2"/>
+          <p:cNvSpPr>
+            <a:spLocks noGrp="1"/>
+          </p:cNvSpPr>
+          <p:nvPr>
+            <p:ph type="body"/>
+          </p:nvPr>
+        </p:nvSpPr>
+        <p:spPr>
+          <a:xfrm>
+            <a:off x="609480" y="1604520"/>
+            <a:ext cx="10972440" cy="3977280"/>
+          </a:xfrm>
+          <a:prstGeom prst="rect">
+            <a:avLst/>
+          </a:prstGeom>
+          <a:noFill/>
+          <a:ln w="0">
+            <a:noFill/>
+          </a:ln>
+        </p:spPr>
+        <p:txBody>
+          <a:bodyPr lIns="0" rIns="0" tIns="0" bIns="0" anchor="t">
+            <a:normAutofit/>
+          </a:bodyPr>
+          <a:p>
+            <a:pPr marL="432000" indent="-324000">
+              <a:spcBef>
+                <a:spcPts val="1417"/>
+              </a:spcBef>
+              <a:buClr>
+                <a:srgbClr val="000000"/>
+              </a:buClr>
+              <a:buSzPct val="45000"/>
+              <a:buFont typeface="Wingdings" charset="2"/>
+              <a:buChar char=""/>
+            </a:pPr>
+            <a:r>
+              <a:rPr b="0" lang="en-US" sz="3200" spc="-1" strike="noStrike">
+                <a:solidFill>
+                  <a:srgbClr val="000000"/>
+                </a:solidFill>
+                <a:latin typeface="Arial"/>
+              </a:rPr>
+              <a:t>Click to edit the outline text format</a:t>
+            </a:r>
+            <a:endParaRPr b="0" lang="en-US" sz="3200" spc="-1" strike="noStrike">
+              <a:solidFill>
+                <a:srgbClr val="000000"/>
+              </a:solidFill>
+              <a:latin typeface="Arial"/>
+            </a:endParaRPr>
+          </a:p>
+          <a:p>
+            <a:pPr lvl="1" marL="864000" indent="-324000">
+              <a:spcBef>
+                <a:spcPts val="1134"/>
+              </a:spcBef>
+              <a:buClr>
+                <a:srgbClr val="000000"/>
+              </a:buClr>
+              <a:buSzPct val="75000"/>
+              <a:buFont typeface="Symbol" charset="2"/>
+              <a:buChar char=""/>
+            </a:pPr>
+            <a:r>
+              <a:rPr b="0" lang="en-US" sz="2800" spc="-1" strike="noStrike">
+                <a:solidFill>
+                  <a:srgbClr val="000000"/>
+                </a:solidFill>
+                <a:latin typeface="Arial"/>
+              </a:rPr>
+              <a:t>Second Outline Level</a:t>
+            </a:r>
+            <a:endParaRPr b="0" lang="en-US" sz="2800" spc="-1" strike="noStrike">
+              <a:solidFill>
+                <a:srgbClr val="000000"/>
+              </a:solidFill>
+              <a:latin typeface="Arial"/>
+            </a:endParaRPr>
+          </a:p>
+          <a:p>
+            <a:pPr lvl="2" marL="1296000" indent="-288000">
+              <a:spcBef>
+                <a:spcPts val="850"/>
+              </a:spcBef>
+              <a:buClr>
+                <a:srgbClr val="000000"/>
+              </a:buClr>
+              <a:buSzPct val="45000"/>
+              <a:buFont typeface="Wingdings" charset="2"/>
+              <a:buChar char=""/>
+            </a:pPr>
+            <a:r>
+              <a:rPr b="0" lang="en-US" sz="2400" spc="-1" strike="noStrike">
+                <a:solidFill>
+                  <a:srgbClr val="000000"/>
+                </a:solidFill>
+                <a:latin typeface="Arial"/>
+              </a:rPr>
+              <a:t>Third Outline Level</a:t>
+            </a:r>
+            <a:endParaRPr b="0" lang="en-US" sz="2400" spc="-1" strike="noStrike">
+              <a:solidFill>
+                <a:srgbClr val="000000"/>
+              </a:solidFill>
+              <a:latin typeface="Arial"/>
+            </a:endParaRPr>
+          </a:p>
+          <a:p>
+            <a:pPr lvl="3" marL="1728000" indent="-216000">
+              <a:spcBef>
+                <a:spcPts val="567"/>
+              </a:spcBef>
+              <a:buClr>
+                <a:srgbClr val="000000"/>
+              </a:buClr>
+              <a:buSzPct val="75000"/>
+              <a:buFont typeface="Symbol" charset="2"/>
+              <a:buChar char=""/>
+            </a:pPr>
+            <a:r>
+              <a:rPr b="0" lang="en-US" sz="2000" spc="-1" strike="noStrike">
+                <a:solidFill>
+                  <a:srgbClr val="000000"/>
+                </a:solidFill>
+                <a:latin typeface="Arial"/>
+              </a:rPr>
+              <a:t>Fourth Outline Level</a:t>
+            </a:r>
+            <a:endParaRPr b="0" lang="en-US" sz="2000" spc="-1" strike="noStrike">
+              <a:solidFill>
+                <a:srgbClr val="000000"/>
+              </a:solidFill>
+              <a:latin typeface="Arial"/>
+            </a:endParaRPr>
+          </a:p>
+          <a:p>
+            <a:pPr lvl="4" marL="2160000" indent="-216000">
+              <a:spcBef>
+                <a:spcPts val="283"/>
+              </a:spcBef>
+              <a:buClr>
+                <a:srgbClr val="000000"/>
+              </a:buClr>
+              <a:buSzPct val="45000"/>
+              <a:buFont typeface="Wingdings" charset="2"/>
+              <a:buChar char=""/>
+            </a:pPr>
+            <a:r>
+              <a:rPr b="0" lang="en-US" sz="2000" spc="-1" strike="noStrike">
+                <a:solidFill>
+                  <a:srgbClr val="000000"/>
+                </a:solidFill>
+                <a:latin typeface="Arial"/>
+              </a:rPr>
+              <a:t>Fifth Outline Level</a:t>
+            </a:r>
+            <a:endParaRPr b="0" lang="en-US" sz="2000" spc="-1" strike="noStrike">
+              <a:solidFill>
+                <a:srgbClr val="000000"/>
+              </a:solidFill>
+              <a:latin typeface="Arial"/>
+            </a:endParaRPr>
+          </a:p>
+          <a:p>
+            <a:pPr lvl="5" marL="2592000" indent="-216000">
+              <a:spcBef>
+                <a:spcPts val="283"/>
+              </a:spcBef>
+              <a:buClr>
+                <a:srgbClr val="000000"/>
+              </a:buClr>
+              <a:buSzPct val="45000"/>
+              <a:buFont typeface="Wingdings" charset="2"/>
+              <a:buChar char=""/>
+            </a:pPr>
+            <a:r>
+              <a:rPr b="0" lang="en-US" sz="2000" spc="-1" strike="noStrike">
+                <a:solidFill>
+                  <a:srgbClr val="000000"/>
+                </a:solidFill>
+                <a:latin typeface="Arial"/>
+              </a:rPr>
+              <a:t>Sixth Outline Level</a:t>
+            </a:r>
+            <a:endParaRPr b="0" lang="en-US" sz="2000" spc="-1" strike="noStrike">
+              <a:solidFill>
+                <a:srgbClr val="000000"/>
+              </a:solidFill>
+              <a:latin typeface="Arial"/>
+            </a:endParaRPr>
+          </a:p>
+          <a:p>
+            <a:pPr lvl="6" marL="3024000" indent="-216000">
+              <a:spcBef>
+                <a:spcPts val="283"/>
+              </a:spcBef>
+              <a:buClr>
+                <a:srgbClr val="000000"/>
+              </a:buClr>
+              <a:buSzPct val="45000"/>
+              <a:buFont typeface="Wingdings" charset="2"/>
+              <a:buChar char=""/>
+            </a:pPr>
+            <a:r>
+              <a:rPr b="0" lang="en-US" sz="2000" spc="-1" strike="noStrike">
+                <a:solidFill>
+                  <a:srgbClr val="000000"/>
+                </a:solidFill>
+                <a:latin typeface="Arial"/>
+              </a:rPr>
+              <a:t>Seventh Outline Level</a:t>
+            </a:r>
+            <a:endParaRPr b="0" lang="en-US" sz="2000" spc="-1" strike="noStrike">
+              <a:solidFill>
+                <a:srgbClr val="000000"/>
+              </a:solidFill>
+              <a:latin typeface="Arial"/>
+            </a:endParaRPr>
+          </a:p>
+        </p:txBody>
+      </p:sp>
+    </p:spTree>
+  </p:cSld>
+  <p:clrMap bg1="lt1" bg2="lt2" tx1="dk1" tx2="dk2" accent1="accent1" accent2="accent2" accent3="accent3" accent4="accent4" accent5="accent5" accent6="accent6" hlink="hlink" folHlink="folHlink"/>
+  <p:sldLayoutIdLst>
+    <p:sldLayoutId id="2147483655" r:id="rId4"/>
   </p:sldLayoutIdLst>
 </p:sldMaster>
 </file>
@@ -2216,14 +2775,14 @@
       </p:grpSpPr>
       <p:sp>
         <p:nvSpPr>
-          <p:cNvPr id="30" name="CustomShape 1"/>
+          <p:cNvPr id="40" name="CustomShape 1"/>
           <p:cNvSpPr/>
           <p:nvPr/>
         </p:nvSpPr>
         <p:spPr>
           <a:xfrm>
             <a:off x="527400" y="1412640"/>
-            <a:ext cx="10362240" cy="1148760"/>
+            <a:ext cx="10361880" cy="1148400"/>
           </a:xfrm>
           <a:prstGeom prst="rect">
             <a:avLst/>
@@ -2273,14 +2832,14 @@
       </p:sp>
       <p:sp>
         <p:nvSpPr>
-          <p:cNvPr id="31" name="CustomShape 2"/>
+          <p:cNvPr id="41" name="CustomShape 2"/>
           <p:cNvSpPr/>
           <p:nvPr/>
         </p:nvSpPr>
         <p:spPr>
           <a:xfrm>
             <a:off x="527400" y="2852640"/>
-            <a:ext cx="10362240" cy="2369520"/>
+            <a:ext cx="10361880" cy="2369160"/>
           </a:xfrm>
           <a:prstGeom prst="rect">
             <a:avLst/>
@@ -2508,14 +3067,14 @@
       </p:grpSpPr>
       <p:sp>
         <p:nvSpPr>
-          <p:cNvPr id="49" name="CustomShape 1"/>
+          <p:cNvPr id="59" name="CustomShape 1"/>
           <p:cNvSpPr/>
           <p:nvPr/>
         </p:nvSpPr>
         <p:spPr>
           <a:xfrm>
             <a:off x="335520" y="764640"/>
-            <a:ext cx="10746360" cy="497160"/>
+            <a:ext cx="10746000" cy="496800"/>
           </a:xfrm>
           <a:prstGeom prst="rect">
             <a:avLst/>
@@ -2565,14 +3124,14 @@
       </p:sp>
       <p:sp>
         <p:nvSpPr>
-          <p:cNvPr id="50" name="CustomShape 2"/>
+          <p:cNvPr id="60" name="CustomShape 2"/>
           <p:cNvSpPr/>
           <p:nvPr/>
         </p:nvSpPr>
         <p:spPr>
           <a:xfrm>
             <a:off x="457200" y="1371600"/>
-            <a:ext cx="10784160" cy="3668040"/>
+            <a:ext cx="10783800" cy="3667680"/>
           </a:xfrm>
           <a:prstGeom prst="rect">
             <a:avLst/>
@@ -3024,14 +3583,14 @@
       </p:grpSpPr>
       <p:sp>
         <p:nvSpPr>
-          <p:cNvPr id="51" name="CustomShape 1"/>
+          <p:cNvPr id="61" name="CustomShape 1"/>
           <p:cNvSpPr/>
           <p:nvPr/>
         </p:nvSpPr>
         <p:spPr>
           <a:xfrm>
             <a:off x="335520" y="764640"/>
-            <a:ext cx="10746360" cy="497160"/>
+            <a:ext cx="10746000" cy="496800"/>
           </a:xfrm>
           <a:prstGeom prst="rect">
             <a:avLst/>
@@ -3081,14 +3640,14 @@
       </p:sp>
       <p:sp>
         <p:nvSpPr>
-          <p:cNvPr id="52" name="CustomShape 2"/>
+          <p:cNvPr id="62" name="CustomShape 2"/>
           <p:cNvSpPr/>
           <p:nvPr/>
         </p:nvSpPr>
         <p:spPr>
           <a:xfrm>
             <a:off x="457200" y="1371600"/>
-            <a:ext cx="10784160" cy="1876320"/>
+            <a:ext cx="10783800" cy="1875960"/>
           </a:xfrm>
           <a:prstGeom prst="rect">
             <a:avLst/>
@@ -3338,14 +3897,14 @@
       </p:grpSpPr>
       <p:sp>
         <p:nvSpPr>
-          <p:cNvPr id="53" name="CustomShape 1"/>
+          <p:cNvPr id="63" name="CustomShape 1"/>
           <p:cNvSpPr/>
           <p:nvPr/>
         </p:nvSpPr>
         <p:spPr>
           <a:xfrm>
             <a:off x="335520" y="4406760"/>
-            <a:ext cx="10746360" cy="1355400"/>
+            <a:ext cx="10746000" cy="1355040"/>
           </a:xfrm>
           <a:prstGeom prst="rect">
             <a:avLst/>
@@ -3395,14 +3954,14 @@
       </p:sp>
       <p:sp>
         <p:nvSpPr>
-          <p:cNvPr id="54" name="CustomShape 2"/>
+          <p:cNvPr id="64" name="CustomShape 2"/>
           <p:cNvSpPr/>
           <p:nvPr/>
         </p:nvSpPr>
         <p:spPr>
           <a:xfrm>
             <a:off x="335520" y="2906640"/>
-            <a:ext cx="10746360" cy="1493280"/>
+            <a:ext cx="10746000" cy="1492920"/>
           </a:xfrm>
           <a:prstGeom prst="rect">
             <a:avLst/>
@@ -3470,14 +4029,14 @@
       </p:grpSpPr>
       <p:sp>
         <p:nvSpPr>
-          <p:cNvPr id="55" name="CustomShape 1"/>
+          <p:cNvPr id="65" name="CustomShape 1"/>
           <p:cNvSpPr/>
           <p:nvPr/>
         </p:nvSpPr>
         <p:spPr>
           <a:xfrm>
             <a:off x="335520" y="764640"/>
-            <a:ext cx="10746360" cy="497160"/>
+            <a:ext cx="10746000" cy="496800"/>
           </a:xfrm>
           <a:prstGeom prst="rect">
             <a:avLst/>
@@ -3527,14 +4086,14 @@
       </p:sp>
       <p:sp>
         <p:nvSpPr>
-          <p:cNvPr id="56" name="CustomShape 2"/>
+          <p:cNvPr id="66" name="CustomShape 2"/>
           <p:cNvSpPr/>
           <p:nvPr/>
         </p:nvSpPr>
         <p:spPr>
           <a:xfrm>
             <a:off x="457200" y="1371600"/>
-            <a:ext cx="10784160" cy="1876320"/>
+            <a:ext cx="10783800" cy="1875960"/>
           </a:xfrm>
           <a:prstGeom prst="rect">
             <a:avLst/>
@@ -3836,14 +4395,14 @@
       </p:grpSpPr>
       <p:sp>
         <p:nvSpPr>
-          <p:cNvPr id="57" name="CustomShape 1"/>
+          <p:cNvPr id="67" name="CustomShape 1"/>
           <p:cNvSpPr/>
           <p:nvPr/>
         </p:nvSpPr>
         <p:spPr>
           <a:xfrm>
             <a:off x="335520" y="764640"/>
-            <a:ext cx="10746360" cy="497160"/>
+            <a:ext cx="10746000" cy="496800"/>
           </a:xfrm>
           <a:prstGeom prst="rect">
             <a:avLst/>
@@ -3893,14 +4452,14 @@
       </p:sp>
       <p:sp>
         <p:nvSpPr>
-          <p:cNvPr id="58" name="CustomShape 2"/>
+          <p:cNvPr id="68" name="CustomShape 2"/>
           <p:cNvSpPr/>
           <p:nvPr/>
         </p:nvSpPr>
         <p:spPr>
           <a:xfrm>
             <a:off x="457200" y="1371600"/>
-            <a:ext cx="10784160" cy="2132280"/>
+            <a:ext cx="10783800" cy="2131920"/>
           </a:xfrm>
           <a:prstGeom prst="rect">
             <a:avLst/>
@@ -4194,14 +4753,14 @@
       </p:grpSpPr>
       <p:sp>
         <p:nvSpPr>
-          <p:cNvPr id="59" name="CustomShape 1"/>
+          <p:cNvPr id="69" name="CustomShape 1"/>
           <p:cNvSpPr/>
           <p:nvPr/>
         </p:nvSpPr>
         <p:spPr>
           <a:xfrm>
             <a:off x="335520" y="764640"/>
-            <a:ext cx="10746360" cy="497160"/>
+            <a:ext cx="10746000" cy="496800"/>
           </a:xfrm>
           <a:prstGeom prst="rect">
             <a:avLst/>
@@ -4251,14 +4810,14 @@
       </p:sp>
       <p:sp>
         <p:nvSpPr>
-          <p:cNvPr id="60" name="CustomShape 2"/>
+          <p:cNvPr id="70" name="CustomShape 2"/>
           <p:cNvSpPr/>
           <p:nvPr/>
         </p:nvSpPr>
         <p:spPr>
           <a:xfrm>
             <a:off x="457200" y="1371600"/>
-            <a:ext cx="10784160" cy="1876320"/>
+            <a:ext cx="10783800" cy="1875960"/>
           </a:xfrm>
           <a:prstGeom prst="rect">
             <a:avLst/>
@@ -4536,14 +5095,14 @@
       </p:grpSpPr>
       <p:sp>
         <p:nvSpPr>
-          <p:cNvPr id="61" name="CustomShape 1"/>
+          <p:cNvPr id="71" name="CustomShape 1"/>
           <p:cNvSpPr/>
           <p:nvPr/>
         </p:nvSpPr>
         <p:spPr>
           <a:xfrm>
             <a:off x="335520" y="764640"/>
-            <a:ext cx="10746360" cy="497160"/>
+            <a:ext cx="10746000" cy="496800"/>
           </a:xfrm>
           <a:prstGeom prst="rect">
             <a:avLst/>
@@ -4593,14 +5152,14 @@
       </p:sp>
       <p:sp>
         <p:nvSpPr>
-          <p:cNvPr id="62" name="CustomShape 2"/>
+          <p:cNvPr id="72" name="CustomShape 2"/>
           <p:cNvSpPr/>
           <p:nvPr/>
         </p:nvSpPr>
         <p:spPr>
           <a:xfrm>
             <a:off x="457200" y="1371600"/>
-            <a:ext cx="10784160" cy="2132280"/>
+            <a:ext cx="10783800" cy="2131920"/>
           </a:xfrm>
           <a:prstGeom prst="rect">
             <a:avLst/>
@@ -4910,14 +5469,14 @@
       </p:grpSpPr>
       <p:sp>
         <p:nvSpPr>
-          <p:cNvPr id="63" name="CustomShape 1"/>
+          <p:cNvPr id="73" name="CustomShape 1"/>
           <p:cNvSpPr/>
           <p:nvPr/>
         </p:nvSpPr>
         <p:spPr>
           <a:xfrm>
             <a:off x="335520" y="764640"/>
-            <a:ext cx="10746360" cy="497160"/>
+            <a:ext cx="10746000" cy="496800"/>
           </a:xfrm>
           <a:prstGeom prst="rect">
             <a:avLst/>
@@ -4967,14 +5526,14 @@
       </p:sp>
       <p:sp>
         <p:nvSpPr>
-          <p:cNvPr id="64" name="CustomShape 2"/>
+          <p:cNvPr id="74" name="CustomShape 2"/>
           <p:cNvSpPr/>
           <p:nvPr/>
         </p:nvSpPr>
         <p:spPr>
           <a:xfrm>
             <a:off x="457200" y="1371600"/>
-            <a:ext cx="10784160" cy="2900160"/>
+            <a:ext cx="10783800" cy="2899800"/>
           </a:xfrm>
           <a:prstGeom prst="rect">
             <a:avLst/>
@@ -5380,14 +5939,14 @@
       </p:grpSpPr>
       <p:sp>
         <p:nvSpPr>
-          <p:cNvPr id="65" name="CustomShape 1"/>
+          <p:cNvPr id="75" name="CustomShape 1"/>
           <p:cNvSpPr/>
           <p:nvPr/>
         </p:nvSpPr>
         <p:spPr>
           <a:xfrm>
             <a:off x="335520" y="4406760"/>
-            <a:ext cx="10746360" cy="1355400"/>
+            <a:ext cx="10746000" cy="1355040"/>
           </a:xfrm>
           <a:prstGeom prst="rect">
             <a:avLst/>
@@ -5437,14 +5996,14 @@
       </p:sp>
       <p:sp>
         <p:nvSpPr>
-          <p:cNvPr id="66" name="CustomShape 2"/>
+          <p:cNvPr id="76" name="CustomShape 2"/>
           <p:cNvSpPr/>
           <p:nvPr/>
         </p:nvSpPr>
         <p:spPr>
           <a:xfrm>
             <a:off x="335520" y="2906640"/>
-            <a:ext cx="10746360" cy="1493280"/>
+            <a:ext cx="10746000" cy="1492920"/>
           </a:xfrm>
           <a:prstGeom prst="rect">
             <a:avLst/>
@@ -5512,14 +6071,14 @@
       </p:grpSpPr>
       <p:sp>
         <p:nvSpPr>
-          <p:cNvPr id="67" name="CustomShape 1"/>
+          <p:cNvPr id="77" name="CustomShape 1"/>
           <p:cNvSpPr/>
           <p:nvPr/>
         </p:nvSpPr>
         <p:spPr>
           <a:xfrm>
             <a:off x="335520" y="764640"/>
-            <a:ext cx="10746360" cy="497160"/>
+            <a:ext cx="10746000" cy="496800"/>
           </a:xfrm>
           <a:prstGeom prst="rect">
             <a:avLst/>
@@ -5569,14 +6128,14 @@
       </p:sp>
       <p:sp>
         <p:nvSpPr>
-          <p:cNvPr id="68" name="CustomShape 2"/>
+          <p:cNvPr id="78" name="CustomShape 2"/>
           <p:cNvSpPr/>
           <p:nvPr/>
         </p:nvSpPr>
         <p:spPr>
           <a:xfrm>
             <a:off x="457200" y="1371600"/>
-            <a:ext cx="10784160" cy="3156120"/>
+            <a:ext cx="10783800" cy="3155760"/>
           </a:xfrm>
           <a:prstGeom prst="rect">
             <a:avLst/>
@@ -5986,14 +6545,14 @@
       </p:grpSpPr>
       <p:sp>
         <p:nvSpPr>
-          <p:cNvPr id="32" name="CustomShape 1"/>
+          <p:cNvPr id="42" name="CustomShape 1"/>
           <p:cNvSpPr/>
           <p:nvPr/>
         </p:nvSpPr>
         <p:spPr>
           <a:xfrm>
             <a:off x="335520" y="764640"/>
-            <a:ext cx="10736640" cy="487440"/>
+            <a:ext cx="10736280" cy="487080"/>
           </a:xfrm>
           <a:prstGeom prst="rect">
             <a:avLst/>
@@ -6040,14 +6599,14 @@
       </p:sp>
       <p:sp>
         <p:nvSpPr>
-          <p:cNvPr id="33" name="CustomShape 2"/>
+          <p:cNvPr id="43" name="CustomShape 2"/>
           <p:cNvSpPr/>
           <p:nvPr/>
         </p:nvSpPr>
         <p:spPr>
           <a:xfrm>
             <a:off x="335520" y="1268280"/>
-            <a:ext cx="10736640" cy="5024160"/>
+            <a:ext cx="10736280" cy="5023800"/>
           </a:xfrm>
           <a:prstGeom prst="rect">
             <a:avLst/>
@@ -6274,14 +6833,14 @@
       </p:grpSpPr>
       <p:sp>
         <p:nvSpPr>
-          <p:cNvPr id="69" name="CustomShape 1"/>
+          <p:cNvPr id="79" name="CustomShape 1"/>
           <p:cNvSpPr/>
           <p:nvPr/>
         </p:nvSpPr>
         <p:spPr>
           <a:xfrm>
             <a:off x="335520" y="764640"/>
-            <a:ext cx="10746360" cy="497160"/>
+            <a:ext cx="10746000" cy="496800"/>
           </a:xfrm>
           <a:prstGeom prst="rect">
             <a:avLst/>
@@ -6331,7 +6890,7 @@
       </p:sp>
       <p:pic>
         <p:nvPicPr>
-          <p:cNvPr id="70" name="" descr=""/>
+          <p:cNvPr id="80" name="" descr=""/>
           <p:cNvPicPr/>
           <p:nvPr/>
         </p:nvPicPr>
@@ -6342,7 +6901,7 @@
         <p:spPr>
           <a:xfrm>
             <a:off x="2709360" y="3474720"/>
-            <a:ext cx="2222640" cy="1651320"/>
+            <a:ext cx="2222280" cy="1650960"/>
           </a:xfrm>
           <a:prstGeom prst="rect">
             <a:avLst/>
@@ -6354,7 +6913,7 @@
       </p:pic>
       <p:pic>
         <p:nvPicPr>
-          <p:cNvPr id="71" name="" descr=""/>
+          <p:cNvPr id="81" name="" descr=""/>
           <p:cNvPicPr/>
           <p:nvPr/>
         </p:nvPicPr>
@@ -6365,7 +6924,7 @@
         <p:spPr>
           <a:xfrm>
             <a:off x="5544000" y="3383280"/>
-            <a:ext cx="2222640" cy="1651320"/>
+            <a:ext cx="2222280" cy="1650960"/>
           </a:xfrm>
           <a:prstGeom prst="rect">
             <a:avLst/>
@@ -6377,14 +6936,14 @@
       </p:pic>
       <p:sp>
         <p:nvSpPr>
-          <p:cNvPr id="72" name="CustomShape 3"/>
+          <p:cNvPr id="82" name="CustomShape 3"/>
           <p:cNvSpPr/>
           <p:nvPr/>
         </p:nvSpPr>
         <p:spPr>
           <a:xfrm>
             <a:off x="457200" y="1462320"/>
-            <a:ext cx="10784160" cy="3156120"/>
+            <a:ext cx="10783800" cy="3155760"/>
           </a:xfrm>
           <a:prstGeom prst="rect">
             <a:avLst/>
@@ -6550,14 +7109,68 @@
       </p:grpSpPr>
       <p:sp>
         <p:nvSpPr>
-          <p:cNvPr id="73" name="CustomShape 1"/>
+          <p:cNvPr id="83" name="CustomShape 4"/>
           <p:cNvSpPr/>
           <p:nvPr/>
         </p:nvSpPr>
         <p:spPr>
           <a:xfrm>
-            <a:off x="335520" y="1268640"/>
-            <a:ext cx="10746360" cy="5033880"/>
+            <a:off x="335520" y="764640"/>
+            <a:ext cx="10740240" cy="491040"/>
+          </a:xfrm>
+          <a:prstGeom prst="rect">
+            <a:avLst/>
+          </a:prstGeom>
+          <a:noFill/>
+          <a:ln w="0">
+            <a:noFill/>
+          </a:ln>
+        </p:spPr>
+        <p:style>
+          <a:lnRef idx="0"/>
+          <a:fillRef idx="0"/>
+          <a:effectRef idx="0"/>
+          <a:fontRef idx="minor"/>
+        </p:style>
+        <p:txBody>
+          <a:bodyPr lIns="90000" rIns="90000" tIns="45000" bIns="45000" anchor="t">
+            <a:noAutofit/>
+          </a:bodyPr>
+          <a:p>
+            <a:pPr>
+              <a:lnSpc>
+                <a:spcPct val="100000"/>
+              </a:lnSpc>
+            </a:pPr>
+            <a:r>
+              <a:rPr b="1" lang="en-GB" sz="2400" spc="-1" strike="noStrike">
+                <a:solidFill>
+                  <a:srgbClr val="000000"/>
+                </a:solidFill>
+                <a:latin typeface="DejaVu Sans"/>
+                <a:ea typeface="DejaVu Sans"/>
+              </a:rPr>
+              <a:t>Updated Exercise Schedule</a:t>
+            </a:r>
+            <a:endParaRPr b="0" lang="en-US" sz="2400" spc="-1" strike="noStrike">
+              <a:solidFill>
+                <a:srgbClr val="000000"/>
+              </a:solidFill>
+              <a:latin typeface="Arial"/>
+            </a:endParaRPr>
+          </a:p>
+        </p:txBody>
+      </p:sp>
+      <p:sp>
+        <p:nvSpPr>
+          <p:cNvPr id="84" name="CustomShape 5"/>
+          <p:cNvSpPr/>
+          <p:nvPr/>
+        </p:nvSpPr>
+        <p:spPr>
+          <a:xfrm>
+            <a:off x="335520" y="2024640"/>
+            <a:ext cx="10740240" cy="5027760"/>
           </a:xfrm>
           <a:prstGeom prst="rect">
             <a:avLst/>
@@ -6578,28 +7191,571 @@
             <a:noAutofit/>
           </a:bodyPr>
           <a:p>
-            <a:pPr algn="ctr">
+            <a:pPr marL="195120" indent="-189720">
               <a:lnSpc>
                 <a:spcPct val="100000"/>
               </a:lnSpc>
               <a:spcBef>
-                <a:spcPts val="799"/>
+                <a:spcPts val="360"/>
               </a:spcBef>
-              <a:tabLst>
-                <a:tab algn="l" pos="408240"/>
-              </a:tabLst>
-            </a:pPr>
-            <a:r>
-              <a:rPr b="1" lang="en-US" sz="4000" spc="-1" strike="noStrike">
-                <a:solidFill>
-                  <a:srgbClr val="000000"/>
-                </a:solidFill>
-                <a:latin typeface="DejaVu Sans"/>
-                <a:ea typeface="DejaVu Sans"/>
-              </a:rPr>
-              <a:t>Questions?</a:t>
-            </a:r>
-            <a:endParaRPr b="0" lang="en-US" sz="4000" spc="-1" strike="noStrike">
+              <a:buClr>
+                <a:srgbClr val="008c4f"/>
+              </a:buClr>
+              <a:buSzPct val="115000"/>
+              <a:buFont typeface="Wingdings" charset="2"/>
+              <a:buChar char=""/>
+            </a:pPr>
+            <a:r>
+              <a:rPr b="0" lang="de-DE" sz="1800" spc="-1" strike="noStrike">
+                <a:solidFill>
+                  <a:srgbClr val="000000"/>
+                </a:solidFill>
+                <a:latin typeface="DejaVu Sans"/>
+                <a:ea typeface="DejaVu Sans"/>
+              </a:rPr>
+              <a:t>15.04.2024 </a:t>
+            </a:r>
+            <a:r>
+              <a:rPr b="0" lang="en-US" sz="1800" spc="-1" strike="noStrike">
+                <a:solidFill>
+                  <a:srgbClr val="000000"/>
+                </a:solidFill>
+                <a:latin typeface="DejaVu Sans"/>
+                <a:ea typeface="DejaVu Sans"/>
+              </a:rPr>
+              <a:t>→</a:t>
+            </a:r>
+            <a:r>
+              <a:rPr b="0" lang="de-DE" sz="1800" spc="-1" strike="noStrike">
+                <a:solidFill>
+                  <a:srgbClr val="000000"/>
+                </a:solidFill>
+                <a:latin typeface="DejaVu Sans"/>
+                <a:ea typeface="DejaVu Sans"/>
+              </a:rPr>
+              <a:t> Exercise 01 – Knowledge Test (MC)</a:t>
+            </a:r>
+            <a:endParaRPr b="0" lang="en-US" sz="1800" spc="-1" strike="noStrike">
+              <a:solidFill>
+                <a:srgbClr val="000000"/>
+              </a:solidFill>
+              <a:latin typeface="Arial"/>
+            </a:endParaRPr>
+          </a:p>
+          <a:p>
+            <a:pPr marL="195120" indent="-189720">
+              <a:lnSpc>
+                <a:spcPct val="100000"/>
+              </a:lnSpc>
+              <a:spcBef>
+                <a:spcPts val="360"/>
+              </a:spcBef>
+              <a:buClr>
+                <a:srgbClr val="008c4f"/>
+              </a:buClr>
+              <a:buSzPct val="115000"/>
+              <a:buFont typeface="Wingdings" charset="2"/>
+              <a:buChar char=""/>
+            </a:pPr>
+            <a:r>
+              <a:rPr b="0" lang="de-DE" sz="1800" spc="-1" strike="noStrike">
+                <a:solidFill>
+                  <a:srgbClr val="000000"/>
+                </a:solidFill>
+                <a:latin typeface="DejaVu Sans"/>
+                <a:ea typeface="DejaVu Sans"/>
+              </a:rPr>
+              <a:t>22.04.2024 </a:t>
+            </a:r>
+            <a:r>
+              <a:rPr b="0" lang="en-US" sz="1800" spc="-1" strike="noStrike">
+                <a:solidFill>
+                  <a:srgbClr val="000000"/>
+                </a:solidFill>
+                <a:latin typeface="DejaVu Sans"/>
+                <a:ea typeface="DejaVu Sans"/>
+              </a:rPr>
+              <a:t>→</a:t>
+            </a:r>
+            <a:r>
+              <a:rPr b="0" lang="de-DE" sz="1800" spc="-1" strike="noStrike">
+                <a:solidFill>
+                  <a:srgbClr val="000000"/>
+                </a:solidFill>
+                <a:latin typeface="DejaVu Sans"/>
+                <a:ea typeface="DejaVu Sans"/>
+              </a:rPr>
+              <a:t> Exercise 02 – Circular Economy (MC)</a:t>
+            </a:r>
+            <a:endParaRPr b="0" lang="en-US" sz="1800" spc="-1" strike="noStrike">
+              <a:solidFill>
+                <a:srgbClr val="000000"/>
+              </a:solidFill>
+              <a:latin typeface="Arial"/>
+            </a:endParaRPr>
+          </a:p>
+          <a:p>
+            <a:pPr marL="195120" indent="-189720">
+              <a:lnSpc>
+                <a:spcPct val="100000"/>
+              </a:lnSpc>
+              <a:spcBef>
+                <a:spcPts val="360"/>
+              </a:spcBef>
+              <a:buClr>
+                <a:srgbClr val="008c4f"/>
+              </a:buClr>
+              <a:buSzPct val="115000"/>
+              <a:buFont typeface="Wingdings" charset="2"/>
+              <a:buChar char=""/>
+            </a:pPr>
+            <a:r>
+              <a:rPr b="0" lang="de-DE" sz="1800" spc="-1" strike="noStrike">
+                <a:solidFill>
+                  <a:srgbClr val="000000"/>
+                </a:solidFill>
+                <a:latin typeface="DejaVu Sans"/>
+                <a:ea typeface="DejaVu Sans"/>
+              </a:rPr>
+              <a:t>29.04.2024 </a:t>
+            </a:r>
+            <a:r>
+              <a:rPr b="0" lang="en-US" sz="1800" spc="-1" strike="noStrike">
+                <a:solidFill>
+                  <a:srgbClr val="000000"/>
+                </a:solidFill>
+                <a:latin typeface="DejaVu Sans"/>
+                <a:ea typeface="DejaVu Sans"/>
+              </a:rPr>
+              <a:t>→</a:t>
+            </a:r>
+            <a:r>
+              <a:rPr b="0" lang="de-DE" sz="1800" spc="-1" strike="noStrike">
+                <a:solidFill>
+                  <a:srgbClr val="000000"/>
+                </a:solidFill>
+                <a:latin typeface="DejaVu Sans"/>
+                <a:ea typeface="DejaVu Sans"/>
+              </a:rPr>
+              <a:t> Exercise 03 – Lifecycle Assessment (LCA)</a:t>
+            </a:r>
+            <a:endParaRPr b="0" lang="en-US" sz="1800" spc="-1" strike="noStrike">
+              <a:solidFill>
+                <a:srgbClr val="000000"/>
+              </a:solidFill>
+              <a:latin typeface="Arial"/>
+            </a:endParaRPr>
+          </a:p>
+          <a:p>
+            <a:pPr marL="195120" indent="-189720">
+              <a:lnSpc>
+                <a:spcPct val="100000"/>
+              </a:lnSpc>
+              <a:spcBef>
+                <a:spcPts val="360"/>
+              </a:spcBef>
+              <a:buClr>
+                <a:srgbClr val="008c4f"/>
+              </a:buClr>
+              <a:buSzPct val="115000"/>
+              <a:buFont typeface="Wingdings" charset="2"/>
+              <a:buChar char=""/>
+            </a:pPr>
+            <a:r>
+              <a:rPr b="0" lang="de-DE" sz="1800" spc="-1" strike="noStrike">
+                <a:solidFill>
+                  <a:srgbClr val="000000"/>
+                </a:solidFill>
+                <a:latin typeface="DejaVu Sans"/>
+                <a:ea typeface="DejaVu Sans"/>
+              </a:rPr>
+              <a:t>06.05.2024 </a:t>
+            </a:r>
+            <a:r>
+              <a:rPr b="0" lang="en-US" sz="1800" spc="-1" strike="noStrike">
+                <a:solidFill>
+                  <a:srgbClr val="000000"/>
+                </a:solidFill>
+                <a:latin typeface="DejaVu Sans"/>
+                <a:ea typeface="DejaVu Sans"/>
+              </a:rPr>
+              <a:t>→</a:t>
+            </a:r>
+            <a:r>
+              <a:rPr b="0" lang="de-DE" sz="1800" spc="-1" strike="noStrike">
+                <a:solidFill>
+                  <a:srgbClr val="000000"/>
+                </a:solidFill>
+                <a:latin typeface="DejaVu Sans"/>
+                <a:ea typeface="DejaVu Sans"/>
+              </a:rPr>
+              <a:t> Exercise 04 – IoT Sensing and Gathering Data</a:t>
+            </a:r>
+            <a:endParaRPr b="0" lang="en-US" sz="1800" spc="-1" strike="noStrike">
+              <a:solidFill>
+                <a:srgbClr val="000000"/>
+              </a:solidFill>
+              <a:latin typeface="Arial"/>
+            </a:endParaRPr>
+          </a:p>
+          <a:p>
+            <a:pPr marL="195120" indent="-189720">
+              <a:lnSpc>
+                <a:spcPct val="100000"/>
+              </a:lnSpc>
+              <a:spcBef>
+                <a:spcPts val="360"/>
+              </a:spcBef>
+              <a:buClr>
+                <a:srgbClr val="008c4f"/>
+              </a:buClr>
+              <a:buSzPct val="115000"/>
+              <a:buFont typeface="Wingdings" charset="2"/>
+              <a:buChar char=""/>
+            </a:pPr>
+            <a:r>
+              <a:rPr b="1" lang="de-DE" sz="1800" spc="-1" strike="noStrike">
+                <a:solidFill>
+                  <a:srgbClr val="000000"/>
+                </a:solidFill>
+                <a:latin typeface="DejaVu Sans"/>
+                <a:ea typeface="DejaVu Sans"/>
+              </a:rPr>
+              <a:t>13.05.2024 </a:t>
+            </a:r>
+            <a:r>
+              <a:rPr b="1" lang="en-US" sz="1800" spc="-1" strike="noStrike">
+                <a:solidFill>
+                  <a:srgbClr val="000000"/>
+                </a:solidFill>
+                <a:latin typeface="DejaVu Sans"/>
+                <a:ea typeface="DejaVu Sans"/>
+              </a:rPr>
+              <a:t>→</a:t>
+            </a:r>
+            <a:r>
+              <a:rPr b="1" lang="de-DE" sz="1800" spc="-1" strike="noStrike">
+                <a:solidFill>
+                  <a:srgbClr val="000000"/>
+                </a:solidFill>
+                <a:latin typeface="DejaVu Sans"/>
+                <a:ea typeface="DejaVu Sans"/>
+              </a:rPr>
+              <a:t> Exercise 05 – IoT Data Processing</a:t>
+            </a:r>
+            <a:endParaRPr b="0" lang="en-US" sz="1800" spc="-1" strike="noStrike">
+              <a:solidFill>
+                <a:srgbClr val="000000"/>
+              </a:solidFill>
+              <a:latin typeface="Arial"/>
+            </a:endParaRPr>
+          </a:p>
+          <a:p>
+            <a:pPr marL="195120" indent="-189720">
+              <a:lnSpc>
+                <a:spcPct val="100000"/>
+              </a:lnSpc>
+              <a:spcBef>
+                <a:spcPts val="360"/>
+              </a:spcBef>
+              <a:buClr>
+                <a:srgbClr val="008c4f"/>
+              </a:buClr>
+              <a:buSzPct val="115000"/>
+              <a:buFont typeface="Wingdings" charset="2"/>
+              <a:buChar char=""/>
+            </a:pPr>
+            <a:r>
+              <a:rPr b="1" lang="de-DE" sz="1800" spc="-1" strike="noStrike">
+                <a:solidFill>
+                  <a:srgbClr val="000000"/>
+                </a:solidFill>
+                <a:latin typeface="DejaVu Sans"/>
+                <a:ea typeface="DejaVu Sans"/>
+              </a:rPr>
+              <a:t>27.05.2024 </a:t>
+            </a:r>
+            <a:r>
+              <a:rPr b="1" lang="en-US" sz="1800" spc="-1" strike="noStrike">
+                <a:solidFill>
+                  <a:srgbClr val="000000"/>
+                </a:solidFill>
+                <a:latin typeface="DejaVu Sans"/>
+                <a:ea typeface="DejaVu Sans"/>
+              </a:rPr>
+              <a:t>→</a:t>
+            </a:r>
+            <a:r>
+              <a:rPr b="1" lang="de-DE" sz="1800" spc="-1" strike="noStrike">
+                <a:solidFill>
+                  <a:srgbClr val="000000"/>
+                </a:solidFill>
+                <a:latin typeface="DejaVu Sans"/>
+                <a:ea typeface="DejaVu Sans"/>
+              </a:rPr>
+              <a:t> Exercise 06 – IoT Security</a:t>
+            </a:r>
+            <a:endParaRPr b="0" lang="en-US" sz="1800" spc="-1" strike="noStrike">
+              <a:solidFill>
+                <a:srgbClr val="000000"/>
+              </a:solidFill>
+              <a:latin typeface="Arial"/>
+            </a:endParaRPr>
+          </a:p>
+          <a:p>
+            <a:pPr marL="195120" indent="-189720">
+              <a:lnSpc>
+                <a:spcPct val="100000"/>
+              </a:lnSpc>
+              <a:spcBef>
+                <a:spcPts val="360"/>
+              </a:spcBef>
+              <a:buClr>
+                <a:srgbClr val="008c4f"/>
+              </a:buClr>
+              <a:buSzPct val="115000"/>
+              <a:buFont typeface="Wingdings" charset="2"/>
+              <a:buChar char=""/>
+            </a:pPr>
+            <a:r>
+              <a:rPr b="0" lang="de-DE" sz="1800" spc="-1" strike="noStrike">
+                <a:solidFill>
+                  <a:srgbClr val="000000"/>
+                </a:solidFill>
+                <a:latin typeface="DejaVu Sans"/>
+                <a:ea typeface="DejaVu Sans"/>
+              </a:rPr>
+              <a:t>03.06.2024 → Exercise 07 – Industrial IoT</a:t>
+            </a:r>
+            <a:endParaRPr b="0" lang="en-US" sz="1800" spc="-1" strike="noStrike">
+              <a:solidFill>
+                <a:srgbClr val="000000"/>
+              </a:solidFill>
+              <a:latin typeface="Arial"/>
+            </a:endParaRPr>
+          </a:p>
+          <a:p>
+            <a:pPr marL="195120" indent="-189720">
+              <a:lnSpc>
+                <a:spcPct val="100000"/>
+              </a:lnSpc>
+              <a:spcBef>
+                <a:spcPts val="360"/>
+              </a:spcBef>
+              <a:buClr>
+                <a:srgbClr val="008c4f"/>
+              </a:buClr>
+              <a:buSzPct val="115000"/>
+              <a:buFont typeface="Wingdings" charset="2"/>
+              <a:buChar char=""/>
+            </a:pPr>
+            <a:r>
+              <a:rPr b="0" lang="de-DE" sz="1800" spc="-1" strike="noStrike">
+                <a:solidFill>
+                  <a:srgbClr val="000000"/>
+                </a:solidFill>
+                <a:latin typeface="DejaVu Sans"/>
+                <a:ea typeface="DejaVu Sans"/>
+              </a:rPr>
+              <a:t>10.06.2024 </a:t>
+            </a:r>
+            <a:r>
+              <a:rPr b="0" lang="en-US" sz="1800" spc="-1" strike="noStrike">
+                <a:solidFill>
+                  <a:srgbClr val="000000"/>
+                </a:solidFill>
+                <a:latin typeface="DejaVu Sans"/>
+                <a:ea typeface="DejaVu Sans"/>
+              </a:rPr>
+              <a:t>→</a:t>
+            </a:r>
+            <a:r>
+              <a:rPr b="0" lang="de-DE" sz="1800" spc="-1" strike="noStrike">
+                <a:solidFill>
+                  <a:srgbClr val="000000"/>
+                </a:solidFill>
+                <a:latin typeface="DejaVu Sans"/>
+                <a:ea typeface="DejaVu Sans"/>
+              </a:rPr>
+              <a:t> </a:t>
+            </a:r>
+            <a:r>
+              <a:rPr b="0" lang="en-GB" sz="1800" spc="-1" strike="noStrike">
+                <a:solidFill>
+                  <a:srgbClr val="000000"/>
+                </a:solidFill>
+                <a:latin typeface="DejaVu Sans"/>
+                <a:ea typeface="DejaVu Sans"/>
+              </a:rPr>
+              <a:t>Exercise</a:t>
+            </a:r>
+            <a:r>
+              <a:rPr b="0" lang="de-DE" sz="1800" spc="-1" strike="noStrike">
+                <a:solidFill>
+                  <a:srgbClr val="000000"/>
+                </a:solidFill>
+                <a:latin typeface="DejaVu Sans"/>
+                <a:ea typeface="DejaVu Sans"/>
+              </a:rPr>
+              <a:t> 08 – Blockchain (MC)</a:t>
+            </a:r>
+            <a:endParaRPr b="0" lang="en-US" sz="1800" spc="-1" strike="noStrike">
+              <a:solidFill>
+                <a:srgbClr val="000000"/>
+              </a:solidFill>
+              <a:latin typeface="Arial"/>
+            </a:endParaRPr>
+          </a:p>
+          <a:p>
+            <a:pPr marL="195120" indent="-189720">
+              <a:lnSpc>
+                <a:spcPct val="100000"/>
+              </a:lnSpc>
+              <a:spcBef>
+                <a:spcPts val="360"/>
+              </a:spcBef>
+              <a:buClr>
+                <a:srgbClr val="008c4f"/>
+              </a:buClr>
+              <a:buSzPct val="115000"/>
+              <a:buFont typeface="Wingdings" charset="2"/>
+              <a:buChar char=""/>
+            </a:pPr>
+            <a:r>
+              <a:rPr b="0" lang="de-DE" sz="1800" spc="-1" strike="noStrike">
+                <a:solidFill>
+                  <a:srgbClr val="000000"/>
+                </a:solidFill>
+                <a:latin typeface="DejaVu Sans"/>
+                <a:ea typeface="DejaVu Sans"/>
+              </a:rPr>
+              <a:t>17.06.2024 </a:t>
+            </a:r>
+            <a:r>
+              <a:rPr b="0" lang="en-US" sz="1800" spc="-1" strike="noStrike">
+                <a:solidFill>
+                  <a:srgbClr val="000000"/>
+                </a:solidFill>
+                <a:latin typeface="DejaVu Sans"/>
+                <a:ea typeface="DejaVu Sans"/>
+              </a:rPr>
+              <a:t>→</a:t>
+            </a:r>
+            <a:r>
+              <a:rPr b="0" lang="de-DE" sz="1800" spc="-1" strike="noStrike">
+                <a:solidFill>
+                  <a:srgbClr val="000000"/>
+                </a:solidFill>
+                <a:latin typeface="DejaVu Sans"/>
+                <a:ea typeface="DejaVu Sans"/>
+              </a:rPr>
+              <a:t> Exercise 09 – Blockchain Basics</a:t>
+            </a:r>
+            <a:endParaRPr b="0" lang="en-US" sz="1800" spc="-1" strike="noStrike">
+              <a:solidFill>
+                <a:srgbClr val="000000"/>
+              </a:solidFill>
+              <a:latin typeface="Arial"/>
+            </a:endParaRPr>
+          </a:p>
+          <a:p>
+            <a:pPr marL="195120" indent="-189720">
+              <a:lnSpc>
+                <a:spcPct val="100000"/>
+              </a:lnSpc>
+              <a:spcBef>
+                <a:spcPts val="360"/>
+              </a:spcBef>
+              <a:buClr>
+                <a:srgbClr val="008c4f"/>
+              </a:buClr>
+              <a:buSzPct val="115000"/>
+              <a:buFont typeface="Wingdings" charset="2"/>
+              <a:buChar char=""/>
+            </a:pPr>
+            <a:r>
+              <a:rPr b="0" lang="de-DE" sz="1800" spc="-1" strike="noStrike">
+                <a:solidFill>
+                  <a:srgbClr val="000000"/>
+                </a:solidFill>
+                <a:latin typeface="DejaVu Sans"/>
+                <a:ea typeface="DejaVu Sans"/>
+              </a:rPr>
+              <a:t>24.06.2024 </a:t>
+            </a:r>
+            <a:r>
+              <a:rPr b="0" lang="en-US" sz="1800" spc="-1" strike="noStrike">
+                <a:solidFill>
+                  <a:srgbClr val="000000"/>
+                </a:solidFill>
+                <a:latin typeface="DejaVu Sans"/>
+                <a:ea typeface="DejaVu Sans"/>
+              </a:rPr>
+              <a:t>→</a:t>
+            </a:r>
+            <a:r>
+              <a:rPr b="0" lang="de-DE" sz="1800" spc="-1" strike="noStrike">
+                <a:solidFill>
+                  <a:srgbClr val="000000"/>
+                </a:solidFill>
+                <a:latin typeface="DejaVu Sans"/>
+                <a:ea typeface="DejaVu Sans"/>
+              </a:rPr>
+              <a:t> Exercise 10 – Blockchain Conensus</a:t>
+            </a:r>
+            <a:endParaRPr b="0" lang="en-US" sz="1800" spc="-1" strike="noStrike">
+              <a:solidFill>
+                <a:srgbClr val="000000"/>
+              </a:solidFill>
+              <a:latin typeface="Arial"/>
+            </a:endParaRPr>
+          </a:p>
+          <a:p>
+            <a:pPr marL="195120" indent="-189720">
+              <a:lnSpc>
+                <a:spcPct val="100000"/>
+              </a:lnSpc>
+              <a:spcBef>
+                <a:spcPts val="360"/>
+              </a:spcBef>
+              <a:buClr>
+                <a:srgbClr val="008c4f"/>
+              </a:buClr>
+              <a:buSzPct val="115000"/>
+              <a:buFont typeface="Wingdings" charset="2"/>
+              <a:buChar char=""/>
+            </a:pPr>
+            <a:r>
+              <a:rPr b="0" lang="de-DE" sz="1800" spc="-1" strike="noStrike">
+                <a:solidFill>
+                  <a:srgbClr val="000000"/>
+                </a:solidFill>
+                <a:latin typeface="DejaVu Sans"/>
+                <a:ea typeface="DejaVu Sans"/>
+              </a:rPr>
+              <a:t>01.07.2024 </a:t>
+            </a:r>
+            <a:r>
+              <a:rPr b="0" lang="en-US" sz="1800" spc="-1" strike="noStrike">
+                <a:solidFill>
+                  <a:srgbClr val="000000"/>
+                </a:solidFill>
+                <a:latin typeface="DejaVu Sans"/>
+                <a:ea typeface="DejaVu Sans"/>
+              </a:rPr>
+              <a:t>→</a:t>
+            </a:r>
+            <a:r>
+              <a:rPr b="0" lang="de-DE" sz="1800" spc="-1" strike="noStrike">
+                <a:solidFill>
+                  <a:srgbClr val="000000"/>
+                </a:solidFill>
+                <a:latin typeface="DejaVu Sans"/>
+                <a:ea typeface="DejaVu Sans"/>
+              </a:rPr>
+              <a:t> Exercise 11 – Blockchain Tokens</a:t>
+            </a:r>
+            <a:endParaRPr b="0" lang="en-US" sz="1800" spc="-1" strike="noStrike">
               <a:solidFill>
                 <a:srgbClr val="000000"/>
               </a:solidFill>
@@ -6610,14 +7766,201 @@
       </p:sp>
       <p:sp>
         <p:nvSpPr>
-          <p:cNvPr id="74" name="CustomShape 2"/>
+          <p:cNvPr id="85" name="CustomShape 6"/>
+          <p:cNvSpPr/>
+          <p:nvPr/>
+        </p:nvSpPr>
+        <p:spPr>
+          <a:xfrm>
+            <a:off x="349200" y="1642320"/>
+            <a:ext cx="10783800" cy="3155760"/>
+          </a:xfrm>
+          <a:prstGeom prst="rect">
+            <a:avLst/>
+          </a:prstGeom>
+          <a:noFill/>
+          <a:ln w="0">
+            <a:noFill/>
+          </a:ln>
+        </p:spPr>
+        <p:style>
+          <a:lnRef idx="0"/>
+          <a:fillRef idx="0"/>
+          <a:effectRef idx="0"/>
+          <a:fontRef idx="minor"/>
+        </p:style>
+        <p:txBody>
+          <a:bodyPr lIns="90000" rIns="90000" tIns="45000" bIns="45000" anchor="t">
+            <a:noAutofit/>
+          </a:bodyPr>
+          <a:p>
+            <a:pPr>
+              <a:lnSpc>
+                <a:spcPct val="100000"/>
+              </a:lnSpc>
+              <a:tabLst>
+                <a:tab algn="l" pos="408240"/>
+              </a:tabLst>
+            </a:pPr>
+            <a:r>
+              <a:rPr b="0" lang="en-US" sz="1800" spc="-1" strike="noStrike">
+                <a:solidFill>
+                  <a:srgbClr val="000000"/>
+                </a:solidFill>
+                <a:latin typeface="Arial"/>
+                <a:ea typeface="DejaVu Sans"/>
+              </a:rPr>
+              <a:t>The schedule of the exercises, </a:t>
+            </a:r>
+            <a:r>
+              <a:rPr b="1" lang="en-US" sz="1800" spc="-1" strike="noStrike">
+                <a:solidFill>
+                  <a:srgbClr val="000000"/>
+                </a:solidFill>
+                <a:latin typeface="Arial"/>
+                <a:ea typeface="DejaVu Sans"/>
+              </a:rPr>
+              <a:t>IoT Data Processing</a:t>
+            </a:r>
+            <a:r>
+              <a:rPr b="0" lang="en-US" sz="1800" spc="-1" strike="noStrike">
+                <a:solidFill>
+                  <a:srgbClr val="000000"/>
+                </a:solidFill>
+                <a:latin typeface="Arial"/>
+                <a:ea typeface="DejaVu Sans"/>
+              </a:rPr>
+              <a:t> &amp; </a:t>
+            </a:r>
+            <a:r>
+              <a:rPr b="1" lang="en-US" sz="1800" spc="-1" strike="noStrike">
+                <a:solidFill>
+                  <a:srgbClr val="000000"/>
+                </a:solidFill>
+                <a:latin typeface="Arial"/>
+                <a:ea typeface="DejaVu Sans"/>
+              </a:rPr>
+              <a:t>IoT Security</a:t>
+            </a:r>
+            <a:r>
+              <a:rPr b="0" lang="en-US" sz="1800" spc="-1" strike="noStrike">
+                <a:solidFill>
+                  <a:srgbClr val="000000"/>
+                </a:solidFill>
+                <a:latin typeface="Arial"/>
+                <a:ea typeface="DejaVu Sans"/>
+              </a:rPr>
+              <a:t>, will be switched. The new order is as follows:</a:t>
+            </a:r>
+            <a:endParaRPr b="0" lang="en-US" sz="1800" spc="-1" strike="noStrike">
+              <a:solidFill>
+                <a:srgbClr val="000000"/>
+              </a:solidFill>
+              <a:latin typeface="Arial"/>
+            </a:endParaRPr>
+          </a:p>
+        </p:txBody>
+      </p:sp>
+    </p:spTree>
+  </p:cSld>
+  <mc:AlternateContent>
+    <mc:Choice Requires="p14">
+      <p:transition spd="slow" p14:dur="2000"/>
+    </mc:Choice>
+    <mc:Fallback>
+      <p:transition spd="slow"/>
+    </mc:Fallback>
+  </mc:AlternateContent>
+</p:sld>
+</file>
+
+<file path=ppt/slides/slide22.xml><?xml version="1.0" encoding="utf-8"?>
+<p:sld xmlns:a="http://schemas.openxmlformats.org/drawingml/2006/main" xmlns:p="http://schemas.openxmlformats.org/presentationml/2006/main" xmlns:r="http://schemas.openxmlformats.org/officeDocument/2006/relationships" xmlns:p14="http://schemas.microsoft.com/office/powerpoint/2010/main" xmlns:p15="http://schemas.microsoft.com/office/powerpoint/2012/main" xmlns:mc="http://schemas.openxmlformats.org/markup-compatibility/2006">
+  <p:cSld>
+    <p:spTree>
+      <p:nvGrpSpPr>
+        <p:cNvPr id="1" name=""/>
+        <p:cNvGrpSpPr/>
+        <p:nvPr/>
+      </p:nvGrpSpPr>
+      <p:grpSpPr>
+        <a:xfrm>
+          <a:off x="0" y="0"/>
+          <a:ext cx="0" cy="0"/>
+          <a:chOff x="0" y="0"/>
+          <a:chExt cx="0" cy="0"/>
+        </a:xfrm>
+      </p:grpSpPr>
+      <p:sp>
+        <p:nvSpPr>
+          <p:cNvPr id="86" name="CustomShape 1"/>
+          <p:cNvSpPr/>
+          <p:nvPr/>
+        </p:nvSpPr>
+        <p:spPr>
+          <a:xfrm>
+            <a:off x="335520" y="1268640"/>
+            <a:ext cx="10746000" cy="5033520"/>
+          </a:xfrm>
+          <a:prstGeom prst="rect">
+            <a:avLst/>
+          </a:prstGeom>
+          <a:noFill/>
+          <a:ln w="0">
+            <a:noFill/>
+          </a:ln>
+        </p:spPr>
+        <p:style>
+          <a:lnRef idx="0"/>
+          <a:fillRef idx="0"/>
+          <a:effectRef idx="0"/>
+          <a:fontRef idx="minor"/>
+        </p:style>
+        <p:txBody>
+          <a:bodyPr lIns="90000" rIns="90000" tIns="45000" bIns="45000" anchor="ctr">
+            <a:noAutofit/>
+          </a:bodyPr>
+          <a:p>
+            <a:pPr algn="ctr">
+              <a:lnSpc>
+                <a:spcPct val="100000"/>
+              </a:lnSpc>
+              <a:spcBef>
+                <a:spcPts val="799"/>
+              </a:spcBef>
+              <a:tabLst>
+                <a:tab algn="l" pos="408240"/>
+              </a:tabLst>
+            </a:pPr>
+            <a:r>
+              <a:rPr b="1" lang="en-US" sz="4000" spc="-1" strike="noStrike">
+                <a:solidFill>
+                  <a:srgbClr val="000000"/>
+                </a:solidFill>
+                <a:latin typeface="DejaVu Sans"/>
+                <a:ea typeface="DejaVu Sans"/>
+              </a:rPr>
+              <a:t>Questions?</a:t>
+            </a:r>
+            <a:endParaRPr b="0" lang="en-US" sz="4000" spc="-1" strike="noStrike">
+              <a:solidFill>
+                <a:srgbClr val="000000"/>
+              </a:solidFill>
+              <a:latin typeface="Arial"/>
+            </a:endParaRPr>
+          </a:p>
+        </p:txBody>
+      </p:sp>
+      <p:sp>
+        <p:nvSpPr>
+          <p:cNvPr id="87" name="CustomShape 2"/>
           <p:cNvSpPr/>
           <p:nvPr/>
         </p:nvSpPr>
         <p:spPr>
           <a:xfrm>
             <a:off x="335520" y="764640"/>
-            <a:ext cx="10746360" cy="497160"/>
+            <a:ext cx="10746000" cy="496800"/>
           </a:xfrm>
           <a:prstGeom prst="rect">
             <a:avLst/>
@@ -6685,14 +8028,14 @@
       </p:grpSpPr>
       <p:sp>
         <p:nvSpPr>
-          <p:cNvPr id="34" name="CustomShape 1"/>
+          <p:cNvPr id="44" name="CustomShape 1"/>
           <p:cNvSpPr/>
           <p:nvPr/>
         </p:nvSpPr>
         <p:spPr>
           <a:xfrm>
             <a:off x="335520" y="4406760"/>
-            <a:ext cx="10746360" cy="1355400"/>
+            <a:ext cx="10746000" cy="1355040"/>
           </a:xfrm>
           <a:prstGeom prst="rect">
             <a:avLst/>
@@ -6742,14 +8085,14 @@
       </p:sp>
       <p:sp>
         <p:nvSpPr>
-          <p:cNvPr id="35" name="CustomShape 2"/>
+          <p:cNvPr id="45" name="CustomShape 2"/>
           <p:cNvSpPr/>
           <p:nvPr/>
         </p:nvSpPr>
         <p:spPr>
           <a:xfrm>
             <a:off x="335520" y="2906640"/>
-            <a:ext cx="10746360" cy="1493280"/>
+            <a:ext cx="10746000" cy="1492920"/>
           </a:xfrm>
           <a:prstGeom prst="rect">
             <a:avLst/>
@@ -6817,14 +8160,14 @@
       </p:grpSpPr>
       <p:sp>
         <p:nvSpPr>
-          <p:cNvPr id="36" name="CustomShape 1"/>
+          <p:cNvPr id="46" name="CustomShape 1"/>
           <p:cNvSpPr/>
           <p:nvPr/>
         </p:nvSpPr>
         <p:spPr>
           <a:xfrm>
             <a:off x="335520" y="764640"/>
-            <a:ext cx="10746360" cy="497160"/>
+            <a:ext cx="10746000" cy="496800"/>
           </a:xfrm>
           <a:prstGeom prst="rect">
             <a:avLst/>
@@ -6874,7 +8217,7 @@
       </p:sp>
       <p:pic>
         <p:nvPicPr>
-          <p:cNvPr id="37" name="Grafik 6" descr=""/>
+          <p:cNvPr id="47" name="Grafik 6" descr=""/>
           <p:cNvPicPr/>
           <p:nvPr/>
         </p:nvPicPr>
@@ -6885,7 +8228,7 @@
         <p:spPr>
           <a:xfrm>
             <a:off x="1656360" y="1202400"/>
-            <a:ext cx="8532720" cy="5202720"/>
+            <a:ext cx="8532360" cy="5202360"/>
           </a:xfrm>
           <a:prstGeom prst="rect">
             <a:avLst/>
@@ -6927,14 +8270,14 @@
       </p:grpSpPr>
       <p:sp>
         <p:nvSpPr>
-          <p:cNvPr id="38" name="CustomShape 1"/>
+          <p:cNvPr id="48" name="CustomShape 1"/>
           <p:cNvSpPr/>
           <p:nvPr/>
         </p:nvSpPr>
         <p:spPr>
           <a:xfrm>
             <a:off x="335520" y="764640"/>
-            <a:ext cx="10746360" cy="497160"/>
+            <a:ext cx="10746000" cy="496800"/>
           </a:xfrm>
           <a:prstGeom prst="rect">
             <a:avLst/>
@@ -6984,14 +8327,14 @@
       </p:sp>
       <p:sp>
         <p:nvSpPr>
-          <p:cNvPr id="39" name="CustomShape 2"/>
+          <p:cNvPr id="49" name="CustomShape 2"/>
           <p:cNvSpPr/>
           <p:nvPr/>
         </p:nvSpPr>
         <p:spPr>
           <a:xfrm>
             <a:off x="914400" y="6400800"/>
-            <a:ext cx="9138240" cy="322200"/>
+            <a:ext cx="9137880" cy="321840"/>
           </a:xfrm>
           <a:prstGeom prst="rect">
             <a:avLst/>
@@ -7051,7 +8394,7 @@
       </p:sp>
       <p:pic>
         <p:nvPicPr>
-          <p:cNvPr id="40" name="" descr=""/>
+          <p:cNvPr id="50" name="" descr=""/>
           <p:cNvPicPr/>
           <p:nvPr/>
         </p:nvPicPr>
@@ -7062,7 +8405,7 @@
         <p:spPr>
           <a:xfrm>
             <a:off x="1035000" y="1227600"/>
-            <a:ext cx="8710560" cy="5169960"/>
+            <a:ext cx="8710200" cy="5169600"/>
           </a:xfrm>
           <a:prstGeom prst="rect">
             <a:avLst/>
@@ -7104,14 +8447,14 @@
       </p:grpSpPr>
       <p:sp>
         <p:nvSpPr>
-          <p:cNvPr id="41" name="CustomShape 1"/>
+          <p:cNvPr id="51" name="CustomShape 1"/>
           <p:cNvSpPr/>
           <p:nvPr/>
         </p:nvSpPr>
         <p:spPr>
           <a:xfrm>
             <a:off x="335520" y="4406760"/>
-            <a:ext cx="10746360" cy="1355400"/>
+            <a:ext cx="10746000" cy="1355040"/>
           </a:xfrm>
           <a:prstGeom prst="rect">
             <a:avLst/>
@@ -7161,14 +8504,14 @@
       </p:sp>
       <p:sp>
         <p:nvSpPr>
-          <p:cNvPr id="42" name="CustomShape 2"/>
+          <p:cNvPr id="52" name="CustomShape 2"/>
           <p:cNvSpPr/>
           <p:nvPr/>
         </p:nvSpPr>
         <p:spPr>
           <a:xfrm>
             <a:off x="335520" y="2906640"/>
-            <a:ext cx="10746360" cy="1493280"/>
+            <a:ext cx="10746000" cy="1492920"/>
           </a:xfrm>
           <a:prstGeom prst="rect">
             <a:avLst/>
@@ -7236,14 +8579,14 @@
       </p:grpSpPr>
       <p:sp>
         <p:nvSpPr>
-          <p:cNvPr id="43" name="CustomShape 1"/>
+          <p:cNvPr id="53" name="CustomShape 1"/>
           <p:cNvSpPr/>
           <p:nvPr/>
         </p:nvSpPr>
         <p:spPr>
           <a:xfrm>
             <a:off x="335520" y="764640"/>
-            <a:ext cx="10746360" cy="497160"/>
+            <a:ext cx="10746000" cy="496800"/>
           </a:xfrm>
           <a:prstGeom prst="rect">
             <a:avLst/>
@@ -7293,14 +8636,14 @@
       </p:sp>
       <p:sp>
         <p:nvSpPr>
-          <p:cNvPr id="44" name="CustomShape 2"/>
+          <p:cNvPr id="54" name="CustomShape 2"/>
           <p:cNvSpPr/>
           <p:nvPr/>
         </p:nvSpPr>
         <p:spPr>
           <a:xfrm>
             <a:off x="457200" y="1371600"/>
-            <a:ext cx="10784160" cy="3668040"/>
+            <a:ext cx="10783800" cy="3667680"/>
           </a:xfrm>
           <a:prstGeom prst="rect">
             <a:avLst/>
@@ -7726,14 +9069,14 @@
       </p:grpSpPr>
       <p:sp>
         <p:nvSpPr>
-          <p:cNvPr id="45" name="CustomShape 1"/>
+          <p:cNvPr id="55" name="CustomShape 1"/>
           <p:cNvSpPr/>
           <p:nvPr/>
         </p:nvSpPr>
         <p:spPr>
           <a:xfrm>
             <a:off x="335520" y="764640"/>
-            <a:ext cx="10746360" cy="497160"/>
+            <a:ext cx="10746000" cy="496800"/>
           </a:xfrm>
           <a:prstGeom prst="rect">
             <a:avLst/>
@@ -7783,14 +9126,14 @@
       </p:sp>
       <p:sp>
         <p:nvSpPr>
-          <p:cNvPr id="46" name="CustomShape 2"/>
+          <p:cNvPr id="56" name="CustomShape 2"/>
           <p:cNvSpPr/>
           <p:nvPr/>
         </p:nvSpPr>
         <p:spPr>
           <a:xfrm>
             <a:off x="457200" y="1371600"/>
-            <a:ext cx="10784160" cy="4691880"/>
+            <a:ext cx="10783800" cy="4691520"/>
           </a:xfrm>
           <a:prstGeom prst="rect">
             <a:avLst/>
@@ -8348,14 +9691,14 @@
       </p:grpSpPr>
       <p:sp>
         <p:nvSpPr>
-          <p:cNvPr id="47" name="CustomShape 1"/>
+          <p:cNvPr id="57" name="CustomShape 1"/>
           <p:cNvSpPr/>
           <p:nvPr/>
         </p:nvSpPr>
         <p:spPr>
           <a:xfrm>
             <a:off x="335520" y="764640"/>
-            <a:ext cx="10746360" cy="497160"/>
+            <a:ext cx="10746000" cy="496800"/>
           </a:xfrm>
           <a:prstGeom prst="rect">
             <a:avLst/>
@@ -8405,14 +9748,14 @@
       </p:sp>
       <p:sp>
         <p:nvSpPr>
-          <p:cNvPr id="48" name="CustomShape 2"/>
+          <p:cNvPr id="58" name="CustomShape 2"/>
           <p:cNvSpPr/>
           <p:nvPr/>
         </p:nvSpPr>
         <p:spPr>
           <a:xfrm>
             <a:off x="457200" y="1371600"/>
-            <a:ext cx="10784160" cy="3412080"/>
+            <a:ext cx="10783800" cy="3411720"/>
           </a:xfrm>
           <a:prstGeom prst="rect">
             <a:avLst/>
@@ -9345,4 +10688,182 @@
     </a:fmtScheme>
   </a:themeElements>
 </a:theme>
+</file>
+
+<file path=ppt/theme/theme4.xml><?xml version="1.0" encoding="utf-8"?>
+<a:theme xmlns:a="http://schemas.openxmlformats.org/drawingml/2006/main" xmlns:r="http://schemas.openxmlformats.org/officeDocument/2006/relationships" name="Office Theme">
+  <a:themeElements>
+    <a:clrScheme name="Office">
+      <a:dk1>
+        <a:srgbClr val="000000"/>
+      </a:dk1>
+      <a:lt1>
+        <a:srgbClr val="ffffff"/>
+      </a:lt1>
+      <a:dk2>
+        <a:srgbClr val="1f497d"/>
+      </a:dk2>
+      <a:lt2>
+        <a:srgbClr val="eeece1"/>
+      </a:lt2>
+      <a:accent1>
+        <a:srgbClr val="4f81bd"/>
+      </a:accent1>
+      <a:accent2>
+        <a:srgbClr val="c0504d"/>
+      </a:accent2>
+      <a:accent3>
+        <a:srgbClr val="9bbb59"/>
+      </a:accent3>
+      <a:accent4>
+        <a:srgbClr val="8064a2"/>
+      </a:accent4>
+      <a:accent5>
+        <a:srgbClr val="4bacc6"/>
+      </a:accent5>
+      <a:accent6>
+        <a:srgbClr val="f79646"/>
+      </a:accent6>
+      <a:hlink>
+        <a:srgbClr val="0000ff"/>
+      </a:hlink>
+      <a:folHlink>
+        <a:srgbClr val="800080"/>
+      </a:folHlink>
+    </a:clrScheme>
+    <a:fontScheme name="Office">
+      <a:majorFont>
+        <a:latin typeface="Arial" pitchFamily="0" charset="1"/>
+        <a:ea typeface="DejaVu Sans" pitchFamily="0" charset="1"/>
+        <a:cs typeface="DejaVu Sans" pitchFamily="0" charset="1"/>
+      </a:majorFont>
+      <a:minorFont>
+        <a:latin typeface="Arial" pitchFamily="0" charset="1"/>
+        <a:ea typeface="DejaVu Sans" pitchFamily="0" charset="1"/>
+        <a:cs typeface="DejaVu Sans" pitchFamily="0" charset="1"/>
+      </a:minorFont>
+    </a:fontScheme>
+    <a:fmtScheme>
+      <a:fillStyleLst>
+        <a:solidFill>
+          <a:schemeClr val="phClr"/>
+        </a:solidFill>
+        <a:gradFill>
+          <a:gsLst>
+            <a:gs pos="0">
+              <a:schemeClr val="phClr">
+                <a:tint val="50000"/>
+              </a:schemeClr>
+            </a:gs>
+            <a:gs pos="35000">
+              <a:schemeClr val="phClr">
+                <a:tint val="37000"/>
+              </a:schemeClr>
+            </a:gs>
+            <a:gs pos="100000">
+              <a:schemeClr val="phClr">
+                <a:tint val="15000"/>
+              </a:schemeClr>
+            </a:gs>
+          </a:gsLst>
+          <a:lin ang="16200000" scaled="1"/>
+          <a:tileRect l="0" t="0" r="0" b="0"/>
+        </a:gradFill>
+        <a:gradFill>
+          <a:gsLst>
+            <a:gs pos="0">
+              <a:schemeClr val="phClr">
+                <a:shade val="51000"/>
+              </a:schemeClr>
+            </a:gs>
+            <a:gs pos="80000">
+              <a:schemeClr val="phClr">
+                <a:shade val="93000"/>
+              </a:schemeClr>
+            </a:gs>
+            <a:gs pos="100000">
+              <a:schemeClr val="phClr">
+                <a:shade val="94000"/>
+              </a:schemeClr>
+            </a:gs>
+          </a:gsLst>
+          <a:lin ang="16200000" scaled="0"/>
+          <a:tileRect l="0" t="0" r="0" b="0"/>
+        </a:gradFill>
+      </a:fillStyleLst>
+      <a:lnStyleLst>
+        <a:ln w="6350" cap="flat" cmpd="sng" algn="ctr">
+          <a:prstDash val="solid"/>
+          <a:miter/>
+        </a:ln>
+        <a:ln w="12700" cap="flat" cmpd="sng" algn="ctr">
+          <a:prstDash val="solid"/>
+          <a:miter/>
+        </a:ln>
+        <a:ln w="19050" cap="flat" cmpd="sng" algn="ctr">
+          <a:prstDash val="solid"/>
+          <a:miter/>
+        </a:ln>
+      </a:lnStyleLst>
+      <a:effectStyleLst>
+        <a:effectStyle>
+          <a:effectLst/>
+        </a:effectStyle>
+        <a:effectStyle>
+          <a:effectLst/>
+        </a:effectStyle>
+        <a:effectStyle>
+          <a:effectLst/>
+        </a:effectStyle>
+      </a:effectStyleLst>
+      <a:bgFillStyleLst>
+        <a:solidFill>
+          <a:schemeClr val="phClr"/>
+        </a:solidFill>
+        <a:gradFill>
+          <a:gsLst>
+            <a:gs pos="0">
+              <a:schemeClr val="phClr">
+                <a:tint val="40000"/>
+              </a:schemeClr>
+            </a:gs>
+            <a:gs pos="40000">
+              <a:schemeClr val="phClr">
+                <a:tint val="45000"/>
+                <a:shade val="99000"/>
+              </a:schemeClr>
+            </a:gs>
+            <a:gs pos="100000">
+              <a:schemeClr val="phClr">
+                <a:shade val="20000"/>
+              </a:schemeClr>
+            </a:gs>
+          </a:gsLst>
+          <a:path path="circle">
+            <a:fillToRect l="50000" t="-80000" r="50000" b="180000"/>
+          </a:path>
+          <a:tileRect l="0" t="0" r="0" b="0"/>
+        </a:gradFill>
+        <a:gradFill>
+          <a:gsLst>
+            <a:gs pos="0">
+              <a:schemeClr val="phClr">
+                <a:tint val="80000"/>
+              </a:schemeClr>
+            </a:gs>
+            <a:gs pos="100000">
+              <a:schemeClr val="phClr">
+                <a:shade val="30000"/>
+              </a:schemeClr>
+            </a:gs>
+          </a:gsLst>
+          <a:path path="circle">
+            <a:fillToRect l="50000" t="50000" r="50000" b="50000"/>
+          </a:path>
+          <a:tileRect l="0" t="0" r="0" b="0"/>
+        </a:gradFill>
+      </a:bgFillStyleLst>
+    </a:fmtScheme>
+  </a:themeElements>
+</a:theme>
 </file>